--- a/presentation/interim/Presentation.pptx
+++ b/presentation/interim/Presentation.pptx
@@ -5,10 +5,10 @@
     <p:sldMasterId id="2147483648" r:id="rId1"/>
   </p:sldMasterIdLst>
   <p:notesMasterIdLst>
-    <p:notesMasterId r:id="rId15"/>
+    <p:notesMasterId r:id="rId16"/>
   </p:notesMasterIdLst>
   <p:handoutMasterIdLst>
-    <p:handoutMasterId r:id="rId16"/>
+    <p:handoutMasterId r:id="rId17"/>
   </p:handoutMasterIdLst>
   <p:sldIdLst>
     <p:sldId id="398" r:id="rId2"/>
@@ -17,13 +17,14 @@
     <p:sldId id="394" r:id="rId5"/>
     <p:sldId id="395" r:id="rId6"/>
     <p:sldId id="397" r:id="rId7"/>
-    <p:sldId id="402" r:id="rId8"/>
-    <p:sldId id="399" r:id="rId9"/>
-    <p:sldId id="400" r:id="rId10"/>
-    <p:sldId id="401" r:id="rId11"/>
-    <p:sldId id="406" r:id="rId12"/>
-    <p:sldId id="404" r:id="rId13"/>
-    <p:sldId id="407" r:id="rId14"/>
+    <p:sldId id="409" r:id="rId8"/>
+    <p:sldId id="402" r:id="rId9"/>
+    <p:sldId id="399" r:id="rId10"/>
+    <p:sldId id="400" r:id="rId11"/>
+    <p:sldId id="401" r:id="rId12"/>
+    <p:sldId id="406" r:id="rId13"/>
+    <p:sldId id="404" r:id="rId14"/>
+    <p:sldId id="407" r:id="rId15"/>
   </p:sldIdLst>
   <p:sldSz cx="9144000" cy="6858000" type="screen4x3"/>
   <p:notesSz cx="7099300" cy="10234613"/>
@@ -2193,6 +2194,223 @@
 </p:notes>
 </file>
 
+<file path=ppt/notesSlides/notesSlide6.xml><?xml version="1.0" encoding="utf-8"?>
+<p:notes xmlns:a="http://schemas.openxmlformats.org/drawingml/2006/main" xmlns:r="http://schemas.openxmlformats.org/officeDocument/2006/relationships" xmlns:p="http://schemas.openxmlformats.org/presentationml/2006/main">
+  <p:cSld>
+    <p:spTree>
+      <p:nvGrpSpPr>
+        <p:cNvPr id="1" name=""/>
+        <p:cNvGrpSpPr/>
+        <p:nvPr/>
+      </p:nvGrpSpPr>
+      <p:grpSpPr>
+        <a:xfrm>
+          <a:off x="0" y="0"/>
+          <a:ext cx="0" cy="0"/>
+          <a:chOff x="0" y="0"/>
+          <a:chExt cx="0" cy="0"/>
+        </a:xfrm>
+      </p:grpSpPr>
+      <p:sp>
+        <p:nvSpPr>
+          <p:cNvPr id="8194" name="Rectangle 7"/>
+          <p:cNvSpPr txBox="1">
+            <a:spLocks noGrp="1" noChangeArrowheads="1"/>
+          </p:cNvSpPr>
+          <p:nvPr/>
+        </p:nvSpPr>
+        <p:spPr bwMode="auto">
+          <a:xfrm>
+            <a:off x="4021138" y="9721850"/>
+            <a:ext cx="3076575" cy="511175"/>
+          </a:xfrm>
+          <a:prstGeom prst="rect">
+            <a:avLst/>
+          </a:prstGeom>
+          <a:noFill/>
+          <a:ln>
+            <a:noFill/>
+          </a:ln>
+          <a:extLst>
+            <a:ext uri="{909E8E84-426E-40dd-AFC4-6F175D3DCCD1}">
+              <a14:hiddenFill xmlns:a14="http://schemas.microsoft.com/office/drawing/2010/main">
+                <a:solidFill>
+                  <a:srgbClr val="FFFFFF"/>
+                </a:solidFill>
+              </a14:hiddenFill>
+            </a:ext>
+            <a:ext uri="{91240B29-F687-4f45-9708-019B960494DF}">
+              <a14:hiddenLine xmlns:a14="http://schemas.microsoft.com/office/drawing/2010/main" w="9525">
+                <a:solidFill>
+                  <a:srgbClr val="000000"/>
+                </a:solidFill>
+                <a:miter lim="800000"/>
+                <a:headEnd/>
+                <a:tailEnd/>
+              </a14:hiddenLine>
+            </a:ext>
+          </a:extLst>
+        </p:spPr>
+        <p:txBody>
+          <a:bodyPr lIns="94904" tIns="47452" rIns="94904" bIns="47452" anchor="b"/>
+          <a:lstStyle>
+            <a:lvl1pPr defTabSz="949325" eaLnBrk="0" hangingPunct="0">
+              <a:defRPr sz="1200">
+                <a:solidFill>
+                  <a:schemeClr val="tx1"/>
+                </a:solidFill>
+                <a:latin typeface="Arial" charset="0"/>
+              </a:defRPr>
+            </a:lvl1pPr>
+            <a:lvl2pPr marL="742950" indent="-285750" defTabSz="949325" eaLnBrk="0" hangingPunct="0">
+              <a:defRPr sz="1200">
+                <a:solidFill>
+                  <a:schemeClr val="tx1"/>
+                </a:solidFill>
+                <a:latin typeface="Arial" charset="0"/>
+              </a:defRPr>
+            </a:lvl2pPr>
+            <a:lvl3pPr marL="1143000" indent="-228600" defTabSz="949325" eaLnBrk="0" hangingPunct="0">
+              <a:defRPr sz="1200">
+                <a:solidFill>
+                  <a:schemeClr val="tx1"/>
+                </a:solidFill>
+                <a:latin typeface="Arial" charset="0"/>
+              </a:defRPr>
+            </a:lvl3pPr>
+            <a:lvl4pPr marL="1600200" indent="-228600" defTabSz="949325" eaLnBrk="0" hangingPunct="0">
+              <a:defRPr sz="1200">
+                <a:solidFill>
+                  <a:schemeClr val="tx1"/>
+                </a:solidFill>
+                <a:latin typeface="Arial" charset="0"/>
+              </a:defRPr>
+            </a:lvl4pPr>
+            <a:lvl5pPr marL="2057400" indent="-228600" defTabSz="949325" eaLnBrk="0" hangingPunct="0">
+              <a:defRPr sz="1200">
+                <a:solidFill>
+                  <a:schemeClr val="tx1"/>
+                </a:solidFill>
+                <a:latin typeface="Arial" charset="0"/>
+              </a:defRPr>
+            </a:lvl5pPr>
+            <a:lvl6pPr marL="2514600" indent="-228600" defTabSz="949325" eaLnBrk="0" fontAlgn="base" hangingPunct="0">
+              <a:spcBef>
+                <a:spcPct val="0"/>
+              </a:spcBef>
+              <a:spcAft>
+                <a:spcPct val="0"/>
+              </a:spcAft>
+              <a:defRPr sz="1200">
+                <a:solidFill>
+                  <a:schemeClr val="tx1"/>
+                </a:solidFill>
+                <a:latin typeface="Arial" charset="0"/>
+              </a:defRPr>
+            </a:lvl6pPr>
+            <a:lvl7pPr marL="2971800" indent="-228600" defTabSz="949325" eaLnBrk="0" fontAlgn="base" hangingPunct="0">
+              <a:spcBef>
+                <a:spcPct val="0"/>
+              </a:spcBef>
+              <a:spcAft>
+                <a:spcPct val="0"/>
+              </a:spcAft>
+              <a:defRPr sz="1200">
+                <a:solidFill>
+                  <a:schemeClr val="tx1"/>
+                </a:solidFill>
+                <a:latin typeface="Arial" charset="0"/>
+              </a:defRPr>
+            </a:lvl7pPr>
+            <a:lvl8pPr marL="3429000" indent="-228600" defTabSz="949325" eaLnBrk="0" fontAlgn="base" hangingPunct="0">
+              <a:spcBef>
+                <a:spcPct val="0"/>
+              </a:spcBef>
+              <a:spcAft>
+                <a:spcPct val="0"/>
+              </a:spcAft>
+              <a:defRPr sz="1200">
+                <a:solidFill>
+                  <a:schemeClr val="tx1"/>
+                </a:solidFill>
+                <a:latin typeface="Arial" charset="0"/>
+              </a:defRPr>
+            </a:lvl8pPr>
+            <a:lvl9pPr marL="3886200" indent="-228600" defTabSz="949325" eaLnBrk="0" fontAlgn="base" hangingPunct="0">
+              <a:spcBef>
+                <a:spcPct val="0"/>
+              </a:spcBef>
+              <a:spcAft>
+                <a:spcPct val="0"/>
+              </a:spcAft>
+              <a:defRPr sz="1200">
+                <a:solidFill>
+                  <a:schemeClr val="tx1"/>
+                </a:solidFill>
+                <a:latin typeface="Arial" charset="0"/>
+              </a:defRPr>
+            </a:lvl9pPr>
+          </a:lstStyle>
+          <a:p>
+            <a:pPr algn="r" eaLnBrk="1" hangingPunct="1"/>
+            <a:fld id="{4DF64DC3-509B-4839-BFB3-219CFD43D10D}" type="slidenum">
+              <a:rPr lang="de-DE"/>
+              <a:pPr algn="r" eaLnBrk="1" hangingPunct="1"/>
+              <a:t>7</a:t>
+            </a:fld>
+            <a:endParaRPr lang="de-DE"/>
+          </a:p>
+        </p:txBody>
+      </p:sp>
+      <p:sp>
+        <p:nvSpPr>
+          <p:cNvPr id="8195" name="Rectangle 2"/>
+          <p:cNvSpPr>
+            <a:spLocks noGrp="1" noRot="1" noChangeAspect="1" noChangeArrowheads="1" noTextEdit="1"/>
+          </p:cNvSpPr>
+          <p:nvPr>
+            <p:ph type="sldImg"/>
+          </p:nvPr>
+        </p:nvSpPr>
+        <p:spPr>
+          <a:ln/>
+        </p:spPr>
+      </p:sp>
+      <p:sp>
+        <p:nvSpPr>
+          <p:cNvPr id="8196" name="Rectangle 3"/>
+          <p:cNvSpPr>
+            <a:spLocks noGrp="1" noChangeArrowheads="1"/>
+          </p:cNvSpPr>
+          <p:nvPr>
+            <p:ph type="body" idx="1"/>
+          </p:nvPr>
+        </p:nvSpPr>
+        <p:spPr>
+          <a:noFill/>
+        </p:spPr>
+        <p:txBody>
+          <a:bodyPr lIns="94904" tIns="47452" rIns="94904" bIns="47452"/>
+          <a:lstStyle/>
+          <a:p>
+            <a:pPr eaLnBrk="1" hangingPunct="1"/>
+            <a:endParaRPr lang="de-DE" smtClean="0"/>
+          </a:p>
+        </p:txBody>
+      </p:sp>
+    </p:spTree>
+    <p:extLst>
+      <p:ext uri="{BB962C8B-B14F-4D97-AF65-F5344CB8AC3E}">
+        <p14:creationId xmlns:p14="http://schemas.microsoft.com/office/powerpoint/2010/main" val="745752036"/>
+      </p:ext>
+    </p:extLst>
+  </p:cSld>
+  <p:clrMapOvr>
+    <a:masterClrMapping/>
+  </p:clrMapOvr>
+</p:notes>
+</file>
+
 <file path=ppt/slideLayouts/slideLayout1.xml><?xml version="1.0" encoding="utf-8"?>
 <p:sldLayout xmlns:a="http://schemas.openxmlformats.org/drawingml/2006/main" xmlns:r="http://schemas.openxmlformats.org/officeDocument/2006/relationships" xmlns:p="http://schemas.openxmlformats.org/presentationml/2006/main" preserve="1" userDrawn="1">
   <p:cSld name="Leer">
@@ -3037,7 +3255,7 @@
             <a:pPr algn="r"/>
             <a:r>
               <a:rPr lang="de-AT" b="1" dirty="0" smtClean="0"/>
-              <a:t>April 2016</a:t>
+              <a:t>May 2016</a:t>
             </a:r>
             <a:endParaRPr lang="de-DE" b="1" dirty="0"/>
           </a:p>
@@ -3852,7 +4070,7 @@
       </p:grpSpPr>
       <p:sp>
         <p:nvSpPr>
-          <p:cNvPr id="2" name="Rectangle 2"/>
+          <p:cNvPr id="4" name="Rectangle 2"/>
           <p:cNvSpPr txBox="1">
             <a:spLocks noChangeArrowheads="1"/>
           </p:cNvSpPr>
@@ -4040,528 +4258,33 @@
             <a:pPr eaLnBrk="1" hangingPunct="1"/>
             <a:r>
               <a:rPr lang="de-DE" b="1" dirty="0" smtClean="0"/>
-              <a:t>Outlook</a:t>
+              <a:t>Tag </a:t>
+            </a:r>
+            <a:r>
+              <a:rPr lang="de-DE" b="1" dirty="0" err="1" smtClean="0"/>
+              <a:t>Correlation</a:t>
             </a:r>
             <a:endParaRPr lang="de-DE" b="1" kern="0" dirty="0" smtClean="0"/>
-          </a:p>
-        </p:txBody>
-      </p:sp>
-      <p:sp>
-        <p:nvSpPr>
-          <p:cNvPr id="3" name="Rectangle 5"/>
-          <p:cNvSpPr txBox="1">
-            <a:spLocks noChangeArrowheads="1"/>
-          </p:cNvSpPr>
-          <p:nvPr/>
-        </p:nvSpPr>
-        <p:spPr bwMode="auto">
-          <a:xfrm>
-            <a:off x="652463" y="1601597"/>
-            <a:ext cx="7772400" cy="4292969"/>
-          </a:xfrm>
-          <a:prstGeom prst="rect">
-            <a:avLst/>
-          </a:prstGeom>
-          <a:noFill/>
-          <a:ln>
-            <a:noFill/>
-          </a:ln>
-          <a:effectLst/>
-          <a:extLst>
-            <a:ext uri="{909E8E84-426E-40dd-AFC4-6F175D3DCCD1}">
-              <a14:hiddenFill xmlns:a14="http://schemas.microsoft.com/office/drawing/2010/main">
-                <a:solidFill>
-                  <a:schemeClr val="accent1"/>
-                </a:solidFill>
-              </a14:hiddenFill>
-            </a:ext>
-            <a:ext uri="{91240B29-F687-4f45-9708-019B960494DF}">
-              <a14:hiddenLine xmlns:a14="http://schemas.microsoft.com/office/drawing/2010/main" w="9525">
-                <a:solidFill>
-                  <a:schemeClr val="tx1"/>
-                </a:solidFill>
-                <a:miter lim="800000"/>
-                <a:headEnd/>
-                <a:tailEnd/>
-              </a14:hiddenLine>
-            </a:ext>
-            <a:ext uri="{AF507438-7753-43e0-B8FC-AC1667EBCBE1}">
-              <a14:hiddenEffects xmlns:a14="http://schemas.microsoft.com/office/drawing/2010/main">
-                <a:effectLst>
-                  <a:outerShdw dist="35921" dir="2700000" algn="ctr" rotWithShape="0">
-                    <a:schemeClr val="bg2"/>
-                  </a:outerShdw>
-                </a:effectLst>
-              </a14:hiddenEffects>
-            </a:ext>
-          </a:extLst>
-        </p:spPr>
-        <p:txBody>
-          <a:bodyPr vert="horz" wrap="square" lIns="91440" tIns="45720" rIns="91440" bIns="45720" numCol="1" anchor="t" anchorCtr="0" compatLnSpc="1">
-            <a:prstTxWarp prst="textNoShape">
-              <a:avLst/>
-            </a:prstTxWarp>
-          </a:bodyPr>
-          <a:lstStyle>
-            <a:lvl1pPr marL="342900" indent="-342900" algn="l" rtl="0" eaLnBrk="0" fontAlgn="base" hangingPunct="0">
-              <a:spcBef>
-                <a:spcPct val="20000"/>
-              </a:spcBef>
-              <a:spcAft>
-                <a:spcPct val="0"/>
-              </a:spcAft>
-              <a:defRPr sz="2400">
-                <a:solidFill>
-                  <a:schemeClr val="tx1"/>
-                </a:solidFill>
-                <a:latin typeface="+mn-lt"/>
-                <a:ea typeface="+mn-ea"/>
-                <a:cs typeface="+mn-cs"/>
-              </a:defRPr>
-            </a:lvl1pPr>
-            <a:lvl2pPr marL="742950" indent="-285750" algn="l" rtl="0" eaLnBrk="0" fontAlgn="base" hangingPunct="0">
-              <a:spcBef>
-                <a:spcPct val="20000"/>
-              </a:spcBef>
-              <a:spcAft>
-                <a:spcPct val="0"/>
-              </a:spcAft>
-              <a:buChar char="–"/>
-              <a:defRPr>
-                <a:solidFill>
-                  <a:schemeClr val="tx1"/>
-                </a:solidFill>
-                <a:latin typeface="+mn-lt"/>
-              </a:defRPr>
-            </a:lvl2pPr>
-            <a:lvl3pPr marL="1143000" indent="-228600" algn="l" rtl="0" eaLnBrk="0" fontAlgn="base" hangingPunct="0">
-              <a:spcBef>
-                <a:spcPct val="20000"/>
-              </a:spcBef>
-              <a:spcAft>
-                <a:spcPct val="0"/>
-              </a:spcAft>
-              <a:buChar char="•"/>
-              <a:defRPr sz="1600">
-                <a:solidFill>
-                  <a:schemeClr val="tx1"/>
-                </a:solidFill>
-                <a:latin typeface="+mn-lt"/>
-              </a:defRPr>
-            </a:lvl3pPr>
-            <a:lvl4pPr marL="1600200" indent="-228600" algn="l" rtl="0" eaLnBrk="0" fontAlgn="base" hangingPunct="0">
-              <a:spcBef>
-                <a:spcPct val="20000"/>
-              </a:spcBef>
-              <a:spcAft>
-                <a:spcPct val="0"/>
-              </a:spcAft>
-              <a:buChar char="–"/>
-              <a:defRPr sz="1400">
-                <a:solidFill>
-                  <a:schemeClr val="tx1"/>
-                </a:solidFill>
-                <a:latin typeface="+mn-lt"/>
-              </a:defRPr>
-            </a:lvl4pPr>
-            <a:lvl5pPr marL="2057400" indent="-228600" algn="l" rtl="0" eaLnBrk="0" fontAlgn="base" hangingPunct="0">
-              <a:spcBef>
-                <a:spcPct val="20000"/>
-              </a:spcBef>
-              <a:spcAft>
-                <a:spcPct val="0"/>
-              </a:spcAft>
-              <a:buChar char="»"/>
-              <a:defRPr sz="1200">
-                <a:solidFill>
-                  <a:schemeClr val="tx1"/>
-                </a:solidFill>
-                <a:latin typeface="+mn-lt"/>
-              </a:defRPr>
-            </a:lvl5pPr>
-            <a:lvl6pPr marL="2514600" indent="-228600" algn="l" rtl="0" fontAlgn="base">
-              <a:spcBef>
-                <a:spcPct val="20000"/>
-              </a:spcBef>
-              <a:spcAft>
-                <a:spcPct val="0"/>
-              </a:spcAft>
-              <a:buChar char="»"/>
-              <a:defRPr sz="1200">
-                <a:solidFill>
-                  <a:schemeClr val="tx1"/>
-                </a:solidFill>
-                <a:latin typeface="+mn-lt"/>
-              </a:defRPr>
-            </a:lvl6pPr>
-            <a:lvl7pPr marL="2971800" indent="-228600" algn="l" rtl="0" fontAlgn="base">
-              <a:spcBef>
-                <a:spcPct val="20000"/>
-              </a:spcBef>
-              <a:spcAft>
-                <a:spcPct val="0"/>
-              </a:spcAft>
-              <a:buChar char="»"/>
-              <a:defRPr sz="1200">
-                <a:solidFill>
-                  <a:schemeClr val="tx1"/>
-                </a:solidFill>
-                <a:latin typeface="+mn-lt"/>
-              </a:defRPr>
-            </a:lvl7pPr>
-            <a:lvl8pPr marL="3429000" indent="-228600" algn="l" rtl="0" fontAlgn="base">
-              <a:spcBef>
-                <a:spcPct val="20000"/>
-              </a:spcBef>
-              <a:spcAft>
-                <a:spcPct val="0"/>
-              </a:spcAft>
-              <a:buChar char="»"/>
-              <a:defRPr sz="1200">
-                <a:solidFill>
-                  <a:schemeClr val="tx1"/>
-                </a:solidFill>
-                <a:latin typeface="+mn-lt"/>
-              </a:defRPr>
-            </a:lvl8pPr>
-            <a:lvl9pPr marL="3886200" indent="-228600" algn="l" rtl="0" fontAlgn="base">
-              <a:spcBef>
-                <a:spcPct val="20000"/>
-              </a:spcBef>
-              <a:spcAft>
-                <a:spcPct val="0"/>
-              </a:spcAft>
-              <a:buChar char="»"/>
-              <a:defRPr sz="1200">
-                <a:solidFill>
-                  <a:schemeClr val="tx1"/>
-                </a:solidFill>
-                <a:latin typeface="+mn-lt"/>
-              </a:defRPr>
-            </a:lvl9pPr>
-          </a:lstStyle>
-          <a:p>
-            <a:r>
-              <a:rPr lang="en-US" sz="2800" dirty="0" smtClean="0"/>
-              <a:t>1. Preprocessing</a:t>
-            </a:r>
-            <a:endParaRPr lang="en-US" sz="2800" dirty="0"/>
-          </a:p>
-          <a:p>
-            <a:endParaRPr lang="en-US" sz="1500" dirty="0"/>
-          </a:p>
-          <a:p>
-            <a:pPr lvl="1">
-              <a:buFont typeface="Wingdings" charset="2"/>
-              <a:buChar char="§"/>
-            </a:pPr>
-            <a:r>
-              <a:rPr lang="en-US" sz="1600" dirty="0"/>
-              <a:t>Parse </a:t>
-            </a:r>
-            <a:r>
-              <a:rPr lang="en-US" sz="1600" dirty="0" smtClean="0"/>
-              <a:t>XML from Stack Exchange Data Dump </a:t>
-            </a:r>
-            <a:r>
-              <a:rPr lang="en-US" sz="1600" dirty="0"/>
-              <a:t>(title, body, tags</a:t>
-            </a:r>
-            <a:r>
-              <a:rPr lang="en-US" sz="1600" dirty="0" smtClean="0"/>
-              <a:t>)</a:t>
-            </a:r>
-          </a:p>
-          <a:p>
-            <a:pPr lvl="1">
-              <a:buFont typeface="Wingdings" charset="2"/>
-              <a:buChar char="§"/>
-            </a:pPr>
-            <a:endParaRPr lang="en-US" sz="1600" dirty="0" smtClean="0"/>
-          </a:p>
-          <a:p>
-            <a:pPr lvl="1">
-              <a:buFont typeface="Wingdings" charset="2"/>
-              <a:buChar char="§"/>
-            </a:pPr>
-            <a:r>
-              <a:rPr lang="en-US" sz="1600" dirty="0" smtClean="0"/>
-              <a:t>Strip html code from body</a:t>
-            </a:r>
-          </a:p>
-          <a:p>
-            <a:pPr lvl="1">
-              <a:buFont typeface="Wingdings" charset="2"/>
-              <a:buChar char="§"/>
-            </a:pPr>
-            <a:r>
-              <a:rPr lang="en-US" sz="1600" dirty="0" smtClean="0"/>
-              <a:t>Tokenize title + </a:t>
-            </a:r>
-            <a:r>
-              <a:rPr lang="en-US" sz="1600" dirty="0"/>
-              <a:t>body (be careful: “C++” != “C” != “C#”</a:t>
-            </a:r>
-            <a:r>
-              <a:rPr lang="en-US" sz="1600" dirty="0" smtClean="0"/>
-              <a:t>)</a:t>
-            </a:r>
-          </a:p>
-          <a:p>
-            <a:pPr lvl="1">
-              <a:buFont typeface="Wingdings" charset="2"/>
-              <a:buChar char="§"/>
-            </a:pPr>
-            <a:r>
-              <a:rPr lang="en-US" sz="1600" dirty="0" smtClean="0"/>
-              <a:t>Stop word removal</a:t>
-            </a:r>
-          </a:p>
-          <a:p>
-            <a:pPr lvl="1">
-              <a:buFont typeface="Wingdings" charset="2"/>
-              <a:buChar char="§"/>
-            </a:pPr>
-            <a:r>
-              <a:rPr lang="en-US" sz="1600" dirty="0" smtClean="0"/>
-              <a:t>Stemming</a:t>
-            </a:r>
-          </a:p>
-          <a:p>
-            <a:pPr lvl="1">
-              <a:buFont typeface="Wingdings" charset="2"/>
-              <a:buChar char="§"/>
-            </a:pPr>
-            <a:r>
-              <a:rPr lang="en-US" sz="1600" dirty="0" smtClean="0"/>
-              <a:t>Lemmatization (be careful: “Windows” (OS) != “window”)</a:t>
-            </a:r>
-          </a:p>
-          <a:p>
-            <a:pPr lvl="1">
-              <a:buFont typeface="Wingdings" charset="2"/>
-              <a:buChar char="§"/>
-            </a:pPr>
-            <a:r>
-              <a:rPr lang="en-US" sz="1600" dirty="0"/>
-              <a:t>POS-</a:t>
-            </a:r>
-            <a:r>
-              <a:rPr lang="en-US" sz="1600" dirty="0" smtClean="0"/>
-              <a:t>tagging</a:t>
-            </a:r>
-          </a:p>
-          <a:p>
-            <a:pPr marL="457200" lvl="1" indent="0">
-              <a:buNone/>
-            </a:pPr>
-            <a:endParaRPr lang="en-US" sz="1600" dirty="0" smtClean="0"/>
-          </a:p>
-          <a:p>
-            <a:pPr lvl="1">
-              <a:buFont typeface="Wingdings" charset="2"/>
-              <a:buChar char="§"/>
-            </a:pPr>
-            <a:r>
-              <a:rPr lang="en-US" sz="1600" dirty="0" smtClean="0"/>
-              <a:t>Filter </a:t>
-            </a:r>
-            <a:r>
-              <a:rPr lang="en-US" sz="1600" dirty="0"/>
-              <a:t>“rare”/”unique” tags </a:t>
-            </a:r>
-            <a:r>
-              <a:rPr lang="en-US" sz="1600" dirty="0" smtClean="0">
-                <a:sym typeface="Wingdings"/>
-              </a:rPr>
-              <a:t></a:t>
-            </a:r>
-            <a:r>
-              <a:rPr lang="en-US" sz="1600" dirty="0" smtClean="0"/>
-              <a:t> </a:t>
-            </a:r>
-            <a:r>
-              <a:rPr lang="en-US" sz="1600" dirty="0"/>
-              <a:t>reduce dimensionality</a:t>
-            </a:r>
-          </a:p>
-          <a:p>
-            <a:pPr lvl="1">
-              <a:buFont typeface="Wingdings" charset="2"/>
-              <a:buChar char="§"/>
-            </a:pPr>
-            <a:r>
-              <a:rPr lang="en-US" sz="1600" dirty="0" smtClean="0"/>
-              <a:t>Structure related tags (synonyms from Stack Exchange Data Explorer)</a:t>
-            </a:r>
-            <a:endParaRPr lang="en-US" sz="1600" dirty="0"/>
-          </a:p>
-        </p:txBody>
-      </p:sp>
-      <p:sp>
-        <p:nvSpPr>
-          <p:cNvPr id="5" name="TextBox 4"/>
-          <p:cNvSpPr txBox="1"/>
-          <p:nvPr/>
-        </p:nvSpPr>
-        <p:spPr>
-          <a:xfrm rot="16200000">
-            <a:off x="58751" y="3702810"/>
-            <a:ext cx="1593134" cy="276999"/>
-          </a:xfrm>
-          <a:prstGeom prst="rect">
-            <a:avLst/>
-          </a:prstGeom>
-          <a:noFill/>
-        </p:spPr>
-        <p:txBody>
-          <a:bodyPr wrap="square" rtlCol="0">
-            <a:spAutoFit/>
-          </a:bodyPr>
-          <a:lstStyle/>
-          <a:p>
-            <a:pPr algn="ctr"/>
-            <a:r>
-              <a:rPr lang="en-US" dirty="0" smtClean="0">
-                <a:solidFill>
-                  <a:schemeClr val="bg2"/>
-                </a:solidFill>
-              </a:rPr>
-              <a:t>Content</a:t>
-            </a:r>
-            <a:endParaRPr lang="en-US" dirty="0">
-              <a:solidFill>
-                <a:schemeClr val="bg2"/>
-              </a:solidFill>
-            </a:endParaRPr>
-          </a:p>
-        </p:txBody>
-      </p:sp>
-      <p:sp>
-        <p:nvSpPr>
-          <p:cNvPr id="6" name="TextBox 5"/>
-          <p:cNvSpPr txBox="1"/>
-          <p:nvPr/>
-        </p:nvSpPr>
-        <p:spPr>
-          <a:xfrm rot="16200000">
-            <a:off x="601642" y="5208392"/>
-            <a:ext cx="507353" cy="276999"/>
-          </a:xfrm>
-          <a:prstGeom prst="rect">
-            <a:avLst/>
-          </a:prstGeom>
-          <a:noFill/>
-        </p:spPr>
-        <p:txBody>
-          <a:bodyPr wrap="square" rtlCol="0">
-            <a:spAutoFit/>
-          </a:bodyPr>
-          <a:lstStyle/>
-          <a:p>
-            <a:pPr algn="ctr"/>
-            <a:r>
-              <a:rPr lang="en-US" dirty="0" smtClean="0">
-                <a:solidFill>
-                  <a:schemeClr val="bg2"/>
-                </a:solidFill>
-              </a:rPr>
-              <a:t>Tags</a:t>
-            </a:r>
-            <a:endParaRPr lang="en-US" dirty="0">
-              <a:solidFill>
-                <a:schemeClr val="bg2"/>
-              </a:solidFill>
-            </a:endParaRPr>
-          </a:p>
-        </p:txBody>
-      </p:sp>
-      <p:sp>
-        <p:nvSpPr>
-          <p:cNvPr id="7" name="Left Brace 6"/>
-          <p:cNvSpPr/>
-          <p:nvPr/>
-        </p:nvSpPr>
-        <p:spPr>
-          <a:xfrm>
-            <a:off x="993817" y="3053879"/>
-            <a:ext cx="112607" cy="1619998"/>
-          </a:xfrm>
-          <a:prstGeom prst="leftBrace">
-            <a:avLst/>
-          </a:prstGeom>
-        </p:spPr>
-        <p:style>
-          <a:lnRef idx="1">
-            <a:schemeClr val="accent1"/>
-          </a:lnRef>
-          <a:fillRef idx="0">
-            <a:schemeClr val="accent1"/>
-          </a:fillRef>
-          <a:effectRef idx="0">
-            <a:schemeClr val="accent1"/>
-          </a:effectRef>
-          <a:fontRef idx="minor">
-            <a:schemeClr val="tx1"/>
-          </a:fontRef>
-        </p:style>
-        <p:txBody>
-          <a:bodyPr rtlCol="0" anchor="ctr"/>
-          <a:lstStyle/>
-          <a:p>
-            <a:pPr algn="ctr"/>
-            <a:endParaRPr lang="en-US"/>
-          </a:p>
-        </p:txBody>
-      </p:sp>
-      <p:sp>
-        <p:nvSpPr>
-          <p:cNvPr id="8" name="Left Brace 7"/>
-          <p:cNvSpPr/>
-          <p:nvPr/>
-        </p:nvSpPr>
-        <p:spPr>
-          <a:xfrm>
-            <a:off x="1021661" y="5086210"/>
-            <a:ext cx="64358" cy="507354"/>
-          </a:xfrm>
-          <a:prstGeom prst="leftBrace">
-            <a:avLst/>
-          </a:prstGeom>
-        </p:spPr>
-        <p:style>
-          <a:lnRef idx="1">
-            <a:schemeClr val="accent1"/>
-          </a:lnRef>
-          <a:fillRef idx="0">
-            <a:schemeClr val="accent1"/>
-          </a:fillRef>
-          <a:effectRef idx="0">
-            <a:schemeClr val="accent1"/>
-          </a:effectRef>
-          <a:fontRef idx="minor">
-            <a:schemeClr val="tx1"/>
-          </a:fontRef>
-        </p:style>
-        <p:txBody>
-          <a:bodyPr rtlCol="0" anchor="ctr"/>
-          <a:lstStyle/>
-          <a:p>
-            <a:pPr algn="ctr"/>
-            <a:endParaRPr lang="en-US"/>
           </a:p>
         </p:txBody>
       </p:sp>
     </p:spTree>
     <p:extLst>
       <p:ext uri="{BB962C8B-B14F-4D97-AF65-F5344CB8AC3E}">
-        <p14:creationId xmlns:p14="http://schemas.microsoft.com/office/powerpoint/2010/main" val="102227828"/>
+        <p14:creationId xmlns:p14="http://schemas.microsoft.com/office/powerpoint/2010/main" val="373960713"/>
       </p:ext>
     </p:extLst>
   </p:cSld>
   <p:clrMapOvr>
     <a:masterClrMapping/>
   </p:clrMapOvr>
+  <p:timing>
+    <p:tnLst>
+      <p:par>
+        <p:cTn xmlns:p14="http://schemas.microsoft.com/office/powerpoint/2010/main" id="1" dur="indefinite" restart="never" nodeType="tmRoot"/>
+      </p:par>
+    </p:tnLst>
+  </p:timing>
 </p:sld>
 </file>
 
@@ -4788,8 +4511,8 @@
         </p:nvSpPr>
         <p:spPr bwMode="auto">
           <a:xfrm>
-            <a:off x="652463" y="1581932"/>
-            <a:ext cx="7772400" cy="4121966"/>
+            <a:off x="652463" y="1601597"/>
+            <a:ext cx="7772400" cy="4292969"/>
           </a:xfrm>
           <a:prstGeom prst="rect">
             <a:avLst/>
@@ -4974,6 +4697,738 @@
           </a:lstStyle>
           <a:p>
             <a:r>
+              <a:rPr lang="en-US" sz="2800" dirty="0" smtClean="0"/>
+              <a:t>1. Preprocessing</a:t>
+            </a:r>
+            <a:endParaRPr lang="en-US" sz="2800" dirty="0"/>
+          </a:p>
+          <a:p>
+            <a:endParaRPr lang="en-US" sz="1500" dirty="0"/>
+          </a:p>
+          <a:p>
+            <a:pPr lvl="1">
+              <a:buFont typeface="Wingdings" charset="2"/>
+              <a:buChar char="§"/>
+            </a:pPr>
+            <a:r>
+              <a:rPr lang="en-US" sz="1600" dirty="0"/>
+              <a:t>Parse </a:t>
+            </a:r>
+            <a:r>
+              <a:rPr lang="en-US" sz="1600" dirty="0" smtClean="0"/>
+              <a:t>XML from Stack Exchange Data Dump </a:t>
+            </a:r>
+            <a:r>
+              <a:rPr lang="en-US" sz="1600" dirty="0"/>
+              <a:t>(title, body, tags</a:t>
+            </a:r>
+            <a:r>
+              <a:rPr lang="en-US" sz="1600" dirty="0" smtClean="0"/>
+              <a:t>)</a:t>
+            </a:r>
+          </a:p>
+          <a:p>
+            <a:pPr lvl="1">
+              <a:buFont typeface="Wingdings" charset="2"/>
+              <a:buChar char="§"/>
+            </a:pPr>
+            <a:endParaRPr lang="en-US" sz="1600" dirty="0" smtClean="0"/>
+          </a:p>
+          <a:p>
+            <a:pPr lvl="1">
+              <a:buFont typeface="Wingdings" charset="2"/>
+              <a:buChar char="§"/>
+            </a:pPr>
+            <a:r>
+              <a:rPr lang="en-US" sz="1600" dirty="0" smtClean="0"/>
+              <a:t>Strip html code from body</a:t>
+            </a:r>
+          </a:p>
+          <a:p>
+            <a:pPr lvl="1">
+              <a:buFont typeface="Wingdings" charset="2"/>
+              <a:buChar char="§"/>
+            </a:pPr>
+            <a:r>
+              <a:rPr lang="en-US" sz="1600" dirty="0" smtClean="0"/>
+              <a:t>Tokenize title + </a:t>
+            </a:r>
+            <a:r>
+              <a:rPr lang="en-US" sz="1600" dirty="0"/>
+              <a:t>body (be careful: “C++” != “C” != “C#”</a:t>
+            </a:r>
+            <a:r>
+              <a:rPr lang="en-US" sz="1600" dirty="0" smtClean="0"/>
+              <a:t>)</a:t>
+            </a:r>
+          </a:p>
+          <a:p>
+            <a:pPr lvl="1">
+              <a:buFont typeface="Wingdings" charset="2"/>
+              <a:buChar char="§"/>
+            </a:pPr>
+            <a:r>
+              <a:rPr lang="en-US" sz="1600" dirty="0" smtClean="0"/>
+              <a:t>Stop word removal</a:t>
+            </a:r>
+          </a:p>
+          <a:p>
+            <a:pPr lvl="1">
+              <a:buFont typeface="Wingdings" charset="2"/>
+              <a:buChar char="§"/>
+            </a:pPr>
+            <a:r>
+              <a:rPr lang="en-US" sz="1600" dirty="0" smtClean="0"/>
+              <a:t>Stemming</a:t>
+            </a:r>
+          </a:p>
+          <a:p>
+            <a:pPr lvl="1">
+              <a:buFont typeface="Wingdings" charset="2"/>
+              <a:buChar char="§"/>
+            </a:pPr>
+            <a:r>
+              <a:rPr lang="en-US" sz="1600" dirty="0" smtClean="0"/>
+              <a:t>Lemmatization (be careful: “Windows” (OS) != “window”)</a:t>
+            </a:r>
+          </a:p>
+          <a:p>
+            <a:pPr lvl="1">
+              <a:buFont typeface="Wingdings" charset="2"/>
+              <a:buChar char="§"/>
+            </a:pPr>
+            <a:r>
+              <a:rPr lang="en-US" sz="1600" dirty="0"/>
+              <a:t>POS-</a:t>
+            </a:r>
+            <a:r>
+              <a:rPr lang="en-US" sz="1600" dirty="0" smtClean="0"/>
+              <a:t>tagging</a:t>
+            </a:r>
+          </a:p>
+          <a:p>
+            <a:pPr marL="457200" lvl="1" indent="0">
+              <a:buNone/>
+            </a:pPr>
+            <a:endParaRPr lang="en-US" sz="1600" dirty="0" smtClean="0"/>
+          </a:p>
+          <a:p>
+            <a:pPr lvl="1">
+              <a:buFont typeface="Wingdings" charset="2"/>
+              <a:buChar char="§"/>
+            </a:pPr>
+            <a:r>
+              <a:rPr lang="en-US" sz="1600" dirty="0" smtClean="0"/>
+              <a:t>Filter </a:t>
+            </a:r>
+            <a:r>
+              <a:rPr lang="en-US" sz="1600" dirty="0"/>
+              <a:t>“rare”/”unique” tags </a:t>
+            </a:r>
+            <a:r>
+              <a:rPr lang="en-US" sz="1600" dirty="0" smtClean="0">
+                <a:sym typeface="Wingdings"/>
+              </a:rPr>
+              <a:t></a:t>
+            </a:r>
+            <a:r>
+              <a:rPr lang="en-US" sz="1600" dirty="0" smtClean="0"/>
+              <a:t> </a:t>
+            </a:r>
+            <a:r>
+              <a:rPr lang="en-US" sz="1600" dirty="0"/>
+              <a:t>reduce dimensionality</a:t>
+            </a:r>
+          </a:p>
+          <a:p>
+            <a:pPr lvl="1">
+              <a:buFont typeface="Wingdings" charset="2"/>
+              <a:buChar char="§"/>
+            </a:pPr>
+            <a:r>
+              <a:rPr lang="en-US" sz="1600" dirty="0" smtClean="0"/>
+              <a:t>Structure related tags (synonyms from Stack Exchange Data Explorer)</a:t>
+            </a:r>
+            <a:endParaRPr lang="en-US" sz="1600" dirty="0"/>
+          </a:p>
+        </p:txBody>
+      </p:sp>
+      <p:sp>
+        <p:nvSpPr>
+          <p:cNvPr id="5" name="TextBox 4"/>
+          <p:cNvSpPr txBox="1"/>
+          <p:nvPr/>
+        </p:nvSpPr>
+        <p:spPr>
+          <a:xfrm rot="16200000">
+            <a:off x="58751" y="3702810"/>
+            <a:ext cx="1593134" cy="276999"/>
+          </a:xfrm>
+          <a:prstGeom prst="rect">
+            <a:avLst/>
+          </a:prstGeom>
+          <a:noFill/>
+        </p:spPr>
+        <p:txBody>
+          <a:bodyPr wrap="square" rtlCol="0">
+            <a:spAutoFit/>
+          </a:bodyPr>
+          <a:lstStyle/>
+          <a:p>
+            <a:pPr algn="ctr"/>
+            <a:r>
+              <a:rPr lang="en-US" dirty="0" smtClean="0">
+                <a:solidFill>
+                  <a:schemeClr val="bg2"/>
+                </a:solidFill>
+              </a:rPr>
+              <a:t>Content</a:t>
+            </a:r>
+            <a:endParaRPr lang="en-US" dirty="0">
+              <a:solidFill>
+                <a:schemeClr val="bg2"/>
+              </a:solidFill>
+            </a:endParaRPr>
+          </a:p>
+        </p:txBody>
+      </p:sp>
+      <p:sp>
+        <p:nvSpPr>
+          <p:cNvPr id="6" name="TextBox 5"/>
+          <p:cNvSpPr txBox="1"/>
+          <p:nvPr/>
+        </p:nvSpPr>
+        <p:spPr>
+          <a:xfrm rot="16200000">
+            <a:off x="601642" y="5208392"/>
+            <a:ext cx="507353" cy="276999"/>
+          </a:xfrm>
+          <a:prstGeom prst="rect">
+            <a:avLst/>
+          </a:prstGeom>
+          <a:noFill/>
+        </p:spPr>
+        <p:txBody>
+          <a:bodyPr wrap="square" rtlCol="0">
+            <a:spAutoFit/>
+          </a:bodyPr>
+          <a:lstStyle/>
+          <a:p>
+            <a:pPr algn="ctr"/>
+            <a:r>
+              <a:rPr lang="en-US" dirty="0" smtClean="0">
+                <a:solidFill>
+                  <a:schemeClr val="bg2"/>
+                </a:solidFill>
+              </a:rPr>
+              <a:t>Tags</a:t>
+            </a:r>
+            <a:endParaRPr lang="en-US" dirty="0">
+              <a:solidFill>
+                <a:schemeClr val="bg2"/>
+              </a:solidFill>
+            </a:endParaRPr>
+          </a:p>
+        </p:txBody>
+      </p:sp>
+      <p:sp>
+        <p:nvSpPr>
+          <p:cNvPr id="7" name="Left Brace 6"/>
+          <p:cNvSpPr/>
+          <p:nvPr/>
+        </p:nvSpPr>
+        <p:spPr>
+          <a:xfrm>
+            <a:off x="993817" y="3053879"/>
+            <a:ext cx="112607" cy="1619998"/>
+          </a:xfrm>
+          <a:prstGeom prst="leftBrace">
+            <a:avLst/>
+          </a:prstGeom>
+        </p:spPr>
+        <p:style>
+          <a:lnRef idx="1">
+            <a:schemeClr val="accent1"/>
+          </a:lnRef>
+          <a:fillRef idx="0">
+            <a:schemeClr val="accent1"/>
+          </a:fillRef>
+          <a:effectRef idx="0">
+            <a:schemeClr val="accent1"/>
+          </a:effectRef>
+          <a:fontRef idx="minor">
+            <a:schemeClr val="tx1"/>
+          </a:fontRef>
+        </p:style>
+        <p:txBody>
+          <a:bodyPr rtlCol="0" anchor="ctr"/>
+          <a:lstStyle/>
+          <a:p>
+            <a:pPr algn="ctr"/>
+            <a:endParaRPr lang="en-US"/>
+          </a:p>
+        </p:txBody>
+      </p:sp>
+      <p:sp>
+        <p:nvSpPr>
+          <p:cNvPr id="8" name="Left Brace 7"/>
+          <p:cNvSpPr/>
+          <p:nvPr/>
+        </p:nvSpPr>
+        <p:spPr>
+          <a:xfrm>
+            <a:off x="1021661" y="5086210"/>
+            <a:ext cx="64358" cy="507354"/>
+          </a:xfrm>
+          <a:prstGeom prst="leftBrace">
+            <a:avLst/>
+          </a:prstGeom>
+        </p:spPr>
+        <p:style>
+          <a:lnRef idx="1">
+            <a:schemeClr val="accent1"/>
+          </a:lnRef>
+          <a:fillRef idx="0">
+            <a:schemeClr val="accent1"/>
+          </a:fillRef>
+          <a:effectRef idx="0">
+            <a:schemeClr val="accent1"/>
+          </a:effectRef>
+          <a:fontRef idx="minor">
+            <a:schemeClr val="tx1"/>
+          </a:fontRef>
+        </p:style>
+        <p:txBody>
+          <a:bodyPr rtlCol="0" anchor="ctr"/>
+          <a:lstStyle/>
+          <a:p>
+            <a:pPr algn="ctr"/>
+            <a:endParaRPr lang="en-US"/>
+          </a:p>
+        </p:txBody>
+      </p:sp>
+    </p:spTree>
+    <p:extLst>
+      <p:ext uri="{BB962C8B-B14F-4D97-AF65-F5344CB8AC3E}">
+        <p14:creationId xmlns:p14="http://schemas.microsoft.com/office/powerpoint/2010/main" val="102227828"/>
+      </p:ext>
+    </p:extLst>
+  </p:cSld>
+  <p:clrMapOvr>
+    <a:masterClrMapping/>
+  </p:clrMapOvr>
+</p:sld>
+</file>
+
+<file path=ppt/slides/slide12.xml><?xml version="1.0" encoding="utf-8"?>
+<p:sld xmlns:a="http://schemas.openxmlformats.org/drawingml/2006/main" xmlns:r="http://schemas.openxmlformats.org/officeDocument/2006/relationships" xmlns:p="http://schemas.openxmlformats.org/presentationml/2006/main">
+  <p:cSld>
+    <p:spTree>
+      <p:nvGrpSpPr>
+        <p:cNvPr id="1" name=""/>
+        <p:cNvGrpSpPr/>
+        <p:nvPr/>
+      </p:nvGrpSpPr>
+      <p:grpSpPr>
+        <a:xfrm>
+          <a:off x="0" y="0"/>
+          <a:ext cx="0" cy="0"/>
+          <a:chOff x="0" y="0"/>
+          <a:chExt cx="0" cy="0"/>
+        </a:xfrm>
+      </p:grpSpPr>
+      <p:sp>
+        <p:nvSpPr>
+          <p:cNvPr id="2" name="Rectangle 2"/>
+          <p:cNvSpPr txBox="1">
+            <a:spLocks noChangeArrowheads="1"/>
+          </p:cNvSpPr>
+          <p:nvPr/>
+        </p:nvSpPr>
+        <p:spPr bwMode="auto">
+          <a:xfrm>
+            <a:off x="461963" y="485772"/>
+            <a:ext cx="8224837" cy="1069975"/>
+          </a:xfrm>
+          <a:prstGeom prst="rect">
+            <a:avLst/>
+          </a:prstGeom>
+          <a:noFill/>
+          <a:ln>
+            <a:noFill/>
+          </a:ln>
+          <a:effectLst/>
+          <a:extLst>
+            <a:ext uri="{909E8E84-426E-40dd-AFC4-6F175D3DCCD1}">
+              <a14:hiddenFill xmlns:a14="http://schemas.microsoft.com/office/drawing/2010/main">
+                <a:solidFill>
+                  <a:schemeClr val="accent1"/>
+                </a:solidFill>
+              </a14:hiddenFill>
+            </a:ext>
+            <a:ext uri="{91240B29-F687-4f45-9708-019B960494DF}">
+              <a14:hiddenLine xmlns:a14="http://schemas.microsoft.com/office/drawing/2010/main" w="9525">
+                <a:solidFill>
+                  <a:schemeClr val="tx1"/>
+                </a:solidFill>
+                <a:miter lim="800000"/>
+                <a:headEnd/>
+                <a:tailEnd/>
+              </a14:hiddenLine>
+            </a:ext>
+            <a:ext uri="{AF507438-7753-43e0-B8FC-AC1667EBCBE1}">
+              <a14:hiddenEffects xmlns:a14="http://schemas.microsoft.com/office/drawing/2010/main">
+                <a:effectLst>
+                  <a:outerShdw dist="35921" dir="2700000" algn="ctr" rotWithShape="0">
+                    <a:schemeClr val="bg2"/>
+                  </a:outerShdw>
+                </a:effectLst>
+              </a14:hiddenEffects>
+            </a:ext>
+          </a:extLst>
+        </p:spPr>
+        <p:txBody>
+          <a:bodyPr vert="horz" wrap="square" lIns="91440" tIns="45720" rIns="91440" bIns="45720" numCol="1" anchor="ctr" anchorCtr="0" compatLnSpc="1">
+            <a:prstTxWarp prst="textNoShape">
+              <a:avLst/>
+            </a:prstTxWarp>
+          </a:bodyPr>
+          <a:lstStyle>
+            <a:lvl1pPr algn="ctr" rtl="0" eaLnBrk="0" fontAlgn="base" hangingPunct="0">
+              <a:spcBef>
+                <a:spcPct val="0"/>
+              </a:spcBef>
+              <a:spcAft>
+                <a:spcPct val="0"/>
+              </a:spcAft>
+              <a:defRPr sz="3200">
+                <a:solidFill>
+                  <a:schemeClr val="bg2"/>
+                </a:solidFill>
+                <a:latin typeface="+mj-lt"/>
+                <a:ea typeface="+mj-ea"/>
+                <a:cs typeface="+mj-cs"/>
+              </a:defRPr>
+            </a:lvl1pPr>
+            <a:lvl2pPr algn="ctr" rtl="0" eaLnBrk="0" fontAlgn="base" hangingPunct="0">
+              <a:spcBef>
+                <a:spcPct val="0"/>
+              </a:spcBef>
+              <a:spcAft>
+                <a:spcPct val="0"/>
+              </a:spcAft>
+              <a:defRPr sz="3200">
+                <a:solidFill>
+                  <a:schemeClr val="bg2"/>
+                </a:solidFill>
+                <a:latin typeface="Arial" charset="0"/>
+              </a:defRPr>
+            </a:lvl2pPr>
+            <a:lvl3pPr algn="ctr" rtl="0" eaLnBrk="0" fontAlgn="base" hangingPunct="0">
+              <a:spcBef>
+                <a:spcPct val="0"/>
+              </a:spcBef>
+              <a:spcAft>
+                <a:spcPct val="0"/>
+              </a:spcAft>
+              <a:defRPr sz="3200">
+                <a:solidFill>
+                  <a:schemeClr val="bg2"/>
+                </a:solidFill>
+                <a:latin typeface="Arial" charset="0"/>
+              </a:defRPr>
+            </a:lvl3pPr>
+            <a:lvl4pPr algn="ctr" rtl="0" eaLnBrk="0" fontAlgn="base" hangingPunct="0">
+              <a:spcBef>
+                <a:spcPct val="0"/>
+              </a:spcBef>
+              <a:spcAft>
+                <a:spcPct val="0"/>
+              </a:spcAft>
+              <a:defRPr sz="3200">
+                <a:solidFill>
+                  <a:schemeClr val="bg2"/>
+                </a:solidFill>
+                <a:latin typeface="Arial" charset="0"/>
+              </a:defRPr>
+            </a:lvl4pPr>
+            <a:lvl5pPr algn="ctr" rtl="0" eaLnBrk="0" fontAlgn="base" hangingPunct="0">
+              <a:spcBef>
+                <a:spcPct val="0"/>
+              </a:spcBef>
+              <a:spcAft>
+                <a:spcPct val="0"/>
+              </a:spcAft>
+              <a:defRPr sz="3200">
+                <a:solidFill>
+                  <a:schemeClr val="bg2"/>
+                </a:solidFill>
+                <a:latin typeface="Arial" charset="0"/>
+              </a:defRPr>
+            </a:lvl5pPr>
+            <a:lvl6pPr marL="457200" algn="ctr" rtl="0" fontAlgn="base">
+              <a:spcBef>
+                <a:spcPct val="0"/>
+              </a:spcBef>
+              <a:spcAft>
+                <a:spcPct val="0"/>
+              </a:spcAft>
+              <a:defRPr sz="3200">
+                <a:solidFill>
+                  <a:schemeClr val="bg2"/>
+                </a:solidFill>
+                <a:latin typeface="Arial" charset="0"/>
+              </a:defRPr>
+            </a:lvl6pPr>
+            <a:lvl7pPr marL="914400" algn="ctr" rtl="0" fontAlgn="base">
+              <a:spcBef>
+                <a:spcPct val="0"/>
+              </a:spcBef>
+              <a:spcAft>
+                <a:spcPct val="0"/>
+              </a:spcAft>
+              <a:defRPr sz="3200">
+                <a:solidFill>
+                  <a:schemeClr val="bg2"/>
+                </a:solidFill>
+                <a:latin typeface="Arial" charset="0"/>
+              </a:defRPr>
+            </a:lvl7pPr>
+            <a:lvl8pPr marL="1371600" algn="ctr" rtl="0" fontAlgn="base">
+              <a:spcBef>
+                <a:spcPct val="0"/>
+              </a:spcBef>
+              <a:spcAft>
+                <a:spcPct val="0"/>
+              </a:spcAft>
+              <a:defRPr sz="3200">
+                <a:solidFill>
+                  <a:schemeClr val="bg2"/>
+                </a:solidFill>
+                <a:latin typeface="Arial" charset="0"/>
+              </a:defRPr>
+            </a:lvl8pPr>
+            <a:lvl9pPr marL="1828800" algn="ctr" rtl="0" fontAlgn="base">
+              <a:spcBef>
+                <a:spcPct val="0"/>
+              </a:spcBef>
+              <a:spcAft>
+                <a:spcPct val="0"/>
+              </a:spcAft>
+              <a:defRPr sz="3200">
+                <a:solidFill>
+                  <a:schemeClr val="bg2"/>
+                </a:solidFill>
+                <a:latin typeface="Arial" charset="0"/>
+              </a:defRPr>
+            </a:lvl9pPr>
+          </a:lstStyle>
+          <a:p>
+            <a:pPr eaLnBrk="1" hangingPunct="1"/>
+            <a:r>
+              <a:rPr lang="de-DE" b="1" dirty="0" smtClean="0"/>
+              <a:t>Outlook</a:t>
+            </a:r>
+            <a:endParaRPr lang="de-DE" b="1" kern="0" dirty="0" smtClean="0"/>
+          </a:p>
+        </p:txBody>
+      </p:sp>
+      <p:sp>
+        <p:nvSpPr>
+          <p:cNvPr id="3" name="Rectangle 5"/>
+          <p:cNvSpPr txBox="1">
+            <a:spLocks noChangeArrowheads="1"/>
+          </p:cNvSpPr>
+          <p:nvPr/>
+        </p:nvSpPr>
+        <p:spPr bwMode="auto">
+          <a:xfrm>
+            <a:off x="652463" y="1581932"/>
+            <a:ext cx="7772400" cy="4121966"/>
+          </a:xfrm>
+          <a:prstGeom prst="rect">
+            <a:avLst/>
+          </a:prstGeom>
+          <a:noFill/>
+          <a:ln>
+            <a:noFill/>
+          </a:ln>
+          <a:effectLst/>
+          <a:extLst>
+            <a:ext uri="{909E8E84-426E-40dd-AFC4-6F175D3DCCD1}">
+              <a14:hiddenFill xmlns:a14="http://schemas.microsoft.com/office/drawing/2010/main">
+                <a:solidFill>
+                  <a:schemeClr val="accent1"/>
+                </a:solidFill>
+              </a14:hiddenFill>
+            </a:ext>
+            <a:ext uri="{91240B29-F687-4f45-9708-019B960494DF}">
+              <a14:hiddenLine xmlns:a14="http://schemas.microsoft.com/office/drawing/2010/main" w="9525">
+                <a:solidFill>
+                  <a:schemeClr val="tx1"/>
+                </a:solidFill>
+                <a:miter lim="800000"/>
+                <a:headEnd/>
+                <a:tailEnd/>
+              </a14:hiddenLine>
+            </a:ext>
+            <a:ext uri="{AF507438-7753-43e0-B8FC-AC1667EBCBE1}">
+              <a14:hiddenEffects xmlns:a14="http://schemas.microsoft.com/office/drawing/2010/main">
+                <a:effectLst>
+                  <a:outerShdw dist="35921" dir="2700000" algn="ctr" rotWithShape="0">
+                    <a:schemeClr val="bg2"/>
+                  </a:outerShdw>
+                </a:effectLst>
+              </a14:hiddenEffects>
+            </a:ext>
+          </a:extLst>
+        </p:spPr>
+        <p:txBody>
+          <a:bodyPr vert="horz" wrap="square" lIns="91440" tIns="45720" rIns="91440" bIns="45720" numCol="1" anchor="t" anchorCtr="0" compatLnSpc="1">
+            <a:prstTxWarp prst="textNoShape">
+              <a:avLst/>
+            </a:prstTxWarp>
+          </a:bodyPr>
+          <a:lstStyle>
+            <a:lvl1pPr marL="342900" indent="-342900" algn="l" rtl="0" eaLnBrk="0" fontAlgn="base" hangingPunct="0">
+              <a:spcBef>
+                <a:spcPct val="20000"/>
+              </a:spcBef>
+              <a:spcAft>
+                <a:spcPct val="0"/>
+              </a:spcAft>
+              <a:defRPr sz="2400">
+                <a:solidFill>
+                  <a:schemeClr val="tx1"/>
+                </a:solidFill>
+                <a:latin typeface="+mn-lt"/>
+                <a:ea typeface="+mn-ea"/>
+                <a:cs typeface="+mn-cs"/>
+              </a:defRPr>
+            </a:lvl1pPr>
+            <a:lvl2pPr marL="742950" indent="-285750" algn="l" rtl="0" eaLnBrk="0" fontAlgn="base" hangingPunct="0">
+              <a:spcBef>
+                <a:spcPct val="20000"/>
+              </a:spcBef>
+              <a:spcAft>
+                <a:spcPct val="0"/>
+              </a:spcAft>
+              <a:buChar char="–"/>
+              <a:defRPr>
+                <a:solidFill>
+                  <a:schemeClr val="tx1"/>
+                </a:solidFill>
+                <a:latin typeface="+mn-lt"/>
+              </a:defRPr>
+            </a:lvl2pPr>
+            <a:lvl3pPr marL="1143000" indent="-228600" algn="l" rtl="0" eaLnBrk="0" fontAlgn="base" hangingPunct="0">
+              <a:spcBef>
+                <a:spcPct val="20000"/>
+              </a:spcBef>
+              <a:spcAft>
+                <a:spcPct val="0"/>
+              </a:spcAft>
+              <a:buChar char="•"/>
+              <a:defRPr sz="1600">
+                <a:solidFill>
+                  <a:schemeClr val="tx1"/>
+                </a:solidFill>
+                <a:latin typeface="+mn-lt"/>
+              </a:defRPr>
+            </a:lvl3pPr>
+            <a:lvl4pPr marL="1600200" indent="-228600" algn="l" rtl="0" eaLnBrk="0" fontAlgn="base" hangingPunct="0">
+              <a:spcBef>
+                <a:spcPct val="20000"/>
+              </a:spcBef>
+              <a:spcAft>
+                <a:spcPct val="0"/>
+              </a:spcAft>
+              <a:buChar char="–"/>
+              <a:defRPr sz="1400">
+                <a:solidFill>
+                  <a:schemeClr val="tx1"/>
+                </a:solidFill>
+                <a:latin typeface="+mn-lt"/>
+              </a:defRPr>
+            </a:lvl4pPr>
+            <a:lvl5pPr marL="2057400" indent="-228600" algn="l" rtl="0" eaLnBrk="0" fontAlgn="base" hangingPunct="0">
+              <a:spcBef>
+                <a:spcPct val="20000"/>
+              </a:spcBef>
+              <a:spcAft>
+                <a:spcPct val="0"/>
+              </a:spcAft>
+              <a:buChar char="»"/>
+              <a:defRPr sz="1200">
+                <a:solidFill>
+                  <a:schemeClr val="tx1"/>
+                </a:solidFill>
+                <a:latin typeface="+mn-lt"/>
+              </a:defRPr>
+            </a:lvl5pPr>
+            <a:lvl6pPr marL="2514600" indent="-228600" algn="l" rtl="0" fontAlgn="base">
+              <a:spcBef>
+                <a:spcPct val="20000"/>
+              </a:spcBef>
+              <a:spcAft>
+                <a:spcPct val="0"/>
+              </a:spcAft>
+              <a:buChar char="»"/>
+              <a:defRPr sz="1200">
+                <a:solidFill>
+                  <a:schemeClr val="tx1"/>
+                </a:solidFill>
+                <a:latin typeface="+mn-lt"/>
+              </a:defRPr>
+            </a:lvl6pPr>
+            <a:lvl7pPr marL="2971800" indent="-228600" algn="l" rtl="0" fontAlgn="base">
+              <a:spcBef>
+                <a:spcPct val="20000"/>
+              </a:spcBef>
+              <a:spcAft>
+                <a:spcPct val="0"/>
+              </a:spcAft>
+              <a:buChar char="»"/>
+              <a:defRPr sz="1200">
+                <a:solidFill>
+                  <a:schemeClr val="tx1"/>
+                </a:solidFill>
+                <a:latin typeface="+mn-lt"/>
+              </a:defRPr>
+            </a:lvl7pPr>
+            <a:lvl8pPr marL="3429000" indent="-228600" algn="l" rtl="0" fontAlgn="base">
+              <a:spcBef>
+                <a:spcPct val="20000"/>
+              </a:spcBef>
+              <a:spcAft>
+                <a:spcPct val="0"/>
+              </a:spcAft>
+              <a:buChar char="»"/>
+              <a:defRPr sz="1200">
+                <a:solidFill>
+                  <a:schemeClr val="tx1"/>
+                </a:solidFill>
+                <a:latin typeface="+mn-lt"/>
+              </a:defRPr>
+            </a:lvl8pPr>
+            <a:lvl9pPr marL="3886200" indent="-228600" algn="l" rtl="0" fontAlgn="base">
+              <a:spcBef>
+                <a:spcPct val="20000"/>
+              </a:spcBef>
+              <a:spcAft>
+                <a:spcPct val="0"/>
+              </a:spcAft>
+              <a:buChar char="»"/>
+              <a:defRPr sz="1200">
+                <a:solidFill>
+                  <a:schemeClr val="tx1"/>
+                </a:solidFill>
+                <a:latin typeface="+mn-lt"/>
+              </a:defRPr>
+            </a:lvl9pPr>
+          </a:lstStyle>
+          <a:p>
+            <a:r>
               <a:rPr lang="en-US" dirty="0" smtClean="0"/>
               <a:t>2. Supervised learning</a:t>
             </a:r>
@@ -5112,7 +5567,7 @@
 </p:sld>
 </file>
 
-<file path=ppt/slides/slide12.xml><?xml version="1.0" encoding="utf-8"?>
+<file path=ppt/slides/slide13.xml><?xml version="1.0" encoding="utf-8"?>
 <p:sld xmlns:a="http://schemas.openxmlformats.org/drawingml/2006/main" xmlns:r="http://schemas.openxmlformats.org/officeDocument/2006/relationships" xmlns:p="http://schemas.openxmlformats.org/presentationml/2006/main">
   <p:cSld>
     <p:spTree>
@@ -5690,7 +6145,7 @@
 </p:sld>
 </file>
 
-<file path=ppt/slides/slide13.xml><?xml version="1.0" encoding="utf-8"?>
+<file path=ppt/slides/slide14.xml><?xml version="1.0" encoding="utf-8"?>
 <p:sld xmlns:a="http://schemas.openxmlformats.org/drawingml/2006/main" xmlns:r="http://schemas.openxmlformats.org/officeDocument/2006/relationships" xmlns:p="http://schemas.openxmlformats.org/presentationml/2006/main">
   <p:cSld>
     <p:spTree>
@@ -6999,7 +7454,7 @@
               <a:t>Tokenized</a:t>
             </a:r>
             <a:r>
-              <a:rPr lang="de-DE" sz="1800" dirty="0"/>
+              <a:rPr lang="de-DE" sz="1800" dirty="0" smtClean="0"/>
               <a:t> </a:t>
             </a:r>
             <a:r>
@@ -7162,7 +7617,7 @@
             </a:r>
             <a:r>
               <a:rPr lang="de-DE" sz="1800" dirty="0" smtClean="0"/>
-              <a:t>, </a:t>
+              <a:t>, (hex-)</a:t>
             </a:r>
             <a:r>
               <a:rPr lang="de-DE" sz="1800" dirty="0" err="1" smtClean="0"/>
@@ -7266,44 +7721,6 @@
             <a:r>
               <a:rPr lang="de-DE" sz="1800" dirty="0" smtClean="0"/>
               <a:t>Goal: </a:t>
-            </a:r>
-            <a:r>
-              <a:rPr lang="de-DE" sz="1800" dirty="0" err="1" smtClean="0"/>
-              <a:t>Dimensionality</a:t>
-            </a:r>
-            <a:r>
-              <a:rPr lang="de-DE" sz="1800" dirty="0" smtClean="0"/>
-              <a:t> </a:t>
-            </a:r>
-            <a:r>
-              <a:rPr lang="de-DE" sz="1800" dirty="0" err="1" smtClean="0"/>
-              <a:t>reduction</a:t>
-            </a:r>
-            <a:r>
-              <a:rPr lang="de-DE" sz="1800" dirty="0" smtClean="0"/>
-              <a:t>, </a:t>
-            </a:r>
-            <a:r>
-              <a:rPr lang="de-DE" sz="1800" dirty="0" err="1" smtClean="0"/>
-              <a:t>noise</a:t>
-            </a:r>
-            <a:r>
-              <a:rPr lang="de-DE" sz="1800" dirty="0" smtClean="0"/>
-              <a:t> </a:t>
-            </a:r>
-            <a:r>
-              <a:rPr lang="de-DE" sz="1800" dirty="0" err="1" smtClean="0"/>
-              <a:t>removal</a:t>
-            </a:r>
-            <a:r>
-              <a:rPr lang="de-DE" sz="1800" dirty="0" smtClean="0"/>
-              <a:t> </a:t>
-            </a:r>
-            <a:r>
-              <a:rPr lang="de-DE" sz="1800" dirty="0" smtClean="0">
-                <a:sym typeface="Wingdings"/>
-              </a:rPr>
-              <a:t> </a:t>
             </a:r>
             <a:r>
               <a:rPr lang="de-DE" sz="1800" i="1" dirty="0" err="1" smtClean="0">
@@ -7555,7 +7972,23 @@
             </a:r>
             <a:r>
               <a:rPr lang="de-DE" b="1" kern="0" dirty="0" smtClean="0"/>
-              <a:t> Approach - </a:t>
+              <a:t> Approach – Feature </a:t>
+            </a:r>
+            <a:r>
+              <a:rPr lang="de-DE" b="1" kern="0" dirty="0" err="1" smtClean="0"/>
+              <a:t>Selection</a:t>
+            </a:r>
+            <a:r>
+              <a:rPr lang="de-DE" b="1" kern="0" dirty="0" smtClean="0"/>
+              <a:t> </a:t>
+            </a:r>
+            <a:r>
+              <a:rPr lang="de-DE" b="1" kern="0" dirty="0" err="1" smtClean="0"/>
+              <a:t>and</a:t>
+            </a:r>
+            <a:r>
+              <a:rPr lang="de-DE" b="1" kern="0" dirty="0" smtClean="0"/>
+              <a:t> </a:t>
             </a:r>
             <a:r>
               <a:rPr lang="de-DE" b="1" kern="0" dirty="0" err="1" smtClean="0"/>
@@ -7643,28 +8076,9 @@
             </a:pPr>
             <a:r>
               <a:rPr lang="de-DE" sz="1400" i="1" dirty="0" smtClean="0"/>
-              <a:t> Title </a:t>
-            </a:r>
-            <a:r>
-              <a:rPr lang="de-DE" sz="1400" i="1" dirty="0"/>
-              <a:t>(</a:t>
-            </a:r>
-            <a:r>
-              <a:rPr lang="de-DE" sz="1400" i="1" dirty="0" err="1"/>
-              <a:t>with</a:t>
-            </a:r>
-            <a:r>
-              <a:rPr lang="de-DE" sz="1400" i="1" dirty="0"/>
-              <a:t> </a:t>
-            </a:r>
-            <a:r>
-              <a:rPr lang="de-DE" sz="1400" i="1" dirty="0" err="1"/>
-              <a:t>weights</a:t>
-            </a:r>
-            <a:r>
-              <a:rPr lang="de-DE" sz="1400" i="1" dirty="0"/>
-              <a:t>)</a:t>
-            </a:r>
+              <a:t> Title</a:t>
+            </a:r>
+            <a:endParaRPr lang="de-DE" sz="1400" i="1" dirty="0"/>
           </a:p>
           <a:p>
             <a:pPr marL="457200" indent="-285750">
@@ -7700,7 +8114,15 @@
             </a:r>
             <a:r>
               <a:rPr lang="de-DE" sz="1400" i="1" dirty="0"/>
-              <a:t> score &gt; 0)</a:t>
+              <a:t> </a:t>
+            </a:r>
+            <a:r>
+              <a:rPr lang="de-DE" sz="1400" i="1" dirty="0" smtClean="0"/>
+              <a:t>not negative score)</a:t>
+            </a:r>
+            <a:r>
+              <a:rPr lang="de-DE" sz="1400" i="1" dirty="0"/>
+              <a:t/>
             </a:r>
             <a:br>
               <a:rPr lang="de-DE" sz="1400" i="1" dirty="0"/>
@@ -7773,22 +8195,18 @@
             </a:pPr>
             <a:r>
               <a:rPr lang="de-DE" sz="1400" i="1" dirty="0"/>
-              <a:t> </a:t>
-            </a:r>
-            <a:r>
-              <a:rPr lang="de-DE" sz="1400" dirty="0"/>
-              <a:t>S</a:t>
-            </a:r>
-            <a:r>
-              <a:rPr lang="de-DE" sz="1400" dirty="0" smtClean="0"/>
+              <a:t> S</a:t>
+            </a:r>
+            <a:r>
+              <a:rPr lang="de-DE" sz="1400" i="1" dirty="0" smtClean="0"/>
               <a:t>core </a:t>
             </a:r>
             <a:r>
-              <a:rPr lang="de-DE" sz="1400" dirty="0"/>
+              <a:rPr lang="de-DE" sz="1400" i="1" dirty="0"/>
               <a:t>&lt; </a:t>
             </a:r>
             <a:r>
-              <a:rPr lang="de-DE" sz="1400" dirty="0" err="1" smtClean="0"/>
+              <a:rPr lang="de-DE" sz="1400" i="1" dirty="0" err="1" smtClean="0"/>
               <a:t>threshold</a:t>
             </a:r>
             <a:endParaRPr lang="de-DE" sz="1400" i="1" dirty="0"/>
@@ -7941,7 +8359,354 @@
               <a:buFont typeface="Wingdings" charset="2"/>
               <a:buChar char="§"/>
             </a:pPr>
-            <a:endParaRPr lang="de-DE" sz="1800" dirty="0" smtClean="0"/>
+            <a:r>
+              <a:rPr lang="de-DE" sz="1800" dirty="0" smtClean="0"/>
+              <a:t>Term </a:t>
+            </a:r>
+            <a:r>
+              <a:rPr lang="de-DE" sz="1800" dirty="0" err="1" smtClean="0"/>
+              <a:t>frequency</a:t>
+            </a:r>
+            <a:r>
+              <a:rPr lang="de-DE" sz="1800" dirty="0" smtClean="0"/>
+              <a:t> – inverse </a:t>
+            </a:r>
+            <a:r>
+              <a:rPr lang="de-DE" sz="1800" dirty="0" err="1" smtClean="0"/>
+              <a:t>document</a:t>
+            </a:r>
+            <a:r>
+              <a:rPr lang="de-DE" sz="1800" dirty="0" smtClean="0"/>
+              <a:t> </a:t>
+            </a:r>
+            <a:r>
+              <a:rPr lang="de-DE" sz="1800" dirty="0" err="1" smtClean="0"/>
+              <a:t>frequency</a:t>
+            </a:r>
+            <a:r>
+              <a:rPr lang="de-DE" sz="1800" dirty="0" smtClean="0"/>
+              <a:t> (</a:t>
+            </a:r>
+            <a:r>
+              <a:rPr lang="de-DE" sz="1800" dirty="0" err="1" smtClean="0"/>
+              <a:t>TFxIDF</a:t>
+            </a:r>
+            <a:r>
+              <a:rPr lang="de-DE" sz="1800" dirty="0" smtClean="0"/>
+              <a:t>)</a:t>
+            </a:r>
+          </a:p>
+          <a:p>
+            <a:pPr eaLnBrk="1" hangingPunct="1">
+              <a:lnSpc>
+                <a:spcPct val="90000"/>
+              </a:lnSpc>
+              <a:buFont typeface="Wingdings" charset="2"/>
+              <a:buChar char="§"/>
+            </a:pPr>
+            <a:endParaRPr lang="de-DE" sz="1800" dirty="0"/>
+          </a:p>
+          <a:p>
+            <a:pPr eaLnBrk="1" hangingPunct="1">
+              <a:lnSpc>
+                <a:spcPct val="90000"/>
+              </a:lnSpc>
+              <a:buFont typeface="Wingdings" charset="2"/>
+              <a:buChar char="§"/>
+            </a:pPr>
+            <a:endParaRPr lang="de-DE" sz="1800" dirty="0" smtClean="0">
+              <a:solidFill>
+                <a:srgbClr val="FF0000"/>
+              </a:solidFill>
+            </a:endParaRPr>
+          </a:p>
+          <a:p>
+            <a:pPr eaLnBrk="1" hangingPunct="1">
+              <a:lnSpc>
+                <a:spcPct val="90000"/>
+              </a:lnSpc>
+              <a:buFont typeface="Wingdings" charset="2"/>
+              <a:buChar char="§"/>
+            </a:pPr>
+            <a:endParaRPr lang="de-DE" sz="1800" dirty="0">
+              <a:solidFill>
+                <a:srgbClr val="FF0000"/>
+              </a:solidFill>
+            </a:endParaRPr>
+          </a:p>
+          <a:p>
+            <a:pPr eaLnBrk="1" hangingPunct="1">
+              <a:lnSpc>
+                <a:spcPct val="90000"/>
+              </a:lnSpc>
+              <a:buFont typeface="Wingdings" charset="2"/>
+              <a:buChar char="§"/>
+            </a:pPr>
+            <a:endParaRPr lang="de-DE" sz="1800" dirty="0" smtClean="0">
+              <a:solidFill>
+                <a:srgbClr val="FF0000"/>
+              </a:solidFill>
+            </a:endParaRPr>
+          </a:p>
+          <a:p>
+            <a:pPr eaLnBrk="1" hangingPunct="1">
+              <a:lnSpc>
+                <a:spcPct val="90000"/>
+              </a:lnSpc>
+              <a:buFont typeface="Wingdings" charset="2"/>
+              <a:buChar char="§"/>
+            </a:pPr>
+            <a:endParaRPr lang="de-DE" sz="1800" dirty="0">
+              <a:solidFill>
+                <a:srgbClr val="FF0000"/>
+              </a:solidFill>
+            </a:endParaRPr>
+          </a:p>
+          <a:p>
+            <a:pPr marL="0" indent="0" eaLnBrk="1" hangingPunct="1">
+              <a:lnSpc>
+                <a:spcPct val="90000"/>
+              </a:lnSpc>
+            </a:pPr>
+            <a:r>
+              <a:rPr lang="de-DE" sz="1800" dirty="0" smtClean="0">
+                <a:solidFill>
+                  <a:srgbClr val="FF0000"/>
+                </a:solidFill>
+              </a:rPr>
+              <a:t/>
+            </a:r>
+            <a:br>
+              <a:rPr lang="de-DE" sz="1800" dirty="0" smtClean="0">
+                <a:solidFill>
+                  <a:srgbClr val="FF0000"/>
+                </a:solidFill>
+              </a:rPr>
+            </a:br>
+            <a:r>
+              <a:rPr lang="de-DE" sz="1800" dirty="0" smtClean="0">
+                <a:solidFill>
+                  <a:srgbClr val="FF0000"/>
+                </a:solidFill>
+              </a:rPr>
+              <a:t/>
+            </a:r>
+            <a:br>
+              <a:rPr lang="de-DE" sz="1800" dirty="0" smtClean="0">
+                <a:solidFill>
+                  <a:srgbClr val="FF0000"/>
+                </a:solidFill>
+              </a:rPr>
+            </a:br>
+            <a:endParaRPr lang="de-DE" sz="1800" dirty="0" smtClean="0">
+              <a:solidFill>
+                <a:srgbClr val="FF0000"/>
+              </a:solidFill>
+            </a:endParaRPr>
+          </a:p>
+          <a:p>
+            <a:pPr eaLnBrk="1" hangingPunct="1">
+              <a:lnSpc>
+                <a:spcPct val="90000"/>
+              </a:lnSpc>
+              <a:buFont typeface="Wingdings" charset="2"/>
+              <a:buChar char="§"/>
+            </a:pPr>
+            <a:endParaRPr lang="de-DE" sz="1800" dirty="0">
+              <a:solidFill>
+                <a:srgbClr val="000000"/>
+              </a:solidFill>
+            </a:endParaRPr>
+          </a:p>
+          <a:p>
+            <a:pPr eaLnBrk="1" hangingPunct="1">
+              <a:lnSpc>
+                <a:spcPct val="90000"/>
+              </a:lnSpc>
+              <a:buFont typeface="Wingdings" charset="2"/>
+              <a:buChar char="Ø"/>
+            </a:pPr>
+            <a:r>
+              <a:rPr lang="de-DE" sz="1800" dirty="0" smtClean="0">
+                <a:solidFill>
+                  <a:srgbClr val="000000"/>
+                </a:solidFill>
+              </a:rPr>
+              <a:t>Goal: </a:t>
+            </a:r>
+            <a:r>
+              <a:rPr lang="de-DE" sz="1800" dirty="0" err="1" smtClean="0">
+                <a:solidFill>
+                  <a:srgbClr val="000000"/>
+                </a:solidFill>
+              </a:rPr>
+              <a:t>weighting</a:t>
+            </a:r>
+            <a:r>
+              <a:rPr lang="de-DE" sz="1800" dirty="0" smtClean="0">
+                <a:solidFill>
+                  <a:srgbClr val="000000"/>
+                </a:solidFill>
+              </a:rPr>
+              <a:t> </a:t>
+            </a:r>
+            <a:r>
+              <a:rPr lang="de-DE" sz="1800" dirty="0" err="1" smtClean="0">
+                <a:solidFill>
+                  <a:srgbClr val="000000"/>
+                </a:solidFill>
+              </a:rPr>
+              <a:t>function</a:t>
+            </a:r>
+            <a:r>
+              <a:rPr lang="de-DE" sz="1800" dirty="0" smtClean="0">
+                <a:solidFill>
+                  <a:srgbClr val="000000"/>
+                </a:solidFill>
+              </a:rPr>
+              <a:t> </a:t>
+            </a:r>
+            <a:r>
+              <a:rPr lang="de-DE" sz="1800" dirty="0" err="1" smtClean="0">
+                <a:solidFill>
+                  <a:srgbClr val="000000"/>
+                </a:solidFill>
+              </a:rPr>
+              <a:t>to</a:t>
+            </a:r>
+            <a:r>
+              <a:rPr lang="de-DE" sz="1800" dirty="0" smtClean="0">
+                <a:solidFill>
+                  <a:srgbClr val="000000"/>
+                </a:solidFill>
+              </a:rPr>
+              <a:t> </a:t>
+            </a:r>
+            <a:r>
+              <a:rPr lang="de-DE" sz="1800" dirty="0" err="1" smtClean="0">
+                <a:solidFill>
+                  <a:srgbClr val="000000"/>
+                </a:solidFill>
+              </a:rPr>
+              <a:t>give</a:t>
+            </a:r>
+            <a:r>
+              <a:rPr lang="de-DE" sz="1800" dirty="0" smtClean="0">
+                <a:solidFill>
+                  <a:srgbClr val="000000"/>
+                </a:solidFill>
+              </a:rPr>
+              <a:t> </a:t>
+            </a:r>
+            <a:r>
+              <a:rPr lang="de-DE" sz="1800" dirty="0" err="1" smtClean="0">
+                <a:solidFill>
+                  <a:srgbClr val="000000"/>
+                </a:solidFill>
+              </a:rPr>
+              <a:t>more</a:t>
+            </a:r>
+            <a:r>
+              <a:rPr lang="de-DE" sz="1800" dirty="0" smtClean="0">
+                <a:solidFill>
+                  <a:srgbClr val="000000"/>
+                </a:solidFill>
+              </a:rPr>
+              <a:t> </a:t>
+            </a:r>
+            <a:r>
+              <a:rPr lang="de-DE" sz="1800" dirty="0" err="1" smtClean="0">
+                <a:solidFill>
+                  <a:srgbClr val="000000"/>
+                </a:solidFill>
+              </a:rPr>
+              <a:t>importance</a:t>
+            </a:r>
+            <a:r>
+              <a:rPr lang="de-DE" sz="1800" dirty="0" smtClean="0">
+                <a:solidFill>
+                  <a:srgbClr val="000000"/>
+                </a:solidFill>
+              </a:rPr>
+              <a:t> </a:t>
+            </a:r>
+            <a:r>
+              <a:rPr lang="de-DE" sz="1800" dirty="0" err="1" smtClean="0">
+                <a:solidFill>
+                  <a:srgbClr val="000000"/>
+                </a:solidFill>
+              </a:rPr>
+              <a:t>to</a:t>
+            </a:r>
+            <a:r>
+              <a:rPr lang="de-DE" sz="1800" dirty="0" smtClean="0">
+                <a:solidFill>
+                  <a:srgbClr val="000000"/>
+                </a:solidFill>
+              </a:rPr>
+              <a:t> </a:t>
+            </a:r>
+            <a:r>
+              <a:rPr lang="de-DE" sz="1800" dirty="0" err="1" smtClean="0">
+                <a:solidFill>
+                  <a:srgbClr val="000000"/>
+                </a:solidFill>
+              </a:rPr>
+              <a:t>unique</a:t>
+            </a:r>
+            <a:r>
+              <a:rPr lang="de-DE" sz="1800" dirty="0" smtClean="0">
+                <a:solidFill>
+                  <a:srgbClr val="000000"/>
+                </a:solidFill>
+              </a:rPr>
+              <a:t> </a:t>
+            </a:r>
+            <a:r>
+              <a:rPr lang="de-DE" sz="1800" dirty="0" err="1" smtClean="0">
+                <a:solidFill>
+                  <a:srgbClr val="000000"/>
+                </a:solidFill>
+              </a:rPr>
+              <a:t>words</a:t>
+            </a:r>
+            <a:r>
+              <a:rPr lang="de-DE" sz="1800" dirty="0" smtClean="0">
+                <a:solidFill>
+                  <a:srgbClr val="000000"/>
+                </a:solidFill>
+              </a:rPr>
+              <a:t> </a:t>
+            </a:r>
+            <a:r>
+              <a:rPr lang="de-DE" sz="1800" dirty="0" err="1" smtClean="0">
+                <a:solidFill>
+                  <a:srgbClr val="000000"/>
+                </a:solidFill>
+              </a:rPr>
+              <a:t>within</a:t>
+            </a:r>
+            <a:r>
+              <a:rPr lang="de-DE" sz="1800" dirty="0" smtClean="0">
+                <a:solidFill>
+                  <a:srgbClr val="000000"/>
+                </a:solidFill>
+              </a:rPr>
+              <a:t> a </a:t>
+            </a:r>
+            <a:r>
+              <a:rPr lang="de-DE" sz="1800" dirty="0" err="1" smtClean="0">
+                <a:solidFill>
+                  <a:srgbClr val="000000"/>
+                </a:solidFill>
+              </a:rPr>
+              <a:t>collection</a:t>
+            </a:r>
+            <a:endParaRPr lang="de-DE" sz="1800" dirty="0" smtClean="0">
+              <a:solidFill>
+                <a:srgbClr val="000000"/>
+              </a:solidFill>
+            </a:endParaRPr>
           </a:p>
         </p:txBody>
       </p:sp>
@@ -8139,12 +8904,72 @@
             </a:r>
             <a:r>
               <a:rPr lang="de-DE" b="1" dirty="0" smtClean="0"/>
-              <a:t> Approach </a:t>
+              <a:t> Approach - Transformation</a:t>
             </a:r>
             <a:endParaRPr lang="de-DE" b="1" kern="0" dirty="0" smtClean="0"/>
           </a:p>
         </p:txBody>
       </p:sp>
+      <p:pic>
+        <p:nvPicPr>
+          <p:cNvPr id="2" name="Bild 1" descr="bae842b33a4cafc0f22519cf960b052a.png"/>
+          <p:cNvPicPr>
+            <a:picLocks noChangeAspect="1"/>
+          </p:cNvPicPr>
+          <p:nvPr/>
+        </p:nvPicPr>
+        <p:blipFill>
+          <a:blip r:embed="rId3">
+            <a:extLst>
+              <a:ext uri="{28A0092B-C50C-407E-A947-70E740481C1C}">
+                <a14:useLocalDpi xmlns:a14="http://schemas.microsoft.com/office/drawing/2010/main" val="0"/>
+              </a:ext>
+            </a:extLst>
+          </a:blip>
+          <a:stretch>
+            <a:fillRect/>
+          </a:stretch>
+        </p:blipFill>
+        <p:spPr>
+          <a:xfrm>
+            <a:off x="1118752" y="2620258"/>
+            <a:ext cx="3416300" cy="584200"/>
+          </a:xfrm>
+          <a:prstGeom prst="rect">
+            <a:avLst/>
+          </a:prstGeom>
+        </p:spPr>
+      </p:pic>
+      <p:pic>
+        <p:nvPicPr>
+          <p:cNvPr id="3" name="Bild 2" descr="93a450846cf3e560824b1783405bfb2a.png"/>
+          <p:cNvPicPr>
+            <a:picLocks noChangeAspect="1"/>
+          </p:cNvPicPr>
+          <p:nvPr/>
+        </p:nvPicPr>
+        <p:blipFill>
+          <a:blip r:embed="rId4">
+            <a:extLst>
+              <a:ext uri="{28A0092B-C50C-407E-A947-70E740481C1C}">
+                <a14:useLocalDpi xmlns:a14="http://schemas.microsoft.com/office/drawing/2010/main" val="0"/>
+              </a:ext>
+            </a:extLst>
+          </a:blip>
+          <a:stretch>
+            <a:fillRect/>
+          </a:stretch>
+        </p:blipFill>
+        <p:spPr>
+          <a:xfrm>
+            <a:off x="1118751" y="3753935"/>
+            <a:ext cx="3819703" cy="297088"/>
+          </a:xfrm>
+          <a:prstGeom prst="rect">
+            <a:avLst/>
+          </a:prstGeom>
+        </p:spPr>
+      </p:pic>
     </p:spTree>
     <p:extLst>
       <p:ext uri="{BB962C8B-B14F-4D97-AF65-F5344CB8AC3E}">
@@ -8371,10 +9196,368 @@
           <a:p>
             <a:pPr eaLnBrk="1" hangingPunct="1"/>
             <a:r>
+              <a:rPr lang="de-DE" b="1" dirty="0" err="1" smtClean="0"/>
+              <a:t>Current</a:t>
+            </a:r>
+            <a:r>
               <a:rPr lang="de-DE" b="1" dirty="0" smtClean="0"/>
-              <a:t>Top 10 Tags</a:t>
+              <a:t> Approach - </a:t>
+            </a:r>
+            <a:r>
+              <a:rPr lang="de-DE" b="1" dirty="0" err="1" smtClean="0"/>
+              <a:t>Classification</a:t>
             </a:r>
             <a:endParaRPr lang="de-DE" b="1" kern="0" dirty="0" smtClean="0"/>
+          </a:p>
+        </p:txBody>
+      </p:sp>
+      <p:sp>
+        <p:nvSpPr>
+          <p:cNvPr id="4" name="Textfeld 3"/>
+          <p:cNvSpPr txBox="1"/>
+          <p:nvPr/>
+        </p:nvSpPr>
+        <p:spPr>
+          <a:xfrm>
+            <a:off x="634962" y="1806538"/>
+            <a:ext cx="7630491" cy="923330"/>
+          </a:xfrm>
+          <a:prstGeom prst="rect">
+            <a:avLst/>
+          </a:prstGeom>
+          <a:noFill/>
+        </p:spPr>
+        <p:txBody>
+          <a:bodyPr wrap="square" rtlCol="0">
+            <a:spAutoFit/>
+          </a:bodyPr>
+          <a:lstStyle/>
+          <a:p>
+            <a:pPr marL="171450" indent="-171450">
+              <a:buFont typeface="Arial"/>
+              <a:buChar char="•"/>
+            </a:pPr>
+            <a:r>
+              <a:rPr lang="de-DE" sz="1800" dirty="0" err="1" smtClean="0"/>
+              <a:t>Multinomial</a:t>
+            </a:r>
+            <a:r>
+              <a:rPr lang="de-DE" sz="1800" dirty="0" smtClean="0"/>
+              <a:t> Naive </a:t>
+            </a:r>
+            <a:r>
+              <a:rPr lang="de-DE" sz="1800" dirty="0" err="1" smtClean="0"/>
+              <a:t>Bayes</a:t>
+            </a:r>
+            <a:r>
+              <a:rPr lang="de-DE" sz="1800" dirty="0" smtClean="0"/>
+              <a:t> </a:t>
+            </a:r>
+            <a:r>
+              <a:rPr lang="de-DE" sz="1800" dirty="0" err="1" smtClean="0"/>
+              <a:t>classifier</a:t>
+            </a:r>
+            <a:r>
+              <a:rPr lang="de-DE" sz="1800" dirty="0" smtClean="0"/>
+              <a:t/>
+            </a:r>
+            <a:br>
+              <a:rPr lang="de-DE" sz="1800" dirty="0" smtClean="0"/>
+            </a:br>
+            <a:endParaRPr lang="de-DE" sz="1800" dirty="0" smtClean="0"/>
+          </a:p>
+          <a:p>
+            <a:pPr marL="171450" indent="-171450">
+              <a:buFont typeface="Arial"/>
+              <a:buChar char="•"/>
+            </a:pPr>
+            <a:r>
+              <a:rPr lang="de-DE" sz="1800" dirty="0" err="1" smtClean="0"/>
+              <a:t>Using</a:t>
+            </a:r>
+            <a:r>
+              <a:rPr lang="de-DE" sz="1800" dirty="0" smtClean="0"/>
+              <a:t> </a:t>
+            </a:r>
+            <a:r>
+              <a:rPr lang="de-DE" sz="1800" i="1" dirty="0" err="1" smtClean="0"/>
+              <a:t>sklearn.naive_bayes.MultinomialNB</a:t>
+            </a:r>
+            <a:endParaRPr lang="de-DE" sz="1800" i="1" dirty="0" smtClean="0"/>
+          </a:p>
+        </p:txBody>
+      </p:sp>
+      <p:sp>
+        <p:nvSpPr>
+          <p:cNvPr id="5" name="Textfeld 4"/>
+          <p:cNvSpPr txBox="1"/>
+          <p:nvPr/>
+        </p:nvSpPr>
+        <p:spPr>
+          <a:xfrm>
+            <a:off x="733490" y="3229870"/>
+            <a:ext cx="2649324" cy="369332"/>
+          </a:xfrm>
+          <a:prstGeom prst="rect">
+            <a:avLst/>
+          </a:prstGeom>
+          <a:noFill/>
+        </p:spPr>
+        <p:txBody>
+          <a:bodyPr wrap="square" rtlCol="0">
+            <a:spAutoFit/>
+          </a:bodyPr>
+          <a:lstStyle/>
+          <a:p>
+            <a:r>
+              <a:rPr lang="de-DE" sz="1800" b="1" dirty="0" err="1" smtClean="0"/>
+              <a:t>Two</a:t>
+            </a:r>
+            <a:r>
+              <a:rPr lang="de-DE" sz="1800" b="1" dirty="0" smtClean="0"/>
+              <a:t> </a:t>
+            </a:r>
+            <a:r>
+              <a:rPr lang="de-DE" sz="1800" b="1" dirty="0" err="1" smtClean="0"/>
+              <a:t>approaches</a:t>
+            </a:r>
+            <a:r>
+              <a:rPr lang="de-DE" sz="1800" b="1" dirty="0" smtClean="0"/>
+              <a:t>:</a:t>
+            </a:r>
+            <a:endParaRPr lang="de-DE" sz="1800" b="1" dirty="0"/>
+          </a:p>
+        </p:txBody>
+      </p:sp>
+      <p:sp>
+        <p:nvSpPr>
+          <p:cNvPr id="10" name="Textfeld 9"/>
+          <p:cNvSpPr txBox="1"/>
+          <p:nvPr/>
+        </p:nvSpPr>
+        <p:spPr>
+          <a:xfrm>
+            <a:off x="787362" y="3809271"/>
+            <a:ext cx="7630491" cy="1200329"/>
+          </a:xfrm>
+          <a:prstGeom prst="rect">
+            <a:avLst/>
+          </a:prstGeom>
+          <a:noFill/>
+        </p:spPr>
+        <p:txBody>
+          <a:bodyPr wrap="square" rtlCol="0">
+            <a:spAutoFit/>
+          </a:bodyPr>
+          <a:lstStyle/>
+          <a:p>
+            <a:pPr marL="342900" indent="-342900">
+              <a:buFont typeface="+mj-lt"/>
+              <a:buAutoNum type="arabicPeriod"/>
+            </a:pPr>
+            <a:r>
+              <a:rPr lang="de-DE" sz="1800" dirty="0" err="1" smtClean="0"/>
+              <a:t>Using</a:t>
+            </a:r>
+            <a:r>
+              <a:rPr lang="de-DE" sz="1800" dirty="0" smtClean="0"/>
+              <a:t> </a:t>
+            </a:r>
+            <a:r>
+              <a:rPr lang="de-DE" sz="1800" dirty="0" err="1" smtClean="0"/>
+              <a:t>one</a:t>
+            </a:r>
+            <a:r>
+              <a:rPr lang="de-DE" sz="1800" dirty="0" smtClean="0"/>
+              <a:t> </a:t>
+            </a:r>
+            <a:r>
+              <a:rPr lang="de-DE" sz="1800" dirty="0" err="1" smtClean="0"/>
+              <a:t>binary</a:t>
+            </a:r>
+            <a:r>
+              <a:rPr lang="de-DE" sz="1800" dirty="0" smtClean="0"/>
+              <a:t> </a:t>
+            </a:r>
+            <a:r>
+              <a:rPr lang="de-DE" sz="1800" dirty="0" err="1" smtClean="0"/>
+              <a:t>classifier</a:t>
+            </a:r>
+            <a:r>
+              <a:rPr lang="de-DE" sz="1800" dirty="0" smtClean="0"/>
+              <a:t> </a:t>
+            </a:r>
+            <a:r>
+              <a:rPr lang="de-DE" sz="1800" dirty="0" err="1" smtClean="0"/>
+              <a:t>for</a:t>
+            </a:r>
+            <a:r>
+              <a:rPr lang="de-DE" sz="1800" dirty="0" smtClean="0"/>
+              <a:t> </a:t>
+            </a:r>
+            <a:r>
+              <a:rPr lang="de-DE" sz="1800" dirty="0" err="1" smtClean="0"/>
+              <a:t>each</a:t>
+            </a:r>
+            <a:r>
+              <a:rPr lang="de-DE" sz="1800" dirty="0" smtClean="0"/>
+              <a:t> tag</a:t>
+            </a:r>
+          </a:p>
+          <a:p>
+            <a:pPr marL="800100" lvl="1" indent="-342900">
+              <a:buFont typeface="Arial"/>
+              <a:buChar char="•"/>
+            </a:pPr>
+            <a:r>
+              <a:rPr lang="de-DE" sz="1800" dirty="0" err="1" smtClean="0"/>
+              <a:t>Retrieving</a:t>
+            </a:r>
+            <a:r>
+              <a:rPr lang="de-DE" sz="1800" dirty="0" smtClean="0"/>
+              <a:t> (positive </a:t>
+            </a:r>
+            <a:r>
+              <a:rPr lang="de-DE" sz="1800" dirty="0" err="1" smtClean="0"/>
+              <a:t>and</a:t>
+            </a:r>
+            <a:r>
+              <a:rPr lang="de-DE" sz="1800" dirty="0" smtClean="0"/>
+              <a:t> negative) </a:t>
+            </a:r>
+            <a:r>
+              <a:rPr lang="de-DE" sz="1800" dirty="0" err="1" smtClean="0"/>
+              <a:t>probability</a:t>
+            </a:r>
+            <a:r>
+              <a:rPr lang="de-DE" sz="1800" dirty="0" smtClean="0"/>
+              <a:t> </a:t>
+            </a:r>
+            <a:r>
+              <a:rPr lang="de-DE" sz="1800" dirty="0" err="1" smtClean="0"/>
+              <a:t>for</a:t>
+            </a:r>
+            <a:r>
+              <a:rPr lang="de-DE" sz="1800" dirty="0" smtClean="0"/>
+              <a:t> </a:t>
+            </a:r>
+            <a:r>
+              <a:rPr lang="de-DE" sz="1800" dirty="0" err="1" smtClean="0"/>
+              <a:t>each</a:t>
+            </a:r>
+            <a:r>
+              <a:rPr lang="de-DE" sz="1800" dirty="0" smtClean="0"/>
+              <a:t> tag</a:t>
+            </a:r>
+            <a:br>
+              <a:rPr lang="de-DE" sz="1800" dirty="0" smtClean="0"/>
+            </a:br>
+            <a:endParaRPr lang="de-DE" sz="1800" dirty="0" smtClean="0"/>
+          </a:p>
+          <a:p>
+            <a:pPr marL="342900" indent="-342900">
+              <a:buFont typeface="+mj-lt"/>
+              <a:buAutoNum type="arabicPeriod"/>
+            </a:pPr>
+            <a:r>
+              <a:rPr lang="de-DE" sz="1800" dirty="0" err="1" smtClean="0"/>
+              <a:t>Using</a:t>
+            </a:r>
+            <a:r>
+              <a:rPr lang="de-DE" sz="1800" dirty="0" smtClean="0"/>
+              <a:t> </a:t>
+            </a:r>
+            <a:r>
+              <a:rPr lang="de-DE" sz="1800" dirty="0" err="1" smtClean="0"/>
+              <a:t>one</a:t>
+            </a:r>
+            <a:r>
+              <a:rPr lang="de-DE" sz="1800" dirty="0" smtClean="0"/>
+              <a:t> </a:t>
+            </a:r>
+            <a:r>
+              <a:rPr lang="de-DE" sz="1800" dirty="0" err="1" smtClean="0"/>
+              <a:t>classifier</a:t>
+            </a:r>
+            <a:r>
+              <a:rPr lang="de-DE" sz="1800" dirty="0" smtClean="0"/>
+              <a:t> </a:t>
+            </a:r>
+            <a:r>
+              <a:rPr lang="de-DE" sz="1800" dirty="0" err="1" smtClean="0"/>
+              <a:t>for</a:t>
+            </a:r>
+            <a:r>
+              <a:rPr lang="de-DE" sz="1800" dirty="0" smtClean="0"/>
+              <a:t> all tags</a:t>
+            </a:r>
+            <a:endParaRPr lang="de-DE" sz="1800" i="1" dirty="0" smtClean="0"/>
+          </a:p>
+        </p:txBody>
+      </p:sp>
+      <p:sp>
+        <p:nvSpPr>
+          <p:cNvPr id="11" name="Textfeld 10"/>
+          <p:cNvSpPr txBox="1"/>
+          <p:nvPr/>
+        </p:nvSpPr>
+        <p:spPr>
+          <a:xfrm>
+            <a:off x="787362" y="5232603"/>
+            <a:ext cx="7992630" cy="369332"/>
+          </a:xfrm>
+          <a:prstGeom prst="rect">
+            <a:avLst/>
+          </a:prstGeom>
+          <a:noFill/>
+        </p:spPr>
+        <p:txBody>
+          <a:bodyPr wrap="square" rtlCol="0">
+            <a:spAutoFit/>
+          </a:bodyPr>
+          <a:lstStyle/>
+          <a:p>
+            <a:r>
+              <a:rPr lang="de-DE" sz="1800" b="1" dirty="0" err="1" smtClean="0"/>
+              <a:t>Reason</a:t>
+            </a:r>
+            <a:r>
+              <a:rPr lang="de-DE" sz="1800" b="1" dirty="0" smtClean="0"/>
+              <a:t> </a:t>
+            </a:r>
+            <a:r>
+              <a:rPr lang="de-DE" sz="1800" b="1" dirty="0" err="1" smtClean="0"/>
+              <a:t>for</a:t>
+            </a:r>
+            <a:r>
+              <a:rPr lang="de-DE" sz="1800" b="1" dirty="0" smtClean="0"/>
+              <a:t> </a:t>
+            </a:r>
+            <a:r>
+              <a:rPr lang="de-DE" sz="1800" b="1" dirty="0" err="1" smtClean="0"/>
+              <a:t>choosing</a:t>
+            </a:r>
+            <a:r>
+              <a:rPr lang="de-DE" sz="1800" b="1" dirty="0" smtClean="0"/>
+              <a:t> </a:t>
+            </a:r>
+            <a:r>
+              <a:rPr lang="de-DE" sz="1800" b="1" dirty="0" err="1" smtClean="0"/>
+              <a:t>this</a:t>
+            </a:r>
+            <a:r>
+              <a:rPr lang="de-DE" sz="1800" b="1" dirty="0" smtClean="0"/>
+              <a:t> </a:t>
+            </a:r>
+            <a:r>
+              <a:rPr lang="de-DE" sz="1800" b="1" dirty="0" err="1" smtClean="0"/>
+              <a:t>model</a:t>
+            </a:r>
+            <a:r>
+              <a:rPr lang="de-DE" sz="1800" b="1" dirty="0" smtClean="0"/>
+              <a:t>:</a:t>
+            </a:r>
+            <a:endParaRPr lang="de-DE" sz="1800" b="1" dirty="0"/>
           </a:p>
         </p:txBody>
       </p:sp>
@@ -8417,7 +9600,7 @@
       </p:grpSpPr>
       <p:sp>
         <p:nvSpPr>
-          <p:cNvPr id="3" name="Rectangle 2"/>
+          <p:cNvPr id="8" name="Rectangle 2"/>
           <p:cNvSpPr txBox="1">
             <a:spLocks noChangeArrowheads="1"/>
           </p:cNvSpPr>
@@ -8604,23 +9787,68 @@
           <a:p>
             <a:pPr eaLnBrk="1" hangingPunct="1"/>
             <a:r>
+              <a:rPr lang="de-DE" b="1" dirty="0" err="1" smtClean="0"/>
+              <a:t>Current</a:t>
+            </a:r>
+            <a:r>
               <a:rPr lang="de-DE" b="1" dirty="0" smtClean="0"/>
-              <a:t>Top 10 Tags</a:t>
+              <a:t> Approach - </a:t>
+            </a:r>
+            <a:r>
+              <a:rPr lang="de-DE" b="1" dirty="0" err="1" smtClean="0"/>
+              <a:t>Classification</a:t>
             </a:r>
             <a:endParaRPr lang="de-DE" b="1" kern="0" dirty="0" smtClean="0"/>
+          </a:p>
+        </p:txBody>
+      </p:sp>
+      <p:sp>
+        <p:nvSpPr>
+          <p:cNvPr id="5" name="Textfeld 4"/>
+          <p:cNvSpPr txBox="1"/>
+          <p:nvPr/>
+        </p:nvSpPr>
+        <p:spPr>
+          <a:xfrm>
+            <a:off x="733490" y="3229870"/>
+            <a:ext cx="2649324" cy="369332"/>
+          </a:xfrm>
+          <a:prstGeom prst="rect">
+            <a:avLst/>
+          </a:prstGeom>
+          <a:noFill/>
+        </p:spPr>
+        <p:txBody>
+          <a:bodyPr wrap="square" rtlCol="0">
+            <a:spAutoFit/>
+          </a:bodyPr>
+          <a:lstStyle/>
+          <a:p>
+            <a:r>
+              <a:rPr lang="de-DE" sz="1800" b="1" dirty="0" smtClean="0"/>
+              <a:t>Motivation:</a:t>
+            </a:r>
+            <a:endParaRPr lang="de-DE" sz="1800" b="1" dirty="0"/>
           </a:p>
         </p:txBody>
       </p:sp>
     </p:spTree>
     <p:extLst>
       <p:ext uri="{BB962C8B-B14F-4D97-AF65-F5344CB8AC3E}">
-        <p14:creationId xmlns:p14="http://schemas.microsoft.com/office/powerpoint/2010/main" val="1713164235"/>
+        <p14:creationId xmlns:p14="http://schemas.microsoft.com/office/powerpoint/2010/main" val="2232813200"/>
       </p:ext>
     </p:extLst>
   </p:cSld>
   <p:clrMapOvr>
     <a:masterClrMapping/>
   </p:clrMapOvr>
+  <p:timing>
+    <p:tnLst>
+      <p:par>
+        <p:cTn xmlns:p14="http://schemas.microsoft.com/office/powerpoint/2010/main" id="1" dur="indefinite" restart="never" nodeType="tmRoot"/>
+      </p:par>
+    </p:tnLst>
+  </p:timing>
 </p:sld>
 </file>
 
@@ -8643,7 +9871,7 @@
       </p:grpSpPr>
       <p:sp>
         <p:nvSpPr>
-          <p:cNvPr id="4" name="Rectangle 2"/>
+          <p:cNvPr id="3" name="Rectangle 2"/>
           <p:cNvSpPr txBox="1">
             <a:spLocks noChangeArrowheads="1"/>
           </p:cNvSpPr>
@@ -8830,16 +10058,8 @@
           <a:p>
             <a:pPr eaLnBrk="1" hangingPunct="1"/>
             <a:r>
-              <a:rPr lang="de-DE" b="1" dirty="0" err="1" smtClean="0"/>
-              <a:t>Cumulative</a:t>
-            </a:r>
-            <a:r>
               <a:rPr lang="de-DE" b="1" dirty="0" smtClean="0"/>
-              <a:t> Tag </a:t>
-            </a:r>
-            <a:r>
-              <a:rPr lang="de-DE" b="1" dirty="0" err="1" smtClean="0"/>
-              <a:t>Frequency</a:t>
+              <a:t>Top 10 Tags</a:t>
             </a:r>
             <a:endParaRPr lang="de-DE" b="1" kern="0" dirty="0" smtClean="0"/>
           </a:p>
@@ -8848,20 +10068,13 @@
     </p:spTree>
     <p:extLst>
       <p:ext uri="{BB962C8B-B14F-4D97-AF65-F5344CB8AC3E}">
-        <p14:creationId xmlns:p14="http://schemas.microsoft.com/office/powerpoint/2010/main" val="1843644244"/>
+        <p14:creationId xmlns:p14="http://schemas.microsoft.com/office/powerpoint/2010/main" val="1713164235"/>
       </p:ext>
     </p:extLst>
   </p:cSld>
   <p:clrMapOvr>
     <a:masterClrMapping/>
   </p:clrMapOvr>
-  <p:timing>
-    <p:tnLst>
-      <p:par>
-        <p:cTn xmlns:p14="http://schemas.microsoft.com/office/powerpoint/2010/main" id="1" dur="indefinite" restart="never" nodeType="tmRoot"/>
-      </p:par>
-    </p:tnLst>
-  </p:timing>
 </p:sld>
 </file>
 
@@ -9071,12 +10284,16 @@
           <a:p>
             <a:pPr eaLnBrk="1" hangingPunct="1"/>
             <a:r>
+              <a:rPr lang="de-DE" b="1" dirty="0" err="1" smtClean="0"/>
+              <a:t>Cumulative</a:t>
+            </a:r>
+            <a:r>
               <a:rPr lang="de-DE" b="1" dirty="0" smtClean="0"/>
-              <a:t>Tag </a:t>
+              <a:t> Tag </a:t>
             </a:r>
             <a:r>
               <a:rPr lang="de-DE" b="1" dirty="0" err="1" smtClean="0"/>
-              <a:t>Correlation</a:t>
+              <a:t>Frequency</a:t>
             </a:r>
             <a:endParaRPr lang="de-DE" b="1" kern="0" dirty="0" smtClean="0"/>
           </a:p>
@@ -9085,7 +10302,7 @@
     </p:spTree>
     <p:extLst>
       <p:ext uri="{BB962C8B-B14F-4D97-AF65-F5344CB8AC3E}">
-        <p14:creationId xmlns:p14="http://schemas.microsoft.com/office/powerpoint/2010/main" val="373960713"/>
+        <p14:creationId xmlns:p14="http://schemas.microsoft.com/office/powerpoint/2010/main" val="1843644244"/>
       </p:ext>
     </p:extLst>
   </p:cSld>

--- a/presentation/interim/Presentation.pptx
+++ b/presentation/interim/Presentation.pptx
@@ -5,10 +5,10 @@
     <p:sldMasterId id="2147483648" r:id="rId1"/>
   </p:sldMasterIdLst>
   <p:notesMasterIdLst>
-    <p:notesMasterId r:id="rId16"/>
+    <p:notesMasterId r:id="rId15"/>
   </p:notesMasterIdLst>
   <p:handoutMasterIdLst>
-    <p:handoutMasterId r:id="rId17"/>
+    <p:handoutMasterId r:id="rId16"/>
   </p:handoutMasterIdLst>
   <p:sldIdLst>
     <p:sldId id="398" r:id="rId2"/>
@@ -18,13 +18,12 @@
     <p:sldId id="395" r:id="rId6"/>
     <p:sldId id="397" r:id="rId7"/>
     <p:sldId id="409" r:id="rId8"/>
-    <p:sldId id="402" r:id="rId9"/>
-    <p:sldId id="399" r:id="rId10"/>
-    <p:sldId id="400" r:id="rId11"/>
-    <p:sldId id="401" r:id="rId12"/>
-    <p:sldId id="406" r:id="rId13"/>
-    <p:sldId id="404" r:id="rId14"/>
-    <p:sldId id="407" r:id="rId15"/>
+    <p:sldId id="410" r:id="rId9"/>
+    <p:sldId id="411" r:id="rId10"/>
+    <p:sldId id="399" r:id="rId11"/>
+    <p:sldId id="400" r:id="rId12"/>
+    <p:sldId id="412" r:id="rId13"/>
+    <p:sldId id="407" r:id="rId14"/>
   </p:sldIdLst>
   <p:sldSz cx="9144000" cy="6858000" type="screen4x3"/>
   <p:notesSz cx="7099300" cy="10234613"/>
@@ -155,7 +154,7 @@
   </p:defaultTextStyle>
   <p:extLst>
     <p:ext uri="{EFAFB233-063F-42B5-8137-9DF3F51BA10A}">
-      <p15:sldGuideLst xmlns="" xmlns:p15="http://schemas.microsoft.com/office/powerpoint/2012/main">
+      <p15:sldGuideLst xmlns:p15="http://schemas.microsoft.com/office/powerpoint/2012/main" xmlns="">
         <p15:guide id="1" orient="horz" pos="3498">
           <p15:clr>
             <a:srgbClr val="A4A3A4"/>
@@ -169,7 +168,7 @@
       </p15:sldGuideLst>
     </p:ext>
     <p:ext uri="{2D200454-40CA-4A62-9FC3-DE9A4176ACB9}">
-      <p15:notesGuideLst xmlns="" xmlns:p15="http://schemas.microsoft.com/office/powerpoint/2012/main">
+      <p15:notesGuideLst xmlns:p15="http://schemas.microsoft.com/office/powerpoint/2012/main" xmlns="">
         <p15:guide id="1" orient="horz" pos="3224">
           <p15:clr>
             <a:srgbClr val="A4A3A4"/>
@@ -2357,6 +2356,440 @@
               <a:rPr lang="de-DE"/>
               <a:pPr algn="r" eaLnBrk="1" hangingPunct="1"/>
               <a:t>7</a:t>
+            </a:fld>
+            <a:endParaRPr lang="de-DE"/>
+          </a:p>
+        </p:txBody>
+      </p:sp>
+      <p:sp>
+        <p:nvSpPr>
+          <p:cNvPr id="8195" name="Rectangle 2"/>
+          <p:cNvSpPr>
+            <a:spLocks noGrp="1" noRot="1" noChangeAspect="1" noChangeArrowheads="1" noTextEdit="1"/>
+          </p:cNvSpPr>
+          <p:nvPr>
+            <p:ph type="sldImg"/>
+          </p:nvPr>
+        </p:nvSpPr>
+        <p:spPr>
+          <a:ln/>
+        </p:spPr>
+      </p:sp>
+      <p:sp>
+        <p:nvSpPr>
+          <p:cNvPr id="8196" name="Rectangle 3"/>
+          <p:cNvSpPr>
+            <a:spLocks noGrp="1" noChangeArrowheads="1"/>
+          </p:cNvSpPr>
+          <p:nvPr>
+            <p:ph type="body" idx="1"/>
+          </p:nvPr>
+        </p:nvSpPr>
+        <p:spPr>
+          <a:noFill/>
+        </p:spPr>
+        <p:txBody>
+          <a:bodyPr lIns="94904" tIns="47452" rIns="94904" bIns="47452"/>
+          <a:lstStyle/>
+          <a:p>
+            <a:pPr eaLnBrk="1" hangingPunct="1"/>
+            <a:endParaRPr lang="de-DE" smtClean="0"/>
+          </a:p>
+        </p:txBody>
+      </p:sp>
+    </p:spTree>
+    <p:extLst>
+      <p:ext uri="{BB962C8B-B14F-4D97-AF65-F5344CB8AC3E}">
+        <p14:creationId xmlns:p14="http://schemas.microsoft.com/office/powerpoint/2010/main" val="745752036"/>
+      </p:ext>
+    </p:extLst>
+  </p:cSld>
+  <p:clrMapOvr>
+    <a:masterClrMapping/>
+  </p:clrMapOvr>
+</p:notes>
+</file>
+
+<file path=ppt/notesSlides/notesSlide7.xml><?xml version="1.0" encoding="utf-8"?>
+<p:notes xmlns:a="http://schemas.openxmlformats.org/drawingml/2006/main" xmlns:r="http://schemas.openxmlformats.org/officeDocument/2006/relationships" xmlns:p="http://schemas.openxmlformats.org/presentationml/2006/main">
+  <p:cSld>
+    <p:spTree>
+      <p:nvGrpSpPr>
+        <p:cNvPr id="1" name=""/>
+        <p:cNvGrpSpPr/>
+        <p:nvPr/>
+      </p:nvGrpSpPr>
+      <p:grpSpPr>
+        <a:xfrm>
+          <a:off x="0" y="0"/>
+          <a:ext cx="0" cy="0"/>
+          <a:chOff x="0" y="0"/>
+          <a:chExt cx="0" cy="0"/>
+        </a:xfrm>
+      </p:grpSpPr>
+      <p:sp>
+        <p:nvSpPr>
+          <p:cNvPr id="8194" name="Rectangle 7"/>
+          <p:cNvSpPr txBox="1">
+            <a:spLocks noGrp="1" noChangeArrowheads="1"/>
+          </p:cNvSpPr>
+          <p:nvPr/>
+        </p:nvSpPr>
+        <p:spPr bwMode="auto">
+          <a:xfrm>
+            <a:off x="4021138" y="9721850"/>
+            <a:ext cx="3076575" cy="511175"/>
+          </a:xfrm>
+          <a:prstGeom prst="rect">
+            <a:avLst/>
+          </a:prstGeom>
+          <a:noFill/>
+          <a:ln>
+            <a:noFill/>
+          </a:ln>
+          <a:extLst>
+            <a:ext uri="{909E8E84-426E-40dd-AFC4-6F175D3DCCD1}">
+              <a14:hiddenFill xmlns:a14="http://schemas.microsoft.com/office/drawing/2010/main">
+                <a:solidFill>
+                  <a:srgbClr val="FFFFFF"/>
+                </a:solidFill>
+              </a14:hiddenFill>
+            </a:ext>
+            <a:ext uri="{91240B29-F687-4f45-9708-019B960494DF}">
+              <a14:hiddenLine xmlns:a14="http://schemas.microsoft.com/office/drawing/2010/main" w="9525">
+                <a:solidFill>
+                  <a:srgbClr val="000000"/>
+                </a:solidFill>
+                <a:miter lim="800000"/>
+                <a:headEnd/>
+                <a:tailEnd/>
+              </a14:hiddenLine>
+            </a:ext>
+          </a:extLst>
+        </p:spPr>
+        <p:txBody>
+          <a:bodyPr lIns="94904" tIns="47452" rIns="94904" bIns="47452" anchor="b"/>
+          <a:lstStyle>
+            <a:lvl1pPr defTabSz="949325" eaLnBrk="0" hangingPunct="0">
+              <a:defRPr sz="1200">
+                <a:solidFill>
+                  <a:schemeClr val="tx1"/>
+                </a:solidFill>
+                <a:latin typeface="Arial" charset="0"/>
+              </a:defRPr>
+            </a:lvl1pPr>
+            <a:lvl2pPr marL="742950" indent="-285750" defTabSz="949325" eaLnBrk="0" hangingPunct="0">
+              <a:defRPr sz="1200">
+                <a:solidFill>
+                  <a:schemeClr val="tx1"/>
+                </a:solidFill>
+                <a:latin typeface="Arial" charset="0"/>
+              </a:defRPr>
+            </a:lvl2pPr>
+            <a:lvl3pPr marL="1143000" indent="-228600" defTabSz="949325" eaLnBrk="0" hangingPunct="0">
+              <a:defRPr sz="1200">
+                <a:solidFill>
+                  <a:schemeClr val="tx1"/>
+                </a:solidFill>
+                <a:latin typeface="Arial" charset="0"/>
+              </a:defRPr>
+            </a:lvl3pPr>
+            <a:lvl4pPr marL="1600200" indent="-228600" defTabSz="949325" eaLnBrk="0" hangingPunct="0">
+              <a:defRPr sz="1200">
+                <a:solidFill>
+                  <a:schemeClr val="tx1"/>
+                </a:solidFill>
+                <a:latin typeface="Arial" charset="0"/>
+              </a:defRPr>
+            </a:lvl4pPr>
+            <a:lvl5pPr marL="2057400" indent="-228600" defTabSz="949325" eaLnBrk="0" hangingPunct="0">
+              <a:defRPr sz="1200">
+                <a:solidFill>
+                  <a:schemeClr val="tx1"/>
+                </a:solidFill>
+                <a:latin typeface="Arial" charset="0"/>
+              </a:defRPr>
+            </a:lvl5pPr>
+            <a:lvl6pPr marL="2514600" indent="-228600" defTabSz="949325" eaLnBrk="0" fontAlgn="base" hangingPunct="0">
+              <a:spcBef>
+                <a:spcPct val="0"/>
+              </a:spcBef>
+              <a:spcAft>
+                <a:spcPct val="0"/>
+              </a:spcAft>
+              <a:defRPr sz="1200">
+                <a:solidFill>
+                  <a:schemeClr val="tx1"/>
+                </a:solidFill>
+                <a:latin typeface="Arial" charset="0"/>
+              </a:defRPr>
+            </a:lvl6pPr>
+            <a:lvl7pPr marL="2971800" indent="-228600" defTabSz="949325" eaLnBrk="0" fontAlgn="base" hangingPunct="0">
+              <a:spcBef>
+                <a:spcPct val="0"/>
+              </a:spcBef>
+              <a:spcAft>
+                <a:spcPct val="0"/>
+              </a:spcAft>
+              <a:defRPr sz="1200">
+                <a:solidFill>
+                  <a:schemeClr val="tx1"/>
+                </a:solidFill>
+                <a:latin typeface="Arial" charset="0"/>
+              </a:defRPr>
+            </a:lvl7pPr>
+            <a:lvl8pPr marL="3429000" indent="-228600" defTabSz="949325" eaLnBrk="0" fontAlgn="base" hangingPunct="0">
+              <a:spcBef>
+                <a:spcPct val="0"/>
+              </a:spcBef>
+              <a:spcAft>
+                <a:spcPct val="0"/>
+              </a:spcAft>
+              <a:defRPr sz="1200">
+                <a:solidFill>
+                  <a:schemeClr val="tx1"/>
+                </a:solidFill>
+                <a:latin typeface="Arial" charset="0"/>
+              </a:defRPr>
+            </a:lvl8pPr>
+            <a:lvl9pPr marL="3886200" indent="-228600" defTabSz="949325" eaLnBrk="0" fontAlgn="base" hangingPunct="0">
+              <a:spcBef>
+                <a:spcPct val="0"/>
+              </a:spcBef>
+              <a:spcAft>
+                <a:spcPct val="0"/>
+              </a:spcAft>
+              <a:defRPr sz="1200">
+                <a:solidFill>
+                  <a:schemeClr val="tx1"/>
+                </a:solidFill>
+                <a:latin typeface="Arial" charset="0"/>
+              </a:defRPr>
+            </a:lvl9pPr>
+          </a:lstStyle>
+          <a:p>
+            <a:pPr algn="r" eaLnBrk="1" hangingPunct="1"/>
+            <a:fld id="{4DF64DC3-509B-4839-BFB3-219CFD43D10D}" type="slidenum">
+              <a:rPr lang="de-DE"/>
+              <a:pPr algn="r" eaLnBrk="1" hangingPunct="1"/>
+              <a:t>8</a:t>
+            </a:fld>
+            <a:endParaRPr lang="de-DE"/>
+          </a:p>
+        </p:txBody>
+      </p:sp>
+      <p:sp>
+        <p:nvSpPr>
+          <p:cNvPr id="8195" name="Rectangle 2"/>
+          <p:cNvSpPr>
+            <a:spLocks noGrp="1" noRot="1" noChangeAspect="1" noChangeArrowheads="1" noTextEdit="1"/>
+          </p:cNvSpPr>
+          <p:nvPr>
+            <p:ph type="sldImg"/>
+          </p:nvPr>
+        </p:nvSpPr>
+        <p:spPr>
+          <a:ln/>
+        </p:spPr>
+      </p:sp>
+      <p:sp>
+        <p:nvSpPr>
+          <p:cNvPr id="8196" name="Rectangle 3"/>
+          <p:cNvSpPr>
+            <a:spLocks noGrp="1" noChangeArrowheads="1"/>
+          </p:cNvSpPr>
+          <p:nvPr>
+            <p:ph type="body" idx="1"/>
+          </p:nvPr>
+        </p:nvSpPr>
+        <p:spPr>
+          <a:noFill/>
+        </p:spPr>
+        <p:txBody>
+          <a:bodyPr lIns="94904" tIns="47452" rIns="94904" bIns="47452"/>
+          <a:lstStyle/>
+          <a:p>
+            <a:pPr eaLnBrk="1" hangingPunct="1"/>
+            <a:endParaRPr lang="de-DE" smtClean="0"/>
+          </a:p>
+        </p:txBody>
+      </p:sp>
+    </p:spTree>
+    <p:extLst>
+      <p:ext uri="{BB962C8B-B14F-4D97-AF65-F5344CB8AC3E}">
+        <p14:creationId xmlns:p14="http://schemas.microsoft.com/office/powerpoint/2010/main" val="745752036"/>
+      </p:ext>
+    </p:extLst>
+  </p:cSld>
+  <p:clrMapOvr>
+    <a:masterClrMapping/>
+  </p:clrMapOvr>
+</p:notes>
+</file>
+
+<file path=ppt/notesSlides/notesSlide8.xml><?xml version="1.0" encoding="utf-8"?>
+<p:notes xmlns:a="http://schemas.openxmlformats.org/drawingml/2006/main" xmlns:r="http://schemas.openxmlformats.org/officeDocument/2006/relationships" xmlns:p="http://schemas.openxmlformats.org/presentationml/2006/main">
+  <p:cSld>
+    <p:spTree>
+      <p:nvGrpSpPr>
+        <p:cNvPr id="1" name=""/>
+        <p:cNvGrpSpPr/>
+        <p:nvPr/>
+      </p:nvGrpSpPr>
+      <p:grpSpPr>
+        <a:xfrm>
+          <a:off x="0" y="0"/>
+          <a:ext cx="0" cy="0"/>
+          <a:chOff x="0" y="0"/>
+          <a:chExt cx="0" cy="0"/>
+        </a:xfrm>
+      </p:grpSpPr>
+      <p:sp>
+        <p:nvSpPr>
+          <p:cNvPr id="8194" name="Rectangle 7"/>
+          <p:cNvSpPr txBox="1">
+            <a:spLocks noGrp="1" noChangeArrowheads="1"/>
+          </p:cNvSpPr>
+          <p:nvPr/>
+        </p:nvSpPr>
+        <p:spPr bwMode="auto">
+          <a:xfrm>
+            <a:off x="4021138" y="9721850"/>
+            <a:ext cx="3076575" cy="511175"/>
+          </a:xfrm>
+          <a:prstGeom prst="rect">
+            <a:avLst/>
+          </a:prstGeom>
+          <a:noFill/>
+          <a:ln>
+            <a:noFill/>
+          </a:ln>
+          <a:extLst>
+            <a:ext uri="{909E8E84-426E-40dd-AFC4-6F175D3DCCD1}">
+              <a14:hiddenFill xmlns:a14="http://schemas.microsoft.com/office/drawing/2010/main">
+                <a:solidFill>
+                  <a:srgbClr val="FFFFFF"/>
+                </a:solidFill>
+              </a14:hiddenFill>
+            </a:ext>
+            <a:ext uri="{91240B29-F687-4f45-9708-019B960494DF}">
+              <a14:hiddenLine xmlns:a14="http://schemas.microsoft.com/office/drawing/2010/main" w="9525">
+                <a:solidFill>
+                  <a:srgbClr val="000000"/>
+                </a:solidFill>
+                <a:miter lim="800000"/>
+                <a:headEnd/>
+                <a:tailEnd/>
+              </a14:hiddenLine>
+            </a:ext>
+          </a:extLst>
+        </p:spPr>
+        <p:txBody>
+          <a:bodyPr lIns="94904" tIns="47452" rIns="94904" bIns="47452" anchor="b"/>
+          <a:lstStyle>
+            <a:lvl1pPr defTabSz="949325" eaLnBrk="0" hangingPunct="0">
+              <a:defRPr sz="1200">
+                <a:solidFill>
+                  <a:schemeClr val="tx1"/>
+                </a:solidFill>
+                <a:latin typeface="Arial" charset="0"/>
+              </a:defRPr>
+            </a:lvl1pPr>
+            <a:lvl2pPr marL="742950" indent="-285750" defTabSz="949325" eaLnBrk="0" hangingPunct="0">
+              <a:defRPr sz="1200">
+                <a:solidFill>
+                  <a:schemeClr val="tx1"/>
+                </a:solidFill>
+                <a:latin typeface="Arial" charset="0"/>
+              </a:defRPr>
+            </a:lvl2pPr>
+            <a:lvl3pPr marL="1143000" indent="-228600" defTabSz="949325" eaLnBrk="0" hangingPunct="0">
+              <a:defRPr sz="1200">
+                <a:solidFill>
+                  <a:schemeClr val="tx1"/>
+                </a:solidFill>
+                <a:latin typeface="Arial" charset="0"/>
+              </a:defRPr>
+            </a:lvl3pPr>
+            <a:lvl4pPr marL="1600200" indent="-228600" defTabSz="949325" eaLnBrk="0" hangingPunct="0">
+              <a:defRPr sz="1200">
+                <a:solidFill>
+                  <a:schemeClr val="tx1"/>
+                </a:solidFill>
+                <a:latin typeface="Arial" charset="0"/>
+              </a:defRPr>
+            </a:lvl4pPr>
+            <a:lvl5pPr marL="2057400" indent="-228600" defTabSz="949325" eaLnBrk="0" hangingPunct="0">
+              <a:defRPr sz="1200">
+                <a:solidFill>
+                  <a:schemeClr val="tx1"/>
+                </a:solidFill>
+                <a:latin typeface="Arial" charset="0"/>
+              </a:defRPr>
+            </a:lvl5pPr>
+            <a:lvl6pPr marL="2514600" indent="-228600" defTabSz="949325" eaLnBrk="0" fontAlgn="base" hangingPunct="0">
+              <a:spcBef>
+                <a:spcPct val="0"/>
+              </a:spcBef>
+              <a:spcAft>
+                <a:spcPct val="0"/>
+              </a:spcAft>
+              <a:defRPr sz="1200">
+                <a:solidFill>
+                  <a:schemeClr val="tx1"/>
+                </a:solidFill>
+                <a:latin typeface="Arial" charset="0"/>
+              </a:defRPr>
+            </a:lvl6pPr>
+            <a:lvl7pPr marL="2971800" indent="-228600" defTabSz="949325" eaLnBrk="0" fontAlgn="base" hangingPunct="0">
+              <a:spcBef>
+                <a:spcPct val="0"/>
+              </a:spcBef>
+              <a:spcAft>
+                <a:spcPct val="0"/>
+              </a:spcAft>
+              <a:defRPr sz="1200">
+                <a:solidFill>
+                  <a:schemeClr val="tx1"/>
+                </a:solidFill>
+                <a:latin typeface="Arial" charset="0"/>
+              </a:defRPr>
+            </a:lvl7pPr>
+            <a:lvl8pPr marL="3429000" indent="-228600" defTabSz="949325" eaLnBrk="0" fontAlgn="base" hangingPunct="0">
+              <a:spcBef>
+                <a:spcPct val="0"/>
+              </a:spcBef>
+              <a:spcAft>
+                <a:spcPct val="0"/>
+              </a:spcAft>
+              <a:defRPr sz="1200">
+                <a:solidFill>
+                  <a:schemeClr val="tx1"/>
+                </a:solidFill>
+                <a:latin typeface="Arial" charset="0"/>
+              </a:defRPr>
+            </a:lvl8pPr>
+            <a:lvl9pPr marL="3886200" indent="-228600" defTabSz="949325" eaLnBrk="0" fontAlgn="base" hangingPunct="0">
+              <a:spcBef>
+                <a:spcPct val="0"/>
+              </a:spcBef>
+              <a:spcAft>
+                <a:spcPct val="0"/>
+              </a:spcAft>
+              <a:defRPr sz="1200">
+                <a:solidFill>
+                  <a:schemeClr val="tx1"/>
+                </a:solidFill>
+                <a:latin typeface="Arial" charset="0"/>
+              </a:defRPr>
+            </a:lvl9pPr>
+          </a:lstStyle>
+          <a:p>
+            <a:pPr algn="r" eaLnBrk="1" hangingPunct="1"/>
+            <a:fld id="{4DF64DC3-509B-4839-BFB3-219CFD43D10D}" type="slidenum">
+              <a:rPr lang="de-DE"/>
+              <a:pPr algn="r" eaLnBrk="1" hangingPunct="1"/>
+              <a:t>9</a:t>
             </a:fld>
             <a:endParaRPr lang="de-DE"/>
           </a:p>
@@ -4068,9 +4501,411 @@
           <a:chExt cx="0" cy="0"/>
         </a:xfrm>
       </p:grpSpPr>
+      <p:graphicFrame>
+        <p:nvGraphicFramePr>
+          <p:cNvPr id="2" name="Tabelle 1"/>
+          <p:cNvGraphicFramePr>
+            <a:graphicFrameLocks noGrp="1"/>
+          </p:cNvGraphicFramePr>
+          <p:nvPr>
+            <p:extLst>
+              <p:ext uri="{D42A27DB-BD31-4B8C-83A1-F6EECF244321}">
+                <p14:modId xmlns:p14="http://schemas.microsoft.com/office/powerpoint/2010/main" val="3482763192"/>
+              </p:ext>
+            </p:extLst>
+          </p:nvPr>
+        </p:nvGraphicFramePr>
+        <p:xfrm>
+          <a:off x="812405" y="1933414"/>
+          <a:ext cx="7759581" cy="2115358"/>
+        </p:xfrm>
+        <a:graphic>
+          <a:graphicData uri="http://schemas.openxmlformats.org/drawingml/2006/table">
+            <a:tbl>
+              <a:tblPr firstRow="1" bandRow="1">
+                <a:tableStyleId>{5C22544A-7EE6-4342-B048-85BDC9FD1C3A}</a:tableStyleId>
+              </a:tblPr>
+              <a:tblGrid>
+                <a:gridCol w="2586527"/>
+                <a:gridCol w="2586527"/>
+                <a:gridCol w="2586527"/>
+              </a:tblGrid>
+              <a:tr h="523387">
+                <a:tc>
+                  <a:txBody>
+                    <a:bodyPr/>
+                    <a:lstStyle/>
+                    <a:p>
+                      <a:r>
+                        <a:rPr lang="de-DE" dirty="0" smtClean="0"/>
+                        <a:t>Model</a:t>
+                      </a:r>
+                      <a:endParaRPr lang="de-DE" dirty="0"/>
+                    </a:p>
+                  </a:txBody>
+                  <a:tcPr>
+                    <a:solidFill>
+                      <a:schemeClr val="accent5">
+                        <a:lumMod val="90000"/>
+                      </a:schemeClr>
+                    </a:solidFill>
+                  </a:tcPr>
+                </a:tc>
+                <a:tc>
+                  <a:txBody>
+                    <a:bodyPr/>
+                    <a:lstStyle/>
+                    <a:p>
+                      <a:pPr algn="ctr"/>
+                      <a:r>
+                        <a:rPr lang="de-DE" dirty="0" smtClean="0"/>
+                        <a:t>Precision</a:t>
+                      </a:r>
+                      <a:endParaRPr lang="de-DE" dirty="0"/>
+                    </a:p>
+                  </a:txBody>
+                  <a:tcPr/>
+                </a:tc>
+                <a:tc>
+                  <a:txBody>
+                    <a:bodyPr/>
+                    <a:lstStyle/>
+                    <a:p>
+                      <a:pPr algn="ctr"/>
+                      <a:r>
+                        <a:rPr lang="de-DE" dirty="0" smtClean="0"/>
+                        <a:t>Recall</a:t>
+                      </a:r>
+                      <a:endParaRPr lang="de-DE" dirty="0"/>
+                    </a:p>
+                  </a:txBody>
+                  <a:tcPr/>
+                </a:tc>
+              </a:tr>
+              <a:tr h="530657">
+                <a:tc>
+                  <a:txBody>
+                    <a:bodyPr/>
+                    <a:lstStyle/>
+                    <a:p>
+                      <a:pPr algn="l"/>
+                      <a:r>
+                        <a:rPr lang="de-DE" dirty="0" err="1" smtClean="0"/>
+                        <a:t>MultinomialNB</a:t>
+                      </a:r>
+                      <a:endParaRPr lang="de-DE" dirty="0"/>
+                    </a:p>
+                  </a:txBody>
+                  <a:tcPr anchor="ctr"/>
+                </a:tc>
+                <a:tc>
+                  <a:txBody>
+                    <a:bodyPr/>
+                    <a:lstStyle/>
+                    <a:p>
+                      <a:pPr algn="ctr"/>
+                      <a:r>
+                        <a:rPr lang="de-DE" dirty="0" smtClean="0"/>
+                        <a:t>0.4</a:t>
+                      </a:r>
+                      <a:endParaRPr lang="de-DE" dirty="0"/>
+                    </a:p>
+                  </a:txBody>
+                  <a:tcPr anchor="ctr"/>
+                </a:tc>
+                <a:tc>
+                  <a:txBody>
+                    <a:bodyPr/>
+                    <a:lstStyle/>
+                    <a:p>
+                      <a:pPr algn="ctr"/>
+                      <a:r>
+                        <a:rPr lang="de-DE" dirty="0" smtClean="0"/>
+                        <a:t>0.4</a:t>
+                      </a:r>
+                      <a:endParaRPr lang="de-DE" dirty="0"/>
+                    </a:p>
+                  </a:txBody>
+                  <a:tcPr anchor="ctr"/>
+                </a:tc>
+              </a:tr>
+              <a:tr h="530657">
+                <a:tc>
+                  <a:txBody>
+                    <a:bodyPr/>
+                    <a:lstStyle/>
+                    <a:p>
+                      <a:pPr algn="l"/>
+                      <a:r>
+                        <a:rPr lang="de-DE" dirty="0" err="1" smtClean="0"/>
+                        <a:t>k-Means</a:t>
+                      </a:r>
+                      <a:r>
+                        <a:rPr lang="de-DE" dirty="0" smtClean="0"/>
+                        <a:t> </a:t>
+                      </a:r>
+                      <a:r>
+                        <a:rPr lang="de-DE" baseline="30000" dirty="0" smtClean="0"/>
+                        <a:t>1)</a:t>
+                      </a:r>
+                      <a:endParaRPr lang="de-DE" baseline="30000" dirty="0"/>
+                    </a:p>
+                  </a:txBody>
+                  <a:tcPr anchor="ctr"/>
+                </a:tc>
+                <a:tc>
+                  <a:txBody>
+                    <a:bodyPr/>
+                    <a:lstStyle/>
+                    <a:p>
+                      <a:pPr algn="ctr"/>
+                      <a:r>
+                        <a:rPr lang="de-DE" dirty="0" smtClean="0"/>
+                        <a:t>0.4</a:t>
+                      </a:r>
+                      <a:endParaRPr lang="de-DE" dirty="0"/>
+                    </a:p>
+                  </a:txBody>
+                  <a:tcPr anchor="ctr"/>
+                </a:tc>
+                <a:tc>
+                  <a:txBody>
+                    <a:bodyPr/>
+                    <a:lstStyle/>
+                    <a:p>
+                      <a:pPr algn="ctr"/>
+                      <a:r>
+                        <a:rPr lang="de-DE" dirty="0" smtClean="0"/>
+                        <a:t>0.4</a:t>
+                      </a:r>
+                      <a:endParaRPr lang="de-DE" dirty="0"/>
+                    </a:p>
+                  </a:txBody>
+                  <a:tcPr anchor="ctr"/>
+                </a:tc>
+              </a:tr>
+              <a:tr h="530657">
+                <a:tc>
+                  <a:txBody>
+                    <a:bodyPr/>
+                    <a:lstStyle/>
+                    <a:p>
+                      <a:pPr algn="l"/>
+                      <a:r>
+                        <a:rPr lang="de-DE" dirty="0" smtClean="0"/>
+                        <a:t>HAC </a:t>
+                      </a:r>
+                      <a:r>
+                        <a:rPr lang="de-DE" baseline="30000" dirty="0" smtClean="0"/>
+                        <a:t>2)</a:t>
+                      </a:r>
+                      <a:endParaRPr lang="de-DE" baseline="30000" dirty="0"/>
+                    </a:p>
+                  </a:txBody>
+                  <a:tcPr anchor="ctr"/>
+                </a:tc>
+                <a:tc>
+                  <a:txBody>
+                    <a:bodyPr/>
+                    <a:lstStyle/>
+                    <a:p>
+                      <a:pPr algn="ctr"/>
+                      <a:r>
+                        <a:rPr lang="de-DE" dirty="0" smtClean="0"/>
+                        <a:t>0.4</a:t>
+                      </a:r>
+                      <a:endParaRPr lang="de-DE" dirty="0"/>
+                    </a:p>
+                  </a:txBody>
+                  <a:tcPr anchor="ctr"/>
+                </a:tc>
+                <a:tc>
+                  <a:txBody>
+                    <a:bodyPr/>
+                    <a:lstStyle/>
+                    <a:p>
+                      <a:pPr algn="ctr"/>
+                      <a:r>
+                        <a:rPr lang="de-DE" dirty="0" smtClean="0"/>
+                        <a:t>0.4</a:t>
+                      </a:r>
+                      <a:endParaRPr lang="de-DE" dirty="0"/>
+                    </a:p>
+                  </a:txBody>
+                  <a:tcPr anchor="ctr"/>
+                </a:tc>
+              </a:tr>
+            </a:tbl>
+          </a:graphicData>
+        </a:graphic>
+      </p:graphicFrame>
       <p:sp>
         <p:nvSpPr>
-          <p:cNvPr id="4" name="Rectangle 2"/>
+          <p:cNvPr id="5" name="Textfeld 4"/>
+          <p:cNvSpPr txBox="1"/>
+          <p:nvPr/>
+        </p:nvSpPr>
+        <p:spPr>
+          <a:xfrm>
+            <a:off x="812405" y="4675100"/>
+            <a:ext cx="7759581" cy="602216"/>
+          </a:xfrm>
+          <a:prstGeom prst="rect">
+            <a:avLst/>
+          </a:prstGeom>
+          <a:noFill/>
+        </p:spPr>
+        <p:txBody>
+          <a:bodyPr wrap="square" rtlCol="0">
+            <a:spAutoFit/>
+          </a:bodyPr>
+          <a:lstStyle/>
+          <a:p>
+            <a:pPr>
+              <a:lnSpc>
+                <a:spcPct val="120000"/>
+              </a:lnSpc>
+            </a:pPr>
+            <a:r>
+              <a:rPr lang="de-DE" sz="1400" dirty="0" smtClean="0"/>
+              <a:t>All </a:t>
+            </a:r>
+            <a:r>
+              <a:rPr lang="de-DE" sz="1400" dirty="0" err="1" smtClean="0"/>
+              <a:t>results</a:t>
+            </a:r>
+            <a:r>
+              <a:rPr lang="de-DE" sz="1400" dirty="0" smtClean="0"/>
+              <a:t> </a:t>
+            </a:r>
+            <a:r>
+              <a:rPr lang="de-DE" sz="1400" dirty="0" err="1" smtClean="0"/>
+              <a:t>are</a:t>
+            </a:r>
+            <a:r>
+              <a:rPr lang="de-DE" sz="1400" dirty="0" smtClean="0"/>
+              <a:t> </a:t>
+            </a:r>
+            <a:r>
+              <a:rPr lang="de-DE" sz="1400" dirty="0" err="1" smtClean="0"/>
+              <a:t>based</a:t>
+            </a:r>
+            <a:r>
+              <a:rPr lang="de-DE" sz="1400" dirty="0" smtClean="0"/>
+              <a:t> on </a:t>
+            </a:r>
+            <a:r>
+              <a:rPr lang="de-DE" sz="1400" dirty="0" err="1" smtClean="0"/>
+              <a:t>two</a:t>
+            </a:r>
+            <a:r>
+              <a:rPr lang="de-DE" sz="1400" dirty="0" smtClean="0"/>
+              <a:t> </a:t>
+            </a:r>
+            <a:r>
+              <a:rPr lang="de-DE" sz="1400" dirty="0" err="1" smtClean="0"/>
+              <a:t>predicted</a:t>
+            </a:r>
+            <a:r>
+              <a:rPr lang="de-DE" sz="1400" dirty="0" smtClean="0"/>
+              <a:t> tags (</a:t>
+            </a:r>
+            <a:r>
+              <a:rPr lang="de-DE" sz="1400" dirty="0" err="1" smtClean="0"/>
+              <a:t>average</a:t>
+            </a:r>
+            <a:r>
+              <a:rPr lang="de-DE" sz="1400" dirty="0" smtClean="0"/>
+              <a:t> tag </a:t>
+            </a:r>
+            <a:r>
+              <a:rPr lang="de-DE" sz="1400" dirty="0" err="1" smtClean="0"/>
+              <a:t>assignment</a:t>
+            </a:r>
+            <a:r>
+              <a:rPr lang="de-DE" sz="1400" dirty="0" smtClean="0"/>
+              <a:t> = 2.68)</a:t>
+            </a:r>
+          </a:p>
+          <a:p>
+            <a:pPr>
+              <a:lnSpc>
+                <a:spcPct val="120000"/>
+              </a:lnSpc>
+            </a:pPr>
+            <a:r>
+              <a:rPr lang="de-DE" sz="1400" baseline="30000" dirty="0" smtClean="0"/>
+              <a:t>1) </a:t>
+            </a:r>
+            <a:r>
+              <a:rPr lang="de-DE" sz="1400" dirty="0" err="1" smtClean="0"/>
+              <a:t>Number</a:t>
+            </a:r>
+            <a:r>
+              <a:rPr lang="de-DE" sz="1400" dirty="0" smtClean="0"/>
+              <a:t> </a:t>
+            </a:r>
+            <a:r>
+              <a:rPr lang="de-DE" sz="1400" dirty="0" err="1" smtClean="0"/>
+              <a:t>of</a:t>
+            </a:r>
+            <a:r>
+              <a:rPr lang="de-DE" sz="1400" dirty="0" smtClean="0"/>
+              <a:t> </a:t>
+            </a:r>
+            <a:r>
+              <a:rPr lang="de-DE" sz="1400" dirty="0" err="1" smtClean="0"/>
+              <a:t>clusters</a:t>
+            </a:r>
+            <a:r>
+              <a:rPr lang="de-DE" sz="1400" dirty="0" smtClean="0"/>
+              <a:t> = #tags  </a:t>
+            </a:r>
+            <a:r>
+              <a:rPr lang="de-DE" sz="1400" baseline="30000" dirty="0" smtClean="0"/>
+              <a:t>2) </a:t>
+            </a:r>
+            <a:r>
+              <a:rPr lang="de-DE" sz="1400" dirty="0" err="1" smtClean="0"/>
+              <a:t>Stop</a:t>
+            </a:r>
+            <a:r>
+              <a:rPr lang="de-DE" sz="1400" dirty="0" smtClean="0"/>
+              <a:t> </a:t>
+            </a:r>
+            <a:r>
+              <a:rPr lang="de-DE" sz="1400" dirty="0" err="1" smtClean="0"/>
+              <a:t>criterion</a:t>
+            </a:r>
+            <a:r>
+              <a:rPr lang="de-DE" sz="1400" dirty="0" smtClean="0"/>
+              <a:t> = #</a:t>
+            </a:r>
+            <a:r>
+              <a:rPr lang="de-DE" sz="1400" dirty="0" err="1" smtClean="0"/>
+              <a:t>clusters</a:t>
+            </a:r>
+            <a:r>
+              <a:rPr lang="de-DE" sz="1400" dirty="0" smtClean="0"/>
+              <a:t> </a:t>
+            </a:r>
+            <a:r>
+              <a:rPr lang="de-DE" sz="1400" dirty="0" smtClean="0">
+                <a:sym typeface="Wingdings"/>
+              </a:rPr>
+              <a:t> </a:t>
+            </a:r>
+            <a:r>
+              <a:rPr lang="de-DE" sz="1400" dirty="0" smtClean="0"/>
+              <a:t>#tag</a:t>
+            </a:r>
+            <a:endParaRPr lang="de-DE" sz="1400" dirty="0"/>
+          </a:p>
+        </p:txBody>
+      </p:sp>
+      <p:sp>
+        <p:nvSpPr>
+          <p:cNvPr id="8" name="Rectangle 2"/>
           <p:cNvSpPr txBox="1">
             <a:spLocks noChangeArrowheads="1"/>
           </p:cNvSpPr>
@@ -4257,12 +5092,31 @@
           <a:p>
             <a:pPr eaLnBrk="1" hangingPunct="1"/>
             <a:r>
+              <a:rPr lang="de-DE" sz="1500" b="1" dirty="0" err="1" smtClean="0"/>
+              <a:t>Current</a:t>
+            </a:r>
+            <a:r>
+              <a:rPr lang="de-DE" sz="1500" b="1" dirty="0" smtClean="0"/>
+              <a:t> </a:t>
+            </a:r>
+            <a:r>
+              <a:rPr lang="de-DE" sz="1500" b="1" dirty="0" smtClean="0"/>
+              <a:t>Approach</a:t>
+            </a:r>
+            <a:r>
               <a:rPr lang="de-DE" b="1" dirty="0" smtClean="0"/>
-              <a:t>Tag </a:t>
+              <a:t/>
+            </a:r>
+            <a:br>
+              <a:rPr lang="de-DE" b="1" dirty="0" smtClean="0"/>
+            </a:br>
+            <a:r>
+              <a:rPr lang="de-DE" b="1" dirty="0" smtClean="0"/>
+              <a:t>First </a:t>
             </a:r>
             <a:r>
               <a:rPr lang="de-DE" b="1" dirty="0" err="1" smtClean="0"/>
-              <a:t>Correlation</a:t>
+              <a:t>results</a:t>
             </a:r>
             <a:endParaRPr lang="de-DE" b="1" kern="0" dirty="0" smtClean="0"/>
           </a:p>
@@ -4271,7 +5125,7 @@
     </p:spTree>
     <p:extLst>
       <p:ext uri="{BB962C8B-B14F-4D97-AF65-F5344CB8AC3E}">
-        <p14:creationId xmlns:p14="http://schemas.microsoft.com/office/powerpoint/2010/main" val="373960713"/>
+        <p14:creationId xmlns:p14="http://schemas.microsoft.com/office/powerpoint/2010/main" val="1843644244"/>
       </p:ext>
     </p:extLst>
   </p:cSld>
@@ -4307,7 +5161,7 @@
       </p:grpSpPr>
       <p:sp>
         <p:nvSpPr>
-          <p:cNvPr id="2" name="Rectangle 2"/>
+          <p:cNvPr id="4" name="Rectangle 2"/>
           <p:cNvSpPr txBox="1">
             <a:spLocks noChangeArrowheads="1"/>
           </p:cNvSpPr>
@@ -4495,7 +5349,7 @@
             <a:pPr eaLnBrk="1" hangingPunct="1"/>
             <a:r>
               <a:rPr lang="de-DE" b="1" dirty="0" smtClean="0"/>
-              <a:t>Outlook</a:t>
+              <a:t>Problems</a:t>
             </a:r>
             <a:endParaRPr lang="de-DE" b="1" kern="0" dirty="0" smtClean="0"/>
           </a:p>
@@ -4503,366 +5357,14 @@
       </p:sp>
       <p:sp>
         <p:nvSpPr>
-          <p:cNvPr id="3" name="Rectangle 5"/>
-          <p:cNvSpPr txBox="1">
-            <a:spLocks noChangeArrowheads="1"/>
-          </p:cNvSpPr>
-          <p:nvPr/>
-        </p:nvSpPr>
-        <p:spPr bwMode="auto">
-          <a:xfrm>
-            <a:off x="652463" y="1601597"/>
-            <a:ext cx="7772400" cy="4292969"/>
-          </a:xfrm>
-          <a:prstGeom prst="rect">
-            <a:avLst/>
-          </a:prstGeom>
-          <a:noFill/>
-          <a:ln>
-            <a:noFill/>
-          </a:ln>
-          <a:effectLst/>
-          <a:extLst>
-            <a:ext uri="{909E8E84-426E-40dd-AFC4-6F175D3DCCD1}">
-              <a14:hiddenFill xmlns:a14="http://schemas.microsoft.com/office/drawing/2010/main">
-                <a:solidFill>
-                  <a:schemeClr val="accent1"/>
-                </a:solidFill>
-              </a14:hiddenFill>
-            </a:ext>
-            <a:ext uri="{91240B29-F687-4f45-9708-019B960494DF}">
-              <a14:hiddenLine xmlns:a14="http://schemas.microsoft.com/office/drawing/2010/main" w="9525">
-                <a:solidFill>
-                  <a:schemeClr val="tx1"/>
-                </a:solidFill>
-                <a:miter lim="800000"/>
-                <a:headEnd/>
-                <a:tailEnd/>
-              </a14:hiddenLine>
-            </a:ext>
-            <a:ext uri="{AF507438-7753-43e0-B8FC-AC1667EBCBE1}">
-              <a14:hiddenEffects xmlns:a14="http://schemas.microsoft.com/office/drawing/2010/main">
-                <a:effectLst>
-                  <a:outerShdw dist="35921" dir="2700000" algn="ctr" rotWithShape="0">
-                    <a:schemeClr val="bg2"/>
-                  </a:outerShdw>
-                </a:effectLst>
-              </a14:hiddenEffects>
-            </a:ext>
-          </a:extLst>
-        </p:spPr>
-        <p:txBody>
-          <a:bodyPr vert="horz" wrap="square" lIns="91440" tIns="45720" rIns="91440" bIns="45720" numCol="1" anchor="t" anchorCtr="0" compatLnSpc="1">
-            <a:prstTxWarp prst="textNoShape">
-              <a:avLst/>
-            </a:prstTxWarp>
-          </a:bodyPr>
-          <a:lstStyle>
-            <a:lvl1pPr marL="342900" indent="-342900" algn="l" rtl="0" eaLnBrk="0" fontAlgn="base" hangingPunct="0">
-              <a:spcBef>
-                <a:spcPct val="20000"/>
-              </a:spcBef>
-              <a:spcAft>
-                <a:spcPct val="0"/>
-              </a:spcAft>
-              <a:defRPr sz="2400">
-                <a:solidFill>
-                  <a:schemeClr val="tx1"/>
-                </a:solidFill>
-                <a:latin typeface="+mn-lt"/>
-                <a:ea typeface="+mn-ea"/>
-                <a:cs typeface="+mn-cs"/>
-              </a:defRPr>
-            </a:lvl1pPr>
-            <a:lvl2pPr marL="742950" indent="-285750" algn="l" rtl="0" eaLnBrk="0" fontAlgn="base" hangingPunct="0">
-              <a:spcBef>
-                <a:spcPct val="20000"/>
-              </a:spcBef>
-              <a:spcAft>
-                <a:spcPct val="0"/>
-              </a:spcAft>
-              <a:buChar char="–"/>
-              <a:defRPr>
-                <a:solidFill>
-                  <a:schemeClr val="tx1"/>
-                </a:solidFill>
-                <a:latin typeface="+mn-lt"/>
-              </a:defRPr>
-            </a:lvl2pPr>
-            <a:lvl3pPr marL="1143000" indent="-228600" algn="l" rtl="0" eaLnBrk="0" fontAlgn="base" hangingPunct="0">
-              <a:spcBef>
-                <a:spcPct val="20000"/>
-              </a:spcBef>
-              <a:spcAft>
-                <a:spcPct val="0"/>
-              </a:spcAft>
-              <a:buChar char="•"/>
-              <a:defRPr sz="1600">
-                <a:solidFill>
-                  <a:schemeClr val="tx1"/>
-                </a:solidFill>
-                <a:latin typeface="+mn-lt"/>
-              </a:defRPr>
-            </a:lvl3pPr>
-            <a:lvl4pPr marL="1600200" indent="-228600" algn="l" rtl="0" eaLnBrk="0" fontAlgn="base" hangingPunct="0">
-              <a:spcBef>
-                <a:spcPct val="20000"/>
-              </a:spcBef>
-              <a:spcAft>
-                <a:spcPct val="0"/>
-              </a:spcAft>
-              <a:buChar char="–"/>
-              <a:defRPr sz="1400">
-                <a:solidFill>
-                  <a:schemeClr val="tx1"/>
-                </a:solidFill>
-                <a:latin typeface="+mn-lt"/>
-              </a:defRPr>
-            </a:lvl4pPr>
-            <a:lvl5pPr marL="2057400" indent="-228600" algn="l" rtl="0" eaLnBrk="0" fontAlgn="base" hangingPunct="0">
-              <a:spcBef>
-                <a:spcPct val="20000"/>
-              </a:spcBef>
-              <a:spcAft>
-                <a:spcPct val="0"/>
-              </a:spcAft>
-              <a:buChar char="»"/>
-              <a:defRPr sz="1200">
-                <a:solidFill>
-                  <a:schemeClr val="tx1"/>
-                </a:solidFill>
-                <a:latin typeface="+mn-lt"/>
-              </a:defRPr>
-            </a:lvl5pPr>
-            <a:lvl6pPr marL="2514600" indent="-228600" algn="l" rtl="0" fontAlgn="base">
-              <a:spcBef>
-                <a:spcPct val="20000"/>
-              </a:spcBef>
-              <a:spcAft>
-                <a:spcPct val="0"/>
-              </a:spcAft>
-              <a:buChar char="»"/>
-              <a:defRPr sz="1200">
-                <a:solidFill>
-                  <a:schemeClr val="tx1"/>
-                </a:solidFill>
-                <a:latin typeface="+mn-lt"/>
-              </a:defRPr>
-            </a:lvl6pPr>
-            <a:lvl7pPr marL="2971800" indent="-228600" algn="l" rtl="0" fontAlgn="base">
-              <a:spcBef>
-                <a:spcPct val="20000"/>
-              </a:spcBef>
-              <a:spcAft>
-                <a:spcPct val="0"/>
-              </a:spcAft>
-              <a:buChar char="»"/>
-              <a:defRPr sz="1200">
-                <a:solidFill>
-                  <a:schemeClr val="tx1"/>
-                </a:solidFill>
-                <a:latin typeface="+mn-lt"/>
-              </a:defRPr>
-            </a:lvl7pPr>
-            <a:lvl8pPr marL="3429000" indent="-228600" algn="l" rtl="0" fontAlgn="base">
-              <a:spcBef>
-                <a:spcPct val="20000"/>
-              </a:spcBef>
-              <a:spcAft>
-                <a:spcPct val="0"/>
-              </a:spcAft>
-              <a:buChar char="»"/>
-              <a:defRPr sz="1200">
-                <a:solidFill>
-                  <a:schemeClr val="tx1"/>
-                </a:solidFill>
-                <a:latin typeface="+mn-lt"/>
-              </a:defRPr>
-            </a:lvl8pPr>
-            <a:lvl9pPr marL="3886200" indent="-228600" algn="l" rtl="0" fontAlgn="base">
-              <a:spcBef>
-                <a:spcPct val="20000"/>
-              </a:spcBef>
-              <a:spcAft>
-                <a:spcPct val="0"/>
-              </a:spcAft>
-              <a:buChar char="»"/>
-              <a:defRPr sz="1200">
-                <a:solidFill>
-                  <a:schemeClr val="tx1"/>
-                </a:solidFill>
-                <a:latin typeface="+mn-lt"/>
-              </a:defRPr>
-            </a:lvl9pPr>
-          </a:lstStyle>
-          <a:p>
-            <a:r>
-              <a:rPr lang="en-US" sz="2800" dirty="0" smtClean="0"/>
-              <a:t>1. Preprocessing</a:t>
-            </a:r>
-            <a:endParaRPr lang="en-US" sz="2800" dirty="0"/>
-          </a:p>
-          <a:p>
-            <a:endParaRPr lang="en-US" sz="1500" dirty="0"/>
-          </a:p>
-          <a:p>
-            <a:pPr lvl="1">
-              <a:buFont typeface="Wingdings" charset="2"/>
-              <a:buChar char="§"/>
-            </a:pPr>
-            <a:r>
-              <a:rPr lang="en-US" sz="1600" dirty="0"/>
-              <a:t>Parse </a:t>
-            </a:r>
-            <a:r>
-              <a:rPr lang="en-US" sz="1600" dirty="0" smtClean="0"/>
-              <a:t>XML from Stack Exchange Data Dump </a:t>
-            </a:r>
-            <a:r>
-              <a:rPr lang="en-US" sz="1600" dirty="0"/>
-              <a:t>(title, body, tags</a:t>
-            </a:r>
-            <a:r>
-              <a:rPr lang="en-US" sz="1600" dirty="0" smtClean="0"/>
-              <a:t>)</a:t>
-            </a:r>
-          </a:p>
-          <a:p>
-            <a:pPr lvl="1">
-              <a:buFont typeface="Wingdings" charset="2"/>
-              <a:buChar char="§"/>
-            </a:pPr>
-            <a:endParaRPr lang="en-US" sz="1600" dirty="0" smtClean="0"/>
-          </a:p>
-          <a:p>
-            <a:pPr lvl="1">
-              <a:buFont typeface="Wingdings" charset="2"/>
-              <a:buChar char="§"/>
-            </a:pPr>
-            <a:r>
-              <a:rPr lang="en-US" sz="1600" dirty="0" smtClean="0"/>
-              <a:t>Strip html code from body</a:t>
-            </a:r>
-          </a:p>
-          <a:p>
-            <a:pPr lvl="1">
-              <a:buFont typeface="Wingdings" charset="2"/>
-              <a:buChar char="§"/>
-            </a:pPr>
-            <a:r>
-              <a:rPr lang="en-US" sz="1600" dirty="0" smtClean="0"/>
-              <a:t>Tokenize title + </a:t>
-            </a:r>
-            <a:r>
-              <a:rPr lang="en-US" sz="1600" dirty="0"/>
-              <a:t>body (be careful: “C++” != “C” != “C#”</a:t>
-            </a:r>
-            <a:r>
-              <a:rPr lang="en-US" sz="1600" dirty="0" smtClean="0"/>
-              <a:t>)</a:t>
-            </a:r>
-          </a:p>
-          <a:p>
-            <a:pPr lvl="1">
-              <a:buFont typeface="Wingdings" charset="2"/>
-              <a:buChar char="§"/>
-            </a:pPr>
-            <a:r>
-              <a:rPr lang="en-US" sz="1600" dirty="0" smtClean="0"/>
-              <a:t>Stop word removal</a:t>
-            </a:r>
-          </a:p>
-          <a:p>
-            <a:pPr lvl="1">
-              <a:buFont typeface="Wingdings" charset="2"/>
-              <a:buChar char="§"/>
-            </a:pPr>
-            <a:r>
-              <a:rPr lang="en-US" sz="1600" dirty="0" smtClean="0"/>
-              <a:t>Stemming</a:t>
-            </a:r>
-          </a:p>
-          <a:p>
-            <a:pPr lvl="1">
-              <a:buFont typeface="Wingdings" charset="2"/>
-              <a:buChar char="§"/>
-            </a:pPr>
-            <a:r>
-              <a:rPr lang="en-US" sz="1600" dirty="0" smtClean="0"/>
-              <a:t>Lemmatization (be careful: “Windows” (OS) != “window”)</a:t>
-            </a:r>
-          </a:p>
-          <a:p>
-            <a:pPr lvl="1">
-              <a:buFont typeface="Wingdings" charset="2"/>
-              <a:buChar char="§"/>
-            </a:pPr>
-            <a:r>
-              <a:rPr lang="en-US" sz="1600" dirty="0"/>
-              <a:t>POS-</a:t>
-            </a:r>
-            <a:r>
-              <a:rPr lang="en-US" sz="1600" dirty="0" smtClean="0"/>
-              <a:t>tagging</a:t>
-            </a:r>
-          </a:p>
-          <a:p>
-            <a:pPr marL="457200" lvl="1" indent="0">
-              <a:buNone/>
-            </a:pPr>
-            <a:endParaRPr lang="en-US" sz="1600" dirty="0" smtClean="0"/>
-          </a:p>
-          <a:p>
-            <a:pPr lvl="1">
-              <a:buFont typeface="Wingdings" charset="2"/>
-              <a:buChar char="§"/>
-            </a:pPr>
-            <a:r>
-              <a:rPr lang="en-US" sz="1600" dirty="0" smtClean="0"/>
-              <a:t>Filter </a:t>
-            </a:r>
-            <a:r>
-              <a:rPr lang="en-US" sz="1600" dirty="0"/>
-              <a:t>“rare”/”unique” tags </a:t>
-            </a:r>
-            <a:r>
-              <a:rPr lang="en-US" sz="1600" dirty="0" smtClean="0">
-                <a:sym typeface="Wingdings"/>
-              </a:rPr>
-              <a:t></a:t>
-            </a:r>
-            <a:r>
-              <a:rPr lang="en-US" sz="1600" dirty="0" smtClean="0"/>
-              <a:t> </a:t>
-            </a:r>
-            <a:r>
-              <a:rPr lang="en-US" sz="1600" dirty="0"/>
-              <a:t>reduce dimensionality</a:t>
-            </a:r>
-          </a:p>
-          <a:p>
-            <a:pPr lvl="1">
-              <a:buFont typeface="Wingdings" charset="2"/>
-              <a:buChar char="§"/>
-            </a:pPr>
-            <a:r>
-              <a:rPr lang="en-US" sz="1600" dirty="0" smtClean="0"/>
-              <a:t>Structure related tags (synonyms from Stack Exchange Data Explorer)</a:t>
-            </a:r>
-            <a:endParaRPr lang="en-US" sz="1600" dirty="0"/>
-          </a:p>
-        </p:txBody>
-      </p:sp>
-      <p:sp>
-        <p:nvSpPr>
-          <p:cNvPr id="5" name="TextBox 4"/>
+          <p:cNvPr id="2" name="Textfeld 1"/>
           <p:cNvSpPr txBox="1"/>
           <p:nvPr/>
         </p:nvSpPr>
         <p:spPr>
-          <a:xfrm rot="16200000">
-            <a:off x="58751" y="3702810"/>
-            <a:ext cx="1593134" cy="276999"/>
+          <a:xfrm>
+            <a:off x="461963" y="1555747"/>
+            <a:ext cx="8224837" cy="1561453"/>
           </a:xfrm>
           <a:prstGeom prst="rect">
             <a:avLst/>
@@ -4875,33 +5377,226 @@
           </a:bodyPr>
           <a:lstStyle/>
           <a:p>
-            <a:pPr algn="ctr"/>
-            <a:r>
-              <a:rPr lang="en-US" dirty="0" smtClean="0">
-                <a:solidFill>
-                  <a:schemeClr val="bg2"/>
-                </a:solidFill>
+            <a:pPr>
+              <a:lnSpc>
+                <a:spcPct val="120000"/>
+              </a:lnSpc>
+            </a:pPr>
+            <a:r>
+              <a:rPr lang="de-DE" sz="1600" b="1" dirty="0" err="1" smtClean="0"/>
+              <a:t>Preprocessing</a:t>
+            </a:r>
+            <a:r>
+              <a:rPr lang="de-DE" sz="1600" b="1" dirty="0" smtClean="0"/>
+              <a:t>:</a:t>
+            </a:r>
+            <a:endParaRPr lang="de-DE" sz="1600" dirty="0"/>
+          </a:p>
+          <a:p>
+            <a:pPr marL="628650" lvl="1" indent="-171450">
+              <a:lnSpc>
+                <a:spcPct val="120000"/>
+              </a:lnSpc>
+              <a:buFont typeface="Arial"/>
+              <a:buChar char="•"/>
+            </a:pPr>
+            <a:r>
+              <a:rPr lang="de-DE" sz="1600" dirty="0" err="1" smtClean="0"/>
+              <a:t>Too</a:t>
+            </a:r>
+            <a:r>
+              <a:rPr lang="de-DE" sz="1600" dirty="0" smtClean="0"/>
+              <a:t> </a:t>
+            </a:r>
+            <a:r>
+              <a:rPr lang="de-DE" sz="1600" dirty="0" err="1" smtClean="0"/>
+              <a:t>many</a:t>
+            </a:r>
+            <a:r>
+              <a:rPr lang="de-DE" sz="1600" dirty="0" smtClean="0"/>
+              <a:t> different </a:t>
+            </a:r>
+            <a:r>
+              <a:rPr lang="de-DE" sz="1600" dirty="0" err="1" smtClean="0"/>
+              <a:t>words</a:t>
+            </a:r>
+            <a:r>
+              <a:rPr lang="de-DE" sz="1600" dirty="0" smtClean="0"/>
+              <a:t> </a:t>
+            </a:r>
+            <a:r>
+              <a:rPr lang="de-DE" sz="1600" dirty="0" smtClean="0">
+                <a:sym typeface="Wingdings"/>
               </a:rPr>
-              <a:t>Content</a:t>
-            </a:r>
-            <a:endParaRPr lang="en-US" dirty="0">
-              <a:solidFill>
-                <a:schemeClr val="bg2"/>
-              </a:solidFill>
+              <a:t> high </a:t>
+            </a:r>
+            <a:r>
+              <a:rPr lang="de-DE" sz="1600" dirty="0" err="1" smtClean="0">
+                <a:sym typeface="Wingdings"/>
+              </a:rPr>
+              <a:t>dimensionality</a:t>
+            </a:r>
+            <a:r>
+              <a:rPr lang="de-DE" sz="1600" dirty="0" smtClean="0">
+                <a:sym typeface="Wingdings"/>
+              </a:rPr>
+              <a:t>  </a:t>
+            </a:r>
+            <a:r>
+              <a:rPr lang="de-DE" sz="1600" dirty="0" err="1" smtClean="0">
+                <a:sym typeface="Wingdings"/>
+              </a:rPr>
+              <a:t>sparse</a:t>
+            </a:r>
+            <a:r>
+              <a:rPr lang="de-DE" sz="1600" dirty="0" smtClean="0">
+                <a:sym typeface="Wingdings"/>
+              </a:rPr>
+              <a:t> </a:t>
+            </a:r>
+            <a:r>
+              <a:rPr lang="de-DE" sz="1600" dirty="0" err="1" smtClean="0">
+                <a:sym typeface="Wingdings"/>
+              </a:rPr>
+              <a:t>matrix</a:t>
+            </a:r>
+            <a:endParaRPr lang="de-DE" sz="1600" dirty="0" smtClean="0">
+              <a:sym typeface="Wingdings"/>
             </a:endParaRPr>
+          </a:p>
+          <a:p>
+            <a:pPr marL="628650" lvl="1" indent="-171450">
+              <a:lnSpc>
+                <a:spcPct val="120000"/>
+              </a:lnSpc>
+              <a:buFont typeface="Arial"/>
+              <a:buChar char="•"/>
+            </a:pPr>
+            <a:r>
+              <a:rPr lang="de-DE" sz="1600" dirty="0" smtClean="0"/>
+              <a:t>POS-</a:t>
+            </a:r>
+            <a:r>
+              <a:rPr lang="de-DE" sz="1600" dirty="0" err="1" smtClean="0"/>
+              <a:t>tagging</a:t>
+            </a:r>
+            <a:r>
+              <a:rPr lang="de-DE" sz="1600" dirty="0" smtClean="0"/>
+              <a:t> </a:t>
+            </a:r>
+            <a:r>
+              <a:rPr lang="de-DE" sz="1600" dirty="0" err="1" smtClean="0"/>
+              <a:t>and</a:t>
+            </a:r>
+            <a:r>
+              <a:rPr lang="de-DE" sz="1600" dirty="0" smtClean="0"/>
+              <a:t> </a:t>
+            </a:r>
+            <a:r>
+              <a:rPr lang="de-DE" sz="1600" dirty="0" err="1" smtClean="0"/>
+              <a:t>lemmatization</a:t>
+            </a:r>
+            <a:r>
+              <a:rPr lang="de-DE" sz="1600" dirty="0" smtClean="0"/>
+              <a:t> not </a:t>
+            </a:r>
+            <a:r>
+              <a:rPr lang="de-DE" sz="1600" dirty="0" err="1" smtClean="0"/>
+              <a:t>working</a:t>
+            </a:r>
+            <a:r>
+              <a:rPr lang="de-DE" sz="1600" dirty="0" smtClean="0"/>
+              <a:t> </a:t>
+            </a:r>
+            <a:r>
+              <a:rPr lang="de-DE" sz="1600" dirty="0" err="1" smtClean="0"/>
+              <a:t>good</a:t>
+            </a:r>
+            <a:r>
+              <a:rPr lang="de-DE" sz="1600" dirty="0" smtClean="0"/>
+              <a:t> </a:t>
+            </a:r>
+            <a:r>
+              <a:rPr lang="de-DE" sz="1600" dirty="0" err="1" smtClean="0"/>
+              <a:t>enough</a:t>
+            </a:r>
+            <a:r>
+              <a:rPr lang="de-DE" sz="1600" dirty="0" smtClean="0"/>
+              <a:t> (</a:t>
+            </a:r>
+            <a:r>
+              <a:rPr lang="de-DE" sz="1600" dirty="0" err="1" smtClean="0"/>
+              <a:t>many</a:t>
+            </a:r>
+            <a:r>
+              <a:rPr lang="de-DE" sz="1600" dirty="0" smtClean="0"/>
+              <a:t> </a:t>
+            </a:r>
+            <a:r>
+              <a:rPr lang="de-DE" sz="1600" dirty="0" err="1" smtClean="0"/>
+              <a:t>false</a:t>
+            </a:r>
+            <a:r>
+              <a:rPr lang="de-DE" sz="1600" dirty="0" smtClean="0"/>
+              <a:t> positives)</a:t>
+            </a:r>
+          </a:p>
+          <a:p>
+            <a:pPr marL="628650" lvl="1" indent="-171450">
+              <a:lnSpc>
+                <a:spcPct val="120000"/>
+              </a:lnSpc>
+              <a:buFont typeface="Arial"/>
+              <a:buChar char="•"/>
+            </a:pPr>
+            <a:r>
+              <a:rPr lang="de-DE" sz="1600" dirty="0" smtClean="0"/>
+              <a:t>Synonyms </a:t>
+            </a:r>
+            <a:r>
+              <a:rPr lang="de-DE" sz="1600" dirty="0" err="1" smtClean="0"/>
+              <a:t>and</a:t>
+            </a:r>
+            <a:r>
+              <a:rPr lang="de-DE" sz="1600" dirty="0" smtClean="0"/>
+              <a:t> </a:t>
+            </a:r>
+            <a:r>
+              <a:rPr lang="de-DE" sz="1600" dirty="0" err="1" smtClean="0"/>
+              <a:t>hyypernyms</a:t>
+            </a:r>
+            <a:endParaRPr lang="de-DE" sz="1600" dirty="0" smtClean="0"/>
+          </a:p>
+          <a:p>
+            <a:pPr marL="628650" lvl="1" indent="-171450">
+              <a:lnSpc>
+                <a:spcPct val="120000"/>
+              </a:lnSpc>
+              <a:buFont typeface="Arial"/>
+              <a:buChar char="•"/>
+            </a:pPr>
+            <a:r>
+              <a:rPr lang="de-DE" sz="1600" dirty="0" err="1" smtClean="0"/>
+              <a:t>Similar</a:t>
+            </a:r>
+            <a:r>
+              <a:rPr lang="de-DE" sz="1600" dirty="0" smtClean="0"/>
+              <a:t> tags</a:t>
+            </a:r>
+            <a:endParaRPr lang="de-DE" sz="1600" dirty="0"/>
           </a:p>
         </p:txBody>
       </p:sp>
       <p:sp>
         <p:nvSpPr>
-          <p:cNvPr id="6" name="TextBox 5"/>
+          <p:cNvPr id="6" name="Textfeld 5"/>
           <p:cNvSpPr txBox="1"/>
           <p:nvPr/>
         </p:nvSpPr>
         <p:spPr>
-          <a:xfrm rot="16200000">
-            <a:off x="601642" y="5208392"/>
-            <a:ext cx="507353" cy="276999"/>
+          <a:xfrm>
+            <a:off x="461963" y="3339506"/>
+            <a:ext cx="8224837" cy="1265988"/>
           </a:xfrm>
           <a:prstGeom prst="rect">
             <a:avLst/>
@@ -4914,109 +5609,339 @@
           </a:bodyPr>
           <a:lstStyle/>
           <a:p>
-            <a:pPr algn="ctr"/>
-            <a:r>
-              <a:rPr lang="en-US" dirty="0" smtClean="0">
-                <a:solidFill>
-                  <a:schemeClr val="bg2"/>
-                </a:solidFill>
-              </a:rPr>
-              <a:t>Tags</a:t>
-            </a:r>
-            <a:endParaRPr lang="en-US" dirty="0">
-              <a:solidFill>
-                <a:schemeClr val="bg2"/>
-              </a:solidFill>
-            </a:endParaRPr>
+            <a:pPr>
+              <a:lnSpc>
+                <a:spcPct val="120000"/>
+              </a:lnSpc>
+            </a:pPr>
+            <a:r>
+              <a:rPr lang="de-DE" sz="1600" b="1" dirty="0" smtClean="0"/>
+              <a:t>Learning:</a:t>
+            </a:r>
+            <a:endParaRPr lang="de-DE" sz="1600" dirty="0"/>
+          </a:p>
+          <a:p>
+            <a:pPr marL="628650" lvl="1" indent="-171450">
+              <a:lnSpc>
+                <a:spcPct val="120000"/>
+              </a:lnSpc>
+              <a:buFont typeface="Arial"/>
+              <a:buChar char="•"/>
+            </a:pPr>
+            <a:r>
+              <a:rPr lang="de-DE" sz="1600" dirty="0" err="1" smtClean="0"/>
+              <a:t>Choosing</a:t>
+            </a:r>
+            <a:r>
+              <a:rPr lang="de-DE" sz="1600" dirty="0" smtClean="0"/>
+              <a:t> proper </a:t>
+            </a:r>
+            <a:r>
+              <a:rPr lang="de-DE" sz="1600" dirty="0" err="1" smtClean="0"/>
+              <a:t>number</a:t>
+            </a:r>
+            <a:r>
+              <a:rPr lang="de-DE" sz="1600" dirty="0" smtClean="0"/>
+              <a:t> </a:t>
+            </a:r>
+            <a:r>
+              <a:rPr lang="de-DE" sz="1600" dirty="0" err="1" smtClean="0"/>
+              <a:t>of</a:t>
+            </a:r>
+            <a:r>
+              <a:rPr lang="de-DE" sz="1600" dirty="0" smtClean="0"/>
+              <a:t> </a:t>
+            </a:r>
+            <a:r>
+              <a:rPr lang="de-DE" sz="1600" dirty="0" err="1" smtClean="0"/>
+              <a:t>clusters</a:t>
+            </a:r>
+            <a:r>
+              <a:rPr lang="de-DE" sz="1600" dirty="0" smtClean="0"/>
+              <a:t> (</a:t>
+            </a:r>
+            <a:r>
+              <a:rPr lang="de-DE" sz="1600" dirty="0" err="1" smtClean="0"/>
+              <a:t>k</a:t>
+            </a:r>
+            <a:r>
+              <a:rPr lang="de-DE" sz="1600" dirty="0" smtClean="0"/>
+              <a:t>)</a:t>
+            </a:r>
+          </a:p>
+          <a:p>
+            <a:pPr marL="628650" lvl="1" indent="-171450">
+              <a:lnSpc>
+                <a:spcPct val="120000"/>
+              </a:lnSpc>
+              <a:buFont typeface="Arial"/>
+              <a:buChar char="•"/>
+            </a:pPr>
+            <a:r>
+              <a:rPr lang="de-DE" sz="1600" dirty="0" err="1" smtClean="0"/>
+              <a:t>Finding</a:t>
+            </a:r>
+            <a:r>
+              <a:rPr lang="de-DE" sz="1600" dirty="0" smtClean="0"/>
+              <a:t> </a:t>
+            </a:r>
+            <a:r>
+              <a:rPr lang="de-DE" sz="1600" dirty="0" err="1" smtClean="0"/>
+              <a:t>best</a:t>
+            </a:r>
+            <a:r>
+              <a:rPr lang="de-DE" sz="1600" dirty="0" smtClean="0"/>
+              <a:t> </a:t>
+            </a:r>
+            <a:r>
+              <a:rPr lang="de-DE" sz="1600" dirty="0" err="1" smtClean="0"/>
+              <a:t>fitting</a:t>
+            </a:r>
+            <a:r>
+              <a:rPr lang="de-DE" sz="1600" dirty="0" smtClean="0"/>
+              <a:t> </a:t>
+            </a:r>
+            <a:r>
+              <a:rPr lang="de-DE" sz="1600" dirty="0" err="1" smtClean="0"/>
+              <a:t>model</a:t>
+            </a:r>
+            <a:r>
+              <a:rPr lang="de-DE" sz="1600" dirty="0" smtClean="0"/>
+              <a:t> </a:t>
+            </a:r>
+            <a:r>
+              <a:rPr lang="de-DE" sz="1600" dirty="0" err="1" smtClean="0"/>
+              <a:t>and</a:t>
+            </a:r>
+            <a:r>
+              <a:rPr lang="de-DE" sz="1600" dirty="0" smtClean="0"/>
+              <a:t> </a:t>
+            </a:r>
+            <a:r>
+              <a:rPr lang="de-DE" sz="1600" dirty="0" err="1" smtClean="0"/>
+              <a:t>parameters</a:t>
+            </a:r>
+            <a:r>
+              <a:rPr lang="de-DE" sz="1600" dirty="0" smtClean="0"/>
+              <a:t> (</a:t>
+            </a:r>
+            <a:r>
+              <a:rPr lang="de-DE" sz="1600" dirty="0" err="1" smtClean="0"/>
+              <a:t>exploration</a:t>
+            </a:r>
+            <a:r>
+              <a:rPr lang="de-DE" sz="1600" dirty="0" smtClean="0"/>
+              <a:t> </a:t>
+            </a:r>
+            <a:r>
+              <a:rPr lang="de-DE" sz="1600" dirty="0" err="1" smtClean="0"/>
+              <a:t>and</a:t>
+            </a:r>
+            <a:r>
+              <a:rPr lang="de-DE" sz="1600" dirty="0" smtClean="0"/>
+              <a:t> </a:t>
+            </a:r>
+            <a:r>
+              <a:rPr lang="de-DE" sz="1600" dirty="0" err="1" smtClean="0"/>
+              <a:t>evaluation</a:t>
+            </a:r>
+            <a:r>
+              <a:rPr lang="de-DE" sz="1600" dirty="0" smtClean="0"/>
+              <a:t>)</a:t>
+            </a:r>
+          </a:p>
+          <a:p>
+            <a:pPr marL="628650" lvl="1" indent="-171450">
+              <a:lnSpc>
+                <a:spcPct val="120000"/>
+              </a:lnSpc>
+              <a:buFont typeface="Arial"/>
+              <a:buChar char="•"/>
+            </a:pPr>
+            <a:r>
+              <a:rPr lang="de-DE" sz="1600" dirty="0" err="1" smtClean="0"/>
+              <a:t>Finding</a:t>
+            </a:r>
+            <a:r>
+              <a:rPr lang="de-DE" sz="1600" dirty="0" smtClean="0"/>
+              <a:t> </a:t>
+            </a:r>
+            <a:r>
+              <a:rPr lang="de-DE" sz="1600" dirty="0" err="1" smtClean="0"/>
+              <a:t>best</a:t>
+            </a:r>
+            <a:r>
+              <a:rPr lang="de-DE" sz="1600" dirty="0" smtClean="0"/>
+              <a:t> </a:t>
+            </a:r>
+            <a:r>
+              <a:rPr lang="de-DE" sz="1600" dirty="0" err="1" smtClean="0"/>
+              <a:t>number</a:t>
+            </a:r>
+            <a:r>
+              <a:rPr lang="de-DE" sz="1600" dirty="0" smtClean="0"/>
+              <a:t> </a:t>
+            </a:r>
+            <a:r>
+              <a:rPr lang="de-DE" sz="1600" dirty="0" err="1" smtClean="0"/>
+              <a:t>of</a:t>
+            </a:r>
+            <a:r>
+              <a:rPr lang="de-DE" sz="1600" dirty="0" smtClean="0"/>
+              <a:t> tags </a:t>
+            </a:r>
+            <a:r>
+              <a:rPr lang="de-DE" sz="1600" dirty="0" err="1" smtClean="0"/>
+              <a:t>to</a:t>
+            </a:r>
+            <a:r>
+              <a:rPr lang="de-DE" sz="1600" dirty="0" smtClean="0"/>
+              <a:t> </a:t>
+            </a:r>
+            <a:r>
+              <a:rPr lang="de-DE" sz="1600" dirty="0" err="1" smtClean="0"/>
+              <a:t>predict</a:t>
+            </a:r>
+            <a:endParaRPr lang="de-DE" sz="1600" dirty="0"/>
           </a:p>
         </p:txBody>
       </p:sp>
       <p:sp>
         <p:nvSpPr>
-          <p:cNvPr id="7" name="Left Brace 6"/>
-          <p:cNvSpPr/>
+          <p:cNvPr id="7" name="Textfeld 6"/>
+          <p:cNvSpPr txBox="1"/>
           <p:nvPr/>
         </p:nvSpPr>
         <p:spPr>
           <a:xfrm>
-            <a:off x="993817" y="3053879"/>
-            <a:ext cx="112607" cy="1619998"/>
+            <a:off x="461963" y="4821151"/>
+            <a:ext cx="8224837" cy="970522"/>
           </a:xfrm>
-          <a:prstGeom prst="leftBrace">
+          <a:prstGeom prst="rect">
             <a:avLst/>
           </a:prstGeom>
+          <a:noFill/>
         </p:spPr>
-        <p:style>
-          <a:lnRef idx="1">
-            <a:schemeClr val="accent1"/>
-          </a:lnRef>
-          <a:fillRef idx="0">
-            <a:schemeClr val="accent1"/>
-          </a:fillRef>
-          <a:effectRef idx="0">
-            <a:schemeClr val="accent1"/>
-          </a:effectRef>
-          <a:fontRef idx="minor">
-            <a:schemeClr val="tx1"/>
-          </a:fontRef>
-        </p:style>
         <p:txBody>
-          <a:bodyPr rtlCol="0" anchor="ctr"/>
+          <a:bodyPr wrap="square" rtlCol="0">
+            <a:spAutoFit/>
+          </a:bodyPr>
           <a:lstStyle/>
           <a:p>
-            <a:pPr algn="ctr"/>
-            <a:endParaRPr lang="en-US"/>
-          </a:p>
-        </p:txBody>
-      </p:sp>
-      <p:sp>
-        <p:nvSpPr>
-          <p:cNvPr id="8" name="Left Brace 7"/>
-          <p:cNvSpPr/>
-          <p:nvPr/>
-        </p:nvSpPr>
-        <p:spPr>
-          <a:xfrm>
-            <a:off x="1021661" y="5086210"/>
-            <a:ext cx="64358" cy="507354"/>
-          </a:xfrm>
-          <a:prstGeom prst="leftBrace">
-            <a:avLst/>
-          </a:prstGeom>
-        </p:spPr>
-        <p:style>
-          <a:lnRef idx="1">
-            <a:schemeClr val="accent1"/>
-          </a:lnRef>
-          <a:fillRef idx="0">
-            <a:schemeClr val="accent1"/>
-          </a:fillRef>
-          <a:effectRef idx="0">
-            <a:schemeClr val="accent1"/>
-          </a:effectRef>
-          <a:fontRef idx="minor">
-            <a:schemeClr val="tx1"/>
-          </a:fontRef>
-        </p:style>
-        <p:txBody>
-          <a:bodyPr rtlCol="0" anchor="ctr"/>
-          <a:lstStyle/>
-          <a:p>
-            <a:pPr algn="ctr"/>
-            <a:endParaRPr lang="en-US"/>
+            <a:pPr>
+              <a:lnSpc>
+                <a:spcPct val="120000"/>
+              </a:lnSpc>
+            </a:pPr>
+            <a:r>
+              <a:rPr lang="de-DE" sz="1600" b="1" dirty="0" err="1" smtClean="0"/>
+              <a:t>Runtime</a:t>
+            </a:r>
+            <a:r>
+              <a:rPr lang="de-DE" sz="1600" b="1" dirty="0" smtClean="0"/>
+              <a:t> </a:t>
+            </a:r>
+            <a:r>
+              <a:rPr lang="de-DE" sz="1600" b="1" dirty="0" err="1" smtClean="0"/>
+              <a:t>and</a:t>
+            </a:r>
+            <a:r>
+              <a:rPr lang="de-DE" sz="1600" b="1" dirty="0" smtClean="0"/>
+              <a:t> </a:t>
+            </a:r>
+            <a:r>
+              <a:rPr lang="de-DE" sz="1600" b="1" dirty="0" err="1" smtClean="0"/>
+              <a:t>memory</a:t>
+            </a:r>
+            <a:r>
+              <a:rPr lang="de-DE" sz="1600" b="1" dirty="0" smtClean="0"/>
+              <a:t>:</a:t>
+            </a:r>
+            <a:endParaRPr lang="de-DE" sz="1600" dirty="0"/>
+          </a:p>
+          <a:p>
+            <a:pPr marL="628650" lvl="1" indent="-171450">
+              <a:lnSpc>
+                <a:spcPct val="120000"/>
+              </a:lnSpc>
+              <a:buFont typeface="Arial"/>
+              <a:buChar char="•"/>
+            </a:pPr>
+            <a:r>
+              <a:rPr lang="de-DE" sz="1600" dirty="0" err="1" smtClean="0"/>
+              <a:t>Too</a:t>
+            </a:r>
+            <a:r>
+              <a:rPr lang="de-DE" sz="1600" dirty="0" smtClean="0"/>
+              <a:t> </a:t>
+            </a:r>
+            <a:r>
+              <a:rPr lang="de-DE" sz="1600" dirty="0" err="1" smtClean="0"/>
+              <a:t>many</a:t>
+            </a:r>
+            <a:r>
+              <a:rPr lang="de-DE" sz="1600" dirty="0" smtClean="0"/>
+              <a:t> </a:t>
+            </a:r>
+            <a:r>
+              <a:rPr lang="de-DE" sz="1600" dirty="0" err="1" smtClean="0"/>
+              <a:t>features</a:t>
+            </a:r>
+            <a:endParaRPr lang="de-DE" sz="1600" dirty="0"/>
+          </a:p>
+          <a:p>
+            <a:pPr marL="628650" lvl="1" indent="-171450">
+              <a:lnSpc>
+                <a:spcPct val="120000"/>
+              </a:lnSpc>
+              <a:buFont typeface="Arial"/>
+              <a:buChar char="•"/>
+            </a:pPr>
+            <a:r>
+              <a:rPr lang="de-DE" sz="1600" dirty="0" smtClean="0"/>
+              <a:t>HAC </a:t>
+            </a:r>
+            <a:r>
+              <a:rPr lang="de-DE" sz="1600" dirty="0" err="1" smtClean="0"/>
+              <a:t>very</a:t>
+            </a:r>
+            <a:r>
+              <a:rPr lang="de-DE" sz="1600" dirty="0" smtClean="0"/>
+              <a:t> intensive </a:t>
+            </a:r>
+            <a:r>
+              <a:rPr lang="de-DE" sz="1600" dirty="0" err="1" smtClean="0"/>
+              <a:t>to</a:t>
+            </a:r>
+            <a:r>
+              <a:rPr lang="de-DE" sz="1600" dirty="0" smtClean="0"/>
+              <a:t> </a:t>
+            </a:r>
+            <a:r>
+              <a:rPr lang="de-DE" sz="1600" dirty="0" err="1" smtClean="0"/>
+              <a:t>compute</a:t>
+            </a:r>
+            <a:endParaRPr lang="de-DE" sz="1600" dirty="0"/>
           </a:p>
         </p:txBody>
       </p:sp>
     </p:spTree>
     <p:extLst>
       <p:ext uri="{BB962C8B-B14F-4D97-AF65-F5344CB8AC3E}">
-        <p14:creationId xmlns:p14="http://schemas.microsoft.com/office/powerpoint/2010/main" val="102227828"/>
+        <p14:creationId xmlns:p14="http://schemas.microsoft.com/office/powerpoint/2010/main" val="373960713"/>
       </p:ext>
     </p:extLst>
   </p:cSld>
   <p:clrMapOvr>
     <a:masterClrMapping/>
   </p:clrMapOvr>
+  <p:timing>
+    <p:tnLst>
+      <p:par>
+        <p:cTn xmlns:p14="http://schemas.microsoft.com/office/powerpoint/2010/main" id="1" dur="indefinite" restart="never" nodeType="tmRoot"/>
+      </p:par>
+    </p:tnLst>
+  </p:timing>
 </p:sld>
 </file>
 
@@ -5039,7 +5964,7 @@
       </p:grpSpPr>
       <p:sp>
         <p:nvSpPr>
-          <p:cNvPr id="2" name="Rectangle 2"/>
+          <p:cNvPr id="4" name="Rectangle 2"/>
           <p:cNvSpPr txBox="1">
             <a:spLocks noChangeArrowheads="1"/>
           </p:cNvSpPr>
@@ -5226,8 +6151,20 @@
           <a:p>
             <a:pPr eaLnBrk="1" hangingPunct="1"/>
             <a:r>
+              <a:rPr lang="de-DE" b="1" dirty="0" err="1" smtClean="0"/>
+              <a:t>Expected</a:t>
+            </a:r>
+            <a:r>
               <a:rPr lang="de-DE" b="1" dirty="0" smtClean="0"/>
-              <a:t>Outlook</a:t>
+              <a:t> </a:t>
+            </a:r>
+            <a:r>
+              <a:rPr lang="de-DE" b="1" dirty="0" err="1"/>
+              <a:t>r</a:t>
+            </a:r>
+            <a:r>
+              <a:rPr lang="de-DE" b="1" dirty="0" err="1" smtClean="0"/>
+              <a:t>esults</a:t>
             </a:r>
             <a:endParaRPr lang="de-DE" b="1" kern="0" dirty="0" smtClean="0"/>
           </a:p>
@@ -5235,917 +6172,58 @@
       </p:sp>
       <p:sp>
         <p:nvSpPr>
-          <p:cNvPr id="3" name="Rectangle 5"/>
-          <p:cNvSpPr txBox="1">
-            <a:spLocks noChangeArrowheads="1"/>
-          </p:cNvSpPr>
+          <p:cNvPr id="2" name="Textfeld 1"/>
+          <p:cNvSpPr txBox="1"/>
           <p:nvPr/>
         </p:nvSpPr>
-        <p:spPr bwMode="auto">
+        <p:spPr>
           <a:xfrm>
-            <a:off x="652463" y="1581932"/>
-            <a:ext cx="7772400" cy="4121966"/>
+            <a:off x="461963" y="1555747"/>
+            <a:ext cx="8224837" cy="379591"/>
           </a:xfrm>
           <a:prstGeom prst="rect">
             <a:avLst/>
           </a:prstGeom>
           <a:noFill/>
-          <a:ln>
-            <a:noFill/>
-          </a:ln>
-          <a:effectLst/>
-          <a:extLst>
-            <a:ext uri="{909E8E84-426E-40dd-AFC4-6F175D3DCCD1}">
-              <a14:hiddenFill xmlns:a14="http://schemas.microsoft.com/office/drawing/2010/main">
-                <a:solidFill>
-                  <a:schemeClr val="accent1"/>
-                </a:solidFill>
-              </a14:hiddenFill>
-            </a:ext>
-            <a:ext uri="{91240B29-F687-4f45-9708-019B960494DF}">
-              <a14:hiddenLine xmlns:a14="http://schemas.microsoft.com/office/drawing/2010/main" w="9525">
-                <a:solidFill>
-                  <a:schemeClr val="tx1"/>
-                </a:solidFill>
-                <a:miter lim="800000"/>
-                <a:headEnd/>
-                <a:tailEnd/>
-              </a14:hiddenLine>
-            </a:ext>
-            <a:ext uri="{AF507438-7753-43e0-B8FC-AC1667EBCBE1}">
-              <a14:hiddenEffects xmlns:a14="http://schemas.microsoft.com/office/drawing/2010/main">
-                <a:effectLst>
-                  <a:outerShdw dist="35921" dir="2700000" algn="ctr" rotWithShape="0">
-                    <a:schemeClr val="bg2"/>
-                  </a:outerShdw>
-                </a:effectLst>
-              </a14:hiddenEffects>
-            </a:ext>
-          </a:extLst>
         </p:spPr>
         <p:txBody>
-          <a:bodyPr vert="horz" wrap="square" lIns="91440" tIns="45720" rIns="91440" bIns="45720" numCol="1" anchor="t" anchorCtr="0" compatLnSpc="1">
-            <a:prstTxWarp prst="textNoShape">
-              <a:avLst/>
-            </a:prstTxWarp>
+          <a:bodyPr wrap="square" rtlCol="0">
+            <a:spAutoFit/>
           </a:bodyPr>
-          <a:lstStyle>
-            <a:lvl1pPr marL="342900" indent="-342900" algn="l" rtl="0" eaLnBrk="0" fontAlgn="base" hangingPunct="0">
-              <a:spcBef>
-                <a:spcPct val="20000"/>
-              </a:spcBef>
-              <a:spcAft>
-                <a:spcPct val="0"/>
-              </a:spcAft>
-              <a:defRPr sz="2400">
-                <a:solidFill>
-                  <a:schemeClr val="tx1"/>
-                </a:solidFill>
-                <a:latin typeface="+mn-lt"/>
-                <a:ea typeface="+mn-ea"/>
-                <a:cs typeface="+mn-cs"/>
-              </a:defRPr>
-            </a:lvl1pPr>
-            <a:lvl2pPr marL="742950" indent="-285750" algn="l" rtl="0" eaLnBrk="0" fontAlgn="base" hangingPunct="0">
-              <a:spcBef>
-                <a:spcPct val="20000"/>
-              </a:spcBef>
-              <a:spcAft>
-                <a:spcPct val="0"/>
-              </a:spcAft>
-              <a:buChar char="–"/>
-              <a:defRPr>
-                <a:solidFill>
-                  <a:schemeClr val="tx1"/>
-                </a:solidFill>
-                <a:latin typeface="+mn-lt"/>
-              </a:defRPr>
-            </a:lvl2pPr>
-            <a:lvl3pPr marL="1143000" indent="-228600" algn="l" rtl="0" eaLnBrk="0" fontAlgn="base" hangingPunct="0">
-              <a:spcBef>
-                <a:spcPct val="20000"/>
-              </a:spcBef>
-              <a:spcAft>
-                <a:spcPct val="0"/>
-              </a:spcAft>
+          <a:lstStyle/>
+          <a:p>
+            <a:pPr marL="628650" lvl="1" indent="-171450">
+              <a:lnSpc>
+                <a:spcPct val="120000"/>
+              </a:lnSpc>
+              <a:buFont typeface="Arial"/>
               <a:buChar char="•"/>
-              <a:defRPr sz="1600">
-                <a:solidFill>
-                  <a:schemeClr val="tx1"/>
-                </a:solidFill>
-                <a:latin typeface="+mn-lt"/>
-              </a:defRPr>
-            </a:lvl3pPr>
-            <a:lvl4pPr marL="1600200" indent="-228600" algn="l" rtl="0" eaLnBrk="0" fontAlgn="base" hangingPunct="0">
-              <a:spcBef>
-                <a:spcPct val="20000"/>
-              </a:spcBef>
-              <a:spcAft>
-                <a:spcPct val="0"/>
-              </a:spcAft>
-              <a:buChar char="–"/>
-              <a:defRPr sz="1400">
-                <a:solidFill>
-                  <a:schemeClr val="tx1"/>
-                </a:solidFill>
-                <a:latin typeface="+mn-lt"/>
-              </a:defRPr>
-            </a:lvl4pPr>
-            <a:lvl5pPr marL="2057400" indent="-228600" algn="l" rtl="0" eaLnBrk="0" fontAlgn="base" hangingPunct="0">
-              <a:spcBef>
-                <a:spcPct val="20000"/>
-              </a:spcBef>
-              <a:spcAft>
-                <a:spcPct val="0"/>
-              </a:spcAft>
-              <a:buChar char="»"/>
-              <a:defRPr sz="1200">
-                <a:solidFill>
-                  <a:schemeClr val="tx1"/>
-                </a:solidFill>
-                <a:latin typeface="+mn-lt"/>
-              </a:defRPr>
-            </a:lvl5pPr>
-            <a:lvl6pPr marL="2514600" indent="-228600" algn="l" rtl="0" fontAlgn="base">
-              <a:spcBef>
-                <a:spcPct val="20000"/>
-              </a:spcBef>
-              <a:spcAft>
-                <a:spcPct val="0"/>
-              </a:spcAft>
-              <a:buChar char="»"/>
-              <a:defRPr sz="1200">
-                <a:solidFill>
-                  <a:schemeClr val="tx1"/>
-                </a:solidFill>
-                <a:latin typeface="+mn-lt"/>
-              </a:defRPr>
-            </a:lvl6pPr>
-            <a:lvl7pPr marL="2971800" indent="-228600" algn="l" rtl="0" fontAlgn="base">
-              <a:spcBef>
-                <a:spcPct val="20000"/>
-              </a:spcBef>
-              <a:spcAft>
-                <a:spcPct val="0"/>
-              </a:spcAft>
-              <a:buChar char="»"/>
-              <a:defRPr sz="1200">
-                <a:solidFill>
-                  <a:schemeClr val="tx1"/>
-                </a:solidFill>
-                <a:latin typeface="+mn-lt"/>
-              </a:defRPr>
-            </a:lvl7pPr>
-            <a:lvl8pPr marL="3429000" indent="-228600" algn="l" rtl="0" fontAlgn="base">
-              <a:spcBef>
-                <a:spcPct val="20000"/>
-              </a:spcBef>
-              <a:spcAft>
-                <a:spcPct val="0"/>
-              </a:spcAft>
-              <a:buChar char="»"/>
-              <a:defRPr sz="1200">
-                <a:solidFill>
-                  <a:schemeClr val="tx1"/>
-                </a:solidFill>
-                <a:latin typeface="+mn-lt"/>
-              </a:defRPr>
-            </a:lvl8pPr>
-            <a:lvl9pPr marL="3886200" indent="-228600" algn="l" rtl="0" fontAlgn="base">
-              <a:spcBef>
-                <a:spcPct val="20000"/>
-              </a:spcBef>
-              <a:spcAft>
-                <a:spcPct val="0"/>
-              </a:spcAft>
-              <a:buChar char="»"/>
-              <a:defRPr sz="1200">
-                <a:solidFill>
-                  <a:schemeClr val="tx1"/>
-                </a:solidFill>
-                <a:latin typeface="+mn-lt"/>
-              </a:defRPr>
-            </a:lvl9pPr>
-          </a:lstStyle>
-          <a:p>
-            <a:r>
-              <a:rPr lang="en-US" dirty="0" smtClean="0"/>
-              <a:t>2. Supervised learning</a:t>
-            </a:r>
-          </a:p>
-          <a:p>
-            <a:endParaRPr lang="en-US" sz="1600" dirty="0" smtClean="0"/>
-          </a:p>
-          <a:p>
-            <a:pPr lvl="1">
-              <a:buFont typeface="Wingdings" charset="2"/>
-              <a:buChar char="§"/>
             </a:pPr>
-            <a:r>
-              <a:rPr lang="en-US" sz="1600" dirty="0" smtClean="0"/>
-              <a:t>Separate </a:t>
-            </a:r>
-            <a:r>
-              <a:rPr lang="en-US" sz="1600" dirty="0"/>
-              <a:t>data into test &amp; training data</a:t>
-            </a:r>
-          </a:p>
-          <a:p>
-            <a:pPr lvl="1">
-              <a:buFont typeface="Wingdings" charset="2"/>
-              <a:buChar char="§"/>
-            </a:pPr>
-            <a:endParaRPr lang="en-US" sz="1600" dirty="0" smtClean="0"/>
-          </a:p>
-          <a:p>
-            <a:pPr lvl="1">
-              <a:buFont typeface="Wingdings" charset="2"/>
-              <a:buChar char="§"/>
-            </a:pPr>
-            <a:r>
-              <a:rPr lang="en-US" sz="1600" dirty="0" smtClean="0"/>
-              <a:t>Fit </a:t>
-            </a:r>
-            <a:r>
-              <a:rPr lang="en-US" sz="1600" dirty="0"/>
-              <a:t>a supervised learning model</a:t>
-            </a:r>
-          </a:p>
-          <a:p>
-            <a:pPr lvl="2">
-              <a:buFont typeface="Wingdings" charset="2"/>
-              <a:buChar char="§"/>
-            </a:pPr>
-            <a:r>
-              <a:rPr lang="en-US" dirty="0"/>
-              <a:t>Naïve Bayes</a:t>
-            </a:r>
-          </a:p>
-          <a:p>
-            <a:pPr lvl="2">
-              <a:buFont typeface="Wingdings" charset="2"/>
-              <a:buChar char="§"/>
-            </a:pPr>
-            <a:r>
-              <a:rPr lang="en-US" dirty="0"/>
-              <a:t>Support Vector Machines (SVM)</a:t>
-            </a:r>
-          </a:p>
-          <a:p>
-            <a:pPr lvl="2">
-              <a:buFont typeface="Wingdings" charset="2"/>
-              <a:buChar char="§"/>
-            </a:pPr>
-            <a:r>
-              <a:rPr lang="en-US" dirty="0"/>
-              <a:t>k-Nearest Neighbors</a:t>
-            </a:r>
-          </a:p>
-          <a:p>
-            <a:pPr lvl="1">
-              <a:buFont typeface="Wingdings" charset="2"/>
-              <a:buChar char="§"/>
-            </a:pPr>
-            <a:endParaRPr lang="en-US" sz="1600" dirty="0" smtClean="0"/>
-          </a:p>
-          <a:p>
-            <a:pPr lvl="1">
-              <a:buFont typeface="Wingdings" charset="2"/>
-              <a:buChar char="§"/>
-            </a:pPr>
-            <a:r>
-              <a:rPr lang="en-US" sz="1600" dirty="0" smtClean="0"/>
-              <a:t>Evaluate </a:t>
-            </a:r>
-            <a:r>
-              <a:rPr lang="en-US" sz="1600" dirty="0"/>
-              <a:t>best model</a:t>
-            </a:r>
-          </a:p>
-          <a:p>
-            <a:pPr lvl="2">
-              <a:buFont typeface="Wingdings" charset="2"/>
-              <a:buChar char="§"/>
-            </a:pPr>
-            <a:r>
-              <a:rPr lang="en-US" dirty="0" smtClean="0"/>
-              <a:t>Precision</a:t>
-            </a:r>
-          </a:p>
-          <a:p>
-            <a:pPr lvl="2">
-              <a:buFont typeface="Wingdings" charset="2"/>
-              <a:buChar char="§"/>
-            </a:pPr>
-            <a:r>
-              <a:rPr lang="en-US" dirty="0" smtClean="0"/>
-              <a:t>Recall</a:t>
-            </a:r>
-          </a:p>
-          <a:p>
-            <a:pPr lvl="2">
-              <a:buFont typeface="Wingdings" charset="2"/>
-              <a:buChar char="§"/>
-            </a:pPr>
-            <a:r>
-              <a:rPr lang="en-US" dirty="0" smtClean="0"/>
-              <a:t>F1 measure</a:t>
-            </a:r>
+            <a:endParaRPr lang="de-DE" sz="1600" dirty="0"/>
           </a:p>
         </p:txBody>
       </p:sp>
     </p:spTree>
     <p:extLst>
       <p:ext uri="{BB962C8B-B14F-4D97-AF65-F5344CB8AC3E}">
-        <p14:creationId xmlns:p14="http://schemas.microsoft.com/office/powerpoint/2010/main" val="1746544494"/>
+        <p14:creationId xmlns:p14="http://schemas.microsoft.com/office/powerpoint/2010/main" val="2445002518"/>
       </p:ext>
     </p:extLst>
   </p:cSld>
   <p:clrMapOvr>
     <a:masterClrMapping/>
   </p:clrMapOvr>
+  <p:timing>
+    <p:tnLst>
+      <p:par>
+        <p:cTn xmlns:p14="http://schemas.microsoft.com/office/powerpoint/2010/main" id="1" dur="indefinite" restart="never" nodeType="tmRoot"/>
+      </p:par>
+    </p:tnLst>
+  </p:timing>
 </p:sld>
 </file>
 
 <file path=ppt/slides/slide13.xml><?xml version="1.0" encoding="utf-8"?>
-<p:sld xmlns:a="http://schemas.openxmlformats.org/drawingml/2006/main" xmlns:r="http://schemas.openxmlformats.org/officeDocument/2006/relationships" xmlns:p="http://schemas.openxmlformats.org/presentationml/2006/main">
-  <p:cSld>
-    <p:spTree>
-      <p:nvGrpSpPr>
-        <p:cNvPr id="1" name=""/>
-        <p:cNvGrpSpPr/>
-        <p:nvPr/>
-      </p:nvGrpSpPr>
-      <p:grpSpPr>
-        <a:xfrm>
-          <a:off x="0" y="0"/>
-          <a:ext cx="0" cy="0"/>
-          <a:chOff x="0" y="0"/>
-          <a:chExt cx="0" cy="0"/>
-        </a:xfrm>
-      </p:grpSpPr>
-      <p:sp>
-        <p:nvSpPr>
-          <p:cNvPr id="4" name="Rectangle 5"/>
-          <p:cNvSpPr txBox="1">
-            <a:spLocks noChangeArrowheads="1"/>
-          </p:cNvSpPr>
-          <p:nvPr/>
-        </p:nvSpPr>
-        <p:spPr bwMode="auto">
-          <a:xfrm>
-            <a:off x="652463" y="1646564"/>
-            <a:ext cx="7772400" cy="4684952"/>
-          </a:xfrm>
-          <a:prstGeom prst="rect">
-            <a:avLst/>
-          </a:prstGeom>
-          <a:noFill/>
-          <a:ln>
-            <a:noFill/>
-          </a:ln>
-          <a:effectLst/>
-          <a:extLst>
-            <a:ext uri="{909E8E84-426E-40dd-AFC4-6F175D3DCCD1}">
-              <a14:hiddenFill xmlns:a14="http://schemas.microsoft.com/office/drawing/2010/main">
-                <a:solidFill>
-                  <a:schemeClr val="accent1"/>
-                </a:solidFill>
-              </a14:hiddenFill>
-            </a:ext>
-            <a:ext uri="{91240B29-F687-4f45-9708-019B960494DF}">
-              <a14:hiddenLine xmlns:a14="http://schemas.microsoft.com/office/drawing/2010/main" w="9525">
-                <a:solidFill>
-                  <a:schemeClr val="tx1"/>
-                </a:solidFill>
-                <a:miter lim="800000"/>
-                <a:headEnd/>
-                <a:tailEnd/>
-              </a14:hiddenLine>
-            </a:ext>
-            <a:ext uri="{AF507438-7753-43e0-B8FC-AC1667EBCBE1}">
-              <a14:hiddenEffects xmlns:a14="http://schemas.microsoft.com/office/drawing/2010/main">
-                <a:effectLst>
-                  <a:outerShdw dist="35921" dir="2700000" algn="ctr" rotWithShape="0">
-                    <a:schemeClr val="bg2"/>
-                  </a:outerShdw>
-                </a:effectLst>
-              </a14:hiddenEffects>
-            </a:ext>
-          </a:extLst>
-        </p:spPr>
-        <p:txBody>
-          <a:bodyPr vert="horz" wrap="square" lIns="91440" tIns="45720" rIns="91440" bIns="45720" numCol="1" anchor="t" anchorCtr="0" compatLnSpc="1">
-            <a:prstTxWarp prst="textNoShape">
-              <a:avLst/>
-            </a:prstTxWarp>
-          </a:bodyPr>
-          <a:lstStyle>
-            <a:lvl1pPr marL="342900" indent="-342900" algn="l" rtl="0" eaLnBrk="0" fontAlgn="base" hangingPunct="0">
-              <a:spcBef>
-                <a:spcPct val="20000"/>
-              </a:spcBef>
-              <a:spcAft>
-                <a:spcPct val="0"/>
-              </a:spcAft>
-              <a:defRPr sz="2400">
-                <a:solidFill>
-                  <a:schemeClr val="tx1"/>
-                </a:solidFill>
-                <a:latin typeface="+mn-lt"/>
-                <a:ea typeface="+mn-ea"/>
-                <a:cs typeface="+mn-cs"/>
-              </a:defRPr>
-            </a:lvl1pPr>
-            <a:lvl2pPr marL="742950" indent="-285750" algn="l" rtl="0" eaLnBrk="0" fontAlgn="base" hangingPunct="0">
-              <a:spcBef>
-                <a:spcPct val="20000"/>
-              </a:spcBef>
-              <a:spcAft>
-                <a:spcPct val="0"/>
-              </a:spcAft>
-              <a:buChar char="–"/>
-              <a:defRPr>
-                <a:solidFill>
-                  <a:schemeClr val="tx1"/>
-                </a:solidFill>
-                <a:latin typeface="+mn-lt"/>
-              </a:defRPr>
-            </a:lvl2pPr>
-            <a:lvl3pPr marL="1143000" indent="-228600" algn="l" rtl="0" eaLnBrk="0" fontAlgn="base" hangingPunct="0">
-              <a:spcBef>
-                <a:spcPct val="20000"/>
-              </a:spcBef>
-              <a:spcAft>
-                <a:spcPct val="0"/>
-              </a:spcAft>
-              <a:buChar char="•"/>
-              <a:defRPr sz="1600">
-                <a:solidFill>
-                  <a:schemeClr val="tx1"/>
-                </a:solidFill>
-                <a:latin typeface="+mn-lt"/>
-              </a:defRPr>
-            </a:lvl3pPr>
-            <a:lvl4pPr marL="1600200" indent="-228600" algn="l" rtl="0" eaLnBrk="0" fontAlgn="base" hangingPunct="0">
-              <a:spcBef>
-                <a:spcPct val="20000"/>
-              </a:spcBef>
-              <a:spcAft>
-                <a:spcPct val="0"/>
-              </a:spcAft>
-              <a:buChar char="–"/>
-              <a:defRPr sz="1400">
-                <a:solidFill>
-                  <a:schemeClr val="tx1"/>
-                </a:solidFill>
-                <a:latin typeface="+mn-lt"/>
-              </a:defRPr>
-            </a:lvl4pPr>
-            <a:lvl5pPr marL="2057400" indent="-228600" algn="l" rtl="0" eaLnBrk="0" fontAlgn="base" hangingPunct="0">
-              <a:spcBef>
-                <a:spcPct val="20000"/>
-              </a:spcBef>
-              <a:spcAft>
-                <a:spcPct val="0"/>
-              </a:spcAft>
-              <a:buChar char="»"/>
-              <a:defRPr sz="1200">
-                <a:solidFill>
-                  <a:schemeClr val="tx1"/>
-                </a:solidFill>
-                <a:latin typeface="+mn-lt"/>
-              </a:defRPr>
-            </a:lvl5pPr>
-            <a:lvl6pPr marL="2514600" indent="-228600" algn="l" rtl="0" fontAlgn="base">
-              <a:spcBef>
-                <a:spcPct val="20000"/>
-              </a:spcBef>
-              <a:spcAft>
-                <a:spcPct val="0"/>
-              </a:spcAft>
-              <a:buChar char="»"/>
-              <a:defRPr sz="1200">
-                <a:solidFill>
-                  <a:schemeClr val="tx1"/>
-                </a:solidFill>
-                <a:latin typeface="+mn-lt"/>
-              </a:defRPr>
-            </a:lvl6pPr>
-            <a:lvl7pPr marL="2971800" indent="-228600" algn="l" rtl="0" fontAlgn="base">
-              <a:spcBef>
-                <a:spcPct val="20000"/>
-              </a:spcBef>
-              <a:spcAft>
-                <a:spcPct val="0"/>
-              </a:spcAft>
-              <a:buChar char="»"/>
-              <a:defRPr sz="1200">
-                <a:solidFill>
-                  <a:schemeClr val="tx1"/>
-                </a:solidFill>
-                <a:latin typeface="+mn-lt"/>
-              </a:defRPr>
-            </a:lvl7pPr>
-            <a:lvl8pPr marL="3429000" indent="-228600" algn="l" rtl="0" fontAlgn="base">
-              <a:spcBef>
-                <a:spcPct val="20000"/>
-              </a:spcBef>
-              <a:spcAft>
-                <a:spcPct val="0"/>
-              </a:spcAft>
-              <a:buChar char="»"/>
-              <a:defRPr sz="1200">
-                <a:solidFill>
-                  <a:schemeClr val="tx1"/>
-                </a:solidFill>
-                <a:latin typeface="+mn-lt"/>
-              </a:defRPr>
-            </a:lvl8pPr>
-            <a:lvl9pPr marL="3886200" indent="-228600" algn="l" rtl="0" fontAlgn="base">
-              <a:spcBef>
-                <a:spcPct val="20000"/>
-              </a:spcBef>
-              <a:spcAft>
-                <a:spcPct val="0"/>
-              </a:spcAft>
-              <a:buChar char="»"/>
-              <a:defRPr sz="1200">
-                <a:solidFill>
-                  <a:schemeClr val="tx1"/>
-                </a:solidFill>
-                <a:latin typeface="+mn-lt"/>
-              </a:defRPr>
-            </a:lvl9pPr>
-          </a:lstStyle>
-          <a:p>
-            <a:r>
-              <a:rPr lang="en-US" dirty="0" smtClean="0"/>
-              <a:t>3. Unsupervised </a:t>
-            </a:r>
-            <a:r>
-              <a:rPr lang="en-US" dirty="0"/>
-              <a:t>learning</a:t>
-            </a:r>
-          </a:p>
-          <a:p>
-            <a:pPr lvl="1">
-              <a:buFont typeface="Wingdings" charset="2"/>
-              <a:buChar char="§"/>
-            </a:pPr>
-            <a:endParaRPr lang="en-US" sz="1600" dirty="0" smtClean="0"/>
-          </a:p>
-          <a:p>
-            <a:pPr lvl="1">
-              <a:buFont typeface="Wingdings" charset="2"/>
-              <a:buChar char="§"/>
-            </a:pPr>
-            <a:r>
-              <a:rPr lang="en-US" sz="1600" dirty="0" smtClean="0"/>
-              <a:t>Fit </a:t>
-            </a:r>
-            <a:r>
-              <a:rPr lang="en-US" sz="1600" dirty="0"/>
-              <a:t>a model</a:t>
-            </a:r>
-          </a:p>
-          <a:p>
-            <a:pPr lvl="2">
-              <a:buFont typeface="Wingdings" charset="2"/>
-              <a:buChar char="§"/>
-            </a:pPr>
-            <a:r>
-              <a:rPr lang="en-US" dirty="0"/>
-              <a:t>k-means clustering</a:t>
-            </a:r>
-          </a:p>
-          <a:p>
-            <a:pPr lvl="2">
-              <a:buFont typeface="Wingdings" charset="2"/>
-              <a:buChar char="§"/>
-            </a:pPr>
-            <a:r>
-              <a:rPr lang="en-US" dirty="0"/>
-              <a:t>Hierarchical Agglomerative Clustering (HAC)</a:t>
-            </a:r>
-          </a:p>
-          <a:p>
-            <a:pPr lvl="1">
-              <a:buFont typeface="Wingdings" charset="2"/>
-              <a:buChar char="§"/>
-            </a:pPr>
-            <a:endParaRPr lang="en-US" sz="1600" dirty="0" smtClean="0"/>
-          </a:p>
-          <a:p>
-            <a:pPr lvl="1">
-              <a:buFont typeface="Wingdings" charset="2"/>
-              <a:buChar char="§"/>
-            </a:pPr>
-            <a:r>
-              <a:rPr lang="en-US" sz="1600" dirty="0" smtClean="0"/>
-              <a:t>Calculate </a:t>
-            </a:r>
-            <a:r>
-              <a:rPr lang="en-US" sz="1600" dirty="0"/>
-              <a:t>TF-­</a:t>
-            </a:r>
-            <a:r>
-              <a:rPr lang="en-US" sz="1600" dirty="0" smtClean="0"/>
-              <a:t>IDF (weighting)</a:t>
-            </a:r>
-            <a:endParaRPr lang="en-US" sz="1600" dirty="0"/>
-          </a:p>
-          <a:p>
-            <a:pPr lvl="1">
-              <a:buFont typeface="Wingdings" charset="2"/>
-              <a:buChar char="§"/>
-            </a:pPr>
-            <a:endParaRPr lang="en-US" sz="1600" dirty="0" smtClean="0"/>
-          </a:p>
-          <a:p>
-            <a:pPr lvl="1">
-              <a:buFont typeface="Wingdings" charset="2"/>
-              <a:buChar char="§"/>
-            </a:pPr>
-            <a:r>
-              <a:rPr lang="en-US" sz="1600" dirty="0" smtClean="0"/>
-              <a:t>Evaluate </a:t>
-            </a:r>
-            <a:r>
-              <a:rPr lang="en-US" sz="1600" dirty="0"/>
-              <a:t>best model</a:t>
-            </a:r>
-          </a:p>
-          <a:p>
-            <a:pPr lvl="2">
-              <a:buFont typeface="Wingdings" charset="2"/>
-              <a:buChar char="§"/>
-            </a:pPr>
-            <a:r>
-              <a:rPr lang="en-US" dirty="0" smtClean="0"/>
-              <a:t>Precision, Recall, F1 measure</a:t>
-            </a:r>
-          </a:p>
-          <a:p>
-            <a:pPr lvl="2">
-              <a:buFont typeface="Wingdings" charset="2"/>
-              <a:buChar char="§"/>
-            </a:pPr>
-            <a:r>
-              <a:rPr lang="en-US" dirty="0" smtClean="0"/>
-              <a:t>Rand Index</a:t>
-            </a:r>
-          </a:p>
-          <a:p>
-            <a:pPr lvl="2">
-              <a:buFont typeface="Wingdings" charset="2"/>
-              <a:buChar char="§"/>
-            </a:pPr>
-            <a:endParaRPr lang="en-US" dirty="0"/>
-          </a:p>
-          <a:p>
-            <a:pPr marL="114300" indent="0"/>
-            <a:r>
-              <a:rPr lang="en-US" dirty="0" smtClean="0"/>
-              <a:t>4. Compare both approaches</a:t>
-            </a:r>
-            <a:endParaRPr lang="en-US" dirty="0"/>
-          </a:p>
-        </p:txBody>
-      </p:sp>
-      <p:sp>
-        <p:nvSpPr>
-          <p:cNvPr id="5" name="Rectangle 2"/>
-          <p:cNvSpPr txBox="1">
-            <a:spLocks noChangeArrowheads="1"/>
-          </p:cNvSpPr>
-          <p:nvPr/>
-        </p:nvSpPr>
-        <p:spPr bwMode="auto">
-          <a:xfrm>
-            <a:off x="461963" y="485772"/>
-            <a:ext cx="8224837" cy="1069975"/>
-          </a:xfrm>
-          <a:prstGeom prst="rect">
-            <a:avLst/>
-          </a:prstGeom>
-          <a:noFill/>
-          <a:ln>
-            <a:noFill/>
-          </a:ln>
-          <a:effectLst/>
-          <a:extLst>
-            <a:ext uri="{909E8E84-426E-40dd-AFC4-6F175D3DCCD1}">
-              <a14:hiddenFill xmlns:a14="http://schemas.microsoft.com/office/drawing/2010/main">
-                <a:solidFill>
-                  <a:schemeClr val="accent1"/>
-                </a:solidFill>
-              </a14:hiddenFill>
-            </a:ext>
-            <a:ext uri="{91240B29-F687-4f45-9708-019B960494DF}">
-              <a14:hiddenLine xmlns:a14="http://schemas.microsoft.com/office/drawing/2010/main" w="9525">
-                <a:solidFill>
-                  <a:schemeClr val="tx1"/>
-                </a:solidFill>
-                <a:miter lim="800000"/>
-                <a:headEnd/>
-                <a:tailEnd/>
-              </a14:hiddenLine>
-            </a:ext>
-            <a:ext uri="{AF507438-7753-43e0-B8FC-AC1667EBCBE1}">
-              <a14:hiddenEffects xmlns:a14="http://schemas.microsoft.com/office/drawing/2010/main">
-                <a:effectLst>
-                  <a:outerShdw dist="35921" dir="2700000" algn="ctr" rotWithShape="0">
-                    <a:schemeClr val="bg2"/>
-                  </a:outerShdw>
-                </a:effectLst>
-              </a14:hiddenEffects>
-            </a:ext>
-          </a:extLst>
-        </p:spPr>
-        <p:txBody>
-          <a:bodyPr vert="horz" wrap="square" lIns="91440" tIns="45720" rIns="91440" bIns="45720" numCol="1" anchor="ctr" anchorCtr="0" compatLnSpc="1">
-            <a:prstTxWarp prst="textNoShape">
-              <a:avLst/>
-            </a:prstTxWarp>
-          </a:bodyPr>
-          <a:lstStyle>
-            <a:lvl1pPr algn="ctr" rtl="0" eaLnBrk="0" fontAlgn="base" hangingPunct="0">
-              <a:spcBef>
-                <a:spcPct val="0"/>
-              </a:spcBef>
-              <a:spcAft>
-                <a:spcPct val="0"/>
-              </a:spcAft>
-              <a:defRPr sz="3200">
-                <a:solidFill>
-                  <a:schemeClr val="bg2"/>
-                </a:solidFill>
-                <a:latin typeface="+mj-lt"/>
-                <a:ea typeface="+mj-ea"/>
-                <a:cs typeface="+mj-cs"/>
-              </a:defRPr>
-            </a:lvl1pPr>
-            <a:lvl2pPr algn="ctr" rtl="0" eaLnBrk="0" fontAlgn="base" hangingPunct="0">
-              <a:spcBef>
-                <a:spcPct val="0"/>
-              </a:spcBef>
-              <a:spcAft>
-                <a:spcPct val="0"/>
-              </a:spcAft>
-              <a:defRPr sz="3200">
-                <a:solidFill>
-                  <a:schemeClr val="bg2"/>
-                </a:solidFill>
-                <a:latin typeface="Arial" charset="0"/>
-              </a:defRPr>
-            </a:lvl2pPr>
-            <a:lvl3pPr algn="ctr" rtl="0" eaLnBrk="0" fontAlgn="base" hangingPunct="0">
-              <a:spcBef>
-                <a:spcPct val="0"/>
-              </a:spcBef>
-              <a:spcAft>
-                <a:spcPct val="0"/>
-              </a:spcAft>
-              <a:defRPr sz="3200">
-                <a:solidFill>
-                  <a:schemeClr val="bg2"/>
-                </a:solidFill>
-                <a:latin typeface="Arial" charset="0"/>
-              </a:defRPr>
-            </a:lvl3pPr>
-            <a:lvl4pPr algn="ctr" rtl="0" eaLnBrk="0" fontAlgn="base" hangingPunct="0">
-              <a:spcBef>
-                <a:spcPct val="0"/>
-              </a:spcBef>
-              <a:spcAft>
-                <a:spcPct val="0"/>
-              </a:spcAft>
-              <a:defRPr sz="3200">
-                <a:solidFill>
-                  <a:schemeClr val="bg2"/>
-                </a:solidFill>
-                <a:latin typeface="Arial" charset="0"/>
-              </a:defRPr>
-            </a:lvl4pPr>
-            <a:lvl5pPr algn="ctr" rtl="0" eaLnBrk="0" fontAlgn="base" hangingPunct="0">
-              <a:spcBef>
-                <a:spcPct val="0"/>
-              </a:spcBef>
-              <a:spcAft>
-                <a:spcPct val="0"/>
-              </a:spcAft>
-              <a:defRPr sz="3200">
-                <a:solidFill>
-                  <a:schemeClr val="bg2"/>
-                </a:solidFill>
-                <a:latin typeface="Arial" charset="0"/>
-              </a:defRPr>
-            </a:lvl5pPr>
-            <a:lvl6pPr marL="457200" algn="ctr" rtl="0" fontAlgn="base">
-              <a:spcBef>
-                <a:spcPct val="0"/>
-              </a:spcBef>
-              <a:spcAft>
-                <a:spcPct val="0"/>
-              </a:spcAft>
-              <a:defRPr sz="3200">
-                <a:solidFill>
-                  <a:schemeClr val="bg2"/>
-                </a:solidFill>
-                <a:latin typeface="Arial" charset="0"/>
-              </a:defRPr>
-            </a:lvl6pPr>
-            <a:lvl7pPr marL="914400" algn="ctr" rtl="0" fontAlgn="base">
-              <a:spcBef>
-                <a:spcPct val="0"/>
-              </a:spcBef>
-              <a:spcAft>
-                <a:spcPct val="0"/>
-              </a:spcAft>
-              <a:defRPr sz="3200">
-                <a:solidFill>
-                  <a:schemeClr val="bg2"/>
-                </a:solidFill>
-                <a:latin typeface="Arial" charset="0"/>
-              </a:defRPr>
-            </a:lvl7pPr>
-            <a:lvl8pPr marL="1371600" algn="ctr" rtl="0" fontAlgn="base">
-              <a:spcBef>
-                <a:spcPct val="0"/>
-              </a:spcBef>
-              <a:spcAft>
-                <a:spcPct val="0"/>
-              </a:spcAft>
-              <a:defRPr sz="3200">
-                <a:solidFill>
-                  <a:schemeClr val="bg2"/>
-                </a:solidFill>
-                <a:latin typeface="Arial" charset="0"/>
-              </a:defRPr>
-            </a:lvl8pPr>
-            <a:lvl9pPr marL="1828800" algn="ctr" rtl="0" fontAlgn="base">
-              <a:spcBef>
-                <a:spcPct val="0"/>
-              </a:spcBef>
-              <a:spcAft>
-                <a:spcPct val="0"/>
-              </a:spcAft>
-              <a:defRPr sz="3200">
-                <a:solidFill>
-                  <a:schemeClr val="bg2"/>
-                </a:solidFill>
-                <a:latin typeface="Arial" charset="0"/>
-              </a:defRPr>
-            </a:lvl9pPr>
-          </a:lstStyle>
-          <a:p>
-            <a:pPr eaLnBrk="1" hangingPunct="1"/>
-            <a:r>
-              <a:rPr lang="de-DE" b="1" dirty="0" smtClean="0"/>
-              <a:t>Outlook</a:t>
-            </a:r>
-            <a:endParaRPr lang="de-DE" b="1" kern="0" dirty="0" smtClean="0"/>
-          </a:p>
-        </p:txBody>
-      </p:sp>
-      <p:pic>
-        <p:nvPicPr>
-          <p:cNvPr id="7" name="Picture 6"/>
-          <p:cNvPicPr>
-            <a:picLocks noChangeAspect="1"/>
-          </p:cNvPicPr>
-          <p:nvPr/>
-        </p:nvPicPr>
-        <p:blipFill rotWithShape="1">
-          <a:blip r:embed="rId2"/>
-          <a:srcRect l="4646" t="6262" r="3752" b="8993"/>
-          <a:stretch/>
-        </p:blipFill>
-        <p:spPr>
-          <a:xfrm>
-            <a:off x="5727383" y="3318768"/>
-            <a:ext cx="2779776" cy="2044545"/>
-          </a:xfrm>
-          <a:prstGeom prst="rect">
-            <a:avLst/>
-          </a:prstGeom>
-        </p:spPr>
-      </p:pic>
-    </p:spTree>
-    <p:extLst>
-      <p:ext uri="{BB962C8B-B14F-4D97-AF65-F5344CB8AC3E}">
-        <p14:creationId xmlns:p14="http://schemas.microsoft.com/office/powerpoint/2010/main" val="971368297"/>
-      </p:ext>
-    </p:extLst>
-  </p:cSld>
-  <p:clrMapOvr>
-    <a:masterClrMapping/>
-  </p:clrMapOvr>
-</p:sld>
-</file>
-
-<file path=ppt/slides/slide14.xml><?xml version="1.0" encoding="utf-8"?>
 <p:sld xmlns:a="http://schemas.openxmlformats.org/drawingml/2006/main" xmlns:r="http://schemas.openxmlformats.org/officeDocument/2006/relationships" xmlns:p="http://schemas.openxmlformats.org/presentationml/2006/main">
   <p:cSld>
     <p:spTree>
@@ -6435,6 +6513,148 @@
                 <a:schemeClr val="tx1"/>
               </a:solidFill>
             </a:endParaRPr>
+          </a:p>
+        </p:txBody>
+      </p:sp>
+      <p:sp>
+        <p:nvSpPr>
+          <p:cNvPr id="2" name="Textfeld 1"/>
+          <p:cNvSpPr txBox="1"/>
+          <p:nvPr/>
+        </p:nvSpPr>
+        <p:spPr>
+          <a:xfrm>
+            <a:off x="461963" y="5134946"/>
+            <a:ext cx="8011495" cy="867930"/>
+          </a:xfrm>
+          <a:prstGeom prst="rect">
+            <a:avLst/>
+          </a:prstGeom>
+          <a:noFill/>
+        </p:spPr>
+        <p:txBody>
+          <a:bodyPr wrap="square" rtlCol="0">
+            <a:spAutoFit/>
+          </a:bodyPr>
+          <a:lstStyle/>
+          <a:p>
+            <a:r>
+              <a:rPr lang="de-DE" b="1" dirty="0" smtClean="0"/>
+              <a:t>References:</a:t>
+            </a:r>
+            <a:endParaRPr lang="de-DE" dirty="0"/>
+          </a:p>
+          <a:p>
+            <a:pPr marL="171450" indent="-171450">
+              <a:lnSpc>
+                <a:spcPct val="120000"/>
+              </a:lnSpc>
+              <a:buFont typeface="Arial"/>
+              <a:buChar char="•"/>
+            </a:pPr>
+            <a:r>
+              <a:rPr lang="de-DE" i="1" dirty="0" err="1" smtClean="0"/>
+              <a:t>Knowledge</a:t>
+            </a:r>
+            <a:r>
+              <a:rPr lang="de-DE" i="1" dirty="0" smtClean="0"/>
+              <a:t> Discovery </a:t>
+            </a:r>
+            <a:r>
+              <a:rPr lang="de-DE" i="1" dirty="0" err="1" smtClean="0"/>
+              <a:t>and</a:t>
+            </a:r>
+            <a:r>
+              <a:rPr lang="de-DE" i="1" dirty="0" smtClean="0"/>
+              <a:t> Data Mining 1 </a:t>
+            </a:r>
+            <a:r>
+              <a:rPr lang="de-DE" dirty="0" err="1" smtClean="0"/>
+              <a:t>by</a:t>
+            </a:r>
+            <a:r>
+              <a:rPr lang="de-DE" dirty="0" smtClean="0"/>
+              <a:t> Denis </a:t>
+            </a:r>
+            <a:r>
+              <a:rPr lang="de-DE" dirty="0" err="1" smtClean="0"/>
+              <a:t>Helic</a:t>
+            </a:r>
+            <a:r>
+              <a:rPr lang="de-DE" dirty="0" smtClean="0"/>
+              <a:t> </a:t>
+            </a:r>
+            <a:r>
+              <a:rPr lang="de-DE" dirty="0" err="1" smtClean="0"/>
+              <a:t>and</a:t>
+            </a:r>
+            <a:r>
+              <a:rPr lang="de-DE" dirty="0" smtClean="0"/>
+              <a:t> Roman Kern (2015)</a:t>
+            </a:r>
+          </a:p>
+          <a:p>
+            <a:pPr marL="171450" indent="-171450">
+              <a:buFont typeface="Arial"/>
+              <a:buChar char="•"/>
+            </a:pPr>
+            <a:r>
+              <a:rPr lang="de-DE" dirty="0" err="1" smtClean="0"/>
+              <a:t>Segaran</a:t>
+            </a:r>
+            <a:r>
+              <a:rPr lang="de-DE" dirty="0" smtClean="0"/>
+              <a:t>, T. 2007. </a:t>
+            </a:r>
+            <a:r>
+              <a:rPr lang="de-DE" i="1" dirty="0" err="1" smtClean="0"/>
+              <a:t>Programming</a:t>
+            </a:r>
+            <a:r>
+              <a:rPr lang="de-DE" i="1" dirty="0" smtClean="0"/>
+              <a:t> Collective </a:t>
+            </a:r>
+            <a:r>
+              <a:rPr lang="de-DE" i="1" dirty="0" err="1" smtClean="0"/>
+              <a:t>Intelligence</a:t>
+            </a:r>
+            <a:r>
+              <a:rPr lang="de-DE" i="1" dirty="0" smtClean="0"/>
+              <a:t>: </a:t>
+            </a:r>
+            <a:r>
+              <a:rPr lang="de-DE" i="1" dirty="0" err="1" smtClean="0"/>
+              <a:t>Building</a:t>
+            </a:r>
+            <a:r>
+              <a:rPr lang="de-DE" i="1" dirty="0" smtClean="0"/>
+              <a:t> Smart Web 2.0 </a:t>
+            </a:r>
+            <a:r>
+              <a:rPr lang="de-DE" i="1" dirty="0" err="1" smtClean="0"/>
+              <a:t>Applications</a:t>
+            </a:r>
+            <a:r>
+              <a:rPr lang="de-DE" i="1" dirty="0" smtClean="0"/>
+              <a:t>. </a:t>
+            </a:r>
+            <a:r>
+              <a:rPr lang="de-DE" i="1" dirty="0" err="1" smtClean="0"/>
+              <a:t>S</a:t>
+            </a:r>
+            <a:r>
+              <a:rPr lang="de-DE" dirty="0" err="1" smtClean="0"/>
+              <a:t>ebastopol</a:t>
+            </a:r>
+            <a:r>
+              <a:rPr lang="de-DE" dirty="0" smtClean="0"/>
+              <a:t>: </a:t>
+            </a:r>
+            <a:r>
+              <a:rPr lang="de-DE" dirty="0" err="1" smtClean="0"/>
+              <a:t>O‘Really</a:t>
+            </a:r>
+            <a:endParaRPr lang="de-DE" dirty="0"/>
           </a:p>
         </p:txBody>
       </p:sp>
@@ -7173,7 +7393,6 @@
               <a:rPr lang="de-DE" b="1" dirty="0" smtClean="0"/>
               <a:t> Approach</a:t>
             </a:r>
-            <a:endParaRPr lang="de-DE" b="1" dirty="0" smtClean="0"/>
           </a:p>
         </p:txBody>
       </p:sp>
@@ -7434,7 +7653,7 @@
         </p:nvSpPr>
         <p:spPr>
           <a:xfrm>
-            <a:off x="652463" y="1728416"/>
+            <a:off x="652463" y="1859804"/>
             <a:ext cx="7945592" cy="4338154"/>
           </a:xfrm>
         </p:spPr>
@@ -7788,7 +8007,7 @@
         </p:nvSpPr>
         <p:spPr bwMode="auto">
           <a:xfrm>
-            <a:off x="461963" y="485772"/>
+            <a:off x="461963" y="387231"/>
             <a:ext cx="8224837" cy="1069975"/>
           </a:xfrm>
           <a:prstGeom prst="rect">
@@ -7967,12 +8186,27 @@
           <a:p>
             <a:pPr eaLnBrk="1" hangingPunct="1"/>
             <a:r>
-              <a:rPr lang="de-DE" b="1" kern="0" dirty="0" err="1" smtClean="0"/>
+              <a:rPr lang="de-DE" sz="1500" b="1" kern="0" dirty="0" err="1" smtClean="0"/>
               <a:t>Current</a:t>
             </a:r>
             <a:r>
+              <a:rPr lang="de-DE" sz="1500" b="1" kern="0" dirty="0" smtClean="0"/>
+              <a:t> </a:t>
+            </a:r>
+            <a:r>
+              <a:rPr lang="de-DE" sz="1500" b="1" kern="0" dirty="0" smtClean="0"/>
+              <a:t>Approach</a:t>
+            </a:r>
+            <a:r>
               <a:rPr lang="de-DE" b="1" kern="0" dirty="0" smtClean="0"/>
-              <a:t> Approach – Feature </a:t>
+              <a:t/>
+            </a:r>
+            <a:br>
+              <a:rPr lang="de-DE" b="1" kern="0" dirty="0" smtClean="0"/>
+            </a:br>
+            <a:r>
+              <a:rPr lang="de-DE" b="1" kern="0" dirty="0" smtClean="0"/>
+              <a:t> Feature </a:t>
             </a:r>
             <a:r>
               <a:rPr lang="de-DE" b="1" kern="0" dirty="0" err="1" smtClean="0"/>
@@ -8006,7 +8240,7 @@
         </p:nvCxnSpPr>
         <p:spPr>
           <a:xfrm>
-            <a:off x="2786830" y="1927787"/>
+            <a:off x="2786830" y="2048226"/>
             <a:ext cx="1142143" cy="356318"/>
           </a:xfrm>
           <a:prstGeom prst="bentConnector3">
@@ -8039,7 +8273,7 @@
         </p:nvSpPr>
         <p:spPr>
           <a:xfrm>
-            <a:off x="3828463" y="1927787"/>
+            <a:off x="3828463" y="2048226"/>
             <a:ext cx="4029483" cy="871521"/>
           </a:xfrm>
           <a:prstGeom prst="rect">
@@ -8139,7 +8373,7 @@
         </p:nvCxnSpPr>
         <p:spPr>
           <a:xfrm>
-            <a:off x="2795967" y="2983685"/>
+            <a:off x="2795967" y="3104124"/>
             <a:ext cx="1142143" cy="356318"/>
           </a:xfrm>
           <a:prstGeom prst="bentConnector3">
@@ -8172,7 +8406,7 @@
         </p:nvSpPr>
         <p:spPr>
           <a:xfrm>
-            <a:off x="3807260" y="2977330"/>
+            <a:off x="3807260" y="3097769"/>
             <a:ext cx="4029483" cy="677621"/>
           </a:xfrm>
           <a:prstGeom prst="rect">
@@ -8899,12 +9133,27 @@
           <a:p>
             <a:pPr eaLnBrk="1" hangingPunct="1"/>
             <a:r>
-              <a:rPr lang="de-DE" b="1" dirty="0" err="1" smtClean="0"/>
+              <a:rPr lang="de-DE" sz="1500" b="1" dirty="0" err="1" smtClean="0"/>
               <a:t>Current</a:t>
             </a:r>
             <a:r>
+              <a:rPr lang="de-DE" sz="1500" b="1" dirty="0" smtClean="0"/>
+              <a:t> </a:t>
+            </a:r>
+            <a:r>
+              <a:rPr lang="de-DE" sz="1500" b="1" dirty="0" smtClean="0"/>
+              <a:t>Approach</a:t>
+            </a:r>
+            <a:r>
               <a:rPr lang="de-DE" b="1" dirty="0" smtClean="0"/>
-              <a:t> Approach - Transformation</a:t>
+              <a:t/>
+            </a:r>
+            <a:br>
+              <a:rPr lang="de-DE" b="1" dirty="0" smtClean="0"/>
+            </a:br>
+            <a:r>
+              <a:rPr lang="de-DE" b="1" dirty="0" smtClean="0"/>
+              <a:t>Transformation</a:t>
             </a:r>
             <a:endParaRPr lang="de-DE" b="1" kern="0" dirty="0" smtClean="0"/>
           </a:p>
@@ -9196,16 +9445,31 @@
           <a:p>
             <a:pPr eaLnBrk="1" hangingPunct="1"/>
             <a:r>
+              <a:rPr lang="de-DE" sz="1500" b="1" dirty="0" err="1" smtClean="0"/>
+              <a:t>Current</a:t>
+            </a:r>
+            <a:r>
+              <a:rPr lang="de-DE" sz="1500" b="1" dirty="0" smtClean="0"/>
+              <a:t> </a:t>
+            </a:r>
+            <a:r>
+              <a:rPr lang="de-DE" sz="1500" b="1" dirty="0" smtClean="0"/>
+              <a:t>Approach</a:t>
+            </a:r>
+            <a:r>
+              <a:rPr lang="de-DE" b="1" dirty="0" smtClean="0"/>
+              <a:t/>
+            </a:r>
+            <a:br>
+              <a:rPr lang="de-DE" b="1" dirty="0" smtClean="0"/>
+            </a:br>
+            <a:r>
               <a:rPr lang="de-DE" b="1" dirty="0" err="1" smtClean="0"/>
-              <a:t>Current</a:t>
+              <a:t>Supervised</a:t>
             </a:r>
             <a:r>
               <a:rPr lang="de-DE" b="1" dirty="0" smtClean="0"/>
-              <a:t> Approach - </a:t>
-            </a:r>
-            <a:r>
-              <a:rPr lang="de-DE" b="1" dirty="0" err="1" smtClean="0"/>
-              <a:t>Classification</a:t>
+              <a:t> Learning</a:t>
             </a:r>
             <a:endParaRPr lang="de-DE" b="1" kern="0" dirty="0" smtClean="0"/>
           </a:p>
@@ -9489,75 +9753,25 @@
             </a:r>
             <a:r>
               <a:rPr lang="de-DE" sz="1800" dirty="0" smtClean="0"/>
-              <a:t> all tags</a:t>
+              <a:t> all </a:t>
+            </a:r>
+            <a:r>
+              <a:rPr lang="de-DE" sz="1800" dirty="0" smtClean="0"/>
+              <a:t>tags (</a:t>
+            </a:r>
+            <a:r>
+              <a:rPr lang="de-DE" sz="1800" i="1" dirty="0" err="1" smtClean="0"/>
+              <a:t>One</a:t>
+            </a:r>
+            <a:r>
+              <a:rPr lang="de-DE" sz="1800" i="1" dirty="0" err="1" smtClean="0"/>
+              <a:t>VsRestClassifier</a:t>
+            </a:r>
+            <a:r>
+              <a:rPr lang="de-DE" sz="1800" dirty="0" smtClean="0"/>
+              <a:t>)</a:t>
             </a:r>
             <a:endParaRPr lang="de-DE" sz="1800" i="1" dirty="0" smtClean="0"/>
-          </a:p>
-        </p:txBody>
-      </p:sp>
-      <p:sp>
-        <p:nvSpPr>
-          <p:cNvPr id="11" name="Textfeld 10"/>
-          <p:cNvSpPr txBox="1"/>
-          <p:nvPr/>
-        </p:nvSpPr>
-        <p:spPr>
-          <a:xfrm>
-            <a:off x="787362" y="5232603"/>
-            <a:ext cx="7992630" cy="369332"/>
-          </a:xfrm>
-          <a:prstGeom prst="rect">
-            <a:avLst/>
-          </a:prstGeom>
-          <a:noFill/>
-        </p:spPr>
-        <p:txBody>
-          <a:bodyPr wrap="square" rtlCol="0">
-            <a:spAutoFit/>
-          </a:bodyPr>
-          <a:lstStyle/>
-          <a:p>
-            <a:r>
-              <a:rPr lang="de-DE" sz="1800" b="1" dirty="0" err="1" smtClean="0"/>
-              <a:t>Reason</a:t>
-            </a:r>
-            <a:r>
-              <a:rPr lang="de-DE" sz="1800" b="1" dirty="0" smtClean="0"/>
-              <a:t> </a:t>
-            </a:r>
-            <a:r>
-              <a:rPr lang="de-DE" sz="1800" b="1" dirty="0" err="1" smtClean="0"/>
-              <a:t>for</a:t>
-            </a:r>
-            <a:r>
-              <a:rPr lang="de-DE" sz="1800" b="1" dirty="0" smtClean="0"/>
-              <a:t> </a:t>
-            </a:r>
-            <a:r>
-              <a:rPr lang="de-DE" sz="1800" b="1" dirty="0" err="1" smtClean="0"/>
-              <a:t>choosing</a:t>
-            </a:r>
-            <a:r>
-              <a:rPr lang="de-DE" sz="1800" b="1" dirty="0" smtClean="0"/>
-              <a:t> </a:t>
-            </a:r>
-            <a:r>
-              <a:rPr lang="de-DE" sz="1800" b="1" dirty="0" err="1" smtClean="0"/>
-              <a:t>this</a:t>
-            </a:r>
-            <a:r>
-              <a:rPr lang="de-DE" sz="1800" b="1" dirty="0" smtClean="0"/>
-              <a:t> </a:t>
-            </a:r>
-            <a:r>
-              <a:rPr lang="de-DE" sz="1800" b="1" dirty="0" err="1" smtClean="0"/>
-              <a:t>model</a:t>
-            </a:r>
-            <a:r>
-              <a:rPr lang="de-DE" sz="1800" b="1" dirty="0" smtClean="0"/>
-              <a:t>:</a:t>
-            </a:r>
-            <a:endParaRPr lang="de-DE" sz="1800" b="1" dirty="0"/>
           </a:p>
         </p:txBody>
       </p:sp>
@@ -9787,16 +10001,31 @@
           <a:p>
             <a:pPr eaLnBrk="1" hangingPunct="1"/>
             <a:r>
+              <a:rPr lang="de-DE" sz="1500" b="1" dirty="0" err="1" smtClean="0"/>
+              <a:t>Current</a:t>
+            </a:r>
+            <a:r>
+              <a:rPr lang="de-DE" sz="1500" b="1" dirty="0" smtClean="0"/>
+              <a:t> </a:t>
+            </a:r>
+            <a:r>
+              <a:rPr lang="de-DE" sz="1500" b="1" dirty="0" smtClean="0"/>
+              <a:t>Approach</a:t>
+            </a:r>
+            <a:r>
+              <a:rPr lang="de-DE" b="1" dirty="0" smtClean="0"/>
+              <a:t/>
+            </a:r>
+            <a:br>
+              <a:rPr lang="de-DE" b="1" dirty="0" smtClean="0"/>
+            </a:br>
+            <a:r>
               <a:rPr lang="de-DE" b="1" dirty="0" err="1" smtClean="0"/>
-              <a:t>Current</a:t>
+              <a:t>Unsupervised</a:t>
             </a:r>
             <a:r>
               <a:rPr lang="de-DE" b="1" dirty="0" smtClean="0"/>
-              <a:t> Approach - </a:t>
-            </a:r>
-            <a:r>
-              <a:rPr lang="de-DE" b="1" dirty="0" err="1" smtClean="0"/>
-              <a:t>Classification</a:t>
+              <a:t> Learning</a:t>
             </a:r>
             <a:endParaRPr lang="de-DE" b="1" kern="0" dirty="0" smtClean="0"/>
           </a:p>
@@ -9810,8 +10039,8 @@
         </p:nvSpPr>
         <p:spPr>
           <a:xfrm>
-            <a:off x="733490" y="3229870"/>
-            <a:ext cx="2649324" cy="369332"/>
+            <a:off x="733490" y="1751793"/>
+            <a:ext cx="7805654" cy="4801315"/>
           </a:xfrm>
           <a:prstGeom prst="rect">
             <a:avLst/>
@@ -9824,14 +10053,520 @@
           </a:bodyPr>
           <a:lstStyle/>
           <a:p>
+            <a:pPr marL="285750" indent="-285750">
+              <a:buFont typeface="Arial"/>
+              <a:buChar char="•"/>
+            </a:pPr>
             <a:r>
               <a:rPr lang="de-DE" sz="1800" b="1" dirty="0" smtClean="0"/>
-              <a:t>Motivation:</a:t>
-            </a:r>
-            <a:endParaRPr lang="de-DE" sz="1800" b="1" dirty="0"/>
+              <a:t>Approach:</a:t>
+            </a:r>
+          </a:p>
+          <a:p>
+            <a:pPr marL="742950" lvl="1" indent="-285750">
+              <a:buFont typeface="Arial"/>
+              <a:buChar char="•"/>
+            </a:pPr>
+            <a:r>
+              <a:rPr lang="de-DE" sz="1800" dirty="0"/>
+              <a:t>Cluster </a:t>
+            </a:r>
+            <a:r>
+              <a:rPr lang="de-DE" sz="1800" dirty="0" err="1"/>
+              <a:t>similar</a:t>
+            </a:r>
+            <a:r>
+              <a:rPr lang="de-DE" sz="1800" dirty="0"/>
+              <a:t> </a:t>
+            </a:r>
+            <a:r>
+              <a:rPr lang="de-DE" sz="1800" dirty="0" err="1"/>
+              <a:t>posts</a:t>
+            </a:r>
+            <a:r>
+              <a:rPr lang="de-DE" sz="1800" dirty="0"/>
+              <a:t> </a:t>
+            </a:r>
+            <a:r>
+              <a:rPr lang="de-DE" sz="1800" dirty="0" err="1"/>
+              <a:t>according</a:t>
+            </a:r>
+            <a:r>
+              <a:rPr lang="de-DE" sz="1800" dirty="0"/>
+              <a:t> </a:t>
+            </a:r>
+            <a:r>
+              <a:rPr lang="de-DE" sz="1800" dirty="0" err="1"/>
+              <a:t>to</a:t>
+            </a:r>
+            <a:r>
+              <a:rPr lang="de-DE" sz="1800" dirty="0"/>
+              <a:t> </a:t>
+            </a:r>
+            <a:r>
+              <a:rPr lang="de-DE" sz="1800" dirty="0" err="1"/>
+              <a:t>the</a:t>
+            </a:r>
+            <a:r>
+              <a:rPr lang="de-DE" sz="1800" dirty="0"/>
+              <a:t> </a:t>
+            </a:r>
+            <a:r>
+              <a:rPr lang="de-DE" sz="1800" i="1" dirty="0" err="1"/>
+              <a:t>TFxIDF</a:t>
+            </a:r>
+            <a:r>
+              <a:rPr lang="de-DE" sz="1800" dirty="0"/>
+              <a:t> </a:t>
+            </a:r>
+            <a:r>
+              <a:rPr lang="de-DE" sz="1800" dirty="0" err="1"/>
+              <a:t>matrix</a:t>
+            </a:r>
+            <a:endParaRPr lang="de-DE" sz="1800" dirty="0"/>
+          </a:p>
+          <a:p>
+            <a:pPr marL="742950" lvl="1" indent="-285750">
+              <a:buFont typeface="Arial"/>
+              <a:buChar char="•"/>
+            </a:pPr>
+            <a:r>
+              <a:rPr lang="de-DE" sz="1800" dirty="0" err="1" smtClean="0"/>
+              <a:t>Assign</a:t>
+            </a:r>
+            <a:r>
+              <a:rPr lang="de-DE" sz="1800" dirty="0" smtClean="0"/>
+              <a:t> </a:t>
+            </a:r>
+            <a:r>
+              <a:rPr lang="de-DE" sz="1800" i="1" dirty="0" smtClean="0"/>
+              <a:t>X</a:t>
+            </a:r>
+            <a:r>
+              <a:rPr lang="de-DE" sz="1800" dirty="0" smtClean="0"/>
+              <a:t> </a:t>
+            </a:r>
+            <a:r>
+              <a:rPr lang="de-DE" sz="1800" dirty="0" err="1"/>
+              <a:t>most</a:t>
+            </a:r>
+            <a:r>
+              <a:rPr lang="de-DE" sz="1800" dirty="0"/>
+              <a:t> </a:t>
+            </a:r>
+            <a:r>
+              <a:rPr lang="de-DE" sz="1800" dirty="0" err="1"/>
+              <a:t>frequent</a:t>
+            </a:r>
+            <a:r>
+              <a:rPr lang="de-DE" sz="1800" dirty="0"/>
+              <a:t> tags </a:t>
+            </a:r>
+            <a:r>
+              <a:rPr lang="de-DE" sz="1800" dirty="0" err="1" smtClean="0"/>
+              <a:t>of</a:t>
+            </a:r>
+            <a:r>
+              <a:rPr lang="de-DE" sz="1800" dirty="0" smtClean="0"/>
+              <a:t> </a:t>
+            </a:r>
+            <a:r>
+              <a:rPr lang="de-DE" sz="1800" dirty="0" err="1"/>
+              <a:t>cluster</a:t>
+            </a:r>
+            <a:r>
+              <a:rPr lang="de-DE" sz="1800" dirty="0"/>
+              <a:t> </a:t>
+            </a:r>
+            <a:r>
+              <a:rPr lang="de-DE" sz="1800" dirty="0" err="1" smtClean="0"/>
+              <a:t>to</a:t>
+            </a:r>
+            <a:r>
+              <a:rPr lang="de-DE" sz="1800" dirty="0" smtClean="0"/>
+              <a:t> </a:t>
+            </a:r>
+            <a:r>
+              <a:rPr lang="de-DE" sz="1800" dirty="0" err="1"/>
+              <a:t>new</a:t>
+            </a:r>
+            <a:r>
+              <a:rPr lang="de-DE" sz="1800" dirty="0"/>
+              <a:t> </a:t>
+            </a:r>
+            <a:r>
+              <a:rPr lang="de-DE" sz="1800" dirty="0" err="1"/>
+              <a:t>samples</a:t>
+            </a:r>
+            <a:r>
+              <a:rPr lang="de-DE" sz="1800" dirty="0"/>
+              <a:t> </a:t>
+            </a:r>
+            <a:r>
+              <a:rPr lang="de-DE" sz="1800" dirty="0" err="1" smtClean="0"/>
+              <a:t>of</a:t>
+            </a:r>
+            <a:r>
+              <a:rPr lang="de-DE" sz="1800" dirty="0" smtClean="0"/>
+              <a:t> </a:t>
+            </a:r>
+            <a:r>
+              <a:rPr lang="de-DE" sz="1800" dirty="0" err="1" smtClean="0"/>
+              <a:t>cluster</a:t>
+            </a:r>
+            <a:endParaRPr lang="de-DE" sz="1800" i="1" dirty="0" smtClean="0"/>
+          </a:p>
+          <a:p>
+            <a:pPr lvl="1"/>
+            <a:endParaRPr lang="de-DE" sz="1800" i="1" dirty="0"/>
+          </a:p>
+          <a:p>
+            <a:pPr marL="285750" indent="-285750">
+              <a:buFont typeface="Arial"/>
+              <a:buChar char="•"/>
+            </a:pPr>
+            <a:r>
+              <a:rPr lang="de-DE" sz="1800" b="1" dirty="0" err="1"/>
+              <a:t>k-Means</a:t>
+            </a:r>
+            <a:r>
+              <a:rPr lang="de-DE" sz="1800" b="1" dirty="0"/>
+              <a:t> </a:t>
+            </a:r>
+            <a:r>
+              <a:rPr lang="de-DE" sz="1800" b="1" dirty="0" err="1" smtClean="0"/>
+              <a:t>clustering</a:t>
+            </a:r>
+            <a:endParaRPr lang="de-DE" sz="1800" b="1" dirty="0" smtClean="0"/>
+          </a:p>
+          <a:p>
+            <a:pPr marL="742950" lvl="1" indent="-285750">
+              <a:buFont typeface="Arial"/>
+              <a:buChar char="•"/>
+            </a:pPr>
+            <a:r>
+              <a:rPr lang="de-DE" sz="1800" dirty="0" err="1"/>
+              <a:t>Init</a:t>
+            </a:r>
+            <a:r>
+              <a:rPr lang="de-DE" sz="1800" dirty="0"/>
+              <a:t> </a:t>
+            </a:r>
+            <a:r>
+              <a:rPr lang="de-DE" sz="1800" i="1" dirty="0" err="1"/>
+              <a:t>k</a:t>
+            </a:r>
+            <a:r>
+              <a:rPr lang="de-DE" sz="1800" dirty="0"/>
+              <a:t> </a:t>
+            </a:r>
+            <a:r>
+              <a:rPr lang="de-DE" sz="1800" dirty="0" err="1" smtClean="0"/>
+              <a:t>centroids</a:t>
+            </a:r>
+            <a:endParaRPr lang="de-DE" sz="1800" dirty="0" smtClean="0"/>
+          </a:p>
+          <a:p>
+            <a:pPr marL="742950" lvl="1" indent="-285750">
+              <a:buFont typeface="Arial"/>
+              <a:buChar char="•"/>
+            </a:pPr>
+            <a:r>
+              <a:rPr lang="de-DE" sz="1800" dirty="0" err="1" smtClean="0"/>
+              <a:t>Assign</a:t>
+            </a:r>
+            <a:r>
+              <a:rPr lang="de-DE" sz="1800" dirty="0" smtClean="0"/>
+              <a:t> </a:t>
+            </a:r>
+            <a:r>
+              <a:rPr lang="de-DE" sz="1800" dirty="0" err="1" smtClean="0"/>
+              <a:t>each</a:t>
+            </a:r>
+            <a:r>
+              <a:rPr lang="de-DE" sz="1800" dirty="0" smtClean="0"/>
+              <a:t> </a:t>
+            </a:r>
+            <a:r>
+              <a:rPr lang="de-DE" sz="1800" dirty="0" err="1" smtClean="0"/>
+              <a:t>post</a:t>
+            </a:r>
+            <a:r>
+              <a:rPr lang="de-DE" sz="1800" dirty="0" smtClean="0"/>
+              <a:t> </a:t>
+            </a:r>
+            <a:r>
+              <a:rPr lang="de-DE" sz="1800" dirty="0" err="1" smtClean="0"/>
+              <a:t>to</a:t>
+            </a:r>
+            <a:r>
+              <a:rPr lang="de-DE" sz="1800" dirty="0" smtClean="0"/>
+              <a:t> </a:t>
+            </a:r>
+            <a:r>
+              <a:rPr lang="de-DE" sz="1800" dirty="0" err="1" smtClean="0"/>
+              <a:t>closest</a:t>
+            </a:r>
+            <a:r>
+              <a:rPr lang="de-DE" sz="1800" dirty="0" smtClean="0"/>
+              <a:t> </a:t>
+            </a:r>
+            <a:r>
+              <a:rPr lang="de-DE" sz="1800" dirty="0" err="1" smtClean="0"/>
+              <a:t>centroid</a:t>
+            </a:r>
+            <a:endParaRPr lang="de-DE" sz="1800" dirty="0" smtClean="0"/>
+          </a:p>
+          <a:p>
+            <a:pPr marL="742950" lvl="1" indent="-285750">
+              <a:buFont typeface="Arial"/>
+              <a:buChar char="•"/>
+            </a:pPr>
+            <a:r>
+              <a:rPr lang="de-DE" sz="1800" dirty="0" smtClean="0"/>
+              <a:t>Update </a:t>
+            </a:r>
+            <a:r>
+              <a:rPr lang="de-DE" sz="1800" dirty="0" err="1" smtClean="0"/>
+              <a:t>centroids</a:t>
+            </a:r>
+            <a:r>
+              <a:rPr lang="de-DE" sz="1800" dirty="0" smtClean="0"/>
+              <a:t> </a:t>
+            </a:r>
+            <a:r>
+              <a:rPr lang="de-DE" sz="1800" dirty="0" err="1" smtClean="0"/>
+              <a:t>and</a:t>
+            </a:r>
+            <a:r>
+              <a:rPr lang="de-DE" sz="1800" dirty="0" smtClean="0"/>
+              <a:t> </a:t>
+            </a:r>
+          </a:p>
+          <a:p>
+            <a:pPr marL="742950" lvl="1" indent="-285750">
+              <a:buFont typeface="Arial"/>
+              <a:buChar char="•"/>
+            </a:pPr>
+            <a:r>
+              <a:rPr lang="de-DE" sz="1800" dirty="0"/>
+              <a:t>R</a:t>
+            </a:r>
+            <a:r>
+              <a:rPr lang="de-DE" sz="1800" dirty="0" smtClean="0"/>
+              <a:t>epeat </a:t>
+            </a:r>
+            <a:r>
+              <a:rPr lang="de-DE" sz="1800" dirty="0" err="1" smtClean="0"/>
+              <a:t>until</a:t>
+            </a:r>
+            <a:r>
+              <a:rPr lang="de-DE" sz="1800" dirty="0" smtClean="0"/>
+              <a:t> </a:t>
+            </a:r>
+            <a:r>
+              <a:rPr lang="de-DE" sz="1800" dirty="0" err="1" smtClean="0"/>
+              <a:t>convergence</a:t>
+            </a:r>
+            <a:endParaRPr lang="de-DE" sz="1800" dirty="0" smtClean="0"/>
+          </a:p>
+          <a:p>
+            <a:pPr marL="742950" lvl="1" indent="-285750">
+              <a:buFont typeface="Arial"/>
+              <a:buChar char="•"/>
+            </a:pPr>
+            <a:endParaRPr lang="de-DE" sz="1800" dirty="0" smtClean="0"/>
+          </a:p>
+          <a:p>
+            <a:pPr marL="285750" indent="-285750">
+              <a:buFont typeface="Arial"/>
+              <a:buChar char="•"/>
+            </a:pPr>
+            <a:r>
+              <a:rPr lang="de-DE" sz="1800" b="1" dirty="0" smtClean="0"/>
+              <a:t>Implementation </a:t>
+            </a:r>
+            <a:r>
+              <a:rPr lang="de-DE" sz="1800" b="1" dirty="0" err="1" smtClean="0"/>
+              <a:t>and</a:t>
+            </a:r>
+            <a:r>
+              <a:rPr lang="de-DE" sz="1800" b="1" dirty="0" smtClean="0"/>
+              <a:t> Parameters</a:t>
+            </a:r>
+            <a:r>
+              <a:rPr lang="de-DE" sz="1800" dirty="0" smtClean="0"/>
+              <a:t>:</a:t>
+            </a:r>
+          </a:p>
+          <a:p>
+            <a:pPr marL="742950" lvl="1" indent="-285750">
+              <a:buFont typeface="Arial"/>
+              <a:buChar char="•"/>
+            </a:pPr>
+            <a:r>
+              <a:rPr lang="de-DE" sz="1800" i="1" dirty="0" err="1" smtClean="0"/>
+              <a:t>sklearn.cluster.Kmeans</a:t>
+            </a:r>
+            <a:endParaRPr lang="de-DE" sz="1800" i="1" dirty="0" smtClean="0"/>
+          </a:p>
+          <a:p>
+            <a:pPr marL="742950" lvl="1" indent="-285750">
+              <a:buFont typeface="Arial"/>
+              <a:buChar char="•"/>
+            </a:pPr>
+            <a:r>
+              <a:rPr lang="de-DE" sz="1800" u="sng" dirty="0" err="1" smtClean="0"/>
+              <a:t>Number</a:t>
+            </a:r>
+            <a:r>
+              <a:rPr lang="de-DE" sz="1800" u="sng" dirty="0" smtClean="0"/>
+              <a:t> </a:t>
+            </a:r>
+            <a:r>
+              <a:rPr lang="de-DE" sz="1800" u="sng" dirty="0" err="1" smtClean="0"/>
+              <a:t>of</a:t>
+            </a:r>
+            <a:r>
+              <a:rPr lang="de-DE" sz="1800" u="sng" dirty="0" smtClean="0"/>
+              <a:t> </a:t>
+            </a:r>
+            <a:r>
+              <a:rPr lang="de-DE" sz="1800" u="sng" dirty="0" err="1" smtClean="0"/>
+              <a:t>clusters</a:t>
+            </a:r>
+            <a:r>
+              <a:rPr lang="de-DE" sz="1800" dirty="0" smtClean="0"/>
+              <a:t>: </a:t>
+            </a:r>
+            <a:r>
+              <a:rPr lang="de-DE" sz="1800" dirty="0" smtClean="0"/>
+              <a:t>~ #tags</a:t>
+            </a:r>
+            <a:endParaRPr lang="de-DE" sz="1800" dirty="0" smtClean="0"/>
+          </a:p>
+          <a:p>
+            <a:pPr marL="742950" lvl="1" indent="-285750">
+              <a:buFont typeface="Arial"/>
+              <a:buChar char="•"/>
+            </a:pPr>
+            <a:r>
+              <a:rPr lang="de-DE" sz="1800" u="sng" dirty="0" err="1" smtClean="0"/>
+              <a:t>Initialization</a:t>
+            </a:r>
+            <a:r>
+              <a:rPr lang="de-DE" sz="1800" dirty="0" smtClean="0"/>
+              <a:t>: </a:t>
+            </a:r>
+            <a:r>
+              <a:rPr lang="de-DE" sz="1800" i="1" dirty="0" err="1" smtClean="0"/>
+              <a:t>k</a:t>
+            </a:r>
+            <a:r>
+              <a:rPr lang="de-DE" sz="1800" i="1" dirty="0" err="1"/>
+              <a:t>-means</a:t>
+            </a:r>
+            <a:r>
+              <a:rPr lang="de-DE" sz="1800" i="1" dirty="0"/>
+              <a:t>++</a:t>
+            </a:r>
+            <a:r>
+              <a:rPr lang="de-DE" sz="1800" dirty="0"/>
+              <a:t> </a:t>
+            </a:r>
+            <a:r>
+              <a:rPr lang="de-DE" sz="1800" dirty="0" err="1"/>
+              <a:t>to</a:t>
+            </a:r>
+            <a:r>
+              <a:rPr lang="de-DE" sz="1800" dirty="0"/>
+              <a:t> </a:t>
+            </a:r>
+            <a:r>
+              <a:rPr lang="de-DE" sz="1800" dirty="0" err="1"/>
+              <a:t>speed</a:t>
+            </a:r>
+            <a:r>
+              <a:rPr lang="de-DE" sz="1800" dirty="0"/>
+              <a:t> </a:t>
+            </a:r>
+            <a:r>
+              <a:rPr lang="de-DE" sz="1800" dirty="0" err="1"/>
+              <a:t>up</a:t>
+            </a:r>
+            <a:r>
+              <a:rPr lang="de-DE" sz="1800" dirty="0"/>
+              <a:t> </a:t>
+            </a:r>
+            <a:r>
+              <a:rPr lang="de-DE" sz="1800" dirty="0" err="1" smtClean="0"/>
+              <a:t>convergence</a:t>
+            </a:r>
+            <a:endParaRPr lang="de-DE" sz="1800" dirty="0" smtClean="0"/>
+          </a:p>
+          <a:p>
+            <a:pPr marL="742950" lvl="1" indent="-285750">
+              <a:buFont typeface="Arial"/>
+              <a:buChar char="•"/>
+            </a:pPr>
+            <a:r>
+              <a:rPr lang="de-DE" sz="1800" u="sng" dirty="0" err="1" smtClean="0"/>
+              <a:t>Distance</a:t>
+            </a:r>
+            <a:r>
+              <a:rPr lang="de-DE" sz="1800" dirty="0" smtClean="0"/>
+              <a:t>: </a:t>
+            </a:r>
+            <a:r>
+              <a:rPr lang="de-DE" sz="1800" dirty="0" err="1" smtClean="0"/>
+              <a:t>Euclidean</a:t>
+            </a:r>
+            <a:r>
+              <a:rPr lang="de-DE" sz="1800" dirty="0" smtClean="0"/>
+              <a:t> </a:t>
+            </a:r>
+            <a:r>
+              <a:rPr lang="de-DE" sz="1800" dirty="0" err="1" smtClean="0"/>
+              <a:t>distance</a:t>
+            </a:r>
+            <a:endParaRPr lang="de-DE" sz="1800" dirty="0" smtClean="0"/>
+          </a:p>
+          <a:p>
+            <a:pPr lvl="1"/>
+            <a:endParaRPr lang="de-DE" sz="1800" i="1" dirty="0" smtClean="0"/>
+          </a:p>
+          <a:p>
+            <a:pPr marL="742950" lvl="1" indent="-285750">
+              <a:buFont typeface="Arial"/>
+              <a:buChar char="•"/>
+            </a:pPr>
+            <a:endParaRPr lang="de-DE" sz="1800" i="1" dirty="0"/>
           </a:p>
         </p:txBody>
       </p:sp>
+      <p:pic>
+        <p:nvPicPr>
+          <p:cNvPr id="2" name="Bild 1"/>
+          <p:cNvPicPr>
+            <a:picLocks noChangeAspect="1"/>
+          </p:cNvPicPr>
+          <p:nvPr/>
+        </p:nvPicPr>
+        <p:blipFill rotWithShape="1">
+          <a:blip r:embed="rId3"/>
+          <a:srcRect l="7582" t="4975" r="4694" b="7006"/>
+          <a:stretch/>
+        </p:blipFill>
+        <p:spPr>
+          <a:xfrm>
+            <a:off x="5647773" y="2923305"/>
+            <a:ext cx="3115661" cy="2485359"/>
+          </a:xfrm>
+          <a:prstGeom prst="rect">
+            <a:avLst/>
+          </a:prstGeom>
+        </p:spPr>
+      </p:pic>
     </p:spTree>
     <p:extLst>
       <p:ext uri="{BB962C8B-B14F-4D97-AF65-F5344CB8AC3E}">
@@ -9871,7 +10606,7 @@
       </p:grpSpPr>
       <p:sp>
         <p:nvSpPr>
-          <p:cNvPr id="3" name="Rectangle 2"/>
+          <p:cNvPr id="8" name="Rectangle 2"/>
           <p:cNvSpPr txBox="1">
             <a:spLocks noChangeArrowheads="1"/>
           </p:cNvSpPr>
@@ -10058,23 +10793,490 @@
           <a:p>
             <a:pPr eaLnBrk="1" hangingPunct="1"/>
             <a:r>
+              <a:rPr lang="de-DE" sz="1500" b="1" dirty="0" err="1" smtClean="0"/>
+              <a:t>Current</a:t>
+            </a:r>
+            <a:r>
+              <a:rPr lang="de-DE" sz="1500" b="1" dirty="0" smtClean="0"/>
+              <a:t> </a:t>
+            </a:r>
+            <a:r>
+              <a:rPr lang="de-DE" sz="1500" b="1" dirty="0" smtClean="0"/>
+              <a:t>Approach</a:t>
+            </a:r>
+            <a:r>
               <a:rPr lang="de-DE" b="1" dirty="0" smtClean="0"/>
-              <a:t>Top 10 Tags</a:t>
+              <a:t/>
+            </a:r>
+            <a:br>
+              <a:rPr lang="de-DE" b="1" dirty="0" smtClean="0"/>
+            </a:br>
+            <a:r>
+              <a:rPr lang="de-DE" b="1" dirty="0" err="1" smtClean="0"/>
+              <a:t>Unsupervised</a:t>
+            </a:r>
+            <a:r>
+              <a:rPr lang="de-DE" b="1" dirty="0" smtClean="0"/>
+              <a:t> Learning</a:t>
             </a:r>
             <a:endParaRPr lang="de-DE" b="1" kern="0" dirty="0" smtClean="0"/>
+          </a:p>
+        </p:txBody>
+      </p:sp>
+      <p:sp>
+        <p:nvSpPr>
+          <p:cNvPr id="5" name="Textfeld 4"/>
+          <p:cNvSpPr txBox="1"/>
+          <p:nvPr/>
+        </p:nvSpPr>
+        <p:spPr>
+          <a:xfrm>
+            <a:off x="733490" y="2156906"/>
+            <a:ext cx="7805654" cy="3693319"/>
+          </a:xfrm>
+          <a:prstGeom prst="rect">
+            <a:avLst/>
+          </a:prstGeom>
+          <a:noFill/>
+        </p:spPr>
+        <p:txBody>
+          <a:bodyPr wrap="square" rtlCol="0">
+            <a:spAutoFit/>
+          </a:bodyPr>
+          <a:lstStyle/>
+          <a:p>
+            <a:pPr marL="285750" indent="-285750">
+              <a:buFont typeface="Arial"/>
+              <a:buChar char="•"/>
+            </a:pPr>
+            <a:r>
+              <a:rPr lang="de-DE" sz="1800" b="1" dirty="0" err="1" smtClean="0"/>
+              <a:t>Hierarchical</a:t>
+            </a:r>
+            <a:r>
+              <a:rPr lang="de-DE" sz="1800" b="1" dirty="0" smtClean="0"/>
+              <a:t> </a:t>
+            </a:r>
+            <a:r>
+              <a:rPr lang="de-DE" sz="1800" b="1" dirty="0" err="1"/>
+              <a:t>Agglomerative</a:t>
+            </a:r>
+            <a:r>
+              <a:rPr lang="de-DE" sz="1800" b="1" dirty="0"/>
+              <a:t> Clustering (HAC</a:t>
+            </a:r>
+            <a:r>
+              <a:rPr lang="de-DE" sz="1800" b="1" dirty="0" smtClean="0"/>
+              <a:t>)</a:t>
+            </a:r>
+            <a:br>
+              <a:rPr lang="de-DE" sz="1800" b="1" dirty="0" smtClean="0"/>
+            </a:br>
+            <a:endParaRPr lang="de-DE" sz="1800" b="1" dirty="0"/>
+          </a:p>
+          <a:p>
+            <a:pPr marL="742950" lvl="1" indent="-285750">
+              <a:buFont typeface="Arial"/>
+              <a:buChar char="•"/>
+            </a:pPr>
+            <a:r>
+              <a:rPr lang="de-DE" sz="1800" dirty="0" smtClean="0"/>
+              <a:t>Start </a:t>
+            </a:r>
+            <a:r>
+              <a:rPr lang="de-DE" sz="1800" dirty="0" err="1" smtClean="0"/>
+              <a:t>with</a:t>
+            </a:r>
+            <a:r>
+              <a:rPr lang="de-DE" sz="1800" dirty="0" smtClean="0"/>
+              <a:t> </a:t>
+            </a:r>
+            <a:r>
+              <a:rPr lang="de-DE" sz="1800" dirty="0" err="1" smtClean="0"/>
+              <a:t>each</a:t>
+            </a:r>
+            <a:r>
+              <a:rPr lang="de-DE" sz="1800" dirty="0" smtClean="0"/>
+              <a:t> </a:t>
+            </a:r>
+            <a:r>
+              <a:rPr lang="de-DE" sz="1800" dirty="0" err="1" smtClean="0"/>
+              <a:t>post</a:t>
+            </a:r>
+            <a:r>
+              <a:rPr lang="de-DE" sz="1800" dirty="0" smtClean="0"/>
+              <a:t> </a:t>
+            </a:r>
+            <a:r>
+              <a:rPr lang="de-DE" sz="1800" dirty="0" err="1" smtClean="0"/>
+              <a:t>as</a:t>
+            </a:r>
+            <a:r>
+              <a:rPr lang="de-DE" sz="1800" dirty="0" smtClean="0"/>
+              <a:t> </a:t>
+            </a:r>
+            <a:r>
+              <a:rPr lang="de-DE" sz="1800" dirty="0" err="1" smtClean="0"/>
+              <a:t>single</a:t>
+            </a:r>
+            <a:r>
+              <a:rPr lang="de-DE" sz="1800" dirty="0" smtClean="0"/>
+              <a:t> </a:t>
+            </a:r>
+            <a:r>
+              <a:rPr lang="de-DE" sz="1800" dirty="0" err="1" smtClean="0"/>
+              <a:t>cluster</a:t>
+            </a:r>
+            <a:endParaRPr lang="de-DE" sz="1800" dirty="0" smtClean="0"/>
+          </a:p>
+          <a:p>
+            <a:pPr marL="742950" lvl="1" indent="-285750">
+              <a:buFont typeface="Arial"/>
+              <a:buChar char="•"/>
+            </a:pPr>
+            <a:r>
+              <a:rPr lang="de-DE" sz="1800" dirty="0" err="1" smtClean="0"/>
+              <a:t>Merge</a:t>
+            </a:r>
+            <a:r>
+              <a:rPr lang="de-DE" sz="1800" dirty="0" smtClean="0"/>
+              <a:t> pair </a:t>
+            </a:r>
+            <a:r>
+              <a:rPr lang="de-DE" sz="1800" dirty="0" err="1" smtClean="0"/>
+              <a:t>of</a:t>
+            </a:r>
+            <a:r>
+              <a:rPr lang="de-DE" sz="1800" dirty="0" smtClean="0"/>
+              <a:t> </a:t>
+            </a:r>
+            <a:r>
+              <a:rPr lang="de-DE" sz="1800" dirty="0" err="1" smtClean="0"/>
+              <a:t>clusters</a:t>
+            </a:r>
+            <a:r>
+              <a:rPr lang="de-DE" sz="1800" dirty="0" smtClean="0"/>
+              <a:t> </a:t>
+            </a:r>
+            <a:r>
+              <a:rPr lang="de-DE" sz="1800" dirty="0" err="1" smtClean="0"/>
+              <a:t>with</a:t>
+            </a:r>
+            <a:r>
+              <a:rPr lang="de-DE" sz="1800" dirty="0" smtClean="0"/>
+              <a:t> </a:t>
+            </a:r>
+            <a:r>
+              <a:rPr lang="de-DE" sz="1800" dirty="0" err="1" smtClean="0"/>
+              <a:t>lowest</a:t>
+            </a:r>
+            <a:r>
+              <a:rPr lang="de-DE" sz="1800" dirty="0" smtClean="0"/>
+              <a:t> </a:t>
+            </a:r>
+            <a:r>
+              <a:rPr lang="de-DE" sz="1800" dirty="0" err="1" smtClean="0"/>
+              <a:t>distance</a:t>
+            </a:r>
+            <a:endParaRPr lang="de-DE" sz="1800" dirty="0" smtClean="0"/>
+          </a:p>
+          <a:p>
+            <a:pPr marL="742950" lvl="1" indent="-285750">
+              <a:buFont typeface="Arial"/>
+              <a:buChar char="•"/>
+            </a:pPr>
+            <a:r>
+              <a:rPr lang="de-DE" sz="1800" dirty="0"/>
+              <a:t>Update </a:t>
+            </a:r>
+            <a:r>
+              <a:rPr lang="de-DE" sz="1800" dirty="0" err="1"/>
+              <a:t>distance</a:t>
+            </a:r>
+            <a:r>
+              <a:rPr lang="de-DE" sz="1800" dirty="0"/>
+              <a:t> </a:t>
+            </a:r>
+            <a:r>
+              <a:rPr lang="de-DE" sz="1800" dirty="0" err="1"/>
+              <a:t>matrix</a:t>
+            </a:r>
+            <a:r>
+              <a:rPr lang="de-DE" sz="1800" dirty="0"/>
+              <a:t> </a:t>
+            </a:r>
+            <a:r>
+              <a:rPr lang="de-DE" sz="1800" dirty="0" err="1"/>
+              <a:t>and</a:t>
+            </a:r>
+            <a:r>
+              <a:rPr lang="de-DE" sz="1800" dirty="0"/>
+              <a:t> </a:t>
+            </a:r>
+            <a:r>
+              <a:rPr lang="de-DE" sz="1800" dirty="0" err="1" smtClean="0"/>
+              <a:t>repeat</a:t>
+            </a:r>
+            <a:r>
+              <a:rPr lang="de-DE" sz="1800" dirty="0" smtClean="0"/>
+              <a:t> </a:t>
+            </a:r>
+            <a:r>
+              <a:rPr lang="de-DE" sz="1800" dirty="0" err="1" smtClean="0"/>
+              <a:t>until</a:t>
+            </a:r>
+            <a:r>
+              <a:rPr lang="de-DE" sz="1800" dirty="0" smtClean="0"/>
+              <a:t> </a:t>
+            </a:r>
+            <a:r>
+              <a:rPr lang="de-DE" sz="1800" dirty="0" err="1" smtClean="0"/>
+              <a:t>stop</a:t>
+            </a:r>
+            <a:r>
+              <a:rPr lang="de-DE" sz="1800" dirty="0" smtClean="0"/>
+              <a:t> </a:t>
+            </a:r>
+            <a:r>
+              <a:rPr lang="de-DE" sz="1800" dirty="0" err="1" smtClean="0"/>
+              <a:t>criterion</a:t>
+            </a:r>
+            <a:endParaRPr lang="de-DE" sz="1800" dirty="0" smtClean="0"/>
+          </a:p>
+          <a:p>
+            <a:pPr lvl="1"/>
+            <a:endParaRPr lang="de-DE" sz="1800" dirty="0" smtClean="0"/>
+          </a:p>
+          <a:p>
+            <a:pPr marL="742950" lvl="1" indent="-285750">
+              <a:buFont typeface="Arial"/>
+              <a:buChar char="•"/>
+            </a:pPr>
+            <a:endParaRPr lang="de-DE" sz="1800" dirty="0" smtClean="0"/>
+          </a:p>
+          <a:p>
+            <a:pPr marL="285750" indent="-285750">
+              <a:buFont typeface="Arial"/>
+              <a:buChar char="•"/>
+            </a:pPr>
+            <a:r>
+              <a:rPr lang="de-DE" sz="1800" b="1" dirty="0" smtClean="0"/>
+              <a:t>Implementation </a:t>
+            </a:r>
+            <a:r>
+              <a:rPr lang="de-DE" sz="1800" b="1" dirty="0" err="1" smtClean="0"/>
+              <a:t>and</a:t>
+            </a:r>
+            <a:r>
+              <a:rPr lang="de-DE" sz="1800" b="1" dirty="0" smtClean="0"/>
+              <a:t> </a:t>
+            </a:r>
+            <a:r>
+              <a:rPr lang="de-DE" sz="1800" b="1" dirty="0"/>
+              <a:t>P</a:t>
+            </a:r>
+            <a:r>
+              <a:rPr lang="de-DE" sz="1800" b="1" dirty="0" smtClean="0"/>
+              <a:t>arameters</a:t>
+            </a:r>
+            <a:r>
+              <a:rPr lang="de-DE" sz="1800" dirty="0" smtClean="0"/>
+              <a:t>:</a:t>
+            </a:r>
+            <a:br>
+              <a:rPr lang="de-DE" sz="1800" dirty="0" smtClean="0"/>
+            </a:br>
+            <a:endParaRPr lang="de-DE" sz="1800" dirty="0" smtClean="0"/>
+          </a:p>
+          <a:p>
+            <a:pPr marL="742950" lvl="1" indent="-285750">
+              <a:buFont typeface="Arial"/>
+              <a:buChar char="•"/>
+            </a:pPr>
+            <a:r>
+              <a:rPr lang="de-DE" sz="1800" i="1" dirty="0" err="1" smtClean="0"/>
+              <a:t>sklearn.cluster.AgglomerativeClustering</a:t>
+            </a:r>
+            <a:endParaRPr lang="de-DE" sz="1800" i="1" dirty="0" smtClean="0"/>
+          </a:p>
+          <a:p>
+            <a:pPr marL="742950" lvl="1" indent="-285750">
+              <a:buFont typeface="Arial"/>
+              <a:buChar char="•"/>
+            </a:pPr>
+            <a:r>
+              <a:rPr lang="de-DE" sz="1800" u="sng" dirty="0" err="1" smtClean="0"/>
+              <a:t>Linkage</a:t>
+            </a:r>
+            <a:r>
+              <a:rPr lang="de-DE" sz="1800" dirty="0" smtClean="0"/>
+              <a:t> (</a:t>
+            </a:r>
+            <a:r>
+              <a:rPr lang="de-DE" sz="1800" dirty="0" err="1" smtClean="0"/>
+              <a:t>distance</a:t>
+            </a:r>
+            <a:r>
+              <a:rPr lang="de-DE" sz="1800" dirty="0" smtClean="0"/>
+              <a:t> </a:t>
+            </a:r>
+            <a:r>
+              <a:rPr lang="de-DE" sz="1800" dirty="0" err="1" smtClean="0"/>
+              <a:t>measure</a:t>
+            </a:r>
+            <a:r>
+              <a:rPr lang="de-DE" sz="1800" dirty="0" smtClean="0"/>
+              <a:t>): </a:t>
+            </a:r>
+            <a:r>
+              <a:rPr lang="de-DE" sz="1800" i="1" dirty="0" smtClean="0"/>
+              <a:t>Ward </a:t>
+            </a:r>
+            <a:r>
+              <a:rPr lang="de-DE" sz="1800" i="1" dirty="0" err="1" smtClean="0"/>
+              <a:t>criterion</a:t>
+            </a:r>
+            <a:r>
+              <a:rPr lang="de-DE" sz="1800" i="1" dirty="0" smtClean="0"/>
+              <a:t> </a:t>
+            </a:r>
+            <a:r>
+              <a:rPr lang="de-DE" sz="1800" dirty="0" smtClean="0"/>
+              <a:t>(</a:t>
+            </a:r>
+            <a:r>
+              <a:rPr lang="de-DE" sz="1800" dirty="0" err="1" smtClean="0"/>
+              <a:t>minimum</a:t>
+            </a:r>
+            <a:r>
+              <a:rPr lang="de-DE" sz="1800" dirty="0" smtClean="0"/>
+              <a:t> </a:t>
+            </a:r>
+            <a:r>
+              <a:rPr lang="de-DE" sz="1800" dirty="0" err="1" smtClean="0"/>
+              <a:t>variance</a:t>
+            </a:r>
+            <a:r>
+              <a:rPr lang="de-DE" sz="1800" dirty="0" smtClean="0"/>
+              <a:t>)</a:t>
+            </a:r>
+          </a:p>
+          <a:p>
+            <a:pPr marL="742950" lvl="1" indent="-285750">
+              <a:buFont typeface="Arial"/>
+              <a:buChar char="•"/>
+            </a:pPr>
+            <a:r>
+              <a:rPr lang="de-DE" sz="1800" u="sng" dirty="0" err="1" smtClean="0"/>
+              <a:t>Distance</a:t>
+            </a:r>
+            <a:r>
+              <a:rPr lang="de-DE" sz="1800" dirty="0" smtClean="0"/>
+              <a:t>: </a:t>
+            </a:r>
+            <a:r>
+              <a:rPr lang="de-DE" sz="1800" i="1" dirty="0" err="1" smtClean="0"/>
+              <a:t>Euclidean</a:t>
+            </a:r>
+            <a:r>
+              <a:rPr lang="de-DE" sz="1800" dirty="0" smtClean="0"/>
+              <a:t> (</a:t>
+            </a:r>
+            <a:r>
+              <a:rPr lang="de-DE" sz="1800" dirty="0" err="1" smtClean="0"/>
+              <a:t>to</a:t>
+            </a:r>
+            <a:r>
+              <a:rPr lang="de-DE" sz="1800" dirty="0" smtClean="0"/>
+              <a:t> </a:t>
+            </a:r>
+            <a:r>
+              <a:rPr lang="de-DE" sz="1800" dirty="0" err="1" smtClean="0"/>
+              <a:t>compute</a:t>
+            </a:r>
+            <a:r>
+              <a:rPr lang="de-DE" sz="1800" dirty="0" smtClean="0"/>
+              <a:t> </a:t>
+            </a:r>
+            <a:r>
+              <a:rPr lang="de-DE" sz="1800" dirty="0" err="1" smtClean="0"/>
+              <a:t>linkage</a:t>
+            </a:r>
+            <a:r>
+              <a:rPr lang="de-DE" sz="1800" dirty="0" smtClean="0"/>
+              <a:t>)</a:t>
+            </a:r>
+          </a:p>
+          <a:p>
+            <a:pPr marL="742950" lvl="1" indent="-285750">
+              <a:buFont typeface="Arial"/>
+              <a:buChar char="•"/>
+            </a:pPr>
+            <a:r>
+              <a:rPr lang="de-DE" sz="1800" u="sng" dirty="0" err="1" smtClean="0"/>
+              <a:t>Stop</a:t>
+            </a:r>
+            <a:r>
+              <a:rPr lang="de-DE" sz="1800" u="sng" dirty="0" smtClean="0"/>
+              <a:t> </a:t>
+            </a:r>
+            <a:r>
+              <a:rPr lang="de-DE" sz="1800" u="sng" dirty="0" err="1" smtClean="0"/>
+              <a:t>criterion</a:t>
+            </a:r>
+            <a:r>
+              <a:rPr lang="de-DE" sz="1800" dirty="0" smtClean="0"/>
+              <a:t>: </a:t>
+            </a:r>
+            <a:r>
+              <a:rPr lang="de-DE" sz="1800" dirty="0" err="1" smtClean="0"/>
+              <a:t>number</a:t>
+            </a:r>
+            <a:r>
+              <a:rPr lang="de-DE" sz="1800" dirty="0" smtClean="0"/>
+              <a:t> </a:t>
+            </a:r>
+            <a:r>
+              <a:rPr lang="de-DE" sz="1800" dirty="0" err="1" smtClean="0"/>
+              <a:t>of</a:t>
+            </a:r>
+            <a:r>
+              <a:rPr lang="de-DE" sz="1800" dirty="0" smtClean="0"/>
+              <a:t> </a:t>
+            </a:r>
+            <a:r>
+              <a:rPr lang="de-DE" sz="1800" dirty="0" err="1" smtClean="0"/>
+              <a:t>clusters</a:t>
+            </a:r>
+            <a:r>
+              <a:rPr lang="de-DE" sz="1800" dirty="0" smtClean="0"/>
+              <a:t> (</a:t>
+            </a:r>
+            <a:r>
+              <a:rPr lang="de-DE" sz="1800" dirty="0" smtClean="0"/>
+              <a:t>~ #tags)</a:t>
+            </a:r>
+            <a:endParaRPr lang="de-DE" sz="1800" dirty="0"/>
           </a:p>
         </p:txBody>
       </p:sp>
     </p:spTree>
     <p:extLst>
       <p:ext uri="{BB962C8B-B14F-4D97-AF65-F5344CB8AC3E}">
-        <p14:creationId xmlns:p14="http://schemas.microsoft.com/office/powerpoint/2010/main" val="1713164235"/>
+        <p14:creationId xmlns:p14="http://schemas.microsoft.com/office/powerpoint/2010/main" val="3725130415"/>
       </p:ext>
     </p:extLst>
   </p:cSld>
   <p:clrMapOvr>
     <a:masterClrMapping/>
   </p:clrMapOvr>
+  <p:timing>
+    <p:tnLst>
+      <p:par>
+        <p:cTn xmlns:p14="http://schemas.microsoft.com/office/powerpoint/2010/main" id="1" dur="indefinite" restart="never" nodeType="tmRoot"/>
+      </p:par>
+    </p:tnLst>
+  </p:timing>
 </p:sld>
 </file>
 
@@ -10097,7 +11299,7 @@
       </p:grpSpPr>
       <p:sp>
         <p:nvSpPr>
-          <p:cNvPr id="4" name="Rectangle 2"/>
+          <p:cNvPr id="8" name="Rectangle 2"/>
           <p:cNvSpPr txBox="1">
             <a:spLocks noChangeArrowheads="1"/>
           </p:cNvSpPr>
@@ -10284,25 +11486,479 @@
           <a:p>
             <a:pPr eaLnBrk="1" hangingPunct="1"/>
             <a:r>
-              <a:rPr lang="de-DE" b="1" dirty="0" err="1" smtClean="0"/>
-              <a:t>Cumulative</a:t>
-            </a:r>
-            <a:r>
               <a:rPr lang="de-DE" b="1" dirty="0" smtClean="0"/>
-              <a:t> Tag </a:t>
-            </a:r>
-            <a:r>
-              <a:rPr lang="de-DE" b="1" dirty="0" err="1" smtClean="0"/>
-              <a:t>Frequency</a:t>
+              <a:t>Evaluation</a:t>
             </a:r>
             <a:endParaRPr lang="de-DE" b="1" kern="0" dirty="0" smtClean="0"/>
+          </a:p>
+        </p:txBody>
+      </p:sp>
+      <p:sp>
+        <p:nvSpPr>
+          <p:cNvPr id="5" name="Textfeld 4"/>
+          <p:cNvSpPr txBox="1"/>
+          <p:nvPr/>
+        </p:nvSpPr>
+        <p:spPr>
+          <a:xfrm>
+            <a:off x="733490" y="2156906"/>
+            <a:ext cx="7805654" cy="3139321"/>
+          </a:xfrm>
+          <a:prstGeom prst="rect">
+            <a:avLst/>
+          </a:prstGeom>
+          <a:noFill/>
+        </p:spPr>
+        <p:txBody>
+          <a:bodyPr wrap="square" rtlCol="0">
+            <a:spAutoFit/>
+          </a:bodyPr>
+          <a:lstStyle/>
+          <a:p>
+            <a:pPr marL="285750" indent="-285750">
+              <a:buFont typeface="Arial"/>
+              <a:buChar char="•"/>
+            </a:pPr>
+            <a:r>
+              <a:rPr lang="de-DE" sz="1800" b="1" dirty="0" smtClean="0"/>
+              <a:t> </a:t>
+            </a:r>
+          </a:p>
+          <a:p>
+            <a:pPr marL="285750" indent="-285750">
+              <a:buFont typeface="Arial"/>
+              <a:buChar char="•"/>
+            </a:pPr>
+            <a:endParaRPr lang="de-DE" sz="1800" b="1" dirty="0" smtClean="0"/>
+          </a:p>
+          <a:p>
+            <a:pPr marL="285750" indent="-285750">
+              <a:buFont typeface="Arial"/>
+              <a:buChar char="•"/>
+            </a:pPr>
+            <a:endParaRPr lang="de-DE" sz="1800" b="1" dirty="0" smtClean="0"/>
+          </a:p>
+          <a:p>
+            <a:pPr marL="285750" indent="-285750">
+              <a:buFont typeface="Arial"/>
+              <a:buChar char="•"/>
+            </a:pPr>
+            <a:endParaRPr lang="de-DE" sz="1800" b="1" dirty="0" smtClean="0"/>
+          </a:p>
+          <a:p>
+            <a:pPr marL="285750" indent="-285750">
+              <a:buFont typeface="Arial"/>
+              <a:buChar char="•"/>
+            </a:pPr>
+            <a:r>
+              <a:rPr lang="de-DE" sz="1800" b="1" dirty="0" smtClean="0"/>
+              <a:t> </a:t>
+            </a:r>
+            <a:endParaRPr lang="de-DE" sz="1800" b="1" dirty="0"/>
+          </a:p>
+          <a:p>
+            <a:pPr marL="285750" indent="-285750">
+              <a:buFont typeface="Arial"/>
+              <a:buChar char="•"/>
+            </a:pPr>
+            <a:endParaRPr lang="de-DE" sz="1800" b="1" dirty="0" smtClean="0"/>
+          </a:p>
+          <a:p>
+            <a:pPr lvl="1"/>
+            <a:r>
+              <a:rPr lang="de-DE" sz="1800" dirty="0" smtClean="0"/>
+              <a:t/>
+            </a:r>
+            <a:br>
+              <a:rPr lang="de-DE" sz="1800" dirty="0" smtClean="0"/>
+            </a:br>
+            <a:endParaRPr lang="de-DE" sz="1800" dirty="0" smtClean="0"/>
+          </a:p>
+          <a:p>
+            <a:pPr marL="285750" indent="-285750">
+              <a:buFont typeface="Arial"/>
+              <a:buChar char="•"/>
+            </a:pPr>
+            <a:r>
+              <a:rPr lang="de-DE" sz="1800" dirty="0" smtClean="0"/>
+              <a:t>True positives: </a:t>
+            </a:r>
+            <a:r>
+              <a:rPr lang="de-DE" sz="1800" dirty="0" err="1" smtClean="0"/>
+              <a:t>if</a:t>
+            </a:r>
+            <a:r>
+              <a:rPr lang="de-DE" sz="1800" dirty="0" smtClean="0"/>
+              <a:t> tag </a:t>
+            </a:r>
+            <a:r>
+              <a:rPr lang="de-DE" sz="1800" dirty="0" err="1" smtClean="0"/>
+              <a:t>found</a:t>
+            </a:r>
+            <a:r>
+              <a:rPr lang="de-DE" sz="1800" dirty="0" smtClean="0"/>
+              <a:t> in </a:t>
+            </a:r>
+            <a:r>
+              <a:rPr lang="de-DE" sz="1800" dirty="0" err="1" smtClean="0"/>
+              <a:t>prediction</a:t>
+            </a:r>
+            <a:r>
+              <a:rPr lang="de-DE" sz="1800" dirty="0" smtClean="0"/>
+              <a:t> </a:t>
+            </a:r>
+            <a:r>
+              <a:rPr lang="de-DE" sz="1800" dirty="0" err="1" smtClean="0"/>
+              <a:t>set</a:t>
+            </a:r>
+            <a:r>
+              <a:rPr lang="de-DE" sz="1800" dirty="0" smtClean="0"/>
+              <a:t> </a:t>
+            </a:r>
+            <a:r>
+              <a:rPr lang="de-DE" sz="1800" dirty="0" err="1" smtClean="0"/>
+              <a:t>and</a:t>
+            </a:r>
+            <a:r>
+              <a:rPr lang="de-DE" sz="1800" dirty="0" smtClean="0"/>
+              <a:t> original </a:t>
+            </a:r>
+            <a:r>
+              <a:rPr lang="de-DE" sz="1800" dirty="0" err="1" smtClean="0"/>
+              <a:t>set</a:t>
+            </a:r>
+            <a:endParaRPr lang="de-DE" sz="1800" dirty="0" smtClean="0"/>
+          </a:p>
+          <a:p>
+            <a:pPr marL="285750" indent="-285750">
+              <a:buFont typeface="Arial"/>
+              <a:buChar char="•"/>
+            </a:pPr>
+            <a:r>
+              <a:rPr lang="de-DE" sz="1800" dirty="0" err="1" smtClean="0"/>
+              <a:t>False</a:t>
+            </a:r>
+            <a:r>
+              <a:rPr lang="de-DE" sz="1800" dirty="0" smtClean="0"/>
+              <a:t> </a:t>
+            </a:r>
+            <a:r>
+              <a:rPr lang="de-DE" sz="1800" dirty="0"/>
+              <a:t>p</a:t>
+            </a:r>
+            <a:r>
+              <a:rPr lang="de-DE" sz="1800" dirty="0" smtClean="0"/>
+              <a:t>ositives: </a:t>
+            </a:r>
+            <a:r>
+              <a:rPr lang="de-DE" sz="1800" dirty="0" err="1" smtClean="0"/>
+              <a:t>if</a:t>
+            </a:r>
+            <a:r>
+              <a:rPr lang="de-DE" sz="1800" dirty="0" smtClean="0"/>
+              <a:t> tag </a:t>
+            </a:r>
+            <a:r>
+              <a:rPr lang="de-DE" sz="1800" dirty="0" err="1" smtClean="0"/>
+              <a:t>found</a:t>
+            </a:r>
+            <a:r>
+              <a:rPr lang="de-DE" sz="1800" dirty="0" smtClean="0"/>
+              <a:t> in </a:t>
+            </a:r>
+            <a:r>
+              <a:rPr lang="de-DE" sz="1800" dirty="0" err="1" smtClean="0"/>
+              <a:t>prediction</a:t>
+            </a:r>
+            <a:r>
+              <a:rPr lang="de-DE" sz="1800" dirty="0" smtClean="0"/>
+              <a:t> </a:t>
+            </a:r>
+            <a:r>
+              <a:rPr lang="de-DE" sz="1800" dirty="0" err="1" smtClean="0"/>
+              <a:t>set</a:t>
+            </a:r>
+            <a:r>
+              <a:rPr lang="de-DE" sz="1800" dirty="0" smtClean="0"/>
+              <a:t> but not in original </a:t>
+            </a:r>
+            <a:r>
+              <a:rPr lang="de-DE" sz="1800" dirty="0" err="1" smtClean="0"/>
+              <a:t>set</a:t>
+            </a:r>
+            <a:endParaRPr lang="de-DE" sz="1800" dirty="0" smtClean="0"/>
+          </a:p>
+          <a:p>
+            <a:pPr marL="285750" indent="-285750">
+              <a:buFont typeface="Arial"/>
+              <a:buChar char="•"/>
+            </a:pPr>
+            <a:r>
+              <a:rPr lang="de-DE" sz="1800" dirty="0" err="1" smtClean="0"/>
+              <a:t>False</a:t>
+            </a:r>
+            <a:r>
+              <a:rPr lang="de-DE" sz="1800" dirty="0" smtClean="0"/>
+              <a:t> negatives: </a:t>
+            </a:r>
+            <a:r>
+              <a:rPr lang="de-DE" sz="1800" dirty="0" err="1" smtClean="0"/>
+              <a:t>if</a:t>
+            </a:r>
+            <a:r>
+              <a:rPr lang="de-DE" sz="1800" dirty="0" smtClean="0"/>
+              <a:t> tag </a:t>
+            </a:r>
+            <a:r>
+              <a:rPr lang="de-DE" sz="1800" dirty="0" err="1" smtClean="0"/>
+              <a:t>found</a:t>
+            </a:r>
+            <a:r>
+              <a:rPr lang="de-DE" sz="1800" dirty="0" smtClean="0"/>
+              <a:t> in original </a:t>
+            </a:r>
+            <a:r>
+              <a:rPr lang="de-DE" sz="1800" dirty="0" err="1" smtClean="0"/>
+              <a:t>set</a:t>
+            </a:r>
+            <a:r>
+              <a:rPr lang="de-DE" sz="1800" dirty="0" smtClean="0"/>
+              <a:t> but not in </a:t>
+            </a:r>
+            <a:r>
+              <a:rPr lang="de-DE" sz="1800" dirty="0" err="1" smtClean="0"/>
+              <a:t>prediction</a:t>
+            </a:r>
+            <a:r>
+              <a:rPr lang="de-DE" sz="1800" dirty="0" smtClean="0"/>
+              <a:t> </a:t>
+            </a:r>
+            <a:r>
+              <a:rPr lang="de-DE" sz="1800" dirty="0" err="1" smtClean="0"/>
+              <a:t>set</a:t>
+            </a:r>
+            <a:endParaRPr lang="de-DE" sz="1800" dirty="0" smtClean="0"/>
+          </a:p>
+        </p:txBody>
+      </p:sp>
+      <p:graphicFrame>
+        <p:nvGraphicFramePr>
+          <p:cNvPr id="3" name="Objekt 2"/>
+          <p:cNvGraphicFramePr>
+            <a:graphicFrameLocks noChangeAspect="1"/>
+          </p:cNvGraphicFramePr>
+          <p:nvPr>
+            <p:extLst>
+              <p:ext uri="{D42A27DB-BD31-4B8C-83A1-F6EECF244321}">
+                <p14:modId xmlns:p14="http://schemas.microsoft.com/office/powerpoint/2010/main" val="1338487220"/>
+              </p:ext>
+            </p:extLst>
+          </p:nvPr>
+        </p:nvGraphicFramePr>
+        <p:xfrm>
+          <a:off x="1168066" y="2058988"/>
+          <a:ext cx="3763962" cy="815975"/>
+        </p:xfrm>
+        <a:graphic>
+          <a:graphicData uri="http://schemas.openxmlformats.org/presentationml/2006/ole">
+            <mc:AlternateContent xmlns:mc="http://schemas.openxmlformats.org/markup-compatibility/2006">
+              <mc:Choice xmlns:v="urn:schemas-microsoft-com:vml" Requires="v">
+                <p:oleObj spid="_x0000_s1083" name="Formel" r:id="rId4" imgW="2806700" imgH="609600" progId="Equation.3">
+                  <p:embed/>
+                </p:oleObj>
+              </mc:Choice>
+              <mc:Fallback>
+                <p:oleObj name="Formel" r:id="rId4" imgW="2806700" imgH="609600" progId="Equation.3">
+                  <p:embed/>
+                  <p:pic>
+                    <p:nvPicPr>
+                      <p:cNvPr id="0" name=""/>
+                      <p:cNvPicPr/>
+                      <p:nvPr/>
+                    </p:nvPicPr>
+                    <p:blipFill>
+                      <a:blip r:embed="rId5"/>
+                      <a:stretch>
+                        <a:fillRect/>
+                      </a:stretch>
+                    </p:blipFill>
+                    <p:spPr>
+                      <a:xfrm>
+                        <a:off x="1168066" y="2058988"/>
+                        <a:ext cx="3763962" cy="815975"/>
+                      </a:xfrm>
+                      <a:prstGeom prst="rect">
+                        <a:avLst/>
+                      </a:prstGeom>
+                    </p:spPr>
+                  </p:pic>
+                </p:oleObj>
+              </mc:Fallback>
+            </mc:AlternateContent>
+          </a:graphicData>
+        </a:graphic>
+      </p:graphicFrame>
+      <p:graphicFrame>
+        <p:nvGraphicFramePr>
+          <p:cNvPr id="6" name="Objekt 5"/>
+          <p:cNvGraphicFramePr>
+            <a:graphicFrameLocks noChangeAspect="1"/>
+          </p:cNvGraphicFramePr>
+          <p:nvPr>
+            <p:extLst>
+              <p:ext uri="{D42A27DB-BD31-4B8C-83A1-F6EECF244321}">
+                <p14:modId xmlns:p14="http://schemas.microsoft.com/office/powerpoint/2010/main" val="2878803148"/>
+              </p:ext>
+            </p:extLst>
+          </p:nvPr>
+        </p:nvGraphicFramePr>
+        <p:xfrm>
+          <a:off x="1174479" y="3170579"/>
+          <a:ext cx="3576637" cy="815975"/>
+        </p:xfrm>
+        <a:graphic>
+          <a:graphicData uri="http://schemas.openxmlformats.org/presentationml/2006/ole">
+            <mc:AlternateContent xmlns:mc="http://schemas.openxmlformats.org/markup-compatibility/2006">
+              <mc:Choice xmlns:v="urn:schemas-microsoft-com:vml" Requires="v">
+                <p:oleObj spid="_x0000_s1084" name="Formel" r:id="rId6" imgW="2667000" imgH="609600" progId="Equation.3">
+                  <p:embed/>
+                </p:oleObj>
+              </mc:Choice>
+              <mc:Fallback>
+                <p:oleObj name="Formel" r:id="rId6" imgW="2667000" imgH="609600" progId="Equation.3">
+                  <p:embed/>
+                  <p:pic>
+                    <p:nvPicPr>
+                      <p:cNvPr id="0" name=""/>
+                      <p:cNvPicPr/>
+                      <p:nvPr/>
+                    </p:nvPicPr>
+                    <p:blipFill>
+                      <a:blip r:embed="rId7"/>
+                      <a:stretch>
+                        <a:fillRect/>
+                      </a:stretch>
+                    </p:blipFill>
+                    <p:spPr>
+                      <a:xfrm>
+                        <a:off x="1174479" y="3170579"/>
+                        <a:ext cx="3576637" cy="815975"/>
+                      </a:xfrm>
+                      <a:prstGeom prst="rect">
+                        <a:avLst/>
+                      </a:prstGeom>
+                    </p:spPr>
+                  </p:pic>
+                </p:oleObj>
+              </mc:Fallback>
+            </mc:AlternateContent>
+          </a:graphicData>
+        </a:graphic>
+      </p:graphicFrame>
+      <p:sp>
+        <p:nvSpPr>
+          <p:cNvPr id="4" name="Geschweifte Klammer rechts 3"/>
+          <p:cNvSpPr/>
+          <p:nvPr/>
+        </p:nvSpPr>
+        <p:spPr>
+          <a:xfrm>
+            <a:off x="5232963" y="1970769"/>
+            <a:ext cx="350324" cy="1762742"/>
+          </a:xfrm>
+          <a:prstGeom prst="rightBrace">
+            <a:avLst/>
+          </a:prstGeom>
+        </p:spPr>
+        <p:style>
+          <a:lnRef idx="2">
+            <a:schemeClr val="accent1"/>
+          </a:lnRef>
+          <a:fillRef idx="0">
+            <a:schemeClr val="accent1"/>
+          </a:fillRef>
+          <a:effectRef idx="1">
+            <a:schemeClr val="accent1"/>
+          </a:effectRef>
+          <a:fontRef idx="minor">
+            <a:schemeClr val="tx1"/>
+          </a:fontRef>
+        </p:style>
+        <p:txBody>
+          <a:bodyPr rtlCol="0" anchor="ctr"/>
+          <a:lstStyle/>
+          <a:p>
+            <a:pPr algn="ctr"/>
+            <a:endParaRPr lang="de-DE"/>
+          </a:p>
+        </p:txBody>
+      </p:sp>
+      <p:sp>
+        <p:nvSpPr>
+          <p:cNvPr id="7" name="Textfeld 6"/>
+          <p:cNvSpPr txBox="1"/>
+          <p:nvPr/>
+        </p:nvSpPr>
+        <p:spPr>
+          <a:xfrm>
+            <a:off x="5681542" y="2666221"/>
+            <a:ext cx="3005258" cy="307777"/>
+          </a:xfrm>
+          <a:prstGeom prst="rect">
+            <a:avLst/>
+          </a:prstGeom>
+          <a:noFill/>
+        </p:spPr>
+        <p:txBody>
+          <a:bodyPr wrap="square" rtlCol="0">
+            <a:spAutoFit/>
+          </a:bodyPr>
+          <a:lstStyle/>
+          <a:p>
+            <a:r>
+              <a:rPr lang="de-DE" sz="1400" dirty="0" err="1" smtClean="0"/>
+              <a:t>Both</a:t>
+            </a:r>
+            <a:r>
+              <a:rPr lang="de-DE" sz="1400" dirty="0" smtClean="0"/>
+              <a:t> </a:t>
+            </a:r>
+            <a:r>
+              <a:rPr lang="de-DE" sz="1400" dirty="0" err="1" smtClean="0"/>
+              <a:t>should</a:t>
+            </a:r>
+            <a:r>
+              <a:rPr lang="de-DE" sz="1400" dirty="0" smtClean="0"/>
+              <a:t> </a:t>
+            </a:r>
+            <a:r>
+              <a:rPr lang="de-DE" sz="1400" dirty="0" err="1" smtClean="0"/>
+              <a:t>be</a:t>
+            </a:r>
+            <a:r>
+              <a:rPr lang="de-DE" sz="1400" dirty="0" smtClean="0"/>
+              <a:t> high </a:t>
+            </a:r>
+            <a:r>
+              <a:rPr lang="de-DE" sz="1400" dirty="0" smtClean="0">
+                <a:sym typeface="Wingdings"/>
+              </a:rPr>
+              <a:t> </a:t>
+            </a:r>
+            <a:r>
+              <a:rPr lang="de-DE" sz="1400" b="1" dirty="0" smtClean="0">
+                <a:sym typeface="Wingdings"/>
+              </a:rPr>
+              <a:t>F1 score</a:t>
+            </a:r>
+            <a:endParaRPr lang="de-DE" sz="1400" b="1" dirty="0"/>
           </a:p>
         </p:txBody>
       </p:sp>
     </p:spTree>
     <p:extLst>
       <p:ext uri="{BB962C8B-B14F-4D97-AF65-F5344CB8AC3E}">
-        <p14:creationId xmlns:p14="http://schemas.microsoft.com/office/powerpoint/2010/main" val="1843644244"/>
+        <p14:creationId xmlns:p14="http://schemas.microsoft.com/office/powerpoint/2010/main" val="921231124"/>
       </p:ext>
     </p:extLst>
   </p:cSld>

--- a/presentation/interim/Presentation.pptx
+++ b/presentation/interim/Presentation.pptx
@@ -6167,39 +6167,6 @@
               <a:t>esults</a:t>
             </a:r>
             <a:endParaRPr lang="de-DE" b="1" kern="0" dirty="0" smtClean="0"/>
-          </a:p>
-        </p:txBody>
-      </p:sp>
-      <p:sp>
-        <p:nvSpPr>
-          <p:cNvPr id="2" name="Textfeld 1"/>
-          <p:cNvSpPr txBox="1"/>
-          <p:nvPr/>
-        </p:nvSpPr>
-        <p:spPr>
-          <a:xfrm>
-            <a:off x="461963" y="1555747"/>
-            <a:ext cx="8224837" cy="379591"/>
-          </a:xfrm>
-          <a:prstGeom prst="rect">
-            <a:avLst/>
-          </a:prstGeom>
-          <a:noFill/>
-        </p:spPr>
-        <p:txBody>
-          <a:bodyPr wrap="square" rtlCol="0">
-            <a:spAutoFit/>
-          </a:bodyPr>
-          <a:lstStyle/>
-          <a:p>
-            <a:pPr marL="628650" lvl="1" indent="-171450">
-              <a:lnSpc>
-                <a:spcPct val="120000"/>
-              </a:lnSpc>
-              <a:buFont typeface="Arial"/>
-              <a:buChar char="•"/>
-            </a:pPr>
-            <a:endParaRPr lang="de-DE" sz="1600" dirty="0"/>
           </a:p>
         </p:txBody>
       </p:sp>
@@ -11763,7 +11730,7 @@
           <a:graphicData uri="http://schemas.openxmlformats.org/presentationml/2006/ole">
             <mc:AlternateContent xmlns:mc="http://schemas.openxmlformats.org/markup-compatibility/2006">
               <mc:Choice xmlns:v="urn:schemas-microsoft-com:vml" Requires="v">
-                <p:oleObj spid="_x0000_s1083" name="Formel" r:id="rId4" imgW="2806700" imgH="609600" progId="Equation.3">
+                <p:oleObj spid="_x0000_s1085" name="Formel" r:id="rId4" imgW="2806700" imgH="609600" progId="Equation.3">
                   <p:embed/>
                 </p:oleObj>
               </mc:Choice>
@@ -11820,7 +11787,7 @@
           <a:graphicData uri="http://schemas.openxmlformats.org/presentationml/2006/ole">
             <mc:AlternateContent xmlns:mc="http://schemas.openxmlformats.org/markup-compatibility/2006">
               <mc:Choice xmlns:v="urn:schemas-microsoft-com:vml" Requires="v">
-                <p:oleObj spid="_x0000_s1084" name="Formel" r:id="rId6" imgW="2667000" imgH="609600" progId="Equation.3">
+                <p:oleObj spid="_x0000_s1086" name="Formel" r:id="rId6" imgW="2667000" imgH="609600" progId="Equation.3">
                   <p:embed/>
                 </p:oleObj>
               </mc:Choice>

--- a/presentation/interim/Presentation.pptx
+++ b/presentation/interim/Presentation.pptx
@@ -12,11 +12,11 @@
   </p:handoutMasterIdLst>
   <p:sldIdLst>
     <p:sldId id="398" r:id="rId2"/>
-    <p:sldId id="408" r:id="rId3"/>
-    <p:sldId id="392" r:id="rId4"/>
-    <p:sldId id="394" r:id="rId5"/>
-    <p:sldId id="395" r:id="rId6"/>
-    <p:sldId id="397" r:id="rId7"/>
+    <p:sldId id="413" r:id="rId3"/>
+    <p:sldId id="414" r:id="rId4"/>
+    <p:sldId id="415" r:id="rId5"/>
+    <p:sldId id="416" r:id="rId6"/>
+    <p:sldId id="417" r:id="rId7"/>
     <p:sldId id="409" r:id="rId8"/>
     <p:sldId id="410" r:id="rId9"/>
     <p:sldId id="411" r:id="rId10"/>
@@ -154,7 +154,7 @@
   </p:defaultTextStyle>
   <p:extLst>
     <p:ext uri="{EFAFB233-063F-42B5-8137-9DF3F51BA10A}">
-      <p15:sldGuideLst xmlns:p15="http://schemas.microsoft.com/office/powerpoint/2012/main" xmlns="">
+      <p15:sldGuideLst xmlns:p15="http://schemas.microsoft.com/office/powerpoint/2012/main">
         <p15:guide id="1" orient="horz" pos="3498">
           <p15:clr>
             <a:srgbClr val="A4A3A4"/>
@@ -168,7 +168,7 @@
       </p15:sldGuideLst>
     </p:ext>
     <p:ext uri="{2D200454-40CA-4A62-9FC3-DE9A4176ACB9}">
-      <p15:notesGuideLst xmlns:p15="http://schemas.microsoft.com/office/powerpoint/2012/main" xmlns="">
+      <p15:notesGuideLst xmlns:p15="http://schemas.microsoft.com/office/powerpoint/2012/main">
         <p15:guide id="1" orient="horz" pos="3224">
           <p15:clr>
             <a:srgbClr val="A4A3A4"/>
@@ -235,14 +235,14 @@
           <a:effectLst/>
           <a:extLst>
             <a:ext uri="{909E8E84-426E-40dd-AFC4-6F175D3DCCD1}">
-              <a14:hiddenFill xmlns:a14="http://schemas.microsoft.com/office/drawing/2010/main">
+              <a14:hiddenFill xmlns:a14="http://schemas.microsoft.com/office/drawing/2010/main" xmlns="">
                 <a:solidFill>
                   <a:schemeClr val="accent1"/>
                 </a:solidFill>
               </a14:hiddenFill>
             </a:ext>
             <a:ext uri="{91240B29-F687-4f45-9708-019B960494DF}">
-              <a14:hiddenLine xmlns:a14="http://schemas.microsoft.com/office/drawing/2010/main" w="9525">
+              <a14:hiddenLine xmlns:a14="http://schemas.microsoft.com/office/drawing/2010/main" xmlns="" w="9525">
                 <a:solidFill>
                   <a:schemeClr val="tx1"/>
                 </a:solidFill>
@@ -252,7 +252,7 @@
               </a14:hiddenLine>
             </a:ext>
             <a:ext uri="{AF507438-7753-43e0-B8FC-AC1667EBCBE1}">
-              <a14:hiddenEffects xmlns:a14="http://schemas.microsoft.com/office/drawing/2010/main">
+              <a14:hiddenEffects xmlns:a14="http://schemas.microsoft.com/office/drawing/2010/main" xmlns="">
                 <a:effectLst>
                   <a:outerShdw dist="35921" dir="2700000" algn="ctr" rotWithShape="0">
                     <a:schemeClr val="bg2"/>
@@ -306,14 +306,14 @@
           <a:effectLst/>
           <a:extLst>
             <a:ext uri="{909E8E84-426E-40dd-AFC4-6F175D3DCCD1}">
-              <a14:hiddenFill xmlns:a14="http://schemas.microsoft.com/office/drawing/2010/main">
+              <a14:hiddenFill xmlns:a14="http://schemas.microsoft.com/office/drawing/2010/main" xmlns="">
                 <a:solidFill>
                   <a:schemeClr val="accent1"/>
                 </a:solidFill>
               </a14:hiddenFill>
             </a:ext>
             <a:ext uri="{91240B29-F687-4f45-9708-019B960494DF}">
-              <a14:hiddenLine xmlns:a14="http://schemas.microsoft.com/office/drawing/2010/main" w="9525">
+              <a14:hiddenLine xmlns:a14="http://schemas.microsoft.com/office/drawing/2010/main" xmlns="" w="9525">
                 <a:solidFill>
                   <a:schemeClr val="tx1"/>
                 </a:solidFill>
@@ -323,7 +323,7 @@
               </a14:hiddenLine>
             </a:ext>
             <a:ext uri="{AF507438-7753-43e0-B8FC-AC1667EBCBE1}">
-              <a14:hiddenEffects xmlns:a14="http://schemas.microsoft.com/office/drawing/2010/main">
+              <a14:hiddenEffects xmlns:a14="http://schemas.microsoft.com/office/drawing/2010/main" xmlns="">
                 <a:effectLst>
                   <a:outerShdw dist="35921" dir="2700000" algn="ctr" rotWithShape="0">
                     <a:schemeClr val="bg2"/>
@@ -377,14 +377,14 @@
           <a:effectLst/>
           <a:extLst>
             <a:ext uri="{909E8E84-426E-40dd-AFC4-6F175D3DCCD1}">
-              <a14:hiddenFill xmlns:a14="http://schemas.microsoft.com/office/drawing/2010/main">
+              <a14:hiddenFill xmlns:a14="http://schemas.microsoft.com/office/drawing/2010/main" xmlns="">
                 <a:solidFill>
                   <a:schemeClr val="accent1"/>
                 </a:solidFill>
               </a14:hiddenFill>
             </a:ext>
             <a:ext uri="{91240B29-F687-4f45-9708-019B960494DF}">
-              <a14:hiddenLine xmlns:a14="http://schemas.microsoft.com/office/drawing/2010/main" w="9525">
+              <a14:hiddenLine xmlns:a14="http://schemas.microsoft.com/office/drawing/2010/main" xmlns="" w="9525">
                 <a:solidFill>
                   <a:schemeClr val="tx1"/>
                 </a:solidFill>
@@ -394,7 +394,7 @@
               </a14:hiddenLine>
             </a:ext>
             <a:ext uri="{AF507438-7753-43e0-B8FC-AC1667EBCBE1}">
-              <a14:hiddenEffects xmlns:a14="http://schemas.microsoft.com/office/drawing/2010/main">
+              <a14:hiddenEffects xmlns:a14="http://schemas.microsoft.com/office/drawing/2010/main" xmlns="">
                 <a:effectLst>
                   <a:outerShdw dist="35921" dir="2700000" algn="ctr" rotWithShape="0">
                     <a:schemeClr val="bg2"/>
@@ -448,14 +448,14 @@
           <a:effectLst/>
           <a:extLst>
             <a:ext uri="{909E8E84-426E-40dd-AFC4-6F175D3DCCD1}">
-              <a14:hiddenFill xmlns:a14="http://schemas.microsoft.com/office/drawing/2010/main">
+              <a14:hiddenFill xmlns:a14="http://schemas.microsoft.com/office/drawing/2010/main" xmlns="">
                 <a:solidFill>
                   <a:schemeClr val="accent1"/>
                 </a:solidFill>
               </a14:hiddenFill>
             </a:ext>
             <a:ext uri="{91240B29-F687-4f45-9708-019B960494DF}">
-              <a14:hiddenLine xmlns:a14="http://schemas.microsoft.com/office/drawing/2010/main" w="9525">
+              <a14:hiddenLine xmlns:a14="http://schemas.microsoft.com/office/drawing/2010/main" xmlns="" w="9525">
                 <a:solidFill>
                   <a:schemeClr val="tx1"/>
                 </a:solidFill>
@@ -465,7 +465,7 @@
               </a14:hiddenLine>
             </a:ext>
             <a:ext uri="{AF507438-7753-43e0-B8FC-AC1667EBCBE1}">
-              <a14:hiddenEffects xmlns:a14="http://schemas.microsoft.com/office/drawing/2010/main">
+              <a14:hiddenEffects xmlns:a14="http://schemas.microsoft.com/office/drawing/2010/main" xmlns="">
                 <a:effectLst>
                   <a:outerShdw dist="35921" dir="2700000" algn="ctr" rotWithShape="0">
                     <a:schemeClr val="bg2"/>
@@ -495,7 +495,7 @@
               <a:pPr>
                 <a:defRPr/>
               </a:pPr>
-              <a:t>‹Nr.›</a:t>
+              <a:t>‹#›</a:t>
             </a:fld>
             <a:endParaRPr lang="de-DE" dirty="0"/>
           </a:p>
@@ -562,14 +562,14 @@
           <a:effectLst/>
           <a:extLst>
             <a:ext uri="{909E8E84-426E-40dd-AFC4-6F175D3DCCD1}">
-              <a14:hiddenFill xmlns:a14="http://schemas.microsoft.com/office/drawing/2010/main">
+              <a14:hiddenFill xmlns:a14="http://schemas.microsoft.com/office/drawing/2010/main" xmlns="">
                 <a:solidFill>
                   <a:schemeClr val="accent1"/>
                 </a:solidFill>
               </a14:hiddenFill>
             </a:ext>
             <a:ext uri="{91240B29-F687-4f45-9708-019B960494DF}">
-              <a14:hiddenLine xmlns:a14="http://schemas.microsoft.com/office/drawing/2010/main" w="9525">
+              <a14:hiddenLine xmlns:a14="http://schemas.microsoft.com/office/drawing/2010/main" xmlns="" w="9525">
                 <a:solidFill>
                   <a:schemeClr val="tx1"/>
                 </a:solidFill>
@@ -579,7 +579,7 @@
               </a14:hiddenLine>
             </a:ext>
             <a:ext uri="{AF507438-7753-43e0-B8FC-AC1667EBCBE1}">
-              <a14:hiddenEffects xmlns:a14="http://schemas.microsoft.com/office/drawing/2010/main">
+              <a14:hiddenEffects xmlns:a14="http://schemas.microsoft.com/office/drawing/2010/main" xmlns="">
                 <a:effectLst>
                   <a:outerShdw dist="35921" dir="2700000" algn="ctr" rotWithShape="0">
                     <a:schemeClr val="bg2"/>
@@ -633,14 +633,14 @@
           <a:effectLst/>
           <a:extLst>
             <a:ext uri="{909E8E84-426E-40dd-AFC4-6F175D3DCCD1}">
-              <a14:hiddenFill xmlns:a14="http://schemas.microsoft.com/office/drawing/2010/main">
+              <a14:hiddenFill xmlns:a14="http://schemas.microsoft.com/office/drawing/2010/main" xmlns="">
                 <a:solidFill>
                   <a:schemeClr val="accent1"/>
                 </a:solidFill>
               </a14:hiddenFill>
             </a:ext>
             <a:ext uri="{91240B29-F687-4f45-9708-019B960494DF}">
-              <a14:hiddenLine xmlns:a14="http://schemas.microsoft.com/office/drawing/2010/main" w="9525">
+              <a14:hiddenLine xmlns:a14="http://schemas.microsoft.com/office/drawing/2010/main" xmlns="" w="9525">
                 <a:solidFill>
                   <a:schemeClr val="tx1"/>
                 </a:solidFill>
@@ -650,7 +650,7 @@
               </a14:hiddenLine>
             </a:ext>
             <a:ext uri="{AF507438-7753-43e0-B8FC-AC1667EBCBE1}">
-              <a14:hiddenEffects xmlns:a14="http://schemas.microsoft.com/office/drawing/2010/main">
+              <a14:hiddenEffects xmlns:a14="http://schemas.microsoft.com/office/drawing/2010/main" xmlns="">
                 <a:effectLst>
                   <a:outerShdw dist="35921" dir="2700000" algn="ctr" rotWithShape="0">
                     <a:schemeClr val="bg2"/>
@@ -709,14 +709,14 @@
           <a:effectLst/>
           <a:extLst>
             <a:ext uri="{909E8E84-426E-40dd-AFC4-6F175D3DCCD1}">
-              <a14:hiddenFill xmlns:a14="http://schemas.microsoft.com/office/drawing/2010/main">
+              <a14:hiddenFill xmlns:a14="http://schemas.microsoft.com/office/drawing/2010/main" xmlns="">
                 <a:solidFill>
                   <a:srgbClr val="FFFFFF"/>
                 </a:solidFill>
               </a14:hiddenFill>
             </a:ext>
             <a:ext uri="{AF507438-7753-43e0-B8FC-AC1667EBCBE1}">
-              <a14:hiddenEffects xmlns:a14="http://schemas.microsoft.com/office/drawing/2010/main">
+              <a14:hiddenEffects xmlns:a14="http://schemas.microsoft.com/office/drawing/2010/main" xmlns="">
                 <a:effectLst>
                   <a:outerShdw dist="35921" dir="2700000" algn="ctr" rotWithShape="0">
                     <a:srgbClr val="808080"/>
@@ -725,7 +725,7 @@
               </a14:hiddenEffects>
             </a:ext>
             <a:ext uri="{53640926-AAD7-44d8-BBD7-CCE9431645EC}">
-              <a14:shadowObscured xmlns:a14="http://schemas.microsoft.com/office/drawing/2010/main" val="1"/>
+              <a14:shadowObscured xmlns:a14="http://schemas.microsoft.com/office/drawing/2010/main" xmlns="" val="1"/>
             </a:ext>
           </a:extLst>
         </p:spPr>
@@ -755,14 +755,14 @@
           <a:effectLst/>
           <a:extLst>
             <a:ext uri="{909E8E84-426E-40dd-AFC4-6F175D3DCCD1}">
-              <a14:hiddenFill xmlns:a14="http://schemas.microsoft.com/office/drawing/2010/main">
+              <a14:hiddenFill xmlns:a14="http://schemas.microsoft.com/office/drawing/2010/main" xmlns="">
                 <a:solidFill>
                   <a:schemeClr val="accent1"/>
                 </a:solidFill>
               </a14:hiddenFill>
             </a:ext>
             <a:ext uri="{91240B29-F687-4f45-9708-019B960494DF}">
-              <a14:hiddenLine xmlns:a14="http://schemas.microsoft.com/office/drawing/2010/main" w="9525">
+              <a14:hiddenLine xmlns:a14="http://schemas.microsoft.com/office/drawing/2010/main" xmlns="" w="9525">
                 <a:solidFill>
                   <a:schemeClr val="tx1"/>
                 </a:solidFill>
@@ -772,7 +772,7 @@
               </a14:hiddenLine>
             </a:ext>
             <a:ext uri="{AF507438-7753-43e0-B8FC-AC1667EBCBE1}">
-              <a14:hiddenEffects xmlns:a14="http://schemas.microsoft.com/office/drawing/2010/main">
+              <a14:hiddenEffects xmlns:a14="http://schemas.microsoft.com/office/drawing/2010/main" xmlns="">
                 <a:effectLst>
                   <a:outerShdw dist="35921" dir="2700000" algn="ctr" rotWithShape="0">
                     <a:schemeClr val="bg2"/>
@@ -851,14 +851,14 @@
           <a:effectLst/>
           <a:extLst>
             <a:ext uri="{909E8E84-426E-40dd-AFC4-6F175D3DCCD1}">
-              <a14:hiddenFill xmlns:a14="http://schemas.microsoft.com/office/drawing/2010/main">
+              <a14:hiddenFill xmlns:a14="http://schemas.microsoft.com/office/drawing/2010/main" xmlns="">
                 <a:solidFill>
                   <a:schemeClr val="accent1"/>
                 </a:solidFill>
               </a14:hiddenFill>
             </a:ext>
             <a:ext uri="{91240B29-F687-4f45-9708-019B960494DF}">
-              <a14:hiddenLine xmlns:a14="http://schemas.microsoft.com/office/drawing/2010/main" w="9525">
+              <a14:hiddenLine xmlns:a14="http://schemas.microsoft.com/office/drawing/2010/main" xmlns="" w="9525">
                 <a:solidFill>
                   <a:schemeClr val="tx1"/>
                 </a:solidFill>
@@ -868,7 +868,7 @@
               </a14:hiddenLine>
             </a:ext>
             <a:ext uri="{AF507438-7753-43e0-B8FC-AC1667EBCBE1}">
-              <a14:hiddenEffects xmlns:a14="http://schemas.microsoft.com/office/drawing/2010/main">
+              <a14:hiddenEffects xmlns:a14="http://schemas.microsoft.com/office/drawing/2010/main" xmlns="">
                 <a:effectLst>
                   <a:outerShdw dist="35921" dir="2700000" algn="ctr" rotWithShape="0">
                     <a:schemeClr val="bg2"/>
@@ -922,14 +922,14 @@
           <a:effectLst/>
           <a:extLst>
             <a:ext uri="{909E8E84-426E-40dd-AFC4-6F175D3DCCD1}">
-              <a14:hiddenFill xmlns:a14="http://schemas.microsoft.com/office/drawing/2010/main">
+              <a14:hiddenFill xmlns:a14="http://schemas.microsoft.com/office/drawing/2010/main" xmlns="">
                 <a:solidFill>
                   <a:schemeClr val="accent1"/>
                 </a:solidFill>
               </a14:hiddenFill>
             </a:ext>
             <a:ext uri="{91240B29-F687-4f45-9708-019B960494DF}">
-              <a14:hiddenLine xmlns:a14="http://schemas.microsoft.com/office/drawing/2010/main" w="9525">
+              <a14:hiddenLine xmlns:a14="http://schemas.microsoft.com/office/drawing/2010/main" xmlns="" w="9525">
                 <a:solidFill>
                   <a:schemeClr val="tx1"/>
                 </a:solidFill>
@@ -939,7 +939,7 @@
               </a14:hiddenLine>
             </a:ext>
             <a:ext uri="{AF507438-7753-43e0-B8FC-AC1667EBCBE1}">
-              <a14:hiddenEffects xmlns:a14="http://schemas.microsoft.com/office/drawing/2010/main">
+              <a14:hiddenEffects xmlns:a14="http://schemas.microsoft.com/office/drawing/2010/main" xmlns="">
                 <a:effectLst>
                   <a:outerShdw dist="35921" dir="2700000" algn="ctr" rotWithShape="0">
                     <a:schemeClr val="bg2"/>
@@ -969,7 +969,7 @@
               <a:pPr>
                 <a:defRPr/>
               </a:pPr>
-              <a:t>‹Nr.›</a:t>
+              <a:t>‹#›</a:t>
             </a:fld>
             <a:endParaRPr lang="de-DE" dirty="0"/>
           </a:p>
@@ -1147,14 +1147,14 @@
           </a:ln>
           <a:extLst>
             <a:ext uri="{909E8E84-426E-40dd-AFC4-6F175D3DCCD1}">
-              <a14:hiddenFill xmlns:a14="http://schemas.microsoft.com/office/drawing/2010/main">
+              <a14:hiddenFill xmlns="" xmlns:a14="http://schemas.microsoft.com/office/drawing/2010/main">
                 <a:solidFill>
                   <a:srgbClr val="FFFFFF"/>
                 </a:solidFill>
               </a14:hiddenFill>
             </a:ext>
             <a:ext uri="{91240B29-F687-4f45-9708-019B960494DF}">
-              <a14:hiddenLine xmlns:a14="http://schemas.microsoft.com/office/drawing/2010/main" w="9525">
+              <a14:hiddenLine xmlns="" xmlns:a14="http://schemas.microsoft.com/office/drawing/2010/main" w="9525">
                 <a:solidFill>
                   <a:srgbClr val="000000"/>
                 </a:solidFill>
@@ -1315,7 +1315,7 @@
     </p:spTree>
     <p:extLst>
       <p:ext uri="{BB962C8B-B14F-4D97-AF65-F5344CB8AC3E}">
-        <p14:creationId xmlns:p14="http://schemas.microsoft.com/office/powerpoint/2010/main" val="3425557"/>
+        <p14:creationId xmlns:p14="http://schemas.microsoft.com/office/powerpoint/2010/main" val="611110057"/>
       </p:ext>
     </p:extLst>
   </p:cSld>
@@ -1364,14 +1364,14 @@
           </a:ln>
           <a:extLst>
             <a:ext uri="{909E8E84-426E-40dd-AFC4-6F175D3DCCD1}">
-              <a14:hiddenFill xmlns:a14="http://schemas.microsoft.com/office/drawing/2010/main">
+              <a14:hiddenFill xmlns="" xmlns:a14="http://schemas.microsoft.com/office/drawing/2010/main">
                 <a:solidFill>
                   <a:srgbClr val="FFFFFF"/>
                 </a:solidFill>
               </a14:hiddenFill>
             </a:ext>
             <a:ext uri="{91240B29-F687-4f45-9708-019B960494DF}">
-              <a14:hiddenLine xmlns:a14="http://schemas.microsoft.com/office/drawing/2010/main" w="9525">
+              <a14:hiddenLine xmlns="" xmlns:a14="http://schemas.microsoft.com/office/drawing/2010/main" w="9525">
                 <a:solidFill>
                   <a:srgbClr val="000000"/>
                 </a:solidFill>
@@ -1532,7 +1532,7 @@
     </p:spTree>
     <p:extLst>
       <p:ext uri="{BB962C8B-B14F-4D97-AF65-F5344CB8AC3E}">
-        <p14:creationId xmlns:p14="http://schemas.microsoft.com/office/powerpoint/2010/main" val="1745903804"/>
+        <p14:creationId xmlns:p14="http://schemas.microsoft.com/office/powerpoint/2010/main" val="450594138"/>
       </p:ext>
     </p:extLst>
   </p:cSld>
@@ -1581,14 +1581,14 @@
           </a:ln>
           <a:extLst>
             <a:ext uri="{909E8E84-426E-40dd-AFC4-6F175D3DCCD1}">
-              <a14:hiddenFill xmlns:a14="http://schemas.microsoft.com/office/drawing/2010/main">
+              <a14:hiddenFill xmlns="" xmlns:a14="http://schemas.microsoft.com/office/drawing/2010/main">
                 <a:solidFill>
                   <a:srgbClr val="FFFFFF"/>
                 </a:solidFill>
               </a14:hiddenFill>
             </a:ext>
             <a:ext uri="{91240B29-F687-4f45-9708-019B960494DF}">
-              <a14:hiddenLine xmlns:a14="http://schemas.microsoft.com/office/drawing/2010/main" w="9525">
+              <a14:hiddenLine xmlns="" xmlns:a14="http://schemas.microsoft.com/office/drawing/2010/main" w="9525">
                 <a:solidFill>
                   <a:srgbClr val="000000"/>
                 </a:solidFill>
@@ -1749,7 +1749,7 @@
     </p:spTree>
     <p:extLst>
       <p:ext uri="{BB962C8B-B14F-4D97-AF65-F5344CB8AC3E}">
-        <p14:creationId xmlns:p14="http://schemas.microsoft.com/office/powerpoint/2010/main" val="577936427"/>
+        <p14:creationId xmlns:p14="http://schemas.microsoft.com/office/powerpoint/2010/main" val="564351430"/>
       </p:ext>
     </p:extLst>
   </p:cSld>
@@ -1798,14 +1798,14 @@
           </a:ln>
           <a:extLst>
             <a:ext uri="{909E8E84-426E-40dd-AFC4-6F175D3DCCD1}">
-              <a14:hiddenFill xmlns:a14="http://schemas.microsoft.com/office/drawing/2010/main">
+              <a14:hiddenFill xmlns="" xmlns:a14="http://schemas.microsoft.com/office/drawing/2010/main">
                 <a:solidFill>
                   <a:srgbClr val="FFFFFF"/>
                 </a:solidFill>
               </a14:hiddenFill>
             </a:ext>
             <a:ext uri="{91240B29-F687-4f45-9708-019B960494DF}">
-              <a14:hiddenLine xmlns:a14="http://schemas.microsoft.com/office/drawing/2010/main" w="9525">
+              <a14:hiddenLine xmlns="" xmlns:a14="http://schemas.microsoft.com/office/drawing/2010/main" w="9525">
                 <a:solidFill>
                   <a:srgbClr val="000000"/>
                 </a:solidFill>
@@ -1966,7 +1966,7 @@
     </p:spTree>
     <p:extLst>
       <p:ext uri="{BB962C8B-B14F-4D97-AF65-F5344CB8AC3E}">
-        <p14:creationId xmlns:p14="http://schemas.microsoft.com/office/powerpoint/2010/main" val="1464710935"/>
+        <p14:creationId xmlns:p14="http://schemas.microsoft.com/office/powerpoint/2010/main" val="1798802984"/>
       </p:ext>
     </p:extLst>
   </p:cSld>
@@ -2015,14 +2015,14 @@
           </a:ln>
           <a:extLst>
             <a:ext uri="{909E8E84-426E-40dd-AFC4-6F175D3DCCD1}">
-              <a14:hiddenFill xmlns:a14="http://schemas.microsoft.com/office/drawing/2010/main">
+              <a14:hiddenFill xmlns="" xmlns:a14="http://schemas.microsoft.com/office/drawing/2010/main">
                 <a:solidFill>
                   <a:srgbClr val="FFFFFF"/>
                 </a:solidFill>
               </a14:hiddenFill>
             </a:ext>
             <a:ext uri="{91240B29-F687-4f45-9708-019B960494DF}">
-              <a14:hiddenLine xmlns:a14="http://schemas.microsoft.com/office/drawing/2010/main" w="9525">
+              <a14:hiddenLine xmlns="" xmlns:a14="http://schemas.microsoft.com/office/drawing/2010/main" w="9525">
                 <a:solidFill>
                   <a:srgbClr val="000000"/>
                 </a:solidFill>
@@ -2183,7 +2183,7 @@
     </p:spTree>
     <p:extLst>
       <p:ext uri="{BB962C8B-B14F-4D97-AF65-F5344CB8AC3E}">
-        <p14:creationId xmlns:p14="http://schemas.microsoft.com/office/powerpoint/2010/main" val="745752036"/>
+        <p14:creationId xmlns:p14="http://schemas.microsoft.com/office/powerpoint/2010/main" val="1762412461"/>
       </p:ext>
     </p:extLst>
   </p:cSld>
@@ -2232,14 +2232,14 @@
           </a:ln>
           <a:extLst>
             <a:ext uri="{909E8E84-426E-40dd-AFC4-6F175D3DCCD1}">
-              <a14:hiddenFill xmlns:a14="http://schemas.microsoft.com/office/drawing/2010/main">
+              <a14:hiddenFill xmlns:a14="http://schemas.microsoft.com/office/drawing/2010/main" xmlns="">
                 <a:solidFill>
                   <a:srgbClr val="FFFFFF"/>
                 </a:solidFill>
               </a14:hiddenFill>
             </a:ext>
             <a:ext uri="{91240B29-F687-4f45-9708-019B960494DF}">
-              <a14:hiddenLine xmlns:a14="http://schemas.microsoft.com/office/drawing/2010/main" w="9525">
+              <a14:hiddenLine xmlns:a14="http://schemas.microsoft.com/office/drawing/2010/main" xmlns="" w="9525">
                 <a:solidFill>
                   <a:srgbClr val="000000"/>
                 </a:solidFill>
@@ -2449,14 +2449,14 @@
           </a:ln>
           <a:extLst>
             <a:ext uri="{909E8E84-426E-40dd-AFC4-6F175D3DCCD1}">
-              <a14:hiddenFill xmlns:a14="http://schemas.microsoft.com/office/drawing/2010/main">
+              <a14:hiddenFill xmlns:a14="http://schemas.microsoft.com/office/drawing/2010/main" xmlns="">
                 <a:solidFill>
                   <a:srgbClr val="FFFFFF"/>
                 </a:solidFill>
               </a14:hiddenFill>
             </a:ext>
             <a:ext uri="{91240B29-F687-4f45-9708-019B960494DF}">
-              <a14:hiddenLine xmlns:a14="http://schemas.microsoft.com/office/drawing/2010/main" w="9525">
+              <a14:hiddenLine xmlns:a14="http://schemas.microsoft.com/office/drawing/2010/main" xmlns="" w="9525">
                 <a:solidFill>
                   <a:srgbClr val="000000"/>
                 </a:solidFill>
@@ -2666,14 +2666,14 @@
           </a:ln>
           <a:extLst>
             <a:ext uri="{909E8E84-426E-40dd-AFC4-6F175D3DCCD1}">
-              <a14:hiddenFill xmlns:a14="http://schemas.microsoft.com/office/drawing/2010/main">
+              <a14:hiddenFill xmlns:a14="http://schemas.microsoft.com/office/drawing/2010/main" xmlns="">
                 <a:solidFill>
                   <a:srgbClr val="FFFFFF"/>
                 </a:solidFill>
               </a14:hiddenFill>
             </a:ext>
             <a:ext uri="{91240B29-F687-4f45-9708-019B960494DF}">
-              <a14:hiddenLine xmlns:a14="http://schemas.microsoft.com/office/drawing/2010/main" w="9525">
+              <a14:hiddenLine xmlns:a14="http://schemas.microsoft.com/office/drawing/2010/main" xmlns="" w="9525">
                 <a:solidFill>
                   <a:srgbClr val="000000"/>
                 </a:solidFill>
@@ -2927,12 +2927,12 @@
           <a:effectLst/>
           <a:extLst>
             <a:ext uri="{909E8E84-426E-40dd-AFC4-6F175D3DCCD1}">
-              <a14:hiddenFill xmlns:a14="http://schemas.microsoft.com/office/drawing/2010/main">
+              <a14:hiddenFill xmlns:a14="http://schemas.microsoft.com/office/drawing/2010/main" xmlns="">
                 <a:noFill/>
               </a14:hiddenFill>
             </a:ext>
             <a:ext uri="{AF507438-7753-43e0-B8FC-AC1667EBCBE1}">
-              <a14:hiddenEffects xmlns:a14="http://schemas.microsoft.com/office/drawing/2010/main">
+              <a14:hiddenEffects xmlns:a14="http://schemas.microsoft.com/office/drawing/2010/main" xmlns="">
                 <a:effectLst>
                   <a:outerShdw dist="35921" dir="2700000" algn="ctr" rotWithShape="0">
                     <a:schemeClr val="bg2"/>
@@ -2973,14 +2973,14 @@
           <a:effectLst/>
           <a:extLst>
             <a:ext uri="{909E8E84-426E-40dd-AFC4-6F175D3DCCD1}">
-              <a14:hiddenFill xmlns:a14="http://schemas.microsoft.com/office/drawing/2010/main">
+              <a14:hiddenFill xmlns:a14="http://schemas.microsoft.com/office/drawing/2010/main" xmlns="">
                 <a:solidFill>
                   <a:schemeClr val="accent1"/>
                 </a:solidFill>
               </a14:hiddenFill>
             </a:ext>
             <a:ext uri="{91240B29-F687-4f45-9708-019B960494DF}">
-              <a14:hiddenLine xmlns:a14="http://schemas.microsoft.com/office/drawing/2010/main" w="9525">
+              <a14:hiddenLine xmlns:a14="http://schemas.microsoft.com/office/drawing/2010/main" xmlns="" w="9525">
                 <a:solidFill>
                   <a:schemeClr val="tx1"/>
                 </a:solidFill>
@@ -2990,7 +2990,7 @@
               </a14:hiddenLine>
             </a:ext>
             <a:ext uri="{AF507438-7753-43e0-B8FC-AC1667EBCBE1}">
-              <a14:hiddenEffects xmlns:a14="http://schemas.microsoft.com/office/drawing/2010/main">
+              <a14:hiddenEffects xmlns:a14="http://schemas.microsoft.com/office/drawing/2010/main" xmlns="">
                 <a:effectLst>
                   <a:outerShdw dist="35921" dir="2700000" algn="ctr" rotWithShape="0">
                     <a:schemeClr val="bg2"/>
@@ -3144,14 +3144,14 @@
           <a:effectLst/>
           <a:extLst>
             <a:ext uri="{909E8E84-426E-40dd-AFC4-6F175D3DCCD1}">
-              <a14:hiddenFill xmlns:a14="http://schemas.microsoft.com/office/drawing/2010/main">
+              <a14:hiddenFill xmlns:a14="http://schemas.microsoft.com/office/drawing/2010/main" xmlns="">
                 <a:solidFill>
                   <a:schemeClr val="accent1"/>
                 </a:solidFill>
               </a14:hiddenFill>
             </a:ext>
             <a:ext uri="{91240B29-F687-4f45-9708-019B960494DF}">
-              <a14:hiddenLine xmlns:a14="http://schemas.microsoft.com/office/drawing/2010/main" w="9525">
+              <a14:hiddenLine xmlns:a14="http://schemas.microsoft.com/office/drawing/2010/main" xmlns="" w="9525">
                 <a:solidFill>
                   <a:schemeClr val="tx1"/>
                 </a:solidFill>
@@ -3161,7 +3161,7 @@
               </a14:hiddenLine>
             </a:ext>
             <a:ext uri="{AF507438-7753-43e0-B8FC-AC1667EBCBE1}">
-              <a14:hiddenEffects xmlns:a14="http://schemas.microsoft.com/office/drawing/2010/main">
+              <a14:hiddenEffects xmlns:a14="http://schemas.microsoft.com/office/drawing/2010/main" xmlns="">
                 <a:effectLst>
                   <a:outerShdw dist="35921" dir="2700000" algn="ctr" rotWithShape="0">
                     <a:schemeClr val="bg2"/>
@@ -3321,14 +3321,14 @@
           <a:effectLst/>
           <a:extLst>
             <a:ext uri="{909E8E84-426E-40dd-AFC4-6F175D3DCCD1}">
-              <a14:hiddenFill xmlns:a14="http://schemas.microsoft.com/office/drawing/2010/main">
+              <a14:hiddenFill xmlns:a14="http://schemas.microsoft.com/office/drawing/2010/main" xmlns="">
                 <a:solidFill>
                   <a:schemeClr val="accent1"/>
                 </a:solidFill>
               </a14:hiddenFill>
             </a:ext>
             <a:ext uri="{91240B29-F687-4f45-9708-019B960494DF}">
-              <a14:hiddenLine xmlns:a14="http://schemas.microsoft.com/office/drawing/2010/main" w="9525">
+              <a14:hiddenLine xmlns:a14="http://schemas.microsoft.com/office/drawing/2010/main" xmlns="" w="9525">
                 <a:solidFill>
                   <a:schemeClr val="tx1"/>
                 </a:solidFill>
@@ -3338,7 +3338,7 @@
               </a14:hiddenLine>
             </a:ext>
             <a:ext uri="{AF507438-7753-43e0-B8FC-AC1667EBCBE1}">
-              <a14:hiddenEffects xmlns:a14="http://schemas.microsoft.com/office/drawing/2010/main">
+              <a14:hiddenEffects xmlns:a14="http://schemas.microsoft.com/office/drawing/2010/main" xmlns="">
                 <a:effectLst>
                   <a:outerShdw dist="35921" dir="2700000" algn="ctr" rotWithShape="0">
                     <a:schemeClr val="bg2"/>
@@ -3389,14 +3389,14 @@
           <a:effectLst/>
           <a:extLst>
             <a:ext uri="{909E8E84-426E-40dd-AFC4-6F175D3DCCD1}">
-              <a14:hiddenFill xmlns:a14="http://schemas.microsoft.com/office/drawing/2010/main">
+              <a14:hiddenFill xmlns:a14="http://schemas.microsoft.com/office/drawing/2010/main" xmlns="">
                 <a:solidFill>
                   <a:schemeClr val="accent1"/>
                 </a:solidFill>
               </a14:hiddenFill>
             </a:ext>
             <a:ext uri="{91240B29-F687-4f45-9708-019B960494DF}">
-              <a14:hiddenLine xmlns:a14="http://schemas.microsoft.com/office/drawing/2010/main" w="9525">
+              <a14:hiddenLine xmlns:a14="http://schemas.microsoft.com/office/drawing/2010/main" xmlns="" w="9525">
                 <a:solidFill>
                   <a:schemeClr val="tx1"/>
                 </a:solidFill>
@@ -3406,7 +3406,7 @@
               </a14:hiddenLine>
             </a:ext>
             <a:ext uri="{AF507438-7753-43e0-B8FC-AC1667EBCBE1}">
-              <a14:hiddenEffects xmlns:a14="http://schemas.microsoft.com/office/drawing/2010/main">
+              <a14:hiddenEffects xmlns:a14="http://schemas.microsoft.com/office/drawing/2010/main" xmlns="">
                 <a:effectLst>
                   <a:outerShdw dist="35921" dir="2700000" algn="ctr" rotWithShape="0">
                     <a:schemeClr val="bg2"/>
@@ -3483,14 +3483,14 @@
           <a:effectLst/>
           <a:extLst>
             <a:ext uri="{909E8E84-426E-40dd-AFC4-6F175D3DCCD1}">
-              <a14:hiddenFill xmlns:a14="http://schemas.microsoft.com/office/drawing/2010/main">
+              <a14:hiddenFill xmlns:a14="http://schemas.microsoft.com/office/drawing/2010/main" xmlns="">
                 <a:solidFill>
                   <a:schemeClr val="accent1"/>
                 </a:solidFill>
               </a14:hiddenFill>
             </a:ext>
             <a:ext uri="{91240B29-F687-4f45-9708-019B960494DF}">
-              <a14:hiddenLine xmlns:a14="http://schemas.microsoft.com/office/drawing/2010/main" w="9525">
+              <a14:hiddenLine xmlns:a14="http://schemas.microsoft.com/office/drawing/2010/main" xmlns="" w="9525">
                 <a:solidFill>
                   <a:schemeClr val="tx1"/>
                 </a:solidFill>
@@ -3500,7 +3500,7 @@
               </a14:hiddenLine>
             </a:ext>
             <a:ext uri="{AF507438-7753-43e0-B8FC-AC1667EBCBE1}">
-              <a14:hiddenEffects xmlns:a14="http://schemas.microsoft.com/office/drawing/2010/main">
+              <a14:hiddenEffects xmlns:a14="http://schemas.microsoft.com/office/drawing/2010/main" xmlns="">
                 <a:effectLst>
                   <a:outerShdw dist="35921" dir="2700000" algn="ctr" rotWithShape="0">
                     <a:schemeClr val="bg2"/>
@@ -3631,7 +3631,7 @@
                 </a:spcBef>
                 <a:defRPr/>
               </a:pPr>
-              <a:t>‹Nr.›</a:t>
+              <a:t>‹#›</a:t>
             </a:fld>
             <a:endParaRPr lang="de-DE" sz="1000" b="1" smtClean="0">
               <a:solidFill>
@@ -3671,7 +3671,7 @@
           <a:effectLst/>
           <a:extLst>
             <a:ext uri="{AF507438-7753-43e0-B8FC-AC1667EBCBE1}">
-              <a14:hiddenEffects xmlns:a14="http://schemas.microsoft.com/office/drawing/2010/main">
+              <a14:hiddenEffects xmlns:a14="http://schemas.microsoft.com/office/drawing/2010/main" xmlns="">
                 <a:effectLst>
                   <a:outerShdw dist="35921" dir="2700000" algn="ctr" rotWithShape="0">
                     <a:schemeClr val="bg2"/>
@@ -3719,7 +3719,7 @@
           <a:effectLst/>
           <a:extLst>
             <a:ext uri="{91240B29-F687-4f45-9708-019B960494DF}">
-              <a14:hiddenLine xmlns:a14="http://schemas.microsoft.com/office/drawing/2010/main" w="9525">
+              <a14:hiddenLine xmlns:a14="http://schemas.microsoft.com/office/drawing/2010/main" xmlns="" w="9525">
                 <a:solidFill>
                   <a:schemeClr val="tx1"/>
                 </a:solidFill>
@@ -3729,7 +3729,7 @@
               </a14:hiddenLine>
             </a:ext>
             <a:ext uri="{AF507438-7753-43e0-B8FC-AC1667EBCBE1}">
-              <a14:hiddenEffects xmlns:a14="http://schemas.microsoft.com/office/drawing/2010/main">
+              <a14:hiddenEffects xmlns:a14="http://schemas.microsoft.com/office/drawing/2010/main" xmlns="">
                 <a:effectLst>
                   <a:outerShdw dist="35921" dir="2700000" algn="ctr" rotWithShape="0">
                     <a:schemeClr val="bg2"/>
@@ -3770,14 +3770,14 @@
           <a:effectLst/>
           <a:extLst>
             <a:ext uri="{909E8E84-426E-40dd-AFC4-6F175D3DCCD1}">
-              <a14:hiddenFill xmlns:a14="http://schemas.microsoft.com/office/drawing/2010/main">
+              <a14:hiddenFill xmlns:a14="http://schemas.microsoft.com/office/drawing/2010/main" xmlns="">
                 <a:solidFill>
                   <a:schemeClr val="accent1"/>
                 </a:solidFill>
               </a14:hiddenFill>
             </a:ext>
             <a:ext uri="{91240B29-F687-4f45-9708-019B960494DF}">
-              <a14:hiddenLine xmlns:a14="http://schemas.microsoft.com/office/drawing/2010/main" w="9525">
+              <a14:hiddenLine xmlns:a14="http://schemas.microsoft.com/office/drawing/2010/main" xmlns="" w="9525">
                 <a:solidFill>
                   <a:schemeClr val="tx1"/>
                 </a:solidFill>
@@ -3787,7 +3787,7 @@
               </a14:hiddenLine>
             </a:ext>
             <a:ext uri="{AF507438-7753-43e0-B8FC-AC1667EBCBE1}">
-              <a14:hiddenEffects xmlns:a14="http://schemas.microsoft.com/office/drawing/2010/main">
+              <a14:hiddenEffects xmlns:a14="http://schemas.microsoft.com/office/drawing/2010/main" xmlns="">
                 <a:effectLst>
                   <a:outerShdw dist="35921" dir="2700000" algn="ctr" rotWithShape="0">
                     <a:schemeClr val="bg2"/>
@@ -3951,14 +3951,14 @@
           </a:ln>
           <a:extLst>
             <a:ext uri="{909E8E84-426E-40dd-AFC4-6F175D3DCCD1}">
-              <a14:hiddenFill xmlns:a14="http://schemas.microsoft.com/office/drawing/2010/main">
+              <a14:hiddenFill xmlns:a14="http://schemas.microsoft.com/office/drawing/2010/main" xmlns="">
                 <a:solidFill>
                   <a:srgbClr val="FFFFFF"/>
                 </a:solidFill>
               </a14:hiddenFill>
             </a:ext>
             <a:ext uri="{91240B29-F687-4f45-9708-019B960494DF}">
-              <a14:hiddenLine xmlns:a14="http://schemas.microsoft.com/office/drawing/2010/main" w="9525">
+              <a14:hiddenLine xmlns:a14="http://schemas.microsoft.com/office/drawing/2010/main" xmlns="" w="9525">
                 <a:solidFill>
                   <a:srgbClr val="000000"/>
                 </a:solidFill>
@@ -3979,7 +3979,7 @@
   <p:timing>
     <p:tnLst>
       <p:par>
-        <p:cTn xmlns:p14="http://schemas.microsoft.com/office/powerpoint/2010/main" id="1" dur="indefinite" restart="never" nodeType="tmRoot"/>
+        <p:cTn id="1" dur="indefinite" restart="never" nodeType="tmRoot"/>
       </p:par>
     </p:tnLst>
   </p:timing>
@@ -4748,7 +4748,7 @@
         <p:spPr>
           <a:xfrm>
             <a:off x="812405" y="4675100"/>
-            <a:ext cx="7759581" cy="602216"/>
+            <a:ext cx="7759581" cy="609398"/>
           </a:xfrm>
           <a:prstGeom prst="rect">
             <a:avLst/>
@@ -4795,20 +4795,24 @@
               <a:t> on </a:t>
             </a:r>
             <a:r>
-              <a:rPr lang="de-DE" sz="1400" dirty="0" err="1" smtClean="0"/>
+              <a:rPr lang="de-DE" sz="1400" u="sng" dirty="0" err="1" smtClean="0"/>
               <a:t>two</a:t>
             </a:r>
             <a:r>
+              <a:rPr lang="de-DE" sz="1400" u="sng" dirty="0" smtClean="0"/>
+              <a:t> </a:t>
+            </a:r>
+            <a:r>
+              <a:rPr lang="de-DE" sz="1400" u="sng" dirty="0" err="1" smtClean="0"/>
+              <a:t>predicted</a:t>
+            </a:r>
+            <a:r>
+              <a:rPr lang="de-DE" sz="1400" u="sng" dirty="0" smtClean="0"/>
+              <a:t> tags</a:t>
+            </a:r>
+            <a:r>
               <a:rPr lang="de-DE" sz="1400" dirty="0" smtClean="0"/>
-              <a:t> </a:t>
-            </a:r>
-            <a:r>
-              <a:rPr lang="de-DE" sz="1400" dirty="0" err="1" smtClean="0"/>
-              <a:t>predicted</a:t>
-            </a:r>
-            <a:r>
-              <a:rPr lang="de-DE" sz="1400" dirty="0" smtClean="0"/>
-              <a:t> tags (</a:t>
+              <a:t> (</a:t>
             </a:r>
             <a:r>
               <a:rPr lang="de-DE" sz="1400" dirty="0" err="1" smtClean="0"/>
@@ -4926,14 +4930,14 @@
           <a:effectLst/>
           <a:extLst>
             <a:ext uri="{909E8E84-426E-40dd-AFC4-6F175D3DCCD1}">
-              <a14:hiddenFill xmlns:a14="http://schemas.microsoft.com/office/drawing/2010/main">
+              <a14:hiddenFill xmlns:a14="http://schemas.microsoft.com/office/drawing/2010/main" xmlns="">
                 <a:solidFill>
                   <a:schemeClr val="accent1"/>
                 </a:solidFill>
               </a14:hiddenFill>
             </a:ext>
             <a:ext uri="{91240B29-F687-4f45-9708-019B960494DF}">
-              <a14:hiddenLine xmlns:a14="http://schemas.microsoft.com/office/drawing/2010/main" w="9525">
+              <a14:hiddenLine xmlns:a14="http://schemas.microsoft.com/office/drawing/2010/main" xmlns="" w="9525">
                 <a:solidFill>
                   <a:schemeClr val="tx1"/>
                 </a:solidFill>
@@ -4943,7 +4947,7 @@
               </a14:hiddenLine>
             </a:ext>
             <a:ext uri="{AF507438-7753-43e0-B8FC-AC1667EBCBE1}">
-              <a14:hiddenEffects xmlns:a14="http://schemas.microsoft.com/office/drawing/2010/main">
+              <a14:hiddenEffects xmlns:a14="http://schemas.microsoft.com/office/drawing/2010/main" xmlns="">
                 <a:effectLst>
                   <a:outerShdw dist="35921" dir="2700000" algn="ctr" rotWithShape="0">
                     <a:schemeClr val="bg2"/>
@@ -5097,11 +5101,7 @@
             </a:r>
             <a:r>
               <a:rPr lang="de-DE" sz="1500" b="1" dirty="0" smtClean="0"/>
-              <a:t> </a:t>
-            </a:r>
-            <a:r>
-              <a:rPr lang="de-DE" sz="1500" b="1" dirty="0" smtClean="0"/>
-              <a:t>Approach</a:t>
+              <a:t> Approach</a:t>
             </a:r>
             <a:r>
               <a:rPr lang="de-DE" b="1" dirty="0" smtClean="0"/>
@@ -5135,7 +5135,7 @@
   <p:timing>
     <p:tnLst>
       <p:par>
-        <p:cTn xmlns:p14="http://schemas.microsoft.com/office/powerpoint/2010/main" id="1" dur="indefinite" restart="never" nodeType="tmRoot"/>
+        <p:cTn id="1" dur="indefinite" restart="never" nodeType="tmRoot"/>
       </p:par>
     </p:tnLst>
   </p:timing>
@@ -5182,14 +5182,14 @@
           <a:effectLst/>
           <a:extLst>
             <a:ext uri="{909E8E84-426E-40dd-AFC4-6F175D3DCCD1}">
-              <a14:hiddenFill xmlns:a14="http://schemas.microsoft.com/office/drawing/2010/main">
+              <a14:hiddenFill xmlns:a14="http://schemas.microsoft.com/office/drawing/2010/main" xmlns="">
                 <a:solidFill>
                   <a:schemeClr val="accent1"/>
                 </a:solidFill>
               </a14:hiddenFill>
             </a:ext>
             <a:ext uri="{91240B29-F687-4f45-9708-019B960494DF}">
-              <a14:hiddenLine xmlns:a14="http://schemas.microsoft.com/office/drawing/2010/main" w="9525">
+              <a14:hiddenLine xmlns:a14="http://schemas.microsoft.com/office/drawing/2010/main" xmlns="" w="9525">
                 <a:solidFill>
                   <a:schemeClr val="tx1"/>
                 </a:solidFill>
@@ -5199,7 +5199,7 @@
               </a14:hiddenLine>
             </a:ext>
             <a:ext uri="{AF507438-7753-43e0-B8FC-AC1667EBCBE1}">
-              <a14:hiddenEffects xmlns:a14="http://schemas.microsoft.com/office/drawing/2010/main">
+              <a14:hiddenEffects xmlns:a14="http://schemas.microsoft.com/office/drawing/2010/main" xmlns="">
                 <a:effectLst>
                   <a:outerShdw dist="35921" dir="2700000" algn="ctr" rotWithShape="0">
                     <a:schemeClr val="bg2"/>
@@ -5364,7 +5364,7 @@
         <p:spPr>
           <a:xfrm>
             <a:off x="461963" y="1555747"/>
-            <a:ext cx="8224837" cy="1561453"/>
+            <a:ext cx="8224837" cy="1274195"/>
           </a:xfrm>
           <a:prstGeom prst="rect">
             <a:avLst/>
@@ -5393,12 +5393,12 @@
             <a:endParaRPr lang="de-DE" sz="1600" dirty="0"/>
           </a:p>
           <a:p>
-            <a:pPr marL="628650" lvl="1" indent="-171450">
+            <a:pPr marL="742950" lvl="1" indent="-285750">
               <a:lnSpc>
                 <a:spcPct val="120000"/>
               </a:lnSpc>
-              <a:buFont typeface="Arial"/>
-              <a:buChar char="•"/>
+              <a:buFont typeface="Wingdings" charset="2"/>
+              <a:buChar char="§"/>
             </a:pPr>
             <a:r>
               <a:rPr lang="de-DE" sz="1600" dirty="0" err="1" smtClean="0"/>
@@ -5465,12 +5465,12 @@
             </a:endParaRPr>
           </a:p>
           <a:p>
-            <a:pPr marL="628650" lvl="1" indent="-171450">
+            <a:pPr marL="742950" lvl="1" indent="-285750">
               <a:lnSpc>
                 <a:spcPct val="120000"/>
               </a:lnSpc>
-              <a:buFont typeface="Arial"/>
-              <a:buChar char="•"/>
+              <a:buFont typeface="Wingdings" charset="2"/>
+              <a:buChar char="§"/>
             </a:pPr>
             <a:r>
               <a:rPr lang="de-DE" sz="1600" dirty="0" smtClean="0"/>
@@ -5520,38 +5520,35 @@
               <a:rPr lang="de-DE" sz="1600" dirty="0" err="1" smtClean="0"/>
               <a:t>enough</a:t>
             </a:r>
-            <a:r>
-              <a:rPr lang="de-DE" sz="1600" dirty="0" smtClean="0"/>
-              <a:t> (</a:t>
-            </a:r>
-            <a:r>
-              <a:rPr lang="de-DE" sz="1600" dirty="0" err="1" smtClean="0"/>
-              <a:t>many</a:t>
-            </a:r>
-            <a:r>
-              <a:rPr lang="de-DE" sz="1600" dirty="0" smtClean="0"/>
-              <a:t> </a:t>
-            </a:r>
-            <a:r>
-              <a:rPr lang="de-DE" sz="1600" dirty="0" err="1" smtClean="0"/>
-              <a:t>false</a:t>
-            </a:r>
-            <a:r>
-              <a:rPr lang="de-DE" sz="1600" dirty="0" smtClean="0"/>
-              <a:t> positives)</a:t>
-            </a:r>
-          </a:p>
-          <a:p>
-            <a:pPr marL="628650" lvl="1" indent="-171450">
+            <a:endParaRPr lang="de-DE" sz="1600" dirty="0" smtClean="0"/>
+          </a:p>
+          <a:p>
+            <a:pPr marL="742950" lvl="1" indent="-285750">
               <a:lnSpc>
                 <a:spcPct val="120000"/>
               </a:lnSpc>
-              <a:buFont typeface="Arial"/>
-              <a:buChar char="•"/>
+              <a:buFont typeface="Wingdings" charset="2"/>
+              <a:buChar char="§"/>
             </a:pPr>
             <a:r>
+              <a:rPr lang="de-DE" sz="1600" dirty="0" err="1" smtClean="0"/>
+              <a:t>Merge</a:t>
+            </a:r>
+            <a:r>
               <a:rPr lang="de-DE" sz="1600" dirty="0" smtClean="0"/>
-              <a:t>Synonyms </a:t>
+              <a:t> </a:t>
+            </a:r>
+            <a:r>
+              <a:rPr lang="de-DE" sz="1600" dirty="0" err="1"/>
+              <a:t>s</a:t>
+            </a:r>
+            <a:r>
+              <a:rPr lang="de-DE" sz="1600" dirty="0" err="1" smtClean="0"/>
+              <a:t>ynonyms</a:t>
+            </a:r>
+            <a:r>
+              <a:rPr lang="de-DE" sz="1600" dirty="0" smtClean="0"/>
+              <a:t> </a:t>
             </a:r>
             <a:r>
               <a:rPr lang="de-DE" sz="1600" dirty="0" err="1" smtClean="0"/>
@@ -5563,21 +5560,7 @@
             </a:r>
             <a:r>
               <a:rPr lang="de-DE" sz="1600" dirty="0" err="1" smtClean="0"/>
-              <a:t>hyypernyms</a:t>
-            </a:r>
-            <a:endParaRPr lang="de-DE" sz="1600" dirty="0" smtClean="0"/>
-          </a:p>
-          <a:p>
-            <a:pPr marL="628650" lvl="1" indent="-171450">
-              <a:lnSpc>
-                <a:spcPct val="120000"/>
-              </a:lnSpc>
-              <a:buFont typeface="Arial"/>
-              <a:buChar char="•"/>
-            </a:pPr>
-            <a:r>
-              <a:rPr lang="de-DE" sz="1600" dirty="0" err="1" smtClean="0"/>
-              <a:t>Similar</a:t>
+              <a:t>similar</a:t>
             </a:r>
             <a:r>
               <a:rPr lang="de-DE" sz="1600" dirty="0" smtClean="0"/>
@@ -5595,7 +5578,7 @@
         </p:nvSpPr>
         <p:spPr>
           <a:xfrm>
-            <a:off x="461963" y="3339506"/>
+            <a:off x="461963" y="3046205"/>
             <a:ext cx="8224837" cy="1265988"/>
           </a:xfrm>
           <a:prstGeom prst="rect">
@@ -5621,12 +5604,12 @@
             <a:endParaRPr lang="de-DE" sz="1600" dirty="0"/>
           </a:p>
           <a:p>
-            <a:pPr marL="628650" lvl="1" indent="-171450">
+            <a:pPr marL="742950" lvl="1" indent="-285750">
               <a:lnSpc>
                 <a:spcPct val="120000"/>
               </a:lnSpc>
-              <a:buFont typeface="Arial"/>
-              <a:buChar char="•"/>
+              <a:buFont typeface="Wingdings" charset="2"/>
+              <a:buChar char="§"/>
             </a:pPr>
             <a:r>
               <a:rPr lang="de-DE" sz="1600" dirty="0" err="1" smtClean="0"/>
@@ -5661,21 +5644,64 @@
               <a:t> (</a:t>
             </a:r>
             <a:r>
-              <a:rPr lang="de-DE" sz="1600" dirty="0" err="1" smtClean="0"/>
+              <a:rPr lang="de-DE" sz="1600" i="1" dirty="0" err="1" smtClean="0"/>
               <a:t>k</a:t>
             </a:r>
             <a:r>
               <a:rPr lang="de-DE" sz="1600" dirty="0" smtClean="0"/>
-              <a:t>)</a:t>
-            </a:r>
-          </a:p>
-          <a:p>
-            <a:pPr marL="628650" lvl="1" indent="-171450">
+              <a:t>) </a:t>
+            </a:r>
+            <a:r>
+              <a:rPr lang="de-DE" sz="1600" dirty="0" smtClean="0">
+                <a:sym typeface="Wingdings"/>
+              </a:rPr>
+              <a:t> </a:t>
+            </a:r>
+            <a:r>
+              <a:rPr lang="de-DE" sz="1600" dirty="0" err="1" smtClean="0">
+                <a:sym typeface="Wingdings"/>
+              </a:rPr>
+              <a:t>analyse</a:t>
+            </a:r>
+            <a:r>
+              <a:rPr lang="de-DE" sz="1600" dirty="0" smtClean="0">
+                <a:sym typeface="Wingdings"/>
+              </a:rPr>
+              <a:t> </a:t>
+            </a:r>
+            <a:r>
+              <a:rPr lang="de-DE" sz="1600" dirty="0" err="1" smtClean="0">
+                <a:sym typeface="Wingdings"/>
+              </a:rPr>
+              <a:t>dendrogram</a:t>
+            </a:r>
+            <a:r>
+              <a:rPr lang="de-DE" sz="1600" dirty="0" smtClean="0">
+                <a:sym typeface="Wingdings"/>
+              </a:rPr>
+              <a:t> </a:t>
+            </a:r>
+            <a:r>
+              <a:rPr lang="de-DE" sz="1600" dirty="0" err="1" smtClean="0">
+                <a:sym typeface="Wingdings"/>
+              </a:rPr>
+              <a:t>from</a:t>
+            </a:r>
+            <a:r>
+              <a:rPr lang="de-DE" sz="1600" dirty="0" smtClean="0">
+                <a:sym typeface="Wingdings"/>
+              </a:rPr>
+              <a:t> HAC</a:t>
+            </a:r>
+            <a:endParaRPr lang="de-DE" sz="1600" dirty="0" smtClean="0"/>
+          </a:p>
+          <a:p>
+            <a:pPr marL="742950" lvl="1" indent="-285750">
               <a:lnSpc>
                 <a:spcPct val="120000"/>
               </a:lnSpc>
-              <a:buFont typeface="Arial"/>
-              <a:buChar char="•"/>
+              <a:buFont typeface="Wingdings" charset="2"/>
+              <a:buChar char="§"/>
             </a:pPr>
             <a:r>
               <a:rPr lang="de-DE" sz="1600" dirty="0" err="1" smtClean="0"/>
@@ -5751,12 +5777,12 @@
             </a:r>
           </a:p>
           <a:p>
-            <a:pPr marL="628650" lvl="1" indent="-171450">
+            <a:pPr marL="742950" lvl="1" indent="-285750">
               <a:lnSpc>
                 <a:spcPct val="120000"/>
               </a:lnSpc>
-              <a:buFont typeface="Arial"/>
-              <a:buChar char="•"/>
+              <a:buFont typeface="Wingdings" charset="2"/>
+              <a:buChar char="§"/>
             </a:pPr>
             <a:r>
               <a:rPr lang="de-DE" sz="1600" dirty="0" err="1" smtClean="0"/>
@@ -5814,7 +5840,7 @@
         </p:nvSpPr>
         <p:spPr>
           <a:xfrm>
-            <a:off x="461963" y="4821151"/>
+            <a:off x="461963" y="4602613"/>
             <a:ext cx="8224837" cy="970522"/>
           </a:xfrm>
           <a:prstGeom prst="rect">
@@ -5842,12 +5868,8 @@
               <a:t> </a:t>
             </a:r>
             <a:r>
-              <a:rPr lang="de-DE" sz="1600" b="1" dirty="0" err="1" smtClean="0"/>
-              <a:t>and</a:t>
-            </a:r>
-            <a:r>
               <a:rPr lang="de-DE" sz="1600" b="1" dirty="0" smtClean="0"/>
-              <a:t> </a:t>
+              <a:t>&amp; </a:t>
             </a:r>
             <a:r>
               <a:rPr lang="de-DE" sz="1600" b="1" dirty="0" err="1" smtClean="0"/>
@@ -5860,12 +5882,12 @@
             <a:endParaRPr lang="de-DE" sz="1600" dirty="0"/>
           </a:p>
           <a:p>
-            <a:pPr marL="628650" lvl="1" indent="-171450">
+            <a:pPr marL="742950" lvl="1" indent="-285750">
               <a:lnSpc>
                 <a:spcPct val="120000"/>
               </a:lnSpc>
-              <a:buFont typeface="Arial"/>
-              <a:buChar char="•"/>
+              <a:buFont typeface="Wingdings" charset="2"/>
+              <a:buChar char="§"/>
             </a:pPr>
             <a:r>
               <a:rPr lang="de-DE" sz="1600" dirty="0" err="1" smtClean="0"/>
@@ -5887,15 +5909,47 @@
               <a:rPr lang="de-DE" sz="1600" dirty="0" err="1" smtClean="0"/>
               <a:t>features</a:t>
             </a:r>
+            <a:r>
+              <a:rPr lang="de-DE" sz="1600" dirty="0" smtClean="0"/>
+              <a:t> </a:t>
+            </a:r>
+            <a:r>
+              <a:rPr lang="de-DE" sz="1600" dirty="0" err="1" smtClean="0"/>
+              <a:t>for</a:t>
+            </a:r>
+            <a:r>
+              <a:rPr lang="de-DE" sz="1600" dirty="0" smtClean="0"/>
+              <a:t> </a:t>
+            </a:r>
+            <a:r>
+              <a:rPr lang="de-DE" sz="1600" dirty="0" err="1" smtClean="0"/>
+              <a:t>forward</a:t>
+            </a:r>
+            <a:r>
+              <a:rPr lang="de-DE" sz="1600" dirty="0" smtClean="0"/>
+              <a:t>/</a:t>
+            </a:r>
+            <a:r>
+              <a:rPr lang="de-DE" sz="1600" dirty="0" err="1" smtClean="0"/>
+              <a:t>backward</a:t>
+            </a:r>
+            <a:r>
+              <a:rPr lang="de-DE" sz="1600" dirty="0" smtClean="0"/>
+              <a:t> </a:t>
+            </a:r>
+            <a:r>
+              <a:rPr lang="de-DE" sz="1600" dirty="0" err="1" smtClean="0"/>
+              <a:t>selection</a:t>
+            </a:r>
             <a:endParaRPr lang="de-DE" sz="1600" dirty="0"/>
           </a:p>
           <a:p>
-            <a:pPr marL="628650" lvl="1" indent="-171450">
+            <a:pPr marL="742950" lvl="1" indent="-285750">
               <a:lnSpc>
                 <a:spcPct val="120000"/>
               </a:lnSpc>
-              <a:buFont typeface="Arial"/>
-              <a:buChar char="•"/>
+              <a:buFont typeface="Wingdings" charset="2"/>
+              <a:buChar char="§"/>
             </a:pPr>
             <a:r>
               <a:rPr lang="de-DE" sz="1600" dirty="0" smtClean="0"/>
@@ -5938,7 +5992,7 @@
   <p:timing>
     <p:tnLst>
       <p:par>
-        <p:cTn xmlns:p14="http://schemas.microsoft.com/office/powerpoint/2010/main" id="1" dur="indefinite" restart="never" nodeType="tmRoot"/>
+        <p:cTn id="1" dur="indefinite" restart="never" nodeType="tmRoot"/>
       </p:par>
     </p:tnLst>
   </p:timing>
@@ -5985,14 +6039,14 @@
           <a:effectLst/>
           <a:extLst>
             <a:ext uri="{909E8E84-426E-40dd-AFC4-6F175D3DCCD1}">
-              <a14:hiddenFill xmlns:a14="http://schemas.microsoft.com/office/drawing/2010/main">
+              <a14:hiddenFill xmlns:a14="http://schemas.microsoft.com/office/drawing/2010/main" xmlns="">
                 <a:solidFill>
                   <a:schemeClr val="accent1"/>
                 </a:solidFill>
               </a14:hiddenFill>
             </a:ext>
             <a:ext uri="{91240B29-F687-4f45-9708-019B960494DF}">
-              <a14:hiddenLine xmlns:a14="http://schemas.microsoft.com/office/drawing/2010/main" w="9525">
+              <a14:hiddenLine xmlns:a14="http://schemas.microsoft.com/office/drawing/2010/main" xmlns="" w="9525">
                 <a:solidFill>
                   <a:schemeClr val="tx1"/>
                 </a:solidFill>
@@ -6002,7 +6056,7 @@
               </a14:hiddenLine>
             </a:ext>
             <a:ext uri="{AF507438-7753-43e0-B8FC-AC1667EBCBE1}">
-              <a14:hiddenEffects xmlns:a14="http://schemas.microsoft.com/office/drawing/2010/main">
+              <a14:hiddenEffects xmlns:a14="http://schemas.microsoft.com/office/drawing/2010/main" xmlns="">
                 <a:effectLst>
                   <a:outerShdw dist="35921" dir="2700000" algn="ctr" rotWithShape="0">
                     <a:schemeClr val="bg2"/>
@@ -6159,14 +6213,198 @@
               <a:t> </a:t>
             </a:r>
             <a:r>
-              <a:rPr lang="de-DE" b="1" dirty="0" err="1"/>
-              <a:t>r</a:t>
-            </a:r>
-            <a:r>
               <a:rPr lang="de-DE" b="1" dirty="0" err="1" smtClean="0"/>
-              <a:t>esults</a:t>
+              <a:t>results</a:t>
+            </a:r>
+            <a:r>
+              <a:rPr lang="de-DE" b="1" dirty="0" smtClean="0"/>
+              <a:t> &amp; Outlook</a:t>
             </a:r>
             <a:endParaRPr lang="de-DE" b="1" kern="0" dirty="0" smtClean="0"/>
+          </a:p>
+        </p:txBody>
+      </p:sp>
+      <p:sp>
+        <p:nvSpPr>
+          <p:cNvPr id="3" name="TextBox 2"/>
+          <p:cNvSpPr txBox="1"/>
+          <p:nvPr/>
+        </p:nvSpPr>
+        <p:spPr>
+          <a:xfrm>
+            <a:off x="461963" y="1719114"/>
+            <a:ext cx="8544014" cy="4154984"/>
+          </a:xfrm>
+          <a:prstGeom prst="rect">
+            <a:avLst/>
+          </a:prstGeom>
+          <a:noFill/>
+        </p:spPr>
+        <p:txBody>
+          <a:bodyPr wrap="square" rtlCol="0">
+            <a:spAutoFit/>
+          </a:bodyPr>
+          <a:lstStyle/>
+          <a:p>
+            <a:pPr>
+              <a:lnSpc>
+                <a:spcPct val="150000"/>
+              </a:lnSpc>
+            </a:pPr>
+            <a:r>
+              <a:rPr lang="en-US" sz="1600" b="1" dirty="0" smtClean="0"/>
+              <a:t>Expected results:</a:t>
+            </a:r>
+          </a:p>
+          <a:p>
+            <a:pPr marL="285750" indent="-285750">
+              <a:lnSpc>
+                <a:spcPct val="150000"/>
+              </a:lnSpc>
+              <a:buFont typeface="Wingdings" charset="2"/>
+              <a:buChar char="§"/>
+            </a:pPr>
+            <a:r>
+              <a:rPr lang="en-US" sz="1600" dirty="0" smtClean="0"/>
+              <a:t>Precision and recall not ideal but predicted tags are reasonable for humans</a:t>
+            </a:r>
+          </a:p>
+          <a:p>
+            <a:pPr marL="285750" indent="-285750">
+              <a:lnSpc>
+                <a:spcPct val="150000"/>
+              </a:lnSpc>
+              <a:buFont typeface="Wingdings" charset="2"/>
+              <a:buChar char="§"/>
+            </a:pPr>
+            <a:r>
+              <a:rPr lang="en-US" sz="1600" dirty="0" smtClean="0"/>
+              <a:t>Precision decreases by the number of suggested tags</a:t>
+            </a:r>
+          </a:p>
+          <a:p>
+            <a:pPr marL="285750" indent="-285750">
+              <a:lnSpc>
+                <a:spcPct val="150000"/>
+              </a:lnSpc>
+              <a:buFont typeface="Wingdings" charset="2"/>
+              <a:buChar char="§"/>
+            </a:pPr>
+            <a:r>
+              <a:rPr lang="en-US" sz="1600" dirty="0" smtClean="0"/>
+              <a:t>Recall increases by the number of suggested tags</a:t>
+            </a:r>
+          </a:p>
+          <a:p>
+            <a:pPr marL="285750" indent="-285750">
+              <a:lnSpc>
+                <a:spcPct val="150000"/>
+              </a:lnSpc>
+              <a:buFont typeface="Wingdings" charset="2"/>
+              <a:buChar char="§"/>
+            </a:pPr>
+            <a:r>
+              <a:rPr lang="en-US" sz="1600" dirty="0" smtClean="0"/>
+              <a:t>Classification works better than clustering (but good to </a:t>
+            </a:r>
+            <a:r>
+              <a:rPr lang="en-US" sz="1600" smtClean="0"/>
+              <a:t>get overview</a:t>
+            </a:r>
+            <a:r>
+              <a:rPr lang="en-US" sz="1600" dirty="0" smtClean="0"/>
+              <a:t>)</a:t>
+            </a:r>
+          </a:p>
+          <a:p>
+            <a:pPr marL="285750" indent="-285750">
+              <a:lnSpc>
+                <a:spcPct val="150000"/>
+              </a:lnSpc>
+              <a:buFont typeface="Wingdings" charset="2"/>
+              <a:buChar char="§"/>
+            </a:pPr>
+            <a:endParaRPr lang="en-US" sz="1600" dirty="0" smtClean="0"/>
+          </a:p>
+          <a:p>
+            <a:pPr>
+              <a:lnSpc>
+                <a:spcPct val="150000"/>
+              </a:lnSpc>
+            </a:pPr>
+            <a:r>
+              <a:rPr lang="en-US" sz="1600" b="1" dirty="0" smtClean="0"/>
+              <a:t>Outlook:</a:t>
+            </a:r>
+          </a:p>
+          <a:p>
+            <a:pPr marL="285750" indent="-285750">
+              <a:lnSpc>
+                <a:spcPct val="150000"/>
+              </a:lnSpc>
+              <a:buFont typeface="Wingdings" charset="2"/>
+              <a:buChar char="§"/>
+            </a:pPr>
+            <a:r>
+              <a:rPr lang="en-US" sz="1600" dirty="0" smtClean="0"/>
+              <a:t>Improve preprocessing (POS, weighting)</a:t>
+            </a:r>
+          </a:p>
+          <a:p>
+            <a:pPr marL="285750" indent="-285750">
+              <a:lnSpc>
+                <a:spcPct val="150000"/>
+              </a:lnSpc>
+              <a:buFont typeface="Wingdings" charset="2"/>
+              <a:buChar char="§"/>
+            </a:pPr>
+            <a:r>
+              <a:rPr lang="en-US" sz="1600" dirty="0" smtClean="0"/>
+              <a:t>Use different (more independent) features for Na</a:t>
+            </a:r>
+            <a:r>
+              <a:rPr lang="de-DE" sz="1600" dirty="0" err="1" smtClean="0"/>
+              <a:t>ï</a:t>
+            </a:r>
+            <a:r>
+              <a:rPr lang="en-US" sz="1600" dirty="0" err="1" smtClean="0"/>
+              <a:t>ves</a:t>
+            </a:r>
+            <a:r>
+              <a:rPr lang="en-US" sz="1600" dirty="0" smtClean="0"/>
+              <a:t> Bayes </a:t>
+            </a:r>
+            <a:r>
+              <a:rPr lang="en-US" sz="1600" dirty="0" smtClean="0">
+                <a:sym typeface="Wingdings"/>
+              </a:rPr>
+              <a:t> better results expected</a:t>
+            </a:r>
+            <a:endParaRPr lang="en-US" sz="1600" dirty="0" smtClean="0"/>
+          </a:p>
+          <a:p>
+            <a:pPr marL="285750" indent="-285750">
+              <a:lnSpc>
+                <a:spcPct val="150000"/>
+              </a:lnSpc>
+              <a:buFont typeface="Wingdings" charset="2"/>
+              <a:buChar char="§"/>
+            </a:pPr>
+            <a:r>
+              <a:rPr lang="en-US" sz="1600" dirty="0" smtClean="0"/>
+              <a:t>Evaluation of different parameters and models</a:t>
+            </a:r>
+            <a:endParaRPr lang="en-US" sz="1600" dirty="0"/>
+          </a:p>
+          <a:p>
+            <a:pPr marL="285750" indent="-285750">
+              <a:lnSpc>
+                <a:spcPct val="150000"/>
+              </a:lnSpc>
+              <a:buFont typeface="Wingdings" charset="2"/>
+              <a:buChar char="§"/>
+            </a:pPr>
+            <a:endParaRPr lang="en-US" sz="1600" dirty="0" smtClean="0"/>
           </a:p>
         </p:txBody>
       </p:sp>
@@ -6183,7 +6421,7 @@
   <p:timing>
     <p:tnLst>
       <p:par>
-        <p:cTn xmlns:p14="http://schemas.microsoft.com/office/powerpoint/2010/main" id="1" dur="indefinite" restart="never" nodeType="tmRoot"/>
+        <p:cTn id="1" dur="indefinite" restart="never" nodeType="tmRoot"/>
       </p:par>
     </p:tnLst>
   </p:timing>
@@ -6230,14 +6468,14 @@
           <a:effectLst/>
           <a:extLst>
             <a:ext uri="{909E8E84-426E-40dd-AFC4-6F175D3DCCD1}">
-              <a14:hiddenFill xmlns:a14="http://schemas.microsoft.com/office/drawing/2010/main">
+              <a14:hiddenFill xmlns:a14="http://schemas.microsoft.com/office/drawing/2010/main" xmlns="">
                 <a:solidFill>
                   <a:schemeClr val="accent1"/>
                 </a:solidFill>
               </a14:hiddenFill>
             </a:ext>
             <a:ext uri="{91240B29-F687-4f45-9708-019B960494DF}">
-              <a14:hiddenLine xmlns:a14="http://schemas.microsoft.com/office/drawing/2010/main" w="9525">
+              <a14:hiddenLine xmlns:a14="http://schemas.microsoft.com/office/drawing/2010/main" xmlns="" w="9525">
                 <a:solidFill>
                   <a:schemeClr val="tx1"/>
                 </a:solidFill>
@@ -6247,7 +6485,7 @@
               </a14:hiddenLine>
             </a:ext>
             <a:ext uri="{AF507438-7753-43e0-B8FC-AC1667EBCBE1}">
-              <a14:hiddenEffects xmlns:a14="http://schemas.microsoft.com/office/drawing/2010/main">
+              <a14:hiddenEffects xmlns:a14="http://schemas.microsoft.com/office/drawing/2010/main" xmlns="">
                 <a:effectLst>
                   <a:outerShdw dist="35921" dir="2700000" algn="ctr" rotWithShape="0">
                     <a:schemeClr val="bg2"/>
@@ -6621,7 +6859,7 @@
               <a:rPr lang="de-DE" dirty="0" err="1" smtClean="0"/>
               <a:t>O‘Really</a:t>
             </a:r>
-            <a:endParaRPr lang="de-DE" dirty="0"/>
+            <a:endParaRPr lang="de-DE" dirty="0" smtClean="0"/>
           </a:p>
         </p:txBody>
       </p:sp>
@@ -6696,8 +6934,8 @@
         </p:nvSpPr>
         <p:spPr>
           <a:xfrm>
-            <a:off x="652463" y="1476086"/>
-            <a:ext cx="5999380" cy="4005266"/>
+            <a:off x="652462" y="1247605"/>
+            <a:ext cx="5249132" cy="4090526"/>
           </a:xfrm>
         </p:spPr>
         <p:txBody>
@@ -6709,10 +6947,6 @@
               <a:rPr lang="en-US" sz="1800" b="1" dirty="0" smtClean="0"/>
               <a:t>Task</a:t>
             </a:r>
-            <a:br>
-              <a:rPr lang="en-US" sz="1800" b="1" dirty="0" smtClean="0"/>
-            </a:br>
-            <a:endParaRPr lang="en-US" sz="1800" b="1" dirty="0" smtClean="0"/>
           </a:p>
           <a:p>
             <a:pPr marL="285750" indent="-285750">
@@ -6725,15 +6959,15 @@
             </a:r>
             <a:r>
               <a:rPr lang="en-US" sz="1800" dirty="0"/>
-              <a:t>tagging of unseen posts using both an </a:t>
-            </a:r>
-            <a:r>
-              <a:rPr lang="en-US" sz="1800" u="sng" dirty="0"/>
+              <a:t>tagging of unseen posts using both </a:t>
+            </a:r>
+            <a:r>
+              <a:rPr lang="en-US" sz="1800" u="sng" dirty="0" smtClean="0"/>
               <a:t>supervised</a:t>
             </a:r>
             <a:r>
-              <a:rPr lang="en-US" sz="1800" dirty="0"/>
-              <a:t> and </a:t>
+              <a:rPr lang="en-US" sz="1800" dirty="0" smtClean="0"/>
+              <a:t> &amp; </a:t>
             </a:r>
             <a:r>
               <a:rPr lang="en-US" sz="1800" u="sng" dirty="0"/>
@@ -6747,24 +6981,17 @@
               <a:rPr lang="en-US" sz="1800" dirty="0" smtClean="0"/>
               <a:t>approach</a:t>
             </a:r>
-            <a:br>
-              <a:rPr lang="en-US" sz="1800" dirty="0" smtClean="0"/>
-            </a:br>
-            <a:endParaRPr lang="en-US" sz="1800" dirty="0" smtClean="0"/>
           </a:p>
           <a:p>
             <a:pPr marL="0" indent="0"/>
-            <a:r>
-              <a:rPr lang="en-US" sz="1800" b="1" dirty="0"/>
-              <a:t>Data </a:t>
-            </a:r>
+            <a:endParaRPr lang="en-US" sz="1200" b="1" dirty="0" smtClean="0"/>
+          </a:p>
+          <a:p>
+            <a:pPr marL="0" indent="0"/>
             <a:r>
               <a:rPr lang="en-US" sz="1800" b="1" dirty="0" smtClean="0"/>
-              <a:t>set</a:t>
-            </a:r>
-            <a:br>
-              <a:rPr lang="en-US" sz="1800" b="1" dirty="0" smtClean="0"/>
-            </a:br>
+              <a:t>Data set</a:t>
+            </a:r>
             <a:endParaRPr lang="en-US" sz="1800" dirty="0"/>
           </a:p>
           <a:p>
@@ -6777,7 +7004,7 @@
             </a:pPr>
             <a:r>
               <a:rPr lang="de-DE" sz="1800" dirty="0" err="1" smtClean="0"/>
-              <a:t>Stack</a:t>
+              <a:t>StackExchange</a:t>
             </a:r>
             <a:r>
               <a:rPr lang="de-DE" sz="1800" dirty="0" smtClean="0"/>
@@ -6785,7 +7012,7 @@
             </a:r>
             <a:r>
               <a:rPr lang="de-DE" sz="1800" dirty="0"/>
-              <a:t>Exchange Data </a:t>
+              <a:t>Data </a:t>
             </a:r>
             <a:r>
               <a:rPr lang="de-DE" sz="1800" dirty="0" err="1"/>
@@ -6805,12 +7032,9 @@
             </a:r>
             <a:r>
               <a:rPr lang="de-DE" sz="1800" dirty="0" smtClean="0"/>
-              <a:t>March, </a:t>
-            </a:r>
-            <a:r>
-              <a:rPr lang="de-DE" sz="1800" dirty="0"/>
-              <a:t>2016</a:t>
-            </a:r>
+              <a:t>March, ‘16</a:t>
+            </a:r>
+            <a:endParaRPr lang="de-DE" sz="1800" dirty="0"/>
           </a:p>
           <a:p>
             <a:pPr eaLnBrk="1" hangingPunct="1">
@@ -6833,6 +7057,93 @@
                 <a:hlinkClick r:id="rId3"/>
               </a:rPr>
               <a:t>programmers.stackexchange.com</a:t>
+            </a:r>
+            <a:endParaRPr lang="de-DE" sz="1800" dirty="0" smtClean="0"/>
+          </a:p>
+          <a:p>
+            <a:pPr eaLnBrk="1" hangingPunct="1">
+              <a:lnSpc>
+                <a:spcPct val="90000"/>
+              </a:lnSpc>
+              <a:buFont typeface="Wingdings" charset="2"/>
+              <a:buChar char="§"/>
+            </a:pPr>
+            <a:endParaRPr lang="de-DE" sz="1800" dirty="0" smtClean="0"/>
+          </a:p>
+          <a:p>
+            <a:pPr eaLnBrk="1" hangingPunct="1">
+              <a:lnSpc>
+                <a:spcPct val="90000"/>
+              </a:lnSpc>
+              <a:buFont typeface="Wingdings" charset="2"/>
+              <a:buChar char="§"/>
+            </a:pPr>
+            <a:endParaRPr lang="de-DE" sz="1800" dirty="0" smtClean="0"/>
+          </a:p>
+          <a:p>
+            <a:pPr eaLnBrk="1" hangingPunct="1">
+              <a:lnSpc>
+                <a:spcPct val="90000"/>
+              </a:lnSpc>
+              <a:buFont typeface="Wingdings" charset="2"/>
+              <a:buChar char="§"/>
+            </a:pPr>
+            <a:r>
+              <a:rPr lang="de-DE" sz="1800" u="sng" dirty="0" smtClean="0"/>
+              <a:t>Training </a:t>
+            </a:r>
+            <a:r>
+              <a:rPr lang="de-DE" sz="1800" u="sng" dirty="0" err="1" smtClean="0"/>
+              <a:t>set</a:t>
+            </a:r>
+            <a:r>
+              <a:rPr lang="de-DE" sz="1800" u="sng" dirty="0" smtClean="0"/>
+              <a:t>:</a:t>
+            </a:r>
+            <a:r>
+              <a:rPr lang="de-DE" sz="1800" dirty="0" smtClean="0"/>
+              <a:t> 34,500 </a:t>
+            </a:r>
+            <a:r>
+              <a:rPr lang="de-DE" sz="1800" dirty="0" err="1" smtClean="0"/>
+              <a:t>posts</a:t>
+            </a:r>
+            <a:r>
+              <a:rPr lang="de-DE" sz="1600" dirty="0" smtClean="0"/>
+              <a:t> (~90%)</a:t>
+            </a:r>
+          </a:p>
+          <a:p>
+            <a:pPr eaLnBrk="1" hangingPunct="1">
+              <a:lnSpc>
+                <a:spcPct val="90000"/>
+              </a:lnSpc>
+              <a:buFont typeface="Wingdings" charset="2"/>
+              <a:buChar char="§"/>
+            </a:pPr>
+            <a:r>
+              <a:rPr lang="de-DE" sz="1800" u="sng" dirty="0" smtClean="0"/>
+              <a:t>Test </a:t>
+            </a:r>
+            <a:r>
+              <a:rPr lang="de-DE" sz="1800" u="sng" dirty="0" err="1" smtClean="0"/>
+              <a:t>set</a:t>
+            </a:r>
+            <a:r>
+              <a:rPr lang="de-DE" sz="1800" u="sng" dirty="0" smtClean="0"/>
+              <a:t>:</a:t>
+            </a:r>
+            <a:r>
+              <a:rPr lang="de-DE" sz="1800" dirty="0" smtClean="0"/>
+              <a:t>         3,800 </a:t>
+            </a:r>
+            <a:r>
+              <a:rPr lang="de-DE" sz="1800" dirty="0" err="1" smtClean="0"/>
+              <a:t>posts</a:t>
+            </a:r>
+            <a:r>
+              <a:rPr lang="de-DE" sz="1600" dirty="0" smtClean="0"/>
+              <a:t> (~10%)</a:t>
             </a:r>
             <a:endParaRPr lang="de-DE" sz="1800" dirty="0"/>
           </a:p>
@@ -6854,7 +7165,7 @@
         </p:blipFill>
         <p:spPr>
           <a:xfrm>
-            <a:off x="6505616" y="3410433"/>
+            <a:off x="6327026" y="924741"/>
             <a:ext cx="2290830" cy="682667"/>
           </a:xfrm>
           <a:prstGeom prst="rect">
@@ -6869,16 +7180,12 @@
             <a:graphicFrameLocks noGrp="1"/>
           </p:cNvGraphicFramePr>
           <p:nvPr>
-            <p:extLst>
-              <p:ext uri="{D42A27DB-BD31-4B8C-83A1-F6EECF244321}">
-                <p14:modId xmlns:p14="http://schemas.microsoft.com/office/powerpoint/2010/main" val="2082003205"/>
-              </p:ext>
-            </p:extLst>
+            <p:extLst/>
           </p:nvPr>
         </p:nvGraphicFramePr>
         <p:xfrm>
-          <a:off x="734697" y="4878830"/>
-          <a:ext cx="3255455" cy="1054156"/>
+          <a:off x="6172790" y="1584243"/>
+          <a:ext cx="2350024" cy="1054156"/>
         </p:xfrm>
         <a:graphic>
           <a:graphicData uri="http://schemas.openxmlformats.org/drawingml/2006/table">
@@ -6887,8 +7194,8 @@
                 <a:tableStyleId>{5C22544A-7EE6-4342-B048-85BDC9FD1C3A}</a:tableStyleId>
               </a:tblPr>
               <a:tblGrid>
-                <a:gridCol w="1675310"/>
-                <a:gridCol w="1580145"/>
+                <a:gridCol w="1209361"/>
+                <a:gridCol w="1140663"/>
               </a:tblGrid>
               <a:tr h="334156">
                 <a:tc gridSpan="2">
@@ -7042,16 +7349,12 @@
             <a:graphicFrameLocks noGrp="1"/>
           </p:cNvGraphicFramePr>
           <p:nvPr>
-            <p:extLst>
-              <p:ext uri="{D42A27DB-BD31-4B8C-83A1-F6EECF244321}">
-                <p14:modId xmlns:p14="http://schemas.microsoft.com/office/powerpoint/2010/main" val="819759470"/>
-              </p:ext>
-            </p:extLst>
+            <p:extLst/>
           </p:nvPr>
         </p:nvGraphicFramePr>
         <p:xfrm>
-          <a:off x="5431345" y="4573503"/>
-          <a:ext cx="3255455" cy="1446828"/>
+          <a:off x="6726742" y="2993971"/>
+          <a:ext cx="1796072" cy="1378989"/>
         </p:xfrm>
         <a:graphic>
           <a:graphicData uri="http://schemas.openxmlformats.org/drawingml/2006/table">
@@ -7060,10 +7363,10 @@
                 <a:tableStyleId>{5C22544A-7EE6-4342-B048-85BDC9FD1C3A}</a:tableStyleId>
               </a:tblPr>
               <a:tblGrid>
-                <a:gridCol w="1788955"/>
-                <a:gridCol w="1466500"/>
+                <a:gridCol w="1048096"/>
+                <a:gridCol w="747976"/>
               </a:tblGrid>
-              <a:tr h="366828">
+              <a:tr h="349629">
                 <a:tc gridSpan="2">
                   <a:txBody>
                     <a:bodyPr/>
@@ -7071,18 +7374,18 @@
                     <a:p>
                       <a:pPr algn="ctr"/>
                       <a:r>
-                        <a:rPr lang="en-US" sz="1800" dirty="0" smtClean="0"/>
+                        <a:rPr lang="en-US" sz="1600" dirty="0" smtClean="0"/>
                         <a:t>Tags</a:t>
                       </a:r>
                       <a:r>
-                        <a:rPr lang="en-US" sz="1800" baseline="0" dirty="0" smtClean="0"/>
+                        <a:rPr lang="en-US" sz="1600" baseline="0" dirty="0" smtClean="0"/>
                         <a:t> per </a:t>
                       </a:r>
                       <a:r>
-                        <a:rPr lang="en-US" sz="1800" dirty="0" smtClean="0"/>
+                        <a:rPr lang="en-US" sz="1600" dirty="0" smtClean="0"/>
                         <a:t>post</a:t>
                       </a:r>
-                      <a:endParaRPr lang="en-US" sz="1800" dirty="0"/>
+                      <a:endParaRPr lang="en-US" sz="1600" dirty="0"/>
                     </a:p>
                   </a:txBody>
                   <a:tcPr marB="0"/>
@@ -7099,7 +7402,7 @@
                   <a:tcPr marB="0"/>
                 </a:tc>
               </a:tr>
-              <a:tr h="360000">
+              <a:tr h="343120">
                 <a:tc>
                   <a:txBody>
                     <a:bodyPr/>
@@ -7123,10 +7426,10 @@
                         <a:defRPr/>
                       </a:pPr>
                       <a:r>
-                        <a:rPr lang="de-DE" sz="1800" dirty="0" smtClean="0"/>
+                        <a:rPr lang="de-DE" sz="1600" dirty="0" smtClean="0"/>
                         <a:t>Min</a:t>
                       </a:r>
-                      <a:endParaRPr lang="en-US" sz="1800" dirty="0"/>
+                      <a:endParaRPr lang="en-US" sz="1600" dirty="0"/>
                     </a:p>
                   </a:txBody>
                   <a:tcPr marB="0"/>
@@ -7154,16 +7457,16 @@
                         <a:defRPr/>
                       </a:pPr>
                       <a:r>
-                        <a:rPr lang="en-US" sz="1800" dirty="0" smtClean="0"/>
+                        <a:rPr lang="en-US" sz="1600" dirty="0" smtClean="0"/>
                         <a:t>1</a:t>
                       </a:r>
-                      <a:endParaRPr lang="en-US" sz="1800" dirty="0"/>
+                      <a:endParaRPr lang="en-US" sz="1600" dirty="0"/>
                     </a:p>
                   </a:txBody>
                   <a:tcPr marB="0"/>
                 </a:tc>
               </a:tr>
-              <a:tr h="360000">
+              <a:tr h="343120">
                 <a:tc>
                   <a:txBody>
                     <a:bodyPr/>
@@ -7187,10 +7490,10 @@
                         <a:defRPr/>
                       </a:pPr>
                       <a:r>
-                        <a:rPr lang="de-DE" sz="1800" dirty="0" smtClean="0"/>
+                        <a:rPr lang="de-DE" sz="1600" dirty="0" smtClean="0"/>
                         <a:t>Max</a:t>
                       </a:r>
-                      <a:endParaRPr lang="en-US" sz="1800" dirty="0"/>
+                      <a:endParaRPr lang="en-US" sz="1600" dirty="0"/>
                     </a:p>
                   </a:txBody>
                   <a:tcPr marB="0"/>
@@ -7218,16 +7521,16 @@
                         <a:defRPr/>
                       </a:pPr>
                       <a:r>
-                        <a:rPr lang="en-US" sz="1800" dirty="0" smtClean="0"/>
+                        <a:rPr lang="en-US" sz="1600" dirty="0" smtClean="0"/>
                         <a:t>5</a:t>
                       </a:r>
-                      <a:endParaRPr lang="en-US" sz="1800" dirty="0"/>
+                      <a:endParaRPr lang="en-US" sz="1600" dirty="0"/>
                     </a:p>
                   </a:txBody>
                   <a:tcPr marB="0"/>
                 </a:tc>
               </a:tr>
-              <a:tr h="360000">
+              <a:tr h="343120">
                 <a:tc>
                   <a:txBody>
                     <a:bodyPr/>
@@ -7251,10 +7554,10 @@
                         <a:defRPr/>
                       </a:pPr>
                       <a:r>
-                        <a:rPr lang="de-DE" sz="1800" dirty="0" smtClean="0"/>
+                        <a:rPr lang="de-DE" sz="1600" dirty="0" smtClean="0"/>
                         <a:t>Average</a:t>
                       </a:r>
-                      <a:endParaRPr lang="en-US" sz="1800" dirty="0"/>
+                      <a:endParaRPr lang="en-US" sz="1600" dirty="0"/>
                     </a:p>
                   </a:txBody>
                   <a:tcPr marB="0"/>
@@ -7282,7 +7585,7 @@
                         <a:defRPr/>
                       </a:pPr>
                       <a:r>
-                        <a:rPr lang="de-DE" sz="1800" dirty="0" smtClean="0"/>
+                        <a:rPr lang="de-DE" sz="1600" dirty="0" smtClean="0"/>
                         <a:t>2.68</a:t>
                       </a:r>
                     </a:p>
@@ -7297,7 +7600,7 @@
     </p:spTree>
     <p:extLst>
       <p:ext uri="{BB962C8B-B14F-4D97-AF65-F5344CB8AC3E}">
-        <p14:creationId xmlns:p14="http://schemas.microsoft.com/office/powerpoint/2010/main" val="2055998262"/>
+        <p14:creationId xmlns:p14="http://schemas.microsoft.com/office/powerpoint/2010/main" val="1092369180"/>
       </p:ext>
     </p:extLst>
   </p:cSld>
@@ -7307,7 +7610,7 @@
   <p:timing>
     <p:tnLst>
       <p:par>
-        <p:cTn xmlns:p14="http://schemas.microsoft.com/office/powerpoint/2010/main" id="1" dur="indefinite" restart="never" nodeType="tmRoot"/>
+        <p:cTn id="1" dur="indefinite" restart="never" nodeType="tmRoot"/>
       </p:par>
     </p:tnLst>
   </p:timing>
@@ -7315,283 +7618,6 @@
 </file>
 
 <file path=ppt/slides/slide3.xml><?xml version="1.0" encoding="utf-8"?>
-<p:sld xmlns:a="http://schemas.openxmlformats.org/drawingml/2006/main" xmlns:r="http://schemas.openxmlformats.org/officeDocument/2006/relationships" xmlns:p="http://schemas.openxmlformats.org/presentationml/2006/main">
-  <p:cSld>
-    <p:spTree>
-      <p:nvGrpSpPr>
-        <p:cNvPr id="1" name=""/>
-        <p:cNvGrpSpPr/>
-        <p:nvPr/>
-      </p:nvGrpSpPr>
-      <p:grpSpPr>
-        <a:xfrm>
-          <a:off x="0" y="0"/>
-          <a:ext cx="0" cy="0"/>
-          <a:chOff x="0" y="0"/>
-          <a:chExt cx="0" cy="0"/>
-        </a:xfrm>
-      </p:grpSpPr>
-      <p:sp>
-        <p:nvSpPr>
-          <p:cNvPr id="2050" name="Rectangle 2"/>
-          <p:cNvSpPr>
-            <a:spLocks noGrp="1" noChangeArrowheads="1"/>
-          </p:cNvSpPr>
-          <p:nvPr>
-            <p:ph type="title" idx="4294967295"/>
-          </p:nvPr>
-        </p:nvSpPr>
-        <p:spPr>
-          <a:xfrm>
-            <a:off x="461963" y="485772"/>
-            <a:ext cx="8224837" cy="1069975"/>
-          </a:xfrm>
-        </p:spPr>
-        <p:txBody>
-          <a:bodyPr/>
-          <a:lstStyle/>
-          <a:p>
-            <a:pPr eaLnBrk="1" hangingPunct="1"/>
-            <a:r>
-              <a:rPr lang="de-DE" b="1" dirty="0" err="1" smtClean="0"/>
-              <a:t>Current</a:t>
-            </a:r>
-            <a:r>
-              <a:rPr lang="de-DE" b="1" dirty="0" smtClean="0"/>
-              <a:t> Approach</a:t>
-            </a:r>
-          </a:p>
-        </p:txBody>
-      </p:sp>
-      <p:sp>
-        <p:nvSpPr>
-          <p:cNvPr id="2" name="Rechteck 1"/>
-          <p:cNvSpPr/>
-          <p:nvPr/>
-        </p:nvSpPr>
-        <p:spPr>
-          <a:xfrm>
-            <a:off x="4479667" y="3321278"/>
-            <a:ext cx="184666" cy="215444"/>
-          </a:xfrm>
-          <a:prstGeom prst="rect">
-            <a:avLst/>
-          </a:prstGeom>
-        </p:spPr>
-        <p:txBody>
-          <a:bodyPr wrap="none">
-            <a:spAutoFit/>
-          </a:bodyPr>
-          <a:lstStyle/>
-          <a:p>
-            <a:r>
-              <a:rPr lang="de-DE" baseline="30000" dirty="0"/>
-              <a:t> </a:t>
-            </a:r>
-            <a:endParaRPr lang="de-DE" dirty="0"/>
-          </a:p>
-        </p:txBody>
-      </p:sp>
-      <p:sp>
-        <p:nvSpPr>
-          <p:cNvPr id="3" name="Rechteck 2"/>
-          <p:cNvSpPr/>
-          <p:nvPr/>
-        </p:nvSpPr>
-        <p:spPr>
-          <a:xfrm>
-            <a:off x="4479667" y="3321278"/>
-            <a:ext cx="184666" cy="215444"/>
-          </a:xfrm>
-          <a:prstGeom prst="rect">
-            <a:avLst/>
-          </a:prstGeom>
-        </p:spPr>
-        <p:txBody>
-          <a:bodyPr wrap="none">
-            <a:spAutoFit/>
-          </a:bodyPr>
-          <a:lstStyle/>
-          <a:p>
-            <a:r>
-              <a:rPr lang="de-DE" baseline="30000" dirty="0"/>
-              <a:t> </a:t>
-            </a:r>
-            <a:endParaRPr lang="de-DE" dirty="0"/>
-          </a:p>
-        </p:txBody>
-      </p:sp>
-      <p:pic>
-        <p:nvPicPr>
-          <p:cNvPr id="9" name="Bild 8"/>
-          <p:cNvPicPr>
-            <a:picLocks noChangeAspect="1"/>
-          </p:cNvPicPr>
-          <p:nvPr/>
-        </p:nvPicPr>
-        <p:blipFill>
-          <a:blip r:embed="rId3"/>
-          <a:stretch>
-            <a:fillRect/>
-          </a:stretch>
-        </p:blipFill>
-        <p:spPr>
-          <a:xfrm>
-            <a:off x="577487" y="1632615"/>
-            <a:ext cx="8173692" cy="3624911"/>
-          </a:xfrm>
-          <a:prstGeom prst="rect">
-            <a:avLst/>
-          </a:prstGeom>
-        </p:spPr>
-      </p:pic>
-      <p:sp>
-        <p:nvSpPr>
-          <p:cNvPr id="7" name="Pfeil nach oben 6"/>
-          <p:cNvSpPr/>
-          <p:nvPr/>
-        </p:nvSpPr>
-        <p:spPr>
-          <a:xfrm flipH="1">
-            <a:off x="6231535" y="3956055"/>
-            <a:ext cx="338074" cy="1671959"/>
-          </a:xfrm>
-          <a:prstGeom prst="upArrow">
-            <a:avLst/>
-          </a:prstGeom>
-        </p:spPr>
-        <p:style>
-          <a:lnRef idx="1">
-            <a:schemeClr val="accent1"/>
-          </a:lnRef>
-          <a:fillRef idx="3">
-            <a:schemeClr val="accent1"/>
-          </a:fillRef>
-          <a:effectRef idx="2">
-            <a:schemeClr val="accent1"/>
-          </a:effectRef>
-          <a:fontRef idx="minor">
-            <a:schemeClr val="lt1"/>
-          </a:fontRef>
-        </p:style>
-        <p:txBody>
-          <a:bodyPr rtlCol="0" anchor="ctr"/>
-          <a:lstStyle/>
-          <a:p>
-            <a:pPr algn="ctr"/>
-            <a:endParaRPr lang="de-DE"/>
-          </a:p>
-        </p:txBody>
-      </p:sp>
-      <p:sp>
-        <p:nvSpPr>
-          <p:cNvPr id="10" name="Textfeld 9"/>
-          <p:cNvSpPr txBox="1"/>
-          <p:nvPr/>
-        </p:nvSpPr>
-        <p:spPr>
-          <a:xfrm>
-            <a:off x="794933" y="5865099"/>
-            <a:ext cx="7956246" cy="246221"/>
-          </a:xfrm>
-          <a:prstGeom prst="rect">
-            <a:avLst/>
-          </a:prstGeom>
-          <a:noFill/>
-        </p:spPr>
-        <p:txBody>
-          <a:bodyPr wrap="square" rtlCol="0">
-            <a:spAutoFit/>
-          </a:bodyPr>
-          <a:lstStyle/>
-          <a:p>
-            <a:pPr algn="ctr"/>
-            <a:r>
-              <a:rPr lang="de-DE" sz="1000" dirty="0"/>
-              <a:t>Source: </a:t>
-            </a:r>
-            <a:r>
-              <a:rPr lang="de-DE" sz="1000" dirty="0" smtClean="0"/>
-              <a:t>KDDM1 – </a:t>
-            </a:r>
-            <a:r>
-              <a:rPr lang="de-DE" sz="1000" dirty="0" smtClean="0">
-                <a:hlinkClick r:id="rId4"/>
-              </a:rPr>
-              <a:t>Introduction </a:t>
-            </a:r>
-            <a:r>
-              <a:rPr lang="de-DE" sz="1000" dirty="0">
-                <a:hlinkClick r:id="rId4"/>
-              </a:rPr>
-              <a:t>and </a:t>
-            </a:r>
-            <a:r>
-              <a:rPr lang="de-DE" sz="1000" dirty="0" smtClean="0">
-                <a:hlinkClick r:id="rId4"/>
-              </a:rPr>
-              <a:t>Motivation</a:t>
-            </a:r>
-            <a:r>
-              <a:rPr lang="de-DE" sz="1000" dirty="0" smtClean="0"/>
-              <a:t> </a:t>
-            </a:r>
-            <a:r>
-              <a:rPr lang="de-DE" sz="1000" dirty="0" err="1" smtClean="0"/>
-              <a:t>by</a:t>
-            </a:r>
-            <a:r>
-              <a:rPr lang="de-DE" sz="1000" dirty="0" smtClean="0"/>
-              <a:t> </a:t>
-            </a:r>
-            <a:r>
-              <a:rPr lang="de-DE" sz="1000" dirty="0"/>
-              <a:t>Denis </a:t>
-            </a:r>
-            <a:r>
-              <a:rPr lang="de-DE" sz="1000" dirty="0" err="1" smtClean="0"/>
-              <a:t>Helic</a:t>
-            </a:r>
-            <a:r>
-              <a:rPr lang="de-DE" sz="1000" dirty="0"/>
-              <a:t> </a:t>
-            </a:r>
-            <a:r>
-              <a:rPr lang="de-DE" sz="1000" dirty="0" err="1" smtClean="0"/>
-              <a:t>and</a:t>
-            </a:r>
-            <a:r>
-              <a:rPr lang="de-DE" sz="1000" dirty="0" smtClean="0"/>
-              <a:t> Roman Kern (</a:t>
-            </a:r>
-            <a:r>
-              <a:rPr lang="de-DE" sz="1000" dirty="0" err="1" smtClean="0"/>
-              <a:t>October</a:t>
-            </a:r>
-            <a:r>
-              <a:rPr lang="de-DE" sz="1000" dirty="0" smtClean="0"/>
-              <a:t> 1st, 2015) </a:t>
-            </a:r>
-            <a:endParaRPr lang="de-DE" sz="1000" dirty="0"/>
-          </a:p>
-        </p:txBody>
-      </p:sp>
-    </p:spTree>
-  </p:cSld>
-  <p:clrMapOvr>
-    <a:masterClrMapping/>
-  </p:clrMapOvr>
-  <p:timing>
-    <p:tnLst>
-      <p:par>
-        <p:cTn xmlns:p14="http://schemas.microsoft.com/office/powerpoint/2010/main" id="1" dur="indefinite" restart="never" nodeType="tmRoot"/>
-      </p:par>
-    </p:tnLst>
-  </p:timing>
-</p:sld>
-</file>
-
-<file path=ppt/slides/slide4.xml><?xml version="1.0" encoding="utf-8"?>
 <p:sld xmlns:a="http://schemas.openxmlformats.org/drawingml/2006/main" xmlns:r="http://schemas.openxmlformats.org/officeDocument/2006/relationships" xmlns:p="http://schemas.openxmlformats.org/presentationml/2006/main">
   <p:cSld>
     <p:spTree>
@@ -7620,13 +7646,24 @@
         </p:nvSpPr>
         <p:spPr>
           <a:xfrm>
-            <a:off x="652463" y="1859804"/>
-            <a:ext cx="7945592" cy="4338154"/>
+            <a:off x="663480" y="1684346"/>
+            <a:ext cx="7945592" cy="4441029"/>
           </a:xfrm>
         </p:spPr>
         <p:txBody>
           <a:bodyPr/>
           <a:lstStyle/>
+          <a:p>
+            <a:pPr marL="0" indent="0" eaLnBrk="1" hangingPunct="1">
+              <a:lnSpc>
+                <a:spcPct val="90000"/>
+              </a:lnSpc>
+            </a:pPr>
+            <a:r>
+              <a:rPr lang="de-DE" sz="1800" b="1" dirty="0" smtClean="0"/>
+              <a:t>Posts</a:t>
+            </a:r>
+          </a:p>
           <a:p>
             <a:pPr marL="285750" indent="-285750" eaLnBrk="1" hangingPunct="1">
               <a:lnSpc>
@@ -7645,7 +7682,191 @@
             </a:r>
             <a:r>
               <a:rPr lang="de-DE" sz="1800" dirty="0" err="1" smtClean="0"/>
-              <a:t>post</a:t>
+              <a:t>content</a:t>
+            </a:r>
+            <a:endParaRPr lang="de-DE" sz="1800" dirty="0" smtClean="0"/>
+          </a:p>
+          <a:p>
+            <a:pPr marL="1085850" lvl="2" eaLnBrk="1" hangingPunct="1">
+              <a:lnSpc>
+                <a:spcPct val="90000"/>
+              </a:lnSpc>
+              <a:buFont typeface="Symbol" charset="2"/>
+              <a:buChar char="-"/>
+            </a:pPr>
+            <a:endParaRPr lang="de-DE" sz="400" dirty="0" smtClean="0"/>
+          </a:p>
+          <a:p>
+            <a:pPr marL="285750" indent="-285750" eaLnBrk="1" hangingPunct="1">
+              <a:lnSpc>
+                <a:spcPct val="90000"/>
+              </a:lnSpc>
+              <a:buFont typeface="Wingdings" charset="2"/>
+              <a:buChar char="§"/>
+            </a:pPr>
+            <a:r>
+              <a:rPr lang="de-DE" sz="1800" dirty="0" err="1" smtClean="0"/>
+              <a:t>Ignored</a:t>
+            </a:r>
+            <a:r>
+              <a:rPr lang="de-DE" sz="1800" dirty="0" smtClean="0"/>
+              <a:t> </a:t>
+            </a:r>
+            <a:r>
+              <a:rPr lang="de-DE" sz="1800" dirty="0" err="1" smtClean="0"/>
+              <a:t>posts</a:t>
+            </a:r>
+            <a:r>
+              <a:rPr lang="de-DE" sz="1800" dirty="0" smtClean="0"/>
+              <a:t/>
+            </a:r>
+            <a:br>
+              <a:rPr lang="de-DE" sz="1800" dirty="0" smtClean="0"/>
+            </a:br>
+            <a:endParaRPr lang="de-DE" sz="1800" dirty="0" smtClean="0"/>
+          </a:p>
+          <a:p>
+            <a:pPr marL="285750" indent="-285750" eaLnBrk="1" hangingPunct="1">
+              <a:lnSpc>
+                <a:spcPct val="90000"/>
+              </a:lnSpc>
+              <a:buFont typeface="Wingdings" charset="2"/>
+              <a:buChar char="§"/>
+            </a:pPr>
+            <a:endParaRPr lang="de-DE" sz="1100" dirty="0" smtClean="0"/>
+          </a:p>
+          <a:p>
+            <a:pPr marL="285750" indent="-285750" eaLnBrk="1" hangingPunct="1">
+              <a:lnSpc>
+                <a:spcPct val="90000"/>
+              </a:lnSpc>
+              <a:buFont typeface="Wingdings" charset="2"/>
+              <a:buChar char="§"/>
+            </a:pPr>
+            <a:r>
+              <a:rPr lang="de-DE" sz="1800" dirty="0" err="1" smtClean="0"/>
+              <a:t>Removed</a:t>
+            </a:r>
+            <a:r>
+              <a:rPr lang="de-DE" sz="1800" dirty="0" smtClean="0"/>
+              <a:t> HTML, </a:t>
+            </a:r>
+            <a:r>
+              <a:rPr lang="de-DE" sz="1800" dirty="0" err="1" smtClean="0"/>
+              <a:t>code</a:t>
+            </a:r>
+            <a:r>
+              <a:rPr lang="de-DE" sz="1800" dirty="0" smtClean="0"/>
+              <a:t>, URLs, </a:t>
+            </a:r>
+            <a:r>
+              <a:rPr lang="de-DE" sz="1800" dirty="0" err="1" smtClean="0"/>
+              <a:t>emoticons</a:t>
+            </a:r>
+            <a:r>
+              <a:rPr lang="de-DE" sz="1800" dirty="0" smtClean="0"/>
+              <a:t>, </a:t>
+            </a:r>
+            <a:r>
+              <a:rPr lang="de-DE" sz="1800" dirty="0" err="1" smtClean="0"/>
+              <a:t>numbers</a:t>
+            </a:r>
+            <a:r>
+              <a:rPr lang="de-DE" sz="1800" dirty="0" smtClean="0"/>
+              <a:t>, </a:t>
+            </a:r>
+            <a:r>
+              <a:rPr lang="de-DE" sz="1800" dirty="0" err="1" smtClean="0"/>
+              <a:t>single</a:t>
+            </a:r>
+            <a:r>
+              <a:rPr lang="de-DE" sz="1800" dirty="0" smtClean="0"/>
+              <a:t> </a:t>
+            </a:r>
+            <a:r>
+              <a:rPr lang="de-DE" sz="1800" dirty="0" err="1" smtClean="0"/>
+              <a:t>letters</a:t>
+            </a:r>
+            <a:endParaRPr lang="de-DE" sz="1800" dirty="0" smtClean="0"/>
+          </a:p>
+          <a:p>
+            <a:pPr marL="285750" indent="-285750" eaLnBrk="1" hangingPunct="1">
+              <a:lnSpc>
+                <a:spcPct val="90000"/>
+              </a:lnSpc>
+              <a:buFont typeface="Wingdings" charset="2"/>
+              <a:buChar char="§"/>
+            </a:pPr>
+            <a:r>
+              <a:rPr lang="de-DE" sz="1800" dirty="0" err="1" smtClean="0"/>
+              <a:t>Removed</a:t>
+            </a:r>
+            <a:r>
+              <a:rPr lang="de-DE" sz="1800" dirty="0" smtClean="0"/>
+              <a:t> </a:t>
+            </a:r>
+            <a:r>
+              <a:rPr lang="de-DE" sz="1800" dirty="0" err="1"/>
+              <a:t>stop</a:t>
+            </a:r>
+            <a:r>
+              <a:rPr lang="de-DE" sz="1800" dirty="0"/>
+              <a:t> </a:t>
+            </a:r>
+            <a:r>
+              <a:rPr lang="de-DE" sz="1800" dirty="0" err="1"/>
+              <a:t>words</a:t>
+            </a:r>
+            <a:endParaRPr lang="de-DE" sz="1800" dirty="0"/>
+          </a:p>
+          <a:p>
+            <a:pPr marL="285750" indent="-285750" eaLnBrk="1" hangingPunct="1">
+              <a:lnSpc>
+                <a:spcPct val="90000"/>
+              </a:lnSpc>
+              <a:buFont typeface="Wingdings" charset="2"/>
+              <a:buChar char="§"/>
+            </a:pPr>
+            <a:r>
+              <a:rPr lang="de-DE" sz="1800" dirty="0" err="1" smtClean="0"/>
+              <a:t>Stemming</a:t>
+            </a:r>
+            <a:r>
+              <a:rPr lang="de-DE" sz="1800" dirty="0" smtClean="0"/>
+              <a:t> </a:t>
+            </a:r>
+            <a:r>
+              <a:rPr lang="de-DE" sz="1500" i="1" dirty="0" smtClean="0"/>
+              <a:t>(</a:t>
+            </a:r>
+            <a:r>
+              <a:rPr lang="de-DE" sz="1500" i="1" dirty="0" err="1" smtClean="0"/>
+              <a:t>nltk.stem.porter.PorterStemmer</a:t>
+            </a:r>
+            <a:r>
+              <a:rPr lang="de-DE" sz="1500" i="1" dirty="0" smtClean="0"/>
+              <a:t>)</a:t>
+            </a:r>
+          </a:p>
+          <a:p>
+            <a:pPr marL="285750" indent="-285750" eaLnBrk="1" hangingPunct="1">
+              <a:lnSpc>
+                <a:spcPct val="90000"/>
+              </a:lnSpc>
+              <a:buFont typeface="Wingdings" charset="2"/>
+              <a:buChar char="§"/>
+            </a:pPr>
+            <a:r>
+              <a:rPr lang="de-DE" sz="1800" dirty="0" err="1" smtClean="0"/>
+              <a:t>Merge</a:t>
+            </a:r>
+            <a:r>
+              <a:rPr lang="de-DE" sz="1800" dirty="0" smtClean="0"/>
+              <a:t> synonym </a:t>
+            </a:r>
+            <a:r>
+              <a:rPr lang="de-DE" sz="1800" dirty="0" err="1" smtClean="0"/>
+              <a:t>words</a:t>
             </a:r>
             <a:endParaRPr lang="de-DE" sz="1800" dirty="0" smtClean="0"/>
           </a:p>
@@ -7665,7 +7886,10 @@
                 <a:spcPct val="90000"/>
               </a:lnSpc>
             </a:pPr>
-            <a:endParaRPr lang="de-DE" sz="1800" dirty="0"/>
+            <a:r>
+              <a:rPr lang="de-DE" sz="1800" b="1" dirty="0" smtClean="0"/>
+              <a:t>Tags</a:t>
+            </a:r>
           </a:p>
           <a:p>
             <a:pPr marL="285750" indent="-285750" eaLnBrk="1" hangingPunct="1">
@@ -7675,24 +7899,22 @@
               <a:buFont typeface="Wingdings" charset="2"/>
               <a:buChar char="§"/>
             </a:pPr>
-            <a:endParaRPr lang="de-DE" sz="500" dirty="0"/>
-          </a:p>
-          <a:p>
-            <a:pPr marL="1085850" lvl="2" eaLnBrk="1" hangingPunct="1">
-              <a:lnSpc>
-                <a:spcPct val="90000"/>
-              </a:lnSpc>
-              <a:buFont typeface="Symbol" charset="2"/>
-              <a:buChar char="-"/>
-            </a:pPr>
-            <a:r>
-              <a:rPr lang="de-DE" sz="400" dirty="0" smtClean="0"/>
-              <a:t/>
-            </a:r>
-            <a:br>
-              <a:rPr lang="de-DE" sz="400" dirty="0" smtClean="0"/>
-            </a:br>
-            <a:endParaRPr lang="de-DE" sz="400" dirty="0" smtClean="0"/>
+            <a:r>
+              <a:rPr lang="de-DE" sz="1800" dirty="0" err="1" smtClean="0"/>
+              <a:t>Merge</a:t>
+            </a:r>
+            <a:r>
+              <a:rPr lang="de-DE" sz="1800" dirty="0" smtClean="0"/>
+              <a:t> </a:t>
+            </a:r>
+            <a:r>
+              <a:rPr lang="de-DE" sz="1800" dirty="0" err="1" smtClean="0"/>
+              <a:t>similar</a:t>
+            </a:r>
+            <a:r>
+              <a:rPr lang="de-DE" sz="1800" dirty="0" smtClean="0"/>
+              <a:t> tags</a:t>
+            </a:r>
           </a:p>
           <a:p>
             <a:pPr marL="285750" indent="-285750" eaLnBrk="1" hangingPunct="1">
@@ -7703,8 +7925,12 @@
               <a:buChar char="§"/>
             </a:pPr>
             <a:r>
+              <a:rPr lang="de-DE" sz="1800" dirty="0" smtClean="0"/>
+              <a:t>Remove </a:t>
+            </a:r>
+            <a:r>
               <a:rPr lang="de-DE" sz="1800" dirty="0" err="1" smtClean="0"/>
-              <a:t>Ignored</a:t>
+              <a:t>less</a:t>
             </a:r>
             <a:r>
               <a:rPr lang="de-DE" sz="1800" dirty="0" smtClean="0"/>
@@ -7712,255 +7938,12 @@
             </a:r>
             <a:r>
               <a:rPr lang="de-DE" sz="1800" dirty="0" err="1" smtClean="0"/>
-              <a:t>posts</a:t>
-            </a:r>
-            <a:r>
-              <a:rPr lang="de-DE" sz="1800" dirty="0" smtClean="0"/>
-              <a:t/>
-            </a:r>
-            <a:br>
-              <a:rPr lang="de-DE" sz="1800" dirty="0" smtClean="0"/>
-            </a:br>
-            <a:endParaRPr lang="de-DE" sz="1800" dirty="0" smtClean="0"/>
-          </a:p>
-          <a:p>
-            <a:pPr marL="285750" indent="-285750" eaLnBrk="1" hangingPunct="1">
-              <a:lnSpc>
-                <a:spcPct val="90000"/>
-              </a:lnSpc>
-              <a:buFont typeface="Wingdings" charset="2"/>
-              <a:buChar char="§"/>
-            </a:pPr>
-            <a:endParaRPr lang="de-DE" sz="1800" dirty="0"/>
-          </a:p>
-          <a:p>
-            <a:pPr marL="285750" indent="-285750" eaLnBrk="1" hangingPunct="1">
-              <a:lnSpc>
-                <a:spcPct val="90000"/>
-              </a:lnSpc>
-              <a:buFont typeface="Wingdings" charset="2"/>
-              <a:buChar char="§"/>
-            </a:pPr>
-            <a:endParaRPr lang="de-DE" sz="1800" dirty="0" smtClean="0"/>
-          </a:p>
-          <a:p>
-            <a:pPr marL="285750" indent="-285750" eaLnBrk="1" hangingPunct="1">
-              <a:lnSpc>
-                <a:spcPct val="90000"/>
-              </a:lnSpc>
-              <a:buFont typeface="Wingdings" charset="2"/>
-              <a:buChar char="§"/>
-            </a:pPr>
-            <a:r>
-              <a:rPr lang="de-DE" sz="1800" dirty="0" err="1" smtClean="0"/>
-              <a:t>Removed</a:t>
-            </a:r>
-            <a:r>
-              <a:rPr lang="de-DE" sz="1800" dirty="0" smtClean="0"/>
-              <a:t> HTML </a:t>
-            </a:r>
-            <a:r>
-              <a:rPr lang="de-DE" sz="1800" dirty="0" err="1" smtClean="0"/>
-              <a:t>and</a:t>
-            </a:r>
-            <a:r>
-              <a:rPr lang="de-DE" sz="1800" dirty="0" smtClean="0"/>
-              <a:t> </a:t>
-            </a:r>
-            <a:r>
-              <a:rPr lang="de-DE" sz="1800" dirty="0" err="1" smtClean="0"/>
-              <a:t>code</a:t>
-            </a:r>
-            <a:r>
-              <a:rPr lang="de-DE" sz="1800" dirty="0" smtClean="0"/>
-              <a:t> </a:t>
-            </a:r>
-            <a:r>
-              <a:rPr lang="de-DE" sz="1800" dirty="0" err="1" smtClean="0"/>
-              <a:t>segments</a:t>
-            </a:r>
-            <a:endParaRPr lang="de-DE" sz="1800" dirty="0" smtClean="0"/>
-          </a:p>
-          <a:p>
-            <a:pPr marL="285750" indent="-285750" eaLnBrk="1" hangingPunct="1">
-              <a:lnSpc>
-                <a:spcPct val="90000"/>
-              </a:lnSpc>
-              <a:buFont typeface="Wingdings" charset="2"/>
-              <a:buChar char="§"/>
-            </a:pPr>
-            <a:r>
-              <a:rPr lang="de-DE" sz="1800" dirty="0" err="1" smtClean="0"/>
-              <a:t>Removed</a:t>
-            </a:r>
-            <a:r>
-              <a:rPr lang="de-DE" sz="1800" dirty="0" smtClean="0"/>
-              <a:t> URLs, </a:t>
-            </a:r>
-            <a:r>
-              <a:rPr lang="de-DE" sz="1800" dirty="0" err="1" smtClean="0"/>
-              <a:t>emoticons</a:t>
-            </a:r>
-            <a:r>
-              <a:rPr lang="de-DE" sz="1800" dirty="0" smtClean="0"/>
-              <a:t>, (hex-)</a:t>
-            </a:r>
-            <a:r>
-              <a:rPr lang="de-DE" sz="1800" dirty="0" err="1" smtClean="0"/>
-              <a:t>numbers</a:t>
-            </a:r>
-            <a:r>
-              <a:rPr lang="de-DE" sz="1800" dirty="0" smtClean="0"/>
-              <a:t>, </a:t>
-            </a:r>
-            <a:r>
-              <a:rPr lang="de-DE" sz="1800" dirty="0" err="1" smtClean="0"/>
-              <a:t>single</a:t>
-            </a:r>
-            <a:r>
-              <a:rPr lang="de-DE" sz="1800" dirty="0" smtClean="0"/>
-              <a:t> </a:t>
-            </a:r>
-            <a:r>
-              <a:rPr lang="de-DE" sz="1800" dirty="0" err="1" smtClean="0"/>
-              <a:t>characters</a:t>
-            </a:r>
-            <a:endParaRPr lang="de-DE" sz="1800" dirty="0" smtClean="0"/>
-          </a:p>
-          <a:p>
-            <a:pPr marL="285750" indent="-285750" eaLnBrk="1" hangingPunct="1">
-              <a:lnSpc>
-                <a:spcPct val="90000"/>
-              </a:lnSpc>
-              <a:buFont typeface="Wingdings" charset="2"/>
-              <a:buChar char="§"/>
-            </a:pPr>
-            <a:r>
-              <a:rPr lang="de-DE" sz="1800" dirty="0" err="1"/>
-              <a:t>Removed</a:t>
-            </a:r>
-            <a:r>
-              <a:rPr lang="de-DE" sz="1800" dirty="0"/>
-              <a:t> </a:t>
-            </a:r>
-            <a:r>
-              <a:rPr lang="de-DE" sz="1800" dirty="0" err="1"/>
-              <a:t>stop</a:t>
-            </a:r>
-            <a:r>
-              <a:rPr lang="de-DE" sz="1800" dirty="0"/>
-              <a:t> </a:t>
-            </a:r>
-            <a:r>
-              <a:rPr lang="de-DE" sz="1800" dirty="0" err="1"/>
-              <a:t>words</a:t>
-            </a:r>
-            <a:endParaRPr lang="de-DE" sz="1800" dirty="0"/>
-          </a:p>
-          <a:p>
-            <a:pPr marL="285750" indent="-285750" eaLnBrk="1" hangingPunct="1">
-              <a:lnSpc>
-                <a:spcPct val="90000"/>
-              </a:lnSpc>
-              <a:buFont typeface="Wingdings" charset="2"/>
-              <a:buChar char="§"/>
-            </a:pPr>
-            <a:r>
-              <a:rPr lang="de-DE" sz="1800" dirty="0" err="1" smtClean="0"/>
-              <a:t>Stemming</a:t>
-            </a:r>
-            <a:r>
-              <a:rPr lang="de-DE" sz="1800" dirty="0" smtClean="0"/>
-              <a:t> </a:t>
-            </a:r>
-            <a:r>
-              <a:rPr lang="de-DE" sz="1500" i="1" dirty="0" smtClean="0"/>
-              <a:t>(</a:t>
-            </a:r>
-            <a:r>
-              <a:rPr lang="de-DE" sz="1500" i="1" dirty="0" err="1" smtClean="0"/>
-              <a:t>nltk.stem.porter.PorterStemmer</a:t>
-            </a:r>
-            <a:r>
-              <a:rPr lang="de-DE" sz="1500" i="1" dirty="0" smtClean="0"/>
-              <a:t>)</a:t>
-            </a:r>
-          </a:p>
-          <a:p>
-            <a:pPr marL="285750" indent="-285750" eaLnBrk="1" hangingPunct="1">
-              <a:lnSpc>
-                <a:spcPct val="90000"/>
-              </a:lnSpc>
-              <a:buFont typeface="Wingdings" charset="2"/>
-              <a:buChar char="§"/>
-            </a:pPr>
-            <a:endParaRPr lang="de-DE" sz="1500" i="1" dirty="0"/>
-          </a:p>
-          <a:p>
-            <a:pPr marL="285750" indent="-285750" eaLnBrk="1" hangingPunct="1">
-              <a:lnSpc>
-                <a:spcPct val="90000"/>
-              </a:lnSpc>
-              <a:buFont typeface="Wingdings" charset="2"/>
-              <a:buChar char="Ø"/>
-            </a:pPr>
-            <a:r>
-              <a:rPr lang="de-DE" sz="1800" dirty="0" smtClean="0"/>
-              <a:t>Goal: </a:t>
-            </a:r>
-            <a:r>
-              <a:rPr lang="de-DE" sz="1800" i="1" dirty="0" err="1" smtClean="0">
-                <a:sym typeface="Wingdings"/>
-              </a:rPr>
-              <a:t>get</a:t>
-            </a:r>
-            <a:r>
-              <a:rPr lang="de-DE" sz="1800" i="1" dirty="0" smtClean="0">
-                <a:sym typeface="Wingdings"/>
-              </a:rPr>
-              <a:t> </a:t>
-            </a:r>
-            <a:r>
-              <a:rPr lang="de-DE" sz="1800" i="1" dirty="0" err="1" smtClean="0">
-                <a:sym typeface="Wingdings"/>
-              </a:rPr>
-              <a:t>best</a:t>
-            </a:r>
-            <a:r>
-              <a:rPr lang="de-DE" sz="1800" i="1" dirty="0" smtClean="0">
-                <a:sym typeface="Wingdings"/>
-              </a:rPr>
-              <a:t> </a:t>
-            </a:r>
-            <a:r>
-              <a:rPr lang="de-DE" sz="1800" i="1" dirty="0" err="1" smtClean="0">
-                <a:sym typeface="Wingdings"/>
-              </a:rPr>
-              <a:t>prediction</a:t>
-            </a:r>
-            <a:r>
-              <a:rPr lang="de-DE" sz="1800" i="1" dirty="0" smtClean="0">
-                <a:sym typeface="Wingdings"/>
-              </a:rPr>
-              <a:t> </a:t>
-            </a:r>
-            <a:r>
-              <a:rPr lang="de-DE" sz="1800" i="1" dirty="0" err="1" smtClean="0">
-                <a:sym typeface="Wingdings"/>
-              </a:rPr>
-              <a:t>accuracy</a:t>
-            </a:r>
-            <a:endParaRPr lang="de-DE" sz="1800" i="1" dirty="0" smtClean="0"/>
-          </a:p>
-          <a:p>
-            <a:pPr marL="285750" indent="-285750" eaLnBrk="1" hangingPunct="1">
-              <a:lnSpc>
-                <a:spcPct val="90000"/>
-              </a:lnSpc>
-              <a:buFont typeface="Wingdings" charset="2"/>
-              <a:buChar char="§"/>
-            </a:pPr>
-            <a:endParaRPr lang="de-DE" sz="1800" dirty="0"/>
+              <a:t>frequent</a:t>
+            </a:r>
+            <a:r>
+              <a:rPr lang="de-DE" sz="1800" dirty="0" smtClean="0"/>
+              <a:t> tags</a:t>
+            </a:r>
           </a:p>
         </p:txBody>
       </p:sp>
@@ -7974,7 +7957,7 @@
         </p:nvSpPr>
         <p:spPr bwMode="auto">
           <a:xfrm>
-            <a:off x="461963" y="387231"/>
+            <a:off x="461963" y="485772"/>
             <a:ext cx="8224837" cy="1069975"/>
           </a:xfrm>
           <a:prstGeom prst="rect">
@@ -7987,14 +7970,14 @@
           <a:effectLst/>
           <a:extLst>
             <a:ext uri="{909E8E84-426E-40dd-AFC4-6F175D3DCCD1}">
-              <a14:hiddenFill xmlns:a14="http://schemas.microsoft.com/office/drawing/2010/main">
+              <a14:hiddenFill xmlns="" xmlns:a14="http://schemas.microsoft.com/office/drawing/2010/main">
                 <a:solidFill>
                   <a:schemeClr val="accent1"/>
                 </a:solidFill>
               </a14:hiddenFill>
             </a:ext>
             <a:ext uri="{91240B29-F687-4f45-9708-019B960494DF}">
-              <a14:hiddenLine xmlns:a14="http://schemas.microsoft.com/office/drawing/2010/main" w="9525">
+              <a14:hiddenLine xmlns="" xmlns:a14="http://schemas.microsoft.com/office/drawing/2010/main" w="9525">
                 <a:solidFill>
                   <a:schemeClr val="tx1"/>
                 </a:solidFill>
@@ -8004,7 +7987,7 @@
               </a14:hiddenLine>
             </a:ext>
             <a:ext uri="{AF507438-7753-43e0-B8FC-AC1667EBCBE1}">
-              <a14:hiddenEffects xmlns:a14="http://schemas.microsoft.com/office/drawing/2010/main">
+              <a14:hiddenEffects xmlns="" xmlns:a14="http://schemas.microsoft.com/office/drawing/2010/main">
                 <a:effectLst>
                   <a:outerShdw dist="35921" dir="2700000" algn="ctr" rotWithShape="0">
                     <a:schemeClr val="bg2"/>
@@ -8164,38 +8147,14 @@
               <a:rPr lang="de-DE" sz="1500" b="1" kern="0" dirty="0" smtClean="0"/>
               <a:t>Approach</a:t>
             </a:r>
-            <a:r>
-              <a:rPr lang="de-DE" b="1" kern="0" dirty="0" smtClean="0"/>
-              <a:t/>
-            </a:r>
-            <a:br>
-              <a:rPr lang="de-DE" b="1" kern="0" dirty="0" smtClean="0"/>
-            </a:br>
-            <a:r>
-              <a:rPr lang="de-DE" b="1" kern="0" dirty="0" smtClean="0"/>
-              <a:t> Feature </a:t>
-            </a:r>
-            <a:r>
-              <a:rPr lang="de-DE" b="1" kern="0" dirty="0" err="1" smtClean="0"/>
-              <a:t>Selection</a:t>
-            </a:r>
-            <a:r>
-              <a:rPr lang="de-DE" b="1" kern="0" dirty="0" smtClean="0"/>
-              <a:t> </a:t>
-            </a:r>
-            <a:r>
-              <a:rPr lang="de-DE" b="1" kern="0" dirty="0" err="1" smtClean="0"/>
-              <a:t>and</a:t>
-            </a:r>
-            <a:r>
-              <a:rPr lang="de-DE" b="1" kern="0" dirty="0" smtClean="0"/>
-              <a:t> </a:t>
-            </a:r>
+          </a:p>
+          <a:p>
+            <a:pPr eaLnBrk="1" hangingPunct="1"/>
             <a:r>
               <a:rPr lang="de-DE" b="1" kern="0" dirty="0" err="1" smtClean="0"/>
               <a:t>Preprocessing</a:t>
             </a:r>
-            <a:endParaRPr lang="de-DE" b="1" kern="0" dirty="0" smtClean="0"/>
+            <a:endParaRPr lang="de-DE" sz="2400" b="1" kern="0" dirty="0" smtClean="0"/>
           </a:p>
         </p:txBody>
       </p:sp>
@@ -8206,12 +8165,14 @@
           <p:nvPr/>
         </p:nvCxnSpPr>
         <p:spPr>
-          <a:xfrm>
-            <a:off x="2786830" y="2048226"/>
-            <a:ext cx="1142143" cy="356318"/>
+          <a:xfrm flipV="1">
+            <a:off x="3051672" y="1883884"/>
+            <a:ext cx="1670515" cy="264405"/>
           </a:xfrm>
           <a:prstGeom prst="bentConnector3">
-            <a:avLst/>
+            <a:avLst>
+              <a:gd name="adj1" fmla="val 50000"/>
+            </a:avLst>
           </a:prstGeom>
           <a:ln>
             <a:tailEnd type="arrow"/>
@@ -8240,8 +8201,8 @@
         </p:nvSpPr>
         <p:spPr>
           <a:xfrm>
-            <a:off x="3828463" y="2048226"/>
-            <a:ext cx="4029483" cy="871521"/>
+            <a:off x="4574381" y="1499576"/>
+            <a:ext cx="3922006" cy="867930"/>
           </a:xfrm>
           <a:prstGeom prst="rect">
             <a:avLst/>
@@ -8340,8 +8301,8 @@
         </p:nvCxnSpPr>
         <p:spPr>
           <a:xfrm>
-            <a:off x="2795967" y="3104124"/>
-            <a:ext cx="1142143" cy="356318"/>
+            <a:off x="3051672" y="2493424"/>
+            <a:ext cx="1670515" cy="242254"/>
           </a:xfrm>
           <a:prstGeom prst="bentConnector3">
             <a:avLst/>
@@ -8373,7 +8334,7 @@
         </p:nvSpPr>
         <p:spPr>
           <a:xfrm>
-            <a:off x="3807260" y="3097769"/>
+            <a:off x="4579589" y="2381905"/>
             <a:ext cx="4029483" cy="677621"/>
           </a:xfrm>
           <a:prstGeom prst="rect">
@@ -8489,7 +8450,7 @@
     </p:spTree>
     <p:extLst>
       <p:ext uri="{BB962C8B-B14F-4D97-AF65-F5344CB8AC3E}">
-        <p14:creationId xmlns:p14="http://schemas.microsoft.com/office/powerpoint/2010/main" val="740863219"/>
+        <p14:creationId xmlns:p14="http://schemas.microsoft.com/office/powerpoint/2010/main" val="1659928045"/>
       </p:ext>
     </p:extLst>
   </p:cSld>
@@ -8499,7 +8460,1013 @@
   <p:timing>
     <p:tnLst>
       <p:par>
-        <p:cTn xmlns:p14="http://schemas.microsoft.com/office/powerpoint/2010/main" id="1" dur="indefinite" restart="never" nodeType="tmRoot"/>
+        <p:cTn id="1" dur="indefinite" restart="never" nodeType="tmRoot"/>
+      </p:par>
+    </p:tnLst>
+  </p:timing>
+</p:sld>
+</file>
+
+<file path=ppt/slides/slide4.xml><?xml version="1.0" encoding="utf-8"?>
+<p:sld xmlns:a="http://schemas.openxmlformats.org/drawingml/2006/main" xmlns:r="http://schemas.openxmlformats.org/officeDocument/2006/relationships" xmlns:p="http://schemas.openxmlformats.org/presentationml/2006/main">
+  <p:cSld>
+    <p:spTree>
+      <p:nvGrpSpPr>
+        <p:cNvPr id="1" name=""/>
+        <p:cNvGrpSpPr/>
+        <p:nvPr/>
+      </p:nvGrpSpPr>
+      <p:grpSpPr>
+        <a:xfrm>
+          <a:off x="0" y="0"/>
+          <a:ext cx="0" cy="0"/>
+          <a:chOff x="0" y="0"/>
+          <a:chExt cx="0" cy="0"/>
+        </a:xfrm>
+      </p:grpSpPr>
+      <p:sp>
+        <p:nvSpPr>
+          <p:cNvPr id="8" name="Rectangle 2"/>
+          <p:cNvSpPr txBox="1">
+            <a:spLocks noChangeArrowheads="1"/>
+          </p:cNvSpPr>
+          <p:nvPr/>
+        </p:nvSpPr>
+        <p:spPr bwMode="auto">
+          <a:xfrm>
+            <a:off x="461963" y="485772"/>
+            <a:ext cx="8224837" cy="1069975"/>
+          </a:xfrm>
+          <a:prstGeom prst="rect">
+            <a:avLst/>
+          </a:prstGeom>
+          <a:noFill/>
+          <a:ln>
+            <a:noFill/>
+          </a:ln>
+          <a:effectLst/>
+          <a:extLst>
+            <a:ext uri="{909E8E84-426E-40dd-AFC4-6F175D3DCCD1}">
+              <a14:hiddenFill xmlns="" xmlns:a14="http://schemas.microsoft.com/office/drawing/2010/main">
+                <a:solidFill>
+                  <a:schemeClr val="accent1"/>
+                </a:solidFill>
+              </a14:hiddenFill>
+            </a:ext>
+            <a:ext uri="{91240B29-F687-4f45-9708-019B960494DF}">
+              <a14:hiddenLine xmlns="" xmlns:a14="http://schemas.microsoft.com/office/drawing/2010/main" w="9525">
+                <a:solidFill>
+                  <a:schemeClr val="tx1"/>
+                </a:solidFill>
+                <a:miter lim="800000"/>
+                <a:headEnd/>
+                <a:tailEnd/>
+              </a14:hiddenLine>
+            </a:ext>
+            <a:ext uri="{AF507438-7753-43e0-B8FC-AC1667EBCBE1}">
+              <a14:hiddenEffects xmlns="" xmlns:a14="http://schemas.microsoft.com/office/drawing/2010/main">
+                <a:effectLst>
+                  <a:outerShdw dist="35921" dir="2700000" algn="ctr" rotWithShape="0">
+                    <a:schemeClr val="bg2"/>
+                  </a:outerShdw>
+                </a:effectLst>
+              </a14:hiddenEffects>
+            </a:ext>
+          </a:extLst>
+        </p:spPr>
+        <p:txBody>
+          <a:bodyPr vert="horz" wrap="square" lIns="91440" tIns="45720" rIns="91440" bIns="45720" numCol="1" anchor="ctr" anchorCtr="0" compatLnSpc="1">
+            <a:prstTxWarp prst="textNoShape">
+              <a:avLst/>
+            </a:prstTxWarp>
+          </a:bodyPr>
+          <a:lstStyle>
+            <a:lvl1pPr algn="ctr" rtl="0" eaLnBrk="0" fontAlgn="base" hangingPunct="0">
+              <a:spcBef>
+                <a:spcPct val="0"/>
+              </a:spcBef>
+              <a:spcAft>
+                <a:spcPct val="0"/>
+              </a:spcAft>
+              <a:defRPr sz="3200">
+                <a:solidFill>
+                  <a:schemeClr val="bg2"/>
+                </a:solidFill>
+                <a:latin typeface="+mj-lt"/>
+                <a:ea typeface="+mj-ea"/>
+                <a:cs typeface="+mj-cs"/>
+              </a:defRPr>
+            </a:lvl1pPr>
+            <a:lvl2pPr algn="ctr" rtl="0" eaLnBrk="0" fontAlgn="base" hangingPunct="0">
+              <a:spcBef>
+                <a:spcPct val="0"/>
+              </a:spcBef>
+              <a:spcAft>
+                <a:spcPct val="0"/>
+              </a:spcAft>
+              <a:defRPr sz="3200">
+                <a:solidFill>
+                  <a:schemeClr val="bg2"/>
+                </a:solidFill>
+                <a:latin typeface="Arial" charset="0"/>
+              </a:defRPr>
+            </a:lvl2pPr>
+            <a:lvl3pPr algn="ctr" rtl="0" eaLnBrk="0" fontAlgn="base" hangingPunct="0">
+              <a:spcBef>
+                <a:spcPct val="0"/>
+              </a:spcBef>
+              <a:spcAft>
+                <a:spcPct val="0"/>
+              </a:spcAft>
+              <a:defRPr sz="3200">
+                <a:solidFill>
+                  <a:schemeClr val="bg2"/>
+                </a:solidFill>
+                <a:latin typeface="Arial" charset="0"/>
+              </a:defRPr>
+            </a:lvl3pPr>
+            <a:lvl4pPr algn="ctr" rtl="0" eaLnBrk="0" fontAlgn="base" hangingPunct="0">
+              <a:spcBef>
+                <a:spcPct val="0"/>
+              </a:spcBef>
+              <a:spcAft>
+                <a:spcPct val="0"/>
+              </a:spcAft>
+              <a:defRPr sz="3200">
+                <a:solidFill>
+                  <a:schemeClr val="bg2"/>
+                </a:solidFill>
+                <a:latin typeface="Arial" charset="0"/>
+              </a:defRPr>
+            </a:lvl4pPr>
+            <a:lvl5pPr algn="ctr" rtl="0" eaLnBrk="0" fontAlgn="base" hangingPunct="0">
+              <a:spcBef>
+                <a:spcPct val="0"/>
+              </a:spcBef>
+              <a:spcAft>
+                <a:spcPct val="0"/>
+              </a:spcAft>
+              <a:defRPr sz="3200">
+                <a:solidFill>
+                  <a:schemeClr val="bg2"/>
+                </a:solidFill>
+                <a:latin typeface="Arial" charset="0"/>
+              </a:defRPr>
+            </a:lvl5pPr>
+            <a:lvl6pPr marL="457200" algn="ctr" rtl="0" fontAlgn="base">
+              <a:spcBef>
+                <a:spcPct val="0"/>
+              </a:spcBef>
+              <a:spcAft>
+                <a:spcPct val="0"/>
+              </a:spcAft>
+              <a:defRPr sz="3200">
+                <a:solidFill>
+                  <a:schemeClr val="bg2"/>
+                </a:solidFill>
+                <a:latin typeface="Arial" charset="0"/>
+              </a:defRPr>
+            </a:lvl6pPr>
+            <a:lvl7pPr marL="914400" algn="ctr" rtl="0" fontAlgn="base">
+              <a:spcBef>
+                <a:spcPct val="0"/>
+              </a:spcBef>
+              <a:spcAft>
+                <a:spcPct val="0"/>
+              </a:spcAft>
+              <a:defRPr sz="3200">
+                <a:solidFill>
+                  <a:schemeClr val="bg2"/>
+                </a:solidFill>
+                <a:latin typeface="Arial" charset="0"/>
+              </a:defRPr>
+            </a:lvl7pPr>
+            <a:lvl8pPr marL="1371600" algn="ctr" rtl="0" fontAlgn="base">
+              <a:spcBef>
+                <a:spcPct val="0"/>
+              </a:spcBef>
+              <a:spcAft>
+                <a:spcPct val="0"/>
+              </a:spcAft>
+              <a:defRPr sz="3200">
+                <a:solidFill>
+                  <a:schemeClr val="bg2"/>
+                </a:solidFill>
+                <a:latin typeface="Arial" charset="0"/>
+              </a:defRPr>
+            </a:lvl8pPr>
+            <a:lvl9pPr marL="1828800" algn="ctr" rtl="0" fontAlgn="base">
+              <a:spcBef>
+                <a:spcPct val="0"/>
+              </a:spcBef>
+              <a:spcAft>
+                <a:spcPct val="0"/>
+              </a:spcAft>
+              <a:defRPr sz="3200">
+                <a:solidFill>
+                  <a:schemeClr val="bg2"/>
+                </a:solidFill>
+                <a:latin typeface="Arial" charset="0"/>
+              </a:defRPr>
+            </a:lvl9pPr>
+          </a:lstStyle>
+          <a:p>
+            <a:pPr eaLnBrk="1" hangingPunct="1"/>
+            <a:r>
+              <a:rPr lang="de-DE" sz="1500" b="1" dirty="0" err="1" smtClean="0"/>
+              <a:t>Current</a:t>
+            </a:r>
+            <a:r>
+              <a:rPr lang="de-DE" sz="1500" b="1" dirty="0" smtClean="0"/>
+              <a:t> </a:t>
+            </a:r>
+            <a:r>
+              <a:rPr lang="de-DE" sz="1500" b="1" dirty="0" smtClean="0"/>
+              <a:t>Approach</a:t>
+            </a:r>
+          </a:p>
+          <a:p>
+            <a:pPr eaLnBrk="1" hangingPunct="1"/>
+            <a:r>
+              <a:rPr lang="de-DE" b="1" dirty="0" smtClean="0"/>
+              <a:t>Features </a:t>
+            </a:r>
+            <a:r>
+              <a:rPr lang="de-DE" b="1" dirty="0" smtClean="0"/>
+              <a:t>&amp; Transformation</a:t>
+            </a:r>
+            <a:endParaRPr lang="de-DE" b="1" kern="0" dirty="0" smtClean="0"/>
+          </a:p>
+        </p:txBody>
+      </p:sp>
+      <p:sp>
+        <p:nvSpPr>
+          <p:cNvPr id="4" name="Textfeld 3"/>
+          <p:cNvSpPr txBox="1"/>
+          <p:nvPr/>
+        </p:nvSpPr>
+        <p:spPr>
+          <a:xfrm>
+            <a:off x="634961" y="1531113"/>
+            <a:ext cx="8224837" cy="4524315"/>
+          </a:xfrm>
+          <a:prstGeom prst="rect">
+            <a:avLst/>
+          </a:prstGeom>
+          <a:noFill/>
+        </p:spPr>
+        <p:txBody>
+          <a:bodyPr wrap="square" rtlCol="0">
+            <a:spAutoFit/>
+          </a:bodyPr>
+          <a:lstStyle/>
+          <a:p>
+            <a:r>
+              <a:rPr lang="de-DE" sz="1800" b="1" dirty="0" smtClean="0"/>
+              <a:t>Feature </a:t>
+            </a:r>
+            <a:r>
+              <a:rPr lang="de-DE" sz="1800" b="1" dirty="0" err="1" smtClean="0"/>
+              <a:t>Selection</a:t>
+            </a:r>
+            <a:r>
+              <a:rPr lang="de-DE" sz="1800" b="1" dirty="0" smtClean="0"/>
+              <a:t>:</a:t>
+            </a:r>
+            <a:endParaRPr lang="de-DE" sz="1800" b="1" dirty="0"/>
+          </a:p>
+          <a:p>
+            <a:pPr marL="285750" indent="-285750">
+              <a:buFont typeface="Wingdings" charset="2"/>
+              <a:buChar char="§"/>
+            </a:pPr>
+            <a:r>
+              <a:rPr lang="de-DE" sz="1800" dirty="0" err="1"/>
+              <a:t>word</a:t>
+            </a:r>
+            <a:r>
+              <a:rPr lang="de-DE" sz="1800" dirty="0"/>
+              <a:t> </a:t>
+            </a:r>
+            <a:r>
+              <a:rPr lang="de-DE" sz="1800" dirty="0" err="1"/>
+              <a:t>occurences</a:t>
+            </a:r>
+            <a:r>
+              <a:rPr lang="de-DE" sz="1800" dirty="0"/>
+              <a:t> </a:t>
+            </a:r>
+            <a:r>
+              <a:rPr lang="de-DE" sz="1800" dirty="0" err="1" smtClean="0"/>
+              <a:t>as</a:t>
+            </a:r>
+            <a:r>
+              <a:rPr lang="de-DE" sz="1800" dirty="0" smtClean="0"/>
+              <a:t> </a:t>
+            </a:r>
+            <a:r>
+              <a:rPr lang="de-DE" sz="1800" dirty="0" err="1" smtClean="0"/>
+              <a:t>features</a:t>
+            </a:r>
+            <a:endParaRPr lang="de-DE" sz="1800" dirty="0"/>
+          </a:p>
+          <a:p>
+            <a:pPr marL="742950" lvl="1" indent="-285750">
+              <a:buFont typeface="Wingdings" charset="2"/>
+              <a:buChar char="§"/>
+            </a:pPr>
+            <a:r>
+              <a:rPr lang="de-DE" sz="1800" dirty="0" err="1" smtClean="0"/>
+              <a:t>remove</a:t>
+            </a:r>
+            <a:r>
+              <a:rPr lang="de-DE" sz="1800" dirty="0" smtClean="0"/>
+              <a:t> </a:t>
+            </a:r>
+            <a:r>
+              <a:rPr lang="de-DE" sz="1800" dirty="0" err="1" smtClean="0"/>
+              <a:t>words</a:t>
+            </a:r>
+            <a:r>
+              <a:rPr lang="de-DE" sz="1800" dirty="0" smtClean="0"/>
+              <a:t> </a:t>
+            </a:r>
+            <a:r>
+              <a:rPr lang="de-DE" sz="1800" dirty="0" err="1" smtClean="0"/>
+              <a:t>having</a:t>
+            </a:r>
+            <a:r>
+              <a:rPr lang="de-DE" sz="1800" dirty="0" smtClean="0"/>
+              <a:t> </a:t>
+            </a:r>
+            <a:r>
+              <a:rPr lang="de-DE" sz="1800" dirty="0" err="1" smtClean="0"/>
+              <a:t>little</a:t>
+            </a:r>
+            <a:r>
+              <a:rPr lang="de-DE" sz="1800" dirty="0" smtClean="0"/>
+              <a:t> </a:t>
+            </a:r>
+            <a:r>
+              <a:rPr lang="de-DE" sz="1800" dirty="0" err="1" smtClean="0"/>
+              <a:t>impact</a:t>
+            </a:r>
+            <a:r>
+              <a:rPr lang="de-DE" sz="1800" dirty="0" smtClean="0"/>
+              <a:t> on </a:t>
+            </a:r>
+            <a:r>
+              <a:rPr lang="de-DE" sz="1800" dirty="0" err="1" smtClean="0"/>
+              <a:t>performance</a:t>
+            </a:r>
+            <a:r>
+              <a:rPr lang="de-DE" sz="1800" dirty="0" smtClean="0"/>
+              <a:t> </a:t>
+            </a:r>
+            <a:r>
+              <a:rPr lang="de-DE" sz="1800" dirty="0" err="1" smtClean="0"/>
+              <a:t>of</a:t>
+            </a:r>
+            <a:r>
+              <a:rPr lang="de-DE" sz="1800" dirty="0" smtClean="0"/>
+              <a:t> </a:t>
+            </a:r>
+            <a:r>
+              <a:rPr lang="de-DE" sz="1800" dirty="0" err="1" smtClean="0"/>
+              <a:t>our</a:t>
+            </a:r>
+            <a:r>
+              <a:rPr lang="de-DE" sz="1800" dirty="0" smtClean="0"/>
+              <a:t> </a:t>
+            </a:r>
+            <a:r>
+              <a:rPr lang="de-DE" sz="1800" dirty="0" err="1" smtClean="0"/>
+              <a:t>models</a:t>
+            </a:r>
+            <a:endParaRPr lang="de-DE" sz="1800" dirty="0"/>
+          </a:p>
+          <a:p>
+            <a:pPr marL="285750" indent="-285750">
+              <a:buFont typeface="Wingdings" charset="2"/>
+              <a:buChar char="§"/>
+            </a:pPr>
+            <a:r>
+              <a:rPr lang="de-DE" sz="1800" dirty="0" smtClean="0"/>
+              <a:t>Try </a:t>
+            </a:r>
+            <a:r>
+              <a:rPr lang="de-DE" sz="1800" dirty="0"/>
+              <a:t>additional </a:t>
+            </a:r>
+            <a:r>
+              <a:rPr lang="de-DE" sz="1800" dirty="0" err="1" smtClean="0"/>
+              <a:t>features</a:t>
+            </a:r>
+            <a:r>
+              <a:rPr lang="de-DE" sz="1800" dirty="0" smtClean="0"/>
+              <a:t> </a:t>
+            </a:r>
+            <a:r>
+              <a:rPr lang="de-DE" sz="1800" dirty="0" err="1" smtClean="0"/>
+              <a:t>that</a:t>
+            </a:r>
+            <a:r>
+              <a:rPr lang="de-DE" sz="1800" dirty="0" smtClean="0"/>
+              <a:t> </a:t>
+            </a:r>
+            <a:r>
+              <a:rPr lang="de-DE" sz="1800" dirty="0" err="1" smtClean="0"/>
+              <a:t>improve</a:t>
+            </a:r>
+            <a:r>
+              <a:rPr lang="de-DE" sz="1800" dirty="0" smtClean="0"/>
+              <a:t> </a:t>
+            </a:r>
+            <a:r>
+              <a:rPr lang="de-DE" sz="1800" dirty="0" err="1" smtClean="0"/>
+              <a:t>performance</a:t>
+            </a:r>
+            <a:r>
+              <a:rPr lang="de-DE" sz="1800" dirty="0" smtClean="0"/>
+              <a:t/>
+            </a:r>
+            <a:br>
+              <a:rPr lang="de-DE" sz="1800" dirty="0" smtClean="0"/>
+            </a:br>
+            <a:r>
+              <a:rPr lang="de-DE" sz="1800" dirty="0" smtClean="0"/>
+              <a:t>(e.g</a:t>
+            </a:r>
+            <a:r>
+              <a:rPr lang="de-DE" sz="1800" dirty="0"/>
+              <a:t>. </a:t>
+            </a:r>
+            <a:r>
+              <a:rPr lang="de-DE" sz="1800" dirty="0" err="1"/>
+              <a:t>whether</a:t>
+            </a:r>
+            <a:r>
+              <a:rPr lang="de-DE" sz="1800" dirty="0"/>
+              <a:t> tag </a:t>
+            </a:r>
+            <a:r>
+              <a:rPr lang="de-DE" sz="1800" dirty="0" err="1"/>
+              <a:t>appears</a:t>
+            </a:r>
+            <a:r>
+              <a:rPr lang="de-DE" sz="1800" dirty="0"/>
+              <a:t> in title </a:t>
+            </a:r>
+            <a:r>
+              <a:rPr lang="de-DE" sz="1800" dirty="0" err="1"/>
+              <a:t>or</a:t>
+            </a:r>
+            <a:r>
+              <a:rPr lang="de-DE" sz="1800" dirty="0"/>
+              <a:t> </a:t>
+            </a:r>
+            <a:r>
+              <a:rPr lang="de-DE" sz="1800" dirty="0" err="1"/>
+              <a:t>body</a:t>
+            </a:r>
+            <a:r>
+              <a:rPr lang="de-DE" sz="1800" dirty="0"/>
+              <a:t> </a:t>
+            </a:r>
+            <a:r>
+              <a:rPr lang="de-DE" sz="1800" dirty="0" err="1"/>
+              <a:t>of</a:t>
+            </a:r>
+            <a:r>
+              <a:rPr lang="de-DE" sz="1800" dirty="0"/>
+              <a:t> a </a:t>
+            </a:r>
+            <a:r>
+              <a:rPr lang="de-DE" sz="1800" dirty="0" err="1" smtClean="0"/>
+              <a:t>document</a:t>
+            </a:r>
+            <a:r>
+              <a:rPr lang="de-DE" sz="1800" dirty="0" smtClean="0"/>
+              <a:t>/</a:t>
+            </a:r>
+            <a:r>
+              <a:rPr lang="de-DE" sz="1800" dirty="0" err="1" smtClean="0"/>
+              <a:t>post</a:t>
+            </a:r>
+            <a:r>
+              <a:rPr lang="de-DE" sz="1800" dirty="0" smtClean="0"/>
+              <a:t> </a:t>
+            </a:r>
+            <a:r>
+              <a:rPr lang="de-DE" sz="1800" dirty="0" err="1"/>
+              <a:t>or</a:t>
+            </a:r>
+            <a:r>
+              <a:rPr lang="de-DE" sz="1800" dirty="0"/>
+              <a:t> not</a:t>
+            </a:r>
+            <a:r>
+              <a:rPr lang="de-DE" sz="1800" dirty="0" smtClean="0"/>
+              <a:t>)</a:t>
+            </a:r>
+            <a:endParaRPr lang="de-DE" sz="1800" dirty="0"/>
+          </a:p>
+          <a:p>
+            <a:endParaRPr lang="de-DE" sz="1800" b="1" dirty="0" smtClean="0"/>
+          </a:p>
+          <a:p>
+            <a:r>
+              <a:rPr lang="de-DE" sz="1800" b="1" dirty="0" err="1" smtClean="0"/>
+              <a:t>Challenges</a:t>
+            </a:r>
+            <a:r>
+              <a:rPr lang="de-DE" sz="1800" b="1" dirty="0" smtClean="0"/>
+              <a:t>:</a:t>
+            </a:r>
+          </a:p>
+          <a:p>
+            <a:pPr marL="285750" indent="-285750">
+              <a:buFont typeface="Wingdings" charset="2"/>
+              <a:buChar char="§"/>
+            </a:pPr>
+            <a:r>
+              <a:rPr lang="de-DE" sz="1800" dirty="0" err="1" smtClean="0"/>
+              <a:t>highly</a:t>
+            </a:r>
+            <a:r>
+              <a:rPr lang="de-DE" sz="1800" dirty="0" smtClean="0"/>
+              <a:t> </a:t>
+            </a:r>
+            <a:r>
+              <a:rPr lang="de-DE" sz="1800" dirty="0" err="1" smtClean="0"/>
+              <a:t>depends</a:t>
+            </a:r>
+            <a:r>
+              <a:rPr lang="de-DE" sz="1800" dirty="0" smtClean="0"/>
+              <a:t> on </a:t>
+            </a:r>
+            <a:r>
+              <a:rPr lang="de-DE" sz="1800" dirty="0" err="1" smtClean="0"/>
+              <a:t>preprocessing</a:t>
+            </a:r>
+            <a:r>
+              <a:rPr lang="de-DE" sz="1800" dirty="0" smtClean="0"/>
+              <a:t> </a:t>
+            </a:r>
+            <a:r>
+              <a:rPr lang="de-DE" sz="1800" dirty="0"/>
+              <a:t>(</a:t>
+            </a:r>
+            <a:r>
+              <a:rPr lang="de-DE" sz="1800" dirty="0" err="1" smtClean="0"/>
+              <a:t>stop-word</a:t>
+            </a:r>
+            <a:r>
+              <a:rPr lang="de-DE" sz="1800" dirty="0" smtClean="0"/>
+              <a:t> </a:t>
+            </a:r>
+            <a:r>
+              <a:rPr lang="de-DE" sz="1800" dirty="0" err="1"/>
+              <a:t>removal</a:t>
+            </a:r>
+            <a:r>
+              <a:rPr lang="de-DE" sz="1800" dirty="0"/>
+              <a:t>, </a:t>
+            </a:r>
+            <a:r>
+              <a:rPr lang="de-DE" sz="1800" dirty="0" err="1" smtClean="0"/>
+              <a:t>merge</a:t>
+            </a:r>
+            <a:r>
+              <a:rPr lang="de-DE" sz="1800" dirty="0" smtClean="0"/>
+              <a:t> </a:t>
+            </a:r>
+            <a:r>
+              <a:rPr lang="de-DE" sz="1800" dirty="0" err="1" smtClean="0"/>
+              <a:t>synonyms</a:t>
+            </a:r>
+            <a:r>
+              <a:rPr lang="de-DE" sz="1800" dirty="0" smtClean="0"/>
+              <a:t>, ...)</a:t>
+            </a:r>
+          </a:p>
+          <a:p>
+            <a:pPr marL="285750" indent="-285750">
+              <a:buFont typeface="Wingdings" charset="2"/>
+              <a:buChar char="§"/>
+            </a:pPr>
+            <a:r>
+              <a:rPr lang="de-DE" sz="1800" dirty="0" err="1"/>
+              <a:t>crucial</a:t>
+            </a:r>
+            <a:r>
+              <a:rPr lang="de-DE" sz="1800" dirty="0"/>
+              <a:t> </a:t>
+            </a:r>
+            <a:r>
+              <a:rPr lang="de-DE" sz="1800" dirty="0" err="1"/>
+              <a:t>for</a:t>
+            </a:r>
+            <a:r>
+              <a:rPr lang="de-DE" sz="1800" dirty="0"/>
+              <a:t> </a:t>
+            </a:r>
+            <a:r>
+              <a:rPr lang="de-DE" sz="1800" dirty="0" err="1"/>
+              <a:t>performance</a:t>
+            </a:r>
+            <a:r>
+              <a:rPr lang="de-DE" sz="1800" dirty="0"/>
+              <a:t> (</a:t>
+            </a:r>
+            <a:r>
+              <a:rPr lang="de-DE" sz="1800" dirty="0" err="1"/>
+              <a:t>of</a:t>
+            </a:r>
+            <a:r>
+              <a:rPr lang="de-DE" sz="1800" dirty="0"/>
+              <a:t> </a:t>
+            </a:r>
+            <a:r>
+              <a:rPr lang="de-DE" sz="1800" dirty="0" err="1"/>
+              <a:t>models</a:t>
+            </a:r>
+            <a:r>
+              <a:rPr lang="de-DE" sz="1800" dirty="0" smtClean="0"/>
+              <a:t>)</a:t>
+            </a:r>
+          </a:p>
+          <a:p>
+            <a:pPr marL="285750" indent="-285750">
+              <a:buFont typeface="Wingdings" charset="2"/>
+              <a:buChar char="§"/>
+            </a:pPr>
+            <a:r>
+              <a:rPr lang="de-DE" sz="1800" dirty="0" err="1" smtClean="0"/>
+              <a:t>when</a:t>
+            </a:r>
+            <a:r>
+              <a:rPr lang="de-DE" sz="1800" dirty="0" smtClean="0"/>
+              <a:t> </a:t>
+            </a:r>
+            <a:r>
+              <a:rPr lang="de-DE" sz="1800" dirty="0" err="1" smtClean="0"/>
+              <a:t>words</a:t>
+            </a:r>
+            <a:r>
+              <a:rPr lang="de-DE" sz="1800" dirty="0" smtClean="0"/>
+              <a:t> </a:t>
+            </a:r>
+            <a:r>
+              <a:rPr lang="de-DE" sz="1800" dirty="0" err="1" smtClean="0"/>
+              <a:t>are</a:t>
+            </a:r>
+            <a:r>
+              <a:rPr lang="de-DE" sz="1800" dirty="0" smtClean="0"/>
+              <a:t> </a:t>
+            </a:r>
+            <a:r>
+              <a:rPr lang="de-DE" sz="1800" dirty="0" err="1" smtClean="0"/>
+              <a:t>features</a:t>
+            </a:r>
+            <a:r>
+              <a:rPr lang="de-DE" sz="1800" dirty="0" smtClean="0"/>
+              <a:t>:</a:t>
+            </a:r>
+          </a:p>
+          <a:p>
+            <a:pPr marL="742950" lvl="1" indent="-285750">
+              <a:buFont typeface="Wingdings" charset="2"/>
+              <a:buChar char="§"/>
+            </a:pPr>
+            <a:r>
+              <a:rPr lang="de-DE" sz="1800" dirty="0" err="1" smtClean="0"/>
+              <a:t>important</a:t>
+            </a:r>
+            <a:r>
+              <a:rPr lang="de-DE" sz="1800" dirty="0" smtClean="0"/>
+              <a:t> </a:t>
+            </a:r>
+            <a:r>
+              <a:rPr lang="de-DE" sz="1800" dirty="0" err="1" smtClean="0"/>
+              <a:t>words</a:t>
+            </a:r>
+            <a:r>
+              <a:rPr lang="de-DE" sz="1800" dirty="0" smtClean="0"/>
+              <a:t> </a:t>
+            </a:r>
+            <a:r>
+              <a:rPr lang="de-DE" sz="1800" dirty="0" err="1" smtClean="0"/>
+              <a:t>should</a:t>
+            </a:r>
+            <a:r>
+              <a:rPr lang="de-DE" sz="1800" dirty="0" smtClean="0"/>
+              <a:t> </a:t>
+            </a:r>
+            <a:r>
+              <a:rPr lang="de-DE" sz="1800" dirty="0" err="1" smtClean="0"/>
+              <a:t>appear</a:t>
+            </a:r>
+            <a:r>
+              <a:rPr lang="de-DE" sz="1800" dirty="0" smtClean="0"/>
+              <a:t> </a:t>
+            </a:r>
+            <a:r>
+              <a:rPr lang="de-DE" sz="1800" dirty="0" err="1" smtClean="0"/>
+              <a:t>frequently</a:t>
+            </a:r>
+            <a:endParaRPr lang="de-DE" sz="1800" dirty="0" smtClean="0"/>
+          </a:p>
+          <a:p>
+            <a:pPr marL="742950" lvl="1" indent="-285750">
+              <a:buFont typeface="Wingdings" charset="2"/>
+              <a:buChar char="§"/>
+            </a:pPr>
+            <a:r>
+              <a:rPr lang="de-DE" sz="1800" dirty="0" smtClean="0"/>
+              <a:t>but not in </a:t>
+            </a:r>
+            <a:r>
+              <a:rPr lang="de-DE" sz="1800" dirty="0" err="1" smtClean="0"/>
+              <a:t>every</a:t>
+            </a:r>
+            <a:r>
+              <a:rPr lang="de-DE" sz="1800" dirty="0" smtClean="0"/>
+              <a:t> </a:t>
+            </a:r>
+            <a:r>
+              <a:rPr lang="de-DE" sz="1800" dirty="0" err="1" smtClean="0"/>
+              <a:t>single</a:t>
+            </a:r>
+            <a:r>
+              <a:rPr lang="de-DE" sz="1800" dirty="0" smtClean="0"/>
+              <a:t> </a:t>
+            </a:r>
+            <a:r>
+              <a:rPr lang="de-DE" sz="1800" dirty="0" err="1" smtClean="0"/>
+              <a:t>document</a:t>
+            </a:r>
+            <a:r>
+              <a:rPr lang="de-DE" sz="1800" dirty="0" smtClean="0"/>
+              <a:t>/</a:t>
+            </a:r>
+            <a:r>
+              <a:rPr lang="de-DE" sz="1800" dirty="0" err="1" smtClean="0"/>
+              <a:t>post</a:t>
+            </a:r>
+            <a:endParaRPr lang="de-DE" sz="1800" dirty="0" smtClean="0"/>
+          </a:p>
+          <a:p>
+            <a:pPr marL="171450" indent="-171450">
+              <a:buFont typeface="Arial"/>
+              <a:buChar char="•"/>
+            </a:pPr>
+            <a:endParaRPr lang="de-DE" sz="1800" i="1" dirty="0"/>
+          </a:p>
+          <a:p>
+            <a:r>
+              <a:rPr lang="de-DE" sz="1800" b="1" dirty="0" smtClean="0"/>
+              <a:t>Transformation:</a:t>
+            </a:r>
+          </a:p>
+          <a:p>
+            <a:pPr marL="285750" indent="-285750">
+              <a:buFont typeface="Wingdings" charset="2"/>
+              <a:buChar char="§"/>
+            </a:pPr>
+            <a:r>
+              <a:rPr lang="de-DE" sz="1800" dirty="0" smtClean="0"/>
+              <a:t>e.g. TF-IDF, </a:t>
+            </a:r>
+            <a:r>
+              <a:rPr lang="de-DE" sz="1800" dirty="0" err="1" smtClean="0"/>
+              <a:t>less</a:t>
+            </a:r>
+            <a:r>
+              <a:rPr lang="de-DE" sz="1800" dirty="0" smtClean="0"/>
+              <a:t> </a:t>
+            </a:r>
+            <a:r>
+              <a:rPr lang="de-DE" sz="1800" dirty="0" err="1" smtClean="0"/>
+              <a:t>frequent</a:t>
+            </a:r>
+            <a:r>
+              <a:rPr lang="de-DE" sz="1800" dirty="0" smtClean="0"/>
+              <a:t> </a:t>
+            </a:r>
+            <a:r>
+              <a:rPr lang="de-DE" sz="1800" dirty="0" err="1" smtClean="0"/>
+              <a:t>words</a:t>
+            </a:r>
+            <a:r>
+              <a:rPr lang="de-DE" sz="1800" dirty="0" smtClean="0"/>
+              <a:t> </a:t>
+            </a:r>
+            <a:r>
+              <a:rPr lang="de-DE" sz="1800" dirty="0" err="1" smtClean="0"/>
+              <a:t>occuring</a:t>
+            </a:r>
+            <a:r>
+              <a:rPr lang="de-DE" sz="1800" dirty="0"/>
+              <a:t> </a:t>
+            </a:r>
+            <a:r>
+              <a:rPr lang="de-DE" sz="1800" dirty="0" err="1" smtClean="0"/>
+              <a:t>more</a:t>
+            </a:r>
+            <a:r>
+              <a:rPr lang="de-DE" sz="1800" dirty="0"/>
+              <a:t> </a:t>
+            </a:r>
+            <a:r>
+              <a:rPr lang="de-DE" sz="1800" dirty="0" err="1" smtClean="0"/>
+              <a:t>often</a:t>
+            </a:r>
+            <a:r>
+              <a:rPr lang="de-DE" sz="1800" dirty="0"/>
+              <a:t/>
+            </a:r>
+            <a:br>
+              <a:rPr lang="de-DE" sz="1800" dirty="0"/>
+            </a:br>
+            <a:r>
+              <a:rPr lang="de-DE" sz="1800" dirty="0" smtClean="0"/>
+              <a:t>in </a:t>
+            </a:r>
+            <a:r>
+              <a:rPr lang="de-DE" sz="1800" dirty="0" err="1" smtClean="0"/>
+              <a:t>one</a:t>
+            </a:r>
+            <a:r>
+              <a:rPr lang="de-DE" sz="1800" dirty="0" smtClean="0"/>
+              <a:t> </a:t>
+            </a:r>
+            <a:r>
+              <a:rPr lang="de-DE" sz="1800" dirty="0" err="1" smtClean="0"/>
+              <a:t>post</a:t>
+            </a:r>
+            <a:r>
+              <a:rPr lang="de-DE" sz="1800" dirty="0" smtClean="0"/>
+              <a:t> </a:t>
+            </a:r>
+            <a:r>
+              <a:rPr lang="de-DE" sz="1800" dirty="0" err="1" smtClean="0"/>
+              <a:t>are</a:t>
+            </a:r>
+            <a:r>
+              <a:rPr lang="de-DE" sz="1800" dirty="0" smtClean="0"/>
+              <a:t> </a:t>
+            </a:r>
+            <a:r>
+              <a:rPr lang="de-DE" sz="1800" dirty="0" err="1" smtClean="0"/>
+              <a:t>more</a:t>
+            </a:r>
+            <a:r>
+              <a:rPr lang="de-DE" sz="1800" dirty="0" smtClean="0"/>
+              <a:t> </a:t>
+            </a:r>
+            <a:r>
+              <a:rPr lang="de-DE" sz="1800" dirty="0" err="1" smtClean="0"/>
+              <a:t>important</a:t>
+            </a:r>
+            <a:r>
+              <a:rPr lang="de-DE" sz="1800" dirty="0"/>
+              <a:t> </a:t>
+            </a:r>
+            <a:r>
+              <a:rPr lang="de-DE" sz="1800" dirty="0" err="1" smtClean="0"/>
+              <a:t>for</a:t>
+            </a:r>
+            <a:r>
+              <a:rPr lang="de-DE" sz="1800" dirty="0" smtClean="0"/>
+              <a:t> </a:t>
+            </a:r>
+            <a:r>
+              <a:rPr lang="de-DE" sz="1800" dirty="0" err="1" smtClean="0"/>
+              <a:t>that</a:t>
+            </a:r>
+            <a:r>
+              <a:rPr lang="de-DE" sz="1800" dirty="0" smtClean="0"/>
+              <a:t> </a:t>
+            </a:r>
+            <a:r>
+              <a:rPr lang="de-DE" sz="1800" dirty="0" err="1" smtClean="0"/>
+              <a:t>post</a:t>
+            </a:r>
+            <a:r>
+              <a:rPr lang="de-DE" sz="1800" dirty="0" smtClean="0"/>
+              <a:t> </a:t>
+            </a:r>
+            <a:r>
+              <a:rPr lang="de-DE" sz="1800" dirty="0" err="1" smtClean="0"/>
+              <a:t>than</a:t>
+            </a:r>
+            <a:r>
+              <a:rPr lang="de-DE" sz="1800" dirty="0" smtClean="0"/>
+              <a:t> </a:t>
+            </a:r>
+            <a:r>
+              <a:rPr lang="de-DE" sz="1800" dirty="0" err="1" smtClean="0"/>
+              <a:t>other</a:t>
+            </a:r>
+            <a:r>
+              <a:rPr lang="de-DE" sz="1800" dirty="0" err="1"/>
+              <a:t>s</a:t>
+            </a:r>
+            <a:endParaRPr lang="de-DE" sz="1800" dirty="0"/>
+          </a:p>
+        </p:txBody>
+      </p:sp>
+      <p:pic>
+        <p:nvPicPr>
+          <p:cNvPr id="6" name="Picture 5"/>
+          <p:cNvPicPr>
+            <a:picLocks noChangeAspect="1"/>
+          </p:cNvPicPr>
+          <p:nvPr/>
+        </p:nvPicPr>
+        <p:blipFill>
+          <a:blip r:embed="rId3">
+            <a:extLst>
+              <a:ext uri="{28A0092B-C50C-407E-A947-70E740481C1C}">
+                <a14:useLocalDpi xmlns:a14="http://schemas.microsoft.com/office/drawing/2010/main" val="0"/>
+              </a:ext>
+            </a:extLst>
+          </a:blip>
+          <a:stretch>
+            <a:fillRect/>
+          </a:stretch>
+        </p:blipFill>
+        <p:spPr>
+          <a:xfrm>
+            <a:off x="6593344" y="5573296"/>
+            <a:ext cx="2266455" cy="566614"/>
+          </a:xfrm>
+          <a:prstGeom prst="rect">
+            <a:avLst/>
+          </a:prstGeom>
+        </p:spPr>
+      </p:pic>
+      <p:sp>
+        <p:nvSpPr>
+          <p:cNvPr id="9" name="Rectangle 8"/>
+          <p:cNvSpPr/>
+          <p:nvPr/>
+        </p:nvSpPr>
+        <p:spPr>
+          <a:xfrm>
+            <a:off x="5838873" y="4271966"/>
+            <a:ext cx="3057247" cy="646331"/>
+          </a:xfrm>
+          <a:prstGeom prst="rect">
+            <a:avLst/>
+          </a:prstGeom>
+          <a:solidFill>
+            <a:schemeClr val="accent1"/>
+          </a:solidFill>
+          <a:ln>
+            <a:solidFill>
+              <a:schemeClr val="tx1"/>
+            </a:solidFill>
+          </a:ln>
+        </p:spPr>
+        <p:txBody>
+          <a:bodyPr wrap="none">
+            <a:spAutoFit/>
+          </a:bodyPr>
+          <a:lstStyle/>
+          <a:p>
+            <a:r>
+              <a:rPr lang="en-US" sz="1800" b="1" smtClean="0"/>
+              <a:t>Goal:</a:t>
+            </a:r>
+          </a:p>
+          <a:p>
+            <a:r>
+              <a:rPr lang="en-US" sz="1800" dirty="0" smtClean="0"/>
+              <a:t>get </a:t>
+            </a:r>
+            <a:r>
+              <a:rPr lang="en-US" sz="1800" dirty="0"/>
+              <a:t>best prediction accuracy</a:t>
+            </a:r>
+          </a:p>
+        </p:txBody>
+      </p:sp>
+    </p:spTree>
+    <p:extLst>
+      <p:ext uri="{BB962C8B-B14F-4D97-AF65-F5344CB8AC3E}">
+        <p14:creationId xmlns:p14="http://schemas.microsoft.com/office/powerpoint/2010/main" val="1108338044"/>
+      </p:ext>
+    </p:extLst>
+  </p:cSld>
+  <p:clrMapOvr>
+    <a:masterClrMapping/>
+  </p:clrMapOvr>
+  <p:timing>
+    <p:tnLst>
+      <p:par>
+        <p:cTn id="1" dur="indefinite" restart="never" nodeType="tmRoot"/>
       </p:par>
     </p:tnLst>
   </p:timing>
@@ -8525,395 +9492,7 @@
       </p:grpSpPr>
       <p:sp>
         <p:nvSpPr>
-          <p:cNvPr id="2051" name="Rectangle 5"/>
-          <p:cNvSpPr>
-            <a:spLocks noGrp="1" noChangeArrowheads="1"/>
-          </p:cNvSpPr>
-          <p:nvPr>
-            <p:ph type="body" idx="4294967295"/>
-          </p:nvPr>
-        </p:nvSpPr>
-        <p:spPr>
-          <a:xfrm>
-            <a:off x="652463" y="1680180"/>
-            <a:ext cx="7772400" cy="4524553"/>
-          </a:xfrm>
-        </p:spPr>
-        <p:txBody>
-          <a:bodyPr/>
-          <a:lstStyle/>
-          <a:p>
-            <a:pPr eaLnBrk="1" hangingPunct="1">
-              <a:lnSpc>
-                <a:spcPct val="90000"/>
-              </a:lnSpc>
-              <a:buFont typeface="Wingdings" charset="2"/>
-              <a:buChar char="§"/>
-            </a:pPr>
-            <a:endParaRPr lang="is-IS" sz="1800" dirty="0" smtClean="0"/>
-          </a:p>
-          <a:p>
-            <a:pPr eaLnBrk="1" hangingPunct="1">
-              <a:lnSpc>
-                <a:spcPct val="90000"/>
-              </a:lnSpc>
-              <a:buFont typeface="Wingdings" charset="2"/>
-              <a:buChar char="§"/>
-            </a:pPr>
-            <a:r>
-              <a:rPr lang="de-DE" sz="1800" dirty="0" smtClean="0"/>
-              <a:t>Term </a:t>
-            </a:r>
-            <a:r>
-              <a:rPr lang="de-DE" sz="1800" dirty="0" err="1" smtClean="0"/>
-              <a:t>frequency</a:t>
-            </a:r>
-            <a:r>
-              <a:rPr lang="de-DE" sz="1800" dirty="0" smtClean="0"/>
-              <a:t> – inverse </a:t>
-            </a:r>
-            <a:r>
-              <a:rPr lang="de-DE" sz="1800" dirty="0" err="1" smtClean="0"/>
-              <a:t>document</a:t>
-            </a:r>
-            <a:r>
-              <a:rPr lang="de-DE" sz="1800" dirty="0" smtClean="0"/>
-              <a:t> </a:t>
-            </a:r>
-            <a:r>
-              <a:rPr lang="de-DE" sz="1800" dirty="0" err="1" smtClean="0"/>
-              <a:t>frequency</a:t>
-            </a:r>
-            <a:r>
-              <a:rPr lang="de-DE" sz="1800" dirty="0" smtClean="0"/>
-              <a:t> (</a:t>
-            </a:r>
-            <a:r>
-              <a:rPr lang="de-DE" sz="1800" dirty="0" err="1" smtClean="0"/>
-              <a:t>TFxIDF</a:t>
-            </a:r>
-            <a:r>
-              <a:rPr lang="de-DE" sz="1800" dirty="0" smtClean="0"/>
-              <a:t>)</a:t>
-            </a:r>
-          </a:p>
-          <a:p>
-            <a:pPr eaLnBrk="1" hangingPunct="1">
-              <a:lnSpc>
-                <a:spcPct val="90000"/>
-              </a:lnSpc>
-              <a:buFont typeface="Wingdings" charset="2"/>
-              <a:buChar char="§"/>
-            </a:pPr>
-            <a:endParaRPr lang="de-DE" sz="1800" dirty="0"/>
-          </a:p>
-          <a:p>
-            <a:pPr eaLnBrk="1" hangingPunct="1">
-              <a:lnSpc>
-                <a:spcPct val="90000"/>
-              </a:lnSpc>
-              <a:buFont typeface="Wingdings" charset="2"/>
-              <a:buChar char="§"/>
-            </a:pPr>
-            <a:endParaRPr lang="de-DE" sz="1800" dirty="0" smtClean="0">
-              <a:solidFill>
-                <a:srgbClr val="FF0000"/>
-              </a:solidFill>
-            </a:endParaRPr>
-          </a:p>
-          <a:p>
-            <a:pPr eaLnBrk="1" hangingPunct="1">
-              <a:lnSpc>
-                <a:spcPct val="90000"/>
-              </a:lnSpc>
-              <a:buFont typeface="Wingdings" charset="2"/>
-              <a:buChar char="§"/>
-            </a:pPr>
-            <a:endParaRPr lang="de-DE" sz="1800" dirty="0">
-              <a:solidFill>
-                <a:srgbClr val="FF0000"/>
-              </a:solidFill>
-            </a:endParaRPr>
-          </a:p>
-          <a:p>
-            <a:pPr eaLnBrk="1" hangingPunct="1">
-              <a:lnSpc>
-                <a:spcPct val="90000"/>
-              </a:lnSpc>
-              <a:buFont typeface="Wingdings" charset="2"/>
-              <a:buChar char="§"/>
-            </a:pPr>
-            <a:endParaRPr lang="de-DE" sz="1800" dirty="0" smtClean="0">
-              <a:solidFill>
-                <a:srgbClr val="FF0000"/>
-              </a:solidFill>
-            </a:endParaRPr>
-          </a:p>
-          <a:p>
-            <a:pPr eaLnBrk="1" hangingPunct="1">
-              <a:lnSpc>
-                <a:spcPct val="90000"/>
-              </a:lnSpc>
-              <a:buFont typeface="Wingdings" charset="2"/>
-              <a:buChar char="§"/>
-            </a:pPr>
-            <a:endParaRPr lang="de-DE" sz="1800" dirty="0">
-              <a:solidFill>
-                <a:srgbClr val="FF0000"/>
-              </a:solidFill>
-            </a:endParaRPr>
-          </a:p>
-          <a:p>
-            <a:pPr marL="0" indent="0" eaLnBrk="1" hangingPunct="1">
-              <a:lnSpc>
-                <a:spcPct val="90000"/>
-              </a:lnSpc>
-            </a:pPr>
-            <a:r>
-              <a:rPr lang="de-DE" sz="1800" dirty="0" smtClean="0">
-                <a:solidFill>
-                  <a:srgbClr val="FF0000"/>
-                </a:solidFill>
-              </a:rPr>
-              <a:t/>
-            </a:r>
-            <a:br>
-              <a:rPr lang="de-DE" sz="1800" dirty="0" smtClean="0">
-                <a:solidFill>
-                  <a:srgbClr val="FF0000"/>
-                </a:solidFill>
-              </a:rPr>
-            </a:br>
-            <a:r>
-              <a:rPr lang="de-DE" sz="1800" dirty="0" smtClean="0">
-                <a:solidFill>
-                  <a:srgbClr val="FF0000"/>
-                </a:solidFill>
-              </a:rPr>
-              <a:t/>
-            </a:r>
-            <a:br>
-              <a:rPr lang="de-DE" sz="1800" dirty="0" smtClean="0">
-                <a:solidFill>
-                  <a:srgbClr val="FF0000"/>
-                </a:solidFill>
-              </a:rPr>
-            </a:br>
-            <a:endParaRPr lang="de-DE" sz="1800" dirty="0" smtClean="0">
-              <a:solidFill>
-                <a:srgbClr val="FF0000"/>
-              </a:solidFill>
-            </a:endParaRPr>
-          </a:p>
-          <a:p>
-            <a:pPr eaLnBrk="1" hangingPunct="1">
-              <a:lnSpc>
-                <a:spcPct val="90000"/>
-              </a:lnSpc>
-              <a:buFont typeface="Wingdings" charset="2"/>
-              <a:buChar char="§"/>
-            </a:pPr>
-            <a:endParaRPr lang="de-DE" sz="1800" dirty="0">
-              <a:solidFill>
-                <a:srgbClr val="000000"/>
-              </a:solidFill>
-            </a:endParaRPr>
-          </a:p>
-          <a:p>
-            <a:pPr eaLnBrk="1" hangingPunct="1">
-              <a:lnSpc>
-                <a:spcPct val="90000"/>
-              </a:lnSpc>
-              <a:buFont typeface="Wingdings" charset="2"/>
-              <a:buChar char="Ø"/>
-            </a:pPr>
-            <a:r>
-              <a:rPr lang="de-DE" sz="1800" dirty="0" smtClean="0">
-                <a:solidFill>
-                  <a:srgbClr val="000000"/>
-                </a:solidFill>
-              </a:rPr>
-              <a:t>Goal: </a:t>
-            </a:r>
-            <a:r>
-              <a:rPr lang="de-DE" sz="1800" dirty="0" err="1" smtClean="0">
-                <a:solidFill>
-                  <a:srgbClr val="000000"/>
-                </a:solidFill>
-              </a:rPr>
-              <a:t>weighting</a:t>
-            </a:r>
-            <a:r>
-              <a:rPr lang="de-DE" sz="1800" dirty="0" smtClean="0">
-                <a:solidFill>
-                  <a:srgbClr val="000000"/>
-                </a:solidFill>
-              </a:rPr>
-              <a:t> </a:t>
-            </a:r>
-            <a:r>
-              <a:rPr lang="de-DE" sz="1800" dirty="0" err="1" smtClean="0">
-                <a:solidFill>
-                  <a:srgbClr val="000000"/>
-                </a:solidFill>
-              </a:rPr>
-              <a:t>function</a:t>
-            </a:r>
-            <a:r>
-              <a:rPr lang="de-DE" sz="1800" dirty="0" smtClean="0">
-                <a:solidFill>
-                  <a:srgbClr val="000000"/>
-                </a:solidFill>
-              </a:rPr>
-              <a:t> </a:t>
-            </a:r>
-            <a:r>
-              <a:rPr lang="de-DE" sz="1800" dirty="0" err="1" smtClean="0">
-                <a:solidFill>
-                  <a:srgbClr val="000000"/>
-                </a:solidFill>
-              </a:rPr>
-              <a:t>to</a:t>
-            </a:r>
-            <a:r>
-              <a:rPr lang="de-DE" sz="1800" dirty="0" smtClean="0">
-                <a:solidFill>
-                  <a:srgbClr val="000000"/>
-                </a:solidFill>
-              </a:rPr>
-              <a:t> </a:t>
-            </a:r>
-            <a:r>
-              <a:rPr lang="de-DE" sz="1800" dirty="0" err="1" smtClean="0">
-                <a:solidFill>
-                  <a:srgbClr val="000000"/>
-                </a:solidFill>
-              </a:rPr>
-              <a:t>give</a:t>
-            </a:r>
-            <a:r>
-              <a:rPr lang="de-DE" sz="1800" dirty="0" smtClean="0">
-                <a:solidFill>
-                  <a:srgbClr val="000000"/>
-                </a:solidFill>
-              </a:rPr>
-              <a:t> </a:t>
-            </a:r>
-            <a:r>
-              <a:rPr lang="de-DE" sz="1800" dirty="0" err="1" smtClean="0">
-                <a:solidFill>
-                  <a:srgbClr val="000000"/>
-                </a:solidFill>
-              </a:rPr>
-              <a:t>more</a:t>
-            </a:r>
-            <a:r>
-              <a:rPr lang="de-DE" sz="1800" dirty="0" smtClean="0">
-                <a:solidFill>
-                  <a:srgbClr val="000000"/>
-                </a:solidFill>
-              </a:rPr>
-              <a:t> </a:t>
-            </a:r>
-            <a:r>
-              <a:rPr lang="de-DE" sz="1800" dirty="0" err="1" smtClean="0">
-                <a:solidFill>
-                  <a:srgbClr val="000000"/>
-                </a:solidFill>
-              </a:rPr>
-              <a:t>importance</a:t>
-            </a:r>
-            <a:r>
-              <a:rPr lang="de-DE" sz="1800" dirty="0" smtClean="0">
-                <a:solidFill>
-                  <a:srgbClr val="000000"/>
-                </a:solidFill>
-              </a:rPr>
-              <a:t> </a:t>
-            </a:r>
-            <a:r>
-              <a:rPr lang="de-DE" sz="1800" dirty="0" err="1" smtClean="0">
-                <a:solidFill>
-                  <a:srgbClr val="000000"/>
-                </a:solidFill>
-              </a:rPr>
-              <a:t>to</a:t>
-            </a:r>
-            <a:r>
-              <a:rPr lang="de-DE" sz="1800" dirty="0" smtClean="0">
-                <a:solidFill>
-                  <a:srgbClr val="000000"/>
-                </a:solidFill>
-              </a:rPr>
-              <a:t> </a:t>
-            </a:r>
-            <a:r>
-              <a:rPr lang="de-DE" sz="1800" dirty="0" err="1" smtClean="0">
-                <a:solidFill>
-                  <a:srgbClr val="000000"/>
-                </a:solidFill>
-              </a:rPr>
-              <a:t>unique</a:t>
-            </a:r>
-            <a:r>
-              <a:rPr lang="de-DE" sz="1800" dirty="0" smtClean="0">
-                <a:solidFill>
-                  <a:srgbClr val="000000"/>
-                </a:solidFill>
-              </a:rPr>
-              <a:t> </a:t>
-            </a:r>
-            <a:r>
-              <a:rPr lang="de-DE" sz="1800" dirty="0" err="1" smtClean="0">
-                <a:solidFill>
-                  <a:srgbClr val="000000"/>
-                </a:solidFill>
-              </a:rPr>
-              <a:t>words</a:t>
-            </a:r>
-            <a:r>
-              <a:rPr lang="de-DE" sz="1800" dirty="0" smtClean="0">
-                <a:solidFill>
-                  <a:srgbClr val="000000"/>
-                </a:solidFill>
-              </a:rPr>
-              <a:t> </a:t>
-            </a:r>
-            <a:r>
-              <a:rPr lang="de-DE" sz="1800" dirty="0" err="1" smtClean="0">
-                <a:solidFill>
-                  <a:srgbClr val="000000"/>
-                </a:solidFill>
-              </a:rPr>
-              <a:t>within</a:t>
-            </a:r>
-            <a:r>
-              <a:rPr lang="de-DE" sz="1800" dirty="0" smtClean="0">
-                <a:solidFill>
-                  <a:srgbClr val="000000"/>
-                </a:solidFill>
-              </a:rPr>
-              <a:t> a </a:t>
-            </a:r>
-            <a:r>
-              <a:rPr lang="de-DE" sz="1800" dirty="0" err="1" smtClean="0">
-                <a:solidFill>
-                  <a:srgbClr val="000000"/>
-                </a:solidFill>
-              </a:rPr>
-              <a:t>collection</a:t>
-            </a:r>
-            <a:endParaRPr lang="de-DE" sz="1800" dirty="0" smtClean="0">
-              <a:solidFill>
-                <a:srgbClr val="000000"/>
-              </a:solidFill>
-            </a:endParaRPr>
-          </a:p>
-        </p:txBody>
-      </p:sp>
-      <p:sp>
-        <p:nvSpPr>
-          <p:cNvPr id="5" name="Rectangle 2"/>
+          <p:cNvPr id="8" name="Rectangle 2"/>
           <p:cNvSpPr txBox="1">
             <a:spLocks noChangeArrowheads="1"/>
           </p:cNvSpPr>
@@ -8934,14 +9513,14 @@
           <a:effectLst/>
           <a:extLst>
             <a:ext uri="{909E8E84-426E-40dd-AFC4-6F175D3DCCD1}">
-              <a14:hiddenFill xmlns:a14="http://schemas.microsoft.com/office/drawing/2010/main">
+              <a14:hiddenFill xmlns="" xmlns:a14="http://schemas.microsoft.com/office/drawing/2010/main">
                 <a:solidFill>
                   <a:schemeClr val="accent1"/>
                 </a:solidFill>
               </a14:hiddenFill>
             </a:ext>
             <a:ext uri="{91240B29-F687-4f45-9708-019B960494DF}">
-              <a14:hiddenLine xmlns:a14="http://schemas.microsoft.com/office/drawing/2010/main" w="9525">
+              <a14:hiddenLine xmlns="" xmlns:a14="http://schemas.microsoft.com/office/drawing/2010/main" w="9525">
                 <a:solidFill>
                   <a:schemeClr val="tx1"/>
                 </a:solidFill>
@@ -8951,7 +9530,7 @@
               </a14:hiddenLine>
             </a:ext>
             <a:ext uri="{AF507438-7753-43e0-B8FC-AC1667EBCBE1}">
-              <a14:hiddenEffects xmlns:a14="http://schemas.microsoft.com/office/drawing/2010/main">
+              <a14:hiddenEffects xmlns="" xmlns:a14="http://schemas.microsoft.com/office/drawing/2010/main">
                 <a:effectLst>
                   <a:outerShdw dist="35921" dir="2700000" algn="ctr" rotWithShape="0">
                     <a:schemeClr val="bg2"/>
@@ -9111,85 +9690,907 @@
               <a:rPr lang="de-DE" sz="1500" b="1" dirty="0" smtClean="0"/>
               <a:t>Approach</a:t>
             </a:r>
+          </a:p>
+          <a:p>
+            <a:pPr eaLnBrk="1" hangingPunct="1"/>
+            <a:r>
+              <a:rPr lang="de-DE" b="1" dirty="0" err="1" smtClean="0"/>
+              <a:t>Supervised</a:t>
+            </a:r>
             <a:r>
               <a:rPr lang="de-DE" b="1" dirty="0" smtClean="0"/>
-              <a:t/>
-            </a:r>
-            <a:br>
+              <a:t> </a:t>
+            </a:r>
+            <a:r>
               <a:rPr lang="de-DE" b="1" dirty="0" smtClean="0"/>
-            </a:br>
-            <a:r>
-              <a:rPr lang="de-DE" b="1" dirty="0" smtClean="0"/>
-              <a:t>Transformation</a:t>
+              <a:t>(I)</a:t>
             </a:r>
             <a:endParaRPr lang="de-DE" b="1" kern="0" dirty="0" smtClean="0"/>
           </a:p>
         </p:txBody>
       </p:sp>
-      <p:pic>
-        <p:nvPicPr>
-          <p:cNvPr id="2" name="Bild 1" descr="bae842b33a4cafc0f22519cf960b052a.png"/>
-          <p:cNvPicPr>
-            <a:picLocks noChangeAspect="1"/>
-          </p:cNvPicPr>
-          <p:nvPr/>
-        </p:nvPicPr>
-        <p:blipFill>
-          <a:blip r:embed="rId3">
-            <a:extLst>
-              <a:ext uri="{28A0092B-C50C-407E-A947-70E740481C1C}">
-                <a14:useLocalDpi xmlns:a14="http://schemas.microsoft.com/office/drawing/2010/main" val="0"/>
-              </a:ext>
-            </a:extLst>
-          </a:blip>
-          <a:stretch>
-            <a:fillRect/>
-          </a:stretch>
-        </p:blipFill>
-        <p:spPr>
-          <a:xfrm>
-            <a:off x="1118752" y="2620258"/>
-            <a:ext cx="3416300" cy="584200"/>
-          </a:xfrm>
-          <a:prstGeom prst="rect">
-            <a:avLst/>
-          </a:prstGeom>
-        </p:spPr>
-      </p:pic>
-      <p:pic>
-        <p:nvPicPr>
-          <p:cNvPr id="3" name="Bild 2" descr="93a450846cf3e560824b1783405bfb2a.png"/>
-          <p:cNvPicPr>
-            <a:picLocks noChangeAspect="1"/>
-          </p:cNvPicPr>
-          <p:nvPr/>
-        </p:nvPicPr>
-        <p:blipFill>
-          <a:blip r:embed="rId4">
-            <a:extLst>
-              <a:ext uri="{28A0092B-C50C-407E-A947-70E740481C1C}">
-                <a14:useLocalDpi xmlns:a14="http://schemas.microsoft.com/office/drawing/2010/main" val="0"/>
-              </a:ext>
-            </a:extLst>
-          </a:blip>
-          <a:stretch>
-            <a:fillRect/>
-          </a:stretch>
-        </p:blipFill>
-        <p:spPr>
-          <a:xfrm>
-            <a:off x="1118751" y="3753935"/>
-            <a:ext cx="3819703" cy="297088"/>
-          </a:xfrm>
-          <a:prstGeom prst="rect">
-            <a:avLst/>
-          </a:prstGeom>
-        </p:spPr>
-      </p:pic>
+      <mc:AlternateContent xmlns:mc="http://schemas.openxmlformats.org/markup-compatibility/2006">
+        <mc:Choice xmlns:a14="http://schemas.microsoft.com/office/drawing/2010/main" Requires="a14">
+          <p:sp>
+            <p:nvSpPr>
+              <p:cNvPr id="4" name="Textfeld 3"/>
+              <p:cNvSpPr txBox="1"/>
+              <p:nvPr/>
+            </p:nvSpPr>
+            <p:spPr>
+              <a:xfrm>
+                <a:off x="634960" y="1555747"/>
+                <a:ext cx="8332770" cy="4524315"/>
+              </a:xfrm>
+              <a:prstGeom prst="rect">
+                <a:avLst/>
+              </a:prstGeom>
+              <a:noFill/>
+            </p:spPr>
+            <p:txBody>
+              <a:bodyPr wrap="square" rtlCol="0">
+                <a:spAutoFit/>
+              </a:bodyPr>
+              <a:lstStyle/>
+              <a:p>
+                <a:r>
+                  <a:rPr lang="de-DE" sz="1600" dirty="0" smtClean="0"/>
+                  <a:t>Start </a:t>
+                </a:r>
+                <a:r>
+                  <a:rPr lang="de-DE" sz="1600" dirty="0" err="1" smtClean="0"/>
+                  <a:t>to</a:t>
+                </a:r>
+                <a:r>
+                  <a:rPr lang="de-DE" sz="1600" dirty="0" smtClean="0"/>
+                  <a:t> </a:t>
+                </a:r>
+                <a:r>
+                  <a:rPr lang="de-DE" sz="1600" dirty="0" err="1" smtClean="0"/>
+                  <a:t>train</a:t>
+                </a:r>
+                <a:r>
+                  <a:rPr lang="de-DE" sz="1600" dirty="0" smtClean="0"/>
+                  <a:t> a </a:t>
+                </a:r>
+                <a:r>
+                  <a:rPr lang="de-DE" sz="1600" dirty="0" err="1" smtClean="0"/>
+                  <a:t>Multinomial</a:t>
+                </a:r>
+                <a:r>
+                  <a:rPr lang="de-DE" sz="1600" dirty="0" smtClean="0"/>
+                  <a:t> Naive </a:t>
+                </a:r>
+                <a:r>
+                  <a:rPr lang="de-DE" sz="1600" dirty="0" err="1" smtClean="0"/>
+                  <a:t>Bayes</a:t>
+                </a:r>
+                <a:r>
+                  <a:rPr lang="de-DE" sz="1600" dirty="0" smtClean="0"/>
+                  <a:t> </a:t>
+                </a:r>
+                <a:r>
+                  <a:rPr lang="de-DE" sz="1600" dirty="0" err="1" smtClean="0"/>
+                  <a:t>classifier</a:t>
+                </a:r>
+                <a:r>
+                  <a:rPr lang="de-DE" sz="1600" dirty="0" smtClean="0"/>
+                  <a:t> (</a:t>
+                </a:r>
+                <a:r>
+                  <a:rPr lang="de-DE" sz="1600" i="1" dirty="0" err="1" smtClean="0"/>
+                  <a:t>MultinomialNB</a:t>
+                </a:r>
+                <a:r>
+                  <a:rPr lang="de-DE" sz="1600" i="1" dirty="0" smtClean="0"/>
+                  <a:t> </a:t>
+                </a:r>
+                <a:r>
+                  <a:rPr lang="de-DE" sz="1600" i="1" dirty="0" err="1" smtClean="0"/>
+                  <a:t>from</a:t>
+                </a:r>
+                <a:r>
+                  <a:rPr lang="de-DE" sz="1600" i="1" dirty="0" smtClean="0"/>
+                  <a:t> </a:t>
+                </a:r>
+                <a:r>
+                  <a:rPr lang="de-DE" sz="1600" i="1" dirty="0" err="1" smtClean="0"/>
+                  <a:t>sklearn</a:t>
+                </a:r>
+                <a:r>
+                  <a:rPr lang="de-DE" sz="1600" i="1" dirty="0" smtClean="0"/>
+                  <a:t>)</a:t>
+                </a:r>
+              </a:p>
+              <a:p>
+                <a:pPr marL="171450" indent="-171450">
+                  <a:buFont typeface="Arial"/>
+                  <a:buChar char="•"/>
+                </a:pPr>
+                <a:endParaRPr lang="de-DE" sz="1600" i="1" dirty="0"/>
+              </a:p>
+              <a:p>
+                <a:r>
+                  <a:rPr lang="de-DE" sz="1600" b="1" dirty="0" err="1" smtClean="0"/>
+                  <a:t>Two</a:t>
+                </a:r>
+                <a:r>
+                  <a:rPr lang="de-DE" sz="1600" b="1" dirty="0" smtClean="0"/>
+                  <a:t> Naive </a:t>
+                </a:r>
+                <a:r>
+                  <a:rPr lang="de-DE" sz="1600" b="1" dirty="0" err="1" smtClean="0"/>
+                  <a:t>Bayes</a:t>
+                </a:r>
+                <a:r>
+                  <a:rPr lang="de-DE" sz="1600" b="1" dirty="0" smtClean="0"/>
+                  <a:t> </a:t>
+                </a:r>
+                <a:r>
+                  <a:rPr lang="de-DE" sz="1600" b="1" dirty="0" err="1"/>
+                  <a:t>approaches</a:t>
+                </a:r>
+                <a:r>
+                  <a:rPr lang="de-DE" sz="1600" b="1" dirty="0"/>
+                  <a:t>:</a:t>
+                </a:r>
+              </a:p>
+              <a:p>
+                <a:pPr marL="342900" indent="-342900">
+                  <a:buFont typeface="Wingdings" charset="2"/>
+                  <a:buChar char="§"/>
+                </a:pPr>
+                <a:r>
+                  <a:rPr lang="de-DE" sz="1600" dirty="0" smtClean="0"/>
+                  <a:t>First </a:t>
+                </a:r>
+                <a:r>
+                  <a:rPr lang="de-DE" sz="1600" dirty="0" err="1" smtClean="0"/>
+                  <a:t>approach</a:t>
+                </a:r>
+                <a:r>
+                  <a:rPr lang="de-DE" sz="1600" dirty="0" smtClean="0"/>
+                  <a:t>:</a:t>
+                </a:r>
+              </a:p>
+              <a:p>
+                <a:pPr marL="690563" lvl="1" indent="-285750">
+                  <a:buFont typeface="Wingdings" charset="2"/>
+                  <a:buChar char="§"/>
+                </a:pPr>
+                <a:r>
+                  <a:rPr lang="de-DE" sz="1600" dirty="0" smtClean="0"/>
+                  <a:t>Train multiple </a:t>
+                </a:r>
+                <a:r>
+                  <a:rPr lang="de-DE" sz="1600" i="1" dirty="0" err="1"/>
+                  <a:t>binary</a:t>
+                </a:r>
+                <a:r>
+                  <a:rPr lang="de-DE" sz="1600" dirty="0"/>
+                  <a:t> </a:t>
+                </a:r>
+                <a:r>
+                  <a:rPr lang="de-DE" sz="1600" dirty="0" err="1"/>
+                  <a:t>classifiers</a:t>
+                </a:r>
+                <a:r>
+                  <a:rPr lang="de-DE" sz="1600" dirty="0"/>
+                  <a:t> </a:t>
+                </a:r>
+                <a:r>
+                  <a:rPr lang="de-DE" sz="1600" dirty="0" smtClean="0"/>
+                  <a:t>(1 </a:t>
+                </a:r>
+                <a:r>
+                  <a:rPr lang="de-DE" sz="1600" dirty="0" err="1" smtClean="0"/>
+                  <a:t>classifier</a:t>
+                </a:r>
+                <a:r>
+                  <a:rPr lang="de-DE" sz="1600" dirty="0" smtClean="0"/>
+                  <a:t>/tag)</a:t>
+                </a:r>
+                <a:endParaRPr lang="de-DE" sz="1600" dirty="0"/>
+              </a:p>
+              <a:p>
+                <a:pPr marL="690563" lvl="1" indent="-285750">
+                  <a:buFont typeface="Wingdings" charset="2"/>
+                  <a:buChar char="§"/>
+                </a:pPr>
+                <a14:m>
+                  <m:oMath xmlns:m="http://schemas.openxmlformats.org/officeDocument/2006/math">
+                    <m:r>
+                      <m:rPr>
+                        <m:sty m:val="p"/>
+                      </m:rPr>
+                      <a:rPr lang="de-DE" sz="1600" dirty="0">
+                        <a:latin typeface="Cambria Math" charset="0"/>
+                        <a:ea typeface="Cambria Math" charset="0"/>
+                        <a:cs typeface="Cambria Math" charset="0"/>
+                      </a:rPr>
+                      <m:t>classes</m:t>
+                    </m:r>
+                    <m:r>
+                      <a:rPr lang="de-DE" sz="1600" i="1" dirty="0">
+                        <a:latin typeface="Cambria Math" charset="0"/>
+                        <a:ea typeface="Cambria Math" charset="0"/>
+                        <a:cs typeface="Cambria Math" charset="0"/>
+                      </a:rPr>
+                      <m:t>=</m:t>
+                    </m:r>
+                    <m:r>
+                      <a:rPr lang="de-DE" sz="1600" b="0" i="1" dirty="0" smtClean="0">
+                        <a:latin typeface="Cambria Math" charset="0"/>
+                        <a:ea typeface="Cambria Math" charset="0"/>
+                        <a:cs typeface="Cambria Math" charset="0"/>
+                      </a:rPr>
+                      <m:t>{</m:t>
+                    </m:r>
+                    <m:r>
+                      <a:rPr lang="de-DE" sz="1600" b="0" i="1" dirty="0" smtClean="0">
+                        <a:latin typeface="Cambria Math" charset="0"/>
+                        <a:ea typeface="Cambria Math" charset="0"/>
+                        <a:cs typeface="Cambria Math" charset="0"/>
+                      </a:rPr>
+                      <m:t>𝑡𝑟𝑢𝑒</m:t>
+                    </m:r>
+                    <m:r>
+                      <a:rPr lang="de-DE" sz="1600" b="0" i="1" dirty="0" smtClean="0">
+                        <a:latin typeface="Cambria Math" charset="0"/>
+                        <a:ea typeface="Cambria Math" charset="0"/>
+                        <a:cs typeface="Cambria Math" charset="0"/>
+                      </a:rPr>
+                      <m:t>, </m:t>
+                    </m:r>
+                    <m:r>
+                      <a:rPr lang="de-DE" sz="1600" b="0" i="1" dirty="0" smtClean="0">
+                        <a:latin typeface="Cambria Math" charset="0"/>
+                        <a:ea typeface="Cambria Math" charset="0"/>
+                        <a:cs typeface="Cambria Math" charset="0"/>
+                      </a:rPr>
+                      <m:t>𝑓𝑎𝑙𝑠𝑒</m:t>
+                    </m:r>
+                    <m:r>
+                      <a:rPr lang="de-DE" sz="1600" b="0" i="1" dirty="0" smtClean="0">
+                        <a:latin typeface="Cambria Math" charset="0"/>
+                        <a:ea typeface="Cambria Math" charset="0"/>
+                        <a:cs typeface="Cambria Math" charset="0"/>
+                      </a:rPr>
+                      <m:t>}</m:t>
+                    </m:r>
+                  </m:oMath>
+                </a14:m>
+                <a:endParaRPr lang="de-DE" sz="1600" dirty="0"/>
+              </a:p>
+              <a:p>
+                <a:pPr marL="690563" lvl="1" indent="-285750">
+                  <a:buFont typeface="Wingdings" charset="2"/>
+                  <a:buChar char="§"/>
+                </a:pPr>
+                <a:r>
+                  <a:rPr lang="de-DE" sz="1600" dirty="0" err="1" smtClean="0"/>
+                  <a:t>Apply</a:t>
+                </a:r>
+                <a:r>
+                  <a:rPr lang="de-DE" sz="1600" dirty="0" smtClean="0"/>
+                  <a:t> </a:t>
+                </a:r>
+                <a:r>
+                  <a:rPr lang="de-DE" sz="1600" dirty="0" err="1" smtClean="0"/>
+                  <a:t>classifier</a:t>
+                </a:r>
+                <a:r>
+                  <a:rPr lang="de-DE" sz="1600" dirty="0" smtClean="0"/>
+                  <a:t> on </a:t>
+                </a:r>
+                <a:r>
+                  <a:rPr lang="de-DE" sz="1600" dirty="0" err="1" smtClean="0"/>
+                  <a:t>test</a:t>
+                </a:r>
+                <a:r>
+                  <a:rPr lang="de-DE" sz="1600" dirty="0" smtClean="0"/>
+                  <a:t> </a:t>
+                </a:r>
+                <a:r>
+                  <a:rPr lang="de-DE" sz="1600" dirty="0" err="1" smtClean="0"/>
+                  <a:t>set</a:t>
+                </a:r>
+                <a:r>
+                  <a:rPr lang="de-DE" sz="1600" dirty="0" smtClean="0"/>
+                  <a:t> =&gt; </a:t>
+                </a:r>
+                <a:r>
+                  <a:rPr lang="de-DE" sz="1600" dirty="0" err="1" smtClean="0"/>
+                  <a:t>suggest</a:t>
+                </a:r>
+                <a:r>
+                  <a:rPr lang="de-DE" sz="1600" dirty="0" smtClean="0"/>
+                  <a:t> </a:t>
+                </a:r>
+                <a:r>
+                  <a:rPr lang="de-DE" sz="1600" dirty="0" err="1" smtClean="0"/>
+                  <a:t>k</a:t>
+                </a:r>
+                <a:r>
+                  <a:rPr lang="de-DE" sz="1600" dirty="0"/>
+                  <a:t> </a:t>
+                </a:r>
+                <a:r>
+                  <a:rPr lang="de-DE" sz="1600" dirty="0" err="1" smtClean="0"/>
+                  <a:t>most</a:t>
+                </a:r>
+                <a:r>
+                  <a:rPr lang="de-DE" sz="1600" dirty="0" smtClean="0"/>
+                  <a:t> probable tags</a:t>
+                </a:r>
+              </a:p>
+              <a:p>
+                <a:pPr marL="623888" lvl="1" indent="-219075">
+                  <a:buFont typeface="Arial" charset="0"/>
+                  <a:buChar char="•"/>
+                </a:pPr>
+                <a:endParaRPr lang="de-DE" sz="1600" dirty="0"/>
+              </a:p>
+              <a:p>
+                <a:pPr marL="342900" indent="-342900">
+                  <a:buFont typeface="Wingdings" charset="2"/>
+                  <a:buChar char="§"/>
+                </a:pPr>
+                <a:r>
+                  <a:rPr lang="de-DE" sz="1600" dirty="0" smtClean="0"/>
+                  <a:t>Second </a:t>
+                </a:r>
+                <a:r>
+                  <a:rPr lang="de-DE" sz="1600" dirty="0" err="1" smtClean="0"/>
+                  <a:t>approach</a:t>
+                </a:r>
+                <a:r>
+                  <a:rPr lang="de-DE" sz="1600" dirty="0"/>
+                  <a:t>:</a:t>
+                </a:r>
+              </a:p>
+              <a:p>
+                <a:pPr marL="690563" lvl="1" indent="-285750">
+                  <a:buFont typeface="Wingdings" charset="2"/>
+                  <a:buChar char="§"/>
+                </a:pPr>
+                <a:r>
+                  <a:rPr lang="de-DE" sz="1600" dirty="0" smtClean="0"/>
+                  <a:t>Train a </a:t>
+                </a:r>
+                <a:r>
+                  <a:rPr lang="de-DE" sz="1600" dirty="0" err="1" smtClean="0"/>
+                  <a:t>single</a:t>
+                </a:r>
+                <a:r>
+                  <a:rPr lang="de-DE" sz="1600" dirty="0" smtClean="0"/>
+                  <a:t> </a:t>
+                </a:r>
+                <a:r>
+                  <a:rPr lang="de-DE" sz="1600" dirty="0" err="1" smtClean="0"/>
+                  <a:t>classifier</a:t>
+                </a:r>
+                <a:r>
+                  <a:rPr lang="de-DE" sz="1600" dirty="0" smtClean="0"/>
+                  <a:t> </a:t>
+                </a:r>
+                <a:r>
+                  <a:rPr lang="de-DE" sz="1600" dirty="0" err="1"/>
+                  <a:t>for</a:t>
+                </a:r>
+                <a:r>
+                  <a:rPr lang="de-DE" sz="1600" dirty="0"/>
+                  <a:t> </a:t>
+                </a:r>
+                <a:r>
+                  <a:rPr lang="de-DE" sz="1600" i="1" dirty="0" smtClean="0"/>
+                  <a:t>all</a:t>
+                </a:r>
+                <a:r>
+                  <a:rPr lang="de-DE" sz="1600" dirty="0" smtClean="0"/>
+                  <a:t> </a:t>
+                </a:r>
+                <a14:m>
+                  <m:oMath xmlns:m="http://schemas.openxmlformats.org/officeDocument/2006/math">
+                    <m:r>
+                      <a:rPr lang="de-DE" sz="1600" i="1" dirty="0">
+                        <a:latin typeface="Cambria Math" charset="0"/>
+                        <a:ea typeface="Cambria Math" charset="0"/>
+                        <a:cs typeface="Cambria Math" charset="0"/>
+                      </a:rPr>
+                      <m:t>𝑛</m:t>
+                    </m:r>
+                  </m:oMath>
+                </a14:m>
+                <a:r>
+                  <a:rPr lang="de-DE" sz="1600" dirty="0" smtClean="0"/>
+                  <a:t> tags</a:t>
+                </a:r>
+              </a:p>
+              <a:p>
+                <a:pPr marL="690563" lvl="1" indent="-285750">
+                  <a:buFont typeface="Wingdings" charset="2"/>
+                  <a:buChar char="§"/>
+                </a:pPr>
+                <a14:m>
+                  <m:oMath xmlns:m="http://schemas.openxmlformats.org/officeDocument/2006/math">
+                    <m:r>
+                      <a:rPr lang="de-DE" sz="1600" b="0" i="0" dirty="0" smtClean="0">
+                        <a:latin typeface="Cambria Math" charset="0"/>
+                        <a:ea typeface="Cambria Math" charset="0"/>
+                        <a:cs typeface="Cambria Math" charset="0"/>
+                      </a:rPr>
+                      <m:t>#</m:t>
+                    </m:r>
+                    <m:r>
+                      <m:rPr>
+                        <m:sty m:val="p"/>
+                      </m:rPr>
+                      <a:rPr lang="de-DE" sz="1600" b="0" i="0" dirty="0" smtClean="0">
+                        <a:latin typeface="Cambria Math" charset="0"/>
+                        <a:ea typeface="Cambria Math" charset="0"/>
+                        <a:cs typeface="Cambria Math" charset="0"/>
+                      </a:rPr>
+                      <m:t>classes</m:t>
+                    </m:r>
+                    <m:r>
+                      <a:rPr lang="de-DE" sz="1600" b="0" i="1" dirty="0" smtClean="0">
+                        <a:latin typeface="Cambria Math" charset="0"/>
+                        <a:ea typeface="Cambria Math" charset="0"/>
+                        <a:cs typeface="Cambria Math" charset="0"/>
+                      </a:rPr>
+                      <m:t>=</m:t>
+                    </m:r>
+                    <m:r>
+                      <a:rPr lang="de-DE" sz="1600" i="1" dirty="0" smtClean="0">
+                        <a:latin typeface="Cambria Math" charset="0"/>
+                        <a:ea typeface="Cambria Math" charset="0"/>
+                        <a:cs typeface="Cambria Math" charset="0"/>
+                      </a:rPr>
+                      <m:t>𝑛</m:t>
+                    </m:r>
+                  </m:oMath>
+                </a14:m>
+                <a:endParaRPr lang="de-DE" sz="1600" dirty="0" smtClean="0"/>
+              </a:p>
+              <a:p>
+                <a:pPr marL="690563" lvl="1" indent="-285750">
+                  <a:buFont typeface="Wingdings" charset="2"/>
+                  <a:buChar char="§"/>
+                </a:pPr>
+                <a:r>
+                  <a:rPr lang="de-DE" sz="1600" dirty="0" err="1"/>
+                  <a:t>Apply</a:t>
+                </a:r>
+                <a:r>
+                  <a:rPr lang="de-DE" sz="1600" dirty="0"/>
+                  <a:t> </a:t>
+                </a:r>
+                <a:r>
+                  <a:rPr lang="de-DE" sz="1600" dirty="0" err="1"/>
+                  <a:t>classifier</a:t>
+                </a:r>
+                <a:r>
+                  <a:rPr lang="de-DE" sz="1600" dirty="0"/>
+                  <a:t> on </a:t>
+                </a:r>
+                <a:r>
+                  <a:rPr lang="de-DE" sz="1600" dirty="0" err="1"/>
+                  <a:t>test</a:t>
+                </a:r>
+                <a:r>
+                  <a:rPr lang="de-DE" sz="1600" dirty="0"/>
+                  <a:t> </a:t>
+                </a:r>
+                <a:r>
+                  <a:rPr lang="de-DE" sz="1600" dirty="0" err="1" smtClean="0"/>
+                  <a:t>set</a:t>
+                </a:r>
+                <a:r>
+                  <a:rPr lang="de-DE" sz="1600" dirty="0" smtClean="0"/>
+                  <a:t> =&gt; </a:t>
+                </a:r>
+                <a:r>
+                  <a:rPr lang="de-DE" sz="1600" dirty="0" err="1" smtClean="0"/>
+                  <a:t>suggest</a:t>
+                </a:r>
+                <a:r>
+                  <a:rPr lang="de-DE" sz="1600" dirty="0" smtClean="0"/>
+                  <a:t> </a:t>
+                </a:r>
+                <a:r>
+                  <a:rPr lang="de-DE" sz="1600" dirty="0" err="1"/>
+                  <a:t>k</a:t>
+                </a:r>
+                <a:r>
+                  <a:rPr lang="de-DE" sz="1600" dirty="0"/>
+                  <a:t> </a:t>
+                </a:r>
+                <a:r>
+                  <a:rPr lang="de-DE" sz="1600" dirty="0" err="1"/>
+                  <a:t>most</a:t>
+                </a:r>
+                <a:r>
+                  <a:rPr lang="de-DE" sz="1600" dirty="0"/>
+                  <a:t> probable </a:t>
+                </a:r>
+                <a:r>
+                  <a:rPr lang="de-DE" sz="1600" dirty="0" smtClean="0"/>
+                  <a:t>tags</a:t>
+                </a:r>
+                <a:endParaRPr lang="de-DE" sz="1600" i="1" dirty="0"/>
+              </a:p>
+              <a:p>
+                <a:pPr marL="171450" indent="-171450">
+                  <a:buFont typeface="Arial"/>
+                  <a:buChar char="•"/>
+                </a:pPr>
+                <a:endParaRPr lang="de-DE" sz="1600" i="1" dirty="0" smtClean="0"/>
+              </a:p>
+              <a:p>
+                <a:r>
+                  <a:rPr lang="de-DE" sz="1600" b="1" dirty="0" err="1"/>
+                  <a:t>Reasons</a:t>
+                </a:r>
+                <a:r>
+                  <a:rPr lang="de-DE" sz="1600" b="1" dirty="0"/>
+                  <a:t> </a:t>
+                </a:r>
+                <a:r>
+                  <a:rPr lang="de-DE" sz="1600" b="1" dirty="0" err="1"/>
+                  <a:t>for</a:t>
+                </a:r>
+                <a:r>
+                  <a:rPr lang="de-DE" sz="1600" b="1" dirty="0"/>
+                  <a:t> </a:t>
+                </a:r>
+                <a:r>
+                  <a:rPr lang="de-DE" sz="1600" b="1" dirty="0" err="1"/>
+                  <a:t>choosing</a:t>
+                </a:r>
+                <a:r>
+                  <a:rPr lang="de-DE" sz="1600" b="1" dirty="0"/>
+                  <a:t> </a:t>
+                </a:r>
+                <a:r>
+                  <a:rPr lang="de-DE" sz="1600" b="1" dirty="0" err="1" smtClean="0"/>
+                  <a:t>classification</a:t>
+                </a:r>
+                <a:r>
+                  <a:rPr lang="de-DE" sz="1600" b="1" dirty="0" smtClean="0"/>
+                  <a:t> </a:t>
+                </a:r>
+                <a:r>
+                  <a:rPr lang="de-DE" sz="1600" b="1" dirty="0" err="1" smtClean="0"/>
+                  <a:t>over</a:t>
+                </a:r>
+                <a:r>
+                  <a:rPr lang="de-DE" sz="1600" b="1" dirty="0" smtClean="0"/>
+                  <a:t> (linear) </a:t>
+                </a:r>
+                <a:r>
+                  <a:rPr lang="de-DE" sz="1600" b="1" dirty="0" err="1" smtClean="0"/>
+                  <a:t>regression</a:t>
+                </a:r>
+                <a:r>
+                  <a:rPr lang="de-DE" sz="1600" b="1" dirty="0" smtClean="0"/>
+                  <a:t>:</a:t>
+                </a:r>
+                <a:endParaRPr lang="de-DE" sz="1600" b="1" dirty="0"/>
+              </a:p>
+              <a:p>
+                <a:pPr marL="342900" indent="-342900">
+                  <a:buFont typeface="Wingdings" charset="2"/>
+                  <a:buChar char="§"/>
+                </a:pPr>
+                <a:r>
+                  <a:rPr lang="de-DE" sz="1600" dirty="0" err="1" smtClean="0"/>
+                  <a:t>We</a:t>
+                </a:r>
+                <a:r>
+                  <a:rPr lang="de-DE" sz="1600" dirty="0" smtClean="0"/>
+                  <a:t> </a:t>
+                </a:r>
+                <a:r>
+                  <a:rPr lang="de-DE" sz="1600" dirty="0" err="1" smtClean="0"/>
+                  <a:t>have</a:t>
+                </a:r>
+                <a:r>
+                  <a:rPr lang="de-DE" sz="1600" dirty="0" smtClean="0"/>
+                  <a:t> </a:t>
+                </a:r>
+                <a14:m>
+                  <m:oMath xmlns:m="http://schemas.openxmlformats.org/officeDocument/2006/math">
+                    <m:r>
+                      <a:rPr lang="de-DE" sz="1600" i="1" dirty="0">
+                        <a:latin typeface="Cambria Math" charset="0"/>
+                        <a:ea typeface="Cambria Math" charset="0"/>
+                        <a:cs typeface="Cambria Math" charset="0"/>
+                      </a:rPr>
+                      <m:t>𝑛</m:t>
+                    </m:r>
+                  </m:oMath>
+                </a14:m>
+                <a:r>
+                  <a:rPr lang="de-DE" sz="1600" dirty="0" smtClean="0"/>
+                  <a:t> Tags: </a:t>
+                </a:r>
+                <a14:m>
+                  <m:oMath xmlns:m="http://schemas.openxmlformats.org/officeDocument/2006/math">
+                    <m:r>
+                      <a:rPr lang="de-DE" sz="1600" i="1" dirty="0">
+                        <a:latin typeface="Cambria Math" charset="0"/>
+                        <a:ea typeface="Cambria Math" charset="0"/>
+                        <a:cs typeface="Cambria Math" charset="0"/>
+                      </a:rPr>
+                      <m:t>𝑛</m:t>
+                    </m:r>
+                  </m:oMath>
+                </a14:m>
+                <a:r>
+                  <a:rPr lang="de-DE" sz="1600" dirty="0" smtClean="0"/>
+                  <a:t> is a </a:t>
+                </a:r>
+                <a:r>
+                  <a:rPr lang="de-DE" sz="1600" dirty="0" err="1" smtClean="0"/>
+                  <a:t>discrete</a:t>
+                </a:r>
+                <a:r>
+                  <a:rPr lang="de-DE" sz="1600" dirty="0" smtClean="0"/>
+                  <a:t>/</a:t>
+                </a:r>
+                <a:r>
+                  <a:rPr lang="de-DE" sz="1600" dirty="0" err="1" smtClean="0"/>
+                  <a:t>natural</a:t>
+                </a:r>
+                <a:r>
+                  <a:rPr lang="de-DE" sz="1600" dirty="0" smtClean="0"/>
+                  <a:t> </a:t>
+                </a:r>
+                <a:r>
+                  <a:rPr lang="de-DE" sz="1600" dirty="0" err="1" smtClean="0"/>
+                  <a:t>number</a:t>
+                </a:r>
+                <a:endParaRPr lang="de-DE" sz="1600" dirty="0" smtClean="0"/>
+              </a:p>
+              <a:p>
+                <a:pPr marL="342900" indent="-342900">
+                  <a:buFont typeface="Wingdings" charset="2"/>
+                  <a:buChar char="§"/>
+                </a:pPr>
+                <a:r>
+                  <a:rPr lang="de-DE" sz="1600" dirty="0" smtClean="0"/>
+                  <a:t>Also: </a:t>
+                </a:r>
+                <a:r>
+                  <a:rPr lang="de-DE" sz="1600" dirty="0" err="1" smtClean="0"/>
+                  <a:t>predicting</a:t>
+                </a:r>
+                <a:r>
+                  <a:rPr lang="de-DE" sz="1600" dirty="0" smtClean="0"/>
+                  <a:t> </a:t>
+                </a:r>
+                <a:r>
+                  <a:rPr lang="de-DE" sz="1600" dirty="0" err="1" smtClean="0"/>
+                  <a:t>if</a:t>
+                </a:r>
+                <a:r>
+                  <a:rPr lang="de-DE" sz="1600" dirty="0" smtClean="0"/>
+                  <a:t> </a:t>
+                </a:r>
+                <a:r>
+                  <a:rPr lang="de-DE" sz="1600" dirty="0" smtClean="0"/>
+                  <a:t>a </a:t>
+                </a:r>
+                <a:r>
+                  <a:rPr lang="de-DE" sz="1600" dirty="0" err="1" smtClean="0"/>
+                  <a:t>post</a:t>
+                </a:r>
+                <a:r>
+                  <a:rPr lang="de-DE" sz="1600" dirty="0" smtClean="0"/>
+                  <a:t> </a:t>
+                </a:r>
+                <a:r>
+                  <a:rPr lang="de-DE" sz="1600" dirty="0" err="1" smtClean="0"/>
+                  <a:t>contains</a:t>
+                </a:r>
+                <a:r>
+                  <a:rPr lang="de-DE" sz="1600" dirty="0" smtClean="0"/>
+                  <a:t> a </a:t>
+                </a:r>
+                <a:r>
+                  <a:rPr lang="de-DE" sz="1600" dirty="0" err="1" smtClean="0"/>
+                  <a:t>specific</a:t>
+                </a:r>
+                <a:r>
+                  <a:rPr lang="de-DE" sz="1600" dirty="0" smtClean="0"/>
+                  <a:t> </a:t>
+                </a:r>
+                <a:r>
+                  <a:rPr lang="de-DE" sz="1600" dirty="0" smtClean="0"/>
+                  <a:t>tag </a:t>
+                </a:r>
+                <a:r>
+                  <a:rPr lang="de-DE" sz="1600" dirty="0" err="1" smtClean="0"/>
+                  <a:t>is</a:t>
+                </a:r>
+                <a:r>
+                  <a:rPr lang="de-DE" sz="1600" dirty="0" smtClean="0"/>
+                  <a:t> </a:t>
+                </a:r>
+                <a:r>
+                  <a:rPr lang="de-DE" sz="1600" dirty="0" err="1" smtClean="0"/>
+                  <a:t>discrete</a:t>
+                </a:r>
+                <a:r>
+                  <a:rPr lang="de-DE" sz="1600" dirty="0" smtClean="0"/>
+                  <a:t>/</a:t>
+                </a:r>
+                <a:r>
+                  <a:rPr lang="de-DE" sz="1600" dirty="0" err="1" smtClean="0"/>
+                  <a:t>binary</a:t>
+                </a:r>
+                <a:r>
+                  <a:rPr lang="de-DE" sz="1600" dirty="0" smtClean="0"/>
+                  <a:t> </a:t>
+                </a:r>
+                <a:r>
+                  <a:rPr lang="de-DE" sz="1600" dirty="0" err="1" smtClean="0"/>
+                  <a:t>problem</a:t>
+                </a:r>
+                <a:endParaRPr lang="de-DE" sz="1600" dirty="0" smtClean="0"/>
+              </a:p>
+              <a:p>
+                <a:pPr marL="342900" indent="-342900">
+                  <a:buFont typeface="Wingdings" charset="2"/>
+                  <a:buChar char="Ø"/>
+                </a:pPr>
+                <a:r>
+                  <a:rPr lang="de-DE" sz="1600" dirty="0" err="1" smtClean="0"/>
+                  <a:t>Predicting</a:t>
+                </a:r>
+                <a:r>
+                  <a:rPr lang="de-DE" sz="1600" dirty="0" smtClean="0"/>
+                  <a:t> </a:t>
+                </a:r>
+                <a:r>
+                  <a:rPr lang="de-DE" sz="1600" dirty="0" smtClean="0"/>
+                  <a:t>tags </a:t>
+                </a:r>
+                <a:r>
+                  <a:rPr lang="de-DE" sz="1600" dirty="0" err="1" smtClean="0"/>
+                  <a:t>is</a:t>
+                </a:r>
+                <a:r>
+                  <a:rPr lang="de-DE" sz="1600" dirty="0" smtClean="0"/>
+                  <a:t> a </a:t>
+                </a:r>
+                <a:r>
+                  <a:rPr lang="de-DE" sz="1600" dirty="0" err="1" smtClean="0"/>
+                  <a:t>typical</a:t>
+                </a:r>
+                <a:r>
+                  <a:rPr lang="de-DE" sz="1600" dirty="0" smtClean="0"/>
+                  <a:t> </a:t>
+                </a:r>
+                <a:r>
+                  <a:rPr lang="de-DE" sz="1600" dirty="0" err="1" smtClean="0"/>
+                  <a:t>classification</a:t>
+                </a:r>
+                <a:r>
+                  <a:rPr lang="de-DE" sz="1600" dirty="0" smtClean="0"/>
+                  <a:t> </a:t>
+                </a:r>
+                <a:r>
+                  <a:rPr lang="de-DE" sz="1600" dirty="0" err="1" smtClean="0"/>
+                  <a:t>problem</a:t>
+                </a:r>
+                <a:endParaRPr lang="de-DE" sz="1600" dirty="0" smtClean="0"/>
+              </a:p>
+              <a:p>
+                <a:pPr marL="800100" lvl="1" indent="-342900">
+                  <a:buFont typeface="Wingdings" charset="2"/>
+                  <a:buChar char="§"/>
+                </a:pPr>
+                <a:r>
+                  <a:rPr lang="de-DE" sz="1600" dirty="0" smtClean="0"/>
+                  <a:t>tags </a:t>
+                </a:r>
+                <a:r>
+                  <a:rPr lang="de-DE" sz="1600" dirty="0" err="1" smtClean="0"/>
+                  <a:t>act</a:t>
+                </a:r>
+                <a:r>
+                  <a:rPr lang="de-DE" sz="1600" dirty="0" smtClean="0"/>
+                  <a:t> </a:t>
+                </a:r>
+                <a:r>
+                  <a:rPr lang="de-DE" sz="1600" dirty="0" err="1" smtClean="0"/>
+                  <a:t>as</a:t>
+                </a:r>
+                <a:r>
+                  <a:rPr lang="de-DE" sz="1600" dirty="0" smtClean="0"/>
+                  <a:t> </a:t>
+                </a:r>
+                <a:r>
+                  <a:rPr lang="de-DE" sz="1600" dirty="0" err="1" smtClean="0"/>
+                  <a:t>classes</a:t>
+                </a:r>
+                <a:r>
+                  <a:rPr lang="de-DE" sz="1600" dirty="0" smtClean="0"/>
+                  <a:t> ( = </a:t>
+                </a:r>
+                <a:r>
+                  <a:rPr lang="de-DE" sz="1600" dirty="0" err="1" smtClean="0"/>
+                  <a:t>output</a:t>
+                </a:r>
+                <a:r>
+                  <a:rPr lang="de-DE" sz="1600" dirty="0" smtClean="0"/>
+                  <a:t> </a:t>
+                </a:r>
+                <a:r>
+                  <a:rPr lang="de-DE" sz="1600" dirty="0" err="1" smtClean="0"/>
+                  <a:t>of</a:t>
+                </a:r>
+                <a:r>
+                  <a:rPr lang="de-DE" sz="1600" dirty="0" smtClean="0"/>
+                  <a:t> </a:t>
+                </a:r>
+                <a:r>
+                  <a:rPr lang="de-DE" sz="1600" dirty="0" err="1" smtClean="0"/>
+                  <a:t>classifiers</a:t>
+                </a:r>
+                <a:r>
+                  <a:rPr lang="de-DE" sz="1600" dirty="0" smtClean="0"/>
+                  <a:t>)</a:t>
+                </a:r>
+              </a:p>
+            </p:txBody>
+          </p:sp>
+        </mc:Choice>
+        <mc:Fallback>
+          <p:sp>
+            <p:nvSpPr>
+              <p:cNvPr id="4" name="Textfeld 3"/>
+              <p:cNvSpPr txBox="1">
+                <a:spLocks noRot="1" noChangeAspect="1" noMove="1" noResize="1" noEditPoints="1" noAdjustHandles="1" noChangeArrowheads="1" noChangeShapeType="1" noTextEdit="1"/>
+              </p:cNvSpPr>
+              <p:nvPr/>
+            </p:nvSpPr>
+            <p:spPr>
+              <a:xfrm>
+                <a:off x="634960" y="1555747"/>
+                <a:ext cx="8332770" cy="4524315"/>
+              </a:xfrm>
+              <a:prstGeom prst="rect">
+                <a:avLst/>
+              </a:prstGeom>
+              <a:blipFill rotWithShape="0">
+                <a:blip r:embed="rId3"/>
+                <a:stretch>
+                  <a:fillRect l="-366" t="-404" b="-809"/>
+                </a:stretch>
+              </a:blipFill>
+            </p:spPr>
+            <p:txBody>
+              <a:bodyPr/>
+              <a:lstStyle/>
+              <a:p>
+                <a:r>
+                  <a:rPr lang="en-US">
+                    <a:noFill/>
+                  </a:rPr>
+                  <a:t> </a:t>
+                </a:r>
+              </a:p>
+            </p:txBody>
+          </p:sp>
+        </mc:Fallback>
+      </mc:AlternateContent>
     </p:spTree>
     <p:extLst>
       <p:ext uri="{BB962C8B-B14F-4D97-AF65-F5344CB8AC3E}">
-        <p14:creationId xmlns:p14="http://schemas.microsoft.com/office/powerpoint/2010/main" val="224329060"/>
+        <p14:creationId xmlns:p14="http://schemas.microsoft.com/office/powerpoint/2010/main" val="1766698858"/>
       </p:ext>
     </p:extLst>
   </p:cSld>
@@ -9199,7 +10600,7 @@
   <p:timing>
     <p:tnLst>
       <p:par>
-        <p:cTn xmlns:p14="http://schemas.microsoft.com/office/powerpoint/2010/main" id="1" dur="indefinite" restart="never" nodeType="tmRoot"/>
+        <p:cTn id="1" dur="indefinite" restart="never" nodeType="tmRoot"/>
       </p:par>
     </p:tnLst>
   </p:timing>
@@ -9246,14 +10647,14 @@
           <a:effectLst/>
           <a:extLst>
             <a:ext uri="{909E8E84-426E-40dd-AFC4-6F175D3DCCD1}">
-              <a14:hiddenFill xmlns:a14="http://schemas.microsoft.com/office/drawing/2010/main">
+              <a14:hiddenFill xmlns="" xmlns:a14="http://schemas.microsoft.com/office/drawing/2010/main">
                 <a:solidFill>
                   <a:schemeClr val="accent1"/>
                 </a:solidFill>
               </a14:hiddenFill>
             </a:ext>
             <a:ext uri="{91240B29-F687-4f45-9708-019B960494DF}">
-              <a14:hiddenLine xmlns:a14="http://schemas.microsoft.com/office/drawing/2010/main" w="9525">
+              <a14:hiddenLine xmlns="" xmlns:a14="http://schemas.microsoft.com/office/drawing/2010/main" w="9525">
                 <a:solidFill>
                   <a:schemeClr val="tx1"/>
                 </a:solidFill>
@@ -9263,7 +10664,7 @@
               </a14:hiddenLine>
             </a:ext>
             <a:ext uri="{AF507438-7753-43e0-B8FC-AC1667EBCBE1}">
-              <a14:hiddenEffects xmlns:a14="http://schemas.microsoft.com/office/drawing/2010/main">
+              <a14:hiddenEffects xmlns="" xmlns:a14="http://schemas.microsoft.com/office/drawing/2010/main">
                 <a:effectLst>
                   <a:outerShdw dist="35921" dir="2700000" algn="ctr" rotWithShape="0">
                     <a:schemeClr val="bg2"/>
@@ -9423,20 +10824,20 @@
               <a:rPr lang="de-DE" sz="1500" b="1" dirty="0" smtClean="0"/>
               <a:t>Approach</a:t>
             </a:r>
-            <a:r>
-              <a:rPr lang="de-DE" b="1" dirty="0" smtClean="0"/>
-              <a:t/>
-            </a:r>
-            <a:br>
-              <a:rPr lang="de-DE" b="1" dirty="0" smtClean="0"/>
-            </a:br>
+          </a:p>
+          <a:p>
+            <a:pPr eaLnBrk="1" hangingPunct="1"/>
             <a:r>
               <a:rPr lang="de-DE" b="1" dirty="0" err="1" smtClean="0"/>
               <a:t>Supervised</a:t>
             </a:r>
             <a:r>
               <a:rPr lang="de-DE" b="1" dirty="0" smtClean="0"/>
-              <a:t> Learning</a:t>
+              <a:t> (II</a:t>
+            </a:r>
+            <a:r>
+              <a:rPr lang="de-DE" b="1" dirty="0" smtClean="0"/>
+              <a:t>)</a:t>
             </a:r>
             <a:endParaRPr lang="de-DE" b="1" kern="0" dirty="0" smtClean="0"/>
           </a:p>
@@ -9450,8 +10851,8 @@
         </p:nvSpPr>
         <p:spPr>
           <a:xfrm>
-            <a:off x="634962" y="1806538"/>
-            <a:ext cx="7630491" cy="923330"/>
+            <a:off x="491740" y="1555747"/>
+            <a:ext cx="8266668" cy="5016758"/>
           </a:xfrm>
           <a:prstGeom prst="rect">
             <a:avLst/>
@@ -9464,288 +10865,370 @@
           </a:bodyPr>
           <a:lstStyle/>
           <a:p>
-            <a:pPr marL="171450" indent="-171450">
-              <a:buFont typeface="Arial"/>
-              <a:buChar char="•"/>
+            <a:r>
+              <a:rPr lang="de-DE" sz="1600" b="1" dirty="0" smtClean="0"/>
+              <a:t>First </a:t>
+            </a:r>
+            <a:r>
+              <a:rPr lang="de-DE" sz="1600" b="1" dirty="0" err="1" smtClean="0"/>
+              <a:t>tests</a:t>
+            </a:r>
+            <a:r>
+              <a:rPr lang="de-DE" sz="1600" b="1" dirty="0" smtClean="0"/>
+              <a:t> </a:t>
+            </a:r>
+            <a:r>
+              <a:rPr lang="de-DE" sz="1600" b="1" dirty="0" err="1" smtClean="0"/>
+              <a:t>with</a:t>
+            </a:r>
+            <a:r>
+              <a:rPr lang="de-DE" sz="1600" b="1" dirty="0" smtClean="0"/>
+              <a:t> </a:t>
+            </a:r>
+            <a:r>
+              <a:rPr lang="en-US" sz="1600" b="1" dirty="0" smtClean="0"/>
+              <a:t>Naïve Bayes</a:t>
+            </a:r>
+            <a:r>
+              <a:rPr lang="en-US" sz="1600" dirty="0" smtClean="0"/>
+              <a:t> (full data set):</a:t>
+            </a:r>
+          </a:p>
+          <a:p>
+            <a:pPr marL="285750" indent="-285750">
+              <a:buFont typeface="Wingdings" charset="2"/>
+              <a:buChar char="§"/>
             </a:pPr>
             <a:r>
-              <a:rPr lang="de-DE" sz="1800" dirty="0" err="1" smtClean="0"/>
-              <a:t>Multinomial</a:t>
-            </a:r>
-            <a:r>
-              <a:rPr lang="de-DE" sz="1800" dirty="0" smtClean="0"/>
-              <a:t> Naive </a:t>
-            </a:r>
-            <a:r>
-              <a:rPr lang="de-DE" sz="1800" dirty="0" err="1" smtClean="0"/>
+              <a:rPr lang="en-US" sz="1600" dirty="0" smtClean="0"/>
+              <a:t>sufficient results, but still enough space left for improvements (e.g. improve preprocessing, feature selection, weight important features (user up/down-votes), </a:t>
+            </a:r>
+            <a:r>
+              <a:rPr lang="is-IS" sz="1600" dirty="0" smtClean="0"/>
+              <a:t>…</a:t>
+            </a:r>
+            <a:r>
+              <a:rPr lang="en-US" sz="1600" dirty="0" smtClean="0"/>
+              <a:t>)</a:t>
+            </a:r>
+          </a:p>
+          <a:p>
+            <a:endParaRPr lang="de-DE" sz="1600" dirty="0" smtClean="0"/>
+          </a:p>
+          <a:p>
+            <a:r>
+              <a:rPr lang="de-DE" sz="1600" dirty="0" err="1" smtClean="0"/>
+              <a:t>Compare</a:t>
+            </a:r>
+            <a:r>
+              <a:rPr lang="de-DE" sz="1600" dirty="0" smtClean="0"/>
+              <a:t> </a:t>
+            </a:r>
+            <a:r>
+              <a:rPr lang="de-DE" sz="1600" dirty="0" err="1" smtClean="0"/>
+              <a:t>performance</a:t>
+            </a:r>
+            <a:r>
+              <a:rPr lang="de-DE" sz="1600" dirty="0" smtClean="0"/>
+              <a:t> </a:t>
+            </a:r>
+            <a:r>
+              <a:rPr lang="de-DE" sz="1600" dirty="0" err="1" smtClean="0"/>
+              <a:t>of</a:t>
+            </a:r>
+            <a:r>
+              <a:rPr lang="de-DE" sz="1600" dirty="0" smtClean="0"/>
+              <a:t> Na</a:t>
+            </a:r>
+            <a:r>
+              <a:rPr lang="en-US" sz="1600" dirty="0" err="1"/>
+              <a:t>ï</a:t>
+            </a:r>
+            <a:r>
+              <a:rPr lang="de-DE" sz="1600" dirty="0" err="1" smtClean="0"/>
+              <a:t>ve</a:t>
+            </a:r>
+            <a:r>
+              <a:rPr lang="de-DE" sz="1600" dirty="0" smtClean="0"/>
+              <a:t> </a:t>
+            </a:r>
+            <a:r>
+              <a:rPr lang="de-DE" sz="1600" dirty="0" err="1" smtClean="0"/>
               <a:t>Bayes</a:t>
             </a:r>
             <a:r>
-              <a:rPr lang="de-DE" sz="1800" dirty="0" smtClean="0"/>
-              <a:t> </a:t>
-            </a:r>
-            <a:r>
-              <a:rPr lang="de-DE" sz="1800" dirty="0" err="1" smtClean="0"/>
-              <a:t>classifier</a:t>
-            </a:r>
-            <a:r>
-              <a:rPr lang="de-DE" sz="1800" dirty="0" smtClean="0"/>
-              <a:t/>
-            </a:r>
-            <a:br>
-              <a:rPr lang="de-DE" sz="1800" dirty="0" smtClean="0"/>
-            </a:br>
-            <a:endParaRPr lang="de-DE" sz="1800" dirty="0" smtClean="0"/>
-          </a:p>
-          <a:p>
-            <a:pPr marL="171450" indent="-171450">
-              <a:buFont typeface="Arial"/>
-              <a:buChar char="•"/>
+              <a:rPr lang="de-DE" sz="1600" dirty="0" smtClean="0"/>
+              <a:t> </a:t>
+            </a:r>
+            <a:r>
+              <a:rPr lang="de-DE" sz="1600" dirty="0" err="1" smtClean="0"/>
+              <a:t>with</a:t>
+            </a:r>
+            <a:r>
+              <a:rPr lang="de-DE" sz="1600" dirty="0" smtClean="0"/>
+              <a:t> </a:t>
+            </a:r>
+            <a:r>
+              <a:rPr lang="de-DE" sz="1600" dirty="0" err="1" smtClean="0"/>
+              <a:t>other</a:t>
+            </a:r>
+            <a:r>
+              <a:rPr lang="de-DE" sz="1600" dirty="0" smtClean="0"/>
+              <a:t> </a:t>
+            </a:r>
+            <a:r>
+              <a:rPr lang="de-DE" sz="1600" dirty="0" err="1" smtClean="0"/>
+              <a:t>supervised</a:t>
+            </a:r>
+            <a:r>
+              <a:rPr lang="de-DE" sz="1600" dirty="0" smtClean="0"/>
+              <a:t> </a:t>
+            </a:r>
+            <a:r>
+              <a:rPr lang="de-DE" sz="1600" dirty="0" err="1" smtClean="0"/>
+              <a:t>models</a:t>
+            </a:r>
+            <a:r>
+              <a:rPr lang="de-DE" sz="1600" dirty="0" smtClean="0"/>
+              <a:t>:</a:t>
+            </a:r>
+            <a:endParaRPr lang="de-DE" sz="1600" i="1" dirty="0" smtClean="0"/>
+          </a:p>
+          <a:p>
+            <a:pPr marL="285750" indent="-285750">
+              <a:buFont typeface="Wingdings" charset="2"/>
+              <a:buChar char="§"/>
             </a:pPr>
             <a:r>
-              <a:rPr lang="de-DE" sz="1800" dirty="0" err="1" smtClean="0"/>
-              <a:t>Using</a:t>
-            </a:r>
-            <a:r>
-              <a:rPr lang="de-DE" sz="1800" dirty="0" smtClean="0"/>
-              <a:t> </a:t>
-            </a:r>
-            <a:r>
-              <a:rPr lang="de-DE" sz="1800" i="1" dirty="0" err="1" smtClean="0"/>
-              <a:t>sklearn.naive_bayes.MultinomialNB</a:t>
-            </a:r>
-            <a:endParaRPr lang="de-DE" sz="1800" i="1" dirty="0" smtClean="0"/>
-          </a:p>
-        </p:txBody>
-      </p:sp>
-      <p:sp>
-        <p:nvSpPr>
-          <p:cNvPr id="5" name="Textfeld 4"/>
-          <p:cNvSpPr txBox="1"/>
-          <p:nvPr/>
-        </p:nvSpPr>
-        <p:spPr>
-          <a:xfrm>
-            <a:off x="733490" y="3229870"/>
-            <a:ext cx="2649324" cy="369332"/>
-          </a:xfrm>
-          <a:prstGeom prst="rect">
-            <a:avLst/>
-          </a:prstGeom>
-          <a:noFill/>
-        </p:spPr>
-        <p:txBody>
-          <a:bodyPr wrap="square" rtlCol="0">
-            <a:spAutoFit/>
-          </a:bodyPr>
-          <a:lstStyle/>
-          <a:p>
-            <a:r>
-              <a:rPr lang="de-DE" sz="1800" b="1" dirty="0" err="1" smtClean="0"/>
-              <a:t>Two</a:t>
-            </a:r>
-            <a:r>
-              <a:rPr lang="de-DE" sz="1800" b="1" dirty="0" smtClean="0"/>
-              <a:t> </a:t>
-            </a:r>
-            <a:r>
-              <a:rPr lang="de-DE" sz="1800" b="1" dirty="0" err="1" smtClean="0"/>
-              <a:t>approaches</a:t>
-            </a:r>
-            <a:r>
-              <a:rPr lang="de-DE" sz="1800" b="1" dirty="0" smtClean="0"/>
-              <a:t>:</a:t>
-            </a:r>
-            <a:endParaRPr lang="de-DE" sz="1800" b="1" dirty="0"/>
-          </a:p>
-        </p:txBody>
-      </p:sp>
-      <p:sp>
-        <p:nvSpPr>
-          <p:cNvPr id="10" name="Textfeld 9"/>
-          <p:cNvSpPr txBox="1"/>
-          <p:nvPr/>
-        </p:nvSpPr>
-        <p:spPr>
-          <a:xfrm>
-            <a:off x="787362" y="3809271"/>
-            <a:ext cx="7630491" cy="1200329"/>
-          </a:xfrm>
-          <a:prstGeom prst="rect">
-            <a:avLst/>
-          </a:prstGeom>
-          <a:noFill/>
-        </p:spPr>
-        <p:txBody>
-          <a:bodyPr wrap="square" rtlCol="0">
-            <a:spAutoFit/>
-          </a:bodyPr>
-          <a:lstStyle/>
-          <a:p>
-            <a:pPr marL="342900" indent="-342900">
-              <a:buFont typeface="+mj-lt"/>
-              <a:buAutoNum type="arabicPeriod"/>
+              <a:rPr lang="en-US" sz="1600" b="1" dirty="0"/>
+              <a:t>k-Nearest </a:t>
+            </a:r>
+            <a:r>
+              <a:rPr lang="en-US" sz="1600" b="1" dirty="0" smtClean="0"/>
+              <a:t>Neighbors:</a:t>
+            </a:r>
+          </a:p>
+          <a:p>
+            <a:pPr marL="742950" lvl="1" indent="-285750">
+              <a:buFont typeface="Wingdings" charset="2"/>
+              <a:buChar char="§"/>
             </a:pPr>
             <a:r>
-              <a:rPr lang="de-DE" sz="1800" dirty="0" err="1" smtClean="0"/>
-              <a:t>Using</a:t>
-            </a:r>
-            <a:r>
-              <a:rPr lang="de-DE" sz="1800" dirty="0" smtClean="0"/>
-              <a:t> </a:t>
-            </a:r>
-            <a:r>
-              <a:rPr lang="de-DE" sz="1800" dirty="0" err="1" smtClean="0"/>
-              <a:t>one</a:t>
-            </a:r>
-            <a:r>
-              <a:rPr lang="de-DE" sz="1800" dirty="0" smtClean="0"/>
-              <a:t> </a:t>
-            </a:r>
-            <a:r>
-              <a:rPr lang="de-DE" sz="1800" dirty="0" err="1" smtClean="0"/>
-              <a:t>binary</a:t>
-            </a:r>
-            <a:r>
-              <a:rPr lang="de-DE" sz="1800" dirty="0" smtClean="0"/>
-              <a:t> </a:t>
-            </a:r>
-            <a:r>
-              <a:rPr lang="de-DE" sz="1800" dirty="0" err="1" smtClean="0"/>
-              <a:t>classifier</a:t>
-            </a:r>
-            <a:r>
-              <a:rPr lang="de-DE" sz="1800" dirty="0" smtClean="0"/>
-              <a:t> </a:t>
-            </a:r>
-            <a:r>
-              <a:rPr lang="de-DE" sz="1800" dirty="0" err="1" smtClean="0"/>
-              <a:t>for</a:t>
-            </a:r>
-            <a:r>
-              <a:rPr lang="de-DE" sz="1800" dirty="0" smtClean="0"/>
-              <a:t> </a:t>
-            </a:r>
-            <a:r>
-              <a:rPr lang="de-DE" sz="1800" dirty="0" err="1" smtClean="0"/>
-              <a:t>each</a:t>
-            </a:r>
-            <a:r>
-              <a:rPr lang="de-DE" sz="1800" dirty="0" smtClean="0"/>
-              <a:t> tag</a:t>
+              <a:rPr lang="de-DE" sz="1600" dirty="0" err="1" smtClean="0"/>
+              <a:t>suggest</a:t>
+            </a:r>
+            <a:r>
+              <a:rPr lang="de-DE" sz="1600" dirty="0" smtClean="0"/>
+              <a:t> h </a:t>
+            </a:r>
+            <a:r>
+              <a:rPr lang="de-DE" sz="1600" dirty="0" err="1" smtClean="0"/>
+              <a:t>most</a:t>
+            </a:r>
+            <a:r>
+              <a:rPr lang="de-DE" sz="1600" dirty="0" smtClean="0"/>
+              <a:t> probable tags</a:t>
+            </a:r>
+          </a:p>
+          <a:p>
+            <a:pPr marL="742950" lvl="1" indent="-285750">
+              <a:buFont typeface="Wingdings" charset="2"/>
+              <a:buChar char="§"/>
+            </a:pPr>
+            <a:r>
+              <a:rPr lang="de-DE" sz="1600" dirty="0" err="1" smtClean="0"/>
+              <a:t>probability</a:t>
+            </a:r>
+            <a:r>
+              <a:rPr lang="de-DE" sz="1600" dirty="0" smtClean="0"/>
+              <a:t> </a:t>
+            </a:r>
+            <a:r>
+              <a:rPr lang="de-DE" sz="1600" dirty="0" err="1" smtClean="0"/>
+              <a:t>depends</a:t>
+            </a:r>
+            <a:r>
+              <a:rPr lang="de-DE" sz="1600" dirty="0" smtClean="0"/>
+              <a:t> on:</a:t>
+            </a:r>
+          </a:p>
+          <a:p>
+            <a:pPr marL="1200150" lvl="2" indent="-285750">
+              <a:buFont typeface="Wingdings" charset="2"/>
+              <a:buChar char="§"/>
+            </a:pPr>
+            <a:r>
+              <a:rPr lang="en-US" sz="1600" dirty="0"/>
+              <a:t>number of neighbors that </a:t>
+            </a:r>
+            <a:r>
+              <a:rPr lang="en-US" sz="1600" dirty="0" smtClean="0"/>
+              <a:t>contain these suggested tags</a:t>
+            </a:r>
+            <a:endParaRPr lang="de-DE" sz="1600" dirty="0" smtClean="0"/>
+          </a:p>
+          <a:p>
+            <a:pPr marL="1200150" lvl="2" indent="-285750">
+              <a:buFont typeface="Wingdings" charset="2"/>
+              <a:buChar char="§"/>
+            </a:pPr>
+            <a:r>
+              <a:rPr lang="de-DE" sz="1600" dirty="0" err="1" smtClean="0"/>
+              <a:t>distance</a:t>
+            </a:r>
+            <a:r>
+              <a:rPr lang="de-DE" sz="1600" dirty="0" smtClean="0"/>
+              <a:t> </a:t>
+            </a:r>
+            <a:r>
+              <a:rPr lang="de-DE" sz="1600" dirty="0" err="1" smtClean="0"/>
+              <a:t>to</a:t>
+            </a:r>
+            <a:r>
+              <a:rPr lang="de-DE" sz="1600" dirty="0" smtClean="0"/>
+              <a:t> </a:t>
+            </a:r>
+            <a:r>
+              <a:rPr lang="de-DE" sz="1600" dirty="0" err="1" smtClean="0"/>
+              <a:t>these</a:t>
+            </a:r>
+            <a:r>
+              <a:rPr lang="de-DE" sz="1600" dirty="0" smtClean="0"/>
+              <a:t> </a:t>
+            </a:r>
+            <a:r>
+              <a:rPr lang="de-DE" sz="1600" dirty="0" err="1" smtClean="0"/>
+              <a:t>neighboring</a:t>
+            </a:r>
+            <a:r>
+              <a:rPr lang="de-DE" sz="1600" dirty="0" smtClean="0"/>
+              <a:t> </a:t>
+            </a:r>
+            <a:r>
+              <a:rPr lang="de-DE" sz="1600" dirty="0" err="1" smtClean="0"/>
+              <a:t>documents</a:t>
+            </a:r>
+            <a:r>
+              <a:rPr lang="de-DE" sz="1600" dirty="0" smtClean="0"/>
+              <a:t>/</a:t>
+            </a:r>
+            <a:r>
+              <a:rPr lang="de-DE" sz="1600" dirty="0" err="1" smtClean="0"/>
+              <a:t>posts</a:t>
+            </a:r>
+            <a:endParaRPr lang="en-US" sz="1600" dirty="0"/>
+          </a:p>
+          <a:p>
+            <a:endParaRPr lang="de-DE" sz="1600" i="1" dirty="0" smtClean="0"/>
+          </a:p>
+          <a:p>
+            <a:pPr marL="285750" indent="-285750">
+              <a:buFont typeface="Wingdings" charset="2"/>
+              <a:buChar char="§"/>
+            </a:pPr>
+            <a:r>
+              <a:rPr lang="en-US" sz="1600" b="1" dirty="0" smtClean="0"/>
+              <a:t>Linear </a:t>
+            </a:r>
+            <a:r>
+              <a:rPr lang="en-US" sz="1600" b="1" dirty="0" smtClean="0"/>
+              <a:t>SVM:</a:t>
+            </a:r>
+          </a:p>
+          <a:p>
+            <a:pPr marL="492125" lvl="1" indent="-196850">
+              <a:buFont typeface="Wingdings" charset="2"/>
+              <a:buChar char="§"/>
+            </a:pPr>
+            <a:r>
+              <a:rPr lang="en-US" sz="1600" dirty="0" smtClean="0"/>
+              <a:t>Use only a few features that represent the entire post </a:t>
+            </a:r>
+            <a:r>
+              <a:rPr lang="en-US" sz="1600" dirty="0" smtClean="0">
+                <a:sym typeface="Wingdings"/>
+              </a:rPr>
+              <a:t> feature transformation</a:t>
+            </a:r>
+            <a:r>
+              <a:rPr lang="en-US" sz="1600" dirty="0" smtClean="0"/>
+              <a:t>, e.g.</a:t>
+            </a:r>
+          </a:p>
+          <a:p>
+            <a:pPr marL="949325" lvl="2" indent="-196850">
+              <a:buFont typeface="Wingdings" charset="2"/>
+              <a:buChar char="§"/>
+            </a:pPr>
+            <a:r>
+              <a:rPr lang="en-US" sz="1600" dirty="0" smtClean="0"/>
+              <a:t>tag </a:t>
+            </a:r>
+            <a:r>
+              <a:rPr lang="en-US" sz="1600" dirty="0" smtClean="0"/>
+              <a:t>occurs in title/body (true/false)</a:t>
+            </a:r>
+          </a:p>
+          <a:p>
+            <a:pPr marL="949325" lvl="2" indent="-196850">
+              <a:buFont typeface="Wingdings" charset="2"/>
+              <a:buChar char="§"/>
+            </a:pPr>
+            <a:r>
+              <a:rPr lang="en-US" sz="1600" dirty="0" smtClean="0"/>
+              <a:t>for each word and each tag in this post (scalar value):</a:t>
+            </a:r>
+          </a:p>
+          <a:p>
+            <a:pPr marL="1406525" lvl="3" indent="-196850">
+              <a:buFont typeface="Wingdings" charset="2"/>
+              <a:buChar char="§"/>
+            </a:pPr>
+            <a:r>
+              <a:rPr lang="en-US" sz="1600" dirty="0" smtClean="0"/>
+              <a:t>compute product of probabilities that tag &amp; word occur both in same post</a:t>
+            </a:r>
+          </a:p>
+          <a:p>
+            <a:pPr marL="1406525" lvl="3" indent="-196850">
+              <a:buFont typeface="Wingdings" charset="2"/>
+              <a:buChar char="§"/>
+            </a:pPr>
+            <a:r>
+              <a:rPr lang="en-US" sz="1600" dirty="0" smtClean="0"/>
+              <a:t>danger: use logarithm to avoid underflow!</a:t>
+            </a:r>
+          </a:p>
+          <a:p>
+            <a:pPr marL="1863725" lvl="4" indent="-196850">
+              <a:buFont typeface="Wingdings" charset="2"/>
+              <a:buChar char="§"/>
+            </a:pPr>
+            <a:r>
+              <a:rPr lang="en-US" sz="1600" dirty="0" smtClean="0"/>
+              <a:t>log of product replaced by sum of logs!</a:t>
             </a:r>
           </a:p>
           <a:p>
             <a:pPr marL="800100" lvl="1" indent="-342900">
-              <a:buFont typeface="Arial"/>
-              <a:buChar char="•"/>
+              <a:buFont typeface="Wingdings" charset="2"/>
+              <a:buChar char="§"/>
             </a:pPr>
-            <a:r>
-              <a:rPr lang="de-DE" sz="1800" dirty="0" err="1" smtClean="0"/>
-              <a:t>Retrieving</a:t>
-            </a:r>
-            <a:r>
-              <a:rPr lang="de-DE" sz="1800" dirty="0" smtClean="0"/>
-              <a:t> (positive </a:t>
-            </a:r>
-            <a:r>
-              <a:rPr lang="de-DE" sz="1800" dirty="0" err="1" smtClean="0"/>
-              <a:t>and</a:t>
-            </a:r>
-            <a:r>
-              <a:rPr lang="de-DE" sz="1800" dirty="0" smtClean="0"/>
-              <a:t> negative) </a:t>
-            </a:r>
-            <a:r>
-              <a:rPr lang="de-DE" sz="1800" dirty="0" err="1" smtClean="0"/>
-              <a:t>probability</a:t>
-            </a:r>
-            <a:r>
-              <a:rPr lang="de-DE" sz="1800" dirty="0" smtClean="0"/>
-              <a:t> </a:t>
-            </a:r>
-            <a:r>
-              <a:rPr lang="de-DE" sz="1800" dirty="0" err="1" smtClean="0"/>
-              <a:t>for</a:t>
-            </a:r>
-            <a:r>
-              <a:rPr lang="de-DE" sz="1800" dirty="0" smtClean="0"/>
-              <a:t> </a:t>
-            </a:r>
-            <a:r>
-              <a:rPr lang="de-DE" sz="1800" dirty="0" err="1" smtClean="0"/>
-              <a:t>each</a:t>
-            </a:r>
-            <a:r>
-              <a:rPr lang="de-DE" sz="1800" dirty="0" smtClean="0"/>
-              <a:t> tag</a:t>
-            </a:r>
-            <a:br>
-              <a:rPr lang="de-DE" sz="1800" dirty="0" smtClean="0"/>
-            </a:br>
-            <a:endParaRPr lang="de-DE" sz="1800" dirty="0" smtClean="0"/>
-          </a:p>
-          <a:p>
-            <a:pPr marL="342900" indent="-342900">
-              <a:buFont typeface="+mj-lt"/>
-              <a:buAutoNum type="arabicPeriod"/>
+            <a:endParaRPr lang="en-US" sz="1600" dirty="0"/>
+          </a:p>
+          <a:p>
+            <a:pPr marL="800100" lvl="1" indent="-342900">
+              <a:buFont typeface="Wingdings" charset="2"/>
+              <a:buChar char="§"/>
             </a:pPr>
-            <a:r>
-              <a:rPr lang="de-DE" sz="1800" dirty="0" err="1" smtClean="0"/>
-              <a:t>Using</a:t>
-            </a:r>
-            <a:r>
-              <a:rPr lang="de-DE" sz="1800" dirty="0" smtClean="0"/>
-              <a:t> </a:t>
-            </a:r>
-            <a:r>
-              <a:rPr lang="de-DE" sz="1800" dirty="0" err="1" smtClean="0"/>
-              <a:t>one</a:t>
-            </a:r>
-            <a:r>
-              <a:rPr lang="de-DE" sz="1800" dirty="0" smtClean="0"/>
-              <a:t> </a:t>
-            </a:r>
-            <a:r>
-              <a:rPr lang="de-DE" sz="1800" dirty="0" err="1" smtClean="0"/>
-              <a:t>classifier</a:t>
-            </a:r>
-            <a:r>
-              <a:rPr lang="de-DE" sz="1800" dirty="0" smtClean="0"/>
-              <a:t> </a:t>
-            </a:r>
-            <a:r>
-              <a:rPr lang="de-DE" sz="1800" dirty="0" err="1" smtClean="0"/>
-              <a:t>for</a:t>
-            </a:r>
-            <a:r>
-              <a:rPr lang="de-DE" sz="1800" dirty="0" smtClean="0"/>
-              <a:t> all </a:t>
-            </a:r>
-            <a:r>
-              <a:rPr lang="de-DE" sz="1800" dirty="0" smtClean="0"/>
-              <a:t>tags (</a:t>
-            </a:r>
-            <a:r>
-              <a:rPr lang="de-DE" sz="1800" i="1" dirty="0" err="1" smtClean="0"/>
-              <a:t>One</a:t>
-            </a:r>
-            <a:r>
-              <a:rPr lang="de-DE" sz="1800" i="1" dirty="0" err="1" smtClean="0"/>
-              <a:t>VsRestClassifier</a:t>
-            </a:r>
-            <a:r>
-              <a:rPr lang="de-DE" sz="1800" dirty="0" smtClean="0"/>
-              <a:t>)</a:t>
-            </a:r>
-            <a:endParaRPr lang="de-DE" sz="1800" i="1" dirty="0" smtClean="0"/>
+            <a:endParaRPr lang="en-US" sz="1600" dirty="0"/>
           </a:p>
         </p:txBody>
       </p:sp>
     </p:spTree>
     <p:extLst>
       <p:ext uri="{BB962C8B-B14F-4D97-AF65-F5344CB8AC3E}">
-        <p14:creationId xmlns:p14="http://schemas.microsoft.com/office/powerpoint/2010/main" val="1869238057"/>
+        <p14:creationId xmlns:p14="http://schemas.microsoft.com/office/powerpoint/2010/main" val="206969622"/>
       </p:ext>
     </p:extLst>
   </p:cSld>
@@ -9755,7 +11238,7 @@
   <p:timing>
     <p:tnLst>
       <p:par>
-        <p:cTn xmlns:p14="http://schemas.microsoft.com/office/powerpoint/2010/main" id="1" dur="indefinite" restart="never" nodeType="tmRoot"/>
+        <p:cTn id="1" dur="indefinite" restart="never" nodeType="tmRoot"/>
       </p:par>
     </p:tnLst>
   </p:timing>
@@ -9802,14 +11285,14 @@
           <a:effectLst/>
           <a:extLst>
             <a:ext uri="{909E8E84-426E-40dd-AFC4-6F175D3DCCD1}">
-              <a14:hiddenFill xmlns:a14="http://schemas.microsoft.com/office/drawing/2010/main">
+              <a14:hiddenFill xmlns:a14="http://schemas.microsoft.com/office/drawing/2010/main" xmlns="">
                 <a:solidFill>
                   <a:schemeClr val="accent1"/>
                 </a:solidFill>
               </a14:hiddenFill>
             </a:ext>
             <a:ext uri="{91240B29-F687-4f45-9708-019B960494DF}">
-              <a14:hiddenLine xmlns:a14="http://schemas.microsoft.com/office/drawing/2010/main" w="9525">
+              <a14:hiddenLine xmlns:a14="http://schemas.microsoft.com/office/drawing/2010/main" xmlns="" w="9525">
                 <a:solidFill>
                   <a:schemeClr val="tx1"/>
                 </a:solidFill>
@@ -9819,7 +11302,7 @@
               </a14:hiddenLine>
             </a:ext>
             <a:ext uri="{AF507438-7753-43e0-B8FC-AC1667EBCBE1}">
-              <a14:hiddenEffects xmlns:a14="http://schemas.microsoft.com/office/drawing/2010/main">
+              <a14:hiddenEffects xmlns:a14="http://schemas.microsoft.com/office/drawing/2010/main" xmlns="">
                 <a:effectLst>
                   <a:outerShdw dist="35921" dir="2700000" algn="ctr" rotWithShape="0">
                     <a:schemeClr val="bg2"/>
@@ -9973,11 +11456,7 @@
             </a:r>
             <a:r>
               <a:rPr lang="de-DE" sz="1500" b="1" dirty="0" smtClean="0"/>
-              <a:t> </a:t>
-            </a:r>
-            <a:r>
-              <a:rPr lang="de-DE" sz="1500" b="1" dirty="0" smtClean="0"/>
-              <a:t>Approach</a:t>
+              <a:t> Approach</a:t>
             </a:r>
             <a:r>
               <a:rPr lang="de-DE" b="1" dirty="0" smtClean="0"/>
@@ -9992,7 +11471,11 @@
             </a:r>
             <a:r>
               <a:rPr lang="de-DE" b="1" dirty="0" smtClean="0"/>
-              <a:t> Learning</a:t>
+              <a:t> </a:t>
+            </a:r>
+            <a:r>
+              <a:rPr lang="de-DE" b="1" dirty="0" smtClean="0"/>
+              <a:t>(I)</a:t>
             </a:r>
             <a:endParaRPr lang="de-DE" b="1" kern="0" dirty="0" smtClean="0"/>
           </a:p>
@@ -10021,8 +11504,8 @@
           <a:lstStyle/>
           <a:p>
             <a:pPr marL="285750" indent="-285750">
-              <a:buFont typeface="Arial"/>
-              <a:buChar char="•"/>
+              <a:buFont typeface="Wingdings" charset="2"/>
+              <a:buChar char="§"/>
             </a:pPr>
             <a:r>
               <a:rPr lang="de-DE" sz="1800" b="1" dirty="0" smtClean="0"/>
@@ -10031,8 +11514,8 @@
           </a:p>
           <a:p>
             <a:pPr marL="742950" lvl="1" indent="-285750">
-              <a:buFont typeface="Arial"/>
-              <a:buChar char="•"/>
+              <a:buFont typeface="Wingdings" charset="2"/>
+              <a:buChar char="§"/>
             </a:pPr>
             <a:r>
               <a:rPr lang="de-DE" sz="1800" dirty="0"/>
@@ -10094,8 +11577,8 @@
           </a:p>
           <a:p>
             <a:pPr marL="742950" lvl="1" indent="-285750">
-              <a:buFont typeface="Arial"/>
-              <a:buChar char="•"/>
+              <a:buFont typeface="Wingdings" charset="2"/>
+              <a:buChar char="§"/>
             </a:pPr>
             <a:r>
               <a:rPr lang="de-DE" sz="1800" dirty="0" err="1" smtClean="0"/>
@@ -10106,8 +11589,8 @@
               <a:t> </a:t>
             </a:r>
             <a:r>
-              <a:rPr lang="de-DE" sz="1800" i="1" dirty="0" smtClean="0"/>
-              <a:t>X</a:t>
+              <a:rPr lang="de-DE" sz="1800" i="1" dirty="0" err="1"/>
+              <a:t>n</a:t>
             </a:r>
             <a:r>
               <a:rPr lang="de-DE" sz="1800" dirty="0" smtClean="0"/>
@@ -10189,8 +11672,8 @@
           </a:p>
           <a:p>
             <a:pPr marL="285750" indent="-285750">
-              <a:buFont typeface="Arial"/>
-              <a:buChar char="•"/>
+              <a:buFont typeface="Wingdings" charset="2"/>
+              <a:buChar char="§"/>
             </a:pPr>
             <a:r>
               <a:rPr lang="de-DE" sz="1800" b="1" dirty="0" err="1"/>
@@ -10208,8 +11691,8 @@
           </a:p>
           <a:p>
             <a:pPr marL="742950" lvl="1" indent="-285750">
-              <a:buFont typeface="Arial"/>
-              <a:buChar char="•"/>
+              <a:buFont typeface="Wingdings" charset="2"/>
+              <a:buChar char="§"/>
             </a:pPr>
             <a:r>
               <a:rPr lang="de-DE" sz="1800" dirty="0" err="1"/>
@@ -10235,8 +11718,8 @@
           </a:p>
           <a:p>
             <a:pPr marL="742950" lvl="1" indent="-285750">
-              <a:buFont typeface="Arial"/>
-              <a:buChar char="•"/>
+              <a:buFont typeface="Wingdings" charset="2"/>
+              <a:buChar char="§"/>
             </a:pPr>
             <a:r>
               <a:rPr lang="de-DE" sz="1800" dirty="0" err="1" smtClean="0"/>
@@ -10286,8 +11769,8 @@
           </a:p>
           <a:p>
             <a:pPr marL="742950" lvl="1" indent="-285750">
-              <a:buFont typeface="Arial"/>
-              <a:buChar char="•"/>
+              <a:buFont typeface="Wingdings" charset="2"/>
+              <a:buChar char="§"/>
             </a:pPr>
             <a:r>
               <a:rPr lang="de-DE" sz="1800" dirty="0" smtClean="0"/>
@@ -10312,8 +11795,8 @@
           </a:p>
           <a:p>
             <a:pPr marL="742950" lvl="1" indent="-285750">
-              <a:buFont typeface="Arial"/>
-              <a:buChar char="•"/>
+              <a:buFont typeface="Wingdings" charset="2"/>
+              <a:buChar char="§"/>
             </a:pPr>
             <a:r>
               <a:rPr lang="de-DE" sz="1800" dirty="0"/>
@@ -10346,8 +11829,8 @@
           </a:p>
           <a:p>
             <a:pPr marL="285750" indent="-285750">
-              <a:buFont typeface="Arial"/>
-              <a:buChar char="•"/>
+              <a:buFont typeface="Wingdings" charset="2"/>
+              <a:buChar char="§"/>
             </a:pPr>
             <a:r>
               <a:rPr lang="de-DE" sz="1800" b="1" dirty="0" smtClean="0"/>
@@ -10368,19 +11851,35 @@
           </a:p>
           <a:p>
             <a:pPr marL="742950" lvl="1" indent="-285750">
-              <a:buFont typeface="Arial"/>
-              <a:buChar char="•"/>
+              <a:buFont typeface="Wingdings" charset="2"/>
+              <a:buChar char="§"/>
             </a:pPr>
             <a:r>
               <a:rPr lang="de-DE" sz="1800" i="1" dirty="0" err="1" smtClean="0"/>
-              <a:t>sklearn.cluster.Kmeans</a:t>
+              <a:t>Kmeans</a:t>
+            </a:r>
+            <a:r>
+              <a:rPr lang="de-DE" sz="1800" i="1" dirty="0" smtClean="0"/>
+              <a:t> </a:t>
+            </a:r>
+            <a:r>
+              <a:rPr lang="de-DE" sz="1800" dirty="0" err="1" smtClean="0"/>
+              <a:t>from</a:t>
+            </a:r>
+            <a:r>
+              <a:rPr lang="de-DE" sz="1800" i="1" dirty="0" smtClean="0"/>
+              <a:t> </a:t>
+            </a:r>
+            <a:r>
+              <a:rPr lang="de-DE" sz="1800" i="1" dirty="0" err="1" smtClean="0"/>
+              <a:t>sklearn</a:t>
             </a:r>
             <a:endParaRPr lang="de-DE" sz="1800" i="1" dirty="0" smtClean="0"/>
           </a:p>
           <a:p>
             <a:pPr marL="742950" lvl="1" indent="-285750">
-              <a:buFont typeface="Arial"/>
-              <a:buChar char="•"/>
+              <a:buFont typeface="Wingdings" charset="2"/>
+              <a:buChar char="§"/>
             </a:pPr>
             <a:r>
               <a:rPr lang="de-DE" sz="1800" u="sng" dirty="0" err="1" smtClean="0"/>
@@ -10404,18 +11903,13 @@
             </a:r>
             <a:r>
               <a:rPr lang="de-DE" sz="1800" dirty="0" smtClean="0"/>
-              <a:t>: </a:t>
-            </a:r>
-            <a:r>
-              <a:rPr lang="de-DE" sz="1800" dirty="0" smtClean="0"/>
-              <a:t>~ #tags</a:t>
-            </a:r>
-            <a:endParaRPr lang="de-DE" sz="1800" dirty="0" smtClean="0"/>
+              <a:t>: ~ #tags</a:t>
+            </a:r>
           </a:p>
           <a:p>
             <a:pPr marL="742950" lvl="1" indent="-285750">
-              <a:buFont typeface="Arial"/>
-              <a:buChar char="•"/>
+              <a:buFont typeface="Wingdings" charset="2"/>
+              <a:buChar char="§"/>
             </a:pPr>
             <a:r>
               <a:rPr lang="de-DE" sz="1800" u="sng" dirty="0" err="1" smtClean="0"/>
@@ -10473,8 +11967,8 @@
           </a:p>
           <a:p>
             <a:pPr marL="742950" lvl="1" indent="-285750">
-              <a:buFont typeface="Arial"/>
-              <a:buChar char="•"/>
+              <a:buFont typeface="Wingdings" charset="2"/>
+              <a:buChar char="§"/>
             </a:pPr>
             <a:r>
               <a:rPr lang="de-DE" sz="1800" u="sng" dirty="0" err="1" smtClean="0"/>
@@ -10547,7 +12041,7 @@
   <p:timing>
     <p:tnLst>
       <p:par>
-        <p:cTn xmlns:p14="http://schemas.microsoft.com/office/powerpoint/2010/main" id="1" dur="indefinite" restart="never" nodeType="tmRoot"/>
+        <p:cTn id="1" dur="indefinite" restart="never" nodeType="tmRoot"/>
       </p:par>
     </p:tnLst>
   </p:timing>
@@ -10594,14 +12088,14 @@
           <a:effectLst/>
           <a:extLst>
             <a:ext uri="{909E8E84-426E-40dd-AFC4-6F175D3DCCD1}">
-              <a14:hiddenFill xmlns:a14="http://schemas.microsoft.com/office/drawing/2010/main">
+              <a14:hiddenFill xmlns:a14="http://schemas.microsoft.com/office/drawing/2010/main" xmlns="">
                 <a:solidFill>
                   <a:schemeClr val="accent1"/>
                 </a:solidFill>
               </a14:hiddenFill>
             </a:ext>
             <a:ext uri="{91240B29-F687-4f45-9708-019B960494DF}">
-              <a14:hiddenLine xmlns:a14="http://schemas.microsoft.com/office/drawing/2010/main" w="9525">
+              <a14:hiddenLine xmlns:a14="http://schemas.microsoft.com/office/drawing/2010/main" xmlns="" w="9525">
                 <a:solidFill>
                   <a:schemeClr val="tx1"/>
                 </a:solidFill>
@@ -10611,7 +12105,7 @@
               </a14:hiddenLine>
             </a:ext>
             <a:ext uri="{AF507438-7753-43e0-B8FC-AC1667EBCBE1}">
-              <a14:hiddenEffects xmlns:a14="http://schemas.microsoft.com/office/drawing/2010/main">
+              <a14:hiddenEffects xmlns:a14="http://schemas.microsoft.com/office/drawing/2010/main" xmlns="">
                 <a:effectLst>
                   <a:outerShdw dist="35921" dir="2700000" algn="ctr" rotWithShape="0">
                     <a:schemeClr val="bg2"/>
@@ -10765,11 +12259,7 @@
             </a:r>
             <a:r>
               <a:rPr lang="de-DE" sz="1500" b="1" dirty="0" smtClean="0"/>
-              <a:t> </a:t>
-            </a:r>
-            <a:r>
-              <a:rPr lang="de-DE" sz="1500" b="1" dirty="0" smtClean="0"/>
-              <a:t>Approach</a:t>
+              <a:t> Approach</a:t>
             </a:r>
             <a:r>
               <a:rPr lang="de-DE" b="1" dirty="0" smtClean="0"/>
@@ -10784,7 +12274,11 @@
             </a:r>
             <a:r>
               <a:rPr lang="de-DE" b="1" dirty="0" smtClean="0"/>
-              <a:t> Learning</a:t>
+              <a:t> </a:t>
+            </a:r>
+            <a:r>
+              <a:rPr lang="de-DE" b="1" dirty="0" smtClean="0"/>
+              <a:t>(II)</a:t>
             </a:r>
             <a:endParaRPr lang="de-DE" b="1" kern="0" dirty="0" smtClean="0"/>
           </a:p>
@@ -10813,8 +12307,8 @@
           <a:lstStyle/>
           <a:p>
             <a:pPr marL="285750" indent="-285750">
-              <a:buFont typeface="Arial"/>
-              <a:buChar char="•"/>
+              <a:buFont typeface="Wingdings" charset="2"/>
+              <a:buChar char="§"/>
             </a:pPr>
             <a:r>
               <a:rPr lang="de-DE" sz="1800" b="1" dirty="0" err="1" smtClean="0"/>
@@ -10843,8 +12337,8 @@
           </a:p>
           <a:p>
             <a:pPr marL="742950" lvl="1" indent="-285750">
-              <a:buFont typeface="Arial"/>
-              <a:buChar char="•"/>
+              <a:buFont typeface="Wingdings" charset="2"/>
+              <a:buChar char="§"/>
             </a:pPr>
             <a:r>
               <a:rPr lang="de-DE" sz="1800" dirty="0" smtClean="0"/>
@@ -10898,8 +12392,8 @@
           </a:p>
           <a:p>
             <a:pPr marL="742950" lvl="1" indent="-285750">
-              <a:buFont typeface="Arial"/>
-              <a:buChar char="•"/>
+              <a:buFont typeface="Wingdings" charset="2"/>
+              <a:buChar char="§"/>
             </a:pPr>
             <a:r>
               <a:rPr lang="de-DE" sz="1800" dirty="0" err="1" smtClean="0"/>
@@ -10949,8 +12443,8 @@
           </a:p>
           <a:p>
             <a:pPr marL="742950" lvl="1" indent="-285750">
-              <a:buFont typeface="Arial"/>
-              <a:buChar char="•"/>
+              <a:buFont typeface="Wingdings" charset="2"/>
+              <a:buChar char="§"/>
             </a:pPr>
             <a:r>
               <a:rPr lang="de-DE" sz="1800" dirty="0"/>
@@ -11023,8 +12517,8 @@
           </a:p>
           <a:p>
             <a:pPr marL="285750" indent="-285750">
-              <a:buFont typeface="Arial"/>
-              <a:buChar char="•"/>
+              <a:buFont typeface="Wingdings" charset="2"/>
+              <a:buChar char="§"/>
             </a:pPr>
             <a:r>
               <a:rPr lang="de-DE" sz="1800" b="1" dirty="0" smtClean="0"/>
@@ -11057,19 +12551,35 @@
           </a:p>
           <a:p>
             <a:pPr marL="742950" lvl="1" indent="-285750">
-              <a:buFont typeface="Arial"/>
-              <a:buChar char="•"/>
+              <a:buFont typeface="Wingdings" charset="2"/>
+              <a:buChar char="§"/>
             </a:pPr>
             <a:r>
               <a:rPr lang="de-DE" sz="1800" i="1" dirty="0" err="1" smtClean="0"/>
-              <a:t>sklearn.cluster.AgglomerativeClustering</a:t>
+              <a:t>AgglomerativeClustering</a:t>
+            </a:r>
+            <a:r>
+              <a:rPr lang="de-DE" sz="1800" i="1" dirty="0" smtClean="0"/>
+              <a:t> </a:t>
+            </a:r>
+            <a:r>
+              <a:rPr lang="de-DE" sz="1800" dirty="0" err="1" smtClean="0"/>
+              <a:t>from</a:t>
+            </a:r>
+            <a:r>
+              <a:rPr lang="de-DE" sz="1800" i="1" dirty="0" smtClean="0"/>
+              <a:t> </a:t>
+            </a:r>
+            <a:r>
+              <a:rPr lang="de-DE" sz="1800" i="1" dirty="0" err="1" smtClean="0"/>
+              <a:t>sklearn</a:t>
             </a:r>
             <a:endParaRPr lang="de-DE" sz="1800" i="1" dirty="0" smtClean="0"/>
           </a:p>
           <a:p>
             <a:pPr marL="742950" lvl="1" indent="-285750">
-              <a:buFont typeface="Arial"/>
-              <a:buChar char="•"/>
+              <a:buFont typeface="Wingdings" charset="2"/>
+              <a:buChar char="§"/>
             </a:pPr>
             <a:r>
               <a:rPr lang="de-DE" sz="1800" u="sng" dirty="0" err="1" smtClean="0"/>
@@ -11130,8 +12640,8 @@
           </a:p>
           <a:p>
             <a:pPr marL="742950" lvl="1" indent="-285750">
-              <a:buFont typeface="Arial"/>
-              <a:buChar char="•"/>
+              <a:buFont typeface="Wingdings" charset="2"/>
+              <a:buChar char="§"/>
             </a:pPr>
             <a:r>
               <a:rPr lang="de-DE" sz="1800" u="sng" dirty="0" err="1" smtClean="0"/>
@@ -11176,8 +12686,8 @@
           </a:p>
           <a:p>
             <a:pPr marL="742950" lvl="1" indent="-285750">
-              <a:buFont typeface="Arial"/>
-              <a:buChar char="•"/>
+              <a:buFont typeface="Wingdings" charset="2"/>
+              <a:buChar char="§"/>
             </a:pPr>
             <a:r>
               <a:rPr lang="de-DE" sz="1800" u="sng" dirty="0" err="1" smtClean="0"/>
@@ -11217,11 +12727,7 @@
             </a:r>
             <a:r>
               <a:rPr lang="de-DE" sz="1800" dirty="0" smtClean="0"/>
-              <a:t> (</a:t>
-            </a:r>
-            <a:r>
-              <a:rPr lang="de-DE" sz="1800" dirty="0" smtClean="0"/>
-              <a:t>~ #tags)</a:t>
+              <a:t> (~ #tags)</a:t>
             </a:r>
             <a:endParaRPr lang="de-DE" sz="1800" dirty="0"/>
           </a:p>
@@ -11240,7 +12746,7 @@
   <p:timing>
     <p:tnLst>
       <p:par>
-        <p:cTn xmlns:p14="http://schemas.microsoft.com/office/powerpoint/2010/main" id="1" dur="indefinite" restart="never" nodeType="tmRoot"/>
+        <p:cTn id="1" dur="indefinite" restart="never" nodeType="tmRoot"/>
       </p:par>
     </p:tnLst>
   </p:timing>
@@ -11287,14 +12793,14 @@
           <a:effectLst/>
           <a:extLst>
             <a:ext uri="{909E8E84-426E-40dd-AFC4-6F175D3DCCD1}">
-              <a14:hiddenFill xmlns:a14="http://schemas.microsoft.com/office/drawing/2010/main">
+              <a14:hiddenFill xmlns:a14="http://schemas.microsoft.com/office/drawing/2010/main" xmlns="">
                 <a:solidFill>
                   <a:schemeClr val="accent1"/>
                 </a:solidFill>
               </a14:hiddenFill>
             </a:ext>
             <a:ext uri="{91240B29-F687-4f45-9708-019B960494DF}">
-              <a14:hiddenLine xmlns:a14="http://schemas.microsoft.com/office/drawing/2010/main" w="9525">
+              <a14:hiddenLine xmlns:a14="http://schemas.microsoft.com/office/drawing/2010/main" xmlns="" w="9525">
                 <a:solidFill>
                   <a:schemeClr val="tx1"/>
                 </a:solidFill>
@@ -11304,7 +12810,7 @@
               </a14:hiddenLine>
             </a:ext>
             <a:ext uri="{AF507438-7753-43e0-B8FC-AC1667EBCBE1}">
-              <a14:hiddenEffects xmlns:a14="http://schemas.microsoft.com/office/drawing/2010/main">
+              <a14:hiddenEffects xmlns:a14="http://schemas.microsoft.com/office/drawing/2010/main" xmlns="">
                 <a:effectLst>
                   <a:outerShdw dist="35921" dir="2700000" algn="ctr" rotWithShape="0">
                     <a:schemeClr val="bg2"/>
@@ -11469,7 +12975,7 @@
         <p:spPr>
           <a:xfrm>
             <a:off x="733490" y="2156906"/>
-            <a:ext cx="7805654" cy="3139321"/>
+            <a:ext cx="7805654" cy="3831818"/>
           </a:xfrm>
           <a:prstGeom prst="rect">
             <a:avLst/>
@@ -11483,8 +12989,8 @@
           <a:lstStyle/>
           <a:p>
             <a:pPr marL="285750" indent="-285750">
-              <a:buFont typeface="Arial"/>
-              <a:buChar char="•"/>
+              <a:buFont typeface="Wingdings" charset="2"/>
+              <a:buChar char="§"/>
             </a:pPr>
             <a:r>
               <a:rPr lang="de-DE" sz="1800" b="1" dirty="0" smtClean="0"/>
@@ -11493,45 +12999,55 @@
           </a:p>
           <a:p>
             <a:pPr marL="285750" indent="-285750">
-              <a:buFont typeface="Arial"/>
-              <a:buChar char="•"/>
+              <a:buFont typeface="Wingdings" charset="2"/>
+              <a:buChar char="§"/>
             </a:pPr>
             <a:endParaRPr lang="de-DE" sz="1800" b="1" dirty="0" smtClean="0"/>
           </a:p>
           <a:p>
             <a:pPr marL="285750" indent="-285750">
-              <a:buFont typeface="Arial"/>
-              <a:buChar char="•"/>
+              <a:buFont typeface="Wingdings" charset="2"/>
+              <a:buChar char="§"/>
             </a:pPr>
             <a:endParaRPr lang="de-DE" sz="1800" b="1" dirty="0" smtClean="0"/>
           </a:p>
           <a:p>
             <a:pPr marL="285750" indent="-285750">
-              <a:buFont typeface="Arial"/>
-              <a:buChar char="•"/>
+              <a:buFont typeface="Wingdings" charset="2"/>
+              <a:buChar char="§"/>
             </a:pPr>
             <a:endParaRPr lang="de-DE" sz="1800" b="1" dirty="0" smtClean="0"/>
           </a:p>
           <a:p>
             <a:pPr marL="285750" indent="-285750">
-              <a:buFont typeface="Arial"/>
-              <a:buChar char="•"/>
+              <a:buFont typeface="Wingdings" charset="2"/>
+              <a:buChar char="§"/>
             </a:pPr>
             <a:r>
               <a:rPr lang="de-DE" sz="1800" b="1" dirty="0" smtClean="0"/>
               <a:t> </a:t>
             </a:r>
-            <a:endParaRPr lang="de-DE" sz="1800" b="1" dirty="0"/>
-          </a:p>
-          <a:p>
-            <a:pPr marL="285750" indent="-285750">
-              <a:buFont typeface="Arial"/>
-              <a:buChar char="•"/>
-            </a:pPr>
-            <a:endParaRPr lang="de-DE" sz="1800" b="1" dirty="0" smtClean="0"/>
-          </a:p>
-          <a:p>
-            <a:pPr lvl="1"/>
+            <a:r>
+              <a:rPr lang="de-DE" sz="1800" dirty="0" smtClean="0"/>
+              <a:t/>
+            </a:r>
+            <a:br>
+              <a:rPr lang="de-DE" sz="1800" dirty="0" smtClean="0"/>
+            </a:br>
+            <a:r>
+              <a:rPr lang="de-DE" sz="1800" dirty="0" smtClean="0"/>
+              <a:t/>
+            </a:r>
+            <a:br>
+              <a:rPr lang="de-DE" sz="1800" dirty="0" smtClean="0"/>
+            </a:br>
+            <a:r>
+              <a:rPr lang="de-DE" sz="1800" dirty="0" smtClean="0"/>
+              <a:t/>
+            </a:r>
+            <a:br>
+              <a:rPr lang="de-DE" sz="1800" dirty="0" smtClean="0"/>
+            </a:br>
             <a:r>
               <a:rPr lang="de-DE" sz="1800" dirty="0" smtClean="0"/>
               <a:t/>
@@ -11543,8 +13059,11 @@
           </a:p>
           <a:p>
             <a:pPr marL="285750" indent="-285750">
-              <a:buFont typeface="Arial"/>
-              <a:buChar char="•"/>
+              <a:lnSpc>
+                <a:spcPct val="150000"/>
+              </a:lnSpc>
+              <a:buFont typeface="Wingdings" charset="2"/>
+              <a:buChar char="§"/>
             </a:pPr>
             <a:r>
               <a:rPr lang="de-DE" sz="1800" dirty="0" smtClean="0"/>
@@ -11598,8 +13117,11 @@
           </a:p>
           <a:p>
             <a:pPr marL="285750" indent="-285750">
-              <a:buFont typeface="Arial"/>
-              <a:buChar char="•"/>
+              <a:lnSpc>
+                <a:spcPct val="150000"/>
+              </a:lnSpc>
+              <a:buFont typeface="Wingdings" charset="2"/>
+              <a:buChar char="§"/>
             </a:pPr>
             <a:r>
               <a:rPr lang="de-DE" sz="1800" dirty="0" err="1" smtClean="0"/>
@@ -11657,8 +13179,11 @@
           </a:p>
           <a:p>
             <a:pPr marL="285750" indent="-285750">
-              <a:buFont typeface="Arial"/>
-              <a:buChar char="•"/>
+              <a:lnSpc>
+                <a:spcPct val="150000"/>
+              </a:lnSpc>
+              <a:buFont typeface="Wingdings" charset="2"/>
+              <a:buChar char="§"/>
             </a:pPr>
             <a:r>
               <a:rPr lang="de-DE" sz="1800" dirty="0" err="1" smtClean="0"/>
@@ -11730,7 +13255,7 @@
           <a:graphicData uri="http://schemas.openxmlformats.org/presentationml/2006/ole">
             <mc:AlternateContent xmlns:mc="http://schemas.openxmlformats.org/markup-compatibility/2006">
               <mc:Choice xmlns:v="urn:schemas-microsoft-com:vml" Requires="v">
-                <p:oleObj spid="_x0000_s1085" name="Formel" r:id="rId4" imgW="2806700" imgH="609600" progId="Equation.3">
+                <p:oleObj spid="_x0000_s1228" name="Formel" r:id="rId4" imgW="2806700" imgH="609600" progId="Equation.3">
                   <p:embed/>
                 </p:oleObj>
               </mc:Choice>
@@ -11787,7 +13312,7 @@
           <a:graphicData uri="http://schemas.openxmlformats.org/presentationml/2006/ole">
             <mc:AlternateContent xmlns:mc="http://schemas.openxmlformats.org/markup-compatibility/2006">
               <mc:Choice xmlns:v="urn:schemas-microsoft-com:vml" Requires="v">
-                <p:oleObj spid="_x0000_s1086" name="Formel" r:id="rId6" imgW="2667000" imgH="609600" progId="Equation.3">
+                <p:oleObj spid="_x0000_s1229" name="Formel" r:id="rId6" imgW="2667000" imgH="609600" progId="Equation.3">
                   <p:embed/>
                 </p:oleObj>
               </mc:Choice>
@@ -11830,7 +13355,7 @@
         </p:nvSpPr>
         <p:spPr>
           <a:xfrm>
-            <a:off x="5232963" y="1970769"/>
+            <a:off x="5232963" y="2005275"/>
             <a:ext cx="350324" cy="1762742"/>
           </a:xfrm>
           <a:prstGeom prst="rightBrace">
@@ -11868,7 +13393,7 @@
         </p:nvSpPr>
         <p:spPr>
           <a:xfrm>
-            <a:off x="5681542" y="2666221"/>
+            <a:off x="5681542" y="2746735"/>
             <a:ext cx="3005258" cy="307777"/>
           </a:xfrm>
           <a:prstGeom prst="rect">
@@ -11935,7 +13460,7 @@
   <p:timing>
     <p:tnLst>
       <p:par>
-        <p:cTn xmlns:p14="http://schemas.microsoft.com/office/powerpoint/2010/main" id="1" dur="indefinite" restart="never" nodeType="tmRoot"/>
+        <p:cTn id="1" dur="indefinite" restart="never" nodeType="tmRoot"/>
       </p:par>
     </p:tnLst>
   </p:timing>

--- a/presentation/interim/Presentation.pptx
+++ b/presentation/interim/Presentation.pptx
@@ -4510,7 +4510,7 @@
           <p:nvPr>
             <p:extLst>
               <p:ext uri="{D42A27DB-BD31-4B8C-83A1-F6EECF244321}">
-                <p14:modId xmlns:p14="http://schemas.microsoft.com/office/powerpoint/2010/main" val="3482763192"/>
+                <p14:modId xmlns:p14="http://schemas.microsoft.com/office/powerpoint/2010/main" val="1169248338"/>
               </p:ext>
             </p:extLst>
           </p:nvPr>
@@ -4605,8 +4605,8 @@
                     <a:p>
                       <a:pPr algn="ctr"/>
                       <a:r>
-                        <a:rPr lang="de-DE" dirty="0" smtClean="0"/>
-                        <a:t>0.4</a:t>
+                        <a:rPr lang="is-IS" dirty="0" smtClean="0"/>
+                        <a:t>0.332</a:t>
                       </a:r>
                       <a:endParaRPr lang="de-DE" dirty="0"/>
                     </a:p>
@@ -4620,8 +4620,8 @@
                     <a:p>
                       <a:pPr algn="ctr"/>
                       <a:r>
-                        <a:rPr lang="de-DE" dirty="0" smtClean="0"/>
-                        <a:t>0.4</a:t>
+                        <a:rPr lang="nb-NO" dirty="0" smtClean="0"/>
+                        <a:t>0.285</a:t>
                       </a:r>
                       <a:endParaRPr lang="de-DE" dirty="0"/>
                     </a:p>
@@ -6305,15 +6305,7 @@
             </a:pPr>
             <a:r>
               <a:rPr lang="en-US" sz="1600" dirty="0" smtClean="0"/>
-              <a:t>Classification works better than clustering (but good to </a:t>
-            </a:r>
-            <a:r>
-              <a:rPr lang="en-US" sz="1600" smtClean="0"/>
-              <a:t>get overview</a:t>
-            </a:r>
-            <a:r>
-              <a:rPr lang="en-US" sz="1600" dirty="0" smtClean="0"/>
-              <a:t>)</a:t>
+              <a:t>Classification works better than clustering (but good to get overview)</a:t>
             </a:r>
           </a:p>
           <a:p>
@@ -6934,7 +6926,7 @@
         </p:nvSpPr>
         <p:spPr>
           <a:xfrm>
-            <a:off x="652462" y="1247605"/>
+            <a:off x="652462" y="1569661"/>
             <a:ext cx="5249132" cy="4090526"/>
           </a:xfrm>
         </p:spPr>
@@ -6981,6 +6973,10 @@
               <a:rPr lang="en-US" sz="1800" dirty="0" smtClean="0"/>
               <a:t>approach</a:t>
             </a:r>
+          </a:p>
+          <a:p>
+            <a:pPr marL="0" indent="0"/>
+            <a:endParaRPr lang="en-US" sz="1200" b="1" dirty="0" smtClean="0"/>
           </a:p>
           <a:p>
             <a:pPr marL="0" indent="0"/>
@@ -7165,7 +7161,7 @@
         </p:blipFill>
         <p:spPr>
           <a:xfrm>
-            <a:off x="6327026" y="924741"/>
+            <a:off x="6327026" y="1344560"/>
             <a:ext cx="2290830" cy="682667"/>
           </a:xfrm>
           <a:prstGeom prst="rect">
@@ -7180,11 +7176,15 @@
             <a:graphicFrameLocks noGrp="1"/>
           </p:cNvGraphicFramePr>
           <p:nvPr>
-            <p:extLst/>
+            <p:extLst>
+              <p:ext uri="{D42A27DB-BD31-4B8C-83A1-F6EECF244321}">
+                <p14:modId xmlns:p14="http://schemas.microsoft.com/office/powerpoint/2010/main" val="569751573"/>
+              </p:ext>
+            </p:extLst>
           </p:nvPr>
         </p:nvGraphicFramePr>
         <p:xfrm>
-          <a:off x="6172790" y="1584243"/>
+          <a:off x="6172790" y="2004062"/>
           <a:ext cx="2350024" cy="1054156"/>
         </p:xfrm>
         <a:graphic>
@@ -7349,11 +7349,15 @@
             <a:graphicFrameLocks noGrp="1"/>
           </p:cNvGraphicFramePr>
           <p:nvPr>
-            <p:extLst/>
+            <p:extLst>
+              <p:ext uri="{D42A27DB-BD31-4B8C-83A1-F6EECF244321}">
+                <p14:modId xmlns:p14="http://schemas.microsoft.com/office/powerpoint/2010/main" val="185105438"/>
+              </p:ext>
+            </p:extLst>
           </p:nvPr>
         </p:nvGraphicFramePr>
         <p:xfrm>
-          <a:off x="6726742" y="2993971"/>
+          <a:off x="6726742" y="3413790"/>
           <a:ext cx="1796072" cy="1378989"/>
         </p:xfrm>
         <a:graphic>
@@ -7646,7 +7650,7 @@
         </p:nvSpPr>
         <p:spPr>
           <a:xfrm>
-            <a:off x="663480" y="1684346"/>
+            <a:off x="669231" y="1937390"/>
             <a:ext cx="7945592" cy="4441029"/>
           </a:xfrm>
         </p:spPr>
@@ -8166,7 +8170,7 @@
         </p:nvCxnSpPr>
         <p:spPr>
           <a:xfrm flipV="1">
-            <a:off x="3051672" y="1883884"/>
+            <a:off x="3057423" y="2136928"/>
             <a:ext cx="1670515" cy="264405"/>
           </a:xfrm>
           <a:prstGeom prst="bentConnector3">
@@ -8201,7 +8205,7 @@
         </p:nvSpPr>
         <p:spPr>
           <a:xfrm>
-            <a:off x="4574381" y="1499576"/>
+            <a:off x="4580132" y="1752620"/>
             <a:ext cx="3922006" cy="867930"/>
           </a:xfrm>
           <a:prstGeom prst="rect">
@@ -8301,7 +8305,7 @@
         </p:nvCxnSpPr>
         <p:spPr>
           <a:xfrm>
-            <a:off x="3051672" y="2493424"/>
+            <a:off x="3057423" y="2746468"/>
             <a:ext cx="1670515" cy="242254"/>
           </a:xfrm>
           <a:prstGeom prst="bentConnector3">
@@ -8334,7 +8338,7 @@
         </p:nvSpPr>
         <p:spPr>
           <a:xfrm>
-            <a:off x="4579589" y="2381905"/>
+            <a:off x="4585340" y="2634949"/>
             <a:ext cx="4029483" cy="677621"/>
           </a:xfrm>
           <a:prstGeom prst="rect">
@@ -9888,78 +9892,42 @@
                 </a:r>
                 <a:r>
                   <a:rPr lang="de-DE" sz="1600" dirty="0" smtClean="0"/>
-                  <a:t>/tag)</a:t>
-                </a:r>
-                <a:endParaRPr lang="de-DE" sz="1600" dirty="0"/>
+                  <a:t>/tag</a:t>
+                </a:r>
+                <a:r>
+                  <a:rPr lang="de-DE" sz="1600" dirty="0" smtClean="0"/>
+                  <a:t>)</a:t>
+                </a:r>
               </a:p>
               <a:p>
                 <a:pPr marL="690563" lvl="1" indent="-285750">
                   <a:buFont typeface="Wingdings" charset="2"/>
                   <a:buChar char="§"/>
                 </a:pPr>
-                <a14:m>
-                  <m:oMath xmlns:m="http://schemas.openxmlformats.org/officeDocument/2006/math">
-                    <m:r>
-                      <m:rPr>
-                        <m:sty m:val="p"/>
-                      </m:rPr>
-                      <a:rPr lang="de-DE" sz="1600" dirty="0">
-                        <a:latin typeface="Cambria Math" charset="0"/>
-                        <a:ea typeface="Cambria Math" charset="0"/>
-                        <a:cs typeface="Cambria Math" charset="0"/>
-                      </a:rPr>
-                      <m:t>classes</m:t>
-                    </m:r>
-                    <m:r>
-                      <a:rPr lang="de-DE" sz="1600" i="1" dirty="0">
-                        <a:latin typeface="Cambria Math" charset="0"/>
-                        <a:ea typeface="Cambria Math" charset="0"/>
-                        <a:cs typeface="Cambria Math" charset="0"/>
-                      </a:rPr>
-                      <m:t>=</m:t>
-                    </m:r>
-                    <m:r>
-                      <a:rPr lang="de-DE" sz="1600" b="0" i="1" dirty="0" smtClean="0">
-                        <a:latin typeface="Cambria Math" charset="0"/>
-                        <a:ea typeface="Cambria Math" charset="0"/>
-                        <a:cs typeface="Cambria Math" charset="0"/>
-                      </a:rPr>
-                      <m:t>{</m:t>
-                    </m:r>
-                    <m:r>
-                      <a:rPr lang="de-DE" sz="1600" b="0" i="1" dirty="0" smtClean="0">
-                        <a:latin typeface="Cambria Math" charset="0"/>
-                        <a:ea typeface="Cambria Math" charset="0"/>
-                        <a:cs typeface="Cambria Math" charset="0"/>
-                      </a:rPr>
-                      <m:t>𝑡𝑟𝑢𝑒</m:t>
-                    </m:r>
-                    <m:r>
-                      <a:rPr lang="de-DE" sz="1600" b="0" i="1" dirty="0" smtClean="0">
-                        <a:latin typeface="Cambria Math" charset="0"/>
-                        <a:ea typeface="Cambria Math" charset="0"/>
-                        <a:cs typeface="Cambria Math" charset="0"/>
-                      </a:rPr>
-                      <m:t>, </m:t>
-                    </m:r>
-                    <m:r>
-                      <a:rPr lang="de-DE" sz="1600" b="0" i="1" dirty="0" smtClean="0">
-                        <a:latin typeface="Cambria Math" charset="0"/>
-                        <a:ea typeface="Cambria Math" charset="0"/>
-                        <a:cs typeface="Cambria Math" charset="0"/>
-                      </a:rPr>
-                      <m:t>𝑓𝑎𝑙𝑠𝑒</m:t>
-                    </m:r>
-                    <m:r>
-                      <a:rPr lang="de-DE" sz="1600" b="0" i="1" dirty="0" smtClean="0">
-                        <a:latin typeface="Cambria Math" charset="0"/>
-                        <a:ea typeface="Cambria Math" charset="0"/>
-                        <a:cs typeface="Cambria Math" charset="0"/>
-                      </a:rPr>
-                      <m:t>}</m:t>
-                    </m:r>
-                  </m:oMath>
-                </a14:m>
+                <a:r>
+                  <a:rPr lang="de-DE" sz="1600" dirty="0" err="1" smtClean="0"/>
+                  <a:t>classes</a:t>
+                </a:r>
+                <a:r>
+                  <a:rPr lang="de-DE" sz="1600" dirty="0" smtClean="0"/>
+                  <a:t> = {</a:t>
+                </a:r>
+                <a:r>
+                  <a:rPr lang="de-DE" sz="1600" dirty="0" err="1" smtClean="0"/>
+                  <a:t>true</a:t>
+                </a:r>
+                <a:r>
+                  <a:rPr lang="de-DE" sz="1600" dirty="0" smtClean="0"/>
+                  <a:t>, </a:t>
+                </a:r>
+                <a:r>
+                  <a:rPr lang="de-DE" sz="1600" dirty="0" err="1" smtClean="0"/>
+                  <a:t>false</a:t>
+                </a:r>
+                <a:r>
+                  <a:rPr lang="de-DE" sz="1600" dirty="0" smtClean="0"/>
+                  <a:t>}</a:t>
+                </a:r>
                 <a:endParaRPr lang="de-DE" sz="1600" dirty="0"/>
               </a:p>
               <a:p>
@@ -10075,82 +10043,64 @@
                   <a:t> </a:t>
                 </a:r>
                 <a:r>
-                  <a:rPr lang="de-DE" sz="1600" dirty="0" err="1"/>
+                  <a:rPr lang="de-DE" sz="1600" u="sng" dirty="0" err="1"/>
                   <a:t>for</a:t>
                 </a:r>
                 <a:r>
-                  <a:rPr lang="de-DE" sz="1600" dirty="0"/>
+                  <a:rPr lang="de-DE" sz="1600" u="sng" dirty="0"/>
                   <a:t> </a:t>
                 </a:r>
                 <a:r>
-                  <a:rPr lang="de-DE" sz="1600" i="1" dirty="0" smtClean="0"/>
+                  <a:rPr lang="de-DE" sz="1600" u="sng" dirty="0" smtClean="0"/>
                   <a:t>all</a:t>
                 </a:r>
                 <a:r>
                   <a:rPr lang="de-DE" sz="1600" dirty="0" smtClean="0"/>
                   <a:t> </a:t>
                 </a:r>
-                <a14:m>
-                  <m:oMath xmlns:m="http://schemas.openxmlformats.org/officeDocument/2006/math">
-                    <m:r>
-                      <a:rPr lang="de-DE" sz="1600" i="1" dirty="0">
-                        <a:latin typeface="Cambria Math" charset="0"/>
-                        <a:ea typeface="Cambria Math" charset="0"/>
-                        <a:cs typeface="Cambria Math" charset="0"/>
-                      </a:rPr>
-                      <m:t>𝑛</m:t>
-                    </m:r>
-                  </m:oMath>
-                </a14:m>
+                <a:r>
+                  <a:rPr lang="de-DE" sz="1600" i="1" dirty="0" err="1" smtClean="0"/>
+                  <a:t>n</a:t>
+                </a:r>
                 <a:r>
                   <a:rPr lang="de-DE" sz="1600" dirty="0" smtClean="0"/>
                   <a:t> tags</a:t>
                 </a:r>
+                <a:endParaRPr lang="de-DE" sz="1600" dirty="0" smtClean="0"/>
               </a:p>
               <a:p>
                 <a:pPr marL="690563" lvl="1" indent="-285750">
                   <a:buFont typeface="Wingdings" charset="2"/>
                   <a:buChar char="§"/>
                 </a:pPr>
-                <a14:m>
-                  <m:oMath xmlns:m="http://schemas.openxmlformats.org/officeDocument/2006/math">
-                    <m:r>
-                      <a:rPr lang="de-DE" sz="1600" b="0" i="0" dirty="0" smtClean="0">
-                        <a:latin typeface="Cambria Math" charset="0"/>
-                        <a:ea typeface="Cambria Math" charset="0"/>
-                        <a:cs typeface="Cambria Math" charset="0"/>
-                      </a:rPr>
-                      <m:t>#</m:t>
-                    </m:r>
-                    <m:r>
-                      <m:rPr>
-                        <m:sty m:val="p"/>
-                      </m:rPr>
-                      <a:rPr lang="de-DE" sz="1600" b="0" i="0" dirty="0" smtClean="0">
-                        <a:latin typeface="Cambria Math" charset="0"/>
-                        <a:ea typeface="Cambria Math" charset="0"/>
-                        <a:cs typeface="Cambria Math" charset="0"/>
-                      </a:rPr>
-                      <m:t>classes</m:t>
-                    </m:r>
-                    <m:r>
-                      <a:rPr lang="de-DE" sz="1600" b="0" i="1" dirty="0" smtClean="0">
-                        <a:latin typeface="Cambria Math" charset="0"/>
-                        <a:ea typeface="Cambria Math" charset="0"/>
-                        <a:cs typeface="Cambria Math" charset="0"/>
-                      </a:rPr>
-                      <m:t>=</m:t>
-                    </m:r>
-                    <m:r>
-                      <a:rPr lang="de-DE" sz="1600" i="1" dirty="0" smtClean="0">
-                        <a:latin typeface="Cambria Math" charset="0"/>
-                        <a:ea typeface="Cambria Math" charset="0"/>
-                        <a:cs typeface="Cambria Math" charset="0"/>
-                      </a:rPr>
-                      <m:t>𝑛</m:t>
-                    </m:r>
-                  </m:oMath>
-                </a14:m>
+                <a:r>
+                  <a:rPr lang="de-DE" sz="1600" dirty="0" smtClean="0">
+                    <a:ea typeface="Cambria Math" charset="0"/>
+                    <a:cs typeface="Cambria Math" charset="0"/>
+                  </a:rPr>
+                  <a:t>#</a:t>
+                </a:r>
+                <a:r>
+                  <a:rPr lang="de-DE" sz="1600" dirty="0" err="1" smtClean="0">
+                    <a:ea typeface="Cambria Math" charset="0"/>
+                    <a:cs typeface="Cambria Math" charset="0"/>
+                  </a:rPr>
+                  <a:t>classes</a:t>
+                </a:r>
+                <a:r>
+                  <a:rPr lang="de-DE" sz="1600" dirty="0" smtClean="0">
+                    <a:ea typeface="Cambria Math" charset="0"/>
+                    <a:cs typeface="Cambria Math" charset="0"/>
+                  </a:rPr>
+                  <a:t> = </a:t>
+                </a:r>
+                <a:r>
+                  <a:rPr lang="de-DE" sz="1600" dirty="0" err="1" smtClean="0">
+                    <a:ea typeface="Cambria Math" charset="0"/>
+                    <a:cs typeface="Cambria Math" charset="0"/>
+                  </a:rPr>
+                  <a:t>n</a:t>
+                </a:r>
                 <a:endParaRPr lang="de-DE" sz="1600" dirty="0" smtClean="0"/>
               </a:p>
               <a:p>
@@ -13255,7 +13205,7 @@
           <a:graphicData uri="http://schemas.openxmlformats.org/presentationml/2006/ole">
             <mc:AlternateContent xmlns:mc="http://schemas.openxmlformats.org/markup-compatibility/2006">
               <mc:Choice xmlns:v="urn:schemas-microsoft-com:vml" Requires="v">
-                <p:oleObj spid="_x0000_s1228" name="Formel" r:id="rId4" imgW="2806700" imgH="609600" progId="Equation.3">
+                <p:oleObj spid="_x0000_s1260" name="Formel" r:id="rId4" imgW="2806700" imgH="609600" progId="Equation.3">
                   <p:embed/>
                 </p:oleObj>
               </mc:Choice>
@@ -13312,7 +13262,7 @@
           <a:graphicData uri="http://schemas.openxmlformats.org/presentationml/2006/ole">
             <mc:AlternateContent xmlns:mc="http://schemas.openxmlformats.org/markup-compatibility/2006">
               <mc:Choice xmlns:v="urn:schemas-microsoft-com:vml" Requires="v">
-                <p:oleObj spid="_x0000_s1229" name="Formel" r:id="rId6" imgW="2667000" imgH="609600" progId="Equation.3">
+                <p:oleObj spid="_x0000_s1261" name="Formel" r:id="rId6" imgW="2667000" imgH="609600" progId="Equation.3">
                   <p:embed/>
                 </p:oleObj>
               </mc:Choice>

--- a/presentation/interim/Presentation.pptx
+++ b/presentation/interim/Presentation.pptx
@@ -154,7 +154,7 @@
   </p:defaultTextStyle>
   <p:extLst>
     <p:ext uri="{EFAFB233-063F-42B5-8137-9DF3F51BA10A}">
-      <p15:sldGuideLst xmlns:p15="http://schemas.microsoft.com/office/powerpoint/2012/main">
+      <p15:sldGuideLst xmlns:p15="http://schemas.microsoft.com/office/powerpoint/2012/main" xmlns="">
         <p15:guide id="1" orient="horz" pos="3498">
           <p15:clr>
             <a:srgbClr val="A4A3A4"/>
@@ -168,7 +168,7 @@
       </p15:sldGuideLst>
     </p:ext>
     <p:ext uri="{2D200454-40CA-4A62-9FC3-DE9A4176ACB9}">
-      <p15:notesGuideLst xmlns:p15="http://schemas.microsoft.com/office/powerpoint/2012/main">
+      <p15:notesGuideLst xmlns:p15="http://schemas.microsoft.com/office/powerpoint/2012/main" xmlns="">
         <p15:guide id="1" orient="horz" pos="3224">
           <p15:clr>
             <a:srgbClr val="A4A3A4"/>
@@ -235,14 +235,14 @@
           <a:effectLst/>
           <a:extLst>
             <a:ext uri="{909E8E84-426E-40dd-AFC4-6F175D3DCCD1}">
-              <a14:hiddenFill xmlns:a14="http://schemas.microsoft.com/office/drawing/2010/main" xmlns="">
+              <a14:hiddenFill xmlns:a14="http://schemas.microsoft.com/office/drawing/2010/main">
                 <a:solidFill>
                   <a:schemeClr val="accent1"/>
                 </a:solidFill>
               </a14:hiddenFill>
             </a:ext>
             <a:ext uri="{91240B29-F687-4f45-9708-019B960494DF}">
-              <a14:hiddenLine xmlns:a14="http://schemas.microsoft.com/office/drawing/2010/main" xmlns="" w="9525">
+              <a14:hiddenLine xmlns:a14="http://schemas.microsoft.com/office/drawing/2010/main" w="9525">
                 <a:solidFill>
                   <a:schemeClr val="tx1"/>
                 </a:solidFill>
@@ -252,7 +252,7 @@
               </a14:hiddenLine>
             </a:ext>
             <a:ext uri="{AF507438-7753-43e0-B8FC-AC1667EBCBE1}">
-              <a14:hiddenEffects xmlns:a14="http://schemas.microsoft.com/office/drawing/2010/main" xmlns="">
+              <a14:hiddenEffects xmlns:a14="http://schemas.microsoft.com/office/drawing/2010/main">
                 <a:effectLst>
                   <a:outerShdw dist="35921" dir="2700000" algn="ctr" rotWithShape="0">
                     <a:schemeClr val="bg2"/>
@@ -306,14 +306,14 @@
           <a:effectLst/>
           <a:extLst>
             <a:ext uri="{909E8E84-426E-40dd-AFC4-6F175D3DCCD1}">
-              <a14:hiddenFill xmlns:a14="http://schemas.microsoft.com/office/drawing/2010/main" xmlns="">
+              <a14:hiddenFill xmlns:a14="http://schemas.microsoft.com/office/drawing/2010/main">
                 <a:solidFill>
                   <a:schemeClr val="accent1"/>
                 </a:solidFill>
               </a14:hiddenFill>
             </a:ext>
             <a:ext uri="{91240B29-F687-4f45-9708-019B960494DF}">
-              <a14:hiddenLine xmlns:a14="http://schemas.microsoft.com/office/drawing/2010/main" xmlns="" w="9525">
+              <a14:hiddenLine xmlns:a14="http://schemas.microsoft.com/office/drawing/2010/main" w="9525">
                 <a:solidFill>
                   <a:schemeClr val="tx1"/>
                 </a:solidFill>
@@ -323,7 +323,7 @@
               </a14:hiddenLine>
             </a:ext>
             <a:ext uri="{AF507438-7753-43e0-B8FC-AC1667EBCBE1}">
-              <a14:hiddenEffects xmlns:a14="http://schemas.microsoft.com/office/drawing/2010/main" xmlns="">
+              <a14:hiddenEffects xmlns:a14="http://schemas.microsoft.com/office/drawing/2010/main">
                 <a:effectLst>
                   <a:outerShdw dist="35921" dir="2700000" algn="ctr" rotWithShape="0">
                     <a:schemeClr val="bg2"/>
@@ -377,14 +377,14 @@
           <a:effectLst/>
           <a:extLst>
             <a:ext uri="{909E8E84-426E-40dd-AFC4-6F175D3DCCD1}">
-              <a14:hiddenFill xmlns:a14="http://schemas.microsoft.com/office/drawing/2010/main" xmlns="">
+              <a14:hiddenFill xmlns:a14="http://schemas.microsoft.com/office/drawing/2010/main">
                 <a:solidFill>
                   <a:schemeClr val="accent1"/>
                 </a:solidFill>
               </a14:hiddenFill>
             </a:ext>
             <a:ext uri="{91240B29-F687-4f45-9708-019B960494DF}">
-              <a14:hiddenLine xmlns:a14="http://schemas.microsoft.com/office/drawing/2010/main" xmlns="" w="9525">
+              <a14:hiddenLine xmlns:a14="http://schemas.microsoft.com/office/drawing/2010/main" w="9525">
                 <a:solidFill>
                   <a:schemeClr val="tx1"/>
                 </a:solidFill>
@@ -394,7 +394,7 @@
               </a14:hiddenLine>
             </a:ext>
             <a:ext uri="{AF507438-7753-43e0-B8FC-AC1667EBCBE1}">
-              <a14:hiddenEffects xmlns:a14="http://schemas.microsoft.com/office/drawing/2010/main" xmlns="">
+              <a14:hiddenEffects xmlns:a14="http://schemas.microsoft.com/office/drawing/2010/main">
                 <a:effectLst>
                   <a:outerShdw dist="35921" dir="2700000" algn="ctr" rotWithShape="0">
                     <a:schemeClr val="bg2"/>
@@ -448,14 +448,14 @@
           <a:effectLst/>
           <a:extLst>
             <a:ext uri="{909E8E84-426E-40dd-AFC4-6F175D3DCCD1}">
-              <a14:hiddenFill xmlns:a14="http://schemas.microsoft.com/office/drawing/2010/main" xmlns="">
+              <a14:hiddenFill xmlns:a14="http://schemas.microsoft.com/office/drawing/2010/main">
                 <a:solidFill>
                   <a:schemeClr val="accent1"/>
                 </a:solidFill>
               </a14:hiddenFill>
             </a:ext>
             <a:ext uri="{91240B29-F687-4f45-9708-019B960494DF}">
-              <a14:hiddenLine xmlns:a14="http://schemas.microsoft.com/office/drawing/2010/main" xmlns="" w="9525">
+              <a14:hiddenLine xmlns:a14="http://schemas.microsoft.com/office/drawing/2010/main" w="9525">
                 <a:solidFill>
                   <a:schemeClr val="tx1"/>
                 </a:solidFill>
@@ -465,7 +465,7 @@
               </a14:hiddenLine>
             </a:ext>
             <a:ext uri="{AF507438-7753-43e0-B8FC-AC1667EBCBE1}">
-              <a14:hiddenEffects xmlns:a14="http://schemas.microsoft.com/office/drawing/2010/main" xmlns="">
+              <a14:hiddenEffects xmlns:a14="http://schemas.microsoft.com/office/drawing/2010/main">
                 <a:effectLst>
                   <a:outerShdw dist="35921" dir="2700000" algn="ctr" rotWithShape="0">
                     <a:schemeClr val="bg2"/>
@@ -495,7 +495,7 @@
               <a:pPr>
                 <a:defRPr/>
               </a:pPr>
-              <a:t>‹#›</a:t>
+              <a:t>‹Nr.›</a:t>
             </a:fld>
             <a:endParaRPr lang="de-DE" dirty="0"/>
           </a:p>
@@ -562,14 +562,14 @@
           <a:effectLst/>
           <a:extLst>
             <a:ext uri="{909E8E84-426E-40dd-AFC4-6F175D3DCCD1}">
-              <a14:hiddenFill xmlns:a14="http://schemas.microsoft.com/office/drawing/2010/main" xmlns="">
+              <a14:hiddenFill xmlns:a14="http://schemas.microsoft.com/office/drawing/2010/main">
                 <a:solidFill>
                   <a:schemeClr val="accent1"/>
                 </a:solidFill>
               </a14:hiddenFill>
             </a:ext>
             <a:ext uri="{91240B29-F687-4f45-9708-019B960494DF}">
-              <a14:hiddenLine xmlns:a14="http://schemas.microsoft.com/office/drawing/2010/main" xmlns="" w="9525">
+              <a14:hiddenLine xmlns:a14="http://schemas.microsoft.com/office/drawing/2010/main" w="9525">
                 <a:solidFill>
                   <a:schemeClr val="tx1"/>
                 </a:solidFill>
@@ -579,7 +579,7 @@
               </a14:hiddenLine>
             </a:ext>
             <a:ext uri="{AF507438-7753-43e0-B8FC-AC1667EBCBE1}">
-              <a14:hiddenEffects xmlns:a14="http://schemas.microsoft.com/office/drawing/2010/main" xmlns="">
+              <a14:hiddenEffects xmlns:a14="http://schemas.microsoft.com/office/drawing/2010/main">
                 <a:effectLst>
                   <a:outerShdw dist="35921" dir="2700000" algn="ctr" rotWithShape="0">
                     <a:schemeClr val="bg2"/>
@@ -633,14 +633,14 @@
           <a:effectLst/>
           <a:extLst>
             <a:ext uri="{909E8E84-426E-40dd-AFC4-6F175D3DCCD1}">
-              <a14:hiddenFill xmlns:a14="http://schemas.microsoft.com/office/drawing/2010/main" xmlns="">
+              <a14:hiddenFill xmlns:a14="http://schemas.microsoft.com/office/drawing/2010/main">
                 <a:solidFill>
                   <a:schemeClr val="accent1"/>
                 </a:solidFill>
               </a14:hiddenFill>
             </a:ext>
             <a:ext uri="{91240B29-F687-4f45-9708-019B960494DF}">
-              <a14:hiddenLine xmlns:a14="http://schemas.microsoft.com/office/drawing/2010/main" xmlns="" w="9525">
+              <a14:hiddenLine xmlns:a14="http://schemas.microsoft.com/office/drawing/2010/main" w="9525">
                 <a:solidFill>
                   <a:schemeClr val="tx1"/>
                 </a:solidFill>
@@ -650,7 +650,7 @@
               </a14:hiddenLine>
             </a:ext>
             <a:ext uri="{AF507438-7753-43e0-B8FC-AC1667EBCBE1}">
-              <a14:hiddenEffects xmlns:a14="http://schemas.microsoft.com/office/drawing/2010/main" xmlns="">
+              <a14:hiddenEffects xmlns:a14="http://schemas.microsoft.com/office/drawing/2010/main">
                 <a:effectLst>
                   <a:outerShdw dist="35921" dir="2700000" algn="ctr" rotWithShape="0">
                     <a:schemeClr val="bg2"/>
@@ -709,14 +709,14 @@
           <a:effectLst/>
           <a:extLst>
             <a:ext uri="{909E8E84-426E-40dd-AFC4-6F175D3DCCD1}">
-              <a14:hiddenFill xmlns:a14="http://schemas.microsoft.com/office/drawing/2010/main" xmlns="">
+              <a14:hiddenFill xmlns:a14="http://schemas.microsoft.com/office/drawing/2010/main">
                 <a:solidFill>
                   <a:srgbClr val="FFFFFF"/>
                 </a:solidFill>
               </a14:hiddenFill>
             </a:ext>
             <a:ext uri="{AF507438-7753-43e0-B8FC-AC1667EBCBE1}">
-              <a14:hiddenEffects xmlns:a14="http://schemas.microsoft.com/office/drawing/2010/main" xmlns="">
+              <a14:hiddenEffects xmlns:a14="http://schemas.microsoft.com/office/drawing/2010/main">
                 <a:effectLst>
                   <a:outerShdw dist="35921" dir="2700000" algn="ctr" rotWithShape="0">
                     <a:srgbClr val="808080"/>
@@ -725,7 +725,7 @@
               </a14:hiddenEffects>
             </a:ext>
             <a:ext uri="{53640926-AAD7-44d8-BBD7-CCE9431645EC}">
-              <a14:shadowObscured xmlns:a14="http://schemas.microsoft.com/office/drawing/2010/main" xmlns="" val="1"/>
+              <a14:shadowObscured xmlns:a14="http://schemas.microsoft.com/office/drawing/2010/main" val="1"/>
             </a:ext>
           </a:extLst>
         </p:spPr>
@@ -755,14 +755,14 @@
           <a:effectLst/>
           <a:extLst>
             <a:ext uri="{909E8E84-426E-40dd-AFC4-6F175D3DCCD1}">
-              <a14:hiddenFill xmlns:a14="http://schemas.microsoft.com/office/drawing/2010/main" xmlns="">
+              <a14:hiddenFill xmlns:a14="http://schemas.microsoft.com/office/drawing/2010/main">
                 <a:solidFill>
                   <a:schemeClr val="accent1"/>
                 </a:solidFill>
               </a14:hiddenFill>
             </a:ext>
             <a:ext uri="{91240B29-F687-4f45-9708-019B960494DF}">
-              <a14:hiddenLine xmlns:a14="http://schemas.microsoft.com/office/drawing/2010/main" xmlns="" w="9525">
+              <a14:hiddenLine xmlns:a14="http://schemas.microsoft.com/office/drawing/2010/main" w="9525">
                 <a:solidFill>
                   <a:schemeClr val="tx1"/>
                 </a:solidFill>
@@ -772,7 +772,7 @@
               </a14:hiddenLine>
             </a:ext>
             <a:ext uri="{AF507438-7753-43e0-B8FC-AC1667EBCBE1}">
-              <a14:hiddenEffects xmlns:a14="http://schemas.microsoft.com/office/drawing/2010/main" xmlns="">
+              <a14:hiddenEffects xmlns:a14="http://schemas.microsoft.com/office/drawing/2010/main">
                 <a:effectLst>
                   <a:outerShdw dist="35921" dir="2700000" algn="ctr" rotWithShape="0">
                     <a:schemeClr val="bg2"/>
@@ -851,14 +851,14 @@
           <a:effectLst/>
           <a:extLst>
             <a:ext uri="{909E8E84-426E-40dd-AFC4-6F175D3DCCD1}">
-              <a14:hiddenFill xmlns:a14="http://schemas.microsoft.com/office/drawing/2010/main" xmlns="">
+              <a14:hiddenFill xmlns:a14="http://schemas.microsoft.com/office/drawing/2010/main">
                 <a:solidFill>
                   <a:schemeClr val="accent1"/>
                 </a:solidFill>
               </a14:hiddenFill>
             </a:ext>
             <a:ext uri="{91240B29-F687-4f45-9708-019B960494DF}">
-              <a14:hiddenLine xmlns:a14="http://schemas.microsoft.com/office/drawing/2010/main" xmlns="" w="9525">
+              <a14:hiddenLine xmlns:a14="http://schemas.microsoft.com/office/drawing/2010/main" w="9525">
                 <a:solidFill>
                   <a:schemeClr val="tx1"/>
                 </a:solidFill>
@@ -868,7 +868,7 @@
               </a14:hiddenLine>
             </a:ext>
             <a:ext uri="{AF507438-7753-43e0-B8FC-AC1667EBCBE1}">
-              <a14:hiddenEffects xmlns:a14="http://schemas.microsoft.com/office/drawing/2010/main" xmlns="">
+              <a14:hiddenEffects xmlns:a14="http://schemas.microsoft.com/office/drawing/2010/main">
                 <a:effectLst>
                   <a:outerShdw dist="35921" dir="2700000" algn="ctr" rotWithShape="0">
                     <a:schemeClr val="bg2"/>
@@ -922,14 +922,14 @@
           <a:effectLst/>
           <a:extLst>
             <a:ext uri="{909E8E84-426E-40dd-AFC4-6F175D3DCCD1}">
-              <a14:hiddenFill xmlns:a14="http://schemas.microsoft.com/office/drawing/2010/main" xmlns="">
+              <a14:hiddenFill xmlns:a14="http://schemas.microsoft.com/office/drawing/2010/main">
                 <a:solidFill>
                   <a:schemeClr val="accent1"/>
                 </a:solidFill>
               </a14:hiddenFill>
             </a:ext>
             <a:ext uri="{91240B29-F687-4f45-9708-019B960494DF}">
-              <a14:hiddenLine xmlns:a14="http://schemas.microsoft.com/office/drawing/2010/main" xmlns="" w="9525">
+              <a14:hiddenLine xmlns:a14="http://schemas.microsoft.com/office/drawing/2010/main" w="9525">
                 <a:solidFill>
                   <a:schemeClr val="tx1"/>
                 </a:solidFill>
@@ -939,7 +939,7 @@
               </a14:hiddenLine>
             </a:ext>
             <a:ext uri="{AF507438-7753-43e0-B8FC-AC1667EBCBE1}">
-              <a14:hiddenEffects xmlns:a14="http://schemas.microsoft.com/office/drawing/2010/main" xmlns="">
+              <a14:hiddenEffects xmlns:a14="http://schemas.microsoft.com/office/drawing/2010/main">
                 <a:effectLst>
                   <a:outerShdw dist="35921" dir="2700000" algn="ctr" rotWithShape="0">
                     <a:schemeClr val="bg2"/>
@@ -969,7 +969,7 @@
               <a:pPr>
                 <a:defRPr/>
               </a:pPr>
-              <a:t>‹#›</a:t>
+              <a:t>‹Nr.›</a:t>
             </a:fld>
             <a:endParaRPr lang="de-DE" dirty="0"/>
           </a:p>
@@ -1147,14 +1147,14 @@
           </a:ln>
           <a:extLst>
             <a:ext uri="{909E8E84-426E-40dd-AFC4-6F175D3DCCD1}">
-              <a14:hiddenFill xmlns="" xmlns:a14="http://schemas.microsoft.com/office/drawing/2010/main">
+              <a14:hiddenFill xmlns:a14="http://schemas.microsoft.com/office/drawing/2010/main">
                 <a:solidFill>
                   <a:srgbClr val="FFFFFF"/>
                 </a:solidFill>
               </a14:hiddenFill>
             </a:ext>
             <a:ext uri="{91240B29-F687-4f45-9708-019B960494DF}">
-              <a14:hiddenLine xmlns="" xmlns:a14="http://schemas.microsoft.com/office/drawing/2010/main" w="9525">
+              <a14:hiddenLine xmlns:a14="http://schemas.microsoft.com/office/drawing/2010/main" w="9525">
                 <a:solidFill>
                   <a:srgbClr val="000000"/>
                 </a:solidFill>
@@ -1364,14 +1364,14 @@
           </a:ln>
           <a:extLst>
             <a:ext uri="{909E8E84-426E-40dd-AFC4-6F175D3DCCD1}">
-              <a14:hiddenFill xmlns="" xmlns:a14="http://schemas.microsoft.com/office/drawing/2010/main">
+              <a14:hiddenFill xmlns:a14="http://schemas.microsoft.com/office/drawing/2010/main">
                 <a:solidFill>
                   <a:srgbClr val="FFFFFF"/>
                 </a:solidFill>
               </a14:hiddenFill>
             </a:ext>
             <a:ext uri="{91240B29-F687-4f45-9708-019B960494DF}">
-              <a14:hiddenLine xmlns="" xmlns:a14="http://schemas.microsoft.com/office/drawing/2010/main" w="9525">
+              <a14:hiddenLine xmlns:a14="http://schemas.microsoft.com/office/drawing/2010/main" w="9525">
                 <a:solidFill>
                   <a:srgbClr val="000000"/>
                 </a:solidFill>
@@ -1581,14 +1581,14 @@
           </a:ln>
           <a:extLst>
             <a:ext uri="{909E8E84-426E-40dd-AFC4-6F175D3DCCD1}">
-              <a14:hiddenFill xmlns="" xmlns:a14="http://schemas.microsoft.com/office/drawing/2010/main">
+              <a14:hiddenFill xmlns:a14="http://schemas.microsoft.com/office/drawing/2010/main">
                 <a:solidFill>
                   <a:srgbClr val="FFFFFF"/>
                 </a:solidFill>
               </a14:hiddenFill>
             </a:ext>
             <a:ext uri="{91240B29-F687-4f45-9708-019B960494DF}">
-              <a14:hiddenLine xmlns="" xmlns:a14="http://schemas.microsoft.com/office/drawing/2010/main" w="9525">
+              <a14:hiddenLine xmlns:a14="http://schemas.microsoft.com/office/drawing/2010/main" w="9525">
                 <a:solidFill>
                   <a:srgbClr val="000000"/>
                 </a:solidFill>
@@ -1798,14 +1798,14 @@
           </a:ln>
           <a:extLst>
             <a:ext uri="{909E8E84-426E-40dd-AFC4-6F175D3DCCD1}">
-              <a14:hiddenFill xmlns="" xmlns:a14="http://schemas.microsoft.com/office/drawing/2010/main">
+              <a14:hiddenFill xmlns:a14="http://schemas.microsoft.com/office/drawing/2010/main">
                 <a:solidFill>
                   <a:srgbClr val="FFFFFF"/>
                 </a:solidFill>
               </a14:hiddenFill>
             </a:ext>
             <a:ext uri="{91240B29-F687-4f45-9708-019B960494DF}">
-              <a14:hiddenLine xmlns="" xmlns:a14="http://schemas.microsoft.com/office/drawing/2010/main" w="9525">
+              <a14:hiddenLine xmlns:a14="http://schemas.microsoft.com/office/drawing/2010/main" w="9525">
                 <a:solidFill>
                   <a:srgbClr val="000000"/>
                 </a:solidFill>
@@ -2015,14 +2015,14 @@
           </a:ln>
           <a:extLst>
             <a:ext uri="{909E8E84-426E-40dd-AFC4-6F175D3DCCD1}">
-              <a14:hiddenFill xmlns="" xmlns:a14="http://schemas.microsoft.com/office/drawing/2010/main">
+              <a14:hiddenFill xmlns:a14="http://schemas.microsoft.com/office/drawing/2010/main">
                 <a:solidFill>
                   <a:srgbClr val="FFFFFF"/>
                 </a:solidFill>
               </a14:hiddenFill>
             </a:ext>
             <a:ext uri="{91240B29-F687-4f45-9708-019B960494DF}">
-              <a14:hiddenLine xmlns="" xmlns:a14="http://schemas.microsoft.com/office/drawing/2010/main" w="9525">
+              <a14:hiddenLine xmlns:a14="http://schemas.microsoft.com/office/drawing/2010/main" w="9525">
                 <a:solidFill>
                   <a:srgbClr val="000000"/>
                 </a:solidFill>
@@ -2232,14 +2232,14 @@
           </a:ln>
           <a:extLst>
             <a:ext uri="{909E8E84-426E-40dd-AFC4-6F175D3DCCD1}">
-              <a14:hiddenFill xmlns:a14="http://schemas.microsoft.com/office/drawing/2010/main" xmlns="">
+              <a14:hiddenFill xmlns:a14="http://schemas.microsoft.com/office/drawing/2010/main">
                 <a:solidFill>
                   <a:srgbClr val="FFFFFF"/>
                 </a:solidFill>
               </a14:hiddenFill>
             </a:ext>
             <a:ext uri="{91240B29-F687-4f45-9708-019B960494DF}">
-              <a14:hiddenLine xmlns:a14="http://schemas.microsoft.com/office/drawing/2010/main" xmlns="" w="9525">
+              <a14:hiddenLine xmlns:a14="http://schemas.microsoft.com/office/drawing/2010/main" w="9525">
                 <a:solidFill>
                   <a:srgbClr val="000000"/>
                 </a:solidFill>
@@ -2449,14 +2449,14 @@
           </a:ln>
           <a:extLst>
             <a:ext uri="{909E8E84-426E-40dd-AFC4-6F175D3DCCD1}">
-              <a14:hiddenFill xmlns:a14="http://schemas.microsoft.com/office/drawing/2010/main" xmlns="">
+              <a14:hiddenFill xmlns:a14="http://schemas.microsoft.com/office/drawing/2010/main">
                 <a:solidFill>
                   <a:srgbClr val="FFFFFF"/>
                 </a:solidFill>
               </a14:hiddenFill>
             </a:ext>
             <a:ext uri="{91240B29-F687-4f45-9708-019B960494DF}">
-              <a14:hiddenLine xmlns:a14="http://schemas.microsoft.com/office/drawing/2010/main" xmlns="" w="9525">
+              <a14:hiddenLine xmlns:a14="http://schemas.microsoft.com/office/drawing/2010/main" w="9525">
                 <a:solidFill>
                   <a:srgbClr val="000000"/>
                 </a:solidFill>
@@ -2666,14 +2666,14 @@
           </a:ln>
           <a:extLst>
             <a:ext uri="{909E8E84-426E-40dd-AFC4-6F175D3DCCD1}">
-              <a14:hiddenFill xmlns:a14="http://schemas.microsoft.com/office/drawing/2010/main" xmlns="">
+              <a14:hiddenFill xmlns:a14="http://schemas.microsoft.com/office/drawing/2010/main">
                 <a:solidFill>
                   <a:srgbClr val="FFFFFF"/>
                 </a:solidFill>
               </a14:hiddenFill>
             </a:ext>
             <a:ext uri="{91240B29-F687-4f45-9708-019B960494DF}">
-              <a14:hiddenLine xmlns:a14="http://schemas.microsoft.com/office/drawing/2010/main" xmlns="" w="9525">
+              <a14:hiddenLine xmlns:a14="http://schemas.microsoft.com/office/drawing/2010/main" w="9525">
                 <a:solidFill>
                   <a:srgbClr val="000000"/>
                 </a:solidFill>
@@ -2927,12 +2927,12 @@
           <a:effectLst/>
           <a:extLst>
             <a:ext uri="{909E8E84-426E-40dd-AFC4-6F175D3DCCD1}">
-              <a14:hiddenFill xmlns:a14="http://schemas.microsoft.com/office/drawing/2010/main" xmlns="">
+              <a14:hiddenFill xmlns:a14="http://schemas.microsoft.com/office/drawing/2010/main">
                 <a:noFill/>
               </a14:hiddenFill>
             </a:ext>
             <a:ext uri="{AF507438-7753-43e0-B8FC-AC1667EBCBE1}">
-              <a14:hiddenEffects xmlns:a14="http://schemas.microsoft.com/office/drawing/2010/main" xmlns="">
+              <a14:hiddenEffects xmlns:a14="http://schemas.microsoft.com/office/drawing/2010/main">
                 <a:effectLst>
                   <a:outerShdw dist="35921" dir="2700000" algn="ctr" rotWithShape="0">
                     <a:schemeClr val="bg2"/>
@@ -2973,14 +2973,14 @@
           <a:effectLst/>
           <a:extLst>
             <a:ext uri="{909E8E84-426E-40dd-AFC4-6F175D3DCCD1}">
-              <a14:hiddenFill xmlns:a14="http://schemas.microsoft.com/office/drawing/2010/main" xmlns="">
+              <a14:hiddenFill xmlns:a14="http://schemas.microsoft.com/office/drawing/2010/main">
                 <a:solidFill>
                   <a:schemeClr val="accent1"/>
                 </a:solidFill>
               </a14:hiddenFill>
             </a:ext>
             <a:ext uri="{91240B29-F687-4f45-9708-019B960494DF}">
-              <a14:hiddenLine xmlns:a14="http://schemas.microsoft.com/office/drawing/2010/main" xmlns="" w="9525">
+              <a14:hiddenLine xmlns:a14="http://schemas.microsoft.com/office/drawing/2010/main" w="9525">
                 <a:solidFill>
                   <a:schemeClr val="tx1"/>
                 </a:solidFill>
@@ -2990,7 +2990,7 @@
               </a14:hiddenLine>
             </a:ext>
             <a:ext uri="{AF507438-7753-43e0-B8FC-AC1667EBCBE1}">
-              <a14:hiddenEffects xmlns:a14="http://schemas.microsoft.com/office/drawing/2010/main" xmlns="">
+              <a14:hiddenEffects xmlns:a14="http://schemas.microsoft.com/office/drawing/2010/main">
                 <a:effectLst>
                   <a:outerShdw dist="35921" dir="2700000" algn="ctr" rotWithShape="0">
                     <a:schemeClr val="bg2"/>
@@ -3144,14 +3144,14 @@
           <a:effectLst/>
           <a:extLst>
             <a:ext uri="{909E8E84-426E-40dd-AFC4-6F175D3DCCD1}">
-              <a14:hiddenFill xmlns:a14="http://schemas.microsoft.com/office/drawing/2010/main" xmlns="">
+              <a14:hiddenFill xmlns:a14="http://schemas.microsoft.com/office/drawing/2010/main">
                 <a:solidFill>
                   <a:schemeClr val="accent1"/>
                 </a:solidFill>
               </a14:hiddenFill>
             </a:ext>
             <a:ext uri="{91240B29-F687-4f45-9708-019B960494DF}">
-              <a14:hiddenLine xmlns:a14="http://schemas.microsoft.com/office/drawing/2010/main" xmlns="" w="9525">
+              <a14:hiddenLine xmlns:a14="http://schemas.microsoft.com/office/drawing/2010/main" w="9525">
                 <a:solidFill>
                   <a:schemeClr val="tx1"/>
                 </a:solidFill>
@@ -3161,7 +3161,7 @@
               </a14:hiddenLine>
             </a:ext>
             <a:ext uri="{AF507438-7753-43e0-B8FC-AC1667EBCBE1}">
-              <a14:hiddenEffects xmlns:a14="http://schemas.microsoft.com/office/drawing/2010/main" xmlns="">
+              <a14:hiddenEffects xmlns:a14="http://schemas.microsoft.com/office/drawing/2010/main">
                 <a:effectLst>
                   <a:outerShdw dist="35921" dir="2700000" algn="ctr" rotWithShape="0">
                     <a:schemeClr val="bg2"/>
@@ -3321,14 +3321,14 @@
           <a:effectLst/>
           <a:extLst>
             <a:ext uri="{909E8E84-426E-40dd-AFC4-6F175D3DCCD1}">
-              <a14:hiddenFill xmlns:a14="http://schemas.microsoft.com/office/drawing/2010/main" xmlns="">
+              <a14:hiddenFill xmlns:a14="http://schemas.microsoft.com/office/drawing/2010/main">
                 <a:solidFill>
                   <a:schemeClr val="accent1"/>
                 </a:solidFill>
               </a14:hiddenFill>
             </a:ext>
             <a:ext uri="{91240B29-F687-4f45-9708-019B960494DF}">
-              <a14:hiddenLine xmlns:a14="http://schemas.microsoft.com/office/drawing/2010/main" xmlns="" w="9525">
+              <a14:hiddenLine xmlns:a14="http://schemas.microsoft.com/office/drawing/2010/main" w="9525">
                 <a:solidFill>
                   <a:schemeClr val="tx1"/>
                 </a:solidFill>
@@ -3338,7 +3338,7 @@
               </a14:hiddenLine>
             </a:ext>
             <a:ext uri="{AF507438-7753-43e0-B8FC-AC1667EBCBE1}">
-              <a14:hiddenEffects xmlns:a14="http://schemas.microsoft.com/office/drawing/2010/main" xmlns="">
+              <a14:hiddenEffects xmlns:a14="http://schemas.microsoft.com/office/drawing/2010/main">
                 <a:effectLst>
                   <a:outerShdw dist="35921" dir="2700000" algn="ctr" rotWithShape="0">
                     <a:schemeClr val="bg2"/>
@@ -3389,14 +3389,14 @@
           <a:effectLst/>
           <a:extLst>
             <a:ext uri="{909E8E84-426E-40dd-AFC4-6F175D3DCCD1}">
-              <a14:hiddenFill xmlns:a14="http://schemas.microsoft.com/office/drawing/2010/main" xmlns="">
+              <a14:hiddenFill xmlns:a14="http://schemas.microsoft.com/office/drawing/2010/main">
                 <a:solidFill>
                   <a:schemeClr val="accent1"/>
                 </a:solidFill>
               </a14:hiddenFill>
             </a:ext>
             <a:ext uri="{91240B29-F687-4f45-9708-019B960494DF}">
-              <a14:hiddenLine xmlns:a14="http://schemas.microsoft.com/office/drawing/2010/main" xmlns="" w="9525">
+              <a14:hiddenLine xmlns:a14="http://schemas.microsoft.com/office/drawing/2010/main" w="9525">
                 <a:solidFill>
                   <a:schemeClr val="tx1"/>
                 </a:solidFill>
@@ -3406,7 +3406,7 @@
               </a14:hiddenLine>
             </a:ext>
             <a:ext uri="{AF507438-7753-43e0-B8FC-AC1667EBCBE1}">
-              <a14:hiddenEffects xmlns:a14="http://schemas.microsoft.com/office/drawing/2010/main" xmlns="">
+              <a14:hiddenEffects xmlns:a14="http://schemas.microsoft.com/office/drawing/2010/main">
                 <a:effectLst>
                   <a:outerShdw dist="35921" dir="2700000" algn="ctr" rotWithShape="0">
                     <a:schemeClr val="bg2"/>
@@ -3483,14 +3483,14 @@
           <a:effectLst/>
           <a:extLst>
             <a:ext uri="{909E8E84-426E-40dd-AFC4-6F175D3DCCD1}">
-              <a14:hiddenFill xmlns:a14="http://schemas.microsoft.com/office/drawing/2010/main" xmlns="">
+              <a14:hiddenFill xmlns:a14="http://schemas.microsoft.com/office/drawing/2010/main">
                 <a:solidFill>
                   <a:schemeClr val="accent1"/>
                 </a:solidFill>
               </a14:hiddenFill>
             </a:ext>
             <a:ext uri="{91240B29-F687-4f45-9708-019B960494DF}">
-              <a14:hiddenLine xmlns:a14="http://schemas.microsoft.com/office/drawing/2010/main" xmlns="" w="9525">
+              <a14:hiddenLine xmlns:a14="http://schemas.microsoft.com/office/drawing/2010/main" w="9525">
                 <a:solidFill>
                   <a:schemeClr val="tx1"/>
                 </a:solidFill>
@@ -3500,7 +3500,7 @@
               </a14:hiddenLine>
             </a:ext>
             <a:ext uri="{AF507438-7753-43e0-B8FC-AC1667EBCBE1}">
-              <a14:hiddenEffects xmlns:a14="http://schemas.microsoft.com/office/drawing/2010/main" xmlns="">
+              <a14:hiddenEffects xmlns:a14="http://schemas.microsoft.com/office/drawing/2010/main">
                 <a:effectLst>
                   <a:outerShdw dist="35921" dir="2700000" algn="ctr" rotWithShape="0">
                     <a:schemeClr val="bg2"/>
@@ -3631,7 +3631,7 @@
                 </a:spcBef>
                 <a:defRPr/>
               </a:pPr>
-              <a:t>‹#›</a:t>
+              <a:t>‹Nr.›</a:t>
             </a:fld>
             <a:endParaRPr lang="de-DE" sz="1000" b="1" smtClean="0">
               <a:solidFill>
@@ -3671,7 +3671,7 @@
           <a:effectLst/>
           <a:extLst>
             <a:ext uri="{AF507438-7753-43e0-B8FC-AC1667EBCBE1}">
-              <a14:hiddenEffects xmlns:a14="http://schemas.microsoft.com/office/drawing/2010/main" xmlns="">
+              <a14:hiddenEffects xmlns:a14="http://schemas.microsoft.com/office/drawing/2010/main">
                 <a:effectLst>
                   <a:outerShdw dist="35921" dir="2700000" algn="ctr" rotWithShape="0">
                     <a:schemeClr val="bg2"/>
@@ -3719,7 +3719,7 @@
           <a:effectLst/>
           <a:extLst>
             <a:ext uri="{91240B29-F687-4f45-9708-019B960494DF}">
-              <a14:hiddenLine xmlns:a14="http://schemas.microsoft.com/office/drawing/2010/main" xmlns="" w="9525">
+              <a14:hiddenLine xmlns:a14="http://schemas.microsoft.com/office/drawing/2010/main" w="9525">
                 <a:solidFill>
                   <a:schemeClr val="tx1"/>
                 </a:solidFill>
@@ -3729,7 +3729,7 @@
               </a14:hiddenLine>
             </a:ext>
             <a:ext uri="{AF507438-7753-43e0-B8FC-AC1667EBCBE1}">
-              <a14:hiddenEffects xmlns:a14="http://schemas.microsoft.com/office/drawing/2010/main" xmlns="">
+              <a14:hiddenEffects xmlns:a14="http://schemas.microsoft.com/office/drawing/2010/main">
                 <a:effectLst>
                   <a:outerShdw dist="35921" dir="2700000" algn="ctr" rotWithShape="0">
                     <a:schemeClr val="bg2"/>
@@ -3770,14 +3770,14 @@
           <a:effectLst/>
           <a:extLst>
             <a:ext uri="{909E8E84-426E-40dd-AFC4-6F175D3DCCD1}">
-              <a14:hiddenFill xmlns:a14="http://schemas.microsoft.com/office/drawing/2010/main" xmlns="">
+              <a14:hiddenFill xmlns:a14="http://schemas.microsoft.com/office/drawing/2010/main">
                 <a:solidFill>
                   <a:schemeClr val="accent1"/>
                 </a:solidFill>
               </a14:hiddenFill>
             </a:ext>
             <a:ext uri="{91240B29-F687-4f45-9708-019B960494DF}">
-              <a14:hiddenLine xmlns:a14="http://schemas.microsoft.com/office/drawing/2010/main" xmlns="" w="9525">
+              <a14:hiddenLine xmlns:a14="http://schemas.microsoft.com/office/drawing/2010/main" w="9525">
                 <a:solidFill>
                   <a:schemeClr val="tx1"/>
                 </a:solidFill>
@@ -3787,7 +3787,7 @@
               </a14:hiddenLine>
             </a:ext>
             <a:ext uri="{AF507438-7753-43e0-B8FC-AC1667EBCBE1}">
-              <a14:hiddenEffects xmlns:a14="http://schemas.microsoft.com/office/drawing/2010/main" xmlns="">
+              <a14:hiddenEffects xmlns:a14="http://schemas.microsoft.com/office/drawing/2010/main">
                 <a:effectLst>
                   <a:outerShdw dist="35921" dir="2700000" algn="ctr" rotWithShape="0">
                     <a:schemeClr val="bg2"/>
@@ -3951,14 +3951,14 @@
           </a:ln>
           <a:extLst>
             <a:ext uri="{909E8E84-426E-40dd-AFC4-6F175D3DCCD1}">
-              <a14:hiddenFill xmlns:a14="http://schemas.microsoft.com/office/drawing/2010/main" xmlns="">
+              <a14:hiddenFill xmlns:a14="http://schemas.microsoft.com/office/drawing/2010/main">
                 <a:solidFill>
                   <a:srgbClr val="FFFFFF"/>
                 </a:solidFill>
               </a14:hiddenFill>
             </a:ext>
             <a:ext uri="{91240B29-F687-4f45-9708-019B960494DF}">
-              <a14:hiddenLine xmlns:a14="http://schemas.microsoft.com/office/drawing/2010/main" xmlns="" w="9525">
+              <a14:hiddenLine xmlns:a14="http://schemas.microsoft.com/office/drawing/2010/main" w="9525">
                 <a:solidFill>
                   <a:srgbClr val="000000"/>
                 </a:solidFill>
@@ -3979,7 +3979,7 @@
   <p:timing>
     <p:tnLst>
       <p:par>
-        <p:cTn id="1" dur="indefinite" restart="never" nodeType="tmRoot"/>
+        <p:cTn xmlns:p14="http://schemas.microsoft.com/office/powerpoint/2010/main" id="1" dur="indefinite" restart="never" nodeType="tmRoot"/>
       </p:par>
     </p:tnLst>
   </p:timing>
@@ -4510,7 +4510,7 @@
           <p:nvPr>
             <p:extLst>
               <p:ext uri="{D42A27DB-BD31-4B8C-83A1-F6EECF244321}">
-                <p14:modId xmlns:p14="http://schemas.microsoft.com/office/powerpoint/2010/main" val="1169248338"/>
+                <p14:modId xmlns:p14="http://schemas.microsoft.com/office/powerpoint/2010/main" val="3202598732"/>
               </p:ext>
             </p:extLst>
           </p:nvPr>
@@ -4661,7 +4661,7 @@
                       <a:pPr algn="ctr"/>
                       <a:r>
                         <a:rPr lang="de-DE" dirty="0" smtClean="0"/>
-                        <a:t>0.4</a:t>
+                        <a:t>0.298</a:t>
                       </a:r>
                       <a:endParaRPr lang="de-DE" dirty="0"/>
                     </a:p>
@@ -4676,7 +4676,7 @@
                       <a:pPr algn="ctr"/>
                       <a:r>
                         <a:rPr lang="de-DE" dirty="0" smtClean="0"/>
-                        <a:t>0.4</a:t>
+                        <a:t>0.262</a:t>
                       </a:r>
                       <a:endParaRPr lang="de-DE" dirty="0"/>
                     </a:p>
@@ -4748,7 +4748,7 @@
         <p:spPr>
           <a:xfrm>
             <a:off x="812405" y="4675100"/>
-            <a:ext cx="7759581" cy="609398"/>
+            <a:ext cx="7759581" cy="860748"/>
           </a:xfrm>
           <a:prstGeom prst="rect">
             <a:avLst/>
@@ -4812,7 +4812,11 @@
             </a:r>
             <a:r>
               <a:rPr lang="de-DE" sz="1400" dirty="0" smtClean="0"/>
-              <a:t> (</a:t>
+              <a:t> </a:t>
+            </a:r>
+            <a:r>
+              <a:rPr lang="de-DE" sz="1400" dirty="0" smtClean="0"/>
+              <a:t>(</a:t>
             </a:r>
             <a:r>
               <a:rPr lang="de-DE" sz="1400" dirty="0" err="1" smtClean="0"/>
@@ -4865,6 +4869,13 @@
               <a:rPr lang="de-DE" sz="1400" dirty="0" smtClean="0"/>
               <a:t> = #tags  </a:t>
             </a:r>
+          </a:p>
+          <a:p>
+            <a:pPr>
+              <a:lnSpc>
+                <a:spcPct val="120000"/>
+              </a:lnSpc>
+            </a:pPr>
             <a:r>
               <a:rPr lang="de-DE" sz="1400" baseline="30000" dirty="0" smtClean="0"/>
               <a:t>2) </a:t>
@@ -4901,7 +4912,7 @@
             </a:r>
             <a:r>
               <a:rPr lang="de-DE" sz="1400" dirty="0" smtClean="0"/>
-              <a:t>#tag</a:t>
+              <a:t>#tags</a:t>
             </a:r>
             <a:endParaRPr lang="de-DE" sz="1400" dirty="0"/>
           </a:p>
@@ -4930,14 +4941,14 @@
           <a:effectLst/>
           <a:extLst>
             <a:ext uri="{909E8E84-426E-40dd-AFC4-6F175D3DCCD1}">
-              <a14:hiddenFill xmlns:a14="http://schemas.microsoft.com/office/drawing/2010/main" xmlns="">
+              <a14:hiddenFill xmlns:a14="http://schemas.microsoft.com/office/drawing/2010/main">
                 <a:solidFill>
                   <a:schemeClr val="accent1"/>
                 </a:solidFill>
               </a14:hiddenFill>
             </a:ext>
             <a:ext uri="{91240B29-F687-4f45-9708-019B960494DF}">
-              <a14:hiddenLine xmlns:a14="http://schemas.microsoft.com/office/drawing/2010/main" xmlns="" w="9525">
+              <a14:hiddenLine xmlns:a14="http://schemas.microsoft.com/office/drawing/2010/main" w="9525">
                 <a:solidFill>
                   <a:schemeClr val="tx1"/>
                 </a:solidFill>
@@ -4947,7 +4958,7 @@
               </a14:hiddenLine>
             </a:ext>
             <a:ext uri="{AF507438-7753-43e0-B8FC-AC1667EBCBE1}">
-              <a14:hiddenEffects xmlns:a14="http://schemas.microsoft.com/office/drawing/2010/main" xmlns="">
+              <a14:hiddenEffects xmlns:a14="http://schemas.microsoft.com/office/drawing/2010/main">
                 <a:effectLst>
                   <a:outerShdw dist="35921" dir="2700000" algn="ctr" rotWithShape="0">
                     <a:schemeClr val="bg2"/>
@@ -5135,7 +5146,7 @@
   <p:timing>
     <p:tnLst>
       <p:par>
-        <p:cTn id="1" dur="indefinite" restart="never" nodeType="tmRoot"/>
+        <p:cTn xmlns:p14="http://schemas.microsoft.com/office/powerpoint/2010/main" id="1" dur="indefinite" restart="never" nodeType="tmRoot"/>
       </p:par>
     </p:tnLst>
   </p:timing>
@@ -5182,14 +5193,14 @@
           <a:effectLst/>
           <a:extLst>
             <a:ext uri="{909E8E84-426E-40dd-AFC4-6F175D3DCCD1}">
-              <a14:hiddenFill xmlns:a14="http://schemas.microsoft.com/office/drawing/2010/main" xmlns="">
+              <a14:hiddenFill xmlns:a14="http://schemas.microsoft.com/office/drawing/2010/main">
                 <a:solidFill>
                   <a:schemeClr val="accent1"/>
                 </a:solidFill>
               </a14:hiddenFill>
             </a:ext>
             <a:ext uri="{91240B29-F687-4f45-9708-019B960494DF}">
-              <a14:hiddenLine xmlns:a14="http://schemas.microsoft.com/office/drawing/2010/main" xmlns="" w="9525">
+              <a14:hiddenLine xmlns:a14="http://schemas.microsoft.com/office/drawing/2010/main" w="9525">
                 <a:solidFill>
                   <a:schemeClr val="tx1"/>
                 </a:solidFill>
@@ -5199,7 +5210,7 @@
               </a14:hiddenLine>
             </a:ext>
             <a:ext uri="{AF507438-7753-43e0-B8FC-AC1667EBCBE1}">
-              <a14:hiddenEffects xmlns:a14="http://schemas.microsoft.com/office/drawing/2010/main" xmlns="">
+              <a14:hiddenEffects xmlns:a14="http://schemas.microsoft.com/office/drawing/2010/main">
                 <a:effectLst>
                   <a:outerShdw dist="35921" dir="2700000" algn="ctr" rotWithShape="0">
                     <a:schemeClr val="bg2"/>
@@ -5401,34 +5412,14 @@
               <a:buChar char="§"/>
             </a:pPr>
             <a:r>
-              <a:rPr lang="de-DE" sz="1600" dirty="0" err="1" smtClean="0"/>
-              <a:t>Too</a:t>
-            </a:r>
-            <a:r>
               <a:rPr lang="de-DE" sz="1600" dirty="0" smtClean="0"/>
-              <a:t> </a:t>
-            </a:r>
-            <a:r>
-              <a:rPr lang="de-DE" sz="1600" dirty="0" err="1" smtClean="0"/>
-              <a:t>many</a:t>
-            </a:r>
-            <a:r>
-              <a:rPr lang="de-DE" sz="1600" dirty="0" smtClean="0"/>
-              <a:t> different </a:t>
-            </a:r>
-            <a:r>
-              <a:rPr lang="de-DE" sz="1600" dirty="0" err="1" smtClean="0"/>
-              <a:t>words</a:t>
-            </a:r>
-            <a:r>
-              <a:rPr lang="de-DE" sz="1600" dirty="0" smtClean="0"/>
-              <a:t> </a:t>
+              <a:t>H</a:t>
             </a:r>
             <a:r>
               <a:rPr lang="de-DE" sz="1600" dirty="0" smtClean="0">
                 <a:sym typeface="Wingdings"/>
               </a:rPr>
-              <a:t> high </a:t>
+              <a:t>igh </a:t>
             </a:r>
             <a:r>
               <a:rPr lang="de-DE" sz="1600" dirty="0" err="1" smtClean="0">
@@ -5578,269 +5569,7 @@
         </p:nvSpPr>
         <p:spPr>
           <a:xfrm>
-            <a:off x="461963" y="3046205"/>
-            <a:ext cx="8224837" cy="1265988"/>
-          </a:xfrm>
-          <a:prstGeom prst="rect">
-            <a:avLst/>
-          </a:prstGeom>
-          <a:noFill/>
-        </p:spPr>
-        <p:txBody>
-          <a:bodyPr wrap="square" rtlCol="0">
-            <a:spAutoFit/>
-          </a:bodyPr>
-          <a:lstStyle/>
-          <a:p>
-            <a:pPr>
-              <a:lnSpc>
-                <a:spcPct val="120000"/>
-              </a:lnSpc>
-            </a:pPr>
-            <a:r>
-              <a:rPr lang="de-DE" sz="1600" b="1" dirty="0" smtClean="0"/>
-              <a:t>Learning:</a:t>
-            </a:r>
-            <a:endParaRPr lang="de-DE" sz="1600" dirty="0"/>
-          </a:p>
-          <a:p>
-            <a:pPr marL="742950" lvl="1" indent="-285750">
-              <a:lnSpc>
-                <a:spcPct val="120000"/>
-              </a:lnSpc>
-              <a:buFont typeface="Wingdings" charset="2"/>
-              <a:buChar char="§"/>
-            </a:pPr>
-            <a:r>
-              <a:rPr lang="de-DE" sz="1600" dirty="0" err="1" smtClean="0"/>
-              <a:t>Choosing</a:t>
-            </a:r>
-            <a:r>
-              <a:rPr lang="de-DE" sz="1600" dirty="0" smtClean="0"/>
-              <a:t> proper </a:t>
-            </a:r>
-            <a:r>
-              <a:rPr lang="de-DE" sz="1600" dirty="0" err="1" smtClean="0"/>
-              <a:t>number</a:t>
-            </a:r>
-            <a:r>
-              <a:rPr lang="de-DE" sz="1600" dirty="0" smtClean="0"/>
-              <a:t> </a:t>
-            </a:r>
-            <a:r>
-              <a:rPr lang="de-DE" sz="1600" dirty="0" err="1" smtClean="0"/>
-              <a:t>of</a:t>
-            </a:r>
-            <a:r>
-              <a:rPr lang="de-DE" sz="1600" dirty="0" smtClean="0"/>
-              <a:t> </a:t>
-            </a:r>
-            <a:r>
-              <a:rPr lang="de-DE" sz="1600" dirty="0" err="1" smtClean="0"/>
-              <a:t>clusters</a:t>
-            </a:r>
-            <a:r>
-              <a:rPr lang="de-DE" sz="1600" dirty="0" smtClean="0"/>
-              <a:t> (</a:t>
-            </a:r>
-            <a:r>
-              <a:rPr lang="de-DE" sz="1600" i="1" dirty="0" err="1" smtClean="0"/>
-              <a:t>k</a:t>
-            </a:r>
-            <a:r>
-              <a:rPr lang="de-DE" sz="1600" dirty="0" smtClean="0"/>
-              <a:t>) </a:t>
-            </a:r>
-            <a:r>
-              <a:rPr lang="de-DE" sz="1600" dirty="0" smtClean="0">
-                <a:sym typeface="Wingdings"/>
-              </a:rPr>
-              <a:t> </a:t>
-            </a:r>
-            <a:r>
-              <a:rPr lang="de-DE" sz="1600" dirty="0" err="1" smtClean="0">
-                <a:sym typeface="Wingdings"/>
-              </a:rPr>
-              <a:t>analyse</a:t>
-            </a:r>
-            <a:r>
-              <a:rPr lang="de-DE" sz="1600" dirty="0" smtClean="0">
-                <a:sym typeface="Wingdings"/>
-              </a:rPr>
-              <a:t> </a:t>
-            </a:r>
-            <a:r>
-              <a:rPr lang="de-DE" sz="1600" dirty="0" err="1" smtClean="0">
-                <a:sym typeface="Wingdings"/>
-              </a:rPr>
-              <a:t>dendrogram</a:t>
-            </a:r>
-            <a:r>
-              <a:rPr lang="de-DE" sz="1600" dirty="0" smtClean="0">
-                <a:sym typeface="Wingdings"/>
-              </a:rPr>
-              <a:t> </a:t>
-            </a:r>
-            <a:r>
-              <a:rPr lang="de-DE" sz="1600" dirty="0" err="1" smtClean="0">
-                <a:sym typeface="Wingdings"/>
-              </a:rPr>
-              <a:t>from</a:t>
-            </a:r>
-            <a:r>
-              <a:rPr lang="de-DE" sz="1600" dirty="0" smtClean="0">
-                <a:sym typeface="Wingdings"/>
-              </a:rPr>
-              <a:t> HAC</a:t>
-            </a:r>
-            <a:endParaRPr lang="de-DE" sz="1600" dirty="0" smtClean="0"/>
-          </a:p>
-          <a:p>
-            <a:pPr marL="742950" lvl="1" indent="-285750">
-              <a:lnSpc>
-                <a:spcPct val="120000"/>
-              </a:lnSpc>
-              <a:buFont typeface="Wingdings" charset="2"/>
-              <a:buChar char="§"/>
-            </a:pPr>
-            <a:r>
-              <a:rPr lang="de-DE" sz="1600" dirty="0" err="1" smtClean="0"/>
-              <a:t>Finding</a:t>
-            </a:r>
-            <a:r>
-              <a:rPr lang="de-DE" sz="1600" dirty="0" smtClean="0"/>
-              <a:t> </a:t>
-            </a:r>
-            <a:r>
-              <a:rPr lang="de-DE" sz="1600" dirty="0" err="1" smtClean="0"/>
-              <a:t>best</a:t>
-            </a:r>
-            <a:r>
-              <a:rPr lang="de-DE" sz="1600" dirty="0" smtClean="0"/>
-              <a:t> </a:t>
-            </a:r>
-            <a:r>
-              <a:rPr lang="de-DE" sz="1600" dirty="0" err="1" smtClean="0"/>
-              <a:t>fitting</a:t>
-            </a:r>
-            <a:r>
-              <a:rPr lang="de-DE" sz="1600" dirty="0" smtClean="0"/>
-              <a:t> </a:t>
-            </a:r>
-            <a:r>
-              <a:rPr lang="de-DE" sz="1600" dirty="0" err="1" smtClean="0"/>
-              <a:t>model</a:t>
-            </a:r>
-            <a:r>
-              <a:rPr lang="de-DE" sz="1600" dirty="0" smtClean="0"/>
-              <a:t> </a:t>
-            </a:r>
-            <a:r>
-              <a:rPr lang="de-DE" sz="1600" dirty="0" err="1" smtClean="0"/>
-              <a:t>and</a:t>
-            </a:r>
-            <a:r>
-              <a:rPr lang="de-DE" sz="1600" dirty="0" smtClean="0"/>
-              <a:t> </a:t>
-            </a:r>
-            <a:r>
-              <a:rPr lang="de-DE" sz="1600" dirty="0" err="1" smtClean="0"/>
-              <a:t>parameters</a:t>
-            </a:r>
-            <a:r>
-              <a:rPr lang="de-DE" sz="1600" dirty="0" smtClean="0"/>
-              <a:t> (</a:t>
-            </a:r>
-            <a:r>
-              <a:rPr lang="de-DE" sz="1600" dirty="0" err="1" smtClean="0"/>
-              <a:t>exploration</a:t>
-            </a:r>
-            <a:r>
-              <a:rPr lang="de-DE" sz="1600" dirty="0" smtClean="0"/>
-              <a:t> </a:t>
-            </a:r>
-            <a:r>
-              <a:rPr lang="de-DE" sz="1600" dirty="0" err="1" smtClean="0"/>
-              <a:t>and</a:t>
-            </a:r>
-            <a:r>
-              <a:rPr lang="de-DE" sz="1600" dirty="0" smtClean="0"/>
-              <a:t> </a:t>
-            </a:r>
-            <a:r>
-              <a:rPr lang="de-DE" sz="1600" dirty="0" err="1" smtClean="0"/>
-              <a:t>evaluation</a:t>
-            </a:r>
-            <a:r>
-              <a:rPr lang="de-DE" sz="1600" dirty="0" smtClean="0"/>
-              <a:t>)</a:t>
-            </a:r>
-          </a:p>
-          <a:p>
-            <a:pPr marL="742950" lvl="1" indent="-285750">
-              <a:lnSpc>
-                <a:spcPct val="120000"/>
-              </a:lnSpc>
-              <a:buFont typeface="Wingdings" charset="2"/>
-              <a:buChar char="§"/>
-            </a:pPr>
-            <a:r>
-              <a:rPr lang="de-DE" sz="1600" dirty="0" err="1" smtClean="0"/>
-              <a:t>Finding</a:t>
-            </a:r>
-            <a:r>
-              <a:rPr lang="de-DE" sz="1600" dirty="0" smtClean="0"/>
-              <a:t> </a:t>
-            </a:r>
-            <a:r>
-              <a:rPr lang="de-DE" sz="1600" dirty="0" err="1" smtClean="0"/>
-              <a:t>best</a:t>
-            </a:r>
-            <a:r>
-              <a:rPr lang="de-DE" sz="1600" dirty="0" smtClean="0"/>
-              <a:t> </a:t>
-            </a:r>
-            <a:r>
-              <a:rPr lang="de-DE" sz="1600" dirty="0" err="1" smtClean="0"/>
-              <a:t>number</a:t>
-            </a:r>
-            <a:r>
-              <a:rPr lang="de-DE" sz="1600" dirty="0" smtClean="0"/>
-              <a:t> </a:t>
-            </a:r>
-            <a:r>
-              <a:rPr lang="de-DE" sz="1600" dirty="0" err="1" smtClean="0"/>
-              <a:t>of</a:t>
-            </a:r>
-            <a:r>
-              <a:rPr lang="de-DE" sz="1600" dirty="0" smtClean="0"/>
-              <a:t> tags </a:t>
-            </a:r>
-            <a:r>
-              <a:rPr lang="de-DE" sz="1600" dirty="0" err="1" smtClean="0"/>
-              <a:t>to</a:t>
-            </a:r>
-            <a:r>
-              <a:rPr lang="de-DE" sz="1600" dirty="0" smtClean="0"/>
-              <a:t> </a:t>
-            </a:r>
-            <a:r>
-              <a:rPr lang="de-DE" sz="1600" dirty="0" err="1" smtClean="0"/>
-              <a:t>predict</a:t>
-            </a:r>
-            <a:endParaRPr lang="de-DE" sz="1600" dirty="0"/>
-          </a:p>
-        </p:txBody>
-      </p:sp>
-      <p:sp>
-        <p:nvSpPr>
-          <p:cNvPr id="7" name="Textfeld 6"/>
-          <p:cNvSpPr txBox="1"/>
-          <p:nvPr/>
-        </p:nvSpPr>
-        <p:spPr>
-          <a:xfrm>
-            <a:off x="461963" y="4602613"/>
+            <a:off x="461963" y="3071605"/>
             <a:ext cx="8224837" cy="970522"/>
           </a:xfrm>
           <a:prstGeom prst="rect">
@@ -5860,16 +5589,197 @@
               </a:lnSpc>
             </a:pPr>
             <a:r>
+              <a:rPr lang="de-DE" sz="1600" b="1" dirty="0" smtClean="0"/>
+              <a:t>Learning:</a:t>
+            </a:r>
+            <a:endParaRPr lang="de-DE" sz="1600" dirty="0"/>
+          </a:p>
+          <a:p>
+            <a:pPr marL="742950" lvl="1" indent="-285750">
+              <a:lnSpc>
+                <a:spcPct val="120000"/>
+              </a:lnSpc>
+              <a:buFont typeface="Wingdings" charset="2"/>
+              <a:buChar char="§"/>
+            </a:pPr>
+            <a:r>
+              <a:rPr lang="de-DE" sz="1600" dirty="0" err="1" smtClean="0"/>
+              <a:t>Choosing</a:t>
+            </a:r>
+            <a:r>
+              <a:rPr lang="de-DE" sz="1600" dirty="0" smtClean="0"/>
+              <a:t> proper </a:t>
+            </a:r>
+            <a:r>
+              <a:rPr lang="de-DE" sz="1600" dirty="0" err="1" smtClean="0"/>
+              <a:t>number</a:t>
+            </a:r>
+            <a:r>
+              <a:rPr lang="de-DE" sz="1600" dirty="0" smtClean="0"/>
+              <a:t> </a:t>
+            </a:r>
+            <a:r>
+              <a:rPr lang="de-DE" sz="1600" dirty="0" err="1" smtClean="0"/>
+              <a:t>of</a:t>
+            </a:r>
+            <a:r>
+              <a:rPr lang="de-DE" sz="1600" dirty="0" smtClean="0"/>
+              <a:t> </a:t>
+            </a:r>
+            <a:r>
+              <a:rPr lang="de-DE" sz="1600" dirty="0" err="1" smtClean="0"/>
+              <a:t>clusters</a:t>
+            </a:r>
+            <a:r>
+              <a:rPr lang="de-DE" sz="1600" dirty="0" smtClean="0"/>
+              <a:t> (</a:t>
+            </a:r>
+            <a:r>
+              <a:rPr lang="de-DE" sz="1600" i="1" dirty="0" err="1" smtClean="0"/>
+              <a:t>k</a:t>
+            </a:r>
+            <a:r>
+              <a:rPr lang="de-DE" sz="1600" dirty="0" smtClean="0"/>
+              <a:t>) </a:t>
+            </a:r>
+            <a:r>
+              <a:rPr lang="de-DE" sz="1600" dirty="0" smtClean="0">
+                <a:sym typeface="Wingdings"/>
+              </a:rPr>
+              <a:t> </a:t>
+            </a:r>
+            <a:r>
+              <a:rPr lang="de-DE" sz="1600" dirty="0" err="1" smtClean="0">
+                <a:sym typeface="Wingdings"/>
+              </a:rPr>
+              <a:t>dendrogram</a:t>
+            </a:r>
+            <a:r>
+              <a:rPr lang="de-DE" sz="1600" dirty="0" smtClean="0">
+                <a:sym typeface="Wingdings"/>
+              </a:rPr>
+              <a:t> </a:t>
+            </a:r>
+            <a:r>
+              <a:rPr lang="de-DE" sz="1600" dirty="0" err="1" smtClean="0">
+                <a:sym typeface="Wingdings"/>
+              </a:rPr>
+              <a:t>from</a:t>
+            </a:r>
+            <a:r>
+              <a:rPr lang="de-DE" sz="1600" dirty="0" smtClean="0">
+                <a:sym typeface="Wingdings"/>
+              </a:rPr>
+              <a:t> HAC</a:t>
+            </a:r>
+            <a:endParaRPr lang="de-DE" sz="1600" dirty="0" smtClean="0"/>
+          </a:p>
+          <a:p>
+            <a:pPr marL="742950" lvl="1" indent="-285750">
+              <a:lnSpc>
+                <a:spcPct val="120000"/>
+              </a:lnSpc>
+              <a:buFont typeface="Wingdings" charset="2"/>
+              <a:buChar char="§"/>
+            </a:pPr>
+            <a:r>
+              <a:rPr lang="de-DE" sz="1600" dirty="0" err="1" smtClean="0"/>
+              <a:t>Finding</a:t>
+            </a:r>
+            <a:r>
+              <a:rPr lang="de-DE" sz="1600" dirty="0" smtClean="0"/>
+              <a:t> </a:t>
+            </a:r>
+            <a:r>
+              <a:rPr lang="de-DE" sz="1600" dirty="0" err="1" smtClean="0"/>
+              <a:t>best</a:t>
+            </a:r>
+            <a:r>
+              <a:rPr lang="de-DE" sz="1600" dirty="0" smtClean="0"/>
+              <a:t> </a:t>
+            </a:r>
+            <a:r>
+              <a:rPr lang="de-DE" sz="1600" dirty="0" err="1" smtClean="0"/>
+              <a:t>fitting</a:t>
+            </a:r>
+            <a:r>
+              <a:rPr lang="de-DE" sz="1600" dirty="0" smtClean="0"/>
+              <a:t> </a:t>
+            </a:r>
+            <a:r>
+              <a:rPr lang="de-DE" sz="1600" dirty="0" err="1" smtClean="0"/>
+              <a:t>model</a:t>
+            </a:r>
+            <a:r>
+              <a:rPr lang="de-DE" sz="1600" dirty="0" smtClean="0"/>
+              <a:t> </a:t>
+            </a:r>
+            <a:r>
+              <a:rPr lang="de-DE" sz="1600" dirty="0" err="1" smtClean="0"/>
+              <a:t>and</a:t>
+            </a:r>
+            <a:r>
+              <a:rPr lang="de-DE" sz="1600" dirty="0" smtClean="0"/>
+              <a:t> </a:t>
+            </a:r>
+            <a:r>
+              <a:rPr lang="de-DE" sz="1600" dirty="0" smtClean="0"/>
+              <a:t>#</a:t>
+            </a:r>
+            <a:r>
+              <a:rPr lang="de-DE" sz="1600" dirty="0" smtClean="0"/>
+              <a:t>tags </a:t>
+            </a:r>
+            <a:r>
+              <a:rPr lang="de-DE" sz="1600" dirty="0" err="1" smtClean="0"/>
+              <a:t>to</a:t>
+            </a:r>
+            <a:r>
+              <a:rPr lang="de-DE" sz="1600" dirty="0" smtClean="0"/>
+              <a:t> </a:t>
+            </a:r>
+            <a:r>
+              <a:rPr lang="de-DE" sz="1600" dirty="0" err="1" smtClean="0"/>
+              <a:t>predict</a:t>
+            </a:r>
+            <a:endParaRPr lang="de-DE" sz="1600" dirty="0"/>
+          </a:p>
+        </p:txBody>
+      </p:sp>
+      <p:sp>
+        <p:nvSpPr>
+          <p:cNvPr id="7" name="Textfeld 6"/>
+          <p:cNvSpPr txBox="1"/>
+          <p:nvPr/>
+        </p:nvSpPr>
+        <p:spPr>
+          <a:xfrm>
+            <a:off x="461963" y="4374013"/>
+            <a:ext cx="8224837" cy="970522"/>
+          </a:xfrm>
+          <a:prstGeom prst="rect">
+            <a:avLst/>
+          </a:prstGeom>
+          <a:noFill/>
+        </p:spPr>
+        <p:txBody>
+          <a:bodyPr wrap="square" rtlCol="0">
+            <a:spAutoFit/>
+          </a:bodyPr>
+          <a:lstStyle/>
+          <a:p>
+            <a:pPr>
+              <a:lnSpc>
+                <a:spcPct val="120000"/>
+              </a:lnSpc>
+            </a:pPr>
+            <a:r>
               <a:rPr lang="de-DE" sz="1600" b="1" dirty="0" err="1" smtClean="0"/>
               <a:t>Runtime</a:t>
             </a:r>
             <a:r>
               <a:rPr lang="de-DE" sz="1600" b="1" dirty="0" smtClean="0"/>
-              <a:t> </a:t>
-            </a:r>
-            <a:r>
-              <a:rPr lang="de-DE" sz="1600" b="1" dirty="0" smtClean="0"/>
-              <a:t>&amp; </a:t>
+              <a:t> &amp; </a:t>
             </a:r>
             <a:r>
               <a:rPr lang="de-DE" sz="1600" b="1" dirty="0" err="1" smtClean="0"/>
@@ -5992,7 +5902,7 @@
   <p:timing>
     <p:tnLst>
       <p:par>
-        <p:cTn id="1" dur="indefinite" restart="never" nodeType="tmRoot"/>
+        <p:cTn xmlns:p14="http://schemas.microsoft.com/office/powerpoint/2010/main" id="1" dur="indefinite" restart="never" nodeType="tmRoot"/>
       </p:par>
     </p:tnLst>
   </p:timing>
@@ -6039,14 +5949,14 @@
           <a:effectLst/>
           <a:extLst>
             <a:ext uri="{909E8E84-426E-40dd-AFC4-6F175D3DCCD1}">
-              <a14:hiddenFill xmlns:a14="http://schemas.microsoft.com/office/drawing/2010/main" xmlns="">
+              <a14:hiddenFill xmlns:a14="http://schemas.microsoft.com/office/drawing/2010/main">
                 <a:solidFill>
                   <a:schemeClr val="accent1"/>
                 </a:solidFill>
               </a14:hiddenFill>
             </a:ext>
             <a:ext uri="{91240B29-F687-4f45-9708-019B960494DF}">
-              <a14:hiddenLine xmlns:a14="http://schemas.microsoft.com/office/drawing/2010/main" xmlns="" w="9525">
+              <a14:hiddenLine xmlns:a14="http://schemas.microsoft.com/office/drawing/2010/main" w="9525">
                 <a:solidFill>
                   <a:schemeClr val="tx1"/>
                 </a:solidFill>
@@ -6056,7 +5966,7 @@
               </a14:hiddenLine>
             </a:ext>
             <a:ext uri="{AF507438-7753-43e0-B8FC-AC1667EBCBE1}">
-              <a14:hiddenEffects xmlns:a14="http://schemas.microsoft.com/office/drawing/2010/main" xmlns="">
+              <a14:hiddenEffects xmlns:a14="http://schemas.microsoft.com/office/drawing/2010/main">
                 <a:effectLst>
                   <a:outerShdw dist="35921" dir="2700000" algn="ctr" rotWithShape="0">
                     <a:schemeClr val="bg2"/>
@@ -6232,8 +6142,8 @@
         </p:nvSpPr>
         <p:spPr>
           <a:xfrm>
-            <a:off x="461963" y="1719114"/>
-            <a:ext cx="8544014" cy="4154984"/>
+            <a:off x="461963" y="1757214"/>
+            <a:ext cx="8544014" cy="3395802"/>
           </a:xfrm>
           <a:prstGeom prst="rect">
             <a:avLst/>
@@ -6266,7 +6176,7 @@
             </a:pPr>
             <a:r>
               <a:rPr lang="en-US" sz="1600" dirty="0" smtClean="0"/>
-              <a:t>Precision and recall not ideal but predicted tags are reasonable for humans</a:t>
+              <a:t>F1 not ideal but tags are reasonable</a:t>
             </a:r>
           </a:p>
           <a:p>
@@ -6292,20 +6202,11 @@
             </a:pPr>
             <a:r>
               <a:rPr lang="en-US" sz="1600" dirty="0" smtClean="0"/>
-              <a:t>Recall increases by the number of suggested tags</a:t>
-            </a:r>
-          </a:p>
-          <a:p>
-            <a:pPr marL="285750" indent="-285750">
-              <a:lnSpc>
-                <a:spcPct val="150000"/>
-              </a:lnSpc>
-              <a:buFont typeface="Wingdings" charset="2"/>
-              <a:buChar char="§"/>
-            </a:pPr>
+              <a:t>Recall </a:t>
+            </a:r>
             <a:r>
               <a:rPr lang="en-US" sz="1600" dirty="0" smtClean="0"/>
-              <a:t>Classification works better than clustering (but good to get overview)</a:t>
+              <a:t>increases by the number of suggested tags</a:t>
             </a:r>
           </a:p>
           <a:p>
@@ -6339,7 +6240,11 @@
             </a:pPr>
             <a:r>
               <a:rPr lang="en-US" sz="1600" dirty="0" smtClean="0"/>
-              <a:t>Improve preprocessing (POS, weighting)</a:t>
+              <a:t>Improve </a:t>
+            </a:r>
+            <a:r>
+              <a:rPr lang="en-US" sz="1600" dirty="0" smtClean="0"/>
+              <a:t>preprocessing</a:t>
             </a:r>
           </a:p>
           <a:p>
@@ -6352,7 +6257,11 @@
             </a:pPr>
             <a:r>
               <a:rPr lang="en-US" sz="1600" dirty="0" smtClean="0"/>
-              <a:t>Use different (more independent) features for Na</a:t>
+              <a:t>Use </a:t>
+            </a:r>
+            <a:r>
+              <a:rPr lang="en-US" sz="1600" dirty="0" smtClean="0"/>
+              <a:t>different (more independent) features for Na</a:t>
             </a:r>
             <a:r>
               <a:rPr lang="de-DE" sz="1600" dirty="0" err="1" smtClean="0"/>
@@ -6364,15 +6273,12 @@
             </a:r>
             <a:r>
               <a:rPr lang="en-US" sz="1600" dirty="0" smtClean="0"/>
-              <a:t> Bayes </a:t>
-            </a:r>
-            <a:r>
-              <a:rPr lang="en-US" sz="1600" dirty="0" smtClean="0">
-                <a:sym typeface="Wingdings"/>
-              </a:rPr>
-              <a:t> better results expected</a:t>
-            </a:r>
-            <a:endParaRPr lang="en-US" sz="1600" dirty="0" smtClean="0"/>
+              <a:t> </a:t>
+            </a:r>
+            <a:r>
+              <a:rPr lang="en-US" sz="1600" dirty="0" smtClean="0"/>
+              <a:t>Bayes</a:t>
+            </a:r>
           </a:p>
           <a:p>
             <a:pPr marL="285750" indent="-285750">
@@ -6384,18 +6290,8 @@
             </a:pPr>
             <a:r>
               <a:rPr lang="en-US" sz="1600" dirty="0" smtClean="0"/>
-              <a:t>Evaluation of different parameters and models</a:t>
-            </a:r>
-            <a:endParaRPr lang="en-US" sz="1600" dirty="0"/>
-          </a:p>
-          <a:p>
-            <a:pPr marL="285750" indent="-285750">
-              <a:lnSpc>
-                <a:spcPct val="150000"/>
-              </a:lnSpc>
-              <a:buFont typeface="Wingdings" charset="2"/>
-              <a:buChar char="§"/>
-            </a:pPr>
+              <a:t>Evaluation</a:t>
+            </a:r>
             <a:endParaRPr lang="en-US" sz="1600" dirty="0" smtClean="0"/>
           </a:p>
         </p:txBody>
@@ -6413,7 +6309,7 @@
   <p:timing>
     <p:tnLst>
       <p:par>
-        <p:cTn id="1" dur="indefinite" restart="never" nodeType="tmRoot"/>
+        <p:cTn xmlns:p14="http://schemas.microsoft.com/office/powerpoint/2010/main" id="1" dur="indefinite" restart="never" nodeType="tmRoot"/>
       </p:par>
     </p:tnLst>
   </p:timing>
@@ -6460,14 +6356,14 @@
           <a:effectLst/>
           <a:extLst>
             <a:ext uri="{909E8E84-426E-40dd-AFC4-6F175D3DCCD1}">
-              <a14:hiddenFill xmlns:a14="http://schemas.microsoft.com/office/drawing/2010/main" xmlns="">
+              <a14:hiddenFill xmlns:a14="http://schemas.microsoft.com/office/drawing/2010/main">
                 <a:solidFill>
                   <a:schemeClr val="accent1"/>
                 </a:solidFill>
               </a14:hiddenFill>
             </a:ext>
             <a:ext uri="{91240B29-F687-4f45-9708-019B960494DF}">
-              <a14:hiddenLine xmlns:a14="http://schemas.microsoft.com/office/drawing/2010/main" xmlns="" w="9525">
+              <a14:hiddenLine xmlns:a14="http://schemas.microsoft.com/office/drawing/2010/main" w="9525">
                 <a:solidFill>
                   <a:schemeClr val="tx1"/>
                 </a:solidFill>
@@ -6477,7 +6373,7 @@
               </a14:hiddenLine>
             </a:ext>
             <a:ext uri="{AF507438-7753-43e0-B8FC-AC1667EBCBE1}">
-              <a14:hiddenEffects xmlns:a14="http://schemas.microsoft.com/office/drawing/2010/main" xmlns="">
+              <a14:hiddenEffects xmlns:a14="http://schemas.microsoft.com/office/drawing/2010/main">
                 <a:effectLst>
                   <a:outerShdw dist="35921" dir="2700000" algn="ctr" rotWithShape="0">
                     <a:schemeClr val="bg2"/>
@@ -7614,7 +7510,7 @@
   <p:timing>
     <p:tnLst>
       <p:par>
-        <p:cTn id="1" dur="indefinite" restart="never" nodeType="tmRoot"/>
+        <p:cTn xmlns:p14="http://schemas.microsoft.com/office/powerpoint/2010/main" id="1" dur="indefinite" restart="never" nodeType="tmRoot"/>
       </p:par>
     </p:tnLst>
   </p:timing>
@@ -7974,14 +7870,14 @@
           <a:effectLst/>
           <a:extLst>
             <a:ext uri="{909E8E84-426E-40dd-AFC4-6F175D3DCCD1}">
-              <a14:hiddenFill xmlns="" xmlns:a14="http://schemas.microsoft.com/office/drawing/2010/main">
+              <a14:hiddenFill xmlns:a14="http://schemas.microsoft.com/office/drawing/2010/main">
                 <a:solidFill>
                   <a:schemeClr val="accent1"/>
                 </a:solidFill>
               </a14:hiddenFill>
             </a:ext>
             <a:ext uri="{91240B29-F687-4f45-9708-019B960494DF}">
-              <a14:hiddenLine xmlns="" xmlns:a14="http://schemas.microsoft.com/office/drawing/2010/main" w="9525">
+              <a14:hiddenLine xmlns:a14="http://schemas.microsoft.com/office/drawing/2010/main" w="9525">
                 <a:solidFill>
                   <a:schemeClr val="tx1"/>
                 </a:solidFill>
@@ -7991,7 +7887,7 @@
               </a14:hiddenLine>
             </a:ext>
             <a:ext uri="{AF507438-7753-43e0-B8FC-AC1667EBCBE1}">
-              <a14:hiddenEffects xmlns="" xmlns:a14="http://schemas.microsoft.com/office/drawing/2010/main">
+              <a14:hiddenEffects xmlns:a14="http://schemas.microsoft.com/office/drawing/2010/main">
                 <a:effectLst>
                   <a:outerShdw dist="35921" dir="2700000" algn="ctr" rotWithShape="0">
                     <a:schemeClr val="bg2"/>
@@ -8145,11 +8041,7 @@
             </a:r>
             <a:r>
               <a:rPr lang="de-DE" sz="1500" b="1" kern="0" dirty="0" smtClean="0"/>
-              <a:t> </a:t>
-            </a:r>
-            <a:r>
-              <a:rPr lang="de-DE" sz="1500" b="1" kern="0" dirty="0" smtClean="0"/>
-              <a:t>Approach</a:t>
+              <a:t> Approach</a:t>
             </a:r>
           </a:p>
           <a:p>
@@ -8464,7 +8356,7 @@
   <p:timing>
     <p:tnLst>
       <p:par>
-        <p:cTn id="1" dur="indefinite" restart="never" nodeType="tmRoot"/>
+        <p:cTn xmlns:p14="http://schemas.microsoft.com/office/powerpoint/2010/main" id="1" dur="indefinite" restart="never" nodeType="tmRoot"/>
       </p:par>
     </p:tnLst>
   </p:timing>
@@ -8511,14 +8403,14 @@
           <a:effectLst/>
           <a:extLst>
             <a:ext uri="{909E8E84-426E-40dd-AFC4-6F175D3DCCD1}">
-              <a14:hiddenFill xmlns="" xmlns:a14="http://schemas.microsoft.com/office/drawing/2010/main">
+              <a14:hiddenFill xmlns:a14="http://schemas.microsoft.com/office/drawing/2010/main">
                 <a:solidFill>
                   <a:schemeClr val="accent1"/>
                 </a:solidFill>
               </a14:hiddenFill>
             </a:ext>
             <a:ext uri="{91240B29-F687-4f45-9708-019B960494DF}">
-              <a14:hiddenLine xmlns="" xmlns:a14="http://schemas.microsoft.com/office/drawing/2010/main" w="9525">
+              <a14:hiddenLine xmlns:a14="http://schemas.microsoft.com/office/drawing/2010/main" w="9525">
                 <a:solidFill>
                   <a:schemeClr val="tx1"/>
                 </a:solidFill>
@@ -8528,7 +8420,7 @@
               </a14:hiddenLine>
             </a:ext>
             <a:ext uri="{AF507438-7753-43e0-B8FC-AC1667EBCBE1}">
-              <a14:hiddenEffects xmlns="" xmlns:a14="http://schemas.microsoft.com/office/drawing/2010/main">
+              <a14:hiddenEffects xmlns:a14="http://schemas.microsoft.com/office/drawing/2010/main">
                 <a:effectLst>
                   <a:outerShdw dist="35921" dir="2700000" algn="ctr" rotWithShape="0">
                     <a:schemeClr val="bg2"/>
@@ -8682,22 +8574,14 @@
             </a:r>
             <a:r>
               <a:rPr lang="de-DE" sz="1500" b="1" dirty="0" smtClean="0"/>
-              <a:t> </a:t>
-            </a:r>
-            <a:r>
-              <a:rPr lang="de-DE" sz="1500" b="1" dirty="0" smtClean="0"/>
-              <a:t>Approach</a:t>
+              <a:t> Approach</a:t>
             </a:r>
           </a:p>
           <a:p>
             <a:pPr eaLnBrk="1" hangingPunct="1"/>
             <a:r>
               <a:rPr lang="de-DE" b="1" dirty="0" smtClean="0"/>
-              <a:t>Features </a:t>
-            </a:r>
-            <a:r>
-              <a:rPr lang="de-DE" b="1" dirty="0" smtClean="0"/>
-              <a:t>&amp; Transformation</a:t>
+              <a:t>Features &amp; Transformation</a:t>
             </a:r>
             <a:endParaRPr lang="de-DE" b="1" kern="0" dirty="0" smtClean="0"/>
           </a:p>
@@ -9470,7 +9354,7 @@
   <p:timing>
     <p:tnLst>
       <p:par>
-        <p:cTn id="1" dur="indefinite" restart="never" nodeType="tmRoot"/>
+        <p:cTn xmlns:p14="http://schemas.microsoft.com/office/powerpoint/2010/main" id="1" dur="indefinite" restart="never" nodeType="tmRoot"/>
       </p:par>
     </p:tnLst>
   </p:timing>
@@ -9517,14 +9401,14 @@
           <a:effectLst/>
           <a:extLst>
             <a:ext uri="{909E8E84-426E-40dd-AFC4-6F175D3DCCD1}">
-              <a14:hiddenFill xmlns="" xmlns:a14="http://schemas.microsoft.com/office/drawing/2010/main">
+              <a14:hiddenFill xmlns:a14="http://schemas.microsoft.com/office/drawing/2010/main">
                 <a:solidFill>
                   <a:schemeClr val="accent1"/>
                 </a:solidFill>
               </a14:hiddenFill>
             </a:ext>
             <a:ext uri="{91240B29-F687-4f45-9708-019B960494DF}">
-              <a14:hiddenLine xmlns="" xmlns:a14="http://schemas.microsoft.com/office/drawing/2010/main" w="9525">
+              <a14:hiddenLine xmlns:a14="http://schemas.microsoft.com/office/drawing/2010/main" w="9525">
                 <a:solidFill>
                   <a:schemeClr val="tx1"/>
                 </a:solidFill>
@@ -9534,7 +9418,7 @@
               </a14:hiddenLine>
             </a:ext>
             <a:ext uri="{AF507438-7753-43e0-B8FC-AC1667EBCBE1}">
-              <a14:hiddenEffects xmlns="" xmlns:a14="http://schemas.microsoft.com/office/drawing/2010/main">
+              <a14:hiddenEffects xmlns:a14="http://schemas.microsoft.com/office/drawing/2010/main">
                 <a:effectLst>
                   <a:outerShdw dist="35921" dir="2700000" algn="ctr" rotWithShape="0">
                     <a:schemeClr val="bg2"/>
@@ -9688,11 +9572,7 @@
             </a:r>
             <a:r>
               <a:rPr lang="de-DE" sz="1500" b="1" dirty="0" smtClean="0"/>
-              <a:t> </a:t>
-            </a:r>
-            <a:r>
-              <a:rPr lang="de-DE" sz="1500" b="1" dirty="0" smtClean="0"/>
-              <a:t>Approach</a:t>
+              <a:t> Approach</a:t>
             </a:r>
           </a:p>
           <a:p>
@@ -9703,18 +9583,14 @@
             </a:r>
             <a:r>
               <a:rPr lang="de-DE" b="1" dirty="0" smtClean="0"/>
-              <a:t> </a:t>
-            </a:r>
-            <a:r>
-              <a:rPr lang="de-DE" b="1" dirty="0" smtClean="0"/>
-              <a:t>(I)</a:t>
+              <a:t> (I)</a:t>
             </a:r>
             <a:endParaRPr lang="de-DE" b="1" kern="0" dirty="0" smtClean="0"/>
           </a:p>
         </p:txBody>
       </p:sp>
-      <mc:AlternateContent xmlns:mc="http://schemas.openxmlformats.org/markup-compatibility/2006">
-        <mc:Choice xmlns:a14="http://schemas.microsoft.com/office/drawing/2010/main" Requires="a14">
+      <mc:AlternateContent xmlns:mc="http://schemas.openxmlformats.org/markup-compatibility/2006" xmlns:a14="http://schemas.microsoft.com/office/drawing/2010/main">
+        <mc:Choice Requires="a14">
           <p:sp>
             <p:nvSpPr>
               <p:cNvPr id="4" name="Textfeld 3"/>
@@ -9892,11 +9768,7 @@
                 </a:r>
                 <a:r>
                   <a:rPr lang="de-DE" sz="1600" dirty="0" smtClean="0"/>
-                  <a:t>/tag</a:t>
-                </a:r>
-                <a:r>
-                  <a:rPr lang="de-DE" sz="1600" dirty="0" smtClean="0"/>
-                  <a:t>)</a:t>
+                  <a:t>/tag)</a:t>
                 </a:r>
               </a:p>
               <a:p>
@@ -10066,7 +9938,6 @@
                   <a:rPr lang="de-DE" sz="1600" dirty="0" smtClean="0"/>
                   <a:t> tags</a:t>
                 </a:r>
-                <a:endParaRPr lang="de-DE" sz="1600" dirty="0" smtClean="0"/>
               </a:p>
               <a:p>
                 <a:pPr marL="690563" lvl="1" indent="-285750">
@@ -10250,7 +10121,7 @@
                   <a:t> </a:t>
                 </a:r>
                 <a14:m>
-                  <m:oMath xmlns:m="http://schemas.openxmlformats.org/officeDocument/2006/math">
+                  <m:oMath xmlns:m="http://schemas.openxmlformats.org/officeDocument/2006/math" xmlns="">
                     <m:r>
                       <a:rPr lang="de-DE" sz="1600" i="1" dirty="0">
                         <a:latin typeface="Cambria Math" charset="0"/>
@@ -10266,7 +10137,7 @@
                   <a:t> Tags: </a:t>
                 </a:r>
                 <a14:m>
-                  <m:oMath xmlns:m="http://schemas.openxmlformats.org/officeDocument/2006/math">
+                  <m:oMath xmlns:m="http://schemas.openxmlformats.org/officeDocument/2006/math" xmlns="">
                     <m:r>
                       <a:rPr lang="de-DE" sz="1600" i="1" dirty="0">
                         <a:latin typeface="Cambria Math" charset="0"/>
@@ -10326,11 +10197,7 @@
                 </a:r>
                 <a:r>
                   <a:rPr lang="de-DE" sz="1600" dirty="0" smtClean="0"/>
-                  <a:t> </a:t>
-                </a:r>
-                <a:r>
-                  <a:rPr lang="de-DE" sz="1600" dirty="0" smtClean="0"/>
-                  <a:t>a </a:t>
+                  <a:t> a </a:t>
                 </a:r>
                 <a:r>
                   <a:rPr lang="de-DE" sz="1600" dirty="0" err="1" smtClean="0"/>
@@ -10354,11 +10221,7 @@
                 </a:r>
                 <a:r>
                   <a:rPr lang="de-DE" sz="1600" dirty="0" smtClean="0"/>
-                  <a:t> </a:t>
-                </a:r>
-                <a:r>
-                  <a:rPr lang="de-DE" sz="1600" dirty="0" smtClean="0"/>
-                  <a:t>tag </a:t>
+                  <a:t> tag </a:t>
                 </a:r>
                 <a:r>
                   <a:rPr lang="de-DE" sz="1600" dirty="0" err="1" smtClean="0"/>
@@ -10401,11 +10264,7 @@
                 </a:r>
                 <a:r>
                   <a:rPr lang="de-DE" sz="1600" dirty="0" smtClean="0"/>
-                  <a:t> </a:t>
-                </a:r>
-                <a:r>
-                  <a:rPr lang="de-DE" sz="1600" dirty="0" smtClean="0"/>
-                  <a:t>tags </a:t>
+                  <a:t> tags </a:t>
                 </a:r>
                 <a:r>
                   <a:rPr lang="de-DE" sz="1600" dirty="0" err="1" smtClean="0"/>
@@ -10498,7 +10357,7 @@
             </p:txBody>
           </p:sp>
         </mc:Choice>
-        <mc:Fallback>
+        <mc:Fallback xmlns="">
           <p:sp>
             <p:nvSpPr>
               <p:cNvPr id="4" name="Textfeld 3"/>
@@ -10550,7 +10409,7 @@
   <p:timing>
     <p:tnLst>
       <p:par>
-        <p:cTn id="1" dur="indefinite" restart="never" nodeType="tmRoot"/>
+        <p:cTn xmlns:p14="http://schemas.microsoft.com/office/powerpoint/2010/main" id="1" dur="indefinite" restart="never" nodeType="tmRoot"/>
       </p:par>
     </p:tnLst>
   </p:timing>
@@ -10597,14 +10456,14 @@
           <a:effectLst/>
           <a:extLst>
             <a:ext uri="{909E8E84-426E-40dd-AFC4-6F175D3DCCD1}">
-              <a14:hiddenFill xmlns="" xmlns:a14="http://schemas.microsoft.com/office/drawing/2010/main">
+              <a14:hiddenFill xmlns:a14="http://schemas.microsoft.com/office/drawing/2010/main">
                 <a:solidFill>
                   <a:schemeClr val="accent1"/>
                 </a:solidFill>
               </a14:hiddenFill>
             </a:ext>
             <a:ext uri="{91240B29-F687-4f45-9708-019B960494DF}">
-              <a14:hiddenLine xmlns="" xmlns:a14="http://schemas.microsoft.com/office/drawing/2010/main" w="9525">
+              <a14:hiddenLine xmlns:a14="http://schemas.microsoft.com/office/drawing/2010/main" w="9525">
                 <a:solidFill>
                   <a:schemeClr val="tx1"/>
                 </a:solidFill>
@@ -10614,7 +10473,7 @@
               </a14:hiddenLine>
             </a:ext>
             <a:ext uri="{AF507438-7753-43e0-B8FC-AC1667EBCBE1}">
-              <a14:hiddenEffects xmlns="" xmlns:a14="http://schemas.microsoft.com/office/drawing/2010/main">
+              <a14:hiddenEffects xmlns:a14="http://schemas.microsoft.com/office/drawing/2010/main">
                 <a:effectLst>
                   <a:outerShdw dist="35921" dir="2700000" algn="ctr" rotWithShape="0">
                     <a:schemeClr val="bg2"/>
@@ -10768,11 +10627,7 @@
             </a:r>
             <a:r>
               <a:rPr lang="de-DE" sz="1500" b="1" dirty="0" smtClean="0"/>
-              <a:t> </a:t>
-            </a:r>
-            <a:r>
-              <a:rPr lang="de-DE" sz="1500" b="1" dirty="0" smtClean="0"/>
-              <a:t>Approach</a:t>
+              <a:t> Approach</a:t>
             </a:r>
           </a:p>
           <a:p>
@@ -10783,11 +10638,7 @@
             </a:r>
             <a:r>
               <a:rPr lang="de-DE" b="1" dirty="0" smtClean="0"/>
-              <a:t> (II</a:t>
-            </a:r>
-            <a:r>
-              <a:rPr lang="de-DE" b="1" dirty="0" smtClean="0"/>
-              <a:t>)</a:t>
+              <a:t> (II)</a:t>
             </a:r>
             <a:endParaRPr lang="de-DE" b="1" kern="0" dirty="0" smtClean="0"/>
           </a:p>
@@ -11078,11 +10929,7 @@
             </a:pPr>
             <a:r>
               <a:rPr lang="en-US" sz="1600" b="1" dirty="0" smtClean="0"/>
-              <a:t>Linear </a:t>
-            </a:r>
-            <a:r>
-              <a:rPr lang="en-US" sz="1600" b="1" dirty="0" smtClean="0"/>
-              <a:t>SVM:</a:t>
+              <a:t>Linear SVM:</a:t>
             </a:r>
           </a:p>
           <a:p>
@@ -11112,11 +10959,7 @@
             </a:pPr>
             <a:r>
               <a:rPr lang="en-US" sz="1600" dirty="0" smtClean="0"/>
-              <a:t>tag </a:t>
-            </a:r>
-            <a:r>
-              <a:rPr lang="en-US" sz="1600" dirty="0" smtClean="0"/>
-              <a:t>occurs in title/body (true/false)</a:t>
+              <a:t>tag occurs in title/body (true/false)</a:t>
             </a:r>
           </a:p>
           <a:p>
@@ -11188,7 +11031,7 @@
   <p:timing>
     <p:tnLst>
       <p:par>
-        <p:cTn id="1" dur="indefinite" restart="never" nodeType="tmRoot"/>
+        <p:cTn xmlns:p14="http://schemas.microsoft.com/office/powerpoint/2010/main" id="1" dur="indefinite" restart="never" nodeType="tmRoot"/>
       </p:par>
     </p:tnLst>
   </p:timing>
@@ -11235,14 +11078,14 @@
           <a:effectLst/>
           <a:extLst>
             <a:ext uri="{909E8E84-426E-40dd-AFC4-6F175D3DCCD1}">
-              <a14:hiddenFill xmlns:a14="http://schemas.microsoft.com/office/drawing/2010/main" xmlns="">
+              <a14:hiddenFill xmlns:a14="http://schemas.microsoft.com/office/drawing/2010/main">
                 <a:solidFill>
                   <a:schemeClr val="accent1"/>
                 </a:solidFill>
               </a14:hiddenFill>
             </a:ext>
             <a:ext uri="{91240B29-F687-4f45-9708-019B960494DF}">
-              <a14:hiddenLine xmlns:a14="http://schemas.microsoft.com/office/drawing/2010/main" xmlns="" w="9525">
+              <a14:hiddenLine xmlns:a14="http://schemas.microsoft.com/office/drawing/2010/main" w="9525">
                 <a:solidFill>
                   <a:schemeClr val="tx1"/>
                 </a:solidFill>
@@ -11252,7 +11095,7 @@
               </a14:hiddenLine>
             </a:ext>
             <a:ext uri="{AF507438-7753-43e0-B8FC-AC1667EBCBE1}">
-              <a14:hiddenEffects xmlns:a14="http://schemas.microsoft.com/office/drawing/2010/main" xmlns="">
+              <a14:hiddenEffects xmlns:a14="http://schemas.microsoft.com/office/drawing/2010/main">
                 <a:effectLst>
                   <a:outerShdw dist="35921" dir="2700000" algn="ctr" rotWithShape="0">
                     <a:schemeClr val="bg2"/>
@@ -11421,11 +11264,7 @@
             </a:r>
             <a:r>
               <a:rPr lang="de-DE" b="1" dirty="0" smtClean="0"/>
-              <a:t> </a:t>
-            </a:r>
-            <a:r>
-              <a:rPr lang="de-DE" b="1" dirty="0" smtClean="0"/>
-              <a:t>(I)</a:t>
+              <a:t> (I)</a:t>
             </a:r>
             <a:endParaRPr lang="de-DE" b="1" kern="0" dirty="0" smtClean="0"/>
           </a:p>
@@ -11440,7 +11279,7 @@
         <p:spPr>
           <a:xfrm>
             <a:off x="733490" y="1751793"/>
-            <a:ext cx="7805654" cy="4801315"/>
+            <a:ext cx="7805654" cy="4247317"/>
           </a:xfrm>
           <a:prstGeom prst="rect">
             <a:avLst/>
@@ -11742,19 +11581,17 @@
               <a:rPr lang="de-DE" sz="1800" dirty="0" smtClean="0"/>
               <a:t> </a:t>
             </a:r>
-          </a:p>
-          <a:p>
-            <a:pPr marL="742950" lvl="1" indent="-285750">
-              <a:buFont typeface="Wingdings" charset="2"/>
-              <a:buChar char="§"/>
-            </a:pPr>
-            <a:r>
-              <a:rPr lang="de-DE" sz="1800" dirty="0"/>
-              <a:t>R</a:t>
-            </a:r>
-            <a:r>
-              <a:rPr lang="de-DE" sz="1800" dirty="0" smtClean="0"/>
-              <a:t>epeat </a:t>
+            <a:r>
+              <a:rPr lang="de-DE" sz="1800" dirty="0" err="1"/>
+              <a:t>r</a:t>
+            </a:r>
+            <a:r>
+              <a:rPr lang="de-DE" sz="1800" dirty="0" err="1" smtClean="0"/>
+              <a:t>epeat</a:t>
+            </a:r>
+            <a:r>
+              <a:rPr lang="de-DE" sz="1800" dirty="0" smtClean="0"/>
+              <a:t> </a:t>
             </a:r>
             <a:r>
               <a:rPr lang="de-DE" sz="1800" dirty="0" err="1" smtClean="0"/>
@@ -11805,26 +11642,45 @@
               <a:buChar char="§"/>
             </a:pPr>
             <a:r>
-              <a:rPr lang="de-DE" sz="1800" i="1" dirty="0" err="1" smtClean="0"/>
-              <a:t>Kmeans</a:t>
-            </a:r>
-            <a:r>
-              <a:rPr lang="de-DE" sz="1800" i="1" dirty="0" smtClean="0"/>
-              <a:t> </a:t>
-            </a:r>
-            <a:r>
-              <a:rPr lang="de-DE" sz="1800" dirty="0" err="1" smtClean="0"/>
-              <a:t>from</a:t>
-            </a:r>
-            <a:r>
-              <a:rPr lang="de-DE" sz="1800" i="1" dirty="0" smtClean="0"/>
-              <a:t> </a:t>
-            </a:r>
-            <a:r>
-              <a:rPr lang="de-DE" sz="1800" i="1" dirty="0" err="1" smtClean="0"/>
-              <a:t>sklearn</a:t>
-            </a:r>
-            <a:endParaRPr lang="de-DE" sz="1800" i="1" dirty="0" smtClean="0"/>
+              <a:rPr lang="de-DE" sz="1800" u="sng" dirty="0" err="1" smtClean="0"/>
+              <a:t>Number</a:t>
+            </a:r>
+            <a:r>
+              <a:rPr lang="de-DE" sz="1800" u="sng" dirty="0" smtClean="0"/>
+              <a:t> </a:t>
+            </a:r>
+            <a:r>
+              <a:rPr lang="de-DE" sz="1800" u="sng" dirty="0" err="1" smtClean="0"/>
+              <a:t>of</a:t>
+            </a:r>
+            <a:r>
+              <a:rPr lang="de-DE" sz="1800" u="sng" dirty="0" smtClean="0"/>
+              <a:t> </a:t>
+            </a:r>
+            <a:r>
+              <a:rPr lang="de-DE" sz="1800" u="sng" dirty="0" err="1" smtClean="0"/>
+              <a:t>clusters</a:t>
+            </a:r>
+            <a:r>
+              <a:rPr lang="de-DE" sz="1800" u="sng" dirty="0" smtClean="0"/>
+              <a:t> (</a:t>
+            </a:r>
+            <a:r>
+              <a:rPr lang="de-DE" sz="1800" u="sng" dirty="0" err="1" smtClean="0"/>
+              <a:t>k</a:t>
+            </a:r>
+            <a:r>
+              <a:rPr lang="de-DE" sz="1800" u="sng" dirty="0" smtClean="0"/>
+              <a:t>)</a:t>
+            </a:r>
+            <a:r>
+              <a:rPr lang="de-DE" sz="1800" dirty="0" smtClean="0"/>
+              <a:t>: #</a:t>
+            </a:r>
+            <a:r>
+              <a:rPr lang="de-DE" sz="1800" dirty="0" smtClean="0"/>
+              <a:t>tags</a:t>
+            </a:r>
           </a:p>
           <a:p>
             <a:pPr marL="742950" lvl="1" indent="-285750">
@@ -11833,36 +11689,6 @@
             </a:pPr>
             <a:r>
               <a:rPr lang="de-DE" sz="1800" u="sng" dirty="0" err="1" smtClean="0"/>
-              <a:t>Number</a:t>
-            </a:r>
-            <a:r>
-              <a:rPr lang="de-DE" sz="1800" u="sng" dirty="0" smtClean="0"/>
-              <a:t> </a:t>
-            </a:r>
-            <a:r>
-              <a:rPr lang="de-DE" sz="1800" u="sng" dirty="0" err="1" smtClean="0"/>
-              <a:t>of</a:t>
-            </a:r>
-            <a:r>
-              <a:rPr lang="de-DE" sz="1800" u="sng" dirty="0" smtClean="0"/>
-              <a:t> </a:t>
-            </a:r>
-            <a:r>
-              <a:rPr lang="de-DE" sz="1800" u="sng" dirty="0" err="1" smtClean="0"/>
-              <a:t>clusters</a:t>
-            </a:r>
-            <a:r>
-              <a:rPr lang="de-DE" sz="1800" dirty="0" smtClean="0"/>
-              <a:t>: ~ #tags</a:t>
-            </a:r>
-          </a:p>
-          <a:p>
-            <a:pPr marL="742950" lvl="1" indent="-285750">
-              <a:buFont typeface="Wingdings" charset="2"/>
-              <a:buChar char="§"/>
-            </a:pPr>
-            <a:r>
-              <a:rPr lang="de-DE" sz="1800" u="sng" dirty="0" err="1" smtClean="0"/>
               <a:t>Initialization</a:t>
             </a:r>
             <a:r>
@@ -11884,34 +11710,6 @@
             <a:r>
               <a:rPr lang="de-DE" sz="1800" dirty="0"/>
               <a:t> </a:t>
-            </a:r>
-            <a:r>
-              <a:rPr lang="de-DE" sz="1800" dirty="0" err="1"/>
-              <a:t>to</a:t>
-            </a:r>
-            <a:r>
-              <a:rPr lang="de-DE" sz="1800" dirty="0"/>
-              <a:t> </a:t>
-            </a:r>
-            <a:r>
-              <a:rPr lang="de-DE" sz="1800" dirty="0" err="1"/>
-              <a:t>speed</a:t>
-            </a:r>
-            <a:r>
-              <a:rPr lang="de-DE" sz="1800" dirty="0"/>
-              <a:t> </a:t>
-            </a:r>
-            <a:r>
-              <a:rPr lang="de-DE" sz="1800" dirty="0" err="1"/>
-              <a:t>up</a:t>
-            </a:r>
-            <a:r>
-              <a:rPr lang="de-DE" sz="1800" dirty="0"/>
-              <a:t> </a:t>
-            </a:r>
-            <a:r>
-              <a:rPr lang="de-DE" sz="1800" dirty="0" err="1" smtClean="0"/>
-              <a:t>convergence</a:t>
             </a:r>
             <a:endParaRPr lang="de-DE" sz="1800" dirty="0" smtClean="0"/>
           </a:p>
@@ -11965,13 +11763,13 @@
         </p:nvPicPr>
         <p:blipFill rotWithShape="1">
           <a:blip r:embed="rId3"/>
-          <a:srcRect l="7582" t="4975" r="4694" b="7006"/>
+          <a:srcRect l="10743" t="16037" r="4694" b="10784"/>
           <a:stretch/>
         </p:blipFill>
         <p:spPr>
           <a:xfrm>
-            <a:off x="5647773" y="2923305"/>
-            <a:ext cx="3115661" cy="2485359"/>
+            <a:off x="5765800" y="4051300"/>
+            <a:ext cx="3175000" cy="2184400"/>
           </a:xfrm>
           <a:prstGeom prst="rect">
             <a:avLst/>
@@ -11991,7 +11789,7 @@
   <p:timing>
     <p:tnLst>
       <p:par>
-        <p:cTn id="1" dur="indefinite" restart="never" nodeType="tmRoot"/>
+        <p:cTn xmlns:p14="http://schemas.microsoft.com/office/powerpoint/2010/main" id="1" dur="indefinite" restart="never" nodeType="tmRoot"/>
       </p:par>
     </p:tnLst>
   </p:timing>
@@ -12038,14 +11836,14 @@
           <a:effectLst/>
           <a:extLst>
             <a:ext uri="{909E8E84-426E-40dd-AFC4-6F175D3DCCD1}">
-              <a14:hiddenFill xmlns:a14="http://schemas.microsoft.com/office/drawing/2010/main" xmlns="">
+              <a14:hiddenFill xmlns:a14="http://schemas.microsoft.com/office/drawing/2010/main">
                 <a:solidFill>
                   <a:schemeClr val="accent1"/>
                 </a:solidFill>
               </a14:hiddenFill>
             </a:ext>
             <a:ext uri="{91240B29-F687-4f45-9708-019B960494DF}">
-              <a14:hiddenLine xmlns:a14="http://schemas.microsoft.com/office/drawing/2010/main" xmlns="" w="9525">
+              <a14:hiddenLine xmlns:a14="http://schemas.microsoft.com/office/drawing/2010/main" w="9525">
                 <a:solidFill>
                   <a:schemeClr val="tx1"/>
                 </a:solidFill>
@@ -12055,7 +11853,7 @@
               </a14:hiddenLine>
             </a:ext>
             <a:ext uri="{AF507438-7753-43e0-B8FC-AC1667EBCBE1}">
-              <a14:hiddenEffects xmlns:a14="http://schemas.microsoft.com/office/drawing/2010/main" xmlns="">
+              <a14:hiddenEffects xmlns:a14="http://schemas.microsoft.com/office/drawing/2010/main">
                 <a:effectLst>
                   <a:outerShdw dist="35921" dir="2700000" algn="ctr" rotWithShape="0">
                     <a:schemeClr val="bg2"/>
@@ -12224,11 +12022,7 @@
             </a:r>
             <a:r>
               <a:rPr lang="de-DE" b="1" dirty="0" smtClean="0"/>
-              <a:t> </a:t>
-            </a:r>
-            <a:r>
-              <a:rPr lang="de-DE" b="1" dirty="0" smtClean="0"/>
-              <a:t>(II)</a:t>
+              <a:t> (II)</a:t>
             </a:r>
             <a:endParaRPr lang="de-DE" b="1" kern="0" dirty="0" smtClean="0"/>
           </a:p>
@@ -12242,8 +12036,8 @@
         </p:nvSpPr>
         <p:spPr>
           <a:xfrm>
-            <a:off x="733490" y="2156906"/>
-            <a:ext cx="7805654" cy="3693319"/>
+            <a:off x="733490" y="2068006"/>
+            <a:ext cx="7805654" cy="3684086"/>
           </a:xfrm>
           <a:prstGeom prst="rect">
             <a:avLst/>
@@ -12287,6 +12081,9 @@
           </a:p>
           <a:p>
             <a:pPr marL="742950" lvl="1" indent="-285750">
+              <a:lnSpc>
+                <a:spcPct val="120000"/>
+              </a:lnSpc>
               <a:buFont typeface="Wingdings" charset="2"/>
               <a:buChar char="§"/>
             </a:pPr>
@@ -12342,6 +12139,9 @@
           </a:p>
           <a:p>
             <a:pPr marL="742950" lvl="1" indent="-285750">
+              <a:lnSpc>
+                <a:spcPct val="120000"/>
+              </a:lnSpc>
               <a:buFont typeface="Wingdings" charset="2"/>
               <a:buChar char="§"/>
             </a:pPr>
@@ -12393,6 +12193,9 @@
           </a:p>
           <a:p>
             <a:pPr marL="742950" lvl="1" indent="-285750">
+              <a:lnSpc>
+                <a:spcPct val="120000"/>
+              </a:lnSpc>
               <a:buFont typeface="Wingdings" charset="2"/>
               <a:buChar char="§"/>
             </a:pPr>
@@ -12409,7 +12212,7 @@
               <a:t> </a:t>
             </a:r>
             <a:r>
-              <a:rPr lang="de-DE" sz="1800" dirty="0" err="1"/>
+              <a:rPr lang="de-DE" sz="1800" dirty="0" err="1" smtClean="0"/>
               <a:t>matrix</a:t>
             </a:r>
             <a:r>
@@ -12417,11 +12220,11 @@
               <a:t> </a:t>
             </a:r>
             <a:r>
-              <a:rPr lang="de-DE" sz="1800" dirty="0" err="1"/>
+              <a:rPr lang="de-DE" sz="1800" dirty="0" err="1" smtClean="0"/>
               <a:t>and</a:t>
             </a:r>
             <a:r>
-              <a:rPr lang="de-DE" sz="1800" dirty="0"/>
+              <a:rPr lang="de-DE" sz="1800" dirty="0" smtClean="0"/>
               <a:t> </a:t>
             </a:r>
             <a:r>
@@ -12483,12 +12286,8 @@
               <a:t> </a:t>
             </a:r>
             <a:r>
-              <a:rPr lang="de-DE" sz="1800" b="1" dirty="0"/>
-              <a:t>P</a:t>
-            </a:r>
-            <a:r>
               <a:rPr lang="de-DE" sz="1800" b="1" dirty="0" smtClean="0"/>
-              <a:t>arameters</a:t>
+              <a:t>Parameters</a:t>
             </a:r>
             <a:r>
               <a:rPr lang="de-DE" sz="1800" dirty="0" smtClean="0"/>
@@ -12505,96 +12304,76 @@
               <a:buChar char="§"/>
             </a:pPr>
             <a:r>
+              <a:rPr lang="de-DE" sz="1800" u="sng" dirty="0" err="1" smtClean="0"/>
+              <a:t>Linkage</a:t>
+            </a:r>
+            <a:r>
+              <a:rPr lang="de-DE" sz="1800" dirty="0" smtClean="0"/>
+              <a:t> </a:t>
+            </a:r>
+            <a:r>
+              <a:rPr lang="de-DE" sz="1800" dirty="0" smtClean="0"/>
+              <a:t>(</a:t>
+            </a:r>
+            <a:r>
+              <a:rPr lang="de-DE" sz="1800" dirty="0" err="1" smtClean="0"/>
+              <a:t>distance</a:t>
+            </a:r>
+            <a:r>
+              <a:rPr lang="de-DE" sz="1800" dirty="0" smtClean="0"/>
+              <a:t> </a:t>
+            </a:r>
+            <a:r>
+              <a:rPr lang="de-DE" sz="1800" dirty="0" err="1" smtClean="0"/>
+              <a:t>measure</a:t>
+            </a:r>
+            <a:r>
+              <a:rPr lang="de-DE" sz="1800" dirty="0" smtClean="0"/>
+              <a:t>): </a:t>
+            </a:r>
+            <a:r>
+              <a:rPr lang="de-DE" sz="1800" i="1" dirty="0" smtClean="0"/>
+              <a:t>Ward </a:t>
+            </a:r>
+            <a:r>
               <a:rPr lang="de-DE" sz="1800" i="1" dirty="0" err="1" smtClean="0"/>
-              <a:t>AgglomerativeClustering</a:t>
+              <a:t>criterion</a:t>
             </a:r>
             <a:r>
               <a:rPr lang="de-DE" sz="1800" i="1" dirty="0" smtClean="0"/>
               <a:t> </a:t>
             </a:r>
             <a:r>
+              <a:rPr lang="de-DE" sz="1800" dirty="0" smtClean="0"/>
+              <a:t>(</a:t>
+            </a:r>
+            <a:r>
               <a:rPr lang="de-DE" sz="1800" dirty="0" err="1" smtClean="0"/>
-              <a:t>from</a:t>
-            </a:r>
-            <a:r>
-              <a:rPr lang="de-DE" sz="1800" i="1" dirty="0" smtClean="0"/>
-              <a:t> </a:t>
-            </a:r>
-            <a:r>
-              <a:rPr lang="de-DE" sz="1800" i="1" dirty="0" err="1" smtClean="0"/>
-              <a:t>sklearn</a:t>
-            </a:r>
-            <a:endParaRPr lang="de-DE" sz="1800" i="1" dirty="0" smtClean="0"/>
+              <a:t>minimum</a:t>
+            </a:r>
+            <a:r>
+              <a:rPr lang="de-DE" sz="1800" dirty="0" smtClean="0"/>
+              <a:t> </a:t>
+            </a:r>
+            <a:r>
+              <a:rPr lang="de-DE" sz="1800" dirty="0" err="1" smtClean="0"/>
+              <a:t>variance</a:t>
+            </a:r>
+            <a:r>
+              <a:rPr lang="de-DE" sz="1800" dirty="0" smtClean="0"/>
+              <a:t>)</a:t>
+            </a:r>
           </a:p>
           <a:p>
             <a:pPr marL="742950" lvl="1" indent="-285750">
+              <a:lnSpc>
+                <a:spcPct val="120000"/>
+              </a:lnSpc>
               <a:buFont typeface="Wingdings" charset="2"/>
               <a:buChar char="§"/>
             </a:pPr>
             <a:r>
               <a:rPr lang="de-DE" sz="1800" u="sng" dirty="0" err="1" smtClean="0"/>
-              <a:t>Linkage</a:t>
-            </a:r>
-            <a:r>
-              <a:rPr lang="de-DE" sz="1800" dirty="0" smtClean="0"/>
-              <a:t> (</a:t>
-            </a:r>
-            <a:r>
-              <a:rPr lang="de-DE" sz="1800" dirty="0" err="1" smtClean="0"/>
-              <a:t>distance</a:t>
-            </a:r>
-            <a:r>
-              <a:rPr lang="de-DE" sz="1800" dirty="0" smtClean="0"/>
-              <a:t> </a:t>
-            </a:r>
-            <a:r>
-              <a:rPr lang="de-DE" sz="1800" dirty="0" err="1" smtClean="0"/>
-              <a:t>measure</a:t>
-            </a:r>
-            <a:r>
-              <a:rPr lang="de-DE" sz="1800" dirty="0" smtClean="0"/>
-              <a:t>): </a:t>
-            </a:r>
-            <a:r>
-              <a:rPr lang="de-DE" sz="1800" i="1" dirty="0" smtClean="0"/>
-              <a:t>Ward </a:t>
-            </a:r>
-            <a:r>
-              <a:rPr lang="de-DE" sz="1800" i="1" dirty="0" err="1" smtClean="0"/>
-              <a:t>criterion</a:t>
-            </a:r>
-            <a:r>
-              <a:rPr lang="de-DE" sz="1800" i="1" dirty="0" smtClean="0"/>
-              <a:t> </a:t>
-            </a:r>
-            <a:r>
-              <a:rPr lang="de-DE" sz="1800" dirty="0" smtClean="0"/>
-              <a:t>(</a:t>
-            </a:r>
-            <a:r>
-              <a:rPr lang="de-DE" sz="1800" dirty="0" err="1" smtClean="0"/>
-              <a:t>minimum</a:t>
-            </a:r>
-            <a:r>
-              <a:rPr lang="de-DE" sz="1800" dirty="0" smtClean="0"/>
-              <a:t> </a:t>
-            </a:r>
-            <a:r>
-              <a:rPr lang="de-DE" sz="1800" dirty="0" err="1" smtClean="0"/>
-              <a:t>variance</a:t>
-            </a:r>
-            <a:r>
-              <a:rPr lang="de-DE" sz="1800" dirty="0" smtClean="0"/>
-              <a:t>)</a:t>
-            </a:r>
-          </a:p>
-          <a:p>
-            <a:pPr marL="742950" lvl="1" indent="-285750">
-              <a:buFont typeface="Wingdings" charset="2"/>
-              <a:buChar char="§"/>
-            </a:pPr>
-            <a:r>
-              <a:rPr lang="de-DE" sz="1800" u="sng" dirty="0" err="1" smtClean="0"/>
               <a:t>Distance</a:t>
             </a:r>
             <a:r>
@@ -12605,37 +12384,13 @@
               <a:rPr lang="de-DE" sz="1800" i="1" dirty="0" err="1" smtClean="0"/>
               <a:t>Euclidean</a:t>
             </a:r>
-            <a:r>
-              <a:rPr lang="de-DE" sz="1800" dirty="0" smtClean="0"/>
-              <a:t> (</a:t>
-            </a:r>
-            <a:r>
-              <a:rPr lang="de-DE" sz="1800" dirty="0" err="1" smtClean="0"/>
-              <a:t>to</a:t>
-            </a:r>
-            <a:r>
-              <a:rPr lang="de-DE" sz="1800" dirty="0" smtClean="0"/>
-              <a:t> </a:t>
-            </a:r>
-            <a:r>
-              <a:rPr lang="de-DE" sz="1800" dirty="0" err="1" smtClean="0"/>
-              <a:t>compute</a:t>
-            </a:r>
-            <a:r>
-              <a:rPr lang="de-DE" sz="1800" dirty="0" smtClean="0"/>
-              <a:t> </a:t>
-            </a:r>
-            <a:r>
-              <a:rPr lang="de-DE" sz="1800" dirty="0" err="1" smtClean="0"/>
-              <a:t>linkage</a:t>
-            </a:r>
-            <a:r>
-              <a:rPr lang="de-DE" sz="1800" dirty="0" smtClean="0"/>
-              <a:t>)</a:t>
-            </a:r>
+            <a:endParaRPr lang="de-DE" sz="1800" i="1" dirty="0" smtClean="0"/>
           </a:p>
           <a:p>
             <a:pPr marL="742950" lvl="1" indent="-285750">
+              <a:lnSpc>
+                <a:spcPct val="120000"/>
+              </a:lnSpc>
               <a:buFont typeface="Wingdings" charset="2"/>
               <a:buChar char="§"/>
             </a:pPr>
@@ -12696,7 +12451,7 @@
   <p:timing>
     <p:tnLst>
       <p:par>
-        <p:cTn id="1" dur="indefinite" restart="never" nodeType="tmRoot"/>
+        <p:cTn xmlns:p14="http://schemas.microsoft.com/office/powerpoint/2010/main" id="1" dur="indefinite" restart="never" nodeType="tmRoot"/>
       </p:par>
     </p:tnLst>
   </p:timing>
@@ -12743,14 +12498,14 @@
           <a:effectLst/>
           <a:extLst>
             <a:ext uri="{909E8E84-426E-40dd-AFC4-6F175D3DCCD1}">
-              <a14:hiddenFill xmlns:a14="http://schemas.microsoft.com/office/drawing/2010/main" xmlns="">
+              <a14:hiddenFill xmlns:a14="http://schemas.microsoft.com/office/drawing/2010/main">
                 <a:solidFill>
                   <a:schemeClr val="accent1"/>
                 </a:solidFill>
               </a14:hiddenFill>
             </a:ext>
             <a:ext uri="{91240B29-F687-4f45-9708-019B960494DF}">
-              <a14:hiddenLine xmlns:a14="http://schemas.microsoft.com/office/drawing/2010/main" xmlns="" w="9525">
+              <a14:hiddenLine xmlns:a14="http://schemas.microsoft.com/office/drawing/2010/main" w="9525">
                 <a:solidFill>
                   <a:schemeClr val="tx1"/>
                 </a:solidFill>
@@ -12760,7 +12515,7 @@
               </a14:hiddenLine>
             </a:ext>
             <a:ext uri="{AF507438-7753-43e0-B8FC-AC1667EBCBE1}">
-              <a14:hiddenEffects xmlns:a14="http://schemas.microsoft.com/office/drawing/2010/main" xmlns="">
+              <a14:hiddenEffects xmlns:a14="http://schemas.microsoft.com/office/drawing/2010/main">
                 <a:effectLst>
                   <a:outerShdw dist="35921" dir="2700000" algn="ctr" rotWithShape="0">
                     <a:schemeClr val="bg2"/>
@@ -13205,7 +12960,7 @@
           <a:graphicData uri="http://schemas.openxmlformats.org/presentationml/2006/ole">
             <mc:AlternateContent xmlns:mc="http://schemas.openxmlformats.org/markup-compatibility/2006">
               <mc:Choice xmlns:v="urn:schemas-microsoft-com:vml" Requires="v">
-                <p:oleObj spid="_x0000_s1260" name="Formel" r:id="rId4" imgW="2806700" imgH="609600" progId="Equation.3">
+                <p:oleObj spid="_x0000_s1339" name="Formel" r:id="rId4" imgW="2806700" imgH="609600" progId="Equation.3">
                   <p:embed/>
                 </p:oleObj>
               </mc:Choice>
@@ -13262,7 +13017,7 @@
           <a:graphicData uri="http://schemas.openxmlformats.org/presentationml/2006/ole">
             <mc:AlternateContent xmlns:mc="http://schemas.openxmlformats.org/markup-compatibility/2006">
               <mc:Choice xmlns:v="urn:schemas-microsoft-com:vml" Requires="v">
-                <p:oleObj spid="_x0000_s1261" name="Formel" r:id="rId6" imgW="2667000" imgH="609600" progId="Equation.3">
+                <p:oleObj spid="_x0000_s1340" name="Formel" r:id="rId6" imgW="2667000" imgH="609600" progId="Equation.3">
                   <p:embed/>
                 </p:oleObj>
               </mc:Choice>
@@ -13344,7 +13099,7 @@
         <p:spPr>
           <a:xfrm>
             <a:off x="5681542" y="2746735"/>
-            <a:ext cx="3005258" cy="307777"/>
+            <a:ext cx="3335458" cy="307777"/>
           </a:xfrm>
           <a:prstGeom prst="rect">
             <a:avLst/>
@@ -13391,7 +13146,13 @@
               <a:rPr lang="de-DE" sz="1400" b="1" dirty="0" smtClean="0">
                 <a:sym typeface="Wingdings"/>
               </a:rPr>
-              <a:t>F1 score</a:t>
+              <a:t>F1 </a:t>
+            </a:r>
+            <a:r>
+              <a:rPr lang="de-DE" sz="1400" b="1" dirty="0" err="1" smtClean="0">
+                <a:sym typeface="Wingdings"/>
+              </a:rPr>
+              <a:t>measure</a:t>
             </a:r>
             <a:endParaRPr lang="de-DE" sz="1400" b="1" dirty="0"/>
           </a:p>
@@ -13410,7 +13171,7 @@
   <p:timing>
     <p:tnLst>
       <p:par>
-        <p:cTn id="1" dur="indefinite" restart="never" nodeType="tmRoot"/>
+        <p:cTn xmlns:p14="http://schemas.microsoft.com/office/powerpoint/2010/main" id="1" dur="indefinite" restart="never" nodeType="tmRoot"/>
       </p:par>
     </p:tnLst>
   </p:timing>

--- a/presentation/interim/Presentation.pptx
+++ b/presentation/interim/Presentation.pptx
@@ -154,7 +154,7 @@
   </p:defaultTextStyle>
   <p:extLst>
     <p:ext uri="{EFAFB233-063F-42B5-8137-9DF3F51BA10A}">
-      <p15:sldGuideLst xmlns:p15="http://schemas.microsoft.com/office/powerpoint/2012/main" xmlns="">
+      <p15:sldGuideLst xmlns="" xmlns:p15="http://schemas.microsoft.com/office/powerpoint/2012/main">
         <p15:guide id="1" orient="horz" pos="3498">
           <p15:clr>
             <a:srgbClr val="A4A3A4"/>
@@ -168,7 +168,7 @@
       </p15:sldGuideLst>
     </p:ext>
     <p:ext uri="{2D200454-40CA-4A62-9FC3-DE9A4176ACB9}">
-      <p15:notesGuideLst xmlns:p15="http://schemas.microsoft.com/office/powerpoint/2012/main" xmlns="">
+      <p15:notesGuideLst xmlns="" xmlns:p15="http://schemas.microsoft.com/office/powerpoint/2012/main">
         <p15:guide id="1" orient="horz" pos="3224">
           <p15:clr>
             <a:srgbClr val="A4A3A4"/>
@@ -4510,7 +4510,7 @@
           <p:nvPr>
             <p:extLst>
               <p:ext uri="{D42A27DB-BD31-4B8C-83A1-F6EECF244321}">
-                <p14:modId xmlns:p14="http://schemas.microsoft.com/office/powerpoint/2010/main" val="3202598732"/>
+                <p14:modId xmlns:p14="http://schemas.microsoft.com/office/powerpoint/2010/main" val="2676765233"/>
               </p:ext>
             </p:extLst>
           </p:nvPr>
@@ -4712,7 +4712,7 @@
                       <a:pPr algn="ctr"/>
                       <a:r>
                         <a:rPr lang="de-DE" dirty="0" smtClean="0"/>
-                        <a:t>0.4</a:t>
+                        <a:t>0.281</a:t>
                       </a:r>
                       <a:endParaRPr lang="de-DE" dirty="0"/>
                     </a:p>
@@ -4727,7 +4727,7 @@
                       <a:pPr algn="ctr"/>
                       <a:r>
                         <a:rPr lang="de-DE" dirty="0" smtClean="0"/>
-                        <a:t>0.4</a:t>
+                        <a:t>0.255</a:t>
                       </a:r>
                       <a:endParaRPr lang="de-DE" dirty="0"/>
                     </a:p>
@@ -4812,11 +4812,7 @@
             </a:r>
             <a:r>
               <a:rPr lang="de-DE" sz="1400" dirty="0" smtClean="0"/>
-              <a:t> </a:t>
-            </a:r>
-            <a:r>
-              <a:rPr lang="de-DE" sz="1400" dirty="0" smtClean="0"/>
-              <a:t>(</a:t>
+              <a:t> (</a:t>
             </a:r>
             <a:r>
               <a:rPr lang="de-DE" sz="1400" dirty="0" err="1" smtClean="0"/>
@@ -5720,15 +5716,7 @@
             </a:r>
             <a:r>
               <a:rPr lang="de-DE" sz="1600" dirty="0" smtClean="0"/>
-              <a:t> </a:t>
-            </a:r>
-            <a:r>
-              <a:rPr lang="de-DE" sz="1600" dirty="0" smtClean="0"/>
-              <a:t>#</a:t>
-            </a:r>
-            <a:r>
-              <a:rPr lang="de-DE" sz="1600" dirty="0" smtClean="0"/>
-              <a:t>tags </a:t>
+              <a:t> #tags </a:t>
             </a:r>
             <a:r>
               <a:rPr lang="de-DE" sz="1600" dirty="0" err="1" smtClean="0"/>
@@ -6202,11 +6190,7 @@
             </a:pPr>
             <a:r>
               <a:rPr lang="en-US" sz="1600" dirty="0" smtClean="0"/>
-              <a:t>Recall </a:t>
-            </a:r>
-            <a:r>
-              <a:rPr lang="en-US" sz="1600" dirty="0" smtClean="0"/>
-              <a:t>increases by the number of suggested tags</a:t>
+              <a:t>Recall increases by the number of suggested tags</a:t>
             </a:r>
           </a:p>
           <a:p>
@@ -6240,11 +6224,7 @@
             </a:pPr>
             <a:r>
               <a:rPr lang="en-US" sz="1600" dirty="0" smtClean="0"/>
-              <a:t>Improve </a:t>
-            </a:r>
-            <a:r>
-              <a:rPr lang="en-US" sz="1600" dirty="0" smtClean="0"/>
-              <a:t>preprocessing</a:t>
+              <a:t>Improve preprocessing</a:t>
             </a:r>
           </a:p>
           <a:p>
@@ -6257,11 +6237,7 @@
             </a:pPr>
             <a:r>
               <a:rPr lang="en-US" sz="1600" dirty="0" smtClean="0"/>
-              <a:t>Use </a:t>
-            </a:r>
-            <a:r>
-              <a:rPr lang="en-US" sz="1600" dirty="0" smtClean="0"/>
-              <a:t>different (more independent) features for Na</a:t>
+              <a:t>Use different (more independent) features for Na</a:t>
             </a:r>
             <a:r>
               <a:rPr lang="de-DE" sz="1600" dirty="0" err="1" smtClean="0"/>
@@ -6273,11 +6249,7 @@
             </a:r>
             <a:r>
               <a:rPr lang="en-US" sz="1600" dirty="0" smtClean="0"/>
-              <a:t> </a:t>
-            </a:r>
-            <a:r>
-              <a:rPr lang="en-US" sz="1600" dirty="0" smtClean="0"/>
-              <a:t>Bayes</a:t>
+              <a:t> Bayes</a:t>
             </a:r>
           </a:p>
           <a:p>
@@ -6292,7 +6264,6 @@
               <a:rPr lang="en-US" sz="1600" dirty="0" smtClean="0"/>
               <a:t>Evaluation</a:t>
             </a:r>
-            <a:endParaRPr lang="en-US" sz="1600" dirty="0" smtClean="0"/>
           </a:p>
         </p:txBody>
       </p:sp>
@@ -10121,7 +10092,7 @@
                   <a:t> </a:t>
                 </a:r>
                 <a14:m>
-                  <m:oMath xmlns:m="http://schemas.openxmlformats.org/officeDocument/2006/math" xmlns="">
+                  <m:oMath xmlns="" xmlns:m="http://schemas.openxmlformats.org/officeDocument/2006/math">
                     <m:r>
                       <a:rPr lang="de-DE" sz="1600" i="1" dirty="0">
                         <a:latin typeface="Cambria Math" charset="0"/>
@@ -10137,7 +10108,7 @@
                   <a:t> Tags: </a:t>
                 </a:r>
                 <a14:m>
-                  <m:oMath xmlns:m="http://schemas.openxmlformats.org/officeDocument/2006/math" xmlns="">
+                  <m:oMath xmlns="" xmlns:m="http://schemas.openxmlformats.org/officeDocument/2006/math">
                     <m:r>
                       <a:rPr lang="de-DE" sz="1600" i="1" dirty="0">
                         <a:latin typeface="Cambria Math" charset="0"/>
@@ -11675,11 +11646,7 @@
             </a:r>
             <a:r>
               <a:rPr lang="de-DE" sz="1800" dirty="0" smtClean="0"/>
-              <a:t>: #</a:t>
-            </a:r>
-            <a:r>
-              <a:rPr lang="de-DE" sz="1800" dirty="0" smtClean="0"/>
-              <a:t>tags</a:t>
+              <a:t>: #tags</a:t>
             </a:r>
           </a:p>
           <a:p>
@@ -12283,11 +12250,7 @@
             </a:r>
             <a:r>
               <a:rPr lang="de-DE" sz="1800" b="1" dirty="0" smtClean="0"/>
-              <a:t> </a:t>
-            </a:r>
-            <a:r>
-              <a:rPr lang="de-DE" sz="1800" b="1" dirty="0" smtClean="0"/>
-              <a:t>Parameters</a:t>
+              <a:t> Parameters</a:t>
             </a:r>
             <a:r>
               <a:rPr lang="de-DE" sz="1800" dirty="0" smtClean="0"/>
@@ -12309,11 +12272,7 @@
             </a:r>
             <a:r>
               <a:rPr lang="de-DE" sz="1800" dirty="0" smtClean="0"/>
-              <a:t> </a:t>
-            </a:r>
-            <a:r>
-              <a:rPr lang="de-DE" sz="1800" dirty="0" smtClean="0"/>
-              <a:t>(</a:t>
+              <a:t> (</a:t>
             </a:r>
             <a:r>
               <a:rPr lang="de-DE" sz="1800" dirty="0" err="1" smtClean="0"/>
@@ -12960,7 +12919,7 @@
           <a:graphicData uri="http://schemas.openxmlformats.org/presentationml/2006/ole">
             <mc:AlternateContent xmlns:mc="http://schemas.openxmlformats.org/markup-compatibility/2006">
               <mc:Choice xmlns:v="urn:schemas-microsoft-com:vml" Requires="v">
-                <p:oleObj spid="_x0000_s1339" name="Formel" r:id="rId4" imgW="2806700" imgH="609600" progId="Equation.3">
+                <p:oleObj spid="_x0000_s1342" name="Formel" r:id="rId4" imgW="2806700" imgH="609600" progId="Equation.3">
                   <p:embed/>
                 </p:oleObj>
               </mc:Choice>
@@ -13017,7 +12976,7 @@
           <a:graphicData uri="http://schemas.openxmlformats.org/presentationml/2006/ole">
             <mc:AlternateContent xmlns:mc="http://schemas.openxmlformats.org/markup-compatibility/2006">
               <mc:Choice xmlns:v="urn:schemas-microsoft-com:vml" Requires="v">
-                <p:oleObj spid="_x0000_s1340" name="Formel" r:id="rId6" imgW="2667000" imgH="609600" progId="Equation.3">
+                <p:oleObj spid="_x0000_s1343" name="Formel" r:id="rId6" imgW="2667000" imgH="609600" progId="Equation.3">
                   <p:embed/>
                 </p:oleObj>
               </mc:Choice>

--- a/presentation/interim/Presentation.pptx
+++ b/presentation/interim/Presentation.pptx
@@ -5,10 +5,10 @@
     <p:sldMasterId id="2147483648" r:id="rId1"/>
   </p:sldMasterIdLst>
   <p:notesMasterIdLst>
-    <p:notesMasterId r:id="rId15"/>
+    <p:notesMasterId r:id="rId14"/>
   </p:notesMasterIdLst>
   <p:handoutMasterIdLst>
-    <p:handoutMasterId r:id="rId16"/>
+    <p:handoutMasterId r:id="rId15"/>
   </p:handoutMasterIdLst>
   <p:sldIdLst>
     <p:sldId id="398" r:id="rId2"/>
@@ -18,12 +18,11 @@
     <p:sldId id="416" r:id="rId6"/>
     <p:sldId id="417" r:id="rId7"/>
     <p:sldId id="409" r:id="rId8"/>
-    <p:sldId id="410" r:id="rId9"/>
-    <p:sldId id="411" r:id="rId10"/>
-    <p:sldId id="399" r:id="rId11"/>
-    <p:sldId id="400" r:id="rId12"/>
-    <p:sldId id="412" r:id="rId13"/>
-    <p:sldId id="407" r:id="rId14"/>
+    <p:sldId id="411" r:id="rId9"/>
+    <p:sldId id="399" r:id="rId10"/>
+    <p:sldId id="400" r:id="rId11"/>
+    <p:sldId id="412" r:id="rId12"/>
+    <p:sldId id="407" r:id="rId13"/>
   </p:sldIdLst>
   <p:sldSz cx="9144000" cy="6858000" type="screen4x3"/>
   <p:notesSz cx="7099300" cy="10234613"/>
@@ -154,7 +153,7 @@
   </p:defaultTextStyle>
   <p:extLst>
     <p:ext uri="{EFAFB233-063F-42B5-8137-9DF3F51BA10A}">
-      <p15:sldGuideLst xmlns="" xmlns:p15="http://schemas.microsoft.com/office/powerpoint/2012/main">
+      <p15:sldGuideLst xmlns:p15="http://schemas.microsoft.com/office/powerpoint/2012/main" xmlns="">
         <p15:guide id="1" orient="horz" pos="3498">
           <p15:clr>
             <a:srgbClr val="A4A3A4"/>
@@ -168,7 +167,7 @@
       </p15:sldGuideLst>
     </p:ext>
     <p:ext uri="{2D200454-40CA-4A62-9FC3-DE9A4176ACB9}">
-      <p15:notesGuideLst xmlns="" xmlns:p15="http://schemas.microsoft.com/office/powerpoint/2012/main">
+      <p15:notesGuideLst xmlns:p15="http://schemas.microsoft.com/office/powerpoint/2012/main" xmlns="">
         <p15:guide id="1" orient="horz" pos="3224">
           <p15:clr>
             <a:srgbClr val="A4A3A4"/>
@@ -2573,223 +2572,6 @@
               <a:rPr lang="de-DE"/>
               <a:pPr algn="r" eaLnBrk="1" hangingPunct="1"/>
               <a:t>8</a:t>
-            </a:fld>
-            <a:endParaRPr lang="de-DE"/>
-          </a:p>
-        </p:txBody>
-      </p:sp>
-      <p:sp>
-        <p:nvSpPr>
-          <p:cNvPr id="8195" name="Rectangle 2"/>
-          <p:cNvSpPr>
-            <a:spLocks noGrp="1" noRot="1" noChangeAspect="1" noChangeArrowheads="1" noTextEdit="1"/>
-          </p:cNvSpPr>
-          <p:nvPr>
-            <p:ph type="sldImg"/>
-          </p:nvPr>
-        </p:nvSpPr>
-        <p:spPr>
-          <a:ln/>
-        </p:spPr>
-      </p:sp>
-      <p:sp>
-        <p:nvSpPr>
-          <p:cNvPr id="8196" name="Rectangle 3"/>
-          <p:cNvSpPr>
-            <a:spLocks noGrp="1" noChangeArrowheads="1"/>
-          </p:cNvSpPr>
-          <p:nvPr>
-            <p:ph type="body" idx="1"/>
-          </p:nvPr>
-        </p:nvSpPr>
-        <p:spPr>
-          <a:noFill/>
-        </p:spPr>
-        <p:txBody>
-          <a:bodyPr lIns="94904" tIns="47452" rIns="94904" bIns="47452"/>
-          <a:lstStyle/>
-          <a:p>
-            <a:pPr eaLnBrk="1" hangingPunct="1"/>
-            <a:endParaRPr lang="de-DE" smtClean="0"/>
-          </a:p>
-        </p:txBody>
-      </p:sp>
-    </p:spTree>
-    <p:extLst>
-      <p:ext uri="{BB962C8B-B14F-4D97-AF65-F5344CB8AC3E}">
-        <p14:creationId xmlns:p14="http://schemas.microsoft.com/office/powerpoint/2010/main" val="745752036"/>
-      </p:ext>
-    </p:extLst>
-  </p:cSld>
-  <p:clrMapOvr>
-    <a:masterClrMapping/>
-  </p:clrMapOvr>
-</p:notes>
-</file>
-
-<file path=ppt/notesSlides/notesSlide8.xml><?xml version="1.0" encoding="utf-8"?>
-<p:notes xmlns:a="http://schemas.openxmlformats.org/drawingml/2006/main" xmlns:r="http://schemas.openxmlformats.org/officeDocument/2006/relationships" xmlns:p="http://schemas.openxmlformats.org/presentationml/2006/main">
-  <p:cSld>
-    <p:spTree>
-      <p:nvGrpSpPr>
-        <p:cNvPr id="1" name=""/>
-        <p:cNvGrpSpPr/>
-        <p:nvPr/>
-      </p:nvGrpSpPr>
-      <p:grpSpPr>
-        <a:xfrm>
-          <a:off x="0" y="0"/>
-          <a:ext cx="0" cy="0"/>
-          <a:chOff x="0" y="0"/>
-          <a:chExt cx="0" cy="0"/>
-        </a:xfrm>
-      </p:grpSpPr>
-      <p:sp>
-        <p:nvSpPr>
-          <p:cNvPr id="8194" name="Rectangle 7"/>
-          <p:cNvSpPr txBox="1">
-            <a:spLocks noGrp="1" noChangeArrowheads="1"/>
-          </p:cNvSpPr>
-          <p:nvPr/>
-        </p:nvSpPr>
-        <p:spPr bwMode="auto">
-          <a:xfrm>
-            <a:off x="4021138" y="9721850"/>
-            <a:ext cx="3076575" cy="511175"/>
-          </a:xfrm>
-          <a:prstGeom prst="rect">
-            <a:avLst/>
-          </a:prstGeom>
-          <a:noFill/>
-          <a:ln>
-            <a:noFill/>
-          </a:ln>
-          <a:extLst>
-            <a:ext uri="{909E8E84-426E-40dd-AFC4-6F175D3DCCD1}">
-              <a14:hiddenFill xmlns:a14="http://schemas.microsoft.com/office/drawing/2010/main">
-                <a:solidFill>
-                  <a:srgbClr val="FFFFFF"/>
-                </a:solidFill>
-              </a14:hiddenFill>
-            </a:ext>
-            <a:ext uri="{91240B29-F687-4f45-9708-019B960494DF}">
-              <a14:hiddenLine xmlns:a14="http://schemas.microsoft.com/office/drawing/2010/main" w="9525">
-                <a:solidFill>
-                  <a:srgbClr val="000000"/>
-                </a:solidFill>
-                <a:miter lim="800000"/>
-                <a:headEnd/>
-                <a:tailEnd/>
-              </a14:hiddenLine>
-            </a:ext>
-          </a:extLst>
-        </p:spPr>
-        <p:txBody>
-          <a:bodyPr lIns="94904" tIns="47452" rIns="94904" bIns="47452" anchor="b"/>
-          <a:lstStyle>
-            <a:lvl1pPr defTabSz="949325" eaLnBrk="0" hangingPunct="0">
-              <a:defRPr sz="1200">
-                <a:solidFill>
-                  <a:schemeClr val="tx1"/>
-                </a:solidFill>
-                <a:latin typeface="Arial" charset="0"/>
-              </a:defRPr>
-            </a:lvl1pPr>
-            <a:lvl2pPr marL="742950" indent="-285750" defTabSz="949325" eaLnBrk="0" hangingPunct="0">
-              <a:defRPr sz="1200">
-                <a:solidFill>
-                  <a:schemeClr val="tx1"/>
-                </a:solidFill>
-                <a:latin typeface="Arial" charset="0"/>
-              </a:defRPr>
-            </a:lvl2pPr>
-            <a:lvl3pPr marL="1143000" indent="-228600" defTabSz="949325" eaLnBrk="0" hangingPunct="0">
-              <a:defRPr sz="1200">
-                <a:solidFill>
-                  <a:schemeClr val="tx1"/>
-                </a:solidFill>
-                <a:latin typeface="Arial" charset="0"/>
-              </a:defRPr>
-            </a:lvl3pPr>
-            <a:lvl4pPr marL="1600200" indent="-228600" defTabSz="949325" eaLnBrk="0" hangingPunct="0">
-              <a:defRPr sz="1200">
-                <a:solidFill>
-                  <a:schemeClr val="tx1"/>
-                </a:solidFill>
-                <a:latin typeface="Arial" charset="0"/>
-              </a:defRPr>
-            </a:lvl4pPr>
-            <a:lvl5pPr marL="2057400" indent="-228600" defTabSz="949325" eaLnBrk="0" hangingPunct="0">
-              <a:defRPr sz="1200">
-                <a:solidFill>
-                  <a:schemeClr val="tx1"/>
-                </a:solidFill>
-                <a:latin typeface="Arial" charset="0"/>
-              </a:defRPr>
-            </a:lvl5pPr>
-            <a:lvl6pPr marL="2514600" indent="-228600" defTabSz="949325" eaLnBrk="0" fontAlgn="base" hangingPunct="0">
-              <a:spcBef>
-                <a:spcPct val="0"/>
-              </a:spcBef>
-              <a:spcAft>
-                <a:spcPct val="0"/>
-              </a:spcAft>
-              <a:defRPr sz="1200">
-                <a:solidFill>
-                  <a:schemeClr val="tx1"/>
-                </a:solidFill>
-                <a:latin typeface="Arial" charset="0"/>
-              </a:defRPr>
-            </a:lvl6pPr>
-            <a:lvl7pPr marL="2971800" indent="-228600" defTabSz="949325" eaLnBrk="0" fontAlgn="base" hangingPunct="0">
-              <a:spcBef>
-                <a:spcPct val="0"/>
-              </a:spcBef>
-              <a:spcAft>
-                <a:spcPct val="0"/>
-              </a:spcAft>
-              <a:defRPr sz="1200">
-                <a:solidFill>
-                  <a:schemeClr val="tx1"/>
-                </a:solidFill>
-                <a:latin typeface="Arial" charset="0"/>
-              </a:defRPr>
-            </a:lvl7pPr>
-            <a:lvl8pPr marL="3429000" indent="-228600" defTabSz="949325" eaLnBrk="0" fontAlgn="base" hangingPunct="0">
-              <a:spcBef>
-                <a:spcPct val="0"/>
-              </a:spcBef>
-              <a:spcAft>
-                <a:spcPct val="0"/>
-              </a:spcAft>
-              <a:defRPr sz="1200">
-                <a:solidFill>
-                  <a:schemeClr val="tx1"/>
-                </a:solidFill>
-                <a:latin typeface="Arial" charset="0"/>
-              </a:defRPr>
-            </a:lvl8pPr>
-            <a:lvl9pPr marL="3886200" indent="-228600" defTabSz="949325" eaLnBrk="0" fontAlgn="base" hangingPunct="0">
-              <a:spcBef>
-                <a:spcPct val="0"/>
-              </a:spcBef>
-              <a:spcAft>
-                <a:spcPct val="0"/>
-              </a:spcAft>
-              <a:defRPr sz="1200">
-                <a:solidFill>
-                  <a:schemeClr val="tx1"/>
-                </a:solidFill>
-                <a:latin typeface="Arial" charset="0"/>
-              </a:defRPr>
-            </a:lvl9pPr>
-          </a:lstStyle>
-          <a:p>
-            <a:pPr algn="r" eaLnBrk="1" hangingPunct="1"/>
-            <a:fld id="{4DF64DC3-509B-4839-BFB3-219CFD43D10D}" type="slidenum">
-              <a:rPr lang="de-DE"/>
-              <a:pPr algn="r" eaLnBrk="1" hangingPunct="1"/>
-              <a:t>9</a:t>
             </a:fld>
             <a:endParaRPr lang="de-DE"/>
           </a:p>
@@ -4501,422 +4283,9 @@
           <a:chExt cx="0" cy="0"/>
         </a:xfrm>
       </p:grpSpPr>
-      <p:graphicFrame>
-        <p:nvGraphicFramePr>
-          <p:cNvPr id="2" name="Tabelle 1"/>
-          <p:cNvGraphicFramePr>
-            <a:graphicFrameLocks noGrp="1"/>
-          </p:cNvGraphicFramePr>
-          <p:nvPr>
-            <p:extLst>
-              <p:ext uri="{D42A27DB-BD31-4B8C-83A1-F6EECF244321}">
-                <p14:modId xmlns:p14="http://schemas.microsoft.com/office/powerpoint/2010/main" val="2676765233"/>
-              </p:ext>
-            </p:extLst>
-          </p:nvPr>
-        </p:nvGraphicFramePr>
-        <p:xfrm>
-          <a:off x="812405" y="1933414"/>
-          <a:ext cx="7759581" cy="2115358"/>
-        </p:xfrm>
-        <a:graphic>
-          <a:graphicData uri="http://schemas.openxmlformats.org/drawingml/2006/table">
-            <a:tbl>
-              <a:tblPr firstRow="1" bandRow="1">
-                <a:tableStyleId>{5C22544A-7EE6-4342-B048-85BDC9FD1C3A}</a:tableStyleId>
-              </a:tblPr>
-              <a:tblGrid>
-                <a:gridCol w="2586527"/>
-                <a:gridCol w="2586527"/>
-                <a:gridCol w="2586527"/>
-              </a:tblGrid>
-              <a:tr h="523387">
-                <a:tc>
-                  <a:txBody>
-                    <a:bodyPr/>
-                    <a:lstStyle/>
-                    <a:p>
-                      <a:r>
-                        <a:rPr lang="de-DE" dirty="0" smtClean="0"/>
-                        <a:t>Model</a:t>
-                      </a:r>
-                      <a:endParaRPr lang="de-DE" dirty="0"/>
-                    </a:p>
-                  </a:txBody>
-                  <a:tcPr>
-                    <a:solidFill>
-                      <a:schemeClr val="accent5">
-                        <a:lumMod val="90000"/>
-                      </a:schemeClr>
-                    </a:solidFill>
-                  </a:tcPr>
-                </a:tc>
-                <a:tc>
-                  <a:txBody>
-                    <a:bodyPr/>
-                    <a:lstStyle/>
-                    <a:p>
-                      <a:pPr algn="ctr"/>
-                      <a:r>
-                        <a:rPr lang="de-DE" dirty="0" smtClean="0"/>
-                        <a:t>Precision</a:t>
-                      </a:r>
-                      <a:endParaRPr lang="de-DE" dirty="0"/>
-                    </a:p>
-                  </a:txBody>
-                  <a:tcPr/>
-                </a:tc>
-                <a:tc>
-                  <a:txBody>
-                    <a:bodyPr/>
-                    <a:lstStyle/>
-                    <a:p>
-                      <a:pPr algn="ctr"/>
-                      <a:r>
-                        <a:rPr lang="de-DE" dirty="0" smtClean="0"/>
-                        <a:t>Recall</a:t>
-                      </a:r>
-                      <a:endParaRPr lang="de-DE" dirty="0"/>
-                    </a:p>
-                  </a:txBody>
-                  <a:tcPr/>
-                </a:tc>
-              </a:tr>
-              <a:tr h="530657">
-                <a:tc>
-                  <a:txBody>
-                    <a:bodyPr/>
-                    <a:lstStyle/>
-                    <a:p>
-                      <a:pPr algn="l"/>
-                      <a:r>
-                        <a:rPr lang="de-DE" dirty="0" err="1" smtClean="0"/>
-                        <a:t>MultinomialNB</a:t>
-                      </a:r>
-                      <a:endParaRPr lang="de-DE" dirty="0"/>
-                    </a:p>
-                  </a:txBody>
-                  <a:tcPr anchor="ctr"/>
-                </a:tc>
-                <a:tc>
-                  <a:txBody>
-                    <a:bodyPr/>
-                    <a:lstStyle/>
-                    <a:p>
-                      <a:pPr algn="ctr"/>
-                      <a:r>
-                        <a:rPr lang="is-IS" dirty="0" smtClean="0"/>
-                        <a:t>0.332</a:t>
-                      </a:r>
-                      <a:endParaRPr lang="de-DE" dirty="0"/>
-                    </a:p>
-                  </a:txBody>
-                  <a:tcPr anchor="ctr"/>
-                </a:tc>
-                <a:tc>
-                  <a:txBody>
-                    <a:bodyPr/>
-                    <a:lstStyle/>
-                    <a:p>
-                      <a:pPr algn="ctr"/>
-                      <a:r>
-                        <a:rPr lang="nb-NO" dirty="0" smtClean="0"/>
-                        <a:t>0.285</a:t>
-                      </a:r>
-                      <a:endParaRPr lang="de-DE" dirty="0"/>
-                    </a:p>
-                  </a:txBody>
-                  <a:tcPr anchor="ctr"/>
-                </a:tc>
-              </a:tr>
-              <a:tr h="530657">
-                <a:tc>
-                  <a:txBody>
-                    <a:bodyPr/>
-                    <a:lstStyle/>
-                    <a:p>
-                      <a:pPr algn="l"/>
-                      <a:r>
-                        <a:rPr lang="de-DE" dirty="0" err="1" smtClean="0"/>
-                        <a:t>k-Means</a:t>
-                      </a:r>
-                      <a:r>
-                        <a:rPr lang="de-DE" dirty="0" smtClean="0"/>
-                        <a:t> </a:t>
-                      </a:r>
-                      <a:r>
-                        <a:rPr lang="de-DE" baseline="30000" dirty="0" smtClean="0"/>
-                        <a:t>1)</a:t>
-                      </a:r>
-                      <a:endParaRPr lang="de-DE" baseline="30000" dirty="0"/>
-                    </a:p>
-                  </a:txBody>
-                  <a:tcPr anchor="ctr"/>
-                </a:tc>
-                <a:tc>
-                  <a:txBody>
-                    <a:bodyPr/>
-                    <a:lstStyle/>
-                    <a:p>
-                      <a:pPr algn="ctr"/>
-                      <a:r>
-                        <a:rPr lang="de-DE" dirty="0" smtClean="0"/>
-                        <a:t>0.298</a:t>
-                      </a:r>
-                      <a:endParaRPr lang="de-DE" dirty="0"/>
-                    </a:p>
-                  </a:txBody>
-                  <a:tcPr anchor="ctr"/>
-                </a:tc>
-                <a:tc>
-                  <a:txBody>
-                    <a:bodyPr/>
-                    <a:lstStyle/>
-                    <a:p>
-                      <a:pPr algn="ctr"/>
-                      <a:r>
-                        <a:rPr lang="de-DE" dirty="0" smtClean="0"/>
-                        <a:t>0.262</a:t>
-                      </a:r>
-                      <a:endParaRPr lang="de-DE" dirty="0"/>
-                    </a:p>
-                  </a:txBody>
-                  <a:tcPr anchor="ctr"/>
-                </a:tc>
-              </a:tr>
-              <a:tr h="530657">
-                <a:tc>
-                  <a:txBody>
-                    <a:bodyPr/>
-                    <a:lstStyle/>
-                    <a:p>
-                      <a:pPr algn="l"/>
-                      <a:r>
-                        <a:rPr lang="de-DE" dirty="0" smtClean="0"/>
-                        <a:t>HAC </a:t>
-                      </a:r>
-                      <a:r>
-                        <a:rPr lang="de-DE" baseline="30000" dirty="0" smtClean="0"/>
-                        <a:t>2)</a:t>
-                      </a:r>
-                      <a:endParaRPr lang="de-DE" baseline="30000" dirty="0"/>
-                    </a:p>
-                  </a:txBody>
-                  <a:tcPr anchor="ctr"/>
-                </a:tc>
-                <a:tc>
-                  <a:txBody>
-                    <a:bodyPr/>
-                    <a:lstStyle/>
-                    <a:p>
-                      <a:pPr algn="ctr"/>
-                      <a:r>
-                        <a:rPr lang="de-DE" dirty="0" smtClean="0"/>
-                        <a:t>0.281</a:t>
-                      </a:r>
-                      <a:endParaRPr lang="de-DE" dirty="0"/>
-                    </a:p>
-                  </a:txBody>
-                  <a:tcPr anchor="ctr"/>
-                </a:tc>
-                <a:tc>
-                  <a:txBody>
-                    <a:bodyPr/>
-                    <a:lstStyle/>
-                    <a:p>
-                      <a:pPr algn="ctr"/>
-                      <a:r>
-                        <a:rPr lang="de-DE" dirty="0" smtClean="0"/>
-                        <a:t>0.255</a:t>
-                      </a:r>
-                      <a:endParaRPr lang="de-DE" dirty="0"/>
-                    </a:p>
-                  </a:txBody>
-                  <a:tcPr anchor="ctr"/>
-                </a:tc>
-              </a:tr>
-            </a:tbl>
-          </a:graphicData>
-        </a:graphic>
-      </p:graphicFrame>
       <p:sp>
         <p:nvSpPr>
-          <p:cNvPr id="5" name="Textfeld 4"/>
-          <p:cNvSpPr txBox="1"/>
-          <p:nvPr/>
-        </p:nvSpPr>
-        <p:spPr>
-          <a:xfrm>
-            <a:off x="812405" y="4675100"/>
-            <a:ext cx="7759581" cy="860748"/>
-          </a:xfrm>
-          <a:prstGeom prst="rect">
-            <a:avLst/>
-          </a:prstGeom>
-          <a:noFill/>
-        </p:spPr>
-        <p:txBody>
-          <a:bodyPr wrap="square" rtlCol="0">
-            <a:spAutoFit/>
-          </a:bodyPr>
-          <a:lstStyle/>
-          <a:p>
-            <a:pPr>
-              <a:lnSpc>
-                <a:spcPct val="120000"/>
-              </a:lnSpc>
-            </a:pPr>
-            <a:r>
-              <a:rPr lang="de-DE" sz="1400" dirty="0" smtClean="0"/>
-              <a:t>All </a:t>
-            </a:r>
-            <a:r>
-              <a:rPr lang="de-DE" sz="1400" dirty="0" err="1" smtClean="0"/>
-              <a:t>results</a:t>
-            </a:r>
-            <a:r>
-              <a:rPr lang="de-DE" sz="1400" dirty="0" smtClean="0"/>
-              <a:t> </a:t>
-            </a:r>
-            <a:r>
-              <a:rPr lang="de-DE" sz="1400" dirty="0" err="1" smtClean="0"/>
-              <a:t>are</a:t>
-            </a:r>
-            <a:r>
-              <a:rPr lang="de-DE" sz="1400" dirty="0" smtClean="0"/>
-              <a:t> </a:t>
-            </a:r>
-            <a:r>
-              <a:rPr lang="de-DE" sz="1400" dirty="0" err="1" smtClean="0"/>
-              <a:t>based</a:t>
-            </a:r>
-            <a:r>
-              <a:rPr lang="de-DE" sz="1400" dirty="0" smtClean="0"/>
-              <a:t> on </a:t>
-            </a:r>
-            <a:r>
-              <a:rPr lang="de-DE" sz="1400" u="sng" dirty="0" err="1" smtClean="0"/>
-              <a:t>two</a:t>
-            </a:r>
-            <a:r>
-              <a:rPr lang="de-DE" sz="1400" u="sng" dirty="0" smtClean="0"/>
-              <a:t> </a:t>
-            </a:r>
-            <a:r>
-              <a:rPr lang="de-DE" sz="1400" u="sng" dirty="0" err="1" smtClean="0"/>
-              <a:t>predicted</a:t>
-            </a:r>
-            <a:r>
-              <a:rPr lang="de-DE" sz="1400" u="sng" dirty="0" smtClean="0"/>
-              <a:t> tags</a:t>
-            </a:r>
-            <a:r>
-              <a:rPr lang="de-DE" sz="1400" dirty="0" smtClean="0"/>
-              <a:t> (</a:t>
-            </a:r>
-            <a:r>
-              <a:rPr lang="de-DE" sz="1400" dirty="0" err="1" smtClean="0"/>
-              <a:t>average</a:t>
-            </a:r>
-            <a:r>
-              <a:rPr lang="de-DE" sz="1400" dirty="0" smtClean="0"/>
-              <a:t> tag </a:t>
-            </a:r>
-            <a:r>
-              <a:rPr lang="de-DE" sz="1400" dirty="0" err="1" smtClean="0"/>
-              <a:t>assignment</a:t>
-            </a:r>
-            <a:r>
-              <a:rPr lang="de-DE" sz="1400" dirty="0" smtClean="0"/>
-              <a:t> = 2.68)</a:t>
-            </a:r>
-          </a:p>
-          <a:p>
-            <a:pPr>
-              <a:lnSpc>
-                <a:spcPct val="120000"/>
-              </a:lnSpc>
-            </a:pPr>
-            <a:r>
-              <a:rPr lang="de-DE" sz="1400" baseline="30000" dirty="0" smtClean="0"/>
-              <a:t>1) </a:t>
-            </a:r>
-            <a:r>
-              <a:rPr lang="de-DE" sz="1400" dirty="0" err="1" smtClean="0"/>
-              <a:t>Number</a:t>
-            </a:r>
-            <a:r>
-              <a:rPr lang="de-DE" sz="1400" dirty="0" smtClean="0"/>
-              <a:t> </a:t>
-            </a:r>
-            <a:r>
-              <a:rPr lang="de-DE" sz="1400" dirty="0" err="1" smtClean="0"/>
-              <a:t>of</a:t>
-            </a:r>
-            <a:r>
-              <a:rPr lang="de-DE" sz="1400" dirty="0" smtClean="0"/>
-              <a:t> </a:t>
-            </a:r>
-            <a:r>
-              <a:rPr lang="de-DE" sz="1400" dirty="0" err="1" smtClean="0"/>
-              <a:t>clusters</a:t>
-            </a:r>
-            <a:r>
-              <a:rPr lang="de-DE" sz="1400" dirty="0" smtClean="0"/>
-              <a:t> = #tags  </a:t>
-            </a:r>
-          </a:p>
-          <a:p>
-            <a:pPr>
-              <a:lnSpc>
-                <a:spcPct val="120000"/>
-              </a:lnSpc>
-            </a:pPr>
-            <a:r>
-              <a:rPr lang="de-DE" sz="1400" baseline="30000" dirty="0" smtClean="0"/>
-              <a:t>2) </a:t>
-            </a:r>
-            <a:r>
-              <a:rPr lang="de-DE" sz="1400" dirty="0" err="1" smtClean="0"/>
-              <a:t>Stop</a:t>
-            </a:r>
-            <a:r>
-              <a:rPr lang="de-DE" sz="1400" dirty="0" smtClean="0"/>
-              <a:t> </a:t>
-            </a:r>
-            <a:r>
-              <a:rPr lang="de-DE" sz="1400" dirty="0" err="1" smtClean="0"/>
-              <a:t>criterion</a:t>
-            </a:r>
-            <a:r>
-              <a:rPr lang="de-DE" sz="1400" dirty="0" smtClean="0"/>
-              <a:t> = #</a:t>
-            </a:r>
-            <a:r>
-              <a:rPr lang="de-DE" sz="1400" dirty="0" err="1" smtClean="0"/>
-              <a:t>clusters</a:t>
-            </a:r>
-            <a:r>
-              <a:rPr lang="de-DE" sz="1400" dirty="0" smtClean="0"/>
-              <a:t> </a:t>
-            </a:r>
-            <a:r>
-              <a:rPr lang="de-DE" sz="1400" dirty="0" smtClean="0">
-                <a:sym typeface="Wingdings"/>
-              </a:rPr>
-              <a:t> </a:t>
-            </a:r>
-            <a:r>
-              <a:rPr lang="de-DE" sz="1400" dirty="0" smtClean="0"/>
-              <a:t>#tags</a:t>
-            </a:r>
-            <a:endParaRPr lang="de-DE" sz="1400" dirty="0"/>
-          </a:p>
-        </p:txBody>
-      </p:sp>
-      <p:sp>
-        <p:nvSpPr>
-          <p:cNvPr id="8" name="Rectangle 2"/>
+          <p:cNvPr id="4" name="Rectangle 2"/>
           <p:cNvSpPr txBox="1">
             <a:spLocks noChangeArrowheads="1"/>
           </p:cNvSpPr>
@@ -5103,36 +4472,536 @@
           <a:p>
             <a:pPr eaLnBrk="1" hangingPunct="1"/>
             <a:r>
-              <a:rPr lang="de-DE" sz="1500" b="1" dirty="0" err="1" smtClean="0"/>
-              <a:t>Current</a:t>
-            </a:r>
-            <a:r>
-              <a:rPr lang="de-DE" sz="1500" b="1" dirty="0" smtClean="0"/>
-              <a:t> Approach</a:t>
-            </a:r>
-            <a:r>
               <a:rPr lang="de-DE" b="1" dirty="0" smtClean="0"/>
-              <a:t/>
-            </a:r>
-            <a:br>
-              <a:rPr lang="de-DE" b="1" dirty="0" smtClean="0"/>
-            </a:br>
-            <a:r>
-              <a:rPr lang="de-DE" b="1" dirty="0" smtClean="0"/>
-              <a:t>First </a:t>
-            </a:r>
-            <a:r>
-              <a:rPr lang="de-DE" b="1" dirty="0" err="1" smtClean="0"/>
-              <a:t>results</a:t>
+              <a:t>Problems</a:t>
             </a:r>
             <a:endParaRPr lang="de-DE" b="1" kern="0" dirty="0" smtClean="0"/>
+          </a:p>
+        </p:txBody>
+      </p:sp>
+      <p:sp>
+        <p:nvSpPr>
+          <p:cNvPr id="2" name="Textfeld 1"/>
+          <p:cNvSpPr txBox="1"/>
+          <p:nvPr/>
+        </p:nvSpPr>
+        <p:spPr>
+          <a:xfrm>
+            <a:off x="461963" y="1555747"/>
+            <a:ext cx="8224837" cy="1412694"/>
+          </a:xfrm>
+          <a:prstGeom prst="rect">
+            <a:avLst/>
+          </a:prstGeom>
+          <a:noFill/>
+        </p:spPr>
+        <p:txBody>
+          <a:bodyPr wrap="square" rtlCol="0">
+            <a:spAutoFit/>
+          </a:bodyPr>
+          <a:lstStyle/>
+          <a:p>
+            <a:pPr>
+              <a:lnSpc>
+                <a:spcPct val="120000"/>
+              </a:lnSpc>
+            </a:pPr>
+            <a:r>
+              <a:rPr lang="de-DE" sz="1800" b="1" dirty="0" err="1" smtClean="0"/>
+              <a:t>Preprocessing</a:t>
+            </a:r>
+            <a:r>
+              <a:rPr lang="de-DE" sz="1800" b="1" dirty="0" smtClean="0"/>
+              <a:t>:</a:t>
+            </a:r>
+            <a:endParaRPr lang="de-DE" sz="1800" dirty="0"/>
+          </a:p>
+          <a:p>
+            <a:pPr marL="742950" lvl="1" indent="-285750">
+              <a:lnSpc>
+                <a:spcPct val="120000"/>
+              </a:lnSpc>
+              <a:buFont typeface="Wingdings" charset="2"/>
+              <a:buChar char="§"/>
+            </a:pPr>
+            <a:r>
+              <a:rPr lang="de-DE" sz="1800" dirty="0" smtClean="0"/>
+              <a:t>H</a:t>
+            </a:r>
+            <a:r>
+              <a:rPr lang="de-DE" sz="1800" dirty="0" smtClean="0">
+                <a:sym typeface="Wingdings"/>
+              </a:rPr>
+              <a:t>igh </a:t>
+            </a:r>
+            <a:r>
+              <a:rPr lang="de-DE" sz="1800" dirty="0" err="1" smtClean="0">
+                <a:sym typeface="Wingdings"/>
+              </a:rPr>
+              <a:t>dimensionality</a:t>
+            </a:r>
+            <a:r>
+              <a:rPr lang="de-DE" sz="1800" dirty="0" smtClean="0">
+                <a:sym typeface="Wingdings"/>
+              </a:rPr>
+              <a:t>  </a:t>
+            </a:r>
+            <a:r>
+              <a:rPr lang="de-DE" sz="1800" dirty="0" err="1" smtClean="0">
+                <a:sym typeface="Wingdings"/>
+              </a:rPr>
+              <a:t>sparse</a:t>
+            </a:r>
+            <a:r>
+              <a:rPr lang="de-DE" sz="1800" dirty="0" smtClean="0">
+                <a:sym typeface="Wingdings"/>
+              </a:rPr>
+              <a:t> </a:t>
+            </a:r>
+            <a:r>
+              <a:rPr lang="de-DE" sz="1800" dirty="0" err="1" smtClean="0">
+                <a:sym typeface="Wingdings"/>
+              </a:rPr>
+              <a:t>matrix</a:t>
+            </a:r>
+            <a:endParaRPr lang="de-DE" sz="1800" dirty="0" smtClean="0">
+              <a:sym typeface="Wingdings"/>
+            </a:endParaRPr>
+          </a:p>
+          <a:p>
+            <a:pPr marL="742950" lvl="1" indent="-285750">
+              <a:lnSpc>
+                <a:spcPct val="120000"/>
+              </a:lnSpc>
+              <a:buFont typeface="Wingdings" charset="2"/>
+              <a:buChar char="§"/>
+            </a:pPr>
+            <a:r>
+              <a:rPr lang="de-DE" sz="1800" dirty="0" smtClean="0"/>
+              <a:t>POS-</a:t>
+            </a:r>
+            <a:r>
+              <a:rPr lang="de-DE" sz="1800" dirty="0" err="1" smtClean="0"/>
+              <a:t>tagging</a:t>
+            </a:r>
+            <a:r>
+              <a:rPr lang="de-DE" sz="1800" dirty="0" smtClean="0"/>
+              <a:t> </a:t>
+            </a:r>
+            <a:r>
+              <a:rPr lang="de-DE" sz="1800" dirty="0" err="1" smtClean="0"/>
+              <a:t>and</a:t>
+            </a:r>
+            <a:r>
+              <a:rPr lang="de-DE" sz="1800" dirty="0" smtClean="0"/>
+              <a:t> </a:t>
+            </a:r>
+            <a:r>
+              <a:rPr lang="de-DE" sz="1800" dirty="0" err="1" smtClean="0"/>
+              <a:t>lemmatization</a:t>
+            </a:r>
+            <a:r>
+              <a:rPr lang="de-DE" sz="1800" dirty="0" smtClean="0"/>
+              <a:t> not </a:t>
+            </a:r>
+            <a:r>
+              <a:rPr lang="de-DE" sz="1800" dirty="0" err="1" smtClean="0"/>
+              <a:t>working</a:t>
+            </a:r>
+            <a:r>
+              <a:rPr lang="de-DE" sz="1800" dirty="0" smtClean="0"/>
+              <a:t> </a:t>
+            </a:r>
+            <a:r>
+              <a:rPr lang="de-DE" sz="1800" dirty="0" err="1" smtClean="0"/>
+              <a:t>good</a:t>
+            </a:r>
+            <a:r>
+              <a:rPr lang="de-DE" sz="1800" dirty="0" smtClean="0"/>
+              <a:t> </a:t>
+            </a:r>
+            <a:r>
+              <a:rPr lang="de-DE" sz="1800" dirty="0" err="1" smtClean="0"/>
+              <a:t>enough</a:t>
+            </a:r>
+            <a:endParaRPr lang="de-DE" sz="1800" dirty="0" smtClean="0"/>
+          </a:p>
+          <a:p>
+            <a:pPr marL="742950" lvl="1" indent="-285750">
+              <a:lnSpc>
+                <a:spcPct val="120000"/>
+              </a:lnSpc>
+              <a:buFont typeface="Wingdings" charset="2"/>
+              <a:buChar char="§"/>
+            </a:pPr>
+            <a:r>
+              <a:rPr lang="de-DE" sz="1800" dirty="0" err="1" smtClean="0"/>
+              <a:t>Merge</a:t>
+            </a:r>
+            <a:r>
+              <a:rPr lang="de-DE" sz="1800" dirty="0" smtClean="0"/>
+              <a:t> </a:t>
+            </a:r>
+            <a:r>
+              <a:rPr lang="de-DE" sz="1800" dirty="0" err="1"/>
+              <a:t>s</a:t>
+            </a:r>
+            <a:r>
+              <a:rPr lang="de-DE" sz="1800" dirty="0" err="1" smtClean="0"/>
+              <a:t>ynonyms</a:t>
+            </a:r>
+            <a:r>
+              <a:rPr lang="de-DE" sz="1800" dirty="0" smtClean="0"/>
+              <a:t> </a:t>
+            </a:r>
+            <a:r>
+              <a:rPr lang="de-DE" sz="1800" dirty="0" err="1" smtClean="0"/>
+              <a:t>and</a:t>
+            </a:r>
+            <a:r>
+              <a:rPr lang="de-DE" sz="1800" dirty="0" smtClean="0"/>
+              <a:t> </a:t>
+            </a:r>
+            <a:r>
+              <a:rPr lang="de-DE" sz="1800" dirty="0" err="1" smtClean="0"/>
+              <a:t>similar</a:t>
+            </a:r>
+            <a:r>
+              <a:rPr lang="de-DE" sz="1800" dirty="0" smtClean="0"/>
+              <a:t> tags</a:t>
+            </a:r>
+            <a:endParaRPr lang="de-DE" sz="1800" dirty="0"/>
+          </a:p>
+        </p:txBody>
+      </p:sp>
+      <p:sp>
+        <p:nvSpPr>
+          <p:cNvPr id="6" name="Textfeld 5"/>
+          <p:cNvSpPr txBox="1"/>
+          <p:nvPr/>
+        </p:nvSpPr>
+        <p:spPr>
+          <a:xfrm>
+            <a:off x="461963" y="3312905"/>
+            <a:ext cx="8224837" cy="1080296"/>
+          </a:xfrm>
+          <a:prstGeom prst="rect">
+            <a:avLst/>
+          </a:prstGeom>
+          <a:noFill/>
+        </p:spPr>
+        <p:txBody>
+          <a:bodyPr wrap="square" rtlCol="0">
+            <a:spAutoFit/>
+          </a:bodyPr>
+          <a:lstStyle/>
+          <a:p>
+            <a:pPr>
+              <a:lnSpc>
+                <a:spcPct val="120000"/>
+              </a:lnSpc>
+            </a:pPr>
+            <a:r>
+              <a:rPr lang="de-DE" sz="1800" b="1" dirty="0" smtClean="0"/>
+              <a:t>Learning:</a:t>
+            </a:r>
+            <a:endParaRPr lang="de-DE" sz="1800" dirty="0"/>
+          </a:p>
+          <a:p>
+            <a:pPr marL="742950" lvl="1" indent="-285750">
+              <a:lnSpc>
+                <a:spcPct val="120000"/>
+              </a:lnSpc>
+              <a:buFont typeface="Wingdings" charset="2"/>
+              <a:buChar char="§"/>
+            </a:pPr>
+            <a:r>
+              <a:rPr lang="de-DE" sz="1800" dirty="0" err="1" smtClean="0"/>
+              <a:t>Choosing</a:t>
+            </a:r>
+            <a:r>
+              <a:rPr lang="de-DE" sz="1800" dirty="0" smtClean="0"/>
+              <a:t> proper </a:t>
+            </a:r>
+            <a:r>
+              <a:rPr lang="de-DE" sz="1800" dirty="0" err="1" smtClean="0"/>
+              <a:t>number</a:t>
+            </a:r>
+            <a:r>
+              <a:rPr lang="de-DE" sz="1800" dirty="0" smtClean="0"/>
+              <a:t> </a:t>
+            </a:r>
+            <a:r>
+              <a:rPr lang="de-DE" sz="1800" dirty="0" err="1" smtClean="0"/>
+              <a:t>of</a:t>
+            </a:r>
+            <a:r>
+              <a:rPr lang="de-DE" sz="1800" dirty="0" smtClean="0"/>
+              <a:t> </a:t>
+            </a:r>
+            <a:r>
+              <a:rPr lang="de-DE" sz="1800" dirty="0" err="1" smtClean="0"/>
+              <a:t>clusters</a:t>
+            </a:r>
+            <a:r>
+              <a:rPr lang="de-DE" sz="1800" dirty="0" smtClean="0"/>
+              <a:t> (</a:t>
+            </a:r>
+            <a:r>
+              <a:rPr lang="de-DE" sz="1800" i="1" dirty="0" err="1" smtClean="0"/>
+              <a:t>k</a:t>
+            </a:r>
+            <a:r>
+              <a:rPr lang="de-DE" sz="1800" dirty="0" smtClean="0"/>
+              <a:t>) </a:t>
+            </a:r>
+            <a:r>
+              <a:rPr lang="de-DE" sz="1800" dirty="0" smtClean="0">
+                <a:sym typeface="Wingdings"/>
+              </a:rPr>
+              <a:t> </a:t>
+            </a:r>
+            <a:r>
+              <a:rPr lang="de-DE" sz="1800" dirty="0" err="1" smtClean="0">
+                <a:sym typeface="Wingdings"/>
+              </a:rPr>
+              <a:t>dendrogram</a:t>
+            </a:r>
+            <a:r>
+              <a:rPr lang="de-DE" sz="1800" dirty="0" smtClean="0">
+                <a:sym typeface="Wingdings"/>
+              </a:rPr>
+              <a:t> </a:t>
+            </a:r>
+            <a:r>
+              <a:rPr lang="de-DE" sz="1800" dirty="0" err="1" smtClean="0">
+                <a:sym typeface="Wingdings"/>
+              </a:rPr>
+              <a:t>from</a:t>
+            </a:r>
+            <a:r>
+              <a:rPr lang="de-DE" sz="1800" dirty="0" smtClean="0">
+                <a:sym typeface="Wingdings"/>
+              </a:rPr>
+              <a:t> HAC</a:t>
+            </a:r>
+            <a:endParaRPr lang="de-DE" sz="1800" dirty="0" smtClean="0"/>
+          </a:p>
+          <a:p>
+            <a:pPr marL="742950" lvl="1" indent="-285750">
+              <a:lnSpc>
+                <a:spcPct val="120000"/>
+              </a:lnSpc>
+              <a:buFont typeface="Wingdings" charset="2"/>
+              <a:buChar char="§"/>
+            </a:pPr>
+            <a:r>
+              <a:rPr lang="de-DE" sz="1800" dirty="0" err="1" smtClean="0"/>
+              <a:t>Finding</a:t>
+            </a:r>
+            <a:r>
+              <a:rPr lang="de-DE" sz="1800" dirty="0" smtClean="0"/>
+              <a:t> </a:t>
+            </a:r>
+            <a:r>
+              <a:rPr lang="de-DE" sz="1800" dirty="0" err="1" smtClean="0"/>
+              <a:t>best</a:t>
+            </a:r>
+            <a:r>
+              <a:rPr lang="de-DE" sz="1800" dirty="0" smtClean="0"/>
+              <a:t> </a:t>
+            </a:r>
+            <a:r>
+              <a:rPr lang="de-DE" sz="1800" dirty="0" err="1" smtClean="0"/>
+              <a:t>fitting</a:t>
+            </a:r>
+            <a:r>
+              <a:rPr lang="de-DE" sz="1800" dirty="0" smtClean="0"/>
+              <a:t> </a:t>
+            </a:r>
+            <a:r>
+              <a:rPr lang="de-DE" sz="1800" dirty="0" err="1" smtClean="0"/>
+              <a:t>model</a:t>
+            </a:r>
+            <a:r>
+              <a:rPr lang="de-DE" sz="1800" dirty="0" smtClean="0"/>
+              <a:t> </a:t>
+            </a:r>
+            <a:r>
+              <a:rPr lang="de-DE" sz="1800" dirty="0" err="1" smtClean="0"/>
+              <a:t>and</a:t>
+            </a:r>
+            <a:r>
+              <a:rPr lang="de-DE" sz="1800" dirty="0" smtClean="0"/>
+              <a:t> #tags </a:t>
+            </a:r>
+            <a:r>
+              <a:rPr lang="de-DE" sz="1800" dirty="0" err="1" smtClean="0"/>
+              <a:t>to</a:t>
+            </a:r>
+            <a:r>
+              <a:rPr lang="de-DE" sz="1800" dirty="0" smtClean="0"/>
+              <a:t> </a:t>
+            </a:r>
+            <a:r>
+              <a:rPr lang="de-DE" sz="1800" dirty="0" err="1" smtClean="0"/>
+              <a:t>predict</a:t>
+            </a:r>
+            <a:endParaRPr lang="de-DE" sz="1800" dirty="0"/>
+          </a:p>
+        </p:txBody>
+      </p:sp>
+      <p:sp>
+        <p:nvSpPr>
+          <p:cNvPr id="7" name="Textfeld 6"/>
+          <p:cNvSpPr txBox="1"/>
+          <p:nvPr/>
+        </p:nvSpPr>
+        <p:spPr>
+          <a:xfrm>
+            <a:off x="461963" y="4742313"/>
+            <a:ext cx="8224837" cy="1080296"/>
+          </a:xfrm>
+          <a:prstGeom prst="rect">
+            <a:avLst/>
+          </a:prstGeom>
+          <a:noFill/>
+        </p:spPr>
+        <p:txBody>
+          <a:bodyPr wrap="square" rtlCol="0">
+            <a:spAutoFit/>
+          </a:bodyPr>
+          <a:lstStyle/>
+          <a:p>
+            <a:pPr>
+              <a:lnSpc>
+                <a:spcPct val="120000"/>
+              </a:lnSpc>
+            </a:pPr>
+            <a:r>
+              <a:rPr lang="de-DE" sz="1600" b="1" dirty="0" err="1" smtClean="0"/>
+              <a:t>Runtime</a:t>
+            </a:r>
+            <a:r>
+              <a:rPr lang="de-DE" sz="1600" b="1" dirty="0" smtClean="0"/>
+              <a:t> </a:t>
+            </a:r>
+            <a:r>
+              <a:rPr lang="de-DE" sz="1800" b="1" dirty="0" smtClean="0"/>
+              <a:t>&amp; </a:t>
+            </a:r>
+            <a:r>
+              <a:rPr lang="de-DE" sz="1800" b="1" dirty="0" err="1" smtClean="0"/>
+              <a:t>memory</a:t>
+            </a:r>
+            <a:r>
+              <a:rPr lang="de-DE" sz="1800" b="1" dirty="0" smtClean="0"/>
+              <a:t>:</a:t>
+            </a:r>
+            <a:endParaRPr lang="de-DE" sz="1800" dirty="0"/>
+          </a:p>
+          <a:p>
+            <a:pPr marL="742950" lvl="1" indent="-285750">
+              <a:lnSpc>
+                <a:spcPct val="120000"/>
+              </a:lnSpc>
+              <a:buFont typeface="Wingdings" charset="2"/>
+              <a:buChar char="§"/>
+            </a:pPr>
+            <a:r>
+              <a:rPr lang="de-DE" sz="1800" dirty="0" err="1" smtClean="0"/>
+              <a:t>Too</a:t>
+            </a:r>
+            <a:r>
+              <a:rPr lang="de-DE" sz="1800" dirty="0" smtClean="0"/>
+              <a:t> </a:t>
+            </a:r>
+            <a:r>
+              <a:rPr lang="de-DE" sz="1800" dirty="0" err="1" smtClean="0"/>
+              <a:t>many</a:t>
+            </a:r>
+            <a:r>
+              <a:rPr lang="de-DE" sz="1800" dirty="0" smtClean="0"/>
+              <a:t> </a:t>
+            </a:r>
+            <a:r>
+              <a:rPr lang="de-DE" sz="1800" dirty="0" err="1" smtClean="0"/>
+              <a:t>features</a:t>
+            </a:r>
+            <a:r>
+              <a:rPr lang="de-DE" sz="1800" dirty="0" smtClean="0"/>
+              <a:t> </a:t>
+            </a:r>
+            <a:r>
+              <a:rPr lang="de-DE" sz="1800" dirty="0" err="1" smtClean="0"/>
+              <a:t>for</a:t>
+            </a:r>
+            <a:r>
+              <a:rPr lang="de-DE" sz="1800" dirty="0" smtClean="0"/>
+              <a:t> </a:t>
+            </a:r>
+            <a:r>
+              <a:rPr lang="de-DE" sz="1800" dirty="0" err="1" smtClean="0"/>
+              <a:t>forward</a:t>
+            </a:r>
+            <a:r>
+              <a:rPr lang="de-DE" sz="1800" dirty="0" smtClean="0"/>
+              <a:t>/</a:t>
+            </a:r>
+            <a:r>
+              <a:rPr lang="de-DE" sz="1800" dirty="0" err="1" smtClean="0"/>
+              <a:t>backward</a:t>
+            </a:r>
+            <a:r>
+              <a:rPr lang="de-DE" sz="1800" dirty="0" smtClean="0"/>
+              <a:t> </a:t>
+            </a:r>
+            <a:r>
+              <a:rPr lang="de-DE" sz="1800" dirty="0" err="1" smtClean="0"/>
+              <a:t>selection</a:t>
+            </a:r>
+            <a:endParaRPr lang="de-DE" sz="1800" dirty="0"/>
+          </a:p>
+          <a:p>
+            <a:pPr marL="742950" lvl="1" indent="-285750">
+              <a:lnSpc>
+                <a:spcPct val="120000"/>
+              </a:lnSpc>
+              <a:buFont typeface="Wingdings" charset="2"/>
+              <a:buChar char="§"/>
+            </a:pPr>
+            <a:r>
+              <a:rPr lang="de-DE" sz="1800" dirty="0" smtClean="0"/>
+              <a:t>HAC </a:t>
+            </a:r>
+            <a:r>
+              <a:rPr lang="de-DE" sz="1600" dirty="0" err="1" smtClean="0"/>
+              <a:t>very</a:t>
+            </a:r>
+            <a:r>
+              <a:rPr lang="de-DE" sz="1600" dirty="0" smtClean="0"/>
+              <a:t> intensive </a:t>
+            </a:r>
+            <a:r>
+              <a:rPr lang="de-DE" sz="1600" dirty="0" err="1" smtClean="0"/>
+              <a:t>to</a:t>
+            </a:r>
+            <a:r>
+              <a:rPr lang="de-DE" sz="1600" dirty="0" smtClean="0"/>
+              <a:t> </a:t>
+            </a:r>
+            <a:r>
+              <a:rPr lang="de-DE" sz="1600" dirty="0" err="1" smtClean="0"/>
+              <a:t>compute</a:t>
+            </a:r>
+            <a:endParaRPr lang="de-DE" sz="1600" dirty="0"/>
           </a:p>
         </p:txBody>
       </p:sp>
     </p:spTree>
     <p:extLst>
       <p:ext uri="{BB962C8B-B14F-4D97-AF65-F5344CB8AC3E}">
-        <p14:creationId xmlns:p14="http://schemas.microsoft.com/office/powerpoint/2010/main" val="1843644244"/>
+        <p14:creationId xmlns:p14="http://schemas.microsoft.com/office/powerpoint/2010/main" val="373960713"/>
       </p:ext>
     </p:extLst>
   </p:cSld>
@@ -5355,8 +5224,20 @@
           <a:p>
             <a:pPr eaLnBrk="1" hangingPunct="1"/>
             <a:r>
+              <a:rPr lang="de-DE" b="1" dirty="0" err="1" smtClean="0"/>
+              <a:t>Expected</a:t>
+            </a:r>
+            <a:r>
               <a:rPr lang="de-DE" b="1" dirty="0" smtClean="0"/>
-              <a:t>Problems</a:t>
+              <a:t> </a:t>
+            </a:r>
+            <a:r>
+              <a:rPr lang="de-DE" b="1" dirty="0" err="1" smtClean="0"/>
+              <a:t>results</a:t>
+            </a:r>
+            <a:r>
+              <a:rPr lang="de-DE" b="1" dirty="0" smtClean="0"/>
+              <a:t> &amp; Outlook</a:t>
             </a:r>
             <a:endParaRPr lang="de-DE" b="1" kern="0" dirty="0" smtClean="0"/>
           </a:p>
@@ -5364,14 +5245,14 @@
       </p:sp>
       <p:sp>
         <p:nvSpPr>
-          <p:cNvPr id="2" name="Textfeld 1"/>
+          <p:cNvPr id="3" name="TextBox 2"/>
           <p:cNvSpPr txBox="1"/>
           <p:nvPr/>
         </p:nvSpPr>
         <p:spPr>
           <a:xfrm>
-            <a:off x="461963" y="1555747"/>
-            <a:ext cx="8224837" cy="1274195"/>
+            <a:off x="461963" y="1757214"/>
+            <a:ext cx="8544014" cy="3808735"/>
           </a:xfrm>
           <a:prstGeom prst="rect">
             <a:avLst/>
@@ -5386,771 +5267,11 @@
           <a:p>
             <a:pPr>
               <a:lnSpc>
-                <a:spcPct val="120000"/>
-              </a:lnSpc>
-            </a:pPr>
-            <a:r>
-              <a:rPr lang="de-DE" sz="1600" b="1" dirty="0" err="1" smtClean="0"/>
-              <a:t>Preprocessing</a:t>
-            </a:r>
-            <a:r>
-              <a:rPr lang="de-DE" sz="1600" b="1" dirty="0" smtClean="0"/>
-              <a:t>:</a:t>
-            </a:r>
-            <a:endParaRPr lang="de-DE" sz="1600" dirty="0"/>
-          </a:p>
-          <a:p>
-            <a:pPr marL="742950" lvl="1" indent="-285750">
-              <a:lnSpc>
-                <a:spcPct val="120000"/>
-              </a:lnSpc>
-              <a:buFont typeface="Wingdings" charset="2"/>
-              <a:buChar char="§"/>
-            </a:pPr>
-            <a:r>
-              <a:rPr lang="de-DE" sz="1600" dirty="0" smtClean="0"/>
-              <a:t>H</a:t>
-            </a:r>
-            <a:r>
-              <a:rPr lang="de-DE" sz="1600" dirty="0" smtClean="0">
-                <a:sym typeface="Wingdings"/>
-              </a:rPr>
-              <a:t>igh </a:t>
-            </a:r>
-            <a:r>
-              <a:rPr lang="de-DE" sz="1600" dirty="0" err="1" smtClean="0">
-                <a:sym typeface="Wingdings"/>
-              </a:rPr>
-              <a:t>dimensionality</a:t>
-            </a:r>
-            <a:r>
-              <a:rPr lang="de-DE" sz="1600" dirty="0" smtClean="0">
-                <a:sym typeface="Wingdings"/>
-              </a:rPr>
-              <a:t>  </a:t>
-            </a:r>
-            <a:r>
-              <a:rPr lang="de-DE" sz="1600" dirty="0" err="1" smtClean="0">
-                <a:sym typeface="Wingdings"/>
-              </a:rPr>
-              <a:t>sparse</a:t>
-            </a:r>
-            <a:r>
-              <a:rPr lang="de-DE" sz="1600" dirty="0" smtClean="0">
-                <a:sym typeface="Wingdings"/>
-              </a:rPr>
-              <a:t> </a:t>
-            </a:r>
-            <a:r>
-              <a:rPr lang="de-DE" sz="1600" dirty="0" err="1" smtClean="0">
-                <a:sym typeface="Wingdings"/>
-              </a:rPr>
-              <a:t>matrix</a:t>
-            </a:r>
-            <a:endParaRPr lang="de-DE" sz="1600" dirty="0" smtClean="0">
-              <a:sym typeface="Wingdings"/>
-            </a:endParaRPr>
-          </a:p>
-          <a:p>
-            <a:pPr marL="742950" lvl="1" indent="-285750">
-              <a:lnSpc>
-                <a:spcPct val="120000"/>
-              </a:lnSpc>
-              <a:buFont typeface="Wingdings" charset="2"/>
-              <a:buChar char="§"/>
-            </a:pPr>
-            <a:r>
-              <a:rPr lang="de-DE" sz="1600" dirty="0" smtClean="0"/>
-              <a:t>POS-</a:t>
-            </a:r>
-            <a:r>
-              <a:rPr lang="de-DE" sz="1600" dirty="0" err="1" smtClean="0"/>
-              <a:t>tagging</a:t>
-            </a:r>
-            <a:r>
-              <a:rPr lang="de-DE" sz="1600" dirty="0" smtClean="0"/>
-              <a:t> </a:t>
-            </a:r>
-            <a:r>
-              <a:rPr lang="de-DE" sz="1600" dirty="0" err="1" smtClean="0"/>
-              <a:t>and</a:t>
-            </a:r>
-            <a:r>
-              <a:rPr lang="de-DE" sz="1600" dirty="0" smtClean="0"/>
-              <a:t> </a:t>
-            </a:r>
-            <a:r>
-              <a:rPr lang="de-DE" sz="1600" dirty="0" err="1" smtClean="0"/>
-              <a:t>lemmatization</a:t>
-            </a:r>
-            <a:r>
-              <a:rPr lang="de-DE" sz="1600" dirty="0" smtClean="0"/>
-              <a:t> not </a:t>
-            </a:r>
-            <a:r>
-              <a:rPr lang="de-DE" sz="1600" dirty="0" err="1" smtClean="0"/>
-              <a:t>working</a:t>
-            </a:r>
-            <a:r>
-              <a:rPr lang="de-DE" sz="1600" dirty="0" smtClean="0"/>
-              <a:t> </a:t>
-            </a:r>
-            <a:r>
-              <a:rPr lang="de-DE" sz="1600" dirty="0" err="1" smtClean="0"/>
-              <a:t>good</a:t>
-            </a:r>
-            <a:r>
-              <a:rPr lang="de-DE" sz="1600" dirty="0" smtClean="0"/>
-              <a:t> </a:t>
-            </a:r>
-            <a:r>
-              <a:rPr lang="de-DE" sz="1600" dirty="0" err="1" smtClean="0"/>
-              <a:t>enough</a:t>
-            </a:r>
-            <a:endParaRPr lang="de-DE" sz="1600" dirty="0" smtClean="0"/>
-          </a:p>
-          <a:p>
-            <a:pPr marL="742950" lvl="1" indent="-285750">
-              <a:lnSpc>
-                <a:spcPct val="120000"/>
-              </a:lnSpc>
-              <a:buFont typeface="Wingdings" charset="2"/>
-              <a:buChar char="§"/>
-            </a:pPr>
-            <a:r>
-              <a:rPr lang="de-DE" sz="1600" dirty="0" err="1" smtClean="0"/>
-              <a:t>Merge</a:t>
-            </a:r>
-            <a:r>
-              <a:rPr lang="de-DE" sz="1600" dirty="0" smtClean="0"/>
-              <a:t> </a:t>
-            </a:r>
-            <a:r>
-              <a:rPr lang="de-DE" sz="1600" dirty="0" err="1"/>
-              <a:t>s</a:t>
-            </a:r>
-            <a:r>
-              <a:rPr lang="de-DE" sz="1600" dirty="0" err="1" smtClean="0"/>
-              <a:t>ynonyms</a:t>
-            </a:r>
-            <a:r>
-              <a:rPr lang="de-DE" sz="1600" dirty="0" smtClean="0"/>
-              <a:t> </a:t>
-            </a:r>
-            <a:r>
-              <a:rPr lang="de-DE" sz="1600" dirty="0" err="1" smtClean="0"/>
-              <a:t>and</a:t>
-            </a:r>
-            <a:r>
-              <a:rPr lang="de-DE" sz="1600" dirty="0" smtClean="0"/>
-              <a:t> </a:t>
-            </a:r>
-            <a:r>
-              <a:rPr lang="de-DE" sz="1600" dirty="0" err="1" smtClean="0"/>
-              <a:t>similar</a:t>
-            </a:r>
-            <a:r>
-              <a:rPr lang="de-DE" sz="1600" dirty="0" smtClean="0"/>
-              <a:t> tags</a:t>
-            </a:r>
-            <a:endParaRPr lang="de-DE" sz="1600" dirty="0"/>
-          </a:p>
-        </p:txBody>
-      </p:sp>
-      <p:sp>
-        <p:nvSpPr>
-          <p:cNvPr id="6" name="Textfeld 5"/>
-          <p:cNvSpPr txBox="1"/>
-          <p:nvPr/>
-        </p:nvSpPr>
-        <p:spPr>
-          <a:xfrm>
-            <a:off x="461963" y="3071605"/>
-            <a:ext cx="8224837" cy="970522"/>
-          </a:xfrm>
-          <a:prstGeom prst="rect">
-            <a:avLst/>
-          </a:prstGeom>
-          <a:noFill/>
-        </p:spPr>
-        <p:txBody>
-          <a:bodyPr wrap="square" rtlCol="0">
-            <a:spAutoFit/>
-          </a:bodyPr>
-          <a:lstStyle/>
-          <a:p>
-            <a:pPr>
-              <a:lnSpc>
-                <a:spcPct val="120000"/>
-              </a:lnSpc>
-            </a:pPr>
-            <a:r>
-              <a:rPr lang="de-DE" sz="1600" b="1" dirty="0" smtClean="0"/>
-              <a:t>Learning:</a:t>
-            </a:r>
-            <a:endParaRPr lang="de-DE" sz="1600" dirty="0"/>
-          </a:p>
-          <a:p>
-            <a:pPr marL="742950" lvl="1" indent="-285750">
-              <a:lnSpc>
-                <a:spcPct val="120000"/>
-              </a:lnSpc>
-              <a:buFont typeface="Wingdings" charset="2"/>
-              <a:buChar char="§"/>
-            </a:pPr>
-            <a:r>
-              <a:rPr lang="de-DE" sz="1600" dirty="0" err="1" smtClean="0"/>
-              <a:t>Choosing</a:t>
-            </a:r>
-            <a:r>
-              <a:rPr lang="de-DE" sz="1600" dirty="0" smtClean="0"/>
-              <a:t> proper </a:t>
-            </a:r>
-            <a:r>
-              <a:rPr lang="de-DE" sz="1600" dirty="0" err="1" smtClean="0"/>
-              <a:t>number</a:t>
-            </a:r>
-            <a:r>
-              <a:rPr lang="de-DE" sz="1600" dirty="0" smtClean="0"/>
-              <a:t> </a:t>
-            </a:r>
-            <a:r>
-              <a:rPr lang="de-DE" sz="1600" dirty="0" err="1" smtClean="0"/>
-              <a:t>of</a:t>
-            </a:r>
-            <a:r>
-              <a:rPr lang="de-DE" sz="1600" dirty="0" smtClean="0"/>
-              <a:t> </a:t>
-            </a:r>
-            <a:r>
-              <a:rPr lang="de-DE" sz="1600" dirty="0" err="1" smtClean="0"/>
-              <a:t>clusters</a:t>
-            </a:r>
-            <a:r>
-              <a:rPr lang="de-DE" sz="1600" dirty="0" smtClean="0"/>
-              <a:t> (</a:t>
-            </a:r>
-            <a:r>
-              <a:rPr lang="de-DE" sz="1600" i="1" dirty="0" err="1" smtClean="0"/>
-              <a:t>k</a:t>
-            </a:r>
-            <a:r>
-              <a:rPr lang="de-DE" sz="1600" dirty="0" smtClean="0"/>
-              <a:t>) </a:t>
-            </a:r>
-            <a:r>
-              <a:rPr lang="de-DE" sz="1600" dirty="0" smtClean="0">
-                <a:sym typeface="Wingdings"/>
-              </a:rPr>
-              <a:t> </a:t>
-            </a:r>
-            <a:r>
-              <a:rPr lang="de-DE" sz="1600" dirty="0" err="1" smtClean="0">
-                <a:sym typeface="Wingdings"/>
-              </a:rPr>
-              <a:t>dendrogram</a:t>
-            </a:r>
-            <a:r>
-              <a:rPr lang="de-DE" sz="1600" dirty="0" smtClean="0">
-                <a:sym typeface="Wingdings"/>
-              </a:rPr>
-              <a:t> </a:t>
-            </a:r>
-            <a:r>
-              <a:rPr lang="de-DE" sz="1600" dirty="0" err="1" smtClean="0">
-                <a:sym typeface="Wingdings"/>
-              </a:rPr>
-              <a:t>from</a:t>
-            </a:r>
-            <a:r>
-              <a:rPr lang="de-DE" sz="1600" dirty="0" smtClean="0">
-                <a:sym typeface="Wingdings"/>
-              </a:rPr>
-              <a:t> HAC</a:t>
-            </a:r>
-            <a:endParaRPr lang="de-DE" sz="1600" dirty="0" smtClean="0"/>
-          </a:p>
-          <a:p>
-            <a:pPr marL="742950" lvl="1" indent="-285750">
-              <a:lnSpc>
-                <a:spcPct val="120000"/>
-              </a:lnSpc>
-              <a:buFont typeface="Wingdings" charset="2"/>
-              <a:buChar char="§"/>
-            </a:pPr>
-            <a:r>
-              <a:rPr lang="de-DE" sz="1600" dirty="0" err="1" smtClean="0"/>
-              <a:t>Finding</a:t>
-            </a:r>
-            <a:r>
-              <a:rPr lang="de-DE" sz="1600" dirty="0" smtClean="0"/>
-              <a:t> </a:t>
-            </a:r>
-            <a:r>
-              <a:rPr lang="de-DE" sz="1600" dirty="0" err="1" smtClean="0"/>
-              <a:t>best</a:t>
-            </a:r>
-            <a:r>
-              <a:rPr lang="de-DE" sz="1600" dirty="0" smtClean="0"/>
-              <a:t> </a:t>
-            </a:r>
-            <a:r>
-              <a:rPr lang="de-DE" sz="1600" dirty="0" err="1" smtClean="0"/>
-              <a:t>fitting</a:t>
-            </a:r>
-            <a:r>
-              <a:rPr lang="de-DE" sz="1600" dirty="0" smtClean="0"/>
-              <a:t> </a:t>
-            </a:r>
-            <a:r>
-              <a:rPr lang="de-DE" sz="1600" dirty="0" err="1" smtClean="0"/>
-              <a:t>model</a:t>
-            </a:r>
-            <a:r>
-              <a:rPr lang="de-DE" sz="1600" dirty="0" smtClean="0"/>
-              <a:t> </a:t>
-            </a:r>
-            <a:r>
-              <a:rPr lang="de-DE" sz="1600" dirty="0" err="1" smtClean="0"/>
-              <a:t>and</a:t>
-            </a:r>
-            <a:r>
-              <a:rPr lang="de-DE" sz="1600" dirty="0" smtClean="0"/>
-              <a:t> #tags </a:t>
-            </a:r>
-            <a:r>
-              <a:rPr lang="de-DE" sz="1600" dirty="0" err="1" smtClean="0"/>
-              <a:t>to</a:t>
-            </a:r>
-            <a:r>
-              <a:rPr lang="de-DE" sz="1600" dirty="0" smtClean="0"/>
-              <a:t> </a:t>
-            </a:r>
-            <a:r>
-              <a:rPr lang="de-DE" sz="1600" dirty="0" err="1" smtClean="0"/>
-              <a:t>predict</a:t>
-            </a:r>
-            <a:endParaRPr lang="de-DE" sz="1600" dirty="0"/>
-          </a:p>
-        </p:txBody>
-      </p:sp>
-      <p:sp>
-        <p:nvSpPr>
-          <p:cNvPr id="7" name="Textfeld 6"/>
-          <p:cNvSpPr txBox="1"/>
-          <p:nvPr/>
-        </p:nvSpPr>
-        <p:spPr>
-          <a:xfrm>
-            <a:off x="461963" y="4374013"/>
-            <a:ext cx="8224837" cy="970522"/>
-          </a:xfrm>
-          <a:prstGeom prst="rect">
-            <a:avLst/>
-          </a:prstGeom>
-          <a:noFill/>
-        </p:spPr>
-        <p:txBody>
-          <a:bodyPr wrap="square" rtlCol="0">
-            <a:spAutoFit/>
-          </a:bodyPr>
-          <a:lstStyle/>
-          <a:p>
-            <a:pPr>
-              <a:lnSpc>
-                <a:spcPct val="120000"/>
-              </a:lnSpc>
-            </a:pPr>
-            <a:r>
-              <a:rPr lang="de-DE" sz="1600" b="1" dirty="0" err="1" smtClean="0"/>
-              <a:t>Runtime</a:t>
-            </a:r>
-            <a:r>
-              <a:rPr lang="de-DE" sz="1600" b="1" dirty="0" smtClean="0"/>
-              <a:t> &amp; </a:t>
-            </a:r>
-            <a:r>
-              <a:rPr lang="de-DE" sz="1600" b="1" dirty="0" err="1" smtClean="0"/>
-              <a:t>memory</a:t>
-            </a:r>
-            <a:r>
-              <a:rPr lang="de-DE" sz="1600" b="1" dirty="0" smtClean="0"/>
-              <a:t>:</a:t>
-            </a:r>
-            <a:endParaRPr lang="de-DE" sz="1600" dirty="0"/>
-          </a:p>
-          <a:p>
-            <a:pPr marL="742950" lvl="1" indent="-285750">
-              <a:lnSpc>
-                <a:spcPct val="120000"/>
-              </a:lnSpc>
-              <a:buFont typeface="Wingdings" charset="2"/>
-              <a:buChar char="§"/>
-            </a:pPr>
-            <a:r>
-              <a:rPr lang="de-DE" sz="1600" dirty="0" err="1" smtClean="0"/>
-              <a:t>Too</a:t>
-            </a:r>
-            <a:r>
-              <a:rPr lang="de-DE" sz="1600" dirty="0" smtClean="0"/>
-              <a:t> </a:t>
-            </a:r>
-            <a:r>
-              <a:rPr lang="de-DE" sz="1600" dirty="0" err="1" smtClean="0"/>
-              <a:t>many</a:t>
-            </a:r>
-            <a:r>
-              <a:rPr lang="de-DE" sz="1600" dirty="0" smtClean="0"/>
-              <a:t> </a:t>
-            </a:r>
-            <a:r>
-              <a:rPr lang="de-DE" sz="1600" dirty="0" err="1" smtClean="0"/>
-              <a:t>features</a:t>
-            </a:r>
-            <a:r>
-              <a:rPr lang="de-DE" sz="1600" dirty="0" smtClean="0"/>
-              <a:t> </a:t>
-            </a:r>
-            <a:r>
-              <a:rPr lang="de-DE" sz="1600" dirty="0" err="1" smtClean="0"/>
-              <a:t>for</a:t>
-            </a:r>
-            <a:r>
-              <a:rPr lang="de-DE" sz="1600" dirty="0" smtClean="0"/>
-              <a:t> </a:t>
-            </a:r>
-            <a:r>
-              <a:rPr lang="de-DE" sz="1600" dirty="0" err="1" smtClean="0"/>
-              <a:t>forward</a:t>
-            </a:r>
-            <a:r>
-              <a:rPr lang="de-DE" sz="1600" dirty="0" smtClean="0"/>
-              <a:t>/</a:t>
-            </a:r>
-            <a:r>
-              <a:rPr lang="de-DE" sz="1600" dirty="0" err="1" smtClean="0"/>
-              <a:t>backward</a:t>
-            </a:r>
-            <a:r>
-              <a:rPr lang="de-DE" sz="1600" dirty="0" smtClean="0"/>
-              <a:t> </a:t>
-            </a:r>
-            <a:r>
-              <a:rPr lang="de-DE" sz="1600" dirty="0" err="1" smtClean="0"/>
-              <a:t>selection</a:t>
-            </a:r>
-            <a:endParaRPr lang="de-DE" sz="1600" dirty="0"/>
-          </a:p>
-          <a:p>
-            <a:pPr marL="742950" lvl="1" indent="-285750">
-              <a:lnSpc>
-                <a:spcPct val="120000"/>
-              </a:lnSpc>
-              <a:buFont typeface="Wingdings" charset="2"/>
-              <a:buChar char="§"/>
-            </a:pPr>
-            <a:r>
-              <a:rPr lang="de-DE" sz="1600" dirty="0" smtClean="0"/>
-              <a:t>HAC </a:t>
-            </a:r>
-            <a:r>
-              <a:rPr lang="de-DE" sz="1600" dirty="0" err="1" smtClean="0"/>
-              <a:t>very</a:t>
-            </a:r>
-            <a:r>
-              <a:rPr lang="de-DE" sz="1600" dirty="0" smtClean="0"/>
-              <a:t> intensive </a:t>
-            </a:r>
-            <a:r>
-              <a:rPr lang="de-DE" sz="1600" dirty="0" err="1" smtClean="0"/>
-              <a:t>to</a:t>
-            </a:r>
-            <a:r>
-              <a:rPr lang="de-DE" sz="1600" dirty="0" smtClean="0"/>
-              <a:t> </a:t>
-            </a:r>
-            <a:r>
-              <a:rPr lang="de-DE" sz="1600" dirty="0" err="1" smtClean="0"/>
-              <a:t>compute</a:t>
-            </a:r>
-            <a:endParaRPr lang="de-DE" sz="1600" dirty="0"/>
-          </a:p>
-        </p:txBody>
-      </p:sp>
-    </p:spTree>
-    <p:extLst>
-      <p:ext uri="{BB962C8B-B14F-4D97-AF65-F5344CB8AC3E}">
-        <p14:creationId xmlns:p14="http://schemas.microsoft.com/office/powerpoint/2010/main" val="373960713"/>
-      </p:ext>
-    </p:extLst>
-  </p:cSld>
-  <p:clrMapOvr>
-    <a:masterClrMapping/>
-  </p:clrMapOvr>
-  <p:timing>
-    <p:tnLst>
-      <p:par>
-        <p:cTn xmlns:p14="http://schemas.microsoft.com/office/powerpoint/2010/main" id="1" dur="indefinite" restart="never" nodeType="tmRoot"/>
-      </p:par>
-    </p:tnLst>
-  </p:timing>
-</p:sld>
-</file>
-
-<file path=ppt/slides/slide12.xml><?xml version="1.0" encoding="utf-8"?>
-<p:sld xmlns:a="http://schemas.openxmlformats.org/drawingml/2006/main" xmlns:r="http://schemas.openxmlformats.org/officeDocument/2006/relationships" xmlns:p="http://schemas.openxmlformats.org/presentationml/2006/main">
-  <p:cSld>
-    <p:spTree>
-      <p:nvGrpSpPr>
-        <p:cNvPr id="1" name=""/>
-        <p:cNvGrpSpPr/>
-        <p:nvPr/>
-      </p:nvGrpSpPr>
-      <p:grpSpPr>
-        <a:xfrm>
-          <a:off x="0" y="0"/>
-          <a:ext cx="0" cy="0"/>
-          <a:chOff x="0" y="0"/>
-          <a:chExt cx="0" cy="0"/>
-        </a:xfrm>
-      </p:grpSpPr>
-      <p:sp>
-        <p:nvSpPr>
-          <p:cNvPr id="4" name="Rectangle 2"/>
-          <p:cNvSpPr txBox="1">
-            <a:spLocks noChangeArrowheads="1"/>
-          </p:cNvSpPr>
-          <p:nvPr/>
-        </p:nvSpPr>
-        <p:spPr bwMode="auto">
-          <a:xfrm>
-            <a:off x="461963" y="485772"/>
-            <a:ext cx="8224837" cy="1069975"/>
-          </a:xfrm>
-          <a:prstGeom prst="rect">
-            <a:avLst/>
-          </a:prstGeom>
-          <a:noFill/>
-          <a:ln>
-            <a:noFill/>
-          </a:ln>
-          <a:effectLst/>
-          <a:extLst>
-            <a:ext uri="{909E8E84-426E-40dd-AFC4-6F175D3DCCD1}">
-              <a14:hiddenFill xmlns:a14="http://schemas.microsoft.com/office/drawing/2010/main">
-                <a:solidFill>
-                  <a:schemeClr val="accent1"/>
-                </a:solidFill>
-              </a14:hiddenFill>
-            </a:ext>
-            <a:ext uri="{91240B29-F687-4f45-9708-019B960494DF}">
-              <a14:hiddenLine xmlns:a14="http://schemas.microsoft.com/office/drawing/2010/main" w="9525">
-                <a:solidFill>
-                  <a:schemeClr val="tx1"/>
-                </a:solidFill>
-                <a:miter lim="800000"/>
-                <a:headEnd/>
-                <a:tailEnd/>
-              </a14:hiddenLine>
-            </a:ext>
-            <a:ext uri="{AF507438-7753-43e0-B8FC-AC1667EBCBE1}">
-              <a14:hiddenEffects xmlns:a14="http://schemas.microsoft.com/office/drawing/2010/main">
-                <a:effectLst>
-                  <a:outerShdw dist="35921" dir="2700000" algn="ctr" rotWithShape="0">
-                    <a:schemeClr val="bg2"/>
-                  </a:outerShdw>
-                </a:effectLst>
-              </a14:hiddenEffects>
-            </a:ext>
-          </a:extLst>
-        </p:spPr>
-        <p:txBody>
-          <a:bodyPr vert="horz" wrap="square" lIns="91440" tIns="45720" rIns="91440" bIns="45720" numCol="1" anchor="ctr" anchorCtr="0" compatLnSpc="1">
-            <a:prstTxWarp prst="textNoShape">
-              <a:avLst/>
-            </a:prstTxWarp>
-          </a:bodyPr>
-          <a:lstStyle>
-            <a:lvl1pPr algn="ctr" rtl="0" eaLnBrk="0" fontAlgn="base" hangingPunct="0">
-              <a:spcBef>
-                <a:spcPct val="0"/>
-              </a:spcBef>
-              <a:spcAft>
-                <a:spcPct val="0"/>
-              </a:spcAft>
-              <a:defRPr sz="3200">
-                <a:solidFill>
-                  <a:schemeClr val="bg2"/>
-                </a:solidFill>
-                <a:latin typeface="+mj-lt"/>
-                <a:ea typeface="+mj-ea"/>
-                <a:cs typeface="+mj-cs"/>
-              </a:defRPr>
-            </a:lvl1pPr>
-            <a:lvl2pPr algn="ctr" rtl="0" eaLnBrk="0" fontAlgn="base" hangingPunct="0">
-              <a:spcBef>
-                <a:spcPct val="0"/>
-              </a:spcBef>
-              <a:spcAft>
-                <a:spcPct val="0"/>
-              </a:spcAft>
-              <a:defRPr sz="3200">
-                <a:solidFill>
-                  <a:schemeClr val="bg2"/>
-                </a:solidFill>
-                <a:latin typeface="Arial" charset="0"/>
-              </a:defRPr>
-            </a:lvl2pPr>
-            <a:lvl3pPr algn="ctr" rtl="0" eaLnBrk="0" fontAlgn="base" hangingPunct="0">
-              <a:spcBef>
-                <a:spcPct val="0"/>
-              </a:spcBef>
-              <a:spcAft>
-                <a:spcPct val="0"/>
-              </a:spcAft>
-              <a:defRPr sz="3200">
-                <a:solidFill>
-                  <a:schemeClr val="bg2"/>
-                </a:solidFill>
-                <a:latin typeface="Arial" charset="0"/>
-              </a:defRPr>
-            </a:lvl3pPr>
-            <a:lvl4pPr algn="ctr" rtl="0" eaLnBrk="0" fontAlgn="base" hangingPunct="0">
-              <a:spcBef>
-                <a:spcPct val="0"/>
-              </a:spcBef>
-              <a:spcAft>
-                <a:spcPct val="0"/>
-              </a:spcAft>
-              <a:defRPr sz="3200">
-                <a:solidFill>
-                  <a:schemeClr val="bg2"/>
-                </a:solidFill>
-                <a:latin typeface="Arial" charset="0"/>
-              </a:defRPr>
-            </a:lvl4pPr>
-            <a:lvl5pPr algn="ctr" rtl="0" eaLnBrk="0" fontAlgn="base" hangingPunct="0">
-              <a:spcBef>
-                <a:spcPct val="0"/>
-              </a:spcBef>
-              <a:spcAft>
-                <a:spcPct val="0"/>
-              </a:spcAft>
-              <a:defRPr sz="3200">
-                <a:solidFill>
-                  <a:schemeClr val="bg2"/>
-                </a:solidFill>
-                <a:latin typeface="Arial" charset="0"/>
-              </a:defRPr>
-            </a:lvl5pPr>
-            <a:lvl6pPr marL="457200" algn="ctr" rtl="0" fontAlgn="base">
-              <a:spcBef>
-                <a:spcPct val="0"/>
-              </a:spcBef>
-              <a:spcAft>
-                <a:spcPct val="0"/>
-              </a:spcAft>
-              <a:defRPr sz="3200">
-                <a:solidFill>
-                  <a:schemeClr val="bg2"/>
-                </a:solidFill>
-                <a:latin typeface="Arial" charset="0"/>
-              </a:defRPr>
-            </a:lvl6pPr>
-            <a:lvl7pPr marL="914400" algn="ctr" rtl="0" fontAlgn="base">
-              <a:spcBef>
-                <a:spcPct val="0"/>
-              </a:spcBef>
-              <a:spcAft>
-                <a:spcPct val="0"/>
-              </a:spcAft>
-              <a:defRPr sz="3200">
-                <a:solidFill>
-                  <a:schemeClr val="bg2"/>
-                </a:solidFill>
-                <a:latin typeface="Arial" charset="0"/>
-              </a:defRPr>
-            </a:lvl7pPr>
-            <a:lvl8pPr marL="1371600" algn="ctr" rtl="0" fontAlgn="base">
-              <a:spcBef>
-                <a:spcPct val="0"/>
-              </a:spcBef>
-              <a:spcAft>
-                <a:spcPct val="0"/>
-              </a:spcAft>
-              <a:defRPr sz="3200">
-                <a:solidFill>
-                  <a:schemeClr val="bg2"/>
-                </a:solidFill>
-                <a:latin typeface="Arial" charset="0"/>
-              </a:defRPr>
-            </a:lvl8pPr>
-            <a:lvl9pPr marL="1828800" algn="ctr" rtl="0" fontAlgn="base">
-              <a:spcBef>
-                <a:spcPct val="0"/>
-              </a:spcBef>
-              <a:spcAft>
-                <a:spcPct val="0"/>
-              </a:spcAft>
-              <a:defRPr sz="3200">
-                <a:solidFill>
-                  <a:schemeClr val="bg2"/>
-                </a:solidFill>
-                <a:latin typeface="Arial" charset="0"/>
-              </a:defRPr>
-            </a:lvl9pPr>
-          </a:lstStyle>
-          <a:p>
-            <a:pPr eaLnBrk="1" hangingPunct="1"/>
-            <a:r>
-              <a:rPr lang="de-DE" b="1" dirty="0" err="1" smtClean="0"/>
-              <a:t>Expected</a:t>
-            </a:r>
-            <a:r>
-              <a:rPr lang="de-DE" b="1" dirty="0" smtClean="0"/>
-              <a:t> </a:t>
-            </a:r>
-            <a:r>
-              <a:rPr lang="de-DE" b="1" dirty="0" err="1" smtClean="0"/>
-              <a:t>results</a:t>
-            </a:r>
-            <a:r>
-              <a:rPr lang="de-DE" b="1" dirty="0" smtClean="0"/>
-              <a:t> &amp; Outlook</a:t>
-            </a:r>
-            <a:endParaRPr lang="de-DE" b="1" kern="0" dirty="0" smtClean="0"/>
-          </a:p>
-        </p:txBody>
-      </p:sp>
-      <p:sp>
-        <p:nvSpPr>
-          <p:cNvPr id="3" name="TextBox 2"/>
-          <p:cNvSpPr txBox="1"/>
-          <p:nvPr/>
-        </p:nvSpPr>
-        <p:spPr>
-          <a:xfrm>
-            <a:off x="461963" y="1757214"/>
-            <a:ext cx="8544014" cy="3395802"/>
-          </a:xfrm>
-          <a:prstGeom prst="rect">
-            <a:avLst/>
-          </a:prstGeom>
-          <a:noFill/>
-        </p:spPr>
-        <p:txBody>
-          <a:bodyPr wrap="square" rtlCol="0">
-            <a:spAutoFit/>
-          </a:bodyPr>
-          <a:lstStyle/>
-          <a:p>
-            <a:pPr>
-              <a:lnSpc>
                 <a:spcPct val="150000"/>
               </a:lnSpc>
             </a:pPr>
             <a:r>
-              <a:rPr lang="en-US" sz="1600" b="1" dirty="0" smtClean="0"/>
+              <a:rPr lang="en-US" sz="1800" b="1" dirty="0" smtClean="0"/>
               <a:t>Expected results:</a:t>
             </a:r>
           </a:p>
@@ -6163,7 +5284,7 @@
               <a:buChar char="§"/>
             </a:pPr>
             <a:r>
-              <a:rPr lang="en-US" sz="1600" dirty="0" smtClean="0"/>
+              <a:rPr lang="en-US" sz="1800" dirty="0" smtClean="0"/>
               <a:t>F1 not ideal but tags are reasonable</a:t>
             </a:r>
           </a:p>
@@ -6176,7 +5297,7 @@
               <a:buChar char="§"/>
             </a:pPr>
             <a:r>
-              <a:rPr lang="en-US" sz="1600" dirty="0" smtClean="0"/>
+              <a:rPr lang="en-US" sz="1800" dirty="0" smtClean="0"/>
               <a:t>Precision decreases by the number of suggested tags</a:t>
             </a:r>
           </a:p>
@@ -6189,7 +5310,7 @@
               <a:buChar char="§"/>
             </a:pPr>
             <a:r>
-              <a:rPr lang="en-US" sz="1600" dirty="0" smtClean="0"/>
+              <a:rPr lang="en-US" sz="1800" dirty="0" smtClean="0"/>
               <a:t>Recall increases by the number of suggested tags</a:t>
             </a:r>
           </a:p>
@@ -6201,7 +5322,7 @@
               <a:buFont typeface="Wingdings" charset="2"/>
               <a:buChar char="§"/>
             </a:pPr>
-            <a:endParaRPr lang="en-US" sz="1600" dirty="0" smtClean="0"/>
+            <a:endParaRPr lang="en-US" sz="1800" dirty="0" smtClean="0"/>
           </a:p>
           <a:p>
             <a:pPr>
@@ -6210,7 +5331,7 @@
               </a:lnSpc>
             </a:pPr>
             <a:r>
-              <a:rPr lang="en-US" sz="1600" b="1" dirty="0" smtClean="0"/>
+              <a:rPr lang="en-US" sz="1800" b="1" dirty="0" smtClean="0"/>
               <a:t>Outlook:</a:t>
             </a:r>
           </a:p>
@@ -6223,7 +5344,7 @@
               <a:buChar char="§"/>
             </a:pPr>
             <a:r>
-              <a:rPr lang="en-US" sz="1600" dirty="0" smtClean="0"/>
+              <a:rPr lang="en-US" sz="1800" dirty="0" smtClean="0"/>
               <a:t>Improve preprocessing</a:t>
             </a:r>
           </a:p>
@@ -6236,19 +5357,19 @@
               <a:buChar char="§"/>
             </a:pPr>
             <a:r>
-              <a:rPr lang="en-US" sz="1600" dirty="0" smtClean="0"/>
+              <a:rPr lang="en-US" sz="1800" dirty="0" smtClean="0"/>
               <a:t>Use different (more independent) features for Na</a:t>
             </a:r>
             <a:r>
-              <a:rPr lang="de-DE" sz="1600" dirty="0" err="1" smtClean="0"/>
+              <a:rPr lang="de-DE" sz="1800" dirty="0" err="1" smtClean="0"/>
               <a:t>ï</a:t>
             </a:r>
             <a:r>
-              <a:rPr lang="en-US" sz="1600" dirty="0" err="1" smtClean="0"/>
+              <a:rPr lang="en-US" sz="1800" dirty="0" err="1" smtClean="0"/>
               <a:t>ves</a:t>
             </a:r>
             <a:r>
-              <a:rPr lang="en-US" sz="1600" dirty="0" smtClean="0"/>
+              <a:rPr lang="en-US" sz="1800" dirty="0" smtClean="0"/>
               <a:t> Bayes</a:t>
             </a:r>
           </a:p>
@@ -6261,7 +5382,7 @@
               <a:buChar char="§"/>
             </a:pPr>
             <a:r>
-              <a:rPr lang="en-US" sz="1600" dirty="0" smtClean="0"/>
+              <a:rPr lang="en-US" sz="1800" dirty="0" smtClean="0"/>
               <a:t>Evaluation</a:t>
             </a:r>
           </a:p>
@@ -6287,7 +5408,7 @@
 </p:sld>
 </file>
 
-<file path=ppt/slides/slide13.xml><?xml version="1.0" encoding="utf-8"?>
+<file path=ppt/slides/slide12.xml><?xml version="1.0" encoding="utf-8"?>
 <p:sld xmlns:a="http://schemas.openxmlformats.org/drawingml/2006/main" xmlns:r="http://schemas.openxmlformats.org/officeDocument/2006/relationships" xmlns:p="http://schemas.openxmlformats.org/presentationml/2006/main">
   <p:cSld>
     <p:spTree>
@@ -7594,6 +6715,13 @@
             <a:br>
               <a:rPr lang="de-DE" sz="1800" dirty="0" smtClean="0"/>
             </a:br>
+            <a:r>
+              <a:rPr lang="de-DE" sz="1800" dirty="0" smtClean="0"/>
+              <a:t/>
+            </a:r>
+            <a:br>
+              <a:rPr lang="de-DE" sz="1800" dirty="0" smtClean="0"/>
+            </a:br>
             <a:endParaRPr lang="de-DE" sz="1800" dirty="0" smtClean="0"/>
           </a:p>
           <a:p>
@@ -8201,8 +7329,8 @@
         </p:nvSpPr>
         <p:spPr>
           <a:xfrm>
-            <a:off x="4585340" y="2634949"/>
-            <a:ext cx="4029483" cy="677621"/>
+            <a:off x="4585340" y="2749249"/>
+            <a:ext cx="4418960" cy="483722"/>
           </a:xfrm>
           <a:prstGeom prst="rect">
             <a:avLst/>
@@ -8238,23 +7366,25 @@
               <a:rPr lang="de-DE" sz="1400" i="1" dirty="0" err="1" smtClean="0"/>
               <a:t>threshold</a:t>
             </a:r>
-            <a:endParaRPr lang="de-DE" sz="1400" i="1" dirty="0"/>
-          </a:p>
-          <a:p>
-            <a:pPr marL="457200" indent="-285750">
-              <a:lnSpc>
-                <a:spcPct val="90000"/>
-              </a:lnSpc>
-              <a:buFont typeface="Wingdings" charset="2"/>
-              <a:buChar char="§"/>
-            </a:pPr>
+            <a:r>
+              <a:rPr lang="de-DE" sz="1400" i="1" dirty="0"/>
+              <a:t> </a:t>
+            </a:r>
+            <a:r>
+              <a:rPr lang="de-DE" sz="1400" i="1" dirty="0" err="1" smtClean="0"/>
+              <a:t>and</a:t>
+            </a:r>
             <a:r>
               <a:rPr lang="de-DE" sz="1400" i="1" dirty="0" smtClean="0"/>
               <a:t> </a:t>
             </a:r>
             <a:r>
+              <a:rPr lang="de-DE" sz="1400" i="1" dirty="0" err="1"/>
+              <a:t>n</a:t>
+            </a:r>
+            <a:r>
               <a:rPr lang="de-DE" sz="1400" i="1" dirty="0" err="1" smtClean="0"/>
-              <a:t>No</a:t>
+              <a:t>o</a:t>
             </a:r>
             <a:r>
               <a:rPr lang="de-DE" sz="1400" i="1" dirty="0" smtClean="0"/>
@@ -10092,7 +9222,7 @@
                   <a:t> </a:t>
                 </a:r>
                 <a14:m>
-                  <m:oMath xmlns="" xmlns:m="http://schemas.openxmlformats.org/officeDocument/2006/math">
+                  <m:oMath xmlns:m="http://schemas.openxmlformats.org/officeDocument/2006/math" xmlns="">
                     <m:r>
                       <a:rPr lang="de-DE" sz="1600" i="1" dirty="0">
                         <a:latin typeface="Cambria Math" charset="0"/>
@@ -10108,7 +9238,7 @@
                   <a:t> Tags: </a:t>
                 </a:r>
                 <a14:m>
-                  <m:oMath xmlns="" xmlns:m="http://schemas.openxmlformats.org/officeDocument/2006/math">
+                  <m:oMath xmlns:m="http://schemas.openxmlformats.org/officeDocument/2006/math" xmlns="">
                     <m:r>
                       <a:rPr lang="de-DE" sz="1600" i="1" dirty="0">
                         <a:latin typeface="Cambria Math" charset="0"/>
@@ -10623,8 +9753,8 @@
         </p:nvSpPr>
         <p:spPr>
           <a:xfrm>
-            <a:off x="491740" y="1555747"/>
-            <a:ext cx="8266668" cy="5016758"/>
+            <a:off x="491740" y="1695447"/>
+            <a:ext cx="8266668" cy="4228850"/>
           </a:xfrm>
           <a:prstGeom prst="rect">
             <a:avLst/>
@@ -10637,6 +9767,11 @@
           </a:bodyPr>
           <a:lstStyle/>
           <a:p>
+            <a:pPr>
+              <a:lnSpc>
+                <a:spcPct val="120000"/>
+              </a:lnSpc>
+            </a:pPr>
             <a:r>
               <a:rPr lang="de-DE" sz="1600" b="1" dirty="0" smtClean="0"/>
               <a:t>First </a:t>
@@ -10663,8 +9798,123 @@
             </a:r>
             <a:r>
               <a:rPr lang="en-US" sz="1600" dirty="0" smtClean="0"/>
-              <a:t> (full data set):</a:t>
-            </a:r>
+              <a:t> (full data set)</a:t>
+            </a:r>
+            <a:r>
+              <a:rPr lang="en-US" sz="1600" dirty="0" smtClean="0"/>
+              <a:t>:</a:t>
+            </a:r>
+            <a:endParaRPr lang="en-US" sz="1600" dirty="0" smtClean="0"/>
+          </a:p>
+          <a:p>
+            <a:pPr marL="285750" indent="-285750">
+              <a:lnSpc>
+                <a:spcPct val="120000"/>
+              </a:lnSpc>
+              <a:buFont typeface="Wingdings" charset="2"/>
+              <a:buChar char="§"/>
+            </a:pPr>
+            <a:r>
+              <a:rPr lang="en-US" sz="1600" dirty="0" smtClean="0"/>
+              <a:t>sufficient results, but still enough space left for improvements (e.g. improve preprocessing, feature selection, weight important </a:t>
+            </a:r>
+            <a:r>
+              <a:rPr lang="en-US" sz="1600" dirty="0" smtClean="0"/>
+              <a:t>features, </a:t>
+            </a:r>
+            <a:r>
+              <a:rPr lang="is-IS" sz="1600" dirty="0" smtClean="0"/>
+              <a:t>…</a:t>
+            </a:r>
+            <a:r>
+              <a:rPr lang="en-US" sz="1600" dirty="0" smtClean="0"/>
+              <a:t>)</a:t>
+            </a:r>
+          </a:p>
+          <a:p>
+            <a:endParaRPr lang="de-DE" sz="1600" dirty="0" smtClean="0"/>
+          </a:p>
+          <a:p>
+            <a:r>
+              <a:rPr lang="de-DE" sz="1600" dirty="0" err="1" smtClean="0"/>
+              <a:t>Compare</a:t>
+            </a:r>
+            <a:r>
+              <a:rPr lang="de-DE" sz="1600" dirty="0" smtClean="0"/>
+              <a:t> </a:t>
+            </a:r>
+            <a:r>
+              <a:rPr lang="de-DE" sz="1600" dirty="0" err="1" smtClean="0"/>
+              <a:t>performance</a:t>
+            </a:r>
+            <a:r>
+              <a:rPr lang="de-DE" sz="1600" dirty="0" smtClean="0"/>
+              <a:t> </a:t>
+            </a:r>
+            <a:r>
+              <a:rPr lang="de-DE" sz="1600" dirty="0" err="1" smtClean="0"/>
+              <a:t>of</a:t>
+            </a:r>
+            <a:r>
+              <a:rPr lang="de-DE" sz="1600" dirty="0" smtClean="0"/>
+              <a:t> Na</a:t>
+            </a:r>
+            <a:r>
+              <a:rPr lang="en-US" sz="1600" dirty="0" err="1"/>
+              <a:t>ï</a:t>
+            </a:r>
+            <a:r>
+              <a:rPr lang="de-DE" sz="1600" dirty="0" err="1" smtClean="0"/>
+              <a:t>ve</a:t>
+            </a:r>
+            <a:r>
+              <a:rPr lang="de-DE" sz="1600" dirty="0" smtClean="0"/>
+              <a:t> </a:t>
+            </a:r>
+            <a:r>
+              <a:rPr lang="de-DE" sz="1600" dirty="0" err="1" smtClean="0"/>
+              <a:t>Bayes</a:t>
+            </a:r>
+            <a:r>
+              <a:rPr lang="de-DE" sz="1600" dirty="0" smtClean="0"/>
+              <a:t> </a:t>
+            </a:r>
+            <a:r>
+              <a:rPr lang="de-DE" sz="1600" dirty="0" err="1" smtClean="0"/>
+              <a:t>with</a:t>
+            </a:r>
+            <a:r>
+              <a:rPr lang="de-DE" sz="1600" dirty="0" smtClean="0"/>
+              <a:t> </a:t>
+            </a:r>
+            <a:r>
+              <a:rPr lang="de-DE" sz="1600" dirty="0" err="1" smtClean="0"/>
+              <a:t>other</a:t>
+            </a:r>
+            <a:r>
+              <a:rPr lang="de-DE" sz="1600" dirty="0" smtClean="0"/>
+              <a:t> </a:t>
+            </a:r>
+            <a:r>
+              <a:rPr lang="de-DE" sz="1600" dirty="0" err="1" smtClean="0"/>
+              <a:t>supervised</a:t>
+            </a:r>
+            <a:r>
+              <a:rPr lang="de-DE" sz="1600" dirty="0" smtClean="0"/>
+              <a:t> </a:t>
+            </a:r>
+            <a:r>
+              <a:rPr lang="de-DE" sz="1600" dirty="0" err="1" smtClean="0"/>
+              <a:t>models</a:t>
+            </a:r>
+            <a:r>
+              <a:rPr lang="de-DE" sz="1600" dirty="0" smtClean="0"/>
+              <a:t>:</a:t>
+            </a:r>
+            <a:br>
+              <a:rPr lang="de-DE" sz="1600" dirty="0" smtClean="0"/>
+            </a:br>
+            <a:endParaRPr lang="de-DE" sz="1600" i="1" dirty="0" smtClean="0"/>
           </a:p>
           <a:p>
             <a:pPr marL="285750" indent="-285750">
@@ -10672,312 +9922,168 @@
               <a:buChar char="§"/>
             </a:pPr>
             <a:r>
-              <a:rPr lang="en-US" sz="1600" dirty="0" smtClean="0"/>
-              <a:t>sufficient results, but still enough space left for improvements (e.g. improve preprocessing, feature selection, weight important features (user up/down-votes), </a:t>
-            </a:r>
-            <a:r>
-              <a:rPr lang="is-IS" sz="1600" dirty="0" smtClean="0"/>
-              <a:t>…</a:t>
-            </a:r>
-            <a:r>
-              <a:rPr lang="en-US" sz="1600" dirty="0" smtClean="0"/>
-              <a:t>)</a:t>
-            </a:r>
-          </a:p>
-          <a:p>
-            <a:endParaRPr lang="de-DE" sz="1600" dirty="0" smtClean="0"/>
-          </a:p>
-          <a:p>
-            <a:r>
-              <a:rPr lang="de-DE" sz="1600" dirty="0" err="1" smtClean="0"/>
-              <a:t>Compare</a:t>
-            </a:r>
-            <a:r>
-              <a:rPr lang="de-DE" sz="1600" dirty="0" smtClean="0"/>
-              <a:t> </a:t>
-            </a:r>
-            <a:r>
-              <a:rPr lang="de-DE" sz="1600" dirty="0" err="1" smtClean="0"/>
-              <a:t>performance</a:t>
-            </a:r>
-            <a:r>
-              <a:rPr lang="de-DE" sz="1600" dirty="0" smtClean="0"/>
-              <a:t> </a:t>
-            </a:r>
-            <a:r>
-              <a:rPr lang="de-DE" sz="1600" dirty="0" err="1" smtClean="0"/>
-              <a:t>of</a:t>
-            </a:r>
-            <a:r>
-              <a:rPr lang="de-DE" sz="1600" dirty="0" smtClean="0"/>
-              <a:t> Na</a:t>
-            </a:r>
-            <a:r>
-              <a:rPr lang="en-US" sz="1600" dirty="0" err="1"/>
-              <a:t>ï</a:t>
-            </a:r>
-            <a:r>
-              <a:rPr lang="de-DE" sz="1600" dirty="0" err="1" smtClean="0"/>
-              <a:t>ve</a:t>
-            </a:r>
-            <a:r>
-              <a:rPr lang="de-DE" sz="1600" dirty="0" smtClean="0"/>
-              <a:t> </a:t>
-            </a:r>
-            <a:r>
-              <a:rPr lang="de-DE" sz="1600" dirty="0" err="1" smtClean="0"/>
-              <a:t>Bayes</a:t>
-            </a:r>
-            <a:r>
-              <a:rPr lang="de-DE" sz="1600" dirty="0" smtClean="0"/>
-              <a:t> </a:t>
-            </a:r>
-            <a:r>
-              <a:rPr lang="de-DE" sz="1600" dirty="0" err="1" smtClean="0"/>
-              <a:t>with</a:t>
-            </a:r>
-            <a:r>
-              <a:rPr lang="de-DE" sz="1600" dirty="0" smtClean="0"/>
-              <a:t> </a:t>
-            </a:r>
-            <a:r>
-              <a:rPr lang="de-DE" sz="1600" dirty="0" err="1" smtClean="0"/>
-              <a:t>other</a:t>
-            </a:r>
-            <a:r>
-              <a:rPr lang="de-DE" sz="1600" dirty="0" smtClean="0"/>
-              <a:t> </a:t>
-            </a:r>
-            <a:r>
-              <a:rPr lang="de-DE" sz="1600" dirty="0" err="1" smtClean="0"/>
-              <a:t>supervised</a:t>
-            </a:r>
-            <a:r>
-              <a:rPr lang="de-DE" sz="1600" dirty="0" smtClean="0"/>
-              <a:t> </a:t>
-            </a:r>
-            <a:r>
-              <a:rPr lang="de-DE" sz="1600" dirty="0" err="1" smtClean="0"/>
-              <a:t>models</a:t>
-            </a:r>
-            <a:r>
-              <a:rPr lang="de-DE" sz="1600" dirty="0" smtClean="0"/>
-              <a:t>:</a:t>
-            </a:r>
-            <a:endParaRPr lang="de-DE" sz="1600" i="1" dirty="0" smtClean="0"/>
-          </a:p>
-          <a:p>
-            <a:pPr marL="285750" indent="-285750">
+              <a:rPr lang="en-US" sz="1600" b="1" dirty="0"/>
+              <a:t>k-Nearest </a:t>
+            </a:r>
+            <a:r>
+              <a:rPr lang="en-US" sz="1600" b="1" dirty="0" smtClean="0"/>
+              <a:t>Neighbors:</a:t>
+            </a:r>
+          </a:p>
+          <a:p>
+            <a:pPr marL="742950" lvl="1" indent="-285750">
+              <a:lnSpc>
+                <a:spcPct val="120000"/>
+              </a:lnSpc>
               <a:buFont typeface="Wingdings" charset="2"/>
               <a:buChar char="§"/>
             </a:pPr>
             <a:r>
-              <a:rPr lang="en-US" sz="1600" b="1" dirty="0"/>
-              <a:t>k-Nearest </a:t>
-            </a:r>
-            <a:r>
-              <a:rPr lang="en-US" sz="1600" b="1" dirty="0" smtClean="0"/>
-              <a:t>Neighbors:</a:t>
+              <a:rPr lang="de-DE" sz="1600" dirty="0" err="1" smtClean="0"/>
+              <a:t>suggest</a:t>
+            </a:r>
+            <a:r>
+              <a:rPr lang="de-DE" sz="1600" dirty="0" smtClean="0"/>
+              <a:t> h </a:t>
+            </a:r>
+            <a:r>
+              <a:rPr lang="de-DE" sz="1600" dirty="0" err="1" smtClean="0"/>
+              <a:t>most</a:t>
+            </a:r>
+            <a:r>
+              <a:rPr lang="de-DE" sz="1600" dirty="0" smtClean="0"/>
+              <a:t> probable tags</a:t>
             </a:r>
           </a:p>
           <a:p>
             <a:pPr marL="742950" lvl="1" indent="-285750">
+              <a:lnSpc>
+                <a:spcPct val="120000"/>
+              </a:lnSpc>
               <a:buFont typeface="Wingdings" charset="2"/>
               <a:buChar char="§"/>
             </a:pPr>
             <a:r>
               <a:rPr lang="de-DE" sz="1600" dirty="0" err="1" smtClean="0"/>
-              <a:t>suggest</a:t>
+              <a:t>probability</a:t>
             </a:r>
             <a:r>
               <a:rPr lang="de-DE" sz="1600" dirty="0" smtClean="0"/>
-              <a:t> h </a:t>
+              <a:t> </a:t>
             </a:r>
             <a:r>
               <a:rPr lang="de-DE" sz="1600" dirty="0" err="1" smtClean="0"/>
-              <a:t>most</a:t>
+              <a:t>depends</a:t>
             </a:r>
             <a:r>
               <a:rPr lang="de-DE" sz="1600" dirty="0" smtClean="0"/>
-              <a:t> probable tags</a:t>
-            </a:r>
-          </a:p>
-          <a:p>
-            <a:pPr marL="742950" lvl="1" indent="-285750">
+              <a:t> on:</a:t>
+            </a:r>
+          </a:p>
+          <a:p>
+            <a:pPr marL="1200150" lvl="2" indent="-285750">
+              <a:lnSpc>
+                <a:spcPct val="120000"/>
+              </a:lnSpc>
               <a:buFont typeface="Wingdings" charset="2"/>
               <a:buChar char="§"/>
             </a:pPr>
             <a:r>
-              <a:rPr lang="de-DE" sz="1600" dirty="0" err="1" smtClean="0"/>
-              <a:t>probability</a:t>
-            </a:r>
-            <a:r>
-              <a:rPr lang="de-DE" sz="1600" dirty="0" smtClean="0"/>
-              <a:t> </a:t>
-            </a:r>
-            <a:r>
-              <a:rPr lang="de-DE" sz="1600" dirty="0" err="1" smtClean="0"/>
-              <a:t>depends</a:t>
-            </a:r>
-            <a:r>
-              <a:rPr lang="de-DE" sz="1600" dirty="0" smtClean="0"/>
-              <a:t> on:</a:t>
-            </a:r>
+              <a:rPr lang="en-US" sz="1600" dirty="0"/>
+              <a:t>number of neighbors that </a:t>
+            </a:r>
+            <a:r>
+              <a:rPr lang="en-US" sz="1600" dirty="0" smtClean="0"/>
+              <a:t>contain these suggested tags</a:t>
+            </a:r>
+            <a:endParaRPr lang="de-DE" sz="1600" dirty="0" smtClean="0"/>
           </a:p>
           <a:p>
             <a:pPr marL="1200150" lvl="2" indent="-285750">
+              <a:lnSpc>
+                <a:spcPct val="120000"/>
+              </a:lnSpc>
               <a:buFont typeface="Wingdings" charset="2"/>
               <a:buChar char="§"/>
             </a:pPr>
             <a:r>
-              <a:rPr lang="en-US" sz="1600" dirty="0"/>
-              <a:t>number of neighbors that </a:t>
-            </a:r>
-            <a:r>
-              <a:rPr lang="en-US" sz="1600" dirty="0" smtClean="0"/>
-              <a:t>contain these suggested tags</a:t>
-            </a:r>
-            <a:endParaRPr lang="de-DE" sz="1600" dirty="0" smtClean="0"/>
-          </a:p>
-          <a:p>
-            <a:pPr marL="1200150" lvl="2" indent="-285750">
+              <a:rPr lang="de-DE" sz="1600" dirty="0" err="1" smtClean="0"/>
+              <a:t>distance</a:t>
+            </a:r>
+            <a:r>
+              <a:rPr lang="de-DE" sz="1600" dirty="0" smtClean="0"/>
+              <a:t> </a:t>
+            </a:r>
+            <a:r>
+              <a:rPr lang="de-DE" sz="1600" dirty="0" err="1" smtClean="0"/>
+              <a:t>to</a:t>
+            </a:r>
+            <a:r>
+              <a:rPr lang="de-DE" sz="1600" dirty="0" smtClean="0"/>
+              <a:t> </a:t>
+            </a:r>
+            <a:r>
+              <a:rPr lang="de-DE" sz="1600" dirty="0" err="1" smtClean="0"/>
+              <a:t>these</a:t>
+            </a:r>
+            <a:r>
+              <a:rPr lang="de-DE" sz="1600" dirty="0" smtClean="0"/>
+              <a:t> </a:t>
+            </a:r>
+            <a:r>
+              <a:rPr lang="de-DE" sz="1600" dirty="0" err="1" smtClean="0"/>
+              <a:t>neighboring</a:t>
+            </a:r>
+            <a:r>
+              <a:rPr lang="de-DE" sz="1600" dirty="0" smtClean="0"/>
+              <a:t> </a:t>
+            </a:r>
+            <a:r>
+              <a:rPr lang="de-DE" sz="1600" dirty="0" err="1" smtClean="0"/>
+              <a:t>documents</a:t>
+            </a:r>
+            <a:r>
+              <a:rPr lang="de-DE" sz="1600" dirty="0" smtClean="0"/>
+              <a:t>/</a:t>
+            </a:r>
+            <a:r>
+              <a:rPr lang="de-DE" sz="1600" dirty="0" err="1" smtClean="0"/>
+              <a:t>posts</a:t>
+            </a:r>
+            <a:endParaRPr lang="en-US" sz="1600" dirty="0"/>
+          </a:p>
+          <a:p>
+            <a:endParaRPr lang="de-DE" sz="1600" i="1" dirty="0" smtClean="0"/>
+          </a:p>
+          <a:p>
+            <a:pPr marL="285750" indent="-285750">
+              <a:lnSpc>
+                <a:spcPct val="120000"/>
+              </a:lnSpc>
               <a:buFont typeface="Wingdings" charset="2"/>
               <a:buChar char="§"/>
             </a:pPr>
             <a:r>
-              <a:rPr lang="de-DE" sz="1600" dirty="0" err="1" smtClean="0"/>
-              <a:t>distance</a:t>
-            </a:r>
-            <a:r>
-              <a:rPr lang="de-DE" sz="1600" dirty="0" smtClean="0"/>
-              <a:t> </a:t>
-            </a:r>
-            <a:r>
-              <a:rPr lang="de-DE" sz="1600" dirty="0" err="1" smtClean="0"/>
-              <a:t>to</a:t>
-            </a:r>
-            <a:r>
-              <a:rPr lang="de-DE" sz="1600" dirty="0" smtClean="0"/>
-              <a:t> </a:t>
-            </a:r>
-            <a:r>
-              <a:rPr lang="de-DE" sz="1600" dirty="0" err="1" smtClean="0"/>
-              <a:t>these</a:t>
-            </a:r>
-            <a:r>
-              <a:rPr lang="de-DE" sz="1600" dirty="0" smtClean="0"/>
-              <a:t> </a:t>
-            </a:r>
-            <a:r>
-              <a:rPr lang="de-DE" sz="1600" dirty="0" err="1" smtClean="0"/>
-              <a:t>neighboring</a:t>
-            </a:r>
-            <a:r>
-              <a:rPr lang="de-DE" sz="1600" dirty="0" smtClean="0"/>
-              <a:t> </a:t>
-            </a:r>
-            <a:r>
-              <a:rPr lang="de-DE" sz="1600" dirty="0" err="1" smtClean="0"/>
-              <a:t>documents</a:t>
-            </a:r>
-            <a:r>
-              <a:rPr lang="de-DE" sz="1600" dirty="0" smtClean="0"/>
-              <a:t>/</a:t>
-            </a:r>
-            <a:r>
-              <a:rPr lang="de-DE" sz="1600" dirty="0" err="1" smtClean="0"/>
-              <a:t>posts</a:t>
-            </a:r>
-            <a:endParaRPr lang="en-US" sz="1600" dirty="0"/>
-          </a:p>
-          <a:p>
-            <a:endParaRPr lang="de-DE" sz="1600" i="1" dirty="0" smtClean="0"/>
-          </a:p>
-          <a:p>
-            <a:pPr marL="285750" indent="-285750">
+              <a:rPr lang="en-US" sz="1600" b="1" dirty="0" smtClean="0"/>
+              <a:t>Linear SVM:</a:t>
+            </a:r>
+          </a:p>
+          <a:p>
+            <a:pPr marL="492125" lvl="1" indent="-196850">
+              <a:lnSpc>
+                <a:spcPct val="120000"/>
+              </a:lnSpc>
               <a:buFont typeface="Wingdings" charset="2"/>
               <a:buChar char="§"/>
             </a:pPr>
             <a:r>
-              <a:rPr lang="en-US" sz="1600" b="1" dirty="0" smtClean="0"/>
-              <a:t>Linear SVM:</a:t>
-            </a:r>
-          </a:p>
-          <a:p>
-            <a:pPr marL="492125" lvl="1" indent="-196850">
-              <a:buFont typeface="Wingdings" charset="2"/>
-              <a:buChar char="§"/>
-            </a:pPr>
-            <a:r>
               <a:rPr lang="en-US" sz="1600" dirty="0" smtClean="0"/>
-              <a:t>Use only a few features that represent the entire post </a:t>
-            </a:r>
-            <a:r>
-              <a:rPr lang="en-US" sz="1600" dirty="0" smtClean="0">
-                <a:sym typeface="Wingdings"/>
-              </a:rPr>
-              <a:t> feature transformation</a:t>
+              <a:t>Use only a few features that represent the entire </a:t>
             </a:r>
             <a:r>
               <a:rPr lang="en-US" sz="1600" dirty="0" smtClean="0"/>
-              <a:t>, e.g.</a:t>
-            </a:r>
-          </a:p>
-          <a:p>
-            <a:pPr marL="949325" lvl="2" indent="-196850">
-              <a:buFont typeface="Wingdings" charset="2"/>
-              <a:buChar char="§"/>
-            </a:pPr>
-            <a:r>
-              <a:rPr lang="en-US" sz="1600" dirty="0" smtClean="0"/>
-              <a:t>tag occurs in title/body (true/false)</a:t>
-            </a:r>
-          </a:p>
-          <a:p>
-            <a:pPr marL="949325" lvl="2" indent="-196850">
-              <a:buFont typeface="Wingdings" charset="2"/>
-              <a:buChar char="§"/>
-            </a:pPr>
-            <a:r>
-              <a:rPr lang="en-US" sz="1600" dirty="0" smtClean="0"/>
-              <a:t>for each word and each tag in this post (scalar value):</a:t>
-            </a:r>
-          </a:p>
-          <a:p>
-            <a:pPr marL="1406525" lvl="3" indent="-196850">
-              <a:buFont typeface="Wingdings" charset="2"/>
-              <a:buChar char="§"/>
-            </a:pPr>
-            <a:r>
-              <a:rPr lang="en-US" sz="1600" dirty="0" smtClean="0"/>
-              <a:t>compute product of probabilities that tag &amp; word occur both in same post</a:t>
-            </a:r>
-          </a:p>
-          <a:p>
-            <a:pPr marL="1406525" lvl="3" indent="-196850">
-              <a:buFont typeface="Wingdings" charset="2"/>
-              <a:buChar char="§"/>
-            </a:pPr>
-            <a:r>
-              <a:rPr lang="en-US" sz="1600" dirty="0" smtClean="0"/>
-              <a:t>danger: use logarithm to avoid underflow!</a:t>
-            </a:r>
-          </a:p>
-          <a:p>
-            <a:pPr marL="1863725" lvl="4" indent="-196850">
-              <a:buFont typeface="Wingdings" charset="2"/>
-              <a:buChar char="§"/>
-            </a:pPr>
-            <a:r>
-              <a:rPr lang="en-US" sz="1600" dirty="0" smtClean="0"/>
-              <a:t>log of product replaced by sum of logs!</a:t>
-            </a:r>
-          </a:p>
-          <a:p>
-            <a:pPr marL="800100" lvl="1" indent="-342900">
-              <a:buFont typeface="Wingdings" charset="2"/>
-              <a:buChar char="§"/>
-            </a:pPr>
+              <a:t>post</a:t>
+            </a:r>
             <a:endParaRPr lang="en-US" sz="1600" dirty="0"/>
           </a:p>
           <a:p>
@@ -11233,10 +10339,6 @@
               <a:rPr lang="de-DE" b="1" dirty="0" err="1" smtClean="0"/>
               <a:t>Unsupervised</a:t>
             </a:r>
-            <a:r>
-              <a:rPr lang="de-DE" b="1" dirty="0" smtClean="0"/>
-              <a:t> (I)</a:t>
-            </a:r>
             <a:endParaRPr lang="de-DE" b="1" kern="0" dirty="0" smtClean="0"/>
           </a:p>
         </p:txBody>
@@ -11250,7 +10352,7 @@
         <p:spPr>
           <a:xfrm>
             <a:off x="733490" y="1751793"/>
-            <a:ext cx="7805654" cy="4247317"/>
+            <a:ext cx="7805654" cy="4579717"/>
           </a:xfrm>
           <a:prstGeom prst="rect">
             <a:avLst/>
@@ -11264,6 +10366,9 @@
           <a:lstStyle/>
           <a:p>
             <a:pPr marL="285750" indent="-285750">
+              <a:lnSpc>
+                <a:spcPct val="120000"/>
+              </a:lnSpc>
               <a:buFont typeface="Wingdings" charset="2"/>
               <a:buChar char="§"/>
             </a:pPr>
@@ -11274,6 +10379,9 @@
           </a:p>
           <a:p>
             <a:pPr marL="742950" lvl="1" indent="-285750">
+              <a:lnSpc>
+                <a:spcPct val="120000"/>
+              </a:lnSpc>
               <a:buFont typeface="Wingdings" charset="2"/>
               <a:buChar char="§"/>
             </a:pPr>
@@ -11337,6 +10445,9 @@
           </a:p>
           <a:p>
             <a:pPr marL="742950" lvl="1" indent="-285750">
+              <a:lnSpc>
+                <a:spcPct val="120000"/>
+              </a:lnSpc>
               <a:buFont typeface="Wingdings" charset="2"/>
               <a:buChar char="§"/>
             </a:pPr>
@@ -11432,6 +10543,9 @@
           </a:p>
           <a:p>
             <a:pPr marL="285750" indent="-285750">
+              <a:lnSpc>
+                <a:spcPct val="120000"/>
+              </a:lnSpc>
               <a:buFont typeface="Wingdings" charset="2"/>
               <a:buChar char="§"/>
             </a:pPr>
@@ -11447,268 +10561,270 @@
               <a:rPr lang="de-DE" sz="1800" b="1" dirty="0" err="1" smtClean="0"/>
               <a:t>clustering</a:t>
             </a:r>
+            <a:r>
+              <a:rPr lang="de-DE" sz="1800" b="1" dirty="0"/>
+              <a:t>:</a:t>
+            </a:r>
             <a:endParaRPr lang="de-DE" sz="1800" b="1" dirty="0" smtClean="0"/>
           </a:p>
           <a:p>
             <a:pPr marL="742950" lvl="1" indent="-285750">
+              <a:lnSpc>
+                <a:spcPct val="120000"/>
+              </a:lnSpc>
               <a:buFont typeface="Wingdings" charset="2"/>
               <a:buChar char="§"/>
             </a:pPr>
             <a:r>
-              <a:rPr lang="de-DE" sz="1800" dirty="0" err="1"/>
-              <a:t>Init</a:t>
-            </a:r>
-            <a:r>
-              <a:rPr lang="de-DE" sz="1800" dirty="0"/>
-              <a:t> </a:t>
-            </a:r>
-            <a:r>
-              <a:rPr lang="de-DE" sz="1800" i="1" dirty="0" err="1"/>
+              <a:rPr lang="de-DE" sz="1800" u="sng" dirty="0" err="1" smtClean="0"/>
+              <a:t>Number</a:t>
+            </a:r>
+            <a:r>
+              <a:rPr lang="de-DE" sz="1800" u="sng" dirty="0" smtClean="0"/>
+              <a:t> </a:t>
+            </a:r>
+            <a:r>
+              <a:rPr lang="de-DE" sz="1800" u="sng" dirty="0" err="1" smtClean="0"/>
+              <a:t>of</a:t>
+            </a:r>
+            <a:r>
+              <a:rPr lang="de-DE" sz="1800" u="sng" dirty="0" smtClean="0"/>
+              <a:t> </a:t>
+            </a:r>
+            <a:r>
+              <a:rPr lang="de-DE" sz="1800" u="sng" dirty="0" err="1" smtClean="0"/>
+              <a:t>clusters</a:t>
+            </a:r>
+            <a:r>
+              <a:rPr lang="de-DE" sz="1800" u="sng" dirty="0" smtClean="0"/>
+              <a:t> (</a:t>
+            </a:r>
+            <a:r>
+              <a:rPr lang="de-DE" sz="1800" u="sng" dirty="0" err="1" smtClean="0"/>
               <a:t>k</a:t>
             </a:r>
             <a:r>
-              <a:rPr lang="de-DE" sz="1800" dirty="0"/>
-              <a:t> </a:t>
-            </a:r>
-            <a:r>
-              <a:rPr lang="de-DE" sz="1800" dirty="0" err="1" smtClean="0"/>
-              <a:t>centroids</a:t>
-            </a:r>
-            <a:endParaRPr lang="de-DE" sz="1800" dirty="0" smtClean="0"/>
+              <a:rPr lang="de-DE" sz="1800" u="sng" dirty="0" smtClean="0"/>
+              <a:t>)</a:t>
+            </a:r>
+            <a:r>
+              <a:rPr lang="de-DE" sz="1800" dirty="0" smtClean="0"/>
+              <a:t>: #tags</a:t>
+            </a:r>
           </a:p>
           <a:p>
             <a:pPr marL="742950" lvl="1" indent="-285750">
+              <a:lnSpc>
+                <a:spcPct val="120000"/>
+              </a:lnSpc>
               <a:buFont typeface="Wingdings" charset="2"/>
               <a:buChar char="§"/>
             </a:pPr>
             <a:r>
-              <a:rPr lang="de-DE" sz="1800" dirty="0" err="1" smtClean="0"/>
-              <a:t>Assign</a:t>
-            </a:r>
-            <a:r>
-              <a:rPr lang="de-DE" sz="1800" dirty="0" smtClean="0"/>
-              <a:t> </a:t>
-            </a:r>
-            <a:r>
-              <a:rPr lang="de-DE" sz="1800" dirty="0" err="1" smtClean="0"/>
-              <a:t>each</a:t>
-            </a:r>
-            <a:r>
-              <a:rPr lang="de-DE" sz="1800" dirty="0" smtClean="0"/>
-              <a:t> </a:t>
-            </a:r>
-            <a:r>
-              <a:rPr lang="de-DE" sz="1800" dirty="0" err="1" smtClean="0"/>
-              <a:t>post</a:t>
-            </a:r>
-            <a:r>
-              <a:rPr lang="de-DE" sz="1800" dirty="0" smtClean="0"/>
-              <a:t> </a:t>
-            </a:r>
-            <a:r>
-              <a:rPr lang="de-DE" sz="1800" dirty="0" err="1" smtClean="0"/>
-              <a:t>to</a:t>
-            </a:r>
-            <a:r>
-              <a:rPr lang="de-DE" sz="1800" dirty="0" smtClean="0"/>
-              <a:t> </a:t>
-            </a:r>
-            <a:r>
-              <a:rPr lang="de-DE" sz="1800" dirty="0" err="1" smtClean="0"/>
-              <a:t>closest</a:t>
-            </a:r>
-            <a:r>
-              <a:rPr lang="de-DE" sz="1800" dirty="0" smtClean="0"/>
-              <a:t> </a:t>
-            </a:r>
-            <a:r>
-              <a:rPr lang="de-DE" sz="1800" dirty="0" err="1" smtClean="0"/>
-              <a:t>centroid</a:t>
+              <a:rPr lang="de-DE" sz="1800" u="sng" dirty="0" err="1" smtClean="0"/>
+              <a:t>Initialization</a:t>
+            </a:r>
+            <a:r>
+              <a:rPr lang="de-DE" sz="1800" dirty="0" smtClean="0"/>
+              <a:t>: </a:t>
+            </a:r>
+            <a:r>
+              <a:rPr lang="de-DE" sz="1800" i="1" dirty="0" err="1" smtClean="0"/>
+              <a:t>k</a:t>
+            </a:r>
+            <a:r>
+              <a:rPr lang="de-DE" sz="1800" i="1" dirty="0" err="1"/>
+              <a:t>-means</a:t>
+            </a:r>
+            <a:r>
+              <a:rPr lang="de-DE" sz="1800" i="1" dirty="0"/>
+              <a:t>++</a:t>
+            </a:r>
+            <a:r>
+              <a:rPr lang="de-DE" sz="1800" dirty="0"/>
+              <a:t> </a:t>
             </a:r>
             <a:endParaRPr lang="de-DE" sz="1800" dirty="0" smtClean="0"/>
           </a:p>
           <a:p>
             <a:pPr marL="742950" lvl="1" indent="-285750">
+              <a:lnSpc>
+                <a:spcPct val="120000"/>
+              </a:lnSpc>
               <a:buFont typeface="Wingdings" charset="2"/>
               <a:buChar char="§"/>
             </a:pPr>
             <a:r>
-              <a:rPr lang="de-DE" sz="1800" dirty="0" smtClean="0"/>
-              <a:t>Update </a:t>
-            </a:r>
-            <a:r>
-              <a:rPr lang="de-DE" sz="1800" dirty="0" err="1" smtClean="0"/>
-              <a:t>centroids</a:t>
-            </a:r>
-            <a:r>
-              <a:rPr lang="de-DE" sz="1800" dirty="0" smtClean="0"/>
-              <a:t> </a:t>
-            </a:r>
-            <a:r>
-              <a:rPr lang="de-DE" sz="1800" dirty="0" err="1" smtClean="0"/>
-              <a:t>and</a:t>
-            </a:r>
-            <a:r>
-              <a:rPr lang="de-DE" sz="1800" dirty="0" smtClean="0"/>
-              <a:t> </a:t>
-            </a:r>
-            <a:r>
-              <a:rPr lang="de-DE" sz="1800" dirty="0" err="1"/>
-              <a:t>r</a:t>
-            </a:r>
-            <a:r>
-              <a:rPr lang="de-DE" sz="1800" dirty="0" err="1" smtClean="0"/>
-              <a:t>epeat</a:t>
-            </a:r>
-            <a:r>
-              <a:rPr lang="de-DE" sz="1800" dirty="0" smtClean="0"/>
-              <a:t> </a:t>
-            </a:r>
-            <a:r>
-              <a:rPr lang="de-DE" sz="1800" dirty="0" err="1" smtClean="0"/>
-              <a:t>until</a:t>
-            </a:r>
-            <a:r>
-              <a:rPr lang="de-DE" sz="1800" dirty="0" smtClean="0"/>
-              <a:t> </a:t>
-            </a:r>
-            <a:r>
-              <a:rPr lang="de-DE" sz="1800" dirty="0" err="1" smtClean="0"/>
-              <a:t>convergence</a:t>
-            </a:r>
-            <a:endParaRPr lang="de-DE" sz="1800" dirty="0" smtClean="0"/>
-          </a:p>
-          <a:p>
-            <a:pPr marL="742950" lvl="1" indent="-285750">
-              <a:buFont typeface="Arial"/>
-              <a:buChar char="•"/>
-            </a:pPr>
-            <a:endParaRPr lang="de-DE" sz="1800" dirty="0" smtClean="0"/>
+              <a:rPr lang="de-DE" sz="1800" u="sng" dirty="0" err="1" smtClean="0"/>
+              <a:t>Distance</a:t>
+            </a:r>
+            <a:r>
+              <a:rPr lang="de-DE" sz="1800" dirty="0" smtClean="0"/>
+              <a:t>: </a:t>
+            </a:r>
+            <a:r>
+              <a:rPr lang="de-DE" sz="1800" i="1" dirty="0" err="1" smtClean="0"/>
+              <a:t>Euclidean</a:t>
+            </a:r>
+            <a:endParaRPr lang="de-DE" sz="1800" i="1" dirty="0" smtClean="0"/>
+          </a:p>
+          <a:p>
+            <a:pPr lvl="1"/>
+            <a:endParaRPr lang="de-DE" sz="1800" i="1" dirty="0" smtClean="0"/>
           </a:p>
           <a:p>
             <a:pPr marL="285750" indent="-285750">
+              <a:lnSpc>
+                <a:spcPct val="120000"/>
+              </a:lnSpc>
               <a:buFont typeface="Wingdings" charset="2"/>
               <a:buChar char="§"/>
             </a:pPr>
             <a:r>
+              <a:rPr lang="de-DE" sz="1800" b="1" dirty="0" err="1"/>
+              <a:t>Hierarchical</a:t>
+            </a:r>
+            <a:r>
+              <a:rPr lang="de-DE" sz="1800" b="1" dirty="0"/>
+              <a:t> </a:t>
+            </a:r>
+            <a:r>
+              <a:rPr lang="de-DE" sz="1800" b="1" dirty="0" err="1"/>
+              <a:t>Agglomerative</a:t>
+            </a:r>
+            <a:r>
+              <a:rPr lang="de-DE" sz="1800" b="1" dirty="0"/>
+              <a:t> </a:t>
+            </a:r>
+            <a:r>
               <a:rPr lang="de-DE" sz="1800" b="1" dirty="0" smtClean="0"/>
-              <a:t>Implementation </a:t>
-            </a:r>
-            <a:r>
-              <a:rPr lang="de-DE" sz="1800" b="1" dirty="0" err="1" smtClean="0"/>
-              <a:t>and</a:t>
-            </a:r>
-            <a:r>
-              <a:rPr lang="de-DE" sz="1800" b="1" dirty="0" smtClean="0"/>
-              <a:t> Parameters</a:t>
-            </a:r>
-            <a:r>
-              <a:rPr lang="de-DE" sz="1800" dirty="0" smtClean="0"/>
-              <a:t>:</a:t>
-            </a:r>
+              <a:t>Clustering:</a:t>
+            </a:r>
+            <a:endParaRPr lang="de-DE" sz="1800" b="1" dirty="0"/>
           </a:p>
           <a:p>
             <a:pPr marL="742950" lvl="1" indent="-285750">
+              <a:lnSpc>
+                <a:spcPct val="120000"/>
+              </a:lnSpc>
               <a:buFont typeface="Wingdings" charset="2"/>
               <a:buChar char="§"/>
             </a:pPr>
             <a:r>
               <a:rPr lang="de-DE" sz="1800" u="sng" dirty="0" err="1" smtClean="0"/>
-              <a:t>Number</a:t>
-            </a:r>
-            <a:r>
-              <a:rPr lang="de-DE" sz="1800" u="sng" dirty="0" smtClean="0"/>
-              <a:t> </a:t>
-            </a:r>
-            <a:r>
-              <a:rPr lang="de-DE" sz="1800" u="sng" dirty="0" err="1" smtClean="0"/>
-              <a:t>of</a:t>
-            </a:r>
-            <a:r>
-              <a:rPr lang="de-DE" sz="1800" u="sng" dirty="0" smtClean="0"/>
-              <a:t> </a:t>
-            </a:r>
-            <a:r>
-              <a:rPr lang="de-DE" sz="1800" u="sng" dirty="0" err="1" smtClean="0"/>
-              <a:t>clusters</a:t>
-            </a:r>
-            <a:r>
-              <a:rPr lang="de-DE" sz="1800" u="sng" dirty="0" smtClean="0"/>
-              <a:t> (</a:t>
-            </a:r>
-            <a:r>
-              <a:rPr lang="de-DE" sz="1800" u="sng" dirty="0" err="1" smtClean="0"/>
-              <a:t>k</a:t>
-            </a:r>
-            <a:r>
-              <a:rPr lang="de-DE" sz="1800" u="sng" dirty="0" smtClean="0"/>
+              <a:t>Linkage</a:t>
+            </a:r>
+            <a:r>
+              <a:rPr lang="de-DE" sz="1800" dirty="0" smtClean="0"/>
+              <a:t>: </a:t>
+            </a:r>
+            <a:r>
+              <a:rPr lang="de-DE" sz="1800" i="1" dirty="0"/>
+              <a:t>Ward </a:t>
+            </a:r>
+            <a:r>
+              <a:rPr lang="de-DE" sz="1800" i="1" dirty="0" err="1"/>
+              <a:t>criterion</a:t>
+            </a:r>
+            <a:r>
+              <a:rPr lang="de-DE" sz="1800" i="1" dirty="0"/>
+              <a:t> </a:t>
+            </a:r>
+            <a:r>
+              <a:rPr lang="de-DE" sz="1800" dirty="0"/>
+              <a:t>(</a:t>
+            </a:r>
+            <a:r>
+              <a:rPr lang="de-DE" sz="1800" dirty="0" err="1"/>
+              <a:t>minimum</a:t>
+            </a:r>
+            <a:r>
+              <a:rPr lang="de-DE" sz="1800" dirty="0"/>
+              <a:t> </a:t>
+            </a:r>
+            <a:r>
+              <a:rPr lang="de-DE" sz="1800" dirty="0" err="1"/>
+              <a:t>variance</a:t>
+            </a:r>
+            <a:r>
+              <a:rPr lang="de-DE" sz="1800" dirty="0"/>
               <a:t>)</a:t>
             </a:r>
-            <a:r>
-              <a:rPr lang="de-DE" sz="1800" dirty="0" smtClean="0"/>
-              <a:t>: #tags</a:t>
-            </a:r>
           </a:p>
           <a:p>
             <a:pPr marL="742950" lvl="1" indent="-285750">
+              <a:lnSpc>
+                <a:spcPct val="120000"/>
+              </a:lnSpc>
               <a:buFont typeface="Wingdings" charset="2"/>
               <a:buChar char="§"/>
             </a:pPr>
             <a:r>
-              <a:rPr lang="de-DE" sz="1800" u="sng" dirty="0" err="1" smtClean="0"/>
-              <a:t>Initialization</a:t>
-            </a:r>
-            <a:r>
-              <a:rPr lang="de-DE" sz="1800" dirty="0" smtClean="0"/>
+              <a:rPr lang="de-DE" sz="1800" u="sng" dirty="0" err="1"/>
+              <a:t>Distance</a:t>
+            </a:r>
+            <a:r>
+              <a:rPr lang="de-DE" sz="1800" dirty="0"/>
               <a:t>: </a:t>
             </a:r>
             <a:r>
-              <a:rPr lang="de-DE" sz="1800" i="1" dirty="0" err="1" smtClean="0"/>
-              <a:t>k</a:t>
-            </a:r>
-            <a:r>
               <a:rPr lang="de-DE" sz="1800" i="1" dirty="0" err="1"/>
-              <a:t>-means</a:t>
-            </a:r>
-            <a:r>
-              <a:rPr lang="de-DE" sz="1800" i="1" dirty="0"/>
-              <a:t>++</a:t>
-            </a:r>
-            <a:r>
-              <a:rPr lang="de-DE" sz="1800" dirty="0"/>
-              <a:t> </a:t>
-            </a:r>
-            <a:endParaRPr lang="de-DE" sz="1800" dirty="0" smtClean="0"/>
+              <a:t>Euclidean</a:t>
+            </a:r>
+            <a:endParaRPr lang="de-DE" sz="1800" i="1" dirty="0"/>
           </a:p>
           <a:p>
             <a:pPr marL="742950" lvl="1" indent="-285750">
+              <a:lnSpc>
+                <a:spcPct val="120000"/>
+              </a:lnSpc>
               <a:buFont typeface="Wingdings" charset="2"/>
               <a:buChar char="§"/>
             </a:pPr>
             <a:r>
-              <a:rPr lang="de-DE" sz="1800" u="sng" dirty="0" err="1" smtClean="0"/>
-              <a:t>Distance</a:t>
-            </a:r>
-            <a:r>
-              <a:rPr lang="de-DE" sz="1800" dirty="0" smtClean="0"/>
+              <a:rPr lang="de-DE" sz="1800" u="sng" dirty="0" err="1"/>
+              <a:t>Stop</a:t>
+            </a:r>
+            <a:r>
+              <a:rPr lang="de-DE" sz="1800" u="sng" dirty="0"/>
+              <a:t> </a:t>
+            </a:r>
+            <a:r>
+              <a:rPr lang="de-DE" sz="1800" u="sng" dirty="0" err="1"/>
+              <a:t>criterion</a:t>
+            </a:r>
+            <a:r>
+              <a:rPr lang="de-DE" sz="1800" dirty="0"/>
               <a:t>: </a:t>
             </a:r>
             <a:r>
-              <a:rPr lang="de-DE" sz="1800" dirty="0" err="1" smtClean="0"/>
-              <a:t>Euclidean</a:t>
-            </a:r>
-            <a:r>
-              <a:rPr lang="de-DE" sz="1800" dirty="0" smtClean="0"/>
-              <a:t> </a:t>
-            </a:r>
-            <a:r>
-              <a:rPr lang="de-DE" sz="1800" dirty="0" err="1" smtClean="0"/>
-              <a:t>distance</a:t>
-            </a:r>
-            <a:endParaRPr lang="de-DE" sz="1800" dirty="0" smtClean="0"/>
-          </a:p>
-          <a:p>
-            <a:pPr lvl="1"/>
+              <a:rPr lang="de-DE" sz="1800" dirty="0" err="1"/>
+              <a:t>number</a:t>
+            </a:r>
+            <a:r>
+              <a:rPr lang="de-DE" sz="1800" dirty="0"/>
+              <a:t> </a:t>
+            </a:r>
+            <a:r>
+              <a:rPr lang="de-DE" sz="1800" dirty="0" err="1"/>
+              <a:t>of</a:t>
+            </a:r>
+            <a:r>
+              <a:rPr lang="de-DE" sz="1800" dirty="0"/>
+              <a:t> </a:t>
+            </a:r>
+            <a:r>
+              <a:rPr lang="de-DE" sz="1800" dirty="0" err="1"/>
+              <a:t>clusters</a:t>
+            </a:r>
+            <a:r>
+              <a:rPr lang="de-DE" sz="1800" dirty="0"/>
+              <a:t> (#tags</a:t>
+            </a:r>
+            <a:r>
+              <a:rPr lang="de-DE" sz="1800" dirty="0" smtClean="0"/>
+              <a:t>)</a:t>
+            </a:r>
             <a:endParaRPr lang="de-DE" sz="1800" i="1" dirty="0" smtClean="0"/>
           </a:p>
           <a:p>
@@ -11730,13 +10846,13 @@
         </p:nvPicPr>
         <p:blipFill rotWithShape="1">
           <a:blip r:embed="rId3"/>
-          <a:srcRect l="10743" t="16037" r="4694" b="10784"/>
+          <a:srcRect l="3978" t="16887" r="11459" b="14093"/>
           <a:stretch/>
         </p:blipFill>
         <p:spPr>
           <a:xfrm>
-            <a:off x="5765800" y="4051300"/>
-            <a:ext cx="3175000" cy="2184400"/>
+            <a:off x="5948344" y="3111500"/>
+            <a:ext cx="2857500" cy="1854200"/>
           </a:xfrm>
           <a:prstGeom prst="rect">
             <a:avLst/>
@@ -11969,660 +11085,6 @@
           <a:p>
             <a:pPr eaLnBrk="1" hangingPunct="1"/>
             <a:r>
-              <a:rPr lang="de-DE" sz="1500" b="1" dirty="0" err="1" smtClean="0"/>
-              <a:t>Current</a:t>
-            </a:r>
-            <a:r>
-              <a:rPr lang="de-DE" sz="1500" b="1" dirty="0" smtClean="0"/>
-              <a:t> Approach</a:t>
-            </a:r>
-            <a:r>
-              <a:rPr lang="de-DE" b="1" dirty="0" smtClean="0"/>
-              <a:t/>
-            </a:r>
-            <a:br>
-              <a:rPr lang="de-DE" b="1" dirty="0" smtClean="0"/>
-            </a:br>
-            <a:r>
-              <a:rPr lang="de-DE" b="1" dirty="0" err="1" smtClean="0"/>
-              <a:t>Unsupervised</a:t>
-            </a:r>
-            <a:r>
-              <a:rPr lang="de-DE" b="1" dirty="0" smtClean="0"/>
-              <a:t> (II)</a:t>
-            </a:r>
-            <a:endParaRPr lang="de-DE" b="1" kern="0" dirty="0" smtClean="0"/>
-          </a:p>
-        </p:txBody>
-      </p:sp>
-      <p:sp>
-        <p:nvSpPr>
-          <p:cNvPr id="5" name="Textfeld 4"/>
-          <p:cNvSpPr txBox="1"/>
-          <p:nvPr/>
-        </p:nvSpPr>
-        <p:spPr>
-          <a:xfrm>
-            <a:off x="733490" y="2068006"/>
-            <a:ext cx="7805654" cy="3684086"/>
-          </a:xfrm>
-          <a:prstGeom prst="rect">
-            <a:avLst/>
-          </a:prstGeom>
-          <a:noFill/>
-        </p:spPr>
-        <p:txBody>
-          <a:bodyPr wrap="square" rtlCol="0">
-            <a:spAutoFit/>
-          </a:bodyPr>
-          <a:lstStyle/>
-          <a:p>
-            <a:pPr marL="285750" indent="-285750">
-              <a:buFont typeface="Wingdings" charset="2"/>
-              <a:buChar char="§"/>
-            </a:pPr>
-            <a:r>
-              <a:rPr lang="de-DE" sz="1800" b="1" dirty="0" err="1" smtClean="0"/>
-              <a:t>Hierarchical</a:t>
-            </a:r>
-            <a:r>
-              <a:rPr lang="de-DE" sz="1800" b="1" dirty="0" smtClean="0"/>
-              <a:t> </a:t>
-            </a:r>
-            <a:r>
-              <a:rPr lang="de-DE" sz="1800" b="1" dirty="0" err="1"/>
-              <a:t>Agglomerative</a:t>
-            </a:r>
-            <a:r>
-              <a:rPr lang="de-DE" sz="1800" b="1" dirty="0"/>
-              <a:t> Clustering (HAC</a:t>
-            </a:r>
-            <a:r>
-              <a:rPr lang="de-DE" sz="1800" b="1" dirty="0" smtClean="0"/>
-              <a:t>)</a:t>
-            </a:r>
-            <a:br>
-              <a:rPr lang="de-DE" sz="1800" b="1" dirty="0" smtClean="0"/>
-            </a:br>
-            <a:endParaRPr lang="de-DE" sz="1800" b="1" dirty="0"/>
-          </a:p>
-          <a:p>
-            <a:pPr marL="742950" lvl="1" indent="-285750">
-              <a:lnSpc>
-                <a:spcPct val="120000"/>
-              </a:lnSpc>
-              <a:buFont typeface="Wingdings" charset="2"/>
-              <a:buChar char="§"/>
-            </a:pPr>
-            <a:r>
-              <a:rPr lang="de-DE" sz="1800" dirty="0" smtClean="0"/>
-              <a:t>Start </a:t>
-            </a:r>
-            <a:r>
-              <a:rPr lang="de-DE" sz="1800" dirty="0" err="1" smtClean="0"/>
-              <a:t>with</a:t>
-            </a:r>
-            <a:r>
-              <a:rPr lang="de-DE" sz="1800" dirty="0" smtClean="0"/>
-              <a:t> </a:t>
-            </a:r>
-            <a:r>
-              <a:rPr lang="de-DE" sz="1800" dirty="0" err="1" smtClean="0"/>
-              <a:t>each</a:t>
-            </a:r>
-            <a:r>
-              <a:rPr lang="de-DE" sz="1800" dirty="0" smtClean="0"/>
-              <a:t> </a:t>
-            </a:r>
-            <a:r>
-              <a:rPr lang="de-DE" sz="1800" dirty="0" err="1" smtClean="0"/>
-              <a:t>post</a:t>
-            </a:r>
-            <a:r>
-              <a:rPr lang="de-DE" sz="1800" dirty="0" smtClean="0"/>
-              <a:t> </a:t>
-            </a:r>
-            <a:r>
-              <a:rPr lang="de-DE" sz="1800" dirty="0" err="1" smtClean="0"/>
-              <a:t>as</a:t>
-            </a:r>
-            <a:r>
-              <a:rPr lang="de-DE" sz="1800" dirty="0" smtClean="0"/>
-              <a:t> </a:t>
-            </a:r>
-            <a:r>
-              <a:rPr lang="de-DE" sz="1800" dirty="0" err="1" smtClean="0"/>
-              <a:t>single</a:t>
-            </a:r>
-            <a:r>
-              <a:rPr lang="de-DE" sz="1800" dirty="0" smtClean="0"/>
-              <a:t> </a:t>
-            </a:r>
-            <a:r>
-              <a:rPr lang="de-DE" sz="1800" dirty="0" err="1" smtClean="0"/>
-              <a:t>cluster</a:t>
-            </a:r>
-            <a:endParaRPr lang="de-DE" sz="1800" dirty="0" smtClean="0"/>
-          </a:p>
-          <a:p>
-            <a:pPr marL="742950" lvl="1" indent="-285750">
-              <a:lnSpc>
-                <a:spcPct val="120000"/>
-              </a:lnSpc>
-              <a:buFont typeface="Wingdings" charset="2"/>
-              <a:buChar char="§"/>
-            </a:pPr>
-            <a:r>
-              <a:rPr lang="de-DE" sz="1800" dirty="0" err="1" smtClean="0"/>
-              <a:t>Merge</a:t>
-            </a:r>
-            <a:r>
-              <a:rPr lang="de-DE" sz="1800" dirty="0" smtClean="0"/>
-              <a:t> pair </a:t>
-            </a:r>
-            <a:r>
-              <a:rPr lang="de-DE" sz="1800" dirty="0" err="1" smtClean="0"/>
-              <a:t>of</a:t>
-            </a:r>
-            <a:r>
-              <a:rPr lang="de-DE" sz="1800" dirty="0" smtClean="0"/>
-              <a:t> </a:t>
-            </a:r>
-            <a:r>
-              <a:rPr lang="de-DE" sz="1800" dirty="0" err="1" smtClean="0"/>
-              <a:t>clusters</a:t>
-            </a:r>
-            <a:r>
-              <a:rPr lang="de-DE" sz="1800" dirty="0" smtClean="0"/>
-              <a:t> </a:t>
-            </a:r>
-            <a:r>
-              <a:rPr lang="de-DE" sz="1800" dirty="0" err="1" smtClean="0"/>
-              <a:t>with</a:t>
-            </a:r>
-            <a:r>
-              <a:rPr lang="de-DE" sz="1800" dirty="0" smtClean="0"/>
-              <a:t> </a:t>
-            </a:r>
-            <a:r>
-              <a:rPr lang="de-DE" sz="1800" dirty="0" err="1" smtClean="0"/>
-              <a:t>lowest</a:t>
-            </a:r>
-            <a:r>
-              <a:rPr lang="de-DE" sz="1800" dirty="0" smtClean="0"/>
-              <a:t> </a:t>
-            </a:r>
-            <a:r>
-              <a:rPr lang="de-DE" sz="1800" dirty="0" err="1" smtClean="0"/>
-              <a:t>distance</a:t>
-            </a:r>
-            <a:endParaRPr lang="de-DE" sz="1800" dirty="0" smtClean="0"/>
-          </a:p>
-          <a:p>
-            <a:pPr marL="742950" lvl="1" indent="-285750">
-              <a:lnSpc>
-                <a:spcPct val="120000"/>
-              </a:lnSpc>
-              <a:buFont typeface="Wingdings" charset="2"/>
-              <a:buChar char="§"/>
-            </a:pPr>
-            <a:r>
-              <a:rPr lang="de-DE" sz="1800" dirty="0"/>
-              <a:t>Update </a:t>
-            </a:r>
-            <a:r>
-              <a:rPr lang="de-DE" sz="1800" dirty="0" err="1"/>
-              <a:t>distance</a:t>
-            </a:r>
-            <a:r>
-              <a:rPr lang="de-DE" sz="1800" dirty="0"/>
-              <a:t> </a:t>
-            </a:r>
-            <a:r>
-              <a:rPr lang="de-DE" sz="1800" dirty="0" err="1" smtClean="0"/>
-              <a:t>matrix</a:t>
-            </a:r>
-            <a:r>
-              <a:rPr lang="de-DE" sz="1800" dirty="0"/>
-              <a:t> </a:t>
-            </a:r>
-            <a:r>
-              <a:rPr lang="de-DE" sz="1800" dirty="0" err="1" smtClean="0"/>
-              <a:t>and</a:t>
-            </a:r>
-            <a:r>
-              <a:rPr lang="de-DE" sz="1800" dirty="0" smtClean="0"/>
-              <a:t> </a:t>
-            </a:r>
-            <a:r>
-              <a:rPr lang="de-DE" sz="1800" dirty="0" err="1" smtClean="0"/>
-              <a:t>repeat</a:t>
-            </a:r>
-            <a:r>
-              <a:rPr lang="de-DE" sz="1800" dirty="0" smtClean="0"/>
-              <a:t> </a:t>
-            </a:r>
-            <a:r>
-              <a:rPr lang="de-DE" sz="1800" dirty="0" err="1" smtClean="0"/>
-              <a:t>until</a:t>
-            </a:r>
-            <a:r>
-              <a:rPr lang="de-DE" sz="1800" dirty="0" smtClean="0"/>
-              <a:t> </a:t>
-            </a:r>
-            <a:r>
-              <a:rPr lang="de-DE" sz="1800" dirty="0" err="1" smtClean="0"/>
-              <a:t>stop</a:t>
-            </a:r>
-            <a:r>
-              <a:rPr lang="de-DE" sz="1800" dirty="0" smtClean="0"/>
-              <a:t> </a:t>
-            </a:r>
-            <a:r>
-              <a:rPr lang="de-DE" sz="1800" dirty="0" err="1" smtClean="0"/>
-              <a:t>criterion</a:t>
-            </a:r>
-            <a:endParaRPr lang="de-DE" sz="1800" dirty="0" smtClean="0"/>
-          </a:p>
-          <a:p>
-            <a:pPr lvl="1"/>
-            <a:endParaRPr lang="de-DE" sz="1800" dirty="0" smtClean="0"/>
-          </a:p>
-          <a:p>
-            <a:pPr marL="742950" lvl="1" indent="-285750">
-              <a:buFont typeface="Arial"/>
-              <a:buChar char="•"/>
-            </a:pPr>
-            <a:endParaRPr lang="de-DE" sz="1800" dirty="0" smtClean="0"/>
-          </a:p>
-          <a:p>
-            <a:pPr marL="285750" indent="-285750">
-              <a:buFont typeface="Wingdings" charset="2"/>
-              <a:buChar char="§"/>
-            </a:pPr>
-            <a:r>
-              <a:rPr lang="de-DE" sz="1800" b="1" dirty="0" smtClean="0"/>
-              <a:t>Implementation </a:t>
-            </a:r>
-            <a:r>
-              <a:rPr lang="de-DE" sz="1800" b="1" dirty="0" err="1" smtClean="0"/>
-              <a:t>and</a:t>
-            </a:r>
-            <a:r>
-              <a:rPr lang="de-DE" sz="1800" b="1" dirty="0" smtClean="0"/>
-              <a:t> Parameters</a:t>
-            </a:r>
-            <a:r>
-              <a:rPr lang="de-DE" sz="1800" dirty="0" smtClean="0"/>
-              <a:t>:</a:t>
-            </a:r>
-            <a:br>
-              <a:rPr lang="de-DE" sz="1800" dirty="0" smtClean="0"/>
-            </a:br>
-            <a:endParaRPr lang="de-DE" sz="1800" dirty="0" smtClean="0"/>
-          </a:p>
-          <a:p>
-            <a:pPr marL="742950" lvl="1" indent="-285750">
-              <a:buFont typeface="Wingdings" charset="2"/>
-              <a:buChar char="§"/>
-            </a:pPr>
-            <a:r>
-              <a:rPr lang="de-DE" sz="1800" u="sng" dirty="0" err="1" smtClean="0"/>
-              <a:t>Linkage</a:t>
-            </a:r>
-            <a:r>
-              <a:rPr lang="de-DE" sz="1800" dirty="0" smtClean="0"/>
-              <a:t> (</a:t>
-            </a:r>
-            <a:r>
-              <a:rPr lang="de-DE" sz="1800" dirty="0" err="1" smtClean="0"/>
-              <a:t>distance</a:t>
-            </a:r>
-            <a:r>
-              <a:rPr lang="de-DE" sz="1800" dirty="0" smtClean="0"/>
-              <a:t> </a:t>
-            </a:r>
-            <a:r>
-              <a:rPr lang="de-DE" sz="1800" dirty="0" err="1" smtClean="0"/>
-              <a:t>measure</a:t>
-            </a:r>
-            <a:r>
-              <a:rPr lang="de-DE" sz="1800" dirty="0" smtClean="0"/>
-              <a:t>): </a:t>
-            </a:r>
-            <a:r>
-              <a:rPr lang="de-DE" sz="1800" i="1" dirty="0" smtClean="0"/>
-              <a:t>Ward </a:t>
-            </a:r>
-            <a:r>
-              <a:rPr lang="de-DE" sz="1800" i="1" dirty="0" err="1" smtClean="0"/>
-              <a:t>criterion</a:t>
-            </a:r>
-            <a:r>
-              <a:rPr lang="de-DE" sz="1800" i="1" dirty="0" smtClean="0"/>
-              <a:t> </a:t>
-            </a:r>
-            <a:r>
-              <a:rPr lang="de-DE" sz="1800" dirty="0" smtClean="0"/>
-              <a:t>(</a:t>
-            </a:r>
-            <a:r>
-              <a:rPr lang="de-DE" sz="1800" dirty="0" err="1" smtClean="0"/>
-              <a:t>minimum</a:t>
-            </a:r>
-            <a:r>
-              <a:rPr lang="de-DE" sz="1800" dirty="0" smtClean="0"/>
-              <a:t> </a:t>
-            </a:r>
-            <a:r>
-              <a:rPr lang="de-DE" sz="1800" dirty="0" err="1" smtClean="0"/>
-              <a:t>variance</a:t>
-            </a:r>
-            <a:r>
-              <a:rPr lang="de-DE" sz="1800" dirty="0" smtClean="0"/>
-              <a:t>)</a:t>
-            </a:r>
-          </a:p>
-          <a:p>
-            <a:pPr marL="742950" lvl="1" indent="-285750">
-              <a:lnSpc>
-                <a:spcPct val="120000"/>
-              </a:lnSpc>
-              <a:buFont typeface="Wingdings" charset="2"/>
-              <a:buChar char="§"/>
-            </a:pPr>
-            <a:r>
-              <a:rPr lang="de-DE" sz="1800" u="sng" dirty="0" err="1" smtClean="0"/>
-              <a:t>Distance</a:t>
-            </a:r>
-            <a:r>
-              <a:rPr lang="de-DE" sz="1800" dirty="0" smtClean="0"/>
-              <a:t>: </a:t>
-            </a:r>
-            <a:r>
-              <a:rPr lang="de-DE" sz="1800" i="1" dirty="0" err="1" smtClean="0"/>
-              <a:t>Euclidean</a:t>
-            </a:r>
-            <a:endParaRPr lang="de-DE" sz="1800" i="1" dirty="0" smtClean="0"/>
-          </a:p>
-          <a:p>
-            <a:pPr marL="742950" lvl="1" indent="-285750">
-              <a:lnSpc>
-                <a:spcPct val="120000"/>
-              </a:lnSpc>
-              <a:buFont typeface="Wingdings" charset="2"/>
-              <a:buChar char="§"/>
-            </a:pPr>
-            <a:r>
-              <a:rPr lang="de-DE" sz="1800" u="sng" dirty="0" err="1" smtClean="0"/>
-              <a:t>Stop</a:t>
-            </a:r>
-            <a:r>
-              <a:rPr lang="de-DE" sz="1800" u="sng" dirty="0" smtClean="0"/>
-              <a:t> </a:t>
-            </a:r>
-            <a:r>
-              <a:rPr lang="de-DE" sz="1800" u="sng" dirty="0" err="1" smtClean="0"/>
-              <a:t>criterion</a:t>
-            </a:r>
-            <a:r>
-              <a:rPr lang="de-DE" sz="1800" dirty="0" smtClean="0"/>
-              <a:t>: </a:t>
-            </a:r>
-            <a:r>
-              <a:rPr lang="de-DE" sz="1800" dirty="0" err="1" smtClean="0"/>
-              <a:t>number</a:t>
-            </a:r>
-            <a:r>
-              <a:rPr lang="de-DE" sz="1800" dirty="0" smtClean="0"/>
-              <a:t> </a:t>
-            </a:r>
-            <a:r>
-              <a:rPr lang="de-DE" sz="1800" dirty="0" err="1" smtClean="0"/>
-              <a:t>of</a:t>
-            </a:r>
-            <a:r>
-              <a:rPr lang="de-DE" sz="1800" dirty="0" smtClean="0"/>
-              <a:t> </a:t>
-            </a:r>
-            <a:r>
-              <a:rPr lang="de-DE" sz="1800" dirty="0" err="1" smtClean="0"/>
-              <a:t>clusters</a:t>
-            </a:r>
-            <a:r>
-              <a:rPr lang="de-DE" sz="1800" dirty="0" smtClean="0"/>
-              <a:t> (~ #tags)</a:t>
-            </a:r>
-            <a:endParaRPr lang="de-DE" sz="1800" dirty="0"/>
-          </a:p>
-        </p:txBody>
-      </p:sp>
-    </p:spTree>
-    <p:extLst>
-      <p:ext uri="{BB962C8B-B14F-4D97-AF65-F5344CB8AC3E}">
-        <p14:creationId xmlns:p14="http://schemas.microsoft.com/office/powerpoint/2010/main" val="3725130415"/>
-      </p:ext>
-    </p:extLst>
-  </p:cSld>
-  <p:clrMapOvr>
-    <a:masterClrMapping/>
-  </p:clrMapOvr>
-  <p:timing>
-    <p:tnLst>
-      <p:par>
-        <p:cTn xmlns:p14="http://schemas.microsoft.com/office/powerpoint/2010/main" id="1" dur="indefinite" restart="never" nodeType="tmRoot"/>
-      </p:par>
-    </p:tnLst>
-  </p:timing>
-</p:sld>
-</file>
-
-<file path=ppt/slides/slide9.xml><?xml version="1.0" encoding="utf-8"?>
-<p:sld xmlns:a="http://schemas.openxmlformats.org/drawingml/2006/main" xmlns:r="http://schemas.openxmlformats.org/officeDocument/2006/relationships" xmlns:p="http://schemas.openxmlformats.org/presentationml/2006/main">
-  <p:cSld>
-    <p:spTree>
-      <p:nvGrpSpPr>
-        <p:cNvPr id="1" name=""/>
-        <p:cNvGrpSpPr/>
-        <p:nvPr/>
-      </p:nvGrpSpPr>
-      <p:grpSpPr>
-        <a:xfrm>
-          <a:off x="0" y="0"/>
-          <a:ext cx="0" cy="0"/>
-          <a:chOff x="0" y="0"/>
-          <a:chExt cx="0" cy="0"/>
-        </a:xfrm>
-      </p:grpSpPr>
-      <p:sp>
-        <p:nvSpPr>
-          <p:cNvPr id="8" name="Rectangle 2"/>
-          <p:cNvSpPr txBox="1">
-            <a:spLocks noChangeArrowheads="1"/>
-          </p:cNvSpPr>
-          <p:nvPr/>
-        </p:nvSpPr>
-        <p:spPr bwMode="auto">
-          <a:xfrm>
-            <a:off x="461963" y="485772"/>
-            <a:ext cx="8224837" cy="1069975"/>
-          </a:xfrm>
-          <a:prstGeom prst="rect">
-            <a:avLst/>
-          </a:prstGeom>
-          <a:noFill/>
-          <a:ln>
-            <a:noFill/>
-          </a:ln>
-          <a:effectLst/>
-          <a:extLst>
-            <a:ext uri="{909E8E84-426E-40dd-AFC4-6F175D3DCCD1}">
-              <a14:hiddenFill xmlns:a14="http://schemas.microsoft.com/office/drawing/2010/main">
-                <a:solidFill>
-                  <a:schemeClr val="accent1"/>
-                </a:solidFill>
-              </a14:hiddenFill>
-            </a:ext>
-            <a:ext uri="{91240B29-F687-4f45-9708-019B960494DF}">
-              <a14:hiddenLine xmlns:a14="http://schemas.microsoft.com/office/drawing/2010/main" w="9525">
-                <a:solidFill>
-                  <a:schemeClr val="tx1"/>
-                </a:solidFill>
-                <a:miter lim="800000"/>
-                <a:headEnd/>
-                <a:tailEnd/>
-              </a14:hiddenLine>
-            </a:ext>
-            <a:ext uri="{AF507438-7753-43e0-B8FC-AC1667EBCBE1}">
-              <a14:hiddenEffects xmlns:a14="http://schemas.microsoft.com/office/drawing/2010/main">
-                <a:effectLst>
-                  <a:outerShdw dist="35921" dir="2700000" algn="ctr" rotWithShape="0">
-                    <a:schemeClr val="bg2"/>
-                  </a:outerShdw>
-                </a:effectLst>
-              </a14:hiddenEffects>
-            </a:ext>
-          </a:extLst>
-        </p:spPr>
-        <p:txBody>
-          <a:bodyPr vert="horz" wrap="square" lIns="91440" tIns="45720" rIns="91440" bIns="45720" numCol="1" anchor="ctr" anchorCtr="0" compatLnSpc="1">
-            <a:prstTxWarp prst="textNoShape">
-              <a:avLst/>
-            </a:prstTxWarp>
-          </a:bodyPr>
-          <a:lstStyle>
-            <a:lvl1pPr algn="ctr" rtl="0" eaLnBrk="0" fontAlgn="base" hangingPunct="0">
-              <a:spcBef>
-                <a:spcPct val="0"/>
-              </a:spcBef>
-              <a:spcAft>
-                <a:spcPct val="0"/>
-              </a:spcAft>
-              <a:defRPr sz="3200">
-                <a:solidFill>
-                  <a:schemeClr val="bg2"/>
-                </a:solidFill>
-                <a:latin typeface="+mj-lt"/>
-                <a:ea typeface="+mj-ea"/>
-                <a:cs typeface="+mj-cs"/>
-              </a:defRPr>
-            </a:lvl1pPr>
-            <a:lvl2pPr algn="ctr" rtl="0" eaLnBrk="0" fontAlgn="base" hangingPunct="0">
-              <a:spcBef>
-                <a:spcPct val="0"/>
-              </a:spcBef>
-              <a:spcAft>
-                <a:spcPct val="0"/>
-              </a:spcAft>
-              <a:defRPr sz="3200">
-                <a:solidFill>
-                  <a:schemeClr val="bg2"/>
-                </a:solidFill>
-                <a:latin typeface="Arial" charset="0"/>
-              </a:defRPr>
-            </a:lvl2pPr>
-            <a:lvl3pPr algn="ctr" rtl="0" eaLnBrk="0" fontAlgn="base" hangingPunct="0">
-              <a:spcBef>
-                <a:spcPct val="0"/>
-              </a:spcBef>
-              <a:spcAft>
-                <a:spcPct val="0"/>
-              </a:spcAft>
-              <a:defRPr sz="3200">
-                <a:solidFill>
-                  <a:schemeClr val="bg2"/>
-                </a:solidFill>
-                <a:latin typeface="Arial" charset="0"/>
-              </a:defRPr>
-            </a:lvl3pPr>
-            <a:lvl4pPr algn="ctr" rtl="0" eaLnBrk="0" fontAlgn="base" hangingPunct="0">
-              <a:spcBef>
-                <a:spcPct val="0"/>
-              </a:spcBef>
-              <a:spcAft>
-                <a:spcPct val="0"/>
-              </a:spcAft>
-              <a:defRPr sz="3200">
-                <a:solidFill>
-                  <a:schemeClr val="bg2"/>
-                </a:solidFill>
-                <a:latin typeface="Arial" charset="0"/>
-              </a:defRPr>
-            </a:lvl4pPr>
-            <a:lvl5pPr algn="ctr" rtl="0" eaLnBrk="0" fontAlgn="base" hangingPunct="0">
-              <a:spcBef>
-                <a:spcPct val="0"/>
-              </a:spcBef>
-              <a:spcAft>
-                <a:spcPct val="0"/>
-              </a:spcAft>
-              <a:defRPr sz="3200">
-                <a:solidFill>
-                  <a:schemeClr val="bg2"/>
-                </a:solidFill>
-                <a:latin typeface="Arial" charset="0"/>
-              </a:defRPr>
-            </a:lvl5pPr>
-            <a:lvl6pPr marL="457200" algn="ctr" rtl="0" fontAlgn="base">
-              <a:spcBef>
-                <a:spcPct val="0"/>
-              </a:spcBef>
-              <a:spcAft>
-                <a:spcPct val="0"/>
-              </a:spcAft>
-              <a:defRPr sz="3200">
-                <a:solidFill>
-                  <a:schemeClr val="bg2"/>
-                </a:solidFill>
-                <a:latin typeface="Arial" charset="0"/>
-              </a:defRPr>
-            </a:lvl6pPr>
-            <a:lvl7pPr marL="914400" algn="ctr" rtl="0" fontAlgn="base">
-              <a:spcBef>
-                <a:spcPct val="0"/>
-              </a:spcBef>
-              <a:spcAft>
-                <a:spcPct val="0"/>
-              </a:spcAft>
-              <a:defRPr sz="3200">
-                <a:solidFill>
-                  <a:schemeClr val="bg2"/>
-                </a:solidFill>
-                <a:latin typeface="Arial" charset="0"/>
-              </a:defRPr>
-            </a:lvl7pPr>
-            <a:lvl8pPr marL="1371600" algn="ctr" rtl="0" fontAlgn="base">
-              <a:spcBef>
-                <a:spcPct val="0"/>
-              </a:spcBef>
-              <a:spcAft>
-                <a:spcPct val="0"/>
-              </a:spcAft>
-              <a:defRPr sz="3200">
-                <a:solidFill>
-                  <a:schemeClr val="bg2"/>
-                </a:solidFill>
-                <a:latin typeface="Arial" charset="0"/>
-              </a:defRPr>
-            </a:lvl8pPr>
-            <a:lvl9pPr marL="1828800" algn="ctr" rtl="0" fontAlgn="base">
-              <a:spcBef>
-                <a:spcPct val="0"/>
-              </a:spcBef>
-              <a:spcAft>
-                <a:spcPct val="0"/>
-              </a:spcAft>
-              <a:defRPr sz="3200">
-                <a:solidFill>
-                  <a:schemeClr val="bg2"/>
-                </a:solidFill>
-                <a:latin typeface="Arial" charset="0"/>
-              </a:defRPr>
-            </a:lvl9pPr>
-          </a:lstStyle>
-          <a:p>
-            <a:pPr eaLnBrk="1" hangingPunct="1"/>
-            <a:r>
               <a:rPr lang="de-DE" b="1" dirty="0" smtClean="0"/>
               <a:t>Evaluation</a:t>
             </a:r>
@@ -12919,7 +11381,7 @@
           <a:graphicData uri="http://schemas.openxmlformats.org/presentationml/2006/ole">
             <mc:AlternateContent xmlns:mc="http://schemas.openxmlformats.org/markup-compatibility/2006">
               <mc:Choice xmlns:v="urn:schemas-microsoft-com:vml" Requires="v">
-                <p:oleObj spid="_x0000_s1342" name="Formel" r:id="rId4" imgW="2806700" imgH="609600" progId="Equation.3">
+                <p:oleObj spid="_x0000_s1399" name="Formel" r:id="rId4" imgW="2806700" imgH="609600" progId="Equation.3">
                   <p:embed/>
                 </p:oleObj>
               </mc:Choice>
@@ -12976,7 +11438,7 @@
           <a:graphicData uri="http://schemas.openxmlformats.org/presentationml/2006/ole">
             <mc:AlternateContent xmlns:mc="http://schemas.openxmlformats.org/markup-compatibility/2006">
               <mc:Choice xmlns:v="urn:schemas-microsoft-com:vml" Requires="v">
-                <p:oleObj spid="_x0000_s1343" name="Formel" r:id="rId6" imgW="2667000" imgH="609600" progId="Equation.3">
+                <p:oleObj spid="_x0000_s1400" name="Formel" r:id="rId6" imgW="2667000" imgH="609600" progId="Equation.3">
                   <p:embed/>
                 </p:oleObj>
               </mc:Choice>
@@ -13121,6 +11583,671 @@
     <p:extLst>
       <p:ext uri="{BB962C8B-B14F-4D97-AF65-F5344CB8AC3E}">
         <p14:creationId xmlns:p14="http://schemas.microsoft.com/office/powerpoint/2010/main" val="921231124"/>
+      </p:ext>
+    </p:extLst>
+  </p:cSld>
+  <p:clrMapOvr>
+    <a:masterClrMapping/>
+  </p:clrMapOvr>
+  <p:timing>
+    <p:tnLst>
+      <p:par>
+        <p:cTn xmlns:p14="http://schemas.microsoft.com/office/powerpoint/2010/main" id="1" dur="indefinite" restart="never" nodeType="tmRoot"/>
+      </p:par>
+    </p:tnLst>
+  </p:timing>
+</p:sld>
+</file>
+
+<file path=ppt/slides/slide9.xml><?xml version="1.0" encoding="utf-8"?>
+<p:sld xmlns:a="http://schemas.openxmlformats.org/drawingml/2006/main" xmlns:r="http://schemas.openxmlformats.org/officeDocument/2006/relationships" xmlns:p="http://schemas.openxmlformats.org/presentationml/2006/main">
+  <p:cSld>
+    <p:spTree>
+      <p:nvGrpSpPr>
+        <p:cNvPr id="1" name=""/>
+        <p:cNvGrpSpPr/>
+        <p:nvPr/>
+      </p:nvGrpSpPr>
+      <p:grpSpPr>
+        <a:xfrm>
+          <a:off x="0" y="0"/>
+          <a:ext cx="0" cy="0"/>
+          <a:chOff x="0" y="0"/>
+          <a:chExt cx="0" cy="0"/>
+        </a:xfrm>
+      </p:grpSpPr>
+      <p:graphicFrame>
+        <p:nvGraphicFramePr>
+          <p:cNvPr id="2" name="Tabelle 1"/>
+          <p:cNvGraphicFramePr>
+            <a:graphicFrameLocks noGrp="1"/>
+          </p:cNvGraphicFramePr>
+          <p:nvPr>
+            <p:extLst>
+              <p:ext uri="{D42A27DB-BD31-4B8C-83A1-F6EECF244321}">
+                <p14:modId xmlns:p14="http://schemas.microsoft.com/office/powerpoint/2010/main" val="2676765233"/>
+              </p:ext>
+            </p:extLst>
+          </p:nvPr>
+        </p:nvGraphicFramePr>
+        <p:xfrm>
+          <a:off x="812405" y="1933414"/>
+          <a:ext cx="7759581" cy="2115358"/>
+        </p:xfrm>
+        <a:graphic>
+          <a:graphicData uri="http://schemas.openxmlformats.org/drawingml/2006/table">
+            <a:tbl>
+              <a:tblPr firstRow="1" bandRow="1">
+                <a:tableStyleId>{5C22544A-7EE6-4342-B048-85BDC9FD1C3A}</a:tableStyleId>
+              </a:tblPr>
+              <a:tblGrid>
+                <a:gridCol w="2586527"/>
+                <a:gridCol w="2586527"/>
+                <a:gridCol w="2586527"/>
+              </a:tblGrid>
+              <a:tr h="523387">
+                <a:tc>
+                  <a:txBody>
+                    <a:bodyPr/>
+                    <a:lstStyle/>
+                    <a:p>
+                      <a:r>
+                        <a:rPr lang="de-DE" dirty="0" smtClean="0"/>
+                        <a:t>Model</a:t>
+                      </a:r>
+                      <a:endParaRPr lang="de-DE" dirty="0"/>
+                    </a:p>
+                  </a:txBody>
+                  <a:tcPr>
+                    <a:solidFill>
+                      <a:schemeClr val="accent5">
+                        <a:lumMod val="90000"/>
+                      </a:schemeClr>
+                    </a:solidFill>
+                  </a:tcPr>
+                </a:tc>
+                <a:tc>
+                  <a:txBody>
+                    <a:bodyPr/>
+                    <a:lstStyle/>
+                    <a:p>
+                      <a:pPr algn="ctr"/>
+                      <a:r>
+                        <a:rPr lang="de-DE" dirty="0" smtClean="0"/>
+                        <a:t>Precision</a:t>
+                      </a:r>
+                      <a:endParaRPr lang="de-DE" dirty="0"/>
+                    </a:p>
+                  </a:txBody>
+                  <a:tcPr/>
+                </a:tc>
+                <a:tc>
+                  <a:txBody>
+                    <a:bodyPr/>
+                    <a:lstStyle/>
+                    <a:p>
+                      <a:pPr algn="ctr"/>
+                      <a:r>
+                        <a:rPr lang="de-DE" dirty="0" smtClean="0"/>
+                        <a:t>Recall</a:t>
+                      </a:r>
+                      <a:endParaRPr lang="de-DE" dirty="0"/>
+                    </a:p>
+                  </a:txBody>
+                  <a:tcPr/>
+                </a:tc>
+              </a:tr>
+              <a:tr h="530657">
+                <a:tc>
+                  <a:txBody>
+                    <a:bodyPr/>
+                    <a:lstStyle/>
+                    <a:p>
+                      <a:pPr algn="l"/>
+                      <a:r>
+                        <a:rPr lang="de-DE" dirty="0" err="1" smtClean="0"/>
+                        <a:t>MultinomialNB</a:t>
+                      </a:r>
+                      <a:endParaRPr lang="de-DE" dirty="0"/>
+                    </a:p>
+                  </a:txBody>
+                  <a:tcPr anchor="ctr"/>
+                </a:tc>
+                <a:tc>
+                  <a:txBody>
+                    <a:bodyPr/>
+                    <a:lstStyle/>
+                    <a:p>
+                      <a:pPr algn="ctr"/>
+                      <a:r>
+                        <a:rPr lang="is-IS" dirty="0" smtClean="0"/>
+                        <a:t>0.332</a:t>
+                      </a:r>
+                      <a:endParaRPr lang="de-DE" dirty="0"/>
+                    </a:p>
+                  </a:txBody>
+                  <a:tcPr anchor="ctr"/>
+                </a:tc>
+                <a:tc>
+                  <a:txBody>
+                    <a:bodyPr/>
+                    <a:lstStyle/>
+                    <a:p>
+                      <a:pPr algn="ctr"/>
+                      <a:r>
+                        <a:rPr lang="nb-NO" dirty="0" smtClean="0"/>
+                        <a:t>0.285</a:t>
+                      </a:r>
+                      <a:endParaRPr lang="de-DE" dirty="0"/>
+                    </a:p>
+                  </a:txBody>
+                  <a:tcPr anchor="ctr"/>
+                </a:tc>
+              </a:tr>
+              <a:tr h="530657">
+                <a:tc>
+                  <a:txBody>
+                    <a:bodyPr/>
+                    <a:lstStyle/>
+                    <a:p>
+                      <a:pPr algn="l"/>
+                      <a:r>
+                        <a:rPr lang="de-DE" dirty="0" err="1" smtClean="0"/>
+                        <a:t>k-Means</a:t>
+                      </a:r>
+                      <a:r>
+                        <a:rPr lang="de-DE" dirty="0" smtClean="0"/>
+                        <a:t> </a:t>
+                      </a:r>
+                      <a:r>
+                        <a:rPr lang="de-DE" baseline="30000" dirty="0" smtClean="0"/>
+                        <a:t>1)</a:t>
+                      </a:r>
+                      <a:endParaRPr lang="de-DE" baseline="30000" dirty="0"/>
+                    </a:p>
+                  </a:txBody>
+                  <a:tcPr anchor="ctr"/>
+                </a:tc>
+                <a:tc>
+                  <a:txBody>
+                    <a:bodyPr/>
+                    <a:lstStyle/>
+                    <a:p>
+                      <a:pPr algn="ctr"/>
+                      <a:r>
+                        <a:rPr lang="de-DE" dirty="0" smtClean="0"/>
+                        <a:t>0.298</a:t>
+                      </a:r>
+                      <a:endParaRPr lang="de-DE" dirty="0"/>
+                    </a:p>
+                  </a:txBody>
+                  <a:tcPr anchor="ctr"/>
+                </a:tc>
+                <a:tc>
+                  <a:txBody>
+                    <a:bodyPr/>
+                    <a:lstStyle/>
+                    <a:p>
+                      <a:pPr algn="ctr"/>
+                      <a:r>
+                        <a:rPr lang="de-DE" dirty="0" smtClean="0"/>
+                        <a:t>0.262</a:t>
+                      </a:r>
+                      <a:endParaRPr lang="de-DE" dirty="0"/>
+                    </a:p>
+                  </a:txBody>
+                  <a:tcPr anchor="ctr"/>
+                </a:tc>
+              </a:tr>
+              <a:tr h="530657">
+                <a:tc>
+                  <a:txBody>
+                    <a:bodyPr/>
+                    <a:lstStyle/>
+                    <a:p>
+                      <a:pPr algn="l"/>
+                      <a:r>
+                        <a:rPr lang="de-DE" dirty="0" smtClean="0"/>
+                        <a:t>HAC </a:t>
+                      </a:r>
+                      <a:r>
+                        <a:rPr lang="de-DE" baseline="30000" dirty="0" smtClean="0"/>
+                        <a:t>2)</a:t>
+                      </a:r>
+                      <a:endParaRPr lang="de-DE" baseline="30000" dirty="0"/>
+                    </a:p>
+                  </a:txBody>
+                  <a:tcPr anchor="ctr"/>
+                </a:tc>
+                <a:tc>
+                  <a:txBody>
+                    <a:bodyPr/>
+                    <a:lstStyle/>
+                    <a:p>
+                      <a:pPr algn="ctr"/>
+                      <a:r>
+                        <a:rPr lang="de-DE" dirty="0" smtClean="0"/>
+                        <a:t>0.281</a:t>
+                      </a:r>
+                      <a:endParaRPr lang="de-DE" dirty="0"/>
+                    </a:p>
+                  </a:txBody>
+                  <a:tcPr anchor="ctr"/>
+                </a:tc>
+                <a:tc>
+                  <a:txBody>
+                    <a:bodyPr/>
+                    <a:lstStyle/>
+                    <a:p>
+                      <a:pPr algn="ctr"/>
+                      <a:r>
+                        <a:rPr lang="de-DE" dirty="0" smtClean="0"/>
+                        <a:t>0.255</a:t>
+                      </a:r>
+                      <a:endParaRPr lang="de-DE" dirty="0"/>
+                    </a:p>
+                  </a:txBody>
+                  <a:tcPr anchor="ctr"/>
+                </a:tc>
+              </a:tr>
+            </a:tbl>
+          </a:graphicData>
+        </a:graphic>
+      </p:graphicFrame>
+      <p:sp>
+        <p:nvSpPr>
+          <p:cNvPr id="5" name="Textfeld 4"/>
+          <p:cNvSpPr txBox="1"/>
+          <p:nvPr/>
+        </p:nvSpPr>
+        <p:spPr>
+          <a:xfrm>
+            <a:off x="812405" y="4675100"/>
+            <a:ext cx="7759581" cy="860748"/>
+          </a:xfrm>
+          <a:prstGeom prst="rect">
+            <a:avLst/>
+          </a:prstGeom>
+          <a:noFill/>
+        </p:spPr>
+        <p:txBody>
+          <a:bodyPr wrap="square" rtlCol="0">
+            <a:spAutoFit/>
+          </a:bodyPr>
+          <a:lstStyle/>
+          <a:p>
+            <a:pPr>
+              <a:lnSpc>
+                <a:spcPct val="120000"/>
+              </a:lnSpc>
+            </a:pPr>
+            <a:r>
+              <a:rPr lang="de-DE" sz="1400" dirty="0" smtClean="0"/>
+              <a:t>All </a:t>
+            </a:r>
+            <a:r>
+              <a:rPr lang="de-DE" sz="1400" dirty="0" err="1" smtClean="0"/>
+              <a:t>results</a:t>
+            </a:r>
+            <a:r>
+              <a:rPr lang="de-DE" sz="1400" dirty="0" smtClean="0"/>
+              <a:t> </a:t>
+            </a:r>
+            <a:r>
+              <a:rPr lang="de-DE" sz="1400" dirty="0" err="1" smtClean="0"/>
+              <a:t>are</a:t>
+            </a:r>
+            <a:r>
+              <a:rPr lang="de-DE" sz="1400" dirty="0" smtClean="0"/>
+              <a:t> </a:t>
+            </a:r>
+            <a:r>
+              <a:rPr lang="de-DE" sz="1400" dirty="0" err="1" smtClean="0"/>
+              <a:t>based</a:t>
+            </a:r>
+            <a:r>
+              <a:rPr lang="de-DE" sz="1400" dirty="0" smtClean="0"/>
+              <a:t> on </a:t>
+            </a:r>
+            <a:r>
+              <a:rPr lang="de-DE" sz="1400" u="sng" dirty="0" err="1" smtClean="0"/>
+              <a:t>two</a:t>
+            </a:r>
+            <a:r>
+              <a:rPr lang="de-DE" sz="1400" u="sng" dirty="0" smtClean="0"/>
+              <a:t> </a:t>
+            </a:r>
+            <a:r>
+              <a:rPr lang="de-DE" sz="1400" u="sng" dirty="0" err="1" smtClean="0"/>
+              <a:t>predicted</a:t>
+            </a:r>
+            <a:r>
+              <a:rPr lang="de-DE" sz="1400" u="sng" dirty="0" smtClean="0"/>
+              <a:t> tags</a:t>
+            </a:r>
+            <a:r>
+              <a:rPr lang="de-DE" sz="1400" dirty="0" smtClean="0"/>
+              <a:t> (</a:t>
+            </a:r>
+            <a:r>
+              <a:rPr lang="de-DE" sz="1400" dirty="0" err="1" smtClean="0"/>
+              <a:t>average</a:t>
+            </a:r>
+            <a:r>
+              <a:rPr lang="de-DE" sz="1400" dirty="0" smtClean="0"/>
+              <a:t> tag </a:t>
+            </a:r>
+            <a:r>
+              <a:rPr lang="de-DE" sz="1400" dirty="0" err="1" smtClean="0"/>
+              <a:t>assignment</a:t>
+            </a:r>
+            <a:r>
+              <a:rPr lang="de-DE" sz="1400" dirty="0" smtClean="0"/>
+              <a:t> = 2.68)</a:t>
+            </a:r>
+          </a:p>
+          <a:p>
+            <a:pPr>
+              <a:lnSpc>
+                <a:spcPct val="120000"/>
+              </a:lnSpc>
+            </a:pPr>
+            <a:r>
+              <a:rPr lang="de-DE" sz="1400" baseline="30000" dirty="0" smtClean="0"/>
+              <a:t>1) </a:t>
+            </a:r>
+            <a:r>
+              <a:rPr lang="de-DE" sz="1400" dirty="0" err="1" smtClean="0"/>
+              <a:t>Number</a:t>
+            </a:r>
+            <a:r>
+              <a:rPr lang="de-DE" sz="1400" dirty="0" smtClean="0"/>
+              <a:t> </a:t>
+            </a:r>
+            <a:r>
+              <a:rPr lang="de-DE" sz="1400" dirty="0" err="1" smtClean="0"/>
+              <a:t>of</a:t>
+            </a:r>
+            <a:r>
+              <a:rPr lang="de-DE" sz="1400" dirty="0" smtClean="0"/>
+              <a:t> </a:t>
+            </a:r>
+            <a:r>
+              <a:rPr lang="de-DE" sz="1400" dirty="0" err="1" smtClean="0"/>
+              <a:t>clusters</a:t>
+            </a:r>
+            <a:r>
+              <a:rPr lang="de-DE" sz="1400" dirty="0" smtClean="0"/>
+              <a:t> = #tags  </a:t>
+            </a:r>
+          </a:p>
+          <a:p>
+            <a:pPr>
+              <a:lnSpc>
+                <a:spcPct val="120000"/>
+              </a:lnSpc>
+            </a:pPr>
+            <a:r>
+              <a:rPr lang="de-DE" sz="1400" baseline="30000" dirty="0" smtClean="0"/>
+              <a:t>2) </a:t>
+            </a:r>
+            <a:r>
+              <a:rPr lang="de-DE" sz="1400" dirty="0" err="1" smtClean="0"/>
+              <a:t>Stop</a:t>
+            </a:r>
+            <a:r>
+              <a:rPr lang="de-DE" sz="1400" dirty="0" smtClean="0"/>
+              <a:t> </a:t>
+            </a:r>
+            <a:r>
+              <a:rPr lang="de-DE" sz="1400" dirty="0" err="1" smtClean="0"/>
+              <a:t>criterion</a:t>
+            </a:r>
+            <a:r>
+              <a:rPr lang="de-DE" sz="1400" dirty="0" smtClean="0"/>
+              <a:t> = #</a:t>
+            </a:r>
+            <a:r>
+              <a:rPr lang="de-DE" sz="1400" dirty="0" err="1" smtClean="0"/>
+              <a:t>clusters</a:t>
+            </a:r>
+            <a:r>
+              <a:rPr lang="de-DE" sz="1400" dirty="0" smtClean="0"/>
+              <a:t> </a:t>
+            </a:r>
+            <a:r>
+              <a:rPr lang="de-DE" sz="1400" dirty="0" smtClean="0">
+                <a:sym typeface="Wingdings"/>
+              </a:rPr>
+              <a:t> </a:t>
+            </a:r>
+            <a:r>
+              <a:rPr lang="de-DE" sz="1400" dirty="0" smtClean="0"/>
+              <a:t>#tags</a:t>
+            </a:r>
+            <a:endParaRPr lang="de-DE" sz="1400" dirty="0"/>
+          </a:p>
+        </p:txBody>
+      </p:sp>
+      <p:sp>
+        <p:nvSpPr>
+          <p:cNvPr id="8" name="Rectangle 2"/>
+          <p:cNvSpPr txBox="1">
+            <a:spLocks noChangeArrowheads="1"/>
+          </p:cNvSpPr>
+          <p:nvPr/>
+        </p:nvSpPr>
+        <p:spPr bwMode="auto">
+          <a:xfrm>
+            <a:off x="461963" y="485772"/>
+            <a:ext cx="8224837" cy="1069975"/>
+          </a:xfrm>
+          <a:prstGeom prst="rect">
+            <a:avLst/>
+          </a:prstGeom>
+          <a:noFill/>
+          <a:ln>
+            <a:noFill/>
+          </a:ln>
+          <a:effectLst/>
+          <a:extLst>
+            <a:ext uri="{909E8E84-426E-40dd-AFC4-6F175D3DCCD1}">
+              <a14:hiddenFill xmlns:a14="http://schemas.microsoft.com/office/drawing/2010/main">
+                <a:solidFill>
+                  <a:schemeClr val="accent1"/>
+                </a:solidFill>
+              </a14:hiddenFill>
+            </a:ext>
+            <a:ext uri="{91240B29-F687-4f45-9708-019B960494DF}">
+              <a14:hiddenLine xmlns:a14="http://schemas.microsoft.com/office/drawing/2010/main" w="9525">
+                <a:solidFill>
+                  <a:schemeClr val="tx1"/>
+                </a:solidFill>
+                <a:miter lim="800000"/>
+                <a:headEnd/>
+                <a:tailEnd/>
+              </a14:hiddenLine>
+            </a:ext>
+            <a:ext uri="{AF507438-7753-43e0-B8FC-AC1667EBCBE1}">
+              <a14:hiddenEffects xmlns:a14="http://schemas.microsoft.com/office/drawing/2010/main">
+                <a:effectLst>
+                  <a:outerShdw dist="35921" dir="2700000" algn="ctr" rotWithShape="0">
+                    <a:schemeClr val="bg2"/>
+                  </a:outerShdw>
+                </a:effectLst>
+              </a14:hiddenEffects>
+            </a:ext>
+          </a:extLst>
+        </p:spPr>
+        <p:txBody>
+          <a:bodyPr vert="horz" wrap="square" lIns="91440" tIns="45720" rIns="91440" bIns="45720" numCol="1" anchor="ctr" anchorCtr="0" compatLnSpc="1">
+            <a:prstTxWarp prst="textNoShape">
+              <a:avLst/>
+            </a:prstTxWarp>
+          </a:bodyPr>
+          <a:lstStyle>
+            <a:lvl1pPr algn="ctr" rtl="0" eaLnBrk="0" fontAlgn="base" hangingPunct="0">
+              <a:spcBef>
+                <a:spcPct val="0"/>
+              </a:spcBef>
+              <a:spcAft>
+                <a:spcPct val="0"/>
+              </a:spcAft>
+              <a:defRPr sz="3200">
+                <a:solidFill>
+                  <a:schemeClr val="bg2"/>
+                </a:solidFill>
+                <a:latin typeface="+mj-lt"/>
+                <a:ea typeface="+mj-ea"/>
+                <a:cs typeface="+mj-cs"/>
+              </a:defRPr>
+            </a:lvl1pPr>
+            <a:lvl2pPr algn="ctr" rtl="0" eaLnBrk="0" fontAlgn="base" hangingPunct="0">
+              <a:spcBef>
+                <a:spcPct val="0"/>
+              </a:spcBef>
+              <a:spcAft>
+                <a:spcPct val="0"/>
+              </a:spcAft>
+              <a:defRPr sz="3200">
+                <a:solidFill>
+                  <a:schemeClr val="bg2"/>
+                </a:solidFill>
+                <a:latin typeface="Arial" charset="0"/>
+              </a:defRPr>
+            </a:lvl2pPr>
+            <a:lvl3pPr algn="ctr" rtl="0" eaLnBrk="0" fontAlgn="base" hangingPunct="0">
+              <a:spcBef>
+                <a:spcPct val="0"/>
+              </a:spcBef>
+              <a:spcAft>
+                <a:spcPct val="0"/>
+              </a:spcAft>
+              <a:defRPr sz="3200">
+                <a:solidFill>
+                  <a:schemeClr val="bg2"/>
+                </a:solidFill>
+                <a:latin typeface="Arial" charset="0"/>
+              </a:defRPr>
+            </a:lvl3pPr>
+            <a:lvl4pPr algn="ctr" rtl="0" eaLnBrk="0" fontAlgn="base" hangingPunct="0">
+              <a:spcBef>
+                <a:spcPct val="0"/>
+              </a:spcBef>
+              <a:spcAft>
+                <a:spcPct val="0"/>
+              </a:spcAft>
+              <a:defRPr sz="3200">
+                <a:solidFill>
+                  <a:schemeClr val="bg2"/>
+                </a:solidFill>
+                <a:latin typeface="Arial" charset="0"/>
+              </a:defRPr>
+            </a:lvl4pPr>
+            <a:lvl5pPr algn="ctr" rtl="0" eaLnBrk="0" fontAlgn="base" hangingPunct="0">
+              <a:spcBef>
+                <a:spcPct val="0"/>
+              </a:spcBef>
+              <a:spcAft>
+                <a:spcPct val="0"/>
+              </a:spcAft>
+              <a:defRPr sz="3200">
+                <a:solidFill>
+                  <a:schemeClr val="bg2"/>
+                </a:solidFill>
+                <a:latin typeface="Arial" charset="0"/>
+              </a:defRPr>
+            </a:lvl5pPr>
+            <a:lvl6pPr marL="457200" algn="ctr" rtl="0" fontAlgn="base">
+              <a:spcBef>
+                <a:spcPct val="0"/>
+              </a:spcBef>
+              <a:spcAft>
+                <a:spcPct val="0"/>
+              </a:spcAft>
+              <a:defRPr sz="3200">
+                <a:solidFill>
+                  <a:schemeClr val="bg2"/>
+                </a:solidFill>
+                <a:latin typeface="Arial" charset="0"/>
+              </a:defRPr>
+            </a:lvl6pPr>
+            <a:lvl7pPr marL="914400" algn="ctr" rtl="0" fontAlgn="base">
+              <a:spcBef>
+                <a:spcPct val="0"/>
+              </a:spcBef>
+              <a:spcAft>
+                <a:spcPct val="0"/>
+              </a:spcAft>
+              <a:defRPr sz="3200">
+                <a:solidFill>
+                  <a:schemeClr val="bg2"/>
+                </a:solidFill>
+                <a:latin typeface="Arial" charset="0"/>
+              </a:defRPr>
+            </a:lvl7pPr>
+            <a:lvl8pPr marL="1371600" algn="ctr" rtl="0" fontAlgn="base">
+              <a:spcBef>
+                <a:spcPct val="0"/>
+              </a:spcBef>
+              <a:spcAft>
+                <a:spcPct val="0"/>
+              </a:spcAft>
+              <a:defRPr sz="3200">
+                <a:solidFill>
+                  <a:schemeClr val="bg2"/>
+                </a:solidFill>
+                <a:latin typeface="Arial" charset="0"/>
+              </a:defRPr>
+            </a:lvl8pPr>
+            <a:lvl9pPr marL="1828800" algn="ctr" rtl="0" fontAlgn="base">
+              <a:spcBef>
+                <a:spcPct val="0"/>
+              </a:spcBef>
+              <a:spcAft>
+                <a:spcPct val="0"/>
+              </a:spcAft>
+              <a:defRPr sz="3200">
+                <a:solidFill>
+                  <a:schemeClr val="bg2"/>
+                </a:solidFill>
+                <a:latin typeface="Arial" charset="0"/>
+              </a:defRPr>
+            </a:lvl9pPr>
+          </a:lstStyle>
+          <a:p>
+            <a:pPr eaLnBrk="1" hangingPunct="1"/>
+            <a:r>
+              <a:rPr lang="de-DE" sz="1500" b="1" dirty="0" err="1" smtClean="0"/>
+              <a:t>Current</a:t>
+            </a:r>
+            <a:r>
+              <a:rPr lang="de-DE" sz="1500" b="1" dirty="0" smtClean="0"/>
+              <a:t> Approach</a:t>
+            </a:r>
+            <a:r>
+              <a:rPr lang="de-DE" b="1" dirty="0" smtClean="0"/>
+              <a:t/>
+            </a:r>
+            <a:br>
+              <a:rPr lang="de-DE" b="1" dirty="0" smtClean="0"/>
+            </a:br>
+            <a:r>
+              <a:rPr lang="de-DE" b="1" dirty="0" smtClean="0"/>
+              <a:t>First </a:t>
+            </a:r>
+            <a:r>
+              <a:rPr lang="de-DE" b="1" dirty="0" err="1" smtClean="0"/>
+              <a:t>results</a:t>
+            </a:r>
+            <a:endParaRPr lang="de-DE" b="1" kern="0" dirty="0" smtClean="0"/>
+          </a:p>
+        </p:txBody>
+      </p:sp>
+    </p:spTree>
+    <p:extLst>
+      <p:ext uri="{BB962C8B-B14F-4D97-AF65-F5344CB8AC3E}">
+        <p14:creationId xmlns:p14="http://schemas.microsoft.com/office/powerpoint/2010/main" val="1843644244"/>
       </p:ext>
     </p:extLst>
   </p:cSld>

--- a/presentation/interim/Presentation.pptx
+++ b/presentation/interim/Presentation.pptx
@@ -153,7 +153,7 @@
   </p:defaultTextStyle>
   <p:extLst>
     <p:ext uri="{EFAFB233-063F-42B5-8137-9DF3F51BA10A}">
-      <p15:sldGuideLst xmlns:p15="http://schemas.microsoft.com/office/powerpoint/2012/main" xmlns="">
+      <p15:sldGuideLst xmlns="" xmlns:p15="http://schemas.microsoft.com/office/powerpoint/2012/main">
         <p15:guide id="1" orient="horz" pos="3498">
           <p15:clr>
             <a:srgbClr val="A4A3A4"/>
@@ -167,7 +167,7 @@
       </p15:sldGuideLst>
     </p:ext>
     <p:ext uri="{2D200454-40CA-4A62-9FC3-DE9A4176ACB9}">
-      <p15:notesGuideLst xmlns:p15="http://schemas.microsoft.com/office/powerpoint/2012/main" xmlns="">
+      <p15:notesGuideLst xmlns="" xmlns:p15="http://schemas.microsoft.com/office/powerpoint/2012/main">
         <p15:guide id="1" orient="horz" pos="3224">
           <p15:clr>
             <a:srgbClr val="A4A3A4"/>
@@ -7196,7 +7196,7 @@
         </p:nvSpPr>
         <p:spPr>
           <a:xfrm>
-            <a:off x="4580132" y="1752620"/>
+            <a:off x="4580132" y="1816120"/>
             <a:ext cx="3922006" cy="867930"/>
           </a:xfrm>
           <a:prstGeom prst="rect">
@@ -9222,7 +9222,7 @@
                   <a:t> </a:t>
                 </a:r>
                 <a14:m>
-                  <m:oMath xmlns:m="http://schemas.openxmlformats.org/officeDocument/2006/math" xmlns="">
+                  <m:oMath xmlns="" xmlns:m="http://schemas.openxmlformats.org/officeDocument/2006/math">
                     <m:r>
                       <a:rPr lang="de-DE" sz="1600" i="1" dirty="0">
                         <a:latin typeface="Cambria Math" charset="0"/>
@@ -9238,7 +9238,7 @@
                   <a:t> Tags: </a:t>
                 </a:r>
                 <a14:m>
-                  <m:oMath xmlns:m="http://schemas.openxmlformats.org/officeDocument/2006/math" xmlns="">
+                  <m:oMath xmlns="" xmlns:m="http://schemas.openxmlformats.org/officeDocument/2006/math">
                     <m:r>
                       <a:rPr lang="de-DE" sz="1600" i="1" dirty="0">
                         <a:latin typeface="Cambria Math" charset="0"/>
@@ -9798,13 +9798,8 @@
             </a:r>
             <a:r>
               <a:rPr lang="en-US" sz="1600" dirty="0" smtClean="0"/>
-              <a:t> (full data set)</a:t>
-            </a:r>
-            <a:r>
-              <a:rPr lang="en-US" sz="1600" dirty="0" smtClean="0"/>
-              <a:t>:</a:t>
-            </a:r>
-            <a:endParaRPr lang="en-US" sz="1600" dirty="0" smtClean="0"/>
+              <a:t> (full data set):</a:t>
+            </a:r>
           </a:p>
           <a:p>
             <a:pPr marL="285750" indent="-285750">
@@ -9816,11 +9811,7 @@
             </a:pPr>
             <a:r>
               <a:rPr lang="en-US" sz="1600" dirty="0" smtClean="0"/>
-              <a:t>sufficient results, but still enough space left for improvements (e.g. improve preprocessing, feature selection, weight important </a:t>
-            </a:r>
-            <a:r>
-              <a:rPr lang="en-US" sz="1600" dirty="0" smtClean="0"/>
-              <a:t>features, </a:t>
+              <a:t>sufficient results, but still enough space left for improvements (e.g. improve preprocessing, feature selection, weight important features, </a:t>
             </a:r>
             <a:r>
               <a:rPr lang="is-IS" sz="1600" dirty="0" smtClean="0"/>
@@ -10078,11 +10069,7 @@
             </a:pPr>
             <a:r>
               <a:rPr lang="en-US" sz="1600" dirty="0" smtClean="0"/>
-              <a:t>Use only a few features that represent the entire </a:t>
-            </a:r>
-            <a:r>
-              <a:rPr lang="en-US" sz="1600" dirty="0" smtClean="0"/>
-              <a:t>post</a:t>
+              <a:t>Use only a few features that represent the entire post</a:t>
             </a:r>
             <a:endParaRPr lang="en-US" sz="1600" dirty="0"/>
           </a:p>
@@ -11381,7 +11368,7 @@
           <a:graphicData uri="http://schemas.openxmlformats.org/presentationml/2006/ole">
             <mc:AlternateContent xmlns:mc="http://schemas.openxmlformats.org/markup-compatibility/2006">
               <mc:Choice xmlns:v="urn:schemas-microsoft-com:vml" Requires="v">
-                <p:oleObj spid="_x0000_s1399" name="Formel" r:id="rId4" imgW="2806700" imgH="609600" progId="Equation.3">
+                <p:oleObj spid="_x0000_s1402" name="Formel" r:id="rId4" imgW="2806700" imgH="609600" progId="Equation.3">
                   <p:embed/>
                 </p:oleObj>
               </mc:Choice>
@@ -11438,7 +11425,7 @@
           <a:graphicData uri="http://schemas.openxmlformats.org/presentationml/2006/ole">
             <mc:AlternateContent xmlns:mc="http://schemas.openxmlformats.org/markup-compatibility/2006">
               <mc:Choice xmlns:v="urn:schemas-microsoft-com:vml" Requires="v">
-                <p:oleObj spid="_x0000_s1400" name="Formel" r:id="rId6" imgW="2667000" imgH="609600" progId="Equation.3">
+                <p:oleObj spid="_x0000_s1403" name="Formel" r:id="rId6" imgW="2667000" imgH="609600" progId="Equation.3">
                   <p:embed/>
                 </p:oleObj>
               </mc:Choice>
